--- a/Units_diagram.pptx
+++ b/Units_diagram.pptx
@@ -6,6 +6,7 @@
   </p:sldMasterIdLst>
   <p:sldIdLst>
     <p:sldId id="256" r:id="rId2"/>
+    <p:sldId id="257" r:id="rId3"/>
   </p:sldIdLst>
   <p:sldSz cx="12192000" cy="6858000"/>
   <p:notesSz cx="6858000" cy="9144000"/>
@@ -115,7 +116,7 @@
 <file path=ppt/revisionInfo.xml><?xml version="1.0" encoding="utf-8"?>
 <p1510:revInfo xmlns:a="http://schemas.openxmlformats.org/drawingml/2006/main" xmlns:r="http://schemas.openxmlformats.org/officeDocument/2006/relationships" xmlns:p1510="http://schemas.microsoft.com/office/powerpoint/2015/10/main">
   <p1510:revLst>
-    <p1510:client id="{166D12EF-58EE-6C4C-9A24-99C33C59FE65}" v="131" dt="2024-11-13T02:32:57.247"/>
+    <p1510:client id="{166D12EF-58EE-6C4C-9A24-99C33C59FE65}" v="144" dt="2024-11-13T05:59:55.119"/>
   </p1510:revLst>
 </p1510:revInfo>
 </file>
@@ -124,13 +125,13 @@
 <pc:chgInfo xmlns:a="http://schemas.openxmlformats.org/drawingml/2006/main" xmlns:r="http://schemas.openxmlformats.org/officeDocument/2006/relationships" xmlns:ac="http://schemas.microsoft.com/office/drawing/2013/main/command" xmlns:pc="http://schemas.microsoft.com/office/powerpoint/2013/main/command">
   <pc:docChgLst>
     <pc:chgData name="Montecino, Diego" userId="a795c42d-832a-4dce-b1d8-09bac981a9d2" providerId="ADAL" clId="{166D12EF-58EE-6C4C-9A24-99C33C59FE65}"/>
-    <pc:docChg chg="undo custSel modSld">
-      <pc:chgData name="Montecino, Diego" userId="a795c42d-832a-4dce-b1d8-09bac981a9d2" providerId="ADAL" clId="{166D12EF-58EE-6C4C-9A24-99C33C59FE65}" dt="2024-11-13T02:32:57.247" v="25" actId="5736"/>
+    <pc:docChg chg="undo custSel addSld modSld">
+      <pc:chgData name="Montecino, Diego" userId="a795c42d-832a-4dce-b1d8-09bac981a9d2" providerId="ADAL" clId="{166D12EF-58EE-6C4C-9A24-99C33C59FE65}" dt="2024-11-13T05:59:59.822" v="47" actId="478"/>
       <pc:docMkLst>
         <pc:docMk/>
       </pc:docMkLst>
       <pc:sldChg chg="addSp delSp modSp mod">
-        <pc:chgData name="Montecino, Diego" userId="a795c42d-832a-4dce-b1d8-09bac981a9d2" providerId="ADAL" clId="{166D12EF-58EE-6C4C-9A24-99C33C59FE65}" dt="2024-11-13T02:32:57.247" v="25" actId="5736"/>
+        <pc:chgData name="Montecino, Diego" userId="a795c42d-832a-4dce-b1d8-09bac981a9d2" providerId="ADAL" clId="{166D12EF-58EE-6C4C-9A24-99C33C59FE65}" dt="2024-11-13T05:59:59.822" v="47" actId="478"/>
         <pc:sldMkLst>
           <pc:docMk/>
           <pc:sldMk cId="1753864701" sldId="256"/>
@@ -263,24 +264,24 @@
             <ac:spMk id="94" creationId="{8D9F1479-CEBE-6EEA-05E8-08162036F5CE}"/>
           </ac:spMkLst>
         </pc:spChg>
-        <pc:spChg chg="mod">
-          <ac:chgData name="Montecino, Diego" userId="a795c42d-832a-4dce-b1d8-09bac981a9d2" providerId="ADAL" clId="{166D12EF-58EE-6C4C-9A24-99C33C59FE65}" dt="2024-11-13T02:32:57.247" v="25" actId="5736"/>
+        <pc:spChg chg="del mod">
+          <ac:chgData name="Montecino, Diego" userId="a795c42d-832a-4dce-b1d8-09bac981a9d2" providerId="ADAL" clId="{166D12EF-58EE-6C4C-9A24-99C33C59FE65}" dt="2024-11-13T05:59:28.135" v="41" actId="478"/>
           <ac:spMkLst>
             <pc:docMk/>
             <pc:sldMk cId="1753864701" sldId="256"/>
             <ac:spMk id="99" creationId="{95DBCDA0-9D7E-7A43-DEC3-B40D51218FF8}"/>
           </ac:spMkLst>
         </pc:spChg>
-        <pc:spChg chg="mod">
-          <ac:chgData name="Montecino, Diego" userId="a795c42d-832a-4dce-b1d8-09bac981a9d2" providerId="ADAL" clId="{166D12EF-58EE-6C4C-9A24-99C33C59FE65}" dt="2024-11-13T02:32:57.247" v="25" actId="5736"/>
+        <pc:spChg chg="del mod">
+          <ac:chgData name="Montecino, Diego" userId="a795c42d-832a-4dce-b1d8-09bac981a9d2" providerId="ADAL" clId="{166D12EF-58EE-6C4C-9A24-99C33C59FE65}" dt="2024-11-13T05:59:26.816" v="40" actId="478"/>
           <ac:spMkLst>
             <pc:docMk/>
             <pc:sldMk cId="1753864701" sldId="256"/>
             <ac:spMk id="100" creationId="{CCC4792E-8526-AEE3-624C-4DFFFE7D1012}"/>
           </ac:spMkLst>
         </pc:spChg>
-        <pc:spChg chg="mod">
-          <ac:chgData name="Montecino, Diego" userId="a795c42d-832a-4dce-b1d8-09bac981a9d2" providerId="ADAL" clId="{166D12EF-58EE-6C4C-9A24-99C33C59FE65}" dt="2024-11-13T02:32:57.247" v="25" actId="5736"/>
+        <pc:spChg chg="del mod">
+          <ac:chgData name="Montecino, Diego" userId="a795c42d-832a-4dce-b1d8-09bac981a9d2" providerId="ADAL" clId="{166D12EF-58EE-6C4C-9A24-99C33C59FE65}" dt="2024-11-13T05:59:16.998" v="37" actId="478"/>
           <ac:spMkLst>
             <pc:docMk/>
             <pc:sldMk cId="1753864701" sldId="256"/>
@@ -319,8 +320,8 @@
             <ac:spMk id="134" creationId="{E4EE76E9-72EA-CC3E-9EF8-728441840360}"/>
           </ac:spMkLst>
         </pc:spChg>
-        <pc:spChg chg="mod">
-          <ac:chgData name="Montecino, Diego" userId="a795c42d-832a-4dce-b1d8-09bac981a9d2" providerId="ADAL" clId="{166D12EF-58EE-6C4C-9A24-99C33C59FE65}" dt="2024-11-13T02:32:57.247" v="25" actId="5736"/>
+        <pc:spChg chg="del mod">
+          <ac:chgData name="Montecino, Diego" userId="a795c42d-832a-4dce-b1d8-09bac981a9d2" providerId="ADAL" clId="{166D12EF-58EE-6C4C-9A24-99C33C59FE65}" dt="2024-11-13T05:59:58.712" v="46" actId="478"/>
           <ac:spMkLst>
             <pc:docMk/>
             <pc:sldMk cId="1753864701" sldId="256"/>
@@ -344,7 +345,7 @@
           </ac:grpSpMkLst>
         </pc:grpChg>
         <pc:graphicFrameChg chg="mod">
-          <ac:chgData name="Montecino, Diego" userId="a795c42d-832a-4dce-b1d8-09bac981a9d2" providerId="ADAL" clId="{166D12EF-58EE-6C4C-9A24-99C33C59FE65}" dt="2024-11-13T02:32:57.247" v="25" actId="5736"/>
+          <ac:chgData name="Montecino, Diego" userId="a795c42d-832a-4dce-b1d8-09bac981a9d2" providerId="ADAL" clId="{166D12EF-58EE-6C4C-9A24-99C33C59FE65}" dt="2024-11-13T05:59:55.119" v="45"/>
           <ac:graphicFrameMkLst>
             <pc:docMk/>
             <pc:sldMk cId="1753864701" sldId="256"/>
@@ -511,8 +512,8 @@
             <ac:cxnSpMk id="72" creationId="{102C5B11-7053-3485-32DE-08784407DE34}"/>
           </ac:cxnSpMkLst>
         </pc:cxnChg>
-        <pc:cxnChg chg="mod">
-          <ac:chgData name="Montecino, Diego" userId="a795c42d-832a-4dce-b1d8-09bac981a9d2" providerId="ADAL" clId="{166D12EF-58EE-6C4C-9A24-99C33C59FE65}" dt="2024-11-13T02:32:57.247" v="25" actId="5736"/>
+        <pc:cxnChg chg="del mod">
+          <ac:chgData name="Montecino, Diego" userId="a795c42d-832a-4dce-b1d8-09bac981a9d2" providerId="ADAL" clId="{166D12EF-58EE-6C4C-9A24-99C33C59FE65}" dt="2024-11-13T05:59:17.950" v="38" actId="478"/>
           <ac:cxnSpMkLst>
             <pc:docMk/>
             <pc:sldMk cId="1753864701" sldId="256"/>
@@ -567,14 +568,21 @@
             <ac:cxnSpMk id="143" creationId="{D70E939C-FE1E-CEEC-1AEB-A266C19D01C1}"/>
           </ac:cxnSpMkLst>
         </pc:cxnChg>
-        <pc:cxnChg chg="mod">
-          <ac:chgData name="Montecino, Diego" userId="a795c42d-832a-4dce-b1d8-09bac981a9d2" providerId="ADAL" clId="{166D12EF-58EE-6C4C-9A24-99C33C59FE65}" dt="2024-11-13T02:32:57.247" v="25" actId="5736"/>
+        <pc:cxnChg chg="del mod">
+          <ac:chgData name="Montecino, Diego" userId="a795c42d-832a-4dce-b1d8-09bac981a9d2" providerId="ADAL" clId="{166D12EF-58EE-6C4C-9A24-99C33C59FE65}" dt="2024-11-13T05:59:59.822" v="47" actId="478"/>
           <ac:cxnSpMkLst>
             <pc:docMk/>
             <pc:sldMk cId="1753864701" sldId="256"/>
             <ac:cxnSpMk id="145" creationId="{D2040895-3DCC-7814-D026-F1F196E6A4AF}"/>
           </ac:cxnSpMkLst>
         </pc:cxnChg>
+      </pc:sldChg>
+      <pc:sldChg chg="add">
+        <pc:chgData name="Montecino, Diego" userId="a795c42d-832a-4dce-b1d8-09bac981a9d2" providerId="ADAL" clId="{166D12EF-58EE-6C4C-9A24-99C33C59FE65}" dt="2024-11-13T03:33:33.847" v="26" actId="2890"/>
+        <pc:sldMkLst>
+          <pc:docMk/>
+          <pc:sldMk cId="2311906509" sldId="257"/>
+        </pc:sldMkLst>
       </pc:sldChg>
     </pc:docChg>
   </pc:docChgLst>
@@ -1328,7 +1336,1613 @@
 </dgm:colorsDef>
 </file>
 
+<file path=ppt/diagrams/colors2.xml><?xml version="1.0" encoding="utf-8"?>
+<dgm:colorsDef xmlns:dgm="http://schemas.openxmlformats.org/drawingml/2006/diagram" xmlns:a="http://schemas.openxmlformats.org/drawingml/2006/main" uniqueId="urn:microsoft.com/office/officeart/2005/8/colors/accent1_2">
+  <dgm:title val=""/>
+  <dgm:desc val=""/>
+  <dgm:catLst>
+    <dgm:cat type="accent1" pri="11200"/>
+  </dgm:catLst>
+  <dgm:styleLbl name="node0">
+    <dgm:fillClrLst meth="repeat">
+      <a:schemeClr val="accent1"/>
+    </dgm:fillClrLst>
+    <dgm:linClrLst meth="repeat">
+      <a:schemeClr val="lt1"/>
+    </dgm:linClrLst>
+    <dgm:effectClrLst/>
+    <dgm:txLinClrLst/>
+    <dgm:txFillClrLst/>
+    <dgm:txEffectClrLst/>
+  </dgm:styleLbl>
+  <dgm:styleLbl name="alignNode1">
+    <dgm:fillClrLst meth="repeat">
+      <a:schemeClr val="accent1"/>
+    </dgm:fillClrLst>
+    <dgm:linClrLst meth="repeat">
+      <a:schemeClr val="accent1"/>
+    </dgm:linClrLst>
+    <dgm:effectClrLst/>
+    <dgm:txLinClrLst/>
+    <dgm:txFillClrLst/>
+    <dgm:txEffectClrLst/>
+  </dgm:styleLbl>
+  <dgm:styleLbl name="node1">
+    <dgm:fillClrLst meth="repeat">
+      <a:schemeClr val="accent1"/>
+    </dgm:fillClrLst>
+    <dgm:linClrLst meth="repeat">
+      <a:schemeClr val="lt1"/>
+    </dgm:linClrLst>
+    <dgm:effectClrLst/>
+    <dgm:txLinClrLst/>
+    <dgm:txFillClrLst/>
+    <dgm:txEffectClrLst/>
+  </dgm:styleLbl>
+  <dgm:styleLbl name="lnNode1">
+    <dgm:fillClrLst meth="repeat">
+      <a:schemeClr val="accent1"/>
+    </dgm:fillClrLst>
+    <dgm:linClrLst meth="repeat">
+      <a:schemeClr val="lt1"/>
+    </dgm:linClrLst>
+    <dgm:effectClrLst/>
+    <dgm:txLinClrLst/>
+    <dgm:txFillClrLst/>
+    <dgm:txEffectClrLst/>
+  </dgm:styleLbl>
+  <dgm:styleLbl name="vennNode1">
+    <dgm:fillClrLst meth="repeat">
+      <a:schemeClr val="accent1">
+        <a:alpha val="50000"/>
+      </a:schemeClr>
+    </dgm:fillClrLst>
+    <dgm:linClrLst meth="repeat">
+      <a:schemeClr val="lt1"/>
+    </dgm:linClrLst>
+    <dgm:effectClrLst/>
+    <dgm:txLinClrLst/>
+    <dgm:txFillClrLst/>
+    <dgm:txEffectClrLst/>
+  </dgm:styleLbl>
+  <dgm:styleLbl name="node2">
+    <dgm:fillClrLst meth="repeat">
+      <a:schemeClr val="accent1"/>
+    </dgm:fillClrLst>
+    <dgm:linClrLst meth="repeat">
+      <a:schemeClr val="lt1"/>
+    </dgm:linClrLst>
+    <dgm:effectClrLst/>
+    <dgm:txLinClrLst/>
+    <dgm:txFillClrLst/>
+    <dgm:txEffectClrLst/>
+  </dgm:styleLbl>
+  <dgm:styleLbl name="node3">
+    <dgm:fillClrLst meth="repeat">
+      <a:schemeClr val="accent1"/>
+    </dgm:fillClrLst>
+    <dgm:linClrLst meth="repeat">
+      <a:schemeClr val="lt1"/>
+    </dgm:linClrLst>
+    <dgm:effectClrLst/>
+    <dgm:txLinClrLst/>
+    <dgm:txFillClrLst/>
+    <dgm:txEffectClrLst/>
+  </dgm:styleLbl>
+  <dgm:styleLbl name="node4">
+    <dgm:fillClrLst meth="repeat">
+      <a:schemeClr val="accent1"/>
+    </dgm:fillClrLst>
+    <dgm:linClrLst meth="repeat">
+      <a:schemeClr val="lt1"/>
+    </dgm:linClrLst>
+    <dgm:effectClrLst/>
+    <dgm:txLinClrLst/>
+    <dgm:txFillClrLst/>
+    <dgm:txEffectClrLst/>
+  </dgm:styleLbl>
+  <dgm:styleLbl name="fgImgPlace1">
+    <dgm:fillClrLst meth="repeat">
+      <a:schemeClr val="accent1">
+        <a:tint val="50000"/>
+      </a:schemeClr>
+    </dgm:fillClrLst>
+    <dgm:linClrLst meth="repeat">
+      <a:schemeClr val="lt1"/>
+    </dgm:linClrLst>
+    <dgm:effectClrLst/>
+    <dgm:txLinClrLst/>
+    <dgm:txFillClrLst meth="repeat">
+      <a:schemeClr val="lt1"/>
+    </dgm:txFillClrLst>
+    <dgm:txEffectClrLst/>
+  </dgm:styleLbl>
+  <dgm:styleLbl name="alignImgPlace1">
+    <dgm:fillClrLst meth="repeat">
+      <a:schemeClr val="accent1">
+        <a:tint val="50000"/>
+      </a:schemeClr>
+    </dgm:fillClrLst>
+    <dgm:linClrLst meth="repeat">
+      <a:schemeClr val="lt1"/>
+    </dgm:linClrLst>
+    <dgm:effectClrLst/>
+    <dgm:txLinClrLst/>
+    <dgm:txFillClrLst meth="repeat">
+      <a:schemeClr val="lt1"/>
+    </dgm:txFillClrLst>
+    <dgm:txEffectClrLst/>
+  </dgm:styleLbl>
+  <dgm:styleLbl name="bgImgPlace1">
+    <dgm:fillClrLst meth="repeat">
+      <a:schemeClr val="accent1">
+        <a:tint val="50000"/>
+      </a:schemeClr>
+    </dgm:fillClrLst>
+    <dgm:linClrLst meth="repeat">
+      <a:schemeClr val="lt1"/>
+    </dgm:linClrLst>
+    <dgm:effectClrLst/>
+    <dgm:txLinClrLst/>
+    <dgm:txFillClrLst meth="repeat">
+      <a:schemeClr val="lt1"/>
+    </dgm:txFillClrLst>
+    <dgm:txEffectClrLst/>
+  </dgm:styleLbl>
+  <dgm:styleLbl name="sibTrans2D1">
+    <dgm:fillClrLst meth="repeat">
+      <a:schemeClr val="accent1">
+        <a:tint val="60000"/>
+      </a:schemeClr>
+    </dgm:fillClrLst>
+    <dgm:linClrLst meth="repeat">
+      <a:schemeClr val="accent1">
+        <a:tint val="60000"/>
+      </a:schemeClr>
+    </dgm:linClrLst>
+    <dgm:effectClrLst/>
+    <dgm:txLinClrLst/>
+    <dgm:txFillClrLst/>
+    <dgm:txEffectClrLst/>
+  </dgm:styleLbl>
+  <dgm:styleLbl name="fgSibTrans2D1">
+    <dgm:fillClrLst meth="repeat">
+      <a:schemeClr val="accent1">
+        <a:tint val="60000"/>
+      </a:schemeClr>
+    </dgm:fillClrLst>
+    <dgm:linClrLst meth="repeat">
+      <a:schemeClr val="accent1">
+        <a:tint val="60000"/>
+      </a:schemeClr>
+    </dgm:linClrLst>
+    <dgm:effectClrLst/>
+    <dgm:txLinClrLst/>
+    <dgm:txFillClrLst/>
+    <dgm:txEffectClrLst/>
+  </dgm:styleLbl>
+  <dgm:styleLbl name="bgSibTrans2D1">
+    <dgm:fillClrLst meth="repeat">
+      <a:schemeClr val="accent1">
+        <a:tint val="60000"/>
+      </a:schemeClr>
+    </dgm:fillClrLst>
+    <dgm:linClrLst meth="repeat">
+      <a:schemeClr val="accent1">
+        <a:tint val="60000"/>
+      </a:schemeClr>
+    </dgm:linClrLst>
+    <dgm:effectClrLst/>
+    <dgm:txLinClrLst/>
+    <dgm:txFillClrLst/>
+    <dgm:txEffectClrLst/>
+  </dgm:styleLbl>
+  <dgm:styleLbl name="sibTrans1D1">
+    <dgm:fillClrLst meth="repeat">
+      <a:schemeClr val="accent1"/>
+    </dgm:fillClrLst>
+    <dgm:linClrLst meth="repeat">
+      <a:schemeClr val="accent1"/>
+    </dgm:linClrLst>
+    <dgm:effectClrLst/>
+    <dgm:txLinClrLst/>
+    <dgm:txFillClrLst meth="repeat">
+      <a:schemeClr val="tx1"/>
+    </dgm:txFillClrLst>
+    <dgm:txEffectClrLst/>
+  </dgm:styleLbl>
+  <dgm:styleLbl name="callout">
+    <dgm:fillClrLst meth="repeat">
+      <a:schemeClr val="accent1"/>
+    </dgm:fillClrLst>
+    <dgm:linClrLst meth="repeat">
+      <a:schemeClr val="accent1">
+        <a:tint val="50000"/>
+      </a:schemeClr>
+    </dgm:linClrLst>
+    <dgm:effectClrLst/>
+    <dgm:txLinClrLst/>
+    <dgm:txFillClrLst meth="repeat">
+      <a:schemeClr val="tx1"/>
+    </dgm:txFillClrLst>
+    <dgm:txEffectClrLst/>
+  </dgm:styleLbl>
+  <dgm:styleLbl name="asst0">
+    <dgm:fillClrLst meth="repeat">
+      <a:schemeClr val="accent1"/>
+    </dgm:fillClrLst>
+    <dgm:linClrLst meth="repeat">
+      <a:schemeClr val="lt1"/>
+    </dgm:linClrLst>
+    <dgm:effectClrLst/>
+    <dgm:txLinClrLst/>
+    <dgm:txFillClrLst/>
+    <dgm:txEffectClrLst/>
+  </dgm:styleLbl>
+  <dgm:styleLbl name="asst1">
+    <dgm:fillClrLst meth="repeat">
+      <a:schemeClr val="accent1"/>
+    </dgm:fillClrLst>
+    <dgm:linClrLst meth="repeat">
+      <a:schemeClr val="lt1"/>
+    </dgm:linClrLst>
+    <dgm:effectClrLst/>
+    <dgm:txLinClrLst/>
+    <dgm:txFillClrLst/>
+    <dgm:txEffectClrLst/>
+  </dgm:styleLbl>
+  <dgm:styleLbl name="asst2">
+    <dgm:fillClrLst meth="repeat">
+      <a:schemeClr val="accent1"/>
+    </dgm:fillClrLst>
+    <dgm:linClrLst meth="repeat">
+      <a:schemeClr val="lt1"/>
+    </dgm:linClrLst>
+    <dgm:effectClrLst/>
+    <dgm:txLinClrLst/>
+    <dgm:txFillClrLst/>
+    <dgm:txEffectClrLst/>
+  </dgm:styleLbl>
+  <dgm:styleLbl name="asst3">
+    <dgm:fillClrLst meth="repeat">
+      <a:schemeClr val="accent1"/>
+    </dgm:fillClrLst>
+    <dgm:linClrLst meth="repeat">
+      <a:schemeClr val="lt1"/>
+    </dgm:linClrLst>
+    <dgm:effectClrLst/>
+    <dgm:txLinClrLst/>
+    <dgm:txFillClrLst/>
+    <dgm:txEffectClrLst/>
+  </dgm:styleLbl>
+  <dgm:styleLbl name="asst4">
+    <dgm:fillClrLst meth="repeat">
+      <a:schemeClr val="accent1"/>
+    </dgm:fillClrLst>
+    <dgm:linClrLst meth="repeat">
+      <a:schemeClr val="lt1"/>
+    </dgm:linClrLst>
+    <dgm:effectClrLst/>
+    <dgm:txLinClrLst/>
+    <dgm:txFillClrLst/>
+    <dgm:txEffectClrLst/>
+  </dgm:styleLbl>
+  <dgm:styleLbl name="parChTrans2D1">
+    <dgm:fillClrLst meth="repeat">
+      <a:schemeClr val="accent1">
+        <a:tint val="60000"/>
+      </a:schemeClr>
+    </dgm:fillClrLst>
+    <dgm:linClrLst meth="repeat">
+      <a:schemeClr val="accent1">
+        <a:tint val="60000"/>
+      </a:schemeClr>
+    </dgm:linClrLst>
+    <dgm:effectClrLst/>
+    <dgm:txLinClrLst/>
+    <dgm:txFillClrLst meth="repeat">
+      <a:schemeClr val="lt1"/>
+    </dgm:txFillClrLst>
+    <dgm:txEffectClrLst/>
+  </dgm:styleLbl>
+  <dgm:styleLbl name="parChTrans2D2">
+    <dgm:fillClrLst meth="repeat">
+      <a:schemeClr val="accent1"/>
+    </dgm:fillClrLst>
+    <dgm:linClrLst meth="repeat">
+      <a:schemeClr val="accent1"/>
+    </dgm:linClrLst>
+    <dgm:effectClrLst/>
+    <dgm:txLinClrLst/>
+    <dgm:txFillClrLst meth="repeat">
+      <a:schemeClr val="lt1"/>
+    </dgm:txFillClrLst>
+    <dgm:txEffectClrLst/>
+  </dgm:styleLbl>
+  <dgm:styleLbl name="parChTrans2D3">
+    <dgm:fillClrLst meth="repeat">
+      <a:schemeClr val="accent1"/>
+    </dgm:fillClrLst>
+    <dgm:linClrLst meth="repeat">
+      <a:schemeClr val="accent1"/>
+    </dgm:linClrLst>
+    <dgm:effectClrLst/>
+    <dgm:txLinClrLst/>
+    <dgm:txFillClrLst meth="repeat">
+      <a:schemeClr val="lt1"/>
+    </dgm:txFillClrLst>
+    <dgm:txEffectClrLst/>
+  </dgm:styleLbl>
+  <dgm:styleLbl name="parChTrans2D4">
+    <dgm:fillClrLst meth="repeat">
+      <a:schemeClr val="accent1"/>
+    </dgm:fillClrLst>
+    <dgm:linClrLst meth="repeat">
+      <a:schemeClr val="accent1"/>
+    </dgm:linClrLst>
+    <dgm:effectClrLst/>
+    <dgm:txLinClrLst/>
+    <dgm:txFillClrLst meth="repeat">
+      <a:schemeClr val="lt1"/>
+    </dgm:txFillClrLst>
+    <dgm:txEffectClrLst/>
+  </dgm:styleLbl>
+  <dgm:styleLbl name="parChTrans1D1">
+    <dgm:fillClrLst meth="repeat">
+      <a:schemeClr val="accent1"/>
+    </dgm:fillClrLst>
+    <dgm:linClrLst meth="repeat">
+      <a:schemeClr val="accent1">
+        <a:shade val="60000"/>
+      </a:schemeClr>
+    </dgm:linClrLst>
+    <dgm:effectClrLst/>
+    <dgm:txLinClrLst/>
+    <dgm:txFillClrLst meth="repeat">
+      <a:schemeClr val="tx1"/>
+    </dgm:txFillClrLst>
+    <dgm:txEffectClrLst/>
+  </dgm:styleLbl>
+  <dgm:styleLbl name="parChTrans1D2">
+    <dgm:fillClrLst meth="repeat">
+      <a:schemeClr val="accent1"/>
+    </dgm:fillClrLst>
+    <dgm:linClrLst meth="repeat">
+      <a:schemeClr val="accent1">
+        <a:shade val="60000"/>
+      </a:schemeClr>
+    </dgm:linClrLst>
+    <dgm:effectClrLst/>
+    <dgm:txLinClrLst/>
+    <dgm:txFillClrLst meth="repeat">
+      <a:schemeClr val="tx1"/>
+    </dgm:txFillClrLst>
+    <dgm:txEffectClrLst/>
+  </dgm:styleLbl>
+  <dgm:styleLbl name="parChTrans1D3">
+    <dgm:fillClrLst meth="repeat">
+      <a:schemeClr val="accent1"/>
+    </dgm:fillClrLst>
+    <dgm:linClrLst meth="repeat">
+      <a:schemeClr val="accent1">
+        <a:shade val="80000"/>
+      </a:schemeClr>
+    </dgm:linClrLst>
+    <dgm:effectClrLst/>
+    <dgm:txLinClrLst/>
+    <dgm:txFillClrLst meth="repeat">
+      <a:schemeClr val="tx1"/>
+    </dgm:txFillClrLst>
+    <dgm:txEffectClrLst/>
+  </dgm:styleLbl>
+  <dgm:styleLbl name="parChTrans1D4">
+    <dgm:fillClrLst meth="repeat">
+      <a:schemeClr val="accent1"/>
+    </dgm:fillClrLst>
+    <dgm:linClrLst meth="repeat">
+      <a:schemeClr val="accent1">
+        <a:shade val="80000"/>
+      </a:schemeClr>
+    </dgm:linClrLst>
+    <dgm:effectClrLst/>
+    <dgm:txLinClrLst/>
+    <dgm:txFillClrLst meth="repeat">
+      <a:schemeClr val="tx1"/>
+    </dgm:txFillClrLst>
+    <dgm:txEffectClrLst/>
+  </dgm:styleLbl>
+  <dgm:styleLbl name="fgAcc1">
+    <dgm:fillClrLst meth="repeat">
+      <a:schemeClr val="lt1">
+        <a:alpha val="90000"/>
+      </a:schemeClr>
+    </dgm:fillClrLst>
+    <dgm:linClrLst meth="repeat">
+      <a:schemeClr val="accent1"/>
+    </dgm:linClrLst>
+    <dgm:effectClrLst/>
+    <dgm:txLinClrLst/>
+    <dgm:txFillClrLst meth="repeat">
+      <a:schemeClr val="dk1"/>
+    </dgm:txFillClrLst>
+    <dgm:txEffectClrLst/>
+  </dgm:styleLbl>
+  <dgm:styleLbl name="conFgAcc1">
+    <dgm:fillClrLst meth="repeat">
+      <a:schemeClr val="lt1">
+        <a:alpha val="90000"/>
+      </a:schemeClr>
+    </dgm:fillClrLst>
+    <dgm:linClrLst meth="repeat">
+      <a:schemeClr val="accent1"/>
+    </dgm:linClrLst>
+    <dgm:effectClrLst/>
+    <dgm:txLinClrLst/>
+    <dgm:txFillClrLst meth="repeat">
+      <a:schemeClr val="dk1"/>
+    </dgm:txFillClrLst>
+    <dgm:txEffectClrLst/>
+  </dgm:styleLbl>
+  <dgm:styleLbl name="alignAcc1">
+    <dgm:fillClrLst meth="repeat">
+      <a:schemeClr val="lt1">
+        <a:alpha val="90000"/>
+      </a:schemeClr>
+    </dgm:fillClrLst>
+    <dgm:linClrLst meth="repeat">
+      <a:schemeClr val="accent1"/>
+    </dgm:linClrLst>
+    <dgm:effectClrLst/>
+    <dgm:txLinClrLst/>
+    <dgm:txFillClrLst meth="repeat">
+      <a:schemeClr val="dk1"/>
+    </dgm:txFillClrLst>
+    <dgm:txEffectClrLst/>
+  </dgm:styleLbl>
+  <dgm:styleLbl name="trAlignAcc1">
+    <dgm:fillClrLst meth="repeat">
+      <a:schemeClr val="lt1">
+        <a:alpha val="40000"/>
+      </a:schemeClr>
+    </dgm:fillClrLst>
+    <dgm:linClrLst meth="repeat">
+      <a:schemeClr val="accent1"/>
+    </dgm:linClrLst>
+    <dgm:effectClrLst/>
+    <dgm:txLinClrLst/>
+    <dgm:txFillClrLst meth="repeat">
+      <a:schemeClr val="dk1"/>
+    </dgm:txFillClrLst>
+    <dgm:txEffectClrLst/>
+  </dgm:styleLbl>
+  <dgm:styleLbl name="bgAcc1">
+    <dgm:fillClrLst meth="repeat">
+      <a:schemeClr val="lt1">
+        <a:alpha val="90000"/>
+      </a:schemeClr>
+    </dgm:fillClrLst>
+    <dgm:linClrLst meth="repeat">
+      <a:schemeClr val="accent1"/>
+    </dgm:linClrLst>
+    <dgm:effectClrLst/>
+    <dgm:txLinClrLst/>
+    <dgm:txFillClrLst meth="repeat">
+      <a:schemeClr val="dk1"/>
+    </dgm:txFillClrLst>
+    <dgm:txEffectClrLst/>
+  </dgm:styleLbl>
+  <dgm:styleLbl name="solidFgAcc1">
+    <dgm:fillClrLst meth="repeat">
+      <a:schemeClr val="lt1"/>
+    </dgm:fillClrLst>
+    <dgm:linClrLst meth="repeat">
+      <a:schemeClr val="accent1"/>
+    </dgm:linClrLst>
+    <dgm:effectClrLst/>
+    <dgm:txLinClrLst/>
+    <dgm:txFillClrLst meth="repeat">
+      <a:schemeClr val="dk1"/>
+    </dgm:txFillClrLst>
+    <dgm:txEffectClrLst/>
+  </dgm:styleLbl>
+  <dgm:styleLbl name="solidAlignAcc1">
+    <dgm:fillClrLst meth="repeat">
+      <a:schemeClr val="lt1"/>
+    </dgm:fillClrLst>
+    <dgm:linClrLst meth="repeat">
+      <a:schemeClr val="accent1"/>
+    </dgm:linClrLst>
+    <dgm:effectClrLst/>
+    <dgm:txLinClrLst/>
+    <dgm:txFillClrLst meth="repeat">
+      <a:schemeClr val="dk1"/>
+    </dgm:txFillClrLst>
+    <dgm:txEffectClrLst/>
+  </dgm:styleLbl>
+  <dgm:styleLbl name="solidBgAcc1">
+    <dgm:fillClrLst meth="repeat">
+      <a:schemeClr val="lt1"/>
+    </dgm:fillClrLst>
+    <dgm:linClrLst meth="repeat">
+      <a:schemeClr val="accent1"/>
+    </dgm:linClrLst>
+    <dgm:effectClrLst/>
+    <dgm:txLinClrLst/>
+    <dgm:txFillClrLst meth="repeat">
+      <a:schemeClr val="dk1"/>
+    </dgm:txFillClrLst>
+    <dgm:txEffectClrLst/>
+  </dgm:styleLbl>
+  <dgm:styleLbl name="fgAccFollowNode1">
+    <dgm:fillClrLst meth="repeat">
+      <a:schemeClr val="accent1">
+        <a:alpha val="90000"/>
+        <a:tint val="40000"/>
+      </a:schemeClr>
+    </dgm:fillClrLst>
+    <dgm:linClrLst meth="repeat">
+      <a:schemeClr val="accent1">
+        <a:alpha val="90000"/>
+        <a:tint val="40000"/>
+      </a:schemeClr>
+    </dgm:linClrLst>
+    <dgm:effectClrLst/>
+    <dgm:txLinClrLst/>
+    <dgm:txFillClrLst meth="repeat">
+      <a:schemeClr val="dk1"/>
+    </dgm:txFillClrLst>
+    <dgm:txEffectClrLst/>
+  </dgm:styleLbl>
+  <dgm:styleLbl name="alignAccFollowNode1">
+    <dgm:fillClrLst meth="repeat">
+      <a:schemeClr val="accent1">
+        <a:alpha val="90000"/>
+        <a:tint val="40000"/>
+      </a:schemeClr>
+    </dgm:fillClrLst>
+    <dgm:linClrLst meth="repeat">
+      <a:schemeClr val="accent1">
+        <a:alpha val="90000"/>
+        <a:tint val="40000"/>
+      </a:schemeClr>
+    </dgm:linClrLst>
+    <dgm:effectClrLst/>
+    <dgm:txLinClrLst/>
+    <dgm:txFillClrLst meth="repeat">
+      <a:schemeClr val="dk1"/>
+    </dgm:txFillClrLst>
+    <dgm:txEffectClrLst/>
+  </dgm:styleLbl>
+  <dgm:styleLbl name="bgAccFollowNode1">
+    <dgm:fillClrLst meth="repeat">
+      <a:schemeClr val="accent1">
+        <a:alpha val="90000"/>
+        <a:tint val="40000"/>
+      </a:schemeClr>
+    </dgm:fillClrLst>
+    <dgm:linClrLst meth="repeat">
+      <a:schemeClr val="accent1">
+        <a:alpha val="90000"/>
+        <a:tint val="40000"/>
+      </a:schemeClr>
+    </dgm:linClrLst>
+    <dgm:effectClrLst/>
+    <dgm:txLinClrLst/>
+    <dgm:txFillClrLst meth="repeat">
+      <a:schemeClr val="dk1"/>
+    </dgm:txFillClrLst>
+    <dgm:txEffectClrLst/>
+  </dgm:styleLbl>
+  <dgm:styleLbl name="fgAcc0">
+    <dgm:fillClrLst meth="repeat">
+      <a:schemeClr val="lt1">
+        <a:alpha val="90000"/>
+      </a:schemeClr>
+    </dgm:fillClrLst>
+    <dgm:linClrLst meth="repeat">
+      <a:schemeClr val="accent1"/>
+    </dgm:linClrLst>
+    <dgm:effectClrLst/>
+    <dgm:txLinClrLst/>
+    <dgm:txFillClrLst meth="repeat">
+      <a:schemeClr val="dk1"/>
+    </dgm:txFillClrLst>
+    <dgm:txEffectClrLst/>
+  </dgm:styleLbl>
+  <dgm:styleLbl name="fgAcc2">
+    <dgm:fillClrLst meth="repeat">
+      <a:schemeClr val="lt1">
+        <a:alpha val="90000"/>
+      </a:schemeClr>
+    </dgm:fillClrLst>
+    <dgm:linClrLst meth="repeat">
+      <a:schemeClr val="accent1"/>
+    </dgm:linClrLst>
+    <dgm:effectClrLst/>
+    <dgm:txLinClrLst/>
+    <dgm:txFillClrLst meth="repeat">
+      <a:schemeClr val="dk1"/>
+    </dgm:txFillClrLst>
+    <dgm:txEffectClrLst/>
+  </dgm:styleLbl>
+  <dgm:styleLbl name="fgAcc3">
+    <dgm:fillClrLst meth="repeat">
+      <a:schemeClr val="lt1">
+        <a:alpha val="90000"/>
+      </a:schemeClr>
+    </dgm:fillClrLst>
+    <dgm:linClrLst meth="repeat">
+      <a:schemeClr val="accent1"/>
+    </dgm:linClrLst>
+    <dgm:effectClrLst/>
+    <dgm:txLinClrLst/>
+    <dgm:txFillClrLst meth="repeat">
+      <a:schemeClr val="dk1"/>
+    </dgm:txFillClrLst>
+    <dgm:txEffectClrLst/>
+  </dgm:styleLbl>
+  <dgm:styleLbl name="fgAcc4">
+    <dgm:fillClrLst meth="repeat">
+      <a:schemeClr val="lt1">
+        <a:alpha val="90000"/>
+      </a:schemeClr>
+    </dgm:fillClrLst>
+    <dgm:linClrLst meth="repeat">
+      <a:schemeClr val="accent1"/>
+    </dgm:linClrLst>
+    <dgm:effectClrLst/>
+    <dgm:txLinClrLst/>
+    <dgm:txFillClrLst meth="repeat">
+      <a:schemeClr val="dk1"/>
+    </dgm:txFillClrLst>
+    <dgm:txEffectClrLst/>
+  </dgm:styleLbl>
+  <dgm:styleLbl name="bgShp">
+    <dgm:fillClrLst meth="repeat">
+      <a:schemeClr val="accent1">
+        <a:tint val="40000"/>
+      </a:schemeClr>
+    </dgm:fillClrLst>
+    <dgm:linClrLst meth="repeat">
+      <a:schemeClr val="accent1"/>
+    </dgm:linClrLst>
+    <dgm:effectClrLst/>
+    <dgm:txLinClrLst/>
+    <dgm:txFillClrLst meth="repeat">
+      <a:schemeClr val="dk1"/>
+    </dgm:txFillClrLst>
+    <dgm:txEffectClrLst/>
+  </dgm:styleLbl>
+  <dgm:styleLbl name="dkBgShp">
+    <dgm:fillClrLst meth="repeat">
+      <a:schemeClr val="accent1">
+        <a:shade val="80000"/>
+      </a:schemeClr>
+    </dgm:fillClrLst>
+    <dgm:linClrLst meth="repeat">
+      <a:schemeClr val="accent1"/>
+    </dgm:linClrLst>
+    <dgm:effectClrLst/>
+    <dgm:txLinClrLst/>
+    <dgm:txFillClrLst meth="repeat">
+      <a:schemeClr val="lt1"/>
+    </dgm:txFillClrLst>
+    <dgm:txEffectClrLst/>
+  </dgm:styleLbl>
+  <dgm:styleLbl name="trBgShp">
+    <dgm:fillClrLst meth="repeat">
+      <a:schemeClr val="accent1">
+        <a:tint val="50000"/>
+        <a:alpha val="40000"/>
+      </a:schemeClr>
+    </dgm:fillClrLst>
+    <dgm:linClrLst meth="repeat">
+      <a:schemeClr val="accent1"/>
+    </dgm:linClrLst>
+    <dgm:effectClrLst/>
+    <dgm:txLinClrLst/>
+    <dgm:txFillClrLst meth="repeat">
+      <a:schemeClr val="lt1"/>
+    </dgm:txFillClrLst>
+    <dgm:txEffectClrLst/>
+  </dgm:styleLbl>
+  <dgm:styleLbl name="fgShp">
+    <dgm:fillClrLst meth="repeat">
+      <a:schemeClr val="accent1">
+        <a:tint val="60000"/>
+      </a:schemeClr>
+    </dgm:fillClrLst>
+    <dgm:linClrLst meth="repeat">
+      <a:schemeClr val="lt1"/>
+    </dgm:linClrLst>
+    <dgm:effectClrLst/>
+    <dgm:txLinClrLst/>
+    <dgm:txFillClrLst meth="repeat">
+      <a:schemeClr val="dk1"/>
+    </dgm:txFillClrLst>
+    <dgm:txEffectClrLst/>
+  </dgm:styleLbl>
+  <dgm:styleLbl name="revTx">
+    <dgm:fillClrLst meth="repeat">
+      <a:schemeClr val="lt1">
+        <a:alpha val="0"/>
+      </a:schemeClr>
+    </dgm:fillClrLst>
+    <dgm:linClrLst meth="repeat">
+      <a:schemeClr val="dk1">
+        <a:alpha val="0"/>
+      </a:schemeClr>
+    </dgm:linClrLst>
+    <dgm:effectClrLst/>
+    <dgm:txLinClrLst/>
+    <dgm:txFillClrLst meth="repeat">
+      <a:schemeClr val="tx1"/>
+    </dgm:txFillClrLst>
+    <dgm:txEffectClrLst/>
+  </dgm:styleLbl>
+</dgm:colorsDef>
+</file>
+
 <file path=ppt/diagrams/data1.xml><?xml version="1.0" encoding="utf-8"?>
+<dgm:dataModel xmlns:dgm="http://schemas.openxmlformats.org/drawingml/2006/diagram" xmlns:a="http://schemas.openxmlformats.org/drawingml/2006/main">
+  <dgm:ptLst>
+    <dgm:pt modelId="{FA4E500E-7F97-A745-8093-97446D9A4C3A}" type="doc">
+      <dgm:prSet loTypeId="urn:microsoft.com/office/officeart/2005/8/layout/orgChart1" loCatId="" qsTypeId="urn:microsoft.com/office/officeart/2005/8/quickstyle/simple1" qsCatId="simple" csTypeId="urn:microsoft.com/office/officeart/2005/8/colors/accent1_2" csCatId="accent1" phldr="1"/>
+      <dgm:spPr/>
+      <dgm:t>
+        <a:bodyPr/>
+        <a:lstStyle/>
+        <a:p>
+          <a:endParaRPr lang="en-US"/>
+        </a:p>
+      </dgm:t>
+    </dgm:pt>
+    <dgm:pt modelId="{388DDA7F-6B53-414E-93D1-41D1A686B953}">
+      <dgm:prSet phldrT="[Text]"/>
+      <dgm:spPr/>
+      <dgm:t>
+        <a:bodyPr/>
+        <a:lstStyle/>
+        <a:p>
+          <a:r>
+            <a:rPr lang="en-US" dirty="0"/>
+            <a:t>Project</a:t>
+          </a:r>
+        </a:p>
+      </dgm:t>
+    </dgm:pt>
+    <dgm:pt modelId="{BF85BC9F-986A-7A45-8955-DCE0D1233E27}" type="parTrans" cxnId="{AAC40E3E-D7D1-6B46-8C4A-9F7A30E1DE62}">
+      <dgm:prSet/>
+      <dgm:spPr/>
+      <dgm:t>
+        <a:bodyPr/>
+        <a:lstStyle/>
+        <a:p>
+          <a:endParaRPr lang="en-US"/>
+        </a:p>
+      </dgm:t>
+    </dgm:pt>
+    <dgm:pt modelId="{52D29C48-F1DC-0D4A-A8AF-283D0B5E9FCB}" type="sibTrans" cxnId="{AAC40E3E-D7D1-6B46-8C4A-9F7A30E1DE62}">
+      <dgm:prSet/>
+      <dgm:spPr/>
+      <dgm:t>
+        <a:bodyPr/>
+        <a:lstStyle/>
+        <a:p>
+          <a:endParaRPr lang="en-US"/>
+        </a:p>
+      </dgm:t>
+    </dgm:pt>
+    <dgm:pt modelId="{F88CE117-5BF2-824D-962F-E3C5DAC5A996}">
+      <dgm:prSet phldrT="[Text]"/>
+      <dgm:spPr/>
+      <dgm:t>
+        <a:bodyPr/>
+        <a:lstStyle/>
+        <a:p>
+          <a:r>
+            <a:rPr lang="en-US" dirty="0"/>
+            <a:t>Surveillance Activity</a:t>
+          </a:r>
+        </a:p>
+      </dgm:t>
+    </dgm:pt>
+    <dgm:pt modelId="{C2C2F35E-B900-B140-ADA5-2AE024810890}" type="parTrans" cxnId="{423B5ABB-8898-4F45-96A4-9316FCFD5722}">
+      <dgm:prSet/>
+      <dgm:spPr/>
+      <dgm:t>
+        <a:bodyPr/>
+        <a:lstStyle/>
+        <a:p>
+          <a:endParaRPr lang="en-US"/>
+        </a:p>
+      </dgm:t>
+    </dgm:pt>
+    <dgm:pt modelId="{9C9FBFE5-9E81-8B4E-B1DA-F138D151B219}" type="sibTrans" cxnId="{423B5ABB-8898-4F45-96A4-9316FCFD5722}">
+      <dgm:prSet/>
+      <dgm:spPr/>
+      <dgm:t>
+        <a:bodyPr/>
+        <a:lstStyle/>
+        <a:p>
+          <a:endParaRPr lang="en-US"/>
+        </a:p>
+      </dgm:t>
+    </dgm:pt>
+    <dgm:pt modelId="{47A6B5D6-95B4-0C44-8860-A7AA7E836704}">
+      <dgm:prSet/>
+      <dgm:spPr/>
+      <dgm:t>
+        <a:bodyPr/>
+        <a:lstStyle/>
+        <a:p>
+          <a:r>
+            <a:rPr lang="en-US" dirty="0"/>
+            <a:t>Field Visit</a:t>
+          </a:r>
+        </a:p>
+      </dgm:t>
+    </dgm:pt>
+    <dgm:pt modelId="{B05C1900-1DBB-894F-A1AD-8EE8BB866B5B}" type="parTrans" cxnId="{4A137BAE-0FF2-F14D-87A8-C8338B8B290A}">
+      <dgm:prSet/>
+      <dgm:spPr/>
+      <dgm:t>
+        <a:bodyPr/>
+        <a:lstStyle/>
+        <a:p>
+          <a:endParaRPr lang="en-US"/>
+        </a:p>
+      </dgm:t>
+    </dgm:pt>
+    <dgm:pt modelId="{1E5676D7-D875-8B41-AEE0-4D6922E60B22}" type="sibTrans" cxnId="{4A137BAE-0FF2-F14D-87A8-C8338B8B290A}">
+      <dgm:prSet/>
+      <dgm:spPr/>
+      <dgm:t>
+        <a:bodyPr/>
+        <a:lstStyle/>
+        <a:p>
+          <a:endParaRPr lang="en-US"/>
+        </a:p>
+      </dgm:t>
+    </dgm:pt>
+    <dgm:pt modelId="{B1699C19-643B-F242-A254-7074FF4437C5}">
+      <dgm:prSet/>
+      <dgm:spPr/>
+      <dgm:t>
+        <a:bodyPr/>
+        <a:lstStyle/>
+        <a:p>
+          <a:r>
+            <a:rPr lang="en-US" dirty="0"/>
+            <a:t>Location</a:t>
+          </a:r>
+        </a:p>
+      </dgm:t>
+    </dgm:pt>
+    <dgm:pt modelId="{D1D1DA38-8F57-2F4B-B3E0-44D4598CAAFE}" type="parTrans" cxnId="{44EEC7FC-ACB5-3843-B7C5-5B0579F2236E}">
+      <dgm:prSet/>
+      <dgm:spPr/>
+      <dgm:t>
+        <a:bodyPr/>
+        <a:lstStyle/>
+        <a:p>
+          <a:endParaRPr lang="en-US"/>
+        </a:p>
+      </dgm:t>
+    </dgm:pt>
+    <dgm:pt modelId="{DC05EA01-E3AB-E040-BE0E-962D2EB2EE04}" type="sibTrans" cxnId="{44EEC7FC-ACB5-3843-B7C5-5B0579F2236E}">
+      <dgm:prSet/>
+      <dgm:spPr/>
+      <dgm:t>
+        <a:bodyPr/>
+        <a:lstStyle/>
+        <a:p>
+          <a:endParaRPr lang="en-US"/>
+        </a:p>
+      </dgm:t>
+    </dgm:pt>
+    <dgm:pt modelId="{DC0FAB8B-36FA-7240-B531-363CA24568A8}">
+      <dgm:prSet/>
+      <dgm:spPr/>
+      <dgm:t>
+        <a:bodyPr/>
+        <a:lstStyle/>
+        <a:p>
+          <a:r>
+            <a:rPr lang="en-US" dirty="0"/>
+            <a:t>Event</a:t>
+          </a:r>
+        </a:p>
+      </dgm:t>
+    </dgm:pt>
+    <dgm:pt modelId="{5BF83042-230C-9F42-954A-D5D7655BE0F6}" type="parTrans" cxnId="{AE21C78D-E0BB-9940-BBDF-85D9626FB5EE}">
+      <dgm:prSet/>
+      <dgm:spPr/>
+      <dgm:t>
+        <a:bodyPr/>
+        <a:lstStyle/>
+        <a:p>
+          <a:endParaRPr lang="en-US"/>
+        </a:p>
+      </dgm:t>
+    </dgm:pt>
+    <dgm:pt modelId="{47086D85-A708-2445-9294-116198F6525F}" type="sibTrans" cxnId="{AE21C78D-E0BB-9940-BBDF-85D9626FB5EE}">
+      <dgm:prSet/>
+      <dgm:spPr/>
+      <dgm:t>
+        <a:bodyPr/>
+        <a:lstStyle/>
+        <a:p>
+          <a:endParaRPr lang="en-US"/>
+        </a:p>
+      </dgm:t>
+    </dgm:pt>
+    <dgm:pt modelId="{81EC79C3-3D68-C446-B051-6829E91968D1}">
+      <dgm:prSet/>
+      <dgm:spPr/>
+      <dgm:t>
+        <a:bodyPr/>
+        <a:lstStyle/>
+        <a:p>
+          <a:r>
+            <a:rPr lang="en-US" dirty="0"/>
+            <a:t>Source Record</a:t>
+          </a:r>
+        </a:p>
+      </dgm:t>
+    </dgm:pt>
+    <dgm:pt modelId="{504341ED-D377-214B-B580-EF3F6B50D57C}" type="parTrans" cxnId="{ED63F235-2949-A148-90B8-3AEA326ADF66}">
+      <dgm:prSet/>
+      <dgm:spPr/>
+      <dgm:t>
+        <a:bodyPr/>
+        <a:lstStyle/>
+        <a:p>
+          <a:endParaRPr lang="en-US"/>
+        </a:p>
+      </dgm:t>
+    </dgm:pt>
+    <dgm:pt modelId="{3CFF6467-56B8-DA49-A962-04D2F5888982}" type="sibTrans" cxnId="{ED63F235-2949-A148-90B8-3AEA326ADF66}">
+      <dgm:prSet/>
+      <dgm:spPr/>
+      <dgm:t>
+        <a:bodyPr/>
+        <a:lstStyle/>
+        <a:p>
+          <a:endParaRPr lang="en-US"/>
+        </a:p>
+      </dgm:t>
+    </dgm:pt>
+    <dgm:pt modelId="{73604A89-255C-2D49-85F6-08C50A6CF7DB}">
+      <dgm:prSet/>
+      <dgm:spPr/>
+      <dgm:t>
+        <a:bodyPr/>
+        <a:lstStyle/>
+        <a:p>
+          <a:r>
+            <a:rPr lang="en-US" dirty="0"/>
+            <a:t>Specimen</a:t>
+          </a:r>
+        </a:p>
+      </dgm:t>
+    </dgm:pt>
+    <dgm:pt modelId="{7629D3E8-B0E9-2A46-B887-AE3D7CFF9C93}" type="parTrans" cxnId="{661E046E-2CD7-B44C-BD05-07FE538CD397}">
+      <dgm:prSet/>
+      <dgm:spPr/>
+      <dgm:t>
+        <a:bodyPr/>
+        <a:lstStyle/>
+        <a:p>
+          <a:endParaRPr lang="en-US"/>
+        </a:p>
+      </dgm:t>
+    </dgm:pt>
+    <dgm:pt modelId="{9E40DEB0-A706-0542-B4B6-5E3D55ECAF78}" type="sibTrans" cxnId="{661E046E-2CD7-B44C-BD05-07FE538CD397}">
+      <dgm:prSet/>
+      <dgm:spPr/>
+      <dgm:t>
+        <a:bodyPr/>
+        <a:lstStyle/>
+        <a:p>
+          <a:endParaRPr lang="en-US"/>
+        </a:p>
+      </dgm:t>
+    </dgm:pt>
+    <dgm:pt modelId="{5E92B1EF-5271-3A42-9FF3-87CE1099F051}">
+      <dgm:prSet/>
+      <dgm:spPr/>
+      <dgm:t>
+        <a:bodyPr/>
+        <a:lstStyle/>
+        <a:p>
+          <a:r>
+            <a:rPr lang="en-US" dirty="0"/>
+            <a:t>Group Source</a:t>
+          </a:r>
+        </a:p>
+      </dgm:t>
+    </dgm:pt>
+    <dgm:pt modelId="{F3E8BF26-CDEB-304A-871E-6259D6C92342}" type="parTrans" cxnId="{DD14A9B5-B548-7B4B-98DD-6E405995063F}">
+      <dgm:prSet/>
+      <dgm:spPr/>
+      <dgm:t>
+        <a:bodyPr/>
+        <a:lstStyle/>
+        <a:p>
+          <a:endParaRPr lang="en-US"/>
+        </a:p>
+      </dgm:t>
+    </dgm:pt>
+    <dgm:pt modelId="{8077D550-6F24-294A-8E01-C5A7BBD3D66D}" type="sibTrans" cxnId="{DD14A9B5-B548-7B4B-98DD-6E405995063F}">
+      <dgm:prSet/>
+      <dgm:spPr/>
+      <dgm:t>
+        <a:bodyPr/>
+        <a:lstStyle/>
+        <a:p>
+          <a:endParaRPr lang="en-US"/>
+        </a:p>
+      </dgm:t>
+    </dgm:pt>
+    <dgm:pt modelId="{29C1E6BC-A772-A54E-A97A-982A323EA941}">
+      <dgm:prSet/>
+      <dgm:spPr/>
+      <dgm:t>
+        <a:bodyPr/>
+        <a:lstStyle/>
+        <a:p>
+          <a:r>
+            <a:rPr lang="en-US" dirty="0"/>
+            <a:t>Diagnostic</a:t>
+          </a:r>
+        </a:p>
+      </dgm:t>
+    </dgm:pt>
+    <dgm:pt modelId="{A0816497-9235-FD4D-A7E5-5EC7E10CBCD4}" type="parTrans" cxnId="{3BFEC6BC-24D3-F54B-90E7-1D413615D332}">
+      <dgm:prSet/>
+      <dgm:spPr/>
+      <dgm:t>
+        <a:bodyPr/>
+        <a:lstStyle/>
+        <a:p>
+          <a:endParaRPr lang="en-US"/>
+        </a:p>
+      </dgm:t>
+    </dgm:pt>
+    <dgm:pt modelId="{84CCAD9D-2D4E-644D-9223-5B03A1020817}" type="sibTrans" cxnId="{3BFEC6BC-24D3-F54B-90E7-1D413615D332}">
+      <dgm:prSet/>
+      <dgm:spPr/>
+      <dgm:t>
+        <a:bodyPr/>
+        <a:lstStyle/>
+        <a:p>
+          <a:endParaRPr lang="en-US"/>
+        </a:p>
+      </dgm:t>
+    </dgm:pt>
+    <dgm:pt modelId="{F298D2E6-9D14-1F4A-980D-DF0EC320BA59}">
+      <dgm:prSet/>
+      <dgm:spPr/>
+      <dgm:t>
+        <a:bodyPr/>
+        <a:lstStyle/>
+        <a:p>
+          <a:r>
+            <a:rPr lang="en-US" dirty="0"/>
+            <a:t>Collection</a:t>
+          </a:r>
+        </a:p>
+      </dgm:t>
+    </dgm:pt>
+    <dgm:pt modelId="{861E5DD1-3077-E344-8DA0-E6428174CA14}" type="parTrans" cxnId="{D5941C1D-D076-1A40-BC01-89E64B16D7F3}">
+      <dgm:prSet/>
+      <dgm:spPr/>
+      <dgm:t>
+        <a:bodyPr/>
+        <a:lstStyle/>
+        <a:p>
+          <a:endParaRPr lang="en-US"/>
+        </a:p>
+      </dgm:t>
+    </dgm:pt>
+    <dgm:pt modelId="{D0614D03-1847-404D-85C8-A05FAC68544E}" type="sibTrans" cxnId="{D5941C1D-D076-1A40-BC01-89E64B16D7F3}">
+      <dgm:prSet/>
+      <dgm:spPr/>
+      <dgm:t>
+        <a:bodyPr/>
+        <a:lstStyle/>
+        <a:p>
+          <a:endParaRPr lang="en-US"/>
+        </a:p>
+      </dgm:t>
+    </dgm:pt>
+    <dgm:pt modelId="{2FAD07B9-F3D6-5441-9220-9281599D35DB}" type="pres">
+      <dgm:prSet presAssocID="{FA4E500E-7F97-A745-8093-97446D9A4C3A}" presName="hierChild1" presStyleCnt="0">
+        <dgm:presLayoutVars>
+          <dgm:orgChart val="1"/>
+          <dgm:chPref val="1"/>
+          <dgm:dir/>
+          <dgm:animOne val="branch"/>
+          <dgm:animLvl val="lvl"/>
+          <dgm:resizeHandles/>
+        </dgm:presLayoutVars>
+      </dgm:prSet>
+      <dgm:spPr/>
+    </dgm:pt>
+    <dgm:pt modelId="{5908D026-09A4-D14A-A467-C679422503F3}" type="pres">
+      <dgm:prSet presAssocID="{388DDA7F-6B53-414E-93D1-41D1A686B953}" presName="hierRoot1" presStyleCnt="0">
+        <dgm:presLayoutVars>
+          <dgm:hierBranch val="init"/>
+        </dgm:presLayoutVars>
+      </dgm:prSet>
+      <dgm:spPr/>
+    </dgm:pt>
+    <dgm:pt modelId="{B63095A5-43ED-6040-87C9-91F4FAB3A1E4}" type="pres">
+      <dgm:prSet presAssocID="{388DDA7F-6B53-414E-93D1-41D1A686B953}" presName="rootComposite1" presStyleCnt="0"/>
+      <dgm:spPr/>
+    </dgm:pt>
+    <dgm:pt modelId="{F75ED3D7-138D-FF43-A8B6-500B3AE1BBA4}" type="pres">
+      <dgm:prSet presAssocID="{388DDA7F-6B53-414E-93D1-41D1A686B953}" presName="rootText1" presStyleLbl="node0" presStyleIdx="0" presStyleCnt="2">
+        <dgm:presLayoutVars>
+          <dgm:chPref val="3"/>
+        </dgm:presLayoutVars>
+      </dgm:prSet>
+      <dgm:spPr/>
+    </dgm:pt>
+    <dgm:pt modelId="{13BB3533-D91E-B143-8BEC-DA74951EAB7C}" type="pres">
+      <dgm:prSet presAssocID="{388DDA7F-6B53-414E-93D1-41D1A686B953}" presName="rootConnector1" presStyleLbl="node1" presStyleIdx="0" presStyleCnt="0"/>
+      <dgm:spPr/>
+    </dgm:pt>
+    <dgm:pt modelId="{B090435F-6CCD-984E-A2FF-9E4E45FB24A9}" type="pres">
+      <dgm:prSet presAssocID="{388DDA7F-6B53-414E-93D1-41D1A686B953}" presName="hierChild2" presStyleCnt="0"/>
+      <dgm:spPr/>
+    </dgm:pt>
+    <dgm:pt modelId="{4F4FE5EA-52CC-AE47-8E15-98FBD0F9961F}" type="pres">
+      <dgm:prSet presAssocID="{C2C2F35E-B900-B140-ADA5-2AE024810890}" presName="Name37" presStyleLbl="parChTrans1D2" presStyleIdx="0" presStyleCnt="1"/>
+      <dgm:spPr/>
+    </dgm:pt>
+    <dgm:pt modelId="{54D888A9-E979-DC4B-9E80-F30ED30620C9}" type="pres">
+      <dgm:prSet presAssocID="{F88CE117-5BF2-824D-962F-E3C5DAC5A996}" presName="hierRoot2" presStyleCnt="0">
+        <dgm:presLayoutVars>
+          <dgm:hierBranch val="init"/>
+        </dgm:presLayoutVars>
+      </dgm:prSet>
+      <dgm:spPr/>
+    </dgm:pt>
+    <dgm:pt modelId="{E8C693A0-BF6C-C046-AF15-6B801214816C}" type="pres">
+      <dgm:prSet presAssocID="{F88CE117-5BF2-824D-962F-E3C5DAC5A996}" presName="rootComposite" presStyleCnt="0"/>
+      <dgm:spPr/>
+    </dgm:pt>
+    <dgm:pt modelId="{EBF12FB6-9882-7145-9467-23F71E7058D9}" type="pres">
+      <dgm:prSet presAssocID="{F88CE117-5BF2-824D-962F-E3C5DAC5A996}" presName="rootText" presStyleLbl="node2" presStyleIdx="0" presStyleCnt="1">
+        <dgm:presLayoutVars>
+          <dgm:chPref val="3"/>
+        </dgm:presLayoutVars>
+      </dgm:prSet>
+      <dgm:spPr/>
+    </dgm:pt>
+    <dgm:pt modelId="{2769F0BB-1C8B-754A-88EC-D898EE97C049}" type="pres">
+      <dgm:prSet presAssocID="{F88CE117-5BF2-824D-962F-E3C5DAC5A996}" presName="rootConnector" presStyleLbl="node2" presStyleIdx="0" presStyleCnt="1"/>
+      <dgm:spPr/>
+    </dgm:pt>
+    <dgm:pt modelId="{061042C1-675E-E94D-B74F-F14D17ECCEE3}" type="pres">
+      <dgm:prSet presAssocID="{F88CE117-5BF2-824D-962F-E3C5DAC5A996}" presName="hierChild4" presStyleCnt="0"/>
+      <dgm:spPr/>
+    </dgm:pt>
+    <dgm:pt modelId="{EF7AB695-75A3-CA4E-8FA0-1682F8A1EE0D}" type="pres">
+      <dgm:prSet presAssocID="{B05C1900-1DBB-894F-A1AD-8EE8BB866B5B}" presName="Name37" presStyleLbl="parChTrans1D3" presStyleIdx="0" presStyleCnt="1"/>
+      <dgm:spPr/>
+    </dgm:pt>
+    <dgm:pt modelId="{3A5CD38B-4A27-2C4C-8ADD-6BA5ED84DC89}" type="pres">
+      <dgm:prSet presAssocID="{47A6B5D6-95B4-0C44-8860-A7AA7E836704}" presName="hierRoot2" presStyleCnt="0">
+        <dgm:presLayoutVars>
+          <dgm:hierBranch val="init"/>
+        </dgm:presLayoutVars>
+      </dgm:prSet>
+      <dgm:spPr/>
+    </dgm:pt>
+    <dgm:pt modelId="{55EC1A73-E2C6-F041-B49F-3C870B408DC7}" type="pres">
+      <dgm:prSet presAssocID="{47A6B5D6-95B4-0C44-8860-A7AA7E836704}" presName="rootComposite" presStyleCnt="0"/>
+      <dgm:spPr/>
+    </dgm:pt>
+    <dgm:pt modelId="{D0ECC8D4-EDC4-BE45-ACC4-F6D7BAED74F9}" type="pres">
+      <dgm:prSet presAssocID="{47A6B5D6-95B4-0C44-8860-A7AA7E836704}" presName="rootText" presStyleLbl="node3" presStyleIdx="0" presStyleCnt="1">
+        <dgm:presLayoutVars>
+          <dgm:chPref val="3"/>
+        </dgm:presLayoutVars>
+      </dgm:prSet>
+      <dgm:spPr/>
+    </dgm:pt>
+    <dgm:pt modelId="{29FD38BB-F434-2F4E-A0E9-13F6659DF5DB}" type="pres">
+      <dgm:prSet presAssocID="{47A6B5D6-95B4-0C44-8860-A7AA7E836704}" presName="rootConnector" presStyleLbl="node3" presStyleIdx="0" presStyleCnt="1"/>
+      <dgm:spPr/>
+    </dgm:pt>
+    <dgm:pt modelId="{7F667627-A0B5-9248-8F29-A2484139CE2F}" type="pres">
+      <dgm:prSet presAssocID="{47A6B5D6-95B4-0C44-8860-A7AA7E836704}" presName="hierChild4" presStyleCnt="0"/>
+      <dgm:spPr/>
+    </dgm:pt>
+    <dgm:pt modelId="{E40E525F-A6F2-D740-8335-9935FE44252D}" type="pres">
+      <dgm:prSet presAssocID="{D1D1DA38-8F57-2F4B-B3E0-44D4598CAAFE}" presName="Name37" presStyleLbl="parChTrans1D4" presStyleIdx="0" presStyleCnt="6"/>
+      <dgm:spPr/>
+    </dgm:pt>
+    <dgm:pt modelId="{BDB63A50-321D-3D4A-8A6F-A091929882CD}" type="pres">
+      <dgm:prSet presAssocID="{B1699C19-643B-F242-A254-7074FF4437C5}" presName="hierRoot2" presStyleCnt="0">
+        <dgm:presLayoutVars>
+          <dgm:hierBranch val="init"/>
+        </dgm:presLayoutVars>
+      </dgm:prSet>
+      <dgm:spPr/>
+    </dgm:pt>
+    <dgm:pt modelId="{A38CD17F-494C-F242-A1E0-65BBF5AF8747}" type="pres">
+      <dgm:prSet presAssocID="{B1699C19-643B-F242-A254-7074FF4437C5}" presName="rootComposite" presStyleCnt="0"/>
+      <dgm:spPr/>
+    </dgm:pt>
+    <dgm:pt modelId="{C1102C49-A9A4-3D4C-9FC4-DFE466879785}" type="pres">
+      <dgm:prSet presAssocID="{B1699C19-643B-F242-A254-7074FF4437C5}" presName="rootText" presStyleLbl="node4" presStyleIdx="0" presStyleCnt="6">
+        <dgm:presLayoutVars>
+          <dgm:chPref val="3"/>
+        </dgm:presLayoutVars>
+      </dgm:prSet>
+      <dgm:spPr/>
+    </dgm:pt>
+    <dgm:pt modelId="{C13497EF-6587-C34F-A8AA-1128A7DF2542}" type="pres">
+      <dgm:prSet presAssocID="{B1699C19-643B-F242-A254-7074FF4437C5}" presName="rootConnector" presStyleLbl="node4" presStyleIdx="0" presStyleCnt="6"/>
+      <dgm:spPr/>
+    </dgm:pt>
+    <dgm:pt modelId="{57423D64-5350-6547-8754-0FEF5F8A924D}" type="pres">
+      <dgm:prSet presAssocID="{B1699C19-643B-F242-A254-7074FF4437C5}" presName="hierChild4" presStyleCnt="0"/>
+      <dgm:spPr/>
+    </dgm:pt>
+    <dgm:pt modelId="{C9728545-7A27-524F-898F-85E523150EE8}" type="pres">
+      <dgm:prSet presAssocID="{5BF83042-230C-9F42-954A-D5D7655BE0F6}" presName="Name37" presStyleLbl="parChTrans1D4" presStyleIdx="1" presStyleCnt="6"/>
+      <dgm:spPr/>
+    </dgm:pt>
+    <dgm:pt modelId="{CBD66B74-1CBA-4C46-95C1-0FAC587A2253}" type="pres">
+      <dgm:prSet presAssocID="{DC0FAB8B-36FA-7240-B531-363CA24568A8}" presName="hierRoot2" presStyleCnt="0">
+        <dgm:presLayoutVars>
+          <dgm:hierBranch val="init"/>
+        </dgm:presLayoutVars>
+      </dgm:prSet>
+      <dgm:spPr/>
+    </dgm:pt>
+    <dgm:pt modelId="{E69A8446-AC12-EE44-90AA-D861D6C7319C}" type="pres">
+      <dgm:prSet presAssocID="{DC0FAB8B-36FA-7240-B531-363CA24568A8}" presName="rootComposite" presStyleCnt="0"/>
+      <dgm:spPr/>
+    </dgm:pt>
+    <dgm:pt modelId="{E99E604A-A34A-984D-A3B5-9B5434A935A4}" type="pres">
+      <dgm:prSet presAssocID="{DC0FAB8B-36FA-7240-B531-363CA24568A8}" presName="rootText" presStyleLbl="node4" presStyleIdx="1" presStyleCnt="6">
+        <dgm:presLayoutVars>
+          <dgm:chPref val="3"/>
+        </dgm:presLayoutVars>
+      </dgm:prSet>
+      <dgm:spPr/>
+    </dgm:pt>
+    <dgm:pt modelId="{F9461A7C-1ADE-5240-9579-1DFB5E2930EA}" type="pres">
+      <dgm:prSet presAssocID="{DC0FAB8B-36FA-7240-B531-363CA24568A8}" presName="rootConnector" presStyleLbl="node4" presStyleIdx="1" presStyleCnt="6"/>
+      <dgm:spPr/>
+    </dgm:pt>
+    <dgm:pt modelId="{D26E5C03-AA22-5241-985B-BD7137FB9A58}" type="pres">
+      <dgm:prSet presAssocID="{DC0FAB8B-36FA-7240-B531-363CA24568A8}" presName="hierChild4" presStyleCnt="0"/>
+      <dgm:spPr/>
+    </dgm:pt>
+    <dgm:pt modelId="{B819942B-728A-5744-A8EE-A5AA1EDFCABD}" type="pres">
+      <dgm:prSet presAssocID="{861E5DD1-3077-E344-8DA0-E6428174CA14}" presName="Name37" presStyleLbl="parChTrans1D4" presStyleIdx="2" presStyleCnt="6"/>
+      <dgm:spPr/>
+    </dgm:pt>
+    <dgm:pt modelId="{22885F80-A518-7C49-AA28-C84FFD8247D3}" type="pres">
+      <dgm:prSet presAssocID="{F298D2E6-9D14-1F4A-980D-DF0EC320BA59}" presName="hierRoot2" presStyleCnt="0">
+        <dgm:presLayoutVars>
+          <dgm:hierBranch val="init"/>
+        </dgm:presLayoutVars>
+      </dgm:prSet>
+      <dgm:spPr/>
+    </dgm:pt>
+    <dgm:pt modelId="{BA3EFB53-88EE-B244-BA62-A88350E1F6B5}" type="pres">
+      <dgm:prSet presAssocID="{F298D2E6-9D14-1F4A-980D-DF0EC320BA59}" presName="rootComposite" presStyleCnt="0"/>
+      <dgm:spPr/>
+    </dgm:pt>
+    <dgm:pt modelId="{EE1A225B-65F1-AB49-A219-7CAEC055E425}" type="pres">
+      <dgm:prSet presAssocID="{F298D2E6-9D14-1F4A-980D-DF0EC320BA59}" presName="rootText" presStyleLbl="node4" presStyleIdx="2" presStyleCnt="6">
+        <dgm:presLayoutVars>
+          <dgm:chPref val="3"/>
+        </dgm:presLayoutVars>
+      </dgm:prSet>
+      <dgm:spPr/>
+    </dgm:pt>
+    <dgm:pt modelId="{3AF9A613-2E17-3E40-9721-98AF3514E741}" type="pres">
+      <dgm:prSet presAssocID="{F298D2E6-9D14-1F4A-980D-DF0EC320BA59}" presName="rootConnector" presStyleLbl="node4" presStyleIdx="2" presStyleCnt="6"/>
+      <dgm:spPr/>
+    </dgm:pt>
+    <dgm:pt modelId="{AE9857D0-3574-EC40-8525-56A63151374E}" type="pres">
+      <dgm:prSet presAssocID="{F298D2E6-9D14-1F4A-980D-DF0EC320BA59}" presName="hierChild4" presStyleCnt="0"/>
+      <dgm:spPr/>
+    </dgm:pt>
+    <dgm:pt modelId="{73AEDC0E-4F81-774A-8606-EFD47C02AE31}" type="pres">
+      <dgm:prSet presAssocID="{504341ED-D377-214B-B580-EF3F6B50D57C}" presName="Name37" presStyleLbl="parChTrans1D4" presStyleIdx="3" presStyleCnt="6"/>
+      <dgm:spPr/>
+    </dgm:pt>
+    <dgm:pt modelId="{CA3BE936-8B93-0F4A-AE88-09B12937877F}" type="pres">
+      <dgm:prSet presAssocID="{81EC79C3-3D68-C446-B051-6829E91968D1}" presName="hierRoot2" presStyleCnt="0">
+        <dgm:presLayoutVars>
+          <dgm:hierBranch val="init"/>
+        </dgm:presLayoutVars>
+      </dgm:prSet>
+      <dgm:spPr/>
+    </dgm:pt>
+    <dgm:pt modelId="{5CE67C28-638F-6D4D-9E20-324C346C4A0E}" type="pres">
+      <dgm:prSet presAssocID="{81EC79C3-3D68-C446-B051-6829E91968D1}" presName="rootComposite" presStyleCnt="0"/>
+      <dgm:spPr/>
+    </dgm:pt>
+    <dgm:pt modelId="{0EE5F9B1-FE99-AE4E-AE6C-84A277DD26CF}" type="pres">
+      <dgm:prSet presAssocID="{81EC79C3-3D68-C446-B051-6829E91968D1}" presName="rootText" presStyleLbl="node4" presStyleIdx="3" presStyleCnt="6">
+        <dgm:presLayoutVars>
+          <dgm:chPref val="3"/>
+        </dgm:presLayoutVars>
+      </dgm:prSet>
+      <dgm:spPr/>
+    </dgm:pt>
+    <dgm:pt modelId="{1FC0A4E6-D1C1-F14F-8E29-CF6ADDABAACC}" type="pres">
+      <dgm:prSet presAssocID="{81EC79C3-3D68-C446-B051-6829E91968D1}" presName="rootConnector" presStyleLbl="node4" presStyleIdx="3" presStyleCnt="6"/>
+      <dgm:spPr/>
+    </dgm:pt>
+    <dgm:pt modelId="{DBCF00ED-923E-DE42-A36F-0B4643A40604}" type="pres">
+      <dgm:prSet presAssocID="{81EC79C3-3D68-C446-B051-6829E91968D1}" presName="hierChild4" presStyleCnt="0"/>
+      <dgm:spPr/>
+    </dgm:pt>
+    <dgm:pt modelId="{8D9CBE76-47FE-BD46-8023-32D2AEFD3C50}" type="pres">
+      <dgm:prSet presAssocID="{7629D3E8-B0E9-2A46-B887-AE3D7CFF9C93}" presName="Name37" presStyleLbl="parChTrans1D4" presStyleIdx="4" presStyleCnt="6"/>
+      <dgm:spPr/>
+    </dgm:pt>
+    <dgm:pt modelId="{DE7D0BD6-5322-CE4E-A002-3F36D504C6D1}" type="pres">
+      <dgm:prSet presAssocID="{73604A89-255C-2D49-85F6-08C50A6CF7DB}" presName="hierRoot2" presStyleCnt="0">
+        <dgm:presLayoutVars>
+          <dgm:hierBranch val="init"/>
+        </dgm:presLayoutVars>
+      </dgm:prSet>
+      <dgm:spPr/>
+    </dgm:pt>
+    <dgm:pt modelId="{F06A114C-C340-F344-B727-ABB4DABC6F2A}" type="pres">
+      <dgm:prSet presAssocID="{73604A89-255C-2D49-85F6-08C50A6CF7DB}" presName="rootComposite" presStyleCnt="0"/>
+      <dgm:spPr/>
+    </dgm:pt>
+    <dgm:pt modelId="{037EE79A-46C8-044F-B1FA-F704C91E6F2E}" type="pres">
+      <dgm:prSet presAssocID="{73604A89-255C-2D49-85F6-08C50A6CF7DB}" presName="rootText" presStyleLbl="node4" presStyleIdx="4" presStyleCnt="6">
+        <dgm:presLayoutVars>
+          <dgm:chPref val="3"/>
+        </dgm:presLayoutVars>
+      </dgm:prSet>
+      <dgm:spPr/>
+    </dgm:pt>
+    <dgm:pt modelId="{991B4D0B-F57C-9140-B2AE-759EA139D58B}" type="pres">
+      <dgm:prSet presAssocID="{73604A89-255C-2D49-85F6-08C50A6CF7DB}" presName="rootConnector" presStyleLbl="node4" presStyleIdx="4" presStyleCnt="6"/>
+      <dgm:spPr/>
+    </dgm:pt>
+    <dgm:pt modelId="{82B6A803-4D59-9F4C-B11F-C8B35512B56A}" type="pres">
+      <dgm:prSet presAssocID="{73604A89-255C-2D49-85F6-08C50A6CF7DB}" presName="hierChild4" presStyleCnt="0"/>
+      <dgm:spPr/>
+    </dgm:pt>
+    <dgm:pt modelId="{21EEB20D-0816-4B47-92BB-8CF48154F09A}" type="pres">
+      <dgm:prSet presAssocID="{A0816497-9235-FD4D-A7E5-5EC7E10CBCD4}" presName="Name37" presStyleLbl="parChTrans1D4" presStyleIdx="5" presStyleCnt="6"/>
+      <dgm:spPr/>
+    </dgm:pt>
+    <dgm:pt modelId="{5891DFAC-EF2F-AE43-8AB8-1C03B1CE589F}" type="pres">
+      <dgm:prSet presAssocID="{29C1E6BC-A772-A54E-A97A-982A323EA941}" presName="hierRoot2" presStyleCnt="0">
+        <dgm:presLayoutVars>
+          <dgm:hierBranch val="init"/>
+        </dgm:presLayoutVars>
+      </dgm:prSet>
+      <dgm:spPr/>
+    </dgm:pt>
+    <dgm:pt modelId="{C242A2BE-7789-A74A-949F-E97521CEA24D}" type="pres">
+      <dgm:prSet presAssocID="{29C1E6BC-A772-A54E-A97A-982A323EA941}" presName="rootComposite" presStyleCnt="0"/>
+      <dgm:spPr/>
+    </dgm:pt>
+    <dgm:pt modelId="{C6692C42-55D7-454A-BD01-33D733917243}" type="pres">
+      <dgm:prSet presAssocID="{29C1E6BC-A772-A54E-A97A-982A323EA941}" presName="rootText" presStyleLbl="node4" presStyleIdx="5" presStyleCnt="6">
+        <dgm:presLayoutVars>
+          <dgm:chPref val="3"/>
+        </dgm:presLayoutVars>
+      </dgm:prSet>
+      <dgm:spPr/>
+    </dgm:pt>
+    <dgm:pt modelId="{6CA0B9D6-CD5C-5548-B732-C2F490C41601}" type="pres">
+      <dgm:prSet presAssocID="{29C1E6BC-A772-A54E-A97A-982A323EA941}" presName="rootConnector" presStyleLbl="node4" presStyleIdx="5" presStyleCnt="6"/>
+      <dgm:spPr/>
+    </dgm:pt>
+    <dgm:pt modelId="{E2DCE19F-86A8-574A-B8D2-4277E3789DD6}" type="pres">
+      <dgm:prSet presAssocID="{29C1E6BC-A772-A54E-A97A-982A323EA941}" presName="hierChild4" presStyleCnt="0"/>
+      <dgm:spPr/>
+    </dgm:pt>
+    <dgm:pt modelId="{4A5FBF98-12CF-FF4A-B4AF-FE38D5FC638E}" type="pres">
+      <dgm:prSet presAssocID="{29C1E6BC-A772-A54E-A97A-982A323EA941}" presName="hierChild5" presStyleCnt="0"/>
+      <dgm:spPr/>
+    </dgm:pt>
+    <dgm:pt modelId="{CD58E255-A43A-6840-BA85-C2FDAF18F8E6}" type="pres">
+      <dgm:prSet presAssocID="{73604A89-255C-2D49-85F6-08C50A6CF7DB}" presName="hierChild5" presStyleCnt="0"/>
+      <dgm:spPr/>
+    </dgm:pt>
+    <dgm:pt modelId="{B8C0E25D-7107-664E-8B44-E8AD8E0E18F3}" type="pres">
+      <dgm:prSet presAssocID="{81EC79C3-3D68-C446-B051-6829E91968D1}" presName="hierChild5" presStyleCnt="0"/>
+      <dgm:spPr/>
+    </dgm:pt>
+    <dgm:pt modelId="{93023821-EE63-2B46-98A5-9EDAEC74F33E}" type="pres">
+      <dgm:prSet presAssocID="{F298D2E6-9D14-1F4A-980D-DF0EC320BA59}" presName="hierChild5" presStyleCnt="0"/>
+      <dgm:spPr/>
+    </dgm:pt>
+    <dgm:pt modelId="{3F947FBF-D62A-DE42-AC2F-C2EBCC608926}" type="pres">
+      <dgm:prSet presAssocID="{DC0FAB8B-36FA-7240-B531-363CA24568A8}" presName="hierChild5" presStyleCnt="0"/>
+      <dgm:spPr/>
+    </dgm:pt>
+    <dgm:pt modelId="{70713871-4E93-434F-9B30-044F0BDEDD99}" type="pres">
+      <dgm:prSet presAssocID="{B1699C19-643B-F242-A254-7074FF4437C5}" presName="hierChild5" presStyleCnt="0"/>
+      <dgm:spPr/>
+    </dgm:pt>
+    <dgm:pt modelId="{69971D1A-370D-B747-8699-FB5F11EA6821}" type="pres">
+      <dgm:prSet presAssocID="{47A6B5D6-95B4-0C44-8860-A7AA7E836704}" presName="hierChild5" presStyleCnt="0"/>
+      <dgm:spPr/>
+    </dgm:pt>
+    <dgm:pt modelId="{3C9A3FB2-3187-4B45-8960-F058142748F2}" type="pres">
+      <dgm:prSet presAssocID="{F88CE117-5BF2-824D-962F-E3C5DAC5A996}" presName="hierChild5" presStyleCnt="0"/>
+      <dgm:spPr/>
+    </dgm:pt>
+    <dgm:pt modelId="{CD611181-ADE1-944F-AFF8-391F27FFAAD8}" type="pres">
+      <dgm:prSet presAssocID="{388DDA7F-6B53-414E-93D1-41D1A686B953}" presName="hierChild3" presStyleCnt="0"/>
+      <dgm:spPr/>
+    </dgm:pt>
+    <dgm:pt modelId="{1300D1F3-3C24-0D4D-AAEF-3A99DEBB2857}" type="pres">
+      <dgm:prSet presAssocID="{5E92B1EF-5271-3A42-9FF3-87CE1099F051}" presName="hierRoot1" presStyleCnt="0">
+        <dgm:presLayoutVars>
+          <dgm:hierBranch val="init"/>
+        </dgm:presLayoutVars>
+      </dgm:prSet>
+      <dgm:spPr/>
+    </dgm:pt>
+    <dgm:pt modelId="{95FDB4EB-4DB7-F743-A032-D38C8EB0C732}" type="pres">
+      <dgm:prSet presAssocID="{5E92B1EF-5271-3A42-9FF3-87CE1099F051}" presName="rootComposite1" presStyleCnt="0"/>
+      <dgm:spPr/>
+    </dgm:pt>
+    <dgm:pt modelId="{9E04E2FA-911D-944C-A0E4-BAE7F15E61E1}" type="pres">
+      <dgm:prSet presAssocID="{5E92B1EF-5271-3A42-9FF3-87CE1099F051}" presName="rootText1" presStyleLbl="node0" presStyleIdx="1" presStyleCnt="2" custLinFactX="-100000" custLinFactY="400000" custLinFactNeighborX="-188820" custLinFactNeighborY="451327">
+        <dgm:presLayoutVars>
+          <dgm:chPref val="3"/>
+        </dgm:presLayoutVars>
+      </dgm:prSet>
+      <dgm:spPr/>
+    </dgm:pt>
+    <dgm:pt modelId="{46FE3E48-8551-BA44-AAF4-02A10B1BC55A}" type="pres">
+      <dgm:prSet presAssocID="{5E92B1EF-5271-3A42-9FF3-87CE1099F051}" presName="rootConnector1" presStyleLbl="node1" presStyleIdx="0" presStyleCnt="0"/>
+      <dgm:spPr/>
+    </dgm:pt>
+    <dgm:pt modelId="{0E326042-B700-934E-B3D8-7845A73E4C84}" type="pres">
+      <dgm:prSet presAssocID="{5E92B1EF-5271-3A42-9FF3-87CE1099F051}" presName="hierChild2" presStyleCnt="0"/>
+      <dgm:spPr/>
+    </dgm:pt>
+    <dgm:pt modelId="{DCDD70FA-0730-9742-84B9-5BCF5D6703B8}" type="pres">
+      <dgm:prSet presAssocID="{5E92B1EF-5271-3A42-9FF3-87CE1099F051}" presName="hierChild3" presStyleCnt="0"/>
+      <dgm:spPr/>
+    </dgm:pt>
+  </dgm:ptLst>
+  <dgm:cxnLst>
+    <dgm:cxn modelId="{F581F007-FC48-1E41-89DD-C96DC171E079}" type="presOf" srcId="{D1D1DA38-8F57-2F4B-B3E0-44D4598CAAFE}" destId="{E40E525F-A6F2-D740-8335-9935FE44252D}" srcOrd="0" destOrd="0" presId="urn:microsoft.com/office/officeart/2005/8/layout/orgChart1"/>
+    <dgm:cxn modelId="{C11DE416-8313-EE47-AD21-6BD26FD2CE86}" type="presOf" srcId="{73604A89-255C-2D49-85F6-08C50A6CF7DB}" destId="{991B4D0B-F57C-9140-B2AE-759EA139D58B}" srcOrd="1" destOrd="0" presId="urn:microsoft.com/office/officeart/2005/8/layout/orgChart1"/>
+    <dgm:cxn modelId="{2B36571B-8206-BE4B-BB83-69FDDF321515}" type="presOf" srcId="{388DDA7F-6B53-414E-93D1-41D1A686B953}" destId="{13BB3533-D91E-B143-8BEC-DA74951EAB7C}" srcOrd="1" destOrd="0" presId="urn:microsoft.com/office/officeart/2005/8/layout/orgChart1"/>
+    <dgm:cxn modelId="{5C42231C-1FD4-0441-8A9A-74497BE0AADF}" type="presOf" srcId="{5BF83042-230C-9F42-954A-D5D7655BE0F6}" destId="{C9728545-7A27-524F-898F-85E523150EE8}" srcOrd="0" destOrd="0" presId="urn:microsoft.com/office/officeart/2005/8/layout/orgChart1"/>
+    <dgm:cxn modelId="{D5941C1D-D076-1A40-BC01-89E64B16D7F3}" srcId="{DC0FAB8B-36FA-7240-B531-363CA24568A8}" destId="{F298D2E6-9D14-1F4A-980D-DF0EC320BA59}" srcOrd="0" destOrd="0" parTransId="{861E5DD1-3077-E344-8DA0-E6428174CA14}" sibTransId="{D0614D03-1847-404D-85C8-A05FAC68544E}"/>
+    <dgm:cxn modelId="{92EE8E1D-354E-7A45-B6F2-120155B45910}" type="presOf" srcId="{B1699C19-643B-F242-A254-7074FF4437C5}" destId="{C13497EF-6587-C34F-A8AA-1128A7DF2542}" srcOrd="1" destOrd="0" presId="urn:microsoft.com/office/officeart/2005/8/layout/orgChart1"/>
+    <dgm:cxn modelId="{578C0A22-8381-0D47-A0AF-794BABBD917F}" type="presOf" srcId="{C2C2F35E-B900-B140-ADA5-2AE024810890}" destId="{4F4FE5EA-52CC-AE47-8E15-98FBD0F9961F}" srcOrd="0" destOrd="0" presId="urn:microsoft.com/office/officeart/2005/8/layout/orgChart1"/>
+    <dgm:cxn modelId="{AAA34E22-0DF7-574D-96E3-1C97234D99CD}" type="presOf" srcId="{73604A89-255C-2D49-85F6-08C50A6CF7DB}" destId="{037EE79A-46C8-044F-B1FA-F704C91E6F2E}" srcOrd="0" destOrd="0" presId="urn:microsoft.com/office/officeart/2005/8/layout/orgChart1"/>
+    <dgm:cxn modelId="{DDA2132C-8D17-5F4C-8457-8B7936DC9C5C}" type="presOf" srcId="{F298D2E6-9D14-1F4A-980D-DF0EC320BA59}" destId="{EE1A225B-65F1-AB49-A219-7CAEC055E425}" srcOrd="0" destOrd="0" presId="urn:microsoft.com/office/officeart/2005/8/layout/orgChart1"/>
+    <dgm:cxn modelId="{0C90B732-7359-344B-83B0-040444528DCD}" type="presOf" srcId="{5E92B1EF-5271-3A42-9FF3-87CE1099F051}" destId="{46FE3E48-8551-BA44-AAF4-02A10B1BC55A}" srcOrd="1" destOrd="0" presId="urn:microsoft.com/office/officeart/2005/8/layout/orgChart1"/>
+    <dgm:cxn modelId="{ED63F235-2949-A148-90B8-3AEA326ADF66}" srcId="{F298D2E6-9D14-1F4A-980D-DF0EC320BA59}" destId="{81EC79C3-3D68-C446-B051-6829E91968D1}" srcOrd="0" destOrd="0" parTransId="{504341ED-D377-214B-B580-EF3F6B50D57C}" sibTransId="{3CFF6467-56B8-DA49-A962-04D2F5888982}"/>
+    <dgm:cxn modelId="{AAC40E3E-D7D1-6B46-8C4A-9F7A30E1DE62}" srcId="{FA4E500E-7F97-A745-8093-97446D9A4C3A}" destId="{388DDA7F-6B53-414E-93D1-41D1A686B953}" srcOrd="0" destOrd="0" parTransId="{BF85BC9F-986A-7A45-8955-DCE0D1233E27}" sibTransId="{52D29C48-F1DC-0D4A-A8AF-283D0B5E9FCB}"/>
+    <dgm:cxn modelId="{231E3C41-8102-4F40-9661-7D508E0D29EC}" type="presOf" srcId="{29C1E6BC-A772-A54E-A97A-982A323EA941}" destId="{C6692C42-55D7-454A-BD01-33D733917243}" srcOrd="0" destOrd="0" presId="urn:microsoft.com/office/officeart/2005/8/layout/orgChart1"/>
+    <dgm:cxn modelId="{E4D61348-52F2-BF42-931C-0E167B63EC2A}" type="presOf" srcId="{47A6B5D6-95B4-0C44-8860-A7AA7E836704}" destId="{D0ECC8D4-EDC4-BE45-ACC4-F6D7BAED74F9}" srcOrd="0" destOrd="0" presId="urn:microsoft.com/office/officeart/2005/8/layout/orgChart1"/>
+    <dgm:cxn modelId="{4E75084B-CBFD-4D46-8EFE-255B6F94A00F}" type="presOf" srcId="{B1699C19-643B-F242-A254-7074FF4437C5}" destId="{C1102C49-A9A4-3D4C-9FC4-DFE466879785}" srcOrd="0" destOrd="0" presId="urn:microsoft.com/office/officeart/2005/8/layout/orgChart1"/>
+    <dgm:cxn modelId="{0EC50F4C-A6DC-4C41-AAFF-0CD6BE8E06C6}" type="presOf" srcId="{DC0FAB8B-36FA-7240-B531-363CA24568A8}" destId="{E99E604A-A34A-984D-A3B5-9B5434A935A4}" srcOrd="0" destOrd="0" presId="urn:microsoft.com/office/officeart/2005/8/layout/orgChart1"/>
+    <dgm:cxn modelId="{FCE1174F-3158-0741-A935-ECF553BC1690}" type="presOf" srcId="{A0816497-9235-FD4D-A7E5-5EC7E10CBCD4}" destId="{21EEB20D-0816-4B47-92BB-8CF48154F09A}" srcOrd="0" destOrd="0" presId="urn:microsoft.com/office/officeart/2005/8/layout/orgChart1"/>
+    <dgm:cxn modelId="{5A882E55-01AB-764D-9F8B-C9F75C0F41C7}" type="presOf" srcId="{29C1E6BC-A772-A54E-A97A-982A323EA941}" destId="{6CA0B9D6-CD5C-5548-B732-C2F490C41601}" srcOrd="1" destOrd="0" presId="urn:microsoft.com/office/officeart/2005/8/layout/orgChart1"/>
+    <dgm:cxn modelId="{1965EF58-0402-CB48-AEC0-B156E16F5FF2}" type="presOf" srcId="{FA4E500E-7F97-A745-8093-97446D9A4C3A}" destId="{2FAD07B9-F3D6-5441-9220-9281599D35DB}" srcOrd="0" destOrd="0" presId="urn:microsoft.com/office/officeart/2005/8/layout/orgChart1"/>
+    <dgm:cxn modelId="{2536705B-5228-8545-9039-A1D12AE01C86}" type="presOf" srcId="{388DDA7F-6B53-414E-93D1-41D1A686B953}" destId="{F75ED3D7-138D-FF43-A8B6-500B3AE1BBA4}" srcOrd="0" destOrd="0" presId="urn:microsoft.com/office/officeart/2005/8/layout/orgChart1"/>
+    <dgm:cxn modelId="{25659C6C-A10D-EA44-8939-DF4EE76CB84D}" type="presOf" srcId="{504341ED-D377-214B-B580-EF3F6B50D57C}" destId="{73AEDC0E-4F81-774A-8606-EFD47C02AE31}" srcOrd="0" destOrd="0" presId="urn:microsoft.com/office/officeart/2005/8/layout/orgChart1"/>
+    <dgm:cxn modelId="{661E046E-2CD7-B44C-BD05-07FE538CD397}" srcId="{81EC79C3-3D68-C446-B051-6829E91968D1}" destId="{73604A89-255C-2D49-85F6-08C50A6CF7DB}" srcOrd="0" destOrd="0" parTransId="{7629D3E8-B0E9-2A46-B887-AE3D7CFF9C93}" sibTransId="{9E40DEB0-A706-0542-B4B6-5E3D55ECAF78}"/>
+    <dgm:cxn modelId="{C2857C6E-4B50-B04B-AB12-F393F5E68BB6}" type="presOf" srcId="{861E5DD1-3077-E344-8DA0-E6428174CA14}" destId="{B819942B-728A-5744-A8EE-A5AA1EDFCABD}" srcOrd="0" destOrd="0" presId="urn:microsoft.com/office/officeart/2005/8/layout/orgChart1"/>
+    <dgm:cxn modelId="{1235066F-B9C3-AC4D-9AA7-4DA459F881B4}" type="presOf" srcId="{47A6B5D6-95B4-0C44-8860-A7AA7E836704}" destId="{29FD38BB-F434-2F4E-A0E9-13F6659DF5DB}" srcOrd="1" destOrd="0" presId="urn:microsoft.com/office/officeart/2005/8/layout/orgChart1"/>
+    <dgm:cxn modelId="{8AC92B80-4DBB-7E4D-BAB0-BDFBB21610DB}" type="presOf" srcId="{DC0FAB8B-36FA-7240-B531-363CA24568A8}" destId="{F9461A7C-1ADE-5240-9579-1DFB5E2930EA}" srcOrd="1" destOrd="0" presId="urn:microsoft.com/office/officeart/2005/8/layout/orgChart1"/>
+    <dgm:cxn modelId="{0D852C8B-8B48-DF47-86E1-7AB465FE6580}" type="presOf" srcId="{81EC79C3-3D68-C446-B051-6829E91968D1}" destId="{0EE5F9B1-FE99-AE4E-AE6C-84A277DD26CF}" srcOrd="0" destOrd="0" presId="urn:microsoft.com/office/officeart/2005/8/layout/orgChart1"/>
+    <dgm:cxn modelId="{AE21C78D-E0BB-9940-BBDF-85D9626FB5EE}" srcId="{B1699C19-643B-F242-A254-7074FF4437C5}" destId="{DC0FAB8B-36FA-7240-B531-363CA24568A8}" srcOrd="0" destOrd="0" parTransId="{5BF83042-230C-9F42-954A-D5D7655BE0F6}" sibTransId="{47086D85-A708-2445-9294-116198F6525F}"/>
+    <dgm:cxn modelId="{C4558D93-520F-0E4D-8124-552A4CCDFD14}" type="presOf" srcId="{81EC79C3-3D68-C446-B051-6829E91968D1}" destId="{1FC0A4E6-D1C1-F14F-8E29-CF6ADDABAACC}" srcOrd="1" destOrd="0" presId="urn:microsoft.com/office/officeart/2005/8/layout/orgChart1"/>
+    <dgm:cxn modelId="{A32756A1-2975-D142-B643-B95F8CA59500}" type="presOf" srcId="{7629D3E8-B0E9-2A46-B887-AE3D7CFF9C93}" destId="{8D9CBE76-47FE-BD46-8023-32D2AEFD3C50}" srcOrd="0" destOrd="0" presId="urn:microsoft.com/office/officeart/2005/8/layout/orgChart1"/>
+    <dgm:cxn modelId="{4A137BAE-0FF2-F14D-87A8-C8338B8B290A}" srcId="{F88CE117-5BF2-824D-962F-E3C5DAC5A996}" destId="{47A6B5D6-95B4-0C44-8860-A7AA7E836704}" srcOrd="0" destOrd="0" parTransId="{B05C1900-1DBB-894F-A1AD-8EE8BB866B5B}" sibTransId="{1E5676D7-D875-8B41-AEE0-4D6922E60B22}"/>
+    <dgm:cxn modelId="{DD14A9B5-B548-7B4B-98DD-6E405995063F}" srcId="{FA4E500E-7F97-A745-8093-97446D9A4C3A}" destId="{5E92B1EF-5271-3A42-9FF3-87CE1099F051}" srcOrd="1" destOrd="0" parTransId="{F3E8BF26-CDEB-304A-871E-6259D6C92342}" sibTransId="{8077D550-6F24-294A-8E01-C5A7BBD3D66D}"/>
+    <dgm:cxn modelId="{423B5ABB-8898-4F45-96A4-9316FCFD5722}" srcId="{388DDA7F-6B53-414E-93D1-41D1A686B953}" destId="{F88CE117-5BF2-824D-962F-E3C5DAC5A996}" srcOrd="0" destOrd="0" parTransId="{C2C2F35E-B900-B140-ADA5-2AE024810890}" sibTransId="{9C9FBFE5-9E81-8B4E-B1DA-F138D151B219}"/>
+    <dgm:cxn modelId="{3BFEC6BC-24D3-F54B-90E7-1D413615D332}" srcId="{73604A89-255C-2D49-85F6-08C50A6CF7DB}" destId="{29C1E6BC-A772-A54E-A97A-982A323EA941}" srcOrd="0" destOrd="0" parTransId="{A0816497-9235-FD4D-A7E5-5EC7E10CBCD4}" sibTransId="{84CCAD9D-2D4E-644D-9223-5B03A1020817}"/>
+    <dgm:cxn modelId="{1D05F1BC-9F01-3448-8AC8-A69D4F35218D}" type="presOf" srcId="{F88CE117-5BF2-824D-962F-E3C5DAC5A996}" destId="{EBF12FB6-9882-7145-9467-23F71E7058D9}" srcOrd="0" destOrd="0" presId="urn:microsoft.com/office/officeart/2005/8/layout/orgChart1"/>
+    <dgm:cxn modelId="{B0119AD6-FB2C-124F-993C-D79CA3D690CC}" type="presOf" srcId="{5E92B1EF-5271-3A42-9FF3-87CE1099F051}" destId="{9E04E2FA-911D-944C-A0E4-BAE7F15E61E1}" srcOrd="0" destOrd="0" presId="urn:microsoft.com/office/officeart/2005/8/layout/orgChart1"/>
+    <dgm:cxn modelId="{9F4ADEEB-8A72-5948-A3ED-40269969A408}" type="presOf" srcId="{F298D2E6-9D14-1F4A-980D-DF0EC320BA59}" destId="{3AF9A613-2E17-3E40-9721-98AF3514E741}" srcOrd="1" destOrd="0" presId="urn:microsoft.com/office/officeart/2005/8/layout/orgChart1"/>
+    <dgm:cxn modelId="{C61F9CEE-5077-C54F-9A1F-580D4F32CD98}" type="presOf" srcId="{F88CE117-5BF2-824D-962F-E3C5DAC5A996}" destId="{2769F0BB-1C8B-754A-88EC-D898EE97C049}" srcOrd="1" destOrd="0" presId="urn:microsoft.com/office/officeart/2005/8/layout/orgChart1"/>
+    <dgm:cxn modelId="{692D2CF2-B512-3449-B507-20BEDDBDECCB}" type="presOf" srcId="{B05C1900-1DBB-894F-A1AD-8EE8BB866B5B}" destId="{EF7AB695-75A3-CA4E-8FA0-1682F8A1EE0D}" srcOrd="0" destOrd="0" presId="urn:microsoft.com/office/officeart/2005/8/layout/orgChart1"/>
+    <dgm:cxn modelId="{44EEC7FC-ACB5-3843-B7C5-5B0579F2236E}" srcId="{47A6B5D6-95B4-0C44-8860-A7AA7E836704}" destId="{B1699C19-643B-F242-A254-7074FF4437C5}" srcOrd="0" destOrd="0" parTransId="{D1D1DA38-8F57-2F4B-B3E0-44D4598CAAFE}" sibTransId="{DC05EA01-E3AB-E040-BE0E-962D2EB2EE04}"/>
+    <dgm:cxn modelId="{E5209F3C-12BC-0F43-ACD6-155E4D3C0DE7}" type="presParOf" srcId="{2FAD07B9-F3D6-5441-9220-9281599D35DB}" destId="{5908D026-09A4-D14A-A467-C679422503F3}" srcOrd="0" destOrd="0" presId="urn:microsoft.com/office/officeart/2005/8/layout/orgChart1"/>
+    <dgm:cxn modelId="{ED73FF27-6F2D-B94D-AC53-E3B33C2BCB83}" type="presParOf" srcId="{5908D026-09A4-D14A-A467-C679422503F3}" destId="{B63095A5-43ED-6040-87C9-91F4FAB3A1E4}" srcOrd="0" destOrd="0" presId="urn:microsoft.com/office/officeart/2005/8/layout/orgChart1"/>
+    <dgm:cxn modelId="{296C6D66-4C83-174C-A2DB-577AB9CF702A}" type="presParOf" srcId="{B63095A5-43ED-6040-87C9-91F4FAB3A1E4}" destId="{F75ED3D7-138D-FF43-A8B6-500B3AE1BBA4}" srcOrd="0" destOrd="0" presId="urn:microsoft.com/office/officeart/2005/8/layout/orgChart1"/>
+    <dgm:cxn modelId="{7B50447B-C9AE-7A4F-9059-DFEE5EC4BE85}" type="presParOf" srcId="{B63095A5-43ED-6040-87C9-91F4FAB3A1E4}" destId="{13BB3533-D91E-B143-8BEC-DA74951EAB7C}" srcOrd="1" destOrd="0" presId="urn:microsoft.com/office/officeart/2005/8/layout/orgChart1"/>
+    <dgm:cxn modelId="{B6EEBD60-4C16-C44C-888A-C1E31E385ECD}" type="presParOf" srcId="{5908D026-09A4-D14A-A467-C679422503F3}" destId="{B090435F-6CCD-984E-A2FF-9E4E45FB24A9}" srcOrd="1" destOrd="0" presId="urn:microsoft.com/office/officeart/2005/8/layout/orgChart1"/>
+    <dgm:cxn modelId="{F06F84EB-7960-BB49-ABA3-B7AD932B1636}" type="presParOf" srcId="{B090435F-6CCD-984E-A2FF-9E4E45FB24A9}" destId="{4F4FE5EA-52CC-AE47-8E15-98FBD0F9961F}" srcOrd="0" destOrd="0" presId="urn:microsoft.com/office/officeart/2005/8/layout/orgChart1"/>
+    <dgm:cxn modelId="{5EC9F425-6F1D-EB46-9C1E-1E7B09E9F4EE}" type="presParOf" srcId="{B090435F-6CCD-984E-A2FF-9E4E45FB24A9}" destId="{54D888A9-E979-DC4B-9E80-F30ED30620C9}" srcOrd="1" destOrd="0" presId="urn:microsoft.com/office/officeart/2005/8/layout/orgChart1"/>
+    <dgm:cxn modelId="{1169B006-86BA-7B41-84CC-FA32CD155CAD}" type="presParOf" srcId="{54D888A9-E979-DC4B-9E80-F30ED30620C9}" destId="{E8C693A0-BF6C-C046-AF15-6B801214816C}" srcOrd="0" destOrd="0" presId="urn:microsoft.com/office/officeart/2005/8/layout/orgChart1"/>
+    <dgm:cxn modelId="{4721D819-1B54-9643-944B-3A5C888BA5AF}" type="presParOf" srcId="{E8C693A0-BF6C-C046-AF15-6B801214816C}" destId="{EBF12FB6-9882-7145-9467-23F71E7058D9}" srcOrd="0" destOrd="0" presId="urn:microsoft.com/office/officeart/2005/8/layout/orgChart1"/>
+    <dgm:cxn modelId="{4E49326C-CEA2-2745-B7B9-BC0A7071B6E1}" type="presParOf" srcId="{E8C693A0-BF6C-C046-AF15-6B801214816C}" destId="{2769F0BB-1C8B-754A-88EC-D898EE97C049}" srcOrd="1" destOrd="0" presId="urn:microsoft.com/office/officeart/2005/8/layout/orgChart1"/>
+    <dgm:cxn modelId="{15C0E241-5121-4D46-B044-1E0ECD8C76E1}" type="presParOf" srcId="{54D888A9-E979-DC4B-9E80-F30ED30620C9}" destId="{061042C1-675E-E94D-B74F-F14D17ECCEE3}" srcOrd="1" destOrd="0" presId="urn:microsoft.com/office/officeart/2005/8/layout/orgChart1"/>
+    <dgm:cxn modelId="{C2DE11EF-5986-5743-817B-B8194DC2C6A7}" type="presParOf" srcId="{061042C1-675E-E94D-B74F-F14D17ECCEE3}" destId="{EF7AB695-75A3-CA4E-8FA0-1682F8A1EE0D}" srcOrd="0" destOrd="0" presId="urn:microsoft.com/office/officeart/2005/8/layout/orgChart1"/>
+    <dgm:cxn modelId="{9973BD0C-3212-2C4C-9AAE-199BED0F66AD}" type="presParOf" srcId="{061042C1-675E-E94D-B74F-F14D17ECCEE3}" destId="{3A5CD38B-4A27-2C4C-8ADD-6BA5ED84DC89}" srcOrd="1" destOrd="0" presId="urn:microsoft.com/office/officeart/2005/8/layout/orgChart1"/>
+    <dgm:cxn modelId="{07EEA6F0-6DB8-E14E-A7C1-A59BB75AA305}" type="presParOf" srcId="{3A5CD38B-4A27-2C4C-8ADD-6BA5ED84DC89}" destId="{55EC1A73-E2C6-F041-B49F-3C870B408DC7}" srcOrd="0" destOrd="0" presId="urn:microsoft.com/office/officeart/2005/8/layout/orgChart1"/>
+    <dgm:cxn modelId="{9800F1EF-8579-9E46-9649-1D4663B6A55B}" type="presParOf" srcId="{55EC1A73-E2C6-F041-B49F-3C870B408DC7}" destId="{D0ECC8D4-EDC4-BE45-ACC4-F6D7BAED74F9}" srcOrd="0" destOrd="0" presId="urn:microsoft.com/office/officeart/2005/8/layout/orgChart1"/>
+    <dgm:cxn modelId="{6FF796C9-7878-9F4F-9027-48774E065765}" type="presParOf" srcId="{55EC1A73-E2C6-F041-B49F-3C870B408DC7}" destId="{29FD38BB-F434-2F4E-A0E9-13F6659DF5DB}" srcOrd="1" destOrd="0" presId="urn:microsoft.com/office/officeart/2005/8/layout/orgChart1"/>
+    <dgm:cxn modelId="{9CBB9E94-66CC-1241-891F-BA765C850110}" type="presParOf" srcId="{3A5CD38B-4A27-2C4C-8ADD-6BA5ED84DC89}" destId="{7F667627-A0B5-9248-8F29-A2484139CE2F}" srcOrd="1" destOrd="0" presId="urn:microsoft.com/office/officeart/2005/8/layout/orgChart1"/>
+    <dgm:cxn modelId="{6B0B1762-7D70-3249-B7B2-5AEBC6ADC2D8}" type="presParOf" srcId="{7F667627-A0B5-9248-8F29-A2484139CE2F}" destId="{E40E525F-A6F2-D740-8335-9935FE44252D}" srcOrd="0" destOrd="0" presId="urn:microsoft.com/office/officeart/2005/8/layout/orgChart1"/>
+    <dgm:cxn modelId="{EE9E9F79-023C-3E4C-9297-20948267BB5E}" type="presParOf" srcId="{7F667627-A0B5-9248-8F29-A2484139CE2F}" destId="{BDB63A50-321D-3D4A-8A6F-A091929882CD}" srcOrd="1" destOrd="0" presId="urn:microsoft.com/office/officeart/2005/8/layout/orgChart1"/>
+    <dgm:cxn modelId="{62E6BFAF-7C28-8E44-B1D4-92D4E9704ACA}" type="presParOf" srcId="{BDB63A50-321D-3D4A-8A6F-A091929882CD}" destId="{A38CD17F-494C-F242-A1E0-65BBF5AF8747}" srcOrd="0" destOrd="0" presId="urn:microsoft.com/office/officeart/2005/8/layout/orgChart1"/>
+    <dgm:cxn modelId="{6026A345-902E-474E-A5B9-96AEB40AF734}" type="presParOf" srcId="{A38CD17F-494C-F242-A1E0-65BBF5AF8747}" destId="{C1102C49-A9A4-3D4C-9FC4-DFE466879785}" srcOrd="0" destOrd="0" presId="urn:microsoft.com/office/officeart/2005/8/layout/orgChart1"/>
+    <dgm:cxn modelId="{19E93AED-C277-084C-AA61-6ABC08D243F0}" type="presParOf" srcId="{A38CD17F-494C-F242-A1E0-65BBF5AF8747}" destId="{C13497EF-6587-C34F-A8AA-1128A7DF2542}" srcOrd="1" destOrd="0" presId="urn:microsoft.com/office/officeart/2005/8/layout/orgChart1"/>
+    <dgm:cxn modelId="{0D5F7B12-5DB9-714B-BB40-406F5B20E834}" type="presParOf" srcId="{BDB63A50-321D-3D4A-8A6F-A091929882CD}" destId="{57423D64-5350-6547-8754-0FEF5F8A924D}" srcOrd="1" destOrd="0" presId="urn:microsoft.com/office/officeart/2005/8/layout/orgChart1"/>
+    <dgm:cxn modelId="{C59EBCE4-6682-EF42-99DA-CF2C067E2B37}" type="presParOf" srcId="{57423D64-5350-6547-8754-0FEF5F8A924D}" destId="{C9728545-7A27-524F-898F-85E523150EE8}" srcOrd="0" destOrd="0" presId="urn:microsoft.com/office/officeart/2005/8/layout/orgChart1"/>
+    <dgm:cxn modelId="{2EB28BD9-6FBC-7E49-9352-B746872BD198}" type="presParOf" srcId="{57423D64-5350-6547-8754-0FEF5F8A924D}" destId="{CBD66B74-1CBA-4C46-95C1-0FAC587A2253}" srcOrd="1" destOrd="0" presId="urn:microsoft.com/office/officeart/2005/8/layout/orgChart1"/>
+    <dgm:cxn modelId="{84B5B4B8-B830-FB45-B2B4-FB41A653473B}" type="presParOf" srcId="{CBD66B74-1CBA-4C46-95C1-0FAC587A2253}" destId="{E69A8446-AC12-EE44-90AA-D861D6C7319C}" srcOrd="0" destOrd="0" presId="urn:microsoft.com/office/officeart/2005/8/layout/orgChart1"/>
+    <dgm:cxn modelId="{4EDCC730-5F2D-9A45-9F09-15884A559CC6}" type="presParOf" srcId="{E69A8446-AC12-EE44-90AA-D861D6C7319C}" destId="{E99E604A-A34A-984D-A3B5-9B5434A935A4}" srcOrd="0" destOrd="0" presId="urn:microsoft.com/office/officeart/2005/8/layout/orgChart1"/>
+    <dgm:cxn modelId="{63E9A383-0521-1D41-8251-72D433553AEB}" type="presParOf" srcId="{E69A8446-AC12-EE44-90AA-D861D6C7319C}" destId="{F9461A7C-1ADE-5240-9579-1DFB5E2930EA}" srcOrd="1" destOrd="0" presId="urn:microsoft.com/office/officeart/2005/8/layout/orgChart1"/>
+    <dgm:cxn modelId="{B404CE87-726E-DC4F-B165-EDBDEA481605}" type="presParOf" srcId="{CBD66B74-1CBA-4C46-95C1-0FAC587A2253}" destId="{D26E5C03-AA22-5241-985B-BD7137FB9A58}" srcOrd="1" destOrd="0" presId="urn:microsoft.com/office/officeart/2005/8/layout/orgChart1"/>
+    <dgm:cxn modelId="{C6C8592B-7DC9-654E-A87B-69BAEAC30760}" type="presParOf" srcId="{D26E5C03-AA22-5241-985B-BD7137FB9A58}" destId="{B819942B-728A-5744-A8EE-A5AA1EDFCABD}" srcOrd="0" destOrd="0" presId="urn:microsoft.com/office/officeart/2005/8/layout/orgChart1"/>
+    <dgm:cxn modelId="{1BF1D833-DC19-D749-8A0D-DE23DB05F28F}" type="presParOf" srcId="{D26E5C03-AA22-5241-985B-BD7137FB9A58}" destId="{22885F80-A518-7C49-AA28-C84FFD8247D3}" srcOrd="1" destOrd="0" presId="urn:microsoft.com/office/officeart/2005/8/layout/orgChart1"/>
+    <dgm:cxn modelId="{2B63CAB8-728A-BA48-9B44-AF433E260A99}" type="presParOf" srcId="{22885F80-A518-7C49-AA28-C84FFD8247D3}" destId="{BA3EFB53-88EE-B244-BA62-A88350E1F6B5}" srcOrd="0" destOrd="0" presId="urn:microsoft.com/office/officeart/2005/8/layout/orgChart1"/>
+    <dgm:cxn modelId="{3FA40786-372C-3E41-8F25-000CB648C45D}" type="presParOf" srcId="{BA3EFB53-88EE-B244-BA62-A88350E1F6B5}" destId="{EE1A225B-65F1-AB49-A219-7CAEC055E425}" srcOrd="0" destOrd="0" presId="urn:microsoft.com/office/officeart/2005/8/layout/orgChart1"/>
+    <dgm:cxn modelId="{AA9A8223-4116-1B48-81DA-931BAB84F41C}" type="presParOf" srcId="{BA3EFB53-88EE-B244-BA62-A88350E1F6B5}" destId="{3AF9A613-2E17-3E40-9721-98AF3514E741}" srcOrd="1" destOrd="0" presId="urn:microsoft.com/office/officeart/2005/8/layout/orgChart1"/>
+    <dgm:cxn modelId="{2A2E5D55-C14A-1F43-AFDD-87D5B7E76D50}" type="presParOf" srcId="{22885F80-A518-7C49-AA28-C84FFD8247D3}" destId="{AE9857D0-3574-EC40-8525-56A63151374E}" srcOrd="1" destOrd="0" presId="urn:microsoft.com/office/officeart/2005/8/layout/orgChart1"/>
+    <dgm:cxn modelId="{D5881894-3B29-B449-96E8-DAA3CBDAC61C}" type="presParOf" srcId="{AE9857D0-3574-EC40-8525-56A63151374E}" destId="{73AEDC0E-4F81-774A-8606-EFD47C02AE31}" srcOrd="0" destOrd="0" presId="urn:microsoft.com/office/officeart/2005/8/layout/orgChart1"/>
+    <dgm:cxn modelId="{7C9781F0-D316-314F-B6E7-2B2F544534DA}" type="presParOf" srcId="{AE9857D0-3574-EC40-8525-56A63151374E}" destId="{CA3BE936-8B93-0F4A-AE88-09B12937877F}" srcOrd="1" destOrd="0" presId="urn:microsoft.com/office/officeart/2005/8/layout/orgChart1"/>
+    <dgm:cxn modelId="{960CF23E-9E52-194D-99E1-2C28CE57CE4E}" type="presParOf" srcId="{CA3BE936-8B93-0F4A-AE88-09B12937877F}" destId="{5CE67C28-638F-6D4D-9E20-324C346C4A0E}" srcOrd="0" destOrd="0" presId="urn:microsoft.com/office/officeart/2005/8/layout/orgChart1"/>
+    <dgm:cxn modelId="{25DDAD01-791C-554B-9FB6-01872B4DA5B6}" type="presParOf" srcId="{5CE67C28-638F-6D4D-9E20-324C346C4A0E}" destId="{0EE5F9B1-FE99-AE4E-AE6C-84A277DD26CF}" srcOrd="0" destOrd="0" presId="urn:microsoft.com/office/officeart/2005/8/layout/orgChart1"/>
+    <dgm:cxn modelId="{D6B5C340-236F-3343-A103-A76A9D6E7DBA}" type="presParOf" srcId="{5CE67C28-638F-6D4D-9E20-324C346C4A0E}" destId="{1FC0A4E6-D1C1-F14F-8E29-CF6ADDABAACC}" srcOrd="1" destOrd="0" presId="urn:microsoft.com/office/officeart/2005/8/layout/orgChart1"/>
+    <dgm:cxn modelId="{D096F419-E2EA-9443-9E95-EC37C52B194A}" type="presParOf" srcId="{CA3BE936-8B93-0F4A-AE88-09B12937877F}" destId="{DBCF00ED-923E-DE42-A36F-0B4643A40604}" srcOrd="1" destOrd="0" presId="urn:microsoft.com/office/officeart/2005/8/layout/orgChart1"/>
+    <dgm:cxn modelId="{E73B0915-D1F5-204B-B7D6-45CBFB32879E}" type="presParOf" srcId="{DBCF00ED-923E-DE42-A36F-0B4643A40604}" destId="{8D9CBE76-47FE-BD46-8023-32D2AEFD3C50}" srcOrd="0" destOrd="0" presId="urn:microsoft.com/office/officeart/2005/8/layout/orgChart1"/>
+    <dgm:cxn modelId="{D85489C5-AF77-9941-8C8E-CB4F87DDB2E4}" type="presParOf" srcId="{DBCF00ED-923E-DE42-A36F-0B4643A40604}" destId="{DE7D0BD6-5322-CE4E-A002-3F36D504C6D1}" srcOrd="1" destOrd="0" presId="urn:microsoft.com/office/officeart/2005/8/layout/orgChart1"/>
+    <dgm:cxn modelId="{5B2A6F19-4ABD-704E-8511-171993342923}" type="presParOf" srcId="{DE7D0BD6-5322-CE4E-A002-3F36D504C6D1}" destId="{F06A114C-C340-F344-B727-ABB4DABC6F2A}" srcOrd="0" destOrd="0" presId="urn:microsoft.com/office/officeart/2005/8/layout/orgChart1"/>
+    <dgm:cxn modelId="{EE5AFAD5-725C-8141-B6E0-A0B1C20A0D6F}" type="presParOf" srcId="{F06A114C-C340-F344-B727-ABB4DABC6F2A}" destId="{037EE79A-46C8-044F-B1FA-F704C91E6F2E}" srcOrd="0" destOrd="0" presId="urn:microsoft.com/office/officeart/2005/8/layout/orgChart1"/>
+    <dgm:cxn modelId="{678D33DC-B561-0442-8814-9F0F04C3C702}" type="presParOf" srcId="{F06A114C-C340-F344-B727-ABB4DABC6F2A}" destId="{991B4D0B-F57C-9140-B2AE-759EA139D58B}" srcOrd="1" destOrd="0" presId="urn:microsoft.com/office/officeart/2005/8/layout/orgChart1"/>
+    <dgm:cxn modelId="{D373FC25-D0D3-C744-BBD4-214C9709BF56}" type="presParOf" srcId="{DE7D0BD6-5322-CE4E-A002-3F36D504C6D1}" destId="{82B6A803-4D59-9F4C-B11F-C8B35512B56A}" srcOrd="1" destOrd="0" presId="urn:microsoft.com/office/officeart/2005/8/layout/orgChart1"/>
+    <dgm:cxn modelId="{F8F1F112-F89B-FA49-9B48-88E456A5DD70}" type="presParOf" srcId="{82B6A803-4D59-9F4C-B11F-C8B35512B56A}" destId="{21EEB20D-0816-4B47-92BB-8CF48154F09A}" srcOrd="0" destOrd="0" presId="urn:microsoft.com/office/officeart/2005/8/layout/orgChart1"/>
+    <dgm:cxn modelId="{F1B3EE3C-7DB6-CE45-AA65-D13B1AE8C381}" type="presParOf" srcId="{82B6A803-4D59-9F4C-B11F-C8B35512B56A}" destId="{5891DFAC-EF2F-AE43-8AB8-1C03B1CE589F}" srcOrd="1" destOrd="0" presId="urn:microsoft.com/office/officeart/2005/8/layout/orgChart1"/>
+    <dgm:cxn modelId="{53DB1581-E5B0-FD4E-B0DD-F15EA560D1C9}" type="presParOf" srcId="{5891DFAC-EF2F-AE43-8AB8-1C03B1CE589F}" destId="{C242A2BE-7789-A74A-949F-E97521CEA24D}" srcOrd="0" destOrd="0" presId="urn:microsoft.com/office/officeart/2005/8/layout/orgChart1"/>
+    <dgm:cxn modelId="{99DFCB19-34AC-324A-B3FB-E54CEF0B86C2}" type="presParOf" srcId="{C242A2BE-7789-A74A-949F-E97521CEA24D}" destId="{C6692C42-55D7-454A-BD01-33D733917243}" srcOrd="0" destOrd="0" presId="urn:microsoft.com/office/officeart/2005/8/layout/orgChart1"/>
+    <dgm:cxn modelId="{2A8741B8-EB4F-6540-A7F1-0E74230367F7}" type="presParOf" srcId="{C242A2BE-7789-A74A-949F-E97521CEA24D}" destId="{6CA0B9D6-CD5C-5548-B732-C2F490C41601}" srcOrd="1" destOrd="0" presId="urn:microsoft.com/office/officeart/2005/8/layout/orgChart1"/>
+    <dgm:cxn modelId="{51916995-BC31-4D4F-BB0B-5C711FA0D493}" type="presParOf" srcId="{5891DFAC-EF2F-AE43-8AB8-1C03B1CE589F}" destId="{E2DCE19F-86A8-574A-B8D2-4277E3789DD6}" srcOrd="1" destOrd="0" presId="urn:microsoft.com/office/officeart/2005/8/layout/orgChart1"/>
+    <dgm:cxn modelId="{0A13FB93-B393-1849-986C-96245204C78B}" type="presParOf" srcId="{5891DFAC-EF2F-AE43-8AB8-1C03B1CE589F}" destId="{4A5FBF98-12CF-FF4A-B4AF-FE38D5FC638E}" srcOrd="2" destOrd="0" presId="urn:microsoft.com/office/officeart/2005/8/layout/orgChart1"/>
+    <dgm:cxn modelId="{0B7E9926-F23E-B94D-94FD-89C99CCE4CB1}" type="presParOf" srcId="{DE7D0BD6-5322-CE4E-A002-3F36D504C6D1}" destId="{CD58E255-A43A-6840-BA85-C2FDAF18F8E6}" srcOrd="2" destOrd="0" presId="urn:microsoft.com/office/officeart/2005/8/layout/orgChart1"/>
+    <dgm:cxn modelId="{FE2B6094-65F3-4444-BB6C-708848839DA1}" type="presParOf" srcId="{CA3BE936-8B93-0F4A-AE88-09B12937877F}" destId="{B8C0E25D-7107-664E-8B44-E8AD8E0E18F3}" srcOrd="2" destOrd="0" presId="urn:microsoft.com/office/officeart/2005/8/layout/orgChart1"/>
+    <dgm:cxn modelId="{CF97A3B3-6ABE-D645-8614-A9AFF3BB1A4C}" type="presParOf" srcId="{22885F80-A518-7C49-AA28-C84FFD8247D3}" destId="{93023821-EE63-2B46-98A5-9EDAEC74F33E}" srcOrd="2" destOrd="0" presId="urn:microsoft.com/office/officeart/2005/8/layout/orgChart1"/>
+    <dgm:cxn modelId="{C262CD9E-B479-A743-ABEA-0900BB547477}" type="presParOf" srcId="{CBD66B74-1CBA-4C46-95C1-0FAC587A2253}" destId="{3F947FBF-D62A-DE42-AC2F-C2EBCC608926}" srcOrd="2" destOrd="0" presId="urn:microsoft.com/office/officeart/2005/8/layout/orgChart1"/>
+    <dgm:cxn modelId="{FF6ED3CF-6F7D-FE40-8536-28EF0E782155}" type="presParOf" srcId="{BDB63A50-321D-3D4A-8A6F-A091929882CD}" destId="{70713871-4E93-434F-9B30-044F0BDEDD99}" srcOrd="2" destOrd="0" presId="urn:microsoft.com/office/officeart/2005/8/layout/orgChart1"/>
+    <dgm:cxn modelId="{A3766CCD-DA8B-1747-8D40-5DA863045523}" type="presParOf" srcId="{3A5CD38B-4A27-2C4C-8ADD-6BA5ED84DC89}" destId="{69971D1A-370D-B747-8699-FB5F11EA6821}" srcOrd="2" destOrd="0" presId="urn:microsoft.com/office/officeart/2005/8/layout/orgChart1"/>
+    <dgm:cxn modelId="{9EDA145B-9250-CB41-B713-34173E81BC57}" type="presParOf" srcId="{54D888A9-E979-DC4B-9E80-F30ED30620C9}" destId="{3C9A3FB2-3187-4B45-8960-F058142748F2}" srcOrd="2" destOrd="0" presId="urn:microsoft.com/office/officeart/2005/8/layout/orgChart1"/>
+    <dgm:cxn modelId="{D94C3D9A-1F30-AF4E-9CD8-36F1B6781DAA}" type="presParOf" srcId="{5908D026-09A4-D14A-A467-C679422503F3}" destId="{CD611181-ADE1-944F-AFF8-391F27FFAAD8}" srcOrd="2" destOrd="0" presId="urn:microsoft.com/office/officeart/2005/8/layout/orgChart1"/>
+    <dgm:cxn modelId="{5A3EC035-5F8F-6A41-A36D-A9214AB68337}" type="presParOf" srcId="{2FAD07B9-F3D6-5441-9220-9281599D35DB}" destId="{1300D1F3-3C24-0D4D-AAEF-3A99DEBB2857}" srcOrd="1" destOrd="0" presId="urn:microsoft.com/office/officeart/2005/8/layout/orgChart1"/>
+    <dgm:cxn modelId="{56D5D782-6473-7942-8C59-FF9892A17047}" type="presParOf" srcId="{1300D1F3-3C24-0D4D-AAEF-3A99DEBB2857}" destId="{95FDB4EB-4DB7-F743-A032-D38C8EB0C732}" srcOrd="0" destOrd="0" presId="urn:microsoft.com/office/officeart/2005/8/layout/orgChart1"/>
+    <dgm:cxn modelId="{4A08C7E6-A5CA-014D-A784-DA416B2394AD}" type="presParOf" srcId="{95FDB4EB-4DB7-F743-A032-D38C8EB0C732}" destId="{9E04E2FA-911D-944C-A0E4-BAE7F15E61E1}" srcOrd="0" destOrd="0" presId="urn:microsoft.com/office/officeart/2005/8/layout/orgChart1"/>
+    <dgm:cxn modelId="{7F55E207-29ED-1E40-A83A-54E8D03D7E51}" type="presParOf" srcId="{95FDB4EB-4DB7-F743-A032-D38C8EB0C732}" destId="{46FE3E48-8551-BA44-AAF4-02A10B1BC55A}" srcOrd="1" destOrd="0" presId="urn:microsoft.com/office/officeart/2005/8/layout/orgChart1"/>
+    <dgm:cxn modelId="{86E73CDF-6443-DB4F-990C-CF0D3264DD2B}" type="presParOf" srcId="{1300D1F3-3C24-0D4D-AAEF-3A99DEBB2857}" destId="{0E326042-B700-934E-B3D8-7845A73E4C84}" srcOrd="1" destOrd="0" presId="urn:microsoft.com/office/officeart/2005/8/layout/orgChart1"/>
+    <dgm:cxn modelId="{3ED8104A-89EC-5842-A9B6-CC1433846B54}" type="presParOf" srcId="{1300D1F3-3C24-0D4D-AAEF-3A99DEBB2857}" destId="{DCDD70FA-0730-9742-84B9-5BCF5D6703B8}" srcOrd="2" destOrd="0" presId="urn:microsoft.com/office/officeart/2005/8/layout/orgChart1"/>
+  </dgm:cxnLst>
+  <dgm:bg/>
+  <dgm:whole/>
+  <dgm:extLst>
+    <a:ext uri="http://schemas.microsoft.com/office/drawing/2008/diagram">
+      <dsp:dataModelExt xmlns:dsp="http://schemas.microsoft.com/office/drawing/2008/diagram" relId="rId6" minVer="http://schemas.openxmlformats.org/drawingml/2006/diagram"/>
+    </a:ext>
+  </dgm:extLst>
+</dgm:dataModel>
+</file>
+
+<file path=ppt/diagrams/data2.xml><?xml version="1.0" encoding="utf-8"?>
 <dgm:dataModel xmlns:dgm="http://schemas.openxmlformats.org/drawingml/2006/diagram" xmlns:a="http://schemas.openxmlformats.org/drawingml/2006/main">
   <dgm:ptLst>
     <dgm:pt modelId="{FA4E500E-7F97-A745-8093-97446D9A4C3A}" type="doc">
@@ -2354,6 +3968,1249 @@
 </file>
 
 <file path=ppt/diagrams/drawing1.xml><?xml version="1.0" encoding="utf-8"?>
+<dsp:drawing xmlns:dgm="http://schemas.openxmlformats.org/drawingml/2006/diagram" xmlns:dsp="http://schemas.microsoft.com/office/drawing/2008/diagram" xmlns:a="http://schemas.openxmlformats.org/drawingml/2006/main">
+  <dsp:spTree>
+    <dsp:nvGrpSpPr>
+      <dsp:cNvPr id="0" name=""/>
+      <dsp:cNvGrpSpPr/>
+    </dsp:nvGrpSpPr>
+    <dsp:grpSpPr/>
+    <dsp:sp modelId="{21EEB20D-0816-4B47-92BB-8CF48154F09A}">
+      <dsp:nvSpPr>
+        <dsp:cNvPr id="0" name=""/>
+        <dsp:cNvSpPr/>
+      </dsp:nvSpPr>
+      <dsp:spPr>
+        <a:xfrm>
+          <a:off x="3857544" y="5784388"/>
+          <a:ext cx="158548" cy="486216"/>
+        </a:xfrm>
+        <a:custGeom>
+          <a:avLst/>
+          <a:gdLst/>
+          <a:ahLst/>
+          <a:cxnLst/>
+          <a:rect l="0" t="0" r="0" b="0"/>
+          <a:pathLst>
+            <a:path>
+              <a:moveTo>
+                <a:pt x="0" y="0"/>
+              </a:moveTo>
+              <a:lnTo>
+                <a:pt x="0" y="486216"/>
+              </a:lnTo>
+              <a:lnTo>
+                <a:pt x="158548" y="486216"/>
+              </a:lnTo>
+            </a:path>
+          </a:pathLst>
+        </a:custGeom>
+        <a:noFill/>
+        <a:ln w="19050" cap="flat" cmpd="sng" algn="ctr">
+          <a:solidFill>
+            <a:schemeClr val="accent1">
+              <a:shade val="80000"/>
+              <a:hueOff val="0"/>
+              <a:satOff val="0"/>
+              <a:lumOff val="0"/>
+              <a:alphaOff val="0"/>
+            </a:schemeClr>
+          </a:solidFill>
+          <a:prstDash val="solid"/>
+          <a:miter lim="800000"/>
+        </a:ln>
+        <a:effectLst/>
+      </dsp:spPr>
+      <dsp:style>
+        <a:lnRef idx="2">
+          <a:scrgbClr r="0" g="0" b="0"/>
+        </a:lnRef>
+        <a:fillRef idx="0">
+          <a:scrgbClr r="0" g="0" b="0"/>
+        </a:fillRef>
+        <a:effectRef idx="0">
+          <a:scrgbClr r="0" g="0" b="0"/>
+        </a:effectRef>
+        <a:fontRef idx="minor"/>
+      </dsp:style>
+    </dsp:sp>
+    <dsp:sp modelId="{8D9CBE76-47FE-BD46-8023-32D2AEFD3C50}">
+      <dsp:nvSpPr>
+        <dsp:cNvPr id="0" name=""/>
+        <dsp:cNvSpPr/>
+      </dsp:nvSpPr>
+      <dsp:spPr>
+        <a:xfrm>
+          <a:off x="4234621" y="5033923"/>
+          <a:ext cx="91440" cy="221968"/>
+        </a:xfrm>
+        <a:custGeom>
+          <a:avLst/>
+          <a:gdLst/>
+          <a:ahLst/>
+          <a:cxnLst/>
+          <a:rect l="0" t="0" r="0" b="0"/>
+          <a:pathLst>
+            <a:path>
+              <a:moveTo>
+                <a:pt x="45720" y="0"/>
+              </a:moveTo>
+              <a:lnTo>
+                <a:pt x="45720" y="221968"/>
+              </a:lnTo>
+            </a:path>
+          </a:pathLst>
+        </a:custGeom>
+        <a:noFill/>
+        <a:ln w="19050" cap="flat" cmpd="sng" algn="ctr">
+          <a:solidFill>
+            <a:schemeClr val="accent1">
+              <a:shade val="80000"/>
+              <a:hueOff val="0"/>
+              <a:satOff val="0"/>
+              <a:lumOff val="0"/>
+              <a:alphaOff val="0"/>
+            </a:schemeClr>
+          </a:solidFill>
+          <a:prstDash val="solid"/>
+          <a:miter lim="800000"/>
+        </a:ln>
+        <a:effectLst/>
+      </dsp:spPr>
+      <dsp:style>
+        <a:lnRef idx="2">
+          <a:scrgbClr r="0" g="0" b="0"/>
+        </a:lnRef>
+        <a:fillRef idx="0">
+          <a:scrgbClr r="0" g="0" b="0"/>
+        </a:fillRef>
+        <a:effectRef idx="0">
+          <a:scrgbClr r="0" g="0" b="0"/>
+        </a:effectRef>
+        <a:fontRef idx="minor"/>
+      </dsp:style>
+    </dsp:sp>
+    <dsp:sp modelId="{73AEDC0E-4F81-774A-8606-EFD47C02AE31}">
+      <dsp:nvSpPr>
+        <dsp:cNvPr id="0" name=""/>
+        <dsp:cNvSpPr/>
+      </dsp:nvSpPr>
+      <dsp:spPr>
+        <a:xfrm>
+          <a:off x="4234621" y="4283458"/>
+          <a:ext cx="91440" cy="221968"/>
+        </a:xfrm>
+        <a:custGeom>
+          <a:avLst/>
+          <a:gdLst/>
+          <a:ahLst/>
+          <a:cxnLst/>
+          <a:rect l="0" t="0" r="0" b="0"/>
+          <a:pathLst>
+            <a:path>
+              <a:moveTo>
+                <a:pt x="45720" y="0"/>
+              </a:moveTo>
+              <a:lnTo>
+                <a:pt x="45720" y="221968"/>
+              </a:lnTo>
+            </a:path>
+          </a:pathLst>
+        </a:custGeom>
+        <a:noFill/>
+        <a:ln w="19050" cap="flat" cmpd="sng" algn="ctr">
+          <a:solidFill>
+            <a:schemeClr val="accent1">
+              <a:shade val="80000"/>
+              <a:hueOff val="0"/>
+              <a:satOff val="0"/>
+              <a:lumOff val="0"/>
+              <a:alphaOff val="0"/>
+            </a:schemeClr>
+          </a:solidFill>
+          <a:prstDash val="solid"/>
+          <a:miter lim="800000"/>
+        </a:ln>
+        <a:effectLst/>
+      </dsp:spPr>
+      <dsp:style>
+        <a:lnRef idx="2">
+          <a:scrgbClr r="0" g="0" b="0"/>
+        </a:lnRef>
+        <a:fillRef idx="0">
+          <a:scrgbClr r="0" g="0" b="0"/>
+        </a:fillRef>
+        <a:effectRef idx="0">
+          <a:scrgbClr r="0" g="0" b="0"/>
+        </a:effectRef>
+        <a:fontRef idx="minor"/>
+      </dsp:style>
+    </dsp:sp>
+    <dsp:sp modelId="{B819942B-728A-5744-A8EE-A5AA1EDFCABD}">
+      <dsp:nvSpPr>
+        <dsp:cNvPr id="0" name=""/>
+        <dsp:cNvSpPr/>
+      </dsp:nvSpPr>
+      <dsp:spPr>
+        <a:xfrm>
+          <a:off x="4234621" y="3532993"/>
+          <a:ext cx="91440" cy="221968"/>
+        </a:xfrm>
+        <a:custGeom>
+          <a:avLst/>
+          <a:gdLst/>
+          <a:ahLst/>
+          <a:cxnLst/>
+          <a:rect l="0" t="0" r="0" b="0"/>
+          <a:pathLst>
+            <a:path>
+              <a:moveTo>
+                <a:pt x="45720" y="0"/>
+              </a:moveTo>
+              <a:lnTo>
+                <a:pt x="45720" y="221968"/>
+              </a:lnTo>
+            </a:path>
+          </a:pathLst>
+        </a:custGeom>
+        <a:noFill/>
+        <a:ln w="19050" cap="flat" cmpd="sng" algn="ctr">
+          <a:solidFill>
+            <a:schemeClr val="accent1">
+              <a:shade val="80000"/>
+              <a:hueOff val="0"/>
+              <a:satOff val="0"/>
+              <a:lumOff val="0"/>
+              <a:alphaOff val="0"/>
+            </a:schemeClr>
+          </a:solidFill>
+          <a:prstDash val="solid"/>
+          <a:miter lim="800000"/>
+        </a:ln>
+        <a:effectLst/>
+      </dsp:spPr>
+      <dsp:style>
+        <a:lnRef idx="2">
+          <a:scrgbClr r="0" g="0" b="0"/>
+        </a:lnRef>
+        <a:fillRef idx="0">
+          <a:scrgbClr r="0" g="0" b="0"/>
+        </a:fillRef>
+        <a:effectRef idx="0">
+          <a:scrgbClr r="0" g="0" b="0"/>
+        </a:effectRef>
+        <a:fontRef idx="minor"/>
+      </dsp:style>
+    </dsp:sp>
+    <dsp:sp modelId="{C9728545-7A27-524F-898F-85E523150EE8}">
+      <dsp:nvSpPr>
+        <dsp:cNvPr id="0" name=""/>
+        <dsp:cNvSpPr/>
+      </dsp:nvSpPr>
+      <dsp:spPr>
+        <a:xfrm>
+          <a:off x="4234621" y="2782528"/>
+          <a:ext cx="91440" cy="221968"/>
+        </a:xfrm>
+        <a:custGeom>
+          <a:avLst/>
+          <a:gdLst/>
+          <a:ahLst/>
+          <a:cxnLst/>
+          <a:rect l="0" t="0" r="0" b="0"/>
+          <a:pathLst>
+            <a:path>
+              <a:moveTo>
+                <a:pt x="45720" y="0"/>
+              </a:moveTo>
+              <a:lnTo>
+                <a:pt x="45720" y="221968"/>
+              </a:lnTo>
+            </a:path>
+          </a:pathLst>
+        </a:custGeom>
+        <a:noFill/>
+        <a:ln w="19050" cap="flat" cmpd="sng" algn="ctr">
+          <a:solidFill>
+            <a:schemeClr val="accent1">
+              <a:shade val="80000"/>
+              <a:hueOff val="0"/>
+              <a:satOff val="0"/>
+              <a:lumOff val="0"/>
+              <a:alphaOff val="0"/>
+            </a:schemeClr>
+          </a:solidFill>
+          <a:prstDash val="solid"/>
+          <a:miter lim="800000"/>
+        </a:ln>
+        <a:effectLst/>
+      </dsp:spPr>
+      <dsp:style>
+        <a:lnRef idx="2">
+          <a:scrgbClr r="0" g="0" b="0"/>
+        </a:lnRef>
+        <a:fillRef idx="0">
+          <a:scrgbClr r="0" g="0" b="0"/>
+        </a:fillRef>
+        <a:effectRef idx="0">
+          <a:scrgbClr r="0" g="0" b="0"/>
+        </a:effectRef>
+        <a:fontRef idx="minor"/>
+      </dsp:style>
+    </dsp:sp>
+    <dsp:sp modelId="{E40E525F-A6F2-D740-8335-9935FE44252D}">
+      <dsp:nvSpPr>
+        <dsp:cNvPr id="0" name=""/>
+        <dsp:cNvSpPr/>
+      </dsp:nvSpPr>
+      <dsp:spPr>
+        <a:xfrm>
+          <a:off x="4234621" y="2032063"/>
+          <a:ext cx="91440" cy="221968"/>
+        </a:xfrm>
+        <a:custGeom>
+          <a:avLst/>
+          <a:gdLst/>
+          <a:ahLst/>
+          <a:cxnLst/>
+          <a:rect l="0" t="0" r="0" b="0"/>
+          <a:pathLst>
+            <a:path>
+              <a:moveTo>
+                <a:pt x="45720" y="0"/>
+              </a:moveTo>
+              <a:lnTo>
+                <a:pt x="45720" y="221968"/>
+              </a:lnTo>
+            </a:path>
+          </a:pathLst>
+        </a:custGeom>
+        <a:noFill/>
+        <a:ln w="19050" cap="flat" cmpd="sng" algn="ctr">
+          <a:solidFill>
+            <a:schemeClr val="accent1">
+              <a:shade val="80000"/>
+              <a:hueOff val="0"/>
+              <a:satOff val="0"/>
+              <a:lumOff val="0"/>
+              <a:alphaOff val="0"/>
+            </a:schemeClr>
+          </a:solidFill>
+          <a:prstDash val="solid"/>
+          <a:miter lim="800000"/>
+        </a:ln>
+        <a:effectLst/>
+      </dsp:spPr>
+      <dsp:style>
+        <a:lnRef idx="2">
+          <a:scrgbClr r="0" g="0" b="0"/>
+        </a:lnRef>
+        <a:fillRef idx="0">
+          <a:scrgbClr r="0" g="0" b="0"/>
+        </a:fillRef>
+        <a:effectRef idx="0">
+          <a:scrgbClr r="0" g="0" b="0"/>
+        </a:effectRef>
+        <a:fontRef idx="minor"/>
+      </dsp:style>
+    </dsp:sp>
+    <dsp:sp modelId="{EF7AB695-75A3-CA4E-8FA0-1682F8A1EE0D}">
+      <dsp:nvSpPr>
+        <dsp:cNvPr id="0" name=""/>
+        <dsp:cNvSpPr/>
+      </dsp:nvSpPr>
+      <dsp:spPr>
+        <a:xfrm>
+          <a:off x="4234621" y="1281598"/>
+          <a:ext cx="91440" cy="221968"/>
+        </a:xfrm>
+        <a:custGeom>
+          <a:avLst/>
+          <a:gdLst/>
+          <a:ahLst/>
+          <a:cxnLst/>
+          <a:rect l="0" t="0" r="0" b="0"/>
+          <a:pathLst>
+            <a:path>
+              <a:moveTo>
+                <a:pt x="45720" y="0"/>
+              </a:moveTo>
+              <a:lnTo>
+                <a:pt x="45720" y="221968"/>
+              </a:lnTo>
+            </a:path>
+          </a:pathLst>
+        </a:custGeom>
+        <a:noFill/>
+        <a:ln w="19050" cap="flat" cmpd="sng" algn="ctr">
+          <a:solidFill>
+            <a:schemeClr val="accent1">
+              <a:shade val="80000"/>
+              <a:hueOff val="0"/>
+              <a:satOff val="0"/>
+              <a:lumOff val="0"/>
+              <a:alphaOff val="0"/>
+            </a:schemeClr>
+          </a:solidFill>
+          <a:prstDash val="solid"/>
+          <a:miter lim="800000"/>
+        </a:ln>
+        <a:effectLst/>
+      </dsp:spPr>
+      <dsp:style>
+        <a:lnRef idx="2">
+          <a:scrgbClr r="0" g="0" b="0"/>
+        </a:lnRef>
+        <a:fillRef idx="0">
+          <a:scrgbClr r="0" g="0" b="0"/>
+        </a:fillRef>
+        <a:effectRef idx="0">
+          <a:scrgbClr r="0" g="0" b="0"/>
+        </a:effectRef>
+        <a:fontRef idx="minor"/>
+      </dsp:style>
+    </dsp:sp>
+    <dsp:sp modelId="{4F4FE5EA-52CC-AE47-8E15-98FBD0F9961F}">
+      <dsp:nvSpPr>
+        <dsp:cNvPr id="0" name=""/>
+        <dsp:cNvSpPr/>
+      </dsp:nvSpPr>
+      <dsp:spPr>
+        <a:xfrm>
+          <a:off x="4234621" y="531133"/>
+          <a:ext cx="91440" cy="221968"/>
+        </a:xfrm>
+        <a:custGeom>
+          <a:avLst/>
+          <a:gdLst/>
+          <a:ahLst/>
+          <a:cxnLst/>
+          <a:rect l="0" t="0" r="0" b="0"/>
+          <a:pathLst>
+            <a:path>
+              <a:moveTo>
+                <a:pt x="45720" y="0"/>
+              </a:moveTo>
+              <a:lnTo>
+                <a:pt x="45720" y="221968"/>
+              </a:lnTo>
+            </a:path>
+          </a:pathLst>
+        </a:custGeom>
+        <a:noFill/>
+        <a:ln w="19050" cap="flat" cmpd="sng" algn="ctr">
+          <a:solidFill>
+            <a:schemeClr val="accent1">
+              <a:shade val="60000"/>
+              <a:hueOff val="0"/>
+              <a:satOff val="0"/>
+              <a:lumOff val="0"/>
+              <a:alphaOff val="0"/>
+            </a:schemeClr>
+          </a:solidFill>
+          <a:prstDash val="solid"/>
+          <a:miter lim="800000"/>
+        </a:ln>
+        <a:effectLst/>
+      </dsp:spPr>
+      <dsp:style>
+        <a:lnRef idx="2">
+          <a:scrgbClr r="0" g="0" b="0"/>
+        </a:lnRef>
+        <a:fillRef idx="0">
+          <a:scrgbClr r="0" g="0" b="0"/>
+        </a:fillRef>
+        <a:effectRef idx="0">
+          <a:scrgbClr r="0" g="0" b="0"/>
+        </a:effectRef>
+        <a:fontRef idx="minor"/>
+      </dsp:style>
+    </dsp:sp>
+    <dsp:sp modelId="{F75ED3D7-138D-FF43-A8B6-500B3AE1BBA4}">
+      <dsp:nvSpPr>
+        <dsp:cNvPr id="0" name=""/>
+        <dsp:cNvSpPr/>
+      </dsp:nvSpPr>
+      <dsp:spPr>
+        <a:xfrm>
+          <a:off x="3751844" y="2636"/>
+          <a:ext cx="1056993" cy="528496"/>
+        </a:xfrm>
+        <a:prstGeom prst="rect">
+          <a:avLst/>
+        </a:prstGeom>
+        <a:solidFill>
+          <a:schemeClr val="accent1">
+            <a:hueOff val="0"/>
+            <a:satOff val="0"/>
+            <a:lumOff val="0"/>
+            <a:alphaOff val="0"/>
+          </a:schemeClr>
+        </a:solidFill>
+        <a:ln w="19050" cap="flat" cmpd="sng" algn="ctr">
+          <a:solidFill>
+            <a:schemeClr val="lt1">
+              <a:hueOff val="0"/>
+              <a:satOff val="0"/>
+              <a:lumOff val="0"/>
+              <a:alphaOff val="0"/>
+            </a:schemeClr>
+          </a:solidFill>
+          <a:prstDash val="solid"/>
+          <a:miter lim="800000"/>
+        </a:ln>
+        <a:effectLst/>
+      </dsp:spPr>
+      <dsp:style>
+        <a:lnRef idx="2">
+          <a:scrgbClr r="0" g="0" b="0"/>
+        </a:lnRef>
+        <a:fillRef idx="1">
+          <a:scrgbClr r="0" g="0" b="0"/>
+        </a:fillRef>
+        <a:effectRef idx="0">
+          <a:scrgbClr r="0" g="0" b="0"/>
+        </a:effectRef>
+        <a:fontRef idx="minor">
+          <a:schemeClr val="lt1"/>
+        </a:fontRef>
+      </dsp:style>
+      <dsp:txBody>
+        <a:bodyPr spcFirstLastPara="0" vert="horz" wrap="square" lIns="9525" tIns="9525" rIns="9525" bIns="9525" numCol="1" spcCol="1270" anchor="ctr" anchorCtr="0">
+          <a:noAutofit/>
+        </a:bodyPr>
+        <a:lstStyle/>
+        <a:p>
+          <a:pPr marL="0" lvl="0" indent="0" algn="ctr" defTabSz="666750">
+            <a:lnSpc>
+              <a:spcPct val="90000"/>
+            </a:lnSpc>
+            <a:spcBef>
+              <a:spcPct val="0"/>
+            </a:spcBef>
+            <a:spcAft>
+              <a:spcPct val="35000"/>
+            </a:spcAft>
+            <a:buNone/>
+          </a:pPr>
+          <a:r>
+            <a:rPr lang="en-US" sz="1500" kern="1200" dirty="0"/>
+            <a:t>Project</a:t>
+          </a:r>
+        </a:p>
+      </dsp:txBody>
+      <dsp:txXfrm>
+        <a:off x="3751844" y="2636"/>
+        <a:ext cx="1056993" cy="528496"/>
+      </dsp:txXfrm>
+    </dsp:sp>
+    <dsp:sp modelId="{EBF12FB6-9882-7145-9467-23F71E7058D9}">
+      <dsp:nvSpPr>
+        <dsp:cNvPr id="0" name=""/>
+        <dsp:cNvSpPr/>
+      </dsp:nvSpPr>
+      <dsp:spPr>
+        <a:xfrm>
+          <a:off x="3751844" y="753101"/>
+          <a:ext cx="1056993" cy="528496"/>
+        </a:xfrm>
+        <a:prstGeom prst="rect">
+          <a:avLst/>
+        </a:prstGeom>
+        <a:solidFill>
+          <a:schemeClr val="accent1">
+            <a:hueOff val="0"/>
+            <a:satOff val="0"/>
+            <a:lumOff val="0"/>
+            <a:alphaOff val="0"/>
+          </a:schemeClr>
+        </a:solidFill>
+        <a:ln w="19050" cap="flat" cmpd="sng" algn="ctr">
+          <a:solidFill>
+            <a:schemeClr val="lt1">
+              <a:hueOff val="0"/>
+              <a:satOff val="0"/>
+              <a:lumOff val="0"/>
+              <a:alphaOff val="0"/>
+            </a:schemeClr>
+          </a:solidFill>
+          <a:prstDash val="solid"/>
+          <a:miter lim="800000"/>
+        </a:ln>
+        <a:effectLst/>
+      </dsp:spPr>
+      <dsp:style>
+        <a:lnRef idx="2">
+          <a:scrgbClr r="0" g="0" b="0"/>
+        </a:lnRef>
+        <a:fillRef idx="1">
+          <a:scrgbClr r="0" g="0" b="0"/>
+        </a:fillRef>
+        <a:effectRef idx="0">
+          <a:scrgbClr r="0" g="0" b="0"/>
+        </a:effectRef>
+        <a:fontRef idx="minor">
+          <a:schemeClr val="lt1"/>
+        </a:fontRef>
+      </dsp:style>
+      <dsp:txBody>
+        <a:bodyPr spcFirstLastPara="0" vert="horz" wrap="square" lIns="9525" tIns="9525" rIns="9525" bIns="9525" numCol="1" spcCol="1270" anchor="ctr" anchorCtr="0">
+          <a:noAutofit/>
+        </a:bodyPr>
+        <a:lstStyle/>
+        <a:p>
+          <a:pPr marL="0" lvl="0" indent="0" algn="ctr" defTabSz="666750">
+            <a:lnSpc>
+              <a:spcPct val="90000"/>
+            </a:lnSpc>
+            <a:spcBef>
+              <a:spcPct val="0"/>
+            </a:spcBef>
+            <a:spcAft>
+              <a:spcPct val="35000"/>
+            </a:spcAft>
+            <a:buNone/>
+          </a:pPr>
+          <a:r>
+            <a:rPr lang="en-US" sz="1500" kern="1200" dirty="0"/>
+            <a:t>Surveillance Activity</a:t>
+          </a:r>
+        </a:p>
+      </dsp:txBody>
+      <dsp:txXfrm>
+        <a:off x="3751844" y="753101"/>
+        <a:ext cx="1056993" cy="528496"/>
+      </dsp:txXfrm>
+    </dsp:sp>
+    <dsp:sp modelId="{D0ECC8D4-EDC4-BE45-ACC4-F6D7BAED74F9}">
+      <dsp:nvSpPr>
+        <dsp:cNvPr id="0" name=""/>
+        <dsp:cNvSpPr/>
+      </dsp:nvSpPr>
+      <dsp:spPr>
+        <a:xfrm>
+          <a:off x="3751844" y="1503566"/>
+          <a:ext cx="1056993" cy="528496"/>
+        </a:xfrm>
+        <a:prstGeom prst="rect">
+          <a:avLst/>
+        </a:prstGeom>
+        <a:solidFill>
+          <a:schemeClr val="accent1">
+            <a:hueOff val="0"/>
+            <a:satOff val="0"/>
+            <a:lumOff val="0"/>
+            <a:alphaOff val="0"/>
+          </a:schemeClr>
+        </a:solidFill>
+        <a:ln w="19050" cap="flat" cmpd="sng" algn="ctr">
+          <a:solidFill>
+            <a:schemeClr val="lt1">
+              <a:hueOff val="0"/>
+              <a:satOff val="0"/>
+              <a:lumOff val="0"/>
+              <a:alphaOff val="0"/>
+            </a:schemeClr>
+          </a:solidFill>
+          <a:prstDash val="solid"/>
+          <a:miter lim="800000"/>
+        </a:ln>
+        <a:effectLst/>
+      </dsp:spPr>
+      <dsp:style>
+        <a:lnRef idx="2">
+          <a:scrgbClr r="0" g="0" b="0"/>
+        </a:lnRef>
+        <a:fillRef idx="1">
+          <a:scrgbClr r="0" g="0" b="0"/>
+        </a:fillRef>
+        <a:effectRef idx="0">
+          <a:scrgbClr r="0" g="0" b="0"/>
+        </a:effectRef>
+        <a:fontRef idx="minor">
+          <a:schemeClr val="lt1"/>
+        </a:fontRef>
+      </dsp:style>
+      <dsp:txBody>
+        <a:bodyPr spcFirstLastPara="0" vert="horz" wrap="square" lIns="9525" tIns="9525" rIns="9525" bIns="9525" numCol="1" spcCol="1270" anchor="ctr" anchorCtr="0">
+          <a:noAutofit/>
+        </a:bodyPr>
+        <a:lstStyle/>
+        <a:p>
+          <a:pPr marL="0" lvl="0" indent="0" algn="ctr" defTabSz="666750">
+            <a:lnSpc>
+              <a:spcPct val="90000"/>
+            </a:lnSpc>
+            <a:spcBef>
+              <a:spcPct val="0"/>
+            </a:spcBef>
+            <a:spcAft>
+              <a:spcPct val="35000"/>
+            </a:spcAft>
+            <a:buNone/>
+          </a:pPr>
+          <a:r>
+            <a:rPr lang="en-US" sz="1500" kern="1200" dirty="0"/>
+            <a:t>Field Visit</a:t>
+          </a:r>
+        </a:p>
+      </dsp:txBody>
+      <dsp:txXfrm>
+        <a:off x="3751844" y="1503566"/>
+        <a:ext cx="1056993" cy="528496"/>
+      </dsp:txXfrm>
+    </dsp:sp>
+    <dsp:sp modelId="{C1102C49-A9A4-3D4C-9FC4-DFE466879785}">
+      <dsp:nvSpPr>
+        <dsp:cNvPr id="0" name=""/>
+        <dsp:cNvSpPr/>
+      </dsp:nvSpPr>
+      <dsp:spPr>
+        <a:xfrm>
+          <a:off x="3751844" y="2254031"/>
+          <a:ext cx="1056993" cy="528496"/>
+        </a:xfrm>
+        <a:prstGeom prst="rect">
+          <a:avLst/>
+        </a:prstGeom>
+        <a:solidFill>
+          <a:schemeClr val="accent1">
+            <a:hueOff val="0"/>
+            <a:satOff val="0"/>
+            <a:lumOff val="0"/>
+            <a:alphaOff val="0"/>
+          </a:schemeClr>
+        </a:solidFill>
+        <a:ln w="19050" cap="flat" cmpd="sng" algn="ctr">
+          <a:solidFill>
+            <a:schemeClr val="lt1">
+              <a:hueOff val="0"/>
+              <a:satOff val="0"/>
+              <a:lumOff val="0"/>
+              <a:alphaOff val="0"/>
+            </a:schemeClr>
+          </a:solidFill>
+          <a:prstDash val="solid"/>
+          <a:miter lim="800000"/>
+        </a:ln>
+        <a:effectLst/>
+      </dsp:spPr>
+      <dsp:style>
+        <a:lnRef idx="2">
+          <a:scrgbClr r="0" g="0" b="0"/>
+        </a:lnRef>
+        <a:fillRef idx="1">
+          <a:scrgbClr r="0" g="0" b="0"/>
+        </a:fillRef>
+        <a:effectRef idx="0">
+          <a:scrgbClr r="0" g="0" b="0"/>
+        </a:effectRef>
+        <a:fontRef idx="minor">
+          <a:schemeClr val="lt1"/>
+        </a:fontRef>
+      </dsp:style>
+      <dsp:txBody>
+        <a:bodyPr spcFirstLastPara="0" vert="horz" wrap="square" lIns="9525" tIns="9525" rIns="9525" bIns="9525" numCol="1" spcCol="1270" anchor="ctr" anchorCtr="0">
+          <a:noAutofit/>
+        </a:bodyPr>
+        <a:lstStyle/>
+        <a:p>
+          <a:pPr marL="0" lvl="0" indent="0" algn="ctr" defTabSz="666750">
+            <a:lnSpc>
+              <a:spcPct val="90000"/>
+            </a:lnSpc>
+            <a:spcBef>
+              <a:spcPct val="0"/>
+            </a:spcBef>
+            <a:spcAft>
+              <a:spcPct val="35000"/>
+            </a:spcAft>
+            <a:buNone/>
+          </a:pPr>
+          <a:r>
+            <a:rPr lang="en-US" sz="1500" kern="1200" dirty="0"/>
+            <a:t>Location</a:t>
+          </a:r>
+        </a:p>
+      </dsp:txBody>
+      <dsp:txXfrm>
+        <a:off x="3751844" y="2254031"/>
+        <a:ext cx="1056993" cy="528496"/>
+      </dsp:txXfrm>
+    </dsp:sp>
+    <dsp:sp modelId="{E99E604A-A34A-984D-A3B5-9B5434A935A4}">
+      <dsp:nvSpPr>
+        <dsp:cNvPr id="0" name=""/>
+        <dsp:cNvSpPr/>
+      </dsp:nvSpPr>
+      <dsp:spPr>
+        <a:xfrm>
+          <a:off x="3751844" y="3004496"/>
+          <a:ext cx="1056993" cy="528496"/>
+        </a:xfrm>
+        <a:prstGeom prst="rect">
+          <a:avLst/>
+        </a:prstGeom>
+        <a:solidFill>
+          <a:schemeClr val="accent1">
+            <a:hueOff val="0"/>
+            <a:satOff val="0"/>
+            <a:lumOff val="0"/>
+            <a:alphaOff val="0"/>
+          </a:schemeClr>
+        </a:solidFill>
+        <a:ln w="19050" cap="flat" cmpd="sng" algn="ctr">
+          <a:solidFill>
+            <a:schemeClr val="lt1">
+              <a:hueOff val="0"/>
+              <a:satOff val="0"/>
+              <a:lumOff val="0"/>
+              <a:alphaOff val="0"/>
+            </a:schemeClr>
+          </a:solidFill>
+          <a:prstDash val="solid"/>
+          <a:miter lim="800000"/>
+        </a:ln>
+        <a:effectLst/>
+      </dsp:spPr>
+      <dsp:style>
+        <a:lnRef idx="2">
+          <a:scrgbClr r="0" g="0" b="0"/>
+        </a:lnRef>
+        <a:fillRef idx="1">
+          <a:scrgbClr r="0" g="0" b="0"/>
+        </a:fillRef>
+        <a:effectRef idx="0">
+          <a:scrgbClr r="0" g="0" b="0"/>
+        </a:effectRef>
+        <a:fontRef idx="minor">
+          <a:schemeClr val="lt1"/>
+        </a:fontRef>
+      </dsp:style>
+      <dsp:txBody>
+        <a:bodyPr spcFirstLastPara="0" vert="horz" wrap="square" lIns="9525" tIns="9525" rIns="9525" bIns="9525" numCol="1" spcCol="1270" anchor="ctr" anchorCtr="0">
+          <a:noAutofit/>
+        </a:bodyPr>
+        <a:lstStyle/>
+        <a:p>
+          <a:pPr marL="0" lvl="0" indent="0" algn="ctr" defTabSz="666750">
+            <a:lnSpc>
+              <a:spcPct val="90000"/>
+            </a:lnSpc>
+            <a:spcBef>
+              <a:spcPct val="0"/>
+            </a:spcBef>
+            <a:spcAft>
+              <a:spcPct val="35000"/>
+            </a:spcAft>
+            <a:buNone/>
+          </a:pPr>
+          <a:r>
+            <a:rPr lang="en-US" sz="1500" kern="1200" dirty="0"/>
+            <a:t>Event</a:t>
+          </a:r>
+        </a:p>
+      </dsp:txBody>
+      <dsp:txXfrm>
+        <a:off x="3751844" y="3004496"/>
+        <a:ext cx="1056993" cy="528496"/>
+      </dsp:txXfrm>
+    </dsp:sp>
+    <dsp:sp modelId="{EE1A225B-65F1-AB49-A219-7CAEC055E425}">
+      <dsp:nvSpPr>
+        <dsp:cNvPr id="0" name=""/>
+        <dsp:cNvSpPr/>
+      </dsp:nvSpPr>
+      <dsp:spPr>
+        <a:xfrm>
+          <a:off x="3751844" y="3754961"/>
+          <a:ext cx="1056993" cy="528496"/>
+        </a:xfrm>
+        <a:prstGeom prst="rect">
+          <a:avLst/>
+        </a:prstGeom>
+        <a:solidFill>
+          <a:schemeClr val="accent1">
+            <a:hueOff val="0"/>
+            <a:satOff val="0"/>
+            <a:lumOff val="0"/>
+            <a:alphaOff val="0"/>
+          </a:schemeClr>
+        </a:solidFill>
+        <a:ln w="19050" cap="flat" cmpd="sng" algn="ctr">
+          <a:solidFill>
+            <a:schemeClr val="lt1">
+              <a:hueOff val="0"/>
+              <a:satOff val="0"/>
+              <a:lumOff val="0"/>
+              <a:alphaOff val="0"/>
+            </a:schemeClr>
+          </a:solidFill>
+          <a:prstDash val="solid"/>
+          <a:miter lim="800000"/>
+        </a:ln>
+        <a:effectLst/>
+      </dsp:spPr>
+      <dsp:style>
+        <a:lnRef idx="2">
+          <a:scrgbClr r="0" g="0" b="0"/>
+        </a:lnRef>
+        <a:fillRef idx="1">
+          <a:scrgbClr r="0" g="0" b="0"/>
+        </a:fillRef>
+        <a:effectRef idx="0">
+          <a:scrgbClr r="0" g="0" b="0"/>
+        </a:effectRef>
+        <a:fontRef idx="minor">
+          <a:schemeClr val="lt1"/>
+        </a:fontRef>
+      </dsp:style>
+      <dsp:txBody>
+        <a:bodyPr spcFirstLastPara="0" vert="horz" wrap="square" lIns="9525" tIns="9525" rIns="9525" bIns="9525" numCol="1" spcCol="1270" anchor="ctr" anchorCtr="0">
+          <a:noAutofit/>
+        </a:bodyPr>
+        <a:lstStyle/>
+        <a:p>
+          <a:pPr marL="0" lvl="0" indent="0" algn="ctr" defTabSz="666750">
+            <a:lnSpc>
+              <a:spcPct val="90000"/>
+            </a:lnSpc>
+            <a:spcBef>
+              <a:spcPct val="0"/>
+            </a:spcBef>
+            <a:spcAft>
+              <a:spcPct val="35000"/>
+            </a:spcAft>
+            <a:buNone/>
+          </a:pPr>
+          <a:r>
+            <a:rPr lang="en-US" sz="1500" kern="1200" dirty="0"/>
+            <a:t>Collection</a:t>
+          </a:r>
+        </a:p>
+      </dsp:txBody>
+      <dsp:txXfrm>
+        <a:off x="3751844" y="3754961"/>
+        <a:ext cx="1056993" cy="528496"/>
+      </dsp:txXfrm>
+    </dsp:sp>
+    <dsp:sp modelId="{0EE5F9B1-FE99-AE4E-AE6C-84A277DD26CF}">
+      <dsp:nvSpPr>
+        <dsp:cNvPr id="0" name=""/>
+        <dsp:cNvSpPr/>
+      </dsp:nvSpPr>
+      <dsp:spPr>
+        <a:xfrm>
+          <a:off x="3751844" y="4505426"/>
+          <a:ext cx="1056993" cy="528496"/>
+        </a:xfrm>
+        <a:prstGeom prst="rect">
+          <a:avLst/>
+        </a:prstGeom>
+        <a:solidFill>
+          <a:schemeClr val="accent1">
+            <a:hueOff val="0"/>
+            <a:satOff val="0"/>
+            <a:lumOff val="0"/>
+            <a:alphaOff val="0"/>
+          </a:schemeClr>
+        </a:solidFill>
+        <a:ln w="19050" cap="flat" cmpd="sng" algn="ctr">
+          <a:solidFill>
+            <a:schemeClr val="lt1">
+              <a:hueOff val="0"/>
+              <a:satOff val="0"/>
+              <a:lumOff val="0"/>
+              <a:alphaOff val="0"/>
+            </a:schemeClr>
+          </a:solidFill>
+          <a:prstDash val="solid"/>
+          <a:miter lim="800000"/>
+        </a:ln>
+        <a:effectLst/>
+      </dsp:spPr>
+      <dsp:style>
+        <a:lnRef idx="2">
+          <a:scrgbClr r="0" g="0" b="0"/>
+        </a:lnRef>
+        <a:fillRef idx="1">
+          <a:scrgbClr r="0" g="0" b="0"/>
+        </a:fillRef>
+        <a:effectRef idx="0">
+          <a:scrgbClr r="0" g="0" b="0"/>
+        </a:effectRef>
+        <a:fontRef idx="minor">
+          <a:schemeClr val="lt1"/>
+        </a:fontRef>
+      </dsp:style>
+      <dsp:txBody>
+        <a:bodyPr spcFirstLastPara="0" vert="horz" wrap="square" lIns="9525" tIns="9525" rIns="9525" bIns="9525" numCol="1" spcCol="1270" anchor="ctr" anchorCtr="0">
+          <a:noAutofit/>
+        </a:bodyPr>
+        <a:lstStyle/>
+        <a:p>
+          <a:pPr marL="0" lvl="0" indent="0" algn="ctr" defTabSz="666750">
+            <a:lnSpc>
+              <a:spcPct val="90000"/>
+            </a:lnSpc>
+            <a:spcBef>
+              <a:spcPct val="0"/>
+            </a:spcBef>
+            <a:spcAft>
+              <a:spcPct val="35000"/>
+            </a:spcAft>
+            <a:buNone/>
+          </a:pPr>
+          <a:r>
+            <a:rPr lang="en-US" sz="1500" kern="1200" dirty="0"/>
+            <a:t>Source Record</a:t>
+          </a:r>
+        </a:p>
+      </dsp:txBody>
+      <dsp:txXfrm>
+        <a:off x="3751844" y="4505426"/>
+        <a:ext cx="1056993" cy="528496"/>
+      </dsp:txXfrm>
+    </dsp:sp>
+    <dsp:sp modelId="{037EE79A-46C8-044F-B1FA-F704C91E6F2E}">
+      <dsp:nvSpPr>
+        <dsp:cNvPr id="0" name=""/>
+        <dsp:cNvSpPr/>
+      </dsp:nvSpPr>
+      <dsp:spPr>
+        <a:xfrm>
+          <a:off x="3751844" y="5255891"/>
+          <a:ext cx="1056993" cy="528496"/>
+        </a:xfrm>
+        <a:prstGeom prst="rect">
+          <a:avLst/>
+        </a:prstGeom>
+        <a:solidFill>
+          <a:schemeClr val="accent1">
+            <a:hueOff val="0"/>
+            <a:satOff val="0"/>
+            <a:lumOff val="0"/>
+            <a:alphaOff val="0"/>
+          </a:schemeClr>
+        </a:solidFill>
+        <a:ln w="19050" cap="flat" cmpd="sng" algn="ctr">
+          <a:solidFill>
+            <a:schemeClr val="lt1">
+              <a:hueOff val="0"/>
+              <a:satOff val="0"/>
+              <a:lumOff val="0"/>
+              <a:alphaOff val="0"/>
+            </a:schemeClr>
+          </a:solidFill>
+          <a:prstDash val="solid"/>
+          <a:miter lim="800000"/>
+        </a:ln>
+        <a:effectLst/>
+      </dsp:spPr>
+      <dsp:style>
+        <a:lnRef idx="2">
+          <a:scrgbClr r="0" g="0" b="0"/>
+        </a:lnRef>
+        <a:fillRef idx="1">
+          <a:scrgbClr r="0" g="0" b="0"/>
+        </a:fillRef>
+        <a:effectRef idx="0">
+          <a:scrgbClr r="0" g="0" b="0"/>
+        </a:effectRef>
+        <a:fontRef idx="minor">
+          <a:schemeClr val="lt1"/>
+        </a:fontRef>
+      </dsp:style>
+      <dsp:txBody>
+        <a:bodyPr spcFirstLastPara="0" vert="horz" wrap="square" lIns="9525" tIns="9525" rIns="9525" bIns="9525" numCol="1" spcCol="1270" anchor="ctr" anchorCtr="0">
+          <a:noAutofit/>
+        </a:bodyPr>
+        <a:lstStyle/>
+        <a:p>
+          <a:pPr marL="0" lvl="0" indent="0" algn="ctr" defTabSz="666750">
+            <a:lnSpc>
+              <a:spcPct val="90000"/>
+            </a:lnSpc>
+            <a:spcBef>
+              <a:spcPct val="0"/>
+            </a:spcBef>
+            <a:spcAft>
+              <a:spcPct val="35000"/>
+            </a:spcAft>
+            <a:buNone/>
+          </a:pPr>
+          <a:r>
+            <a:rPr lang="en-US" sz="1500" kern="1200" dirty="0"/>
+            <a:t>Specimen</a:t>
+          </a:r>
+        </a:p>
+      </dsp:txBody>
+      <dsp:txXfrm>
+        <a:off x="3751844" y="5255891"/>
+        <a:ext cx="1056993" cy="528496"/>
+      </dsp:txXfrm>
+    </dsp:sp>
+    <dsp:sp modelId="{C6692C42-55D7-454A-BD01-33D733917243}">
+      <dsp:nvSpPr>
+        <dsp:cNvPr id="0" name=""/>
+        <dsp:cNvSpPr/>
+      </dsp:nvSpPr>
+      <dsp:spPr>
+        <a:xfrm>
+          <a:off x="4016092" y="6006356"/>
+          <a:ext cx="1056993" cy="528496"/>
+        </a:xfrm>
+        <a:prstGeom prst="rect">
+          <a:avLst/>
+        </a:prstGeom>
+        <a:solidFill>
+          <a:schemeClr val="accent1">
+            <a:hueOff val="0"/>
+            <a:satOff val="0"/>
+            <a:lumOff val="0"/>
+            <a:alphaOff val="0"/>
+          </a:schemeClr>
+        </a:solidFill>
+        <a:ln w="19050" cap="flat" cmpd="sng" algn="ctr">
+          <a:solidFill>
+            <a:schemeClr val="lt1">
+              <a:hueOff val="0"/>
+              <a:satOff val="0"/>
+              <a:lumOff val="0"/>
+              <a:alphaOff val="0"/>
+            </a:schemeClr>
+          </a:solidFill>
+          <a:prstDash val="solid"/>
+          <a:miter lim="800000"/>
+        </a:ln>
+        <a:effectLst/>
+      </dsp:spPr>
+      <dsp:style>
+        <a:lnRef idx="2">
+          <a:scrgbClr r="0" g="0" b="0"/>
+        </a:lnRef>
+        <a:fillRef idx="1">
+          <a:scrgbClr r="0" g="0" b="0"/>
+        </a:fillRef>
+        <a:effectRef idx="0">
+          <a:scrgbClr r="0" g="0" b="0"/>
+        </a:effectRef>
+        <a:fontRef idx="minor">
+          <a:schemeClr val="lt1"/>
+        </a:fontRef>
+      </dsp:style>
+      <dsp:txBody>
+        <a:bodyPr spcFirstLastPara="0" vert="horz" wrap="square" lIns="9525" tIns="9525" rIns="9525" bIns="9525" numCol="1" spcCol="1270" anchor="ctr" anchorCtr="0">
+          <a:noAutofit/>
+        </a:bodyPr>
+        <a:lstStyle/>
+        <a:p>
+          <a:pPr marL="0" lvl="0" indent="0" algn="ctr" defTabSz="666750">
+            <a:lnSpc>
+              <a:spcPct val="90000"/>
+            </a:lnSpc>
+            <a:spcBef>
+              <a:spcPct val="0"/>
+            </a:spcBef>
+            <a:spcAft>
+              <a:spcPct val="35000"/>
+            </a:spcAft>
+            <a:buNone/>
+          </a:pPr>
+          <a:r>
+            <a:rPr lang="en-US" sz="1500" kern="1200" dirty="0"/>
+            <a:t>Diagnostic</a:t>
+          </a:r>
+        </a:p>
+      </dsp:txBody>
+      <dsp:txXfrm>
+        <a:off x="4016092" y="6006356"/>
+        <a:ext cx="1056993" cy="528496"/>
+      </dsp:txXfrm>
+    </dsp:sp>
+    <dsp:sp modelId="{9E04E2FA-911D-944C-A0E4-BAE7F15E61E1}">
+      <dsp:nvSpPr>
+        <dsp:cNvPr id="0" name=""/>
+        <dsp:cNvSpPr/>
+      </dsp:nvSpPr>
+      <dsp:spPr>
+        <a:xfrm>
+          <a:off x="1977999" y="4501870"/>
+          <a:ext cx="1056993" cy="528496"/>
+        </a:xfrm>
+        <a:prstGeom prst="rect">
+          <a:avLst/>
+        </a:prstGeom>
+        <a:solidFill>
+          <a:schemeClr val="accent1">
+            <a:hueOff val="0"/>
+            <a:satOff val="0"/>
+            <a:lumOff val="0"/>
+            <a:alphaOff val="0"/>
+          </a:schemeClr>
+        </a:solidFill>
+        <a:ln w="19050" cap="flat" cmpd="sng" algn="ctr">
+          <a:solidFill>
+            <a:schemeClr val="lt1">
+              <a:hueOff val="0"/>
+              <a:satOff val="0"/>
+              <a:lumOff val="0"/>
+              <a:alphaOff val="0"/>
+            </a:schemeClr>
+          </a:solidFill>
+          <a:prstDash val="solid"/>
+          <a:miter lim="800000"/>
+        </a:ln>
+        <a:effectLst/>
+      </dsp:spPr>
+      <dsp:style>
+        <a:lnRef idx="2">
+          <a:scrgbClr r="0" g="0" b="0"/>
+        </a:lnRef>
+        <a:fillRef idx="1">
+          <a:scrgbClr r="0" g="0" b="0"/>
+        </a:fillRef>
+        <a:effectRef idx="0">
+          <a:scrgbClr r="0" g="0" b="0"/>
+        </a:effectRef>
+        <a:fontRef idx="minor">
+          <a:schemeClr val="lt1"/>
+        </a:fontRef>
+      </dsp:style>
+      <dsp:txBody>
+        <a:bodyPr spcFirstLastPara="0" vert="horz" wrap="square" lIns="9525" tIns="9525" rIns="9525" bIns="9525" numCol="1" spcCol="1270" anchor="ctr" anchorCtr="0">
+          <a:noAutofit/>
+        </a:bodyPr>
+        <a:lstStyle/>
+        <a:p>
+          <a:pPr marL="0" lvl="0" indent="0" algn="ctr" defTabSz="666750">
+            <a:lnSpc>
+              <a:spcPct val="90000"/>
+            </a:lnSpc>
+            <a:spcBef>
+              <a:spcPct val="0"/>
+            </a:spcBef>
+            <a:spcAft>
+              <a:spcPct val="35000"/>
+            </a:spcAft>
+            <a:buNone/>
+          </a:pPr>
+          <a:r>
+            <a:rPr lang="en-US" sz="1500" kern="1200" dirty="0"/>
+            <a:t>Group Source</a:t>
+          </a:r>
+        </a:p>
+      </dsp:txBody>
+      <dsp:txXfrm>
+        <a:off x="1977999" y="4501870"/>
+        <a:ext cx="1056993" cy="528496"/>
+      </dsp:txXfrm>
+    </dsp:sp>
+  </dsp:spTree>
+</dsp:drawing>
+</file>
+
+<file path=ppt/diagrams/drawing2.xml><?xml version="1.0" encoding="utf-8"?>
 <dsp:drawing xmlns:dgm="http://schemas.openxmlformats.org/drawingml/2006/diagram" xmlns:dsp="http://schemas.microsoft.com/office/drawing/2008/diagram" xmlns:a="http://schemas.openxmlformats.org/drawingml/2006/main">
   <dsp:spTree>
     <dsp:nvGrpSpPr>
@@ -5022,7 +7879,2187 @@
 </dgm:layoutDef>
 </file>
 
+<file path=ppt/diagrams/layout2.xml><?xml version="1.0" encoding="utf-8"?>
+<dgm:layoutDef xmlns:dgm="http://schemas.openxmlformats.org/drawingml/2006/diagram" xmlns:a="http://schemas.openxmlformats.org/drawingml/2006/main" uniqueId="urn:microsoft.com/office/officeart/2005/8/layout/orgChart1">
+  <dgm:title val=""/>
+  <dgm:desc val=""/>
+  <dgm:catLst>
+    <dgm:cat type="hierarchy" pri="1000"/>
+    <dgm:cat type="convert" pri="6000"/>
+  </dgm:catLst>
+  <dgm:sampData>
+    <dgm:dataModel>
+      <dgm:ptLst>
+        <dgm:pt modelId="0" type="doc"/>
+        <dgm:pt modelId="1">
+          <dgm:prSet phldr="1"/>
+        </dgm:pt>
+        <dgm:pt modelId="2" type="asst">
+          <dgm:prSet phldr="1"/>
+        </dgm:pt>
+        <dgm:pt modelId="3">
+          <dgm:prSet phldr="1"/>
+        </dgm:pt>
+        <dgm:pt modelId="4">
+          <dgm:prSet phldr="1"/>
+        </dgm:pt>
+        <dgm:pt modelId="5">
+          <dgm:prSet phldr="1"/>
+        </dgm:pt>
+      </dgm:ptLst>
+      <dgm:cxnLst>
+        <dgm:cxn modelId="5" srcId="0" destId="1" srcOrd="0" destOrd="0"/>
+        <dgm:cxn modelId="6" srcId="1" destId="2" srcOrd="0" destOrd="0"/>
+        <dgm:cxn modelId="7" srcId="1" destId="3" srcOrd="1" destOrd="0"/>
+        <dgm:cxn modelId="8" srcId="1" destId="4" srcOrd="2" destOrd="0"/>
+        <dgm:cxn modelId="9" srcId="1" destId="5" srcOrd="3" destOrd="0"/>
+      </dgm:cxnLst>
+      <dgm:bg/>
+      <dgm:whole/>
+    </dgm:dataModel>
+  </dgm:sampData>
+  <dgm:styleData>
+    <dgm:dataModel>
+      <dgm:ptLst>
+        <dgm:pt modelId="0" type="doc"/>
+        <dgm:pt modelId="1"/>
+        <dgm:pt modelId="12"/>
+        <dgm:pt modelId="13"/>
+      </dgm:ptLst>
+      <dgm:cxnLst>
+        <dgm:cxn modelId="2" srcId="0" destId="1" srcOrd="0" destOrd="0"/>
+        <dgm:cxn modelId="16" srcId="1" destId="12" srcOrd="1" destOrd="0"/>
+        <dgm:cxn modelId="17" srcId="1" destId="13" srcOrd="2" destOrd="0"/>
+      </dgm:cxnLst>
+      <dgm:bg/>
+      <dgm:whole/>
+    </dgm:dataModel>
+  </dgm:styleData>
+  <dgm:clrData>
+    <dgm:dataModel>
+      <dgm:ptLst>
+        <dgm:pt modelId="0" type="doc"/>
+        <dgm:pt modelId="1"/>
+        <dgm:pt modelId="11" type="asst"/>
+        <dgm:pt modelId="12"/>
+        <dgm:pt modelId="13"/>
+        <dgm:pt modelId="14"/>
+      </dgm:ptLst>
+      <dgm:cxnLst>
+        <dgm:cxn modelId="2" srcId="0" destId="1" srcOrd="0" destOrd="0"/>
+        <dgm:cxn modelId="15" srcId="1" destId="11" srcOrd="0" destOrd="0"/>
+        <dgm:cxn modelId="16" srcId="1" destId="12" srcOrd="1" destOrd="0"/>
+        <dgm:cxn modelId="17" srcId="1" destId="13" srcOrd="2" destOrd="0"/>
+        <dgm:cxn modelId="18" srcId="1" destId="14" srcOrd="2" destOrd="0"/>
+      </dgm:cxnLst>
+      <dgm:bg/>
+      <dgm:whole/>
+    </dgm:dataModel>
+  </dgm:clrData>
+  <dgm:layoutNode name="hierChild1">
+    <dgm:varLst>
+      <dgm:orgChart val="1"/>
+      <dgm:chPref val="1"/>
+      <dgm:dir/>
+      <dgm:animOne val="branch"/>
+      <dgm:animLvl val="lvl"/>
+      <dgm:resizeHandles/>
+    </dgm:varLst>
+    <dgm:choose name="Name0">
+      <dgm:if name="Name1" func="var" arg="dir" op="equ" val="norm">
+        <dgm:alg type="hierChild">
+          <dgm:param type="linDir" val="fromL"/>
+        </dgm:alg>
+      </dgm:if>
+      <dgm:else name="Name2">
+        <dgm:alg type="hierChild">
+          <dgm:param type="linDir" val="fromR"/>
+        </dgm:alg>
+      </dgm:else>
+    </dgm:choose>
+    <dgm:shape xmlns:r="http://schemas.openxmlformats.org/officeDocument/2006/relationships" r:blip="">
+      <dgm:adjLst/>
+    </dgm:shape>
+    <dgm:presOf/>
+    <dgm:constrLst>
+      <dgm:constr type="w" for="des" forName="rootComposite1" refType="w" fact="10"/>
+      <dgm:constr type="h" for="des" forName="rootComposite1" refType="w" refFor="des" refForName="rootComposite1" fact="0.5"/>
+      <dgm:constr type="w" for="des" forName="rootComposite" refType="w" fact="10"/>
+      <dgm:constr type="h" for="des" forName="rootComposite" refType="w" refFor="des" refForName="rootComposite1" fact="0.5"/>
+      <dgm:constr type="w" for="des" forName="rootComposite3" refType="w" fact="10"/>
+      <dgm:constr type="h" for="des" forName="rootComposite3" refType="w" refFor="des" refForName="rootComposite1" fact="0.5"/>
+      <dgm:constr type="primFontSz" for="des" ptType="node" op="equ"/>
+      <dgm:constr type="sp" for="des" op="equ"/>
+      <dgm:constr type="sp" for="des" forName="hierRoot1" refType="w" refFor="des" refForName="rootComposite1" fact="0.21"/>
+      <dgm:constr type="sp" for="des" forName="hierRoot2" refType="sp" refFor="des" refForName="hierRoot1"/>
+      <dgm:constr type="sp" for="des" forName="hierRoot3" refType="sp" refFor="des" refForName="hierRoot1"/>
+      <dgm:constr type="sibSp" refType="w" refFor="des" refForName="rootComposite1" fact="0.21"/>
+      <dgm:constr type="sibSp" for="des" forName="hierChild2" refType="sibSp"/>
+      <dgm:constr type="sibSp" for="des" forName="hierChild3" refType="sibSp"/>
+      <dgm:constr type="sibSp" for="des" forName="hierChild4" refType="sibSp"/>
+      <dgm:constr type="sibSp" for="des" forName="hierChild5" refType="sibSp"/>
+      <dgm:constr type="sibSp" for="des" forName="hierChild6" refType="sibSp"/>
+      <dgm:constr type="sibSp" for="des" forName="hierChild7" refType="sibSp"/>
+      <dgm:constr type="secSibSp" refType="w" refFor="des" refForName="rootComposite1" fact="0.21"/>
+      <dgm:constr type="secSibSp" for="des" forName="hierChild2" refType="secSibSp"/>
+      <dgm:constr type="secSibSp" for="des" forName="hierChild3" refType="secSibSp"/>
+      <dgm:constr type="secSibSp" for="des" forName="hierChild4" refType="secSibSp"/>
+      <dgm:constr type="secSibSp" for="des" forName="hierChild5" refType="secSibSp"/>
+      <dgm:constr type="secSibSp" for="des" forName="hierChild6" refType="secSibSp"/>
+      <dgm:constr type="secSibSp" for="des" forName="hierChild7" refType="secSibSp"/>
+    </dgm:constrLst>
+    <dgm:ruleLst/>
+    <dgm:forEach name="Name3" axis="ch">
+      <dgm:forEach name="Name4" axis="self" ptType="node">
+        <dgm:layoutNode name="hierRoot1">
+          <dgm:varLst>
+            <dgm:hierBranch val="init"/>
+          </dgm:varLst>
+          <dgm:choose name="Name5">
+            <dgm:if name="Name6" func="var" arg="hierBranch" op="equ" val="l">
+              <dgm:choose name="Name7">
+                <dgm:if name="Name8" axis="ch" ptType="asst" func="cnt" op="gte" val="1">
+                  <dgm:alg type="hierRoot">
+                    <dgm:param type="hierAlign" val="tR"/>
+                  </dgm:alg>
+                  <dgm:constrLst>
+                    <dgm:constr type="alignOff" val="0.65"/>
+                  </dgm:constrLst>
+                </dgm:if>
+                <dgm:else name="Name9">
+                  <dgm:alg type="hierRoot">
+                    <dgm:param type="hierAlign" val="tR"/>
+                  </dgm:alg>
+                  <dgm:constrLst>
+                    <dgm:constr type="alignOff" val="0.25"/>
+                  </dgm:constrLst>
+                </dgm:else>
+              </dgm:choose>
+            </dgm:if>
+            <dgm:if name="Name10" func="var" arg="hierBranch" op="equ" val="r">
+              <dgm:choose name="Name11">
+                <dgm:if name="Name12" axis="ch" ptType="asst" func="cnt" op="gte" val="1">
+                  <dgm:alg type="hierRoot">
+                    <dgm:param type="hierAlign" val="tL"/>
+                  </dgm:alg>
+                  <dgm:constrLst>
+                    <dgm:constr type="alignOff" val="0.65"/>
+                  </dgm:constrLst>
+                </dgm:if>
+                <dgm:else name="Name13">
+                  <dgm:alg type="hierRoot">
+                    <dgm:param type="hierAlign" val="tL"/>
+                  </dgm:alg>
+                  <dgm:constrLst>
+                    <dgm:constr type="alignOff" val="0.25"/>
+                  </dgm:constrLst>
+                </dgm:else>
+              </dgm:choose>
+            </dgm:if>
+            <dgm:if name="Name14" func="var" arg="hierBranch" op="equ" val="hang">
+              <dgm:alg type="hierRoot"/>
+              <dgm:constrLst>
+                <dgm:constr type="alignOff" val="0.65"/>
+              </dgm:constrLst>
+            </dgm:if>
+            <dgm:else name="Name15">
+              <dgm:alg type="hierRoot"/>
+              <dgm:constrLst>
+                <dgm:constr type="alignOff"/>
+                <dgm:constr type="bendDist" for="des" ptType="parTrans" refType="sp" fact="0.5"/>
+              </dgm:constrLst>
+            </dgm:else>
+          </dgm:choose>
+          <dgm:shape xmlns:r="http://schemas.openxmlformats.org/officeDocument/2006/relationships" r:blip="">
+            <dgm:adjLst/>
+          </dgm:shape>
+          <dgm:presOf/>
+          <dgm:ruleLst/>
+          <dgm:layoutNode name="rootComposite1">
+            <dgm:alg type="composite"/>
+            <dgm:shape xmlns:r="http://schemas.openxmlformats.org/officeDocument/2006/relationships" r:blip="">
+              <dgm:adjLst/>
+            </dgm:shape>
+            <dgm:presOf axis="self" ptType="node" cnt="1"/>
+            <dgm:choose name="Name16">
+              <dgm:if name="Name17" func="var" arg="hierBranch" op="equ" val="init">
+                <dgm:constrLst>
+                  <dgm:constr type="l" for="ch" forName="rootText1"/>
+                  <dgm:constr type="t" for="ch" forName="rootText1"/>
+                  <dgm:constr type="w" for="ch" forName="rootText1" refType="w"/>
+                  <dgm:constr type="h" for="ch" forName="rootText1" refType="h"/>
+                  <dgm:constr type="l" for="ch" forName="rootConnector1"/>
+                  <dgm:constr type="t" for="ch" forName="rootConnector1"/>
+                  <dgm:constr type="w" for="ch" forName="rootConnector1" refType="w" refFor="ch" refForName="rootText1" fact="0.2"/>
+                  <dgm:constr type="h" for="ch" forName="rootConnector1" refType="h" refFor="ch" refForName="rootText1"/>
+                </dgm:constrLst>
+              </dgm:if>
+              <dgm:if name="Name18" func="var" arg="hierBranch" op="equ" val="l">
+                <dgm:constrLst>
+                  <dgm:constr type="l" for="ch" forName="rootText1"/>
+                  <dgm:constr type="t" for="ch" forName="rootText1"/>
+                  <dgm:constr type="w" for="ch" forName="rootText1" refType="w"/>
+                  <dgm:constr type="h" for="ch" forName="rootText1" refType="h"/>
+                  <dgm:constr type="r" for="ch" forName="rootConnector1" refType="w"/>
+                  <dgm:constr type="t" for="ch" forName="rootConnector1"/>
+                  <dgm:constr type="w" for="ch" forName="rootConnector1" refType="w" refFor="ch" refForName="rootText1" fact="0.2"/>
+                  <dgm:constr type="h" for="ch" forName="rootConnector1" refType="h" refFor="ch" refForName="rootText1"/>
+                </dgm:constrLst>
+              </dgm:if>
+              <dgm:if name="Name19" func="var" arg="hierBranch" op="equ" val="r">
+                <dgm:constrLst>
+                  <dgm:constr type="l" for="ch" forName="rootText1"/>
+                  <dgm:constr type="t" for="ch" forName="rootText1"/>
+                  <dgm:constr type="w" for="ch" forName="rootText1" refType="w"/>
+                  <dgm:constr type="h" for="ch" forName="rootText1" refType="h"/>
+                  <dgm:constr type="l" for="ch" forName="rootConnector1"/>
+                  <dgm:constr type="t" for="ch" forName="rootConnector1"/>
+                  <dgm:constr type="w" for="ch" forName="rootConnector1" refType="w" refFor="ch" refForName="rootText1" fact="0.2"/>
+                  <dgm:constr type="h" for="ch" forName="rootConnector1" refType="h" refFor="ch" refForName="rootText1"/>
+                </dgm:constrLst>
+              </dgm:if>
+              <dgm:else name="Name20">
+                <dgm:constrLst>
+                  <dgm:constr type="l" for="ch" forName="rootText1"/>
+                  <dgm:constr type="t" for="ch" forName="rootText1"/>
+                  <dgm:constr type="w" for="ch" forName="rootText1" refType="w"/>
+                  <dgm:constr type="h" for="ch" forName="rootText1" refType="h"/>
+                  <dgm:constr type="r" for="ch" forName="rootConnector1" refType="w"/>
+                  <dgm:constr type="t" for="ch" forName="rootConnector1"/>
+                  <dgm:constr type="w" for="ch" forName="rootConnector1" refType="w" refFor="ch" refForName="rootText1" fact="0.2"/>
+                  <dgm:constr type="h" for="ch" forName="rootConnector1" refType="h" refFor="ch" refForName="rootText1"/>
+                </dgm:constrLst>
+              </dgm:else>
+            </dgm:choose>
+            <dgm:ruleLst/>
+            <dgm:layoutNode name="rootText1" styleLbl="node0">
+              <dgm:varLst>
+                <dgm:chPref val="3"/>
+              </dgm:varLst>
+              <dgm:alg type="tx"/>
+              <dgm:shape xmlns:r="http://schemas.openxmlformats.org/officeDocument/2006/relationships" type="rect" r:blip="">
+                <dgm:adjLst/>
+              </dgm:shape>
+              <dgm:presOf axis="self" ptType="node" cnt="1"/>
+              <dgm:constrLst>
+                <dgm:constr type="primFontSz" val="65"/>
+                <dgm:constr type="lMarg" refType="primFontSz" fact="0.05"/>
+                <dgm:constr type="rMarg" refType="primFontSz" fact="0.05"/>
+                <dgm:constr type="tMarg" refType="primFontSz" fact="0.05"/>
+                <dgm:constr type="bMarg" refType="primFontSz" fact="0.05"/>
+              </dgm:constrLst>
+              <dgm:ruleLst>
+                <dgm:rule type="primFontSz" val="5" fact="NaN" max="NaN"/>
+              </dgm:ruleLst>
+            </dgm:layoutNode>
+            <dgm:layoutNode name="rootConnector1" moveWith="rootText1">
+              <dgm:alg type="sp"/>
+              <dgm:shape xmlns:r="http://schemas.openxmlformats.org/officeDocument/2006/relationships" type="rect" r:blip="" hideGeom="1">
+                <dgm:adjLst/>
+              </dgm:shape>
+              <dgm:presOf axis="self" ptType="node" cnt="1"/>
+              <dgm:constrLst/>
+              <dgm:ruleLst/>
+            </dgm:layoutNode>
+          </dgm:layoutNode>
+          <dgm:layoutNode name="hierChild2">
+            <dgm:choose name="Name21">
+              <dgm:if name="Name22" func="var" arg="hierBranch" op="equ" val="l">
+                <dgm:alg type="hierChild">
+                  <dgm:param type="chAlign" val="r"/>
+                  <dgm:param type="linDir" val="fromT"/>
+                </dgm:alg>
+              </dgm:if>
+              <dgm:if name="Name23" func="var" arg="hierBranch" op="equ" val="r">
+                <dgm:alg type="hierChild">
+                  <dgm:param type="chAlign" val="l"/>
+                  <dgm:param type="linDir" val="fromT"/>
+                </dgm:alg>
+              </dgm:if>
+              <dgm:if name="Name24" func="var" arg="hierBranch" op="equ" val="hang">
+                <dgm:choose name="Name25">
+                  <dgm:if name="Name26" func="var" arg="dir" op="equ" val="norm">
+                    <dgm:alg type="hierChild">
+                      <dgm:param type="chAlign" val="l"/>
+                      <dgm:param type="linDir" val="fromL"/>
+                      <dgm:param type="secChAlign" val="t"/>
+                      <dgm:param type="secLinDir" val="fromT"/>
+                    </dgm:alg>
+                  </dgm:if>
+                  <dgm:else name="Name27">
+                    <dgm:alg type="hierChild">
+                      <dgm:param type="chAlign" val="l"/>
+                      <dgm:param type="linDir" val="fromR"/>
+                      <dgm:param type="secChAlign" val="t"/>
+                      <dgm:param type="secLinDir" val="fromT"/>
+                    </dgm:alg>
+                  </dgm:else>
+                </dgm:choose>
+              </dgm:if>
+              <dgm:else name="Name28">
+                <dgm:choose name="Name29">
+                  <dgm:if name="Name30" func="var" arg="dir" op="equ" val="norm">
+                    <dgm:alg type="hierChild"/>
+                  </dgm:if>
+                  <dgm:else name="Name31">
+                    <dgm:alg type="hierChild">
+                      <dgm:param type="linDir" val="fromR"/>
+                    </dgm:alg>
+                  </dgm:else>
+                </dgm:choose>
+              </dgm:else>
+            </dgm:choose>
+            <dgm:shape xmlns:r="http://schemas.openxmlformats.org/officeDocument/2006/relationships" r:blip="">
+              <dgm:adjLst/>
+            </dgm:shape>
+            <dgm:presOf/>
+            <dgm:constrLst/>
+            <dgm:ruleLst/>
+            <dgm:forEach name="rep2a" axis="ch" ptType="nonAsst">
+              <dgm:forEach name="Name32" axis="precedSib" ptType="parTrans" st="-1" cnt="1">
+                <dgm:choose name="Name33">
+                  <dgm:if name="Name34" func="var" arg="hierBranch" op="equ" val="std">
+                    <dgm:layoutNode name="Name35">
+                      <dgm:alg type="conn">
+                        <dgm:param type="connRout" val="bend"/>
+                        <dgm:param type="dim" val="1D"/>
+                        <dgm:param type="endSty" val="noArr"/>
+                        <dgm:param type="begPts" val="bCtr"/>
+                        <dgm:param type="endPts" val="tCtr"/>
+                        <dgm:param type="bendPt" val="end"/>
+                      </dgm:alg>
+                      <dgm:shape xmlns:r="http://schemas.openxmlformats.org/officeDocument/2006/relationships" type="conn" r:blip="" zOrderOff="-99999">
+                        <dgm:adjLst/>
+                      </dgm:shape>
+                      <dgm:presOf axis="self"/>
+                      <dgm:constrLst>
+                        <dgm:constr type="begPad"/>
+                        <dgm:constr type="endPad"/>
+                      </dgm:constrLst>
+                      <dgm:ruleLst/>
+                    </dgm:layoutNode>
+                  </dgm:if>
+                  <dgm:if name="Name36" func="var" arg="hierBranch" op="equ" val="init">
+                    <dgm:layoutNode name="Name37">
+                      <dgm:choose name="Name38">
+                        <dgm:if name="Name39" axis="self" func="depth" op="lte" val="2">
+                          <dgm:alg type="conn">
+                            <dgm:param type="connRout" val="bend"/>
+                            <dgm:param type="dim" val="1D"/>
+                            <dgm:param type="endSty" val="noArr"/>
+                            <dgm:param type="begPts" val="bCtr"/>
+                            <dgm:param type="endPts" val="tCtr"/>
+                            <dgm:param type="bendPt" val="end"/>
+                          </dgm:alg>
+                        </dgm:if>
+                        <dgm:else name="Name40">
+                          <dgm:choose name="Name41">
+                            <dgm:if name="Name42" axis="par des" func="maxDepth" op="lte" val="1">
+                              <dgm:choose name="Name43">
+                                <dgm:if name="Name44" axis="par ch" ptType="node asst" func="cnt" op="gte" val="1">
+                                  <dgm:alg type="conn">
+                                    <dgm:param type="connRout" val="bend"/>
+                                    <dgm:param type="dim" val="1D"/>
+                                    <dgm:param type="endSty" val="noArr"/>
+                                    <dgm:param type="begPts" val="bCtr"/>
+                                    <dgm:param type="endPts" val="midL midR"/>
+                                  </dgm:alg>
+                                </dgm:if>
+                                <dgm:else name="Name45">
+                                  <dgm:alg type="conn">
+                                    <dgm:param type="connRout" val="bend"/>
+                                    <dgm:param type="dim" val="1D"/>
+                                    <dgm:param type="endSty" val="noArr"/>
+                                    <dgm:param type="begPts" val="bCtr"/>
+                                    <dgm:param type="endPts" val="midL midR"/>
+                                    <dgm:param type="srcNode" val="rootConnector"/>
+                                  </dgm:alg>
+                                </dgm:else>
+                              </dgm:choose>
+                            </dgm:if>
+                            <dgm:else name="Name46">
+                              <dgm:alg type="conn">
+                                <dgm:param type="connRout" val="bend"/>
+                                <dgm:param type="dim" val="1D"/>
+                                <dgm:param type="endSty" val="noArr"/>
+                                <dgm:param type="begPts" val="bCtr"/>
+                                <dgm:param type="endPts" val="tCtr"/>
+                                <dgm:param type="bendPt" val="end"/>
+                              </dgm:alg>
+                            </dgm:else>
+                          </dgm:choose>
+                        </dgm:else>
+                      </dgm:choose>
+                      <dgm:shape xmlns:r="http://schemas.openxmlformats.org/officeDocument/2006/relationships" type="conn" r:blip="" zOrderOff="-99999">
+                        <dgm:adjLst/>
+                      </dgm:shape>
+                      <dgm:presOf axis="self"/>
+                      <dgm:constrLst>
+                        <dgm:constr type="begPad"/>
+                        <dgm:constr type="endPad"/>
+                      </dgm:constrLst>
+                      <dgm:ruleLst/>
+                    </dgm:layoutNode>
+                  </dgm:if>
+                  <dgm:if name="Name47" func="var" arg="hierBranch" op="equ" val="hang">
+                    <dgm:layoutNode name="Name48">
+                      <dgm:alg type="conn">
+                        <dgm:param type="connRout" val="bend"/>
+                        <dgm:param type="dim" val="1D"/>
+                        <dgm:param type="endSty" val="noArr"/>
+                        <dgm:param type="begPts" val="bCtr"/>
+                        <dgm:param type="endPts" val="midL midR"/>
+                      </dgm:alg>
+                      <dgm:shape xmlns:r="http://schemas.openxmlformats.org/officeDocument/2006/relationships" type="conn" r:blip="" zOrderOff="-99999">
+                        <dgm:adjLst/>
+                      </dgm:shape>
+                      <dgm:presOf axis="self"/>
+                      <dgm:constrLst>
+                        <dgm:constr type="begPad"/>
+                        <dgm:constr type="endPad"/>
+                      </dgm:constrLst>
+                      <dgm:ruleLst/>
+                    </dgm:layoutNode>
+                  </dgm:if>
+                  <dgm:else name="Name49">
+                    <dgm:layoutNode name="Name50">
+                      <dgm:choose name="Name51">
+                        <dgm:if name="Name52" axis="self" func="depth" op="lte" val="2">
+                          <dgm:choose name="Name53">
+                            <dgm:if name="Name54" axis="par ch" ptType="node asst" func="cnt" op="gte" val="1">
+                              <dgm:alg type="conn">
+                                <dgm:param type="connRout" val="bend"/>
+                                <dgm:param type="dim" val="1D"/>
+                                <dgm:param type="endSty" val="noArr"/>
+                                <dgm:param type="begPts" val="bCtr"/>
+                                <dgm:param type="endPts" val="midL midR"/>
+                              </dgm:alg>
+                            </dgm:if>
+                            <dgm:else name="Name55">
+                              <dgm:alg type="conn">
+                                <dgm:param type="connRout" val="bend"/>
+                                <dgm:param type="dim" val="1D"/>
+                                <dgm:param type="endSty" val="noArr"/>
+                                <dgm:param type="begPts" val="bCtr"/>
+                                <dgm:param type="endPts" val="midL midR"/>
+                                <dgm:param type="srcNode" val="rootConnector1"/>
+                              </dgm:alg>
+                            </dgm:else>
+                          </dgm:choose>
+                        </dgm:if>
+                        <dgm:else name="Name56">
+                          <dgm:choose name="Name57">
+                            <dgm:if name="Name58" axis="par ch" ptType="node asst" func="cnt" op="gte" val="1">
+                              <dgm:alg type="conn">
+                                <dgm:param type="connRout" val="bend"/>
+                                <dgm:param type="dim" val="1D"/>
+                                <dgm:param type="endSty" val="noArr"/>
+                                <dgm:param type="begPts" val="bCtr"/>
+                                <dgm:param type="endPts" val="midL midR"/>
+                              </dgm:alg>
+                            </dgm:if>
+                            <dgm:else name="Name59">
+                              <dgm:alg type="conn">
+                                <dgm:param type="connRout" val="bend"/>
+                                <dgm:param type="dim" val="1D"/>
+                                <dgm:param type="endSty" val="noArr"/>
+                                <dgm:param type="begPts" val="bCtr"/>
+                                <dgm:param type="endPts" val="midL midR"/>
+                                <dgm:param type="srcNode" val="rootConnector"/>
+                              </dgm:alg>
+                            </dgm:else>
+                          </dgm:choose>
+                        </dgm:else>
+                      </dgm:choose>
+                      <dgm:shape xmlns:r="http://schemas.openxmlformats.org/officeDocument/2006/relationships" type="conn" r:blip="" zOrderOff="-99999">
+                        <dgm:adjLst/>
+                      </dgm:shape>
+                      <dgm:presOf axis="self"/>
+                      <dgm:constrLst>
+                        <dgm:constr type="begPad"/>
+                        <dgm:constr type="endPad"/>
+                      </dgm:constrLst>
+                      <dgm:ruleLst/>
+                    </dgm:layoutNode>
+                  </dgm:else>
+                </dgm:choose>
+              </dgm:forEach>
+              <dgm:layoutNode name="hierRoot2">
+                <dgm:varLst>
+                  <dgm:hierBranch val="init"/>
+                </dgm:varLst>
+                <dgm:choose name="Name60">
+                  <dgm:if name="Name61" func="var" arg="hierBranch" op="equ" val="l">
+                    <dgm:choose name="Name62">
+                      <dgm:if name="Name63" axis="ch" ptType="asst" func="cnt" op="gte" val="1">
+                        <dgm:alg type="hierRoot">
+                          <dgm:param type="hierAlign" val="tR"/>
+                        </dgm:alg>
+                        <dgm:shape xmlns:r="http://schemas.openxmlformats.org/officeDocument/2006/relationships" r:blip="">
+                          <dgm:adjLst/>
+                        </dgm:shape>
+                        <dgm:presOf/>
+                        <dgm:constrLst>
+                          <dgm:constr type="alignOff" val="0.65"/>
+                        </dgm:constrLst>
+                      </dgm:if>
+                      <dgm:else name="Name64">
+                        <dgm:alg type="hierRoot">
+                          <dgm:param type="hierAlign" val="tR"/>
+                        </dgm:alg>
+                        <dgm:shape xmlns:r="http://schemas.openxmlformats.org/officeDocument/2006/relationships" r:blip="">
+                          <dgm:adjLst/>
+                        </dgm:shape>
+                        <dgm:presOf/>
+                        <dgm:constrLst>
+                          <dgm:constr type="alignOff" val="0.25"/>
+                        </dgm:constrLst>
+                      </dgm:else>
+                    </dgm:choose>
+                  </dgm:if>
+                  <dgm:if name="Name65" func="var" arg="hierBranch" op="equ" val="r">
+                    <dgm:choose name="Name66">
+                      <dgm:if name="Name67" axis="ch" ptType="asst" func="cnt" op="gte" val="1">
+                        <dgm:alg type="hierRoot">
+                          <dgm:param type="hierAlign" val="tL"/>
+                        </dgm:alg>
+                        <dgm:shape xmlns:r="http://schemas.openxmlformats.org/officeDocument/2006/relationships" r:blip="">
+                          <dgm:adjLst/>
+                        </dgm:shape>
+                        <dgm:presOf/>
+                        <dgm:constrLst>
+                          <dgm:constr type="alignOff" val="0.65"/>
+                        </dgm:constrLst>
+                      </dgm:if>
+                      <dgm:else name="Name68">
+                        <dgm:alg type="hierRoot">
+                          <dgm:param type="hierAlign" val="tL"/>
+                        </dgm:alg>
+                        <dgm:shape xmlns:r="http://schemas.openxmlformats.org/officeDocument/2006/relationships" r:blip="">
+                          <dgm:adjLst/>
+                        </dgm:shape>
+                        <dgm:presOf/>
+                        <dgm:constrLst>
+                          <dgm:constr type="alignOff" val="0.25"/>
+                        </dgm:constrLst>
+                      </dgm:else>
+                    </dgm:choose>
+                  </dgm:if>
+                  <dgm:if name="Name69" func="var" arg="hierBranch" op="equ" val="std">
+                    <dgm:alg type="hierRoot"/>
+                    <dgm:shape xmlns:r="http://schemas.openxmlformats.org/officeDocument/2006/relationships" r:blip="">
+                      <dgm:adjLst/>
+                    </dgm:shape>
+                    <dgm:presOf/>
+                    <dgm:constrLst>
+                      <dgm:constr type="alignOff"/>
+                      <dgm:constr type="bendDist" for="des" ptType="parTrans" refType="sp" fact="0.5"/>
+                    </dgm:constrLst>
+                  </dgm:if>
+                  <dgm:if name="Name70" func="var" arg="hierBranch" op="equ" val="init">
+                    <dgm:choose name="Name71">
+                      <dgm:if name="Name72" axis="des" func="maxDepth" op="lte" val="1">
+                        <dgm:choose name="Name73">
+                          <dgm:if name="Name74" axis="ch" ptType="asst" func="cnt" op="gte" val="1">
+                            <dgm:alg type="hierRoot">
+                              <dgm:param type="hierAlign" val="tL"/>
+                            </dgm:alg>
+                            <dgm:shape xmlns:r="http://schemas.openxmlformats.org/officeDocument/2006/relationships" r:blip="">
+                              <dgm:adjLst/>
+                            </dgm:shape>
+                            <dgm:presOf/>
+                            <dgm:constrLst>
+                              <dgm:constr type="alignOff" val="0.65"/>
+                            </dgm:constrLst>
+                          </dgm:if>
+                          <dgm:else name="Name75">
+                            <dgm:alg type="hierRoot">
+                              <dgm:param type="hierAlign" val="tL"/>
+                            </dgm:alg>
+                            <dgm:shape xmlns:r="http://schemas.openxmlformats.org/officeDocument/2006/relationships" r:blip="">
+                              <dgm:adjLst/>
+                            </dgm:shape>
+                            <dgm:presOf/>
+                            <dgm:constrLst>
+                              <dgm:constr type="alignOff" val="0.25"/>
+                            </dgm:constrLst>
+                          </dgm:else>
+                        </dgm:choose>
+                      </dgm:if>
+                      <dgm:else name="Name76">
+                        <dgm:alg type="hierRoot"/>
+                        <dgm:shape xmlns:r="http://schemas.openxmlformats.org/officeDocument/2006/relationships" r:blip="">
+                          <dgm:adjLst/>
+                        </dgm:shape>
+                        <dgm:presOf/>
+                        <dgm:constrLst>
+                          <dgm:constr type="alignOff"/>
+                          <dgm:constr type="bendDist" for="des" ptType="parTrans" refType="sp" fact="0.5"/>
+                        </dgm:constrLst>
+                      </dgm:else>
+                    </dgm:choose>
+                  </dgm:if>
+                  <dgm:else name="Name77">
+                    <dgm:alg type="hierRoot"/>
+                    <dgm:shape xmlns:r="http://schemas.openxmlformats.org/officeDocument/2006/relationships" r:blip="">
+                      <dgm:adjLst/>
+                    </dgm:shape>
+                    <dgm:presOf/>
+                    <dgm:constrLst>
+                      <dgm:constr type="alignOff" val="0.65"/>
+                    </dgm:constrLst>
+                  </dgm:else>
+                </dgm:choose>
+                <dgm:ruleLst/>
+                <dgm:layoutNode name="rootComposite">
+                  <dgm:alg type="composite"/>
+                  <dgm:shape xmlns:r="http://schemas.openxmlformats.org/officeDocument/2006/relationships" r:blip="">
+                    <dgm:adjLst/>
+                  </dgm:shape>
+                  <dgm:presOf axis="self" ptType="node" cnt="1"/>
+                  <dgm:choose name="Name78">
+                    <dgm:if name="Name79" func="var" arg="hierBranch" op="equ" val="init">
+                      <dgm:constrLst>
+                        <dgm:constr type="l" for="ch" forName="rootText"/>
+                        <dgm:constr type="t" for="ch" forName="rootText"/>
+                        <dgm:constr type="w" for="ch" forName="rootText" refType="w"/>
+                        <dgm:constr type="h" for="ch" forName="rootText" refType="h"/>
+                        <dgm:constr type="l" for="ch" forName="rootConnector"/>
+                        <dgm:constr type="t" for="ch" forName="rootConnector"/>
+                        <dgm:constr type="w" for="ch" forName="rootConnector" refType="w" refFor="ch" refForName="rootText" fact="0.2"/>
+                        <dgm:constr type="h" for="ch" forName="rootConnector" refType="h" refFor="ch" refForName="rootText"/>
+                      </dgm:constrLst>
+                    </dgm:if>
+                    <dgm:if name="Name80" func="var" arg="hierBranch" op="equ" val="l">
+                      <dgm:constrLst>
+                        <dgm:constr type="l" for="ch" forName="rootText"/>
+                        <dgm:constr type="t" for="ch" forName="rootText"/>
+                        <dgm:constr type="w" for="ch" forName="rootText" refType="w"/>
+                        <dgm:constr type="h" for="ch" forName="rootText" refType="h"/>
+                        <dgm:constr type="r" for="ch" forName="rootConnector" refType="w"/>
+                        <dgm:constr type="t" for="ch" forName="rootConnector"/>
+                        <dgm:constr type="w" for="ch" forName="rootConnector" refType="w" refFor="ch" refForName="rootText" fact="0.2"/>
+                        <dgm:constr type="h" for="ch" forName="rootConnector" refType="h" refFor="ch" refForName="rootText"/>
+                      </dgm:constrLst>
+                    </dgm:if>
+                    <dgm:if name="Name81" func="var" arg="hierBranch" op="equ" val="r">
+                      <dgm:constrLst>
+                        <dgm:constr type="l" for="ch" forName="rootText"/>
+                        <dgm:constr type="t" for="ch" forName="rootText"/>
+                        <dgm:constr type="w" for="ch" forName="rootText" refType="w"/>
+                        <dgm:constr type="h" for="ch" forName="rootText" refType="h"/>
+                        <dgm:constr type="l" for="ch" forName="rootConnector"/>
+                        <dgm:constr type="t" for="ch" forName="rootConnector"/>
+                        <dgm:constr type="w" for="ch" forName="rootConnector" refType="w" refFor="ch" refForName="rootText" fact="0.2"/>
+                        <dgm:constr type="h" for="ch" forName="rootConnector" refType="h" refFor="ch" refForName="rootText"/>
+                      </dgm:constrLst>
+                    </dgm:if>
+                    <dgm:else name="Name82">
+                      <dgm:constrLst>
+                        <dgm:constr type="l" for="ch" forName="rootText"/>
+                        <dgm:constr type="t" for="ch" forName="rootText"/>
+                        <dgm:constr type="w" for="ch" forName="rootText" refType="w"/>
+                        <dgm:constr type="h" for="ch" forName="rootText" refType="h"/>
+                        <dgm:constr type="r" for="ch" forName="rootConnector" refType="w"/>
+                        <dgm:constr type="t" for="ch" forName="rootConnector"/>
+                        <dgm:constr type="w" for="ch" forName="rootConnector" refType="w" refFor="ch" refForName="rootText" fact="0.2"/>
+                        <dgm:constr type="h" for="ch" forName="rootConnector" refType="h" refFor="ch" refForName="rootText"/>
+                      </dgm:constrLst>
+                    </dgm:else>
+                  </dgm:choose>
+                  <dgm:ruleLst/>
+                  <dgm:layoutNode name="rootText">
+                    <dgm:varLst>
+                      <dgm:chPref val="3"/>
+                    </dgm:varLst>
+                    <dgm:alg type="tx"/>
+                    <dgm:shape xmlns:r="http://schemas.openxmlformats.org/officeDocument/2006/relationships" type="rect" r:blip="">
+                      <dgm:adjLst/>
+                    </dgm:shape>
+                    <dgm:presOf axis="self" ptType="node" cnt="1"/>
+                    <dgm:constrLst>
+                      <dgm:constr type="primFontSz" val="65"/>
+                      <dgm:constr type="lMarg" refType="primFontSz" fact="0.05"/>
+                      <dgm:constr type="rMarg" refType="primFontSz" fact="0.05"/>
+                      <dgm:constr type="tMarg" refType="primFontSz" fact="0.05"/>
+                      <dgm:constr type="bMarg" refType="primFontSz" fact="0.05"/>
+                    </dgm:constrLst>
+                    <dgm:ruleLst>
+                      <dgm:rule type="primFontSz" val="5" fact="NaN" max="NaN"/>
+                    </dgm:ruleLst>
+                  </dgm:layoutNode>
+                  <dgm:layoutNode name="rootConnector" moveWith="rootText">
+                    <dgm:alg type="sp"/>
+                    <dgm:shape xmlns:r="http://schemas.openxmlformats.org/officeDocument/2006/relationships" type="rect" r:blip="" hideGeom="1">
+                      <dgm:adjLst/>
+                    </dgm:shape>
+                    <dgm:presOf axis="self" ptType="node" cnt="1"/>
+                    <dgm:constrLst/>
+                    <dgm:ruleLst/>
+                  </dgm:layoutNode>
+                </dgm:layoutNode>
+                <dgm:layoutNode name="hierChild4">
+                  <dgm:choose name="Name83">
+                    <dgm:if name="Name84" func="var" arg="hierBranch" op="equ" val="l">
+                      <dgm:alg type="hierChild">
+                        <dgm:param type="chAlign" val="r"/>
+                        <dgm:param type="linDir" val="fromT"/>
+                      </dgm:alg>
+                    </dgm:if>
+                    <dgm:if name="Name85" func="var" arg="hierBranch" op="equ" val="r">
+                      <dgm:alg type="hierChild">
+                        <dgm:param type="chAlign" val="l"/>
+                        <dgm:param type="linDir" val="fromT"/>
+                      </dgm:alg>
+                    </dgm:if>
+                    <dgm:if name="Name86" func="var" arg="hierBranch" op="equ" val="hang">
+                      <dgm:choose name="Name87">
+                        <dgm:if name="Name88" func="var" arg="dir" op="equ" val="norm">
+                          <dgm:alg type="hierChild">
+                            <dgm:param type="chAlign" val="l"/>
+                            <dgm:param type="linDir" val="fromL"/>
+                            <dgm:param type="secChAlign" val="t"/>
+                            <dgm:param type="secLinDir" val="fromT"/>
+                          </dgm:alg>
+                        </dgm:if>
+                        <dgm:else name="Name89">
+                          <dgm:alg type="hierChild">
+                            <dgm:param type="chAlign" val="l"/>
+                            <dgm:param type="linDir" val="fromR"/>
+                            <dgm:param type="secChAlign" val="t"/>
+                            <dgm:param type="secLinDir" val="fromT"/>
+                          </dgm:alg>
+                        </dgm:else>
+                      </dgm:choose>
+                    </dgm:if>
+                    <dgm:if name="Name90" func="var" arg="hierBranch" op="equ" val="std">
+                      <dgm:choose name="Name91">
+                        <dgm:if name="Name92" func="var" arg="dir" op="equ" val="norm">
+                          <dgm:alg type="hierChild"/>
+                        </dgm:if>
+                        <dgm:else name="Name93">
+                          <dgm:alg type="hierChild">
+                            <dgm:param type="linDir" val="fromR"/>
+                          </dgm:alg>
+                        </dgm:else>
+                      </dgm:choose>
+                    </dgm:if>
+                    <dgm:if name="Name94" func="var" arg="hierBranch" op="equ" val="init">
+                      <dgm:choose name="Name95">
+                        <dgm:if name="Name96" axis="des" func="maxDepth" op="lte" val="1">
+                          <dgm:alg type="hierChild">
+                            <dgm:param type="chAlign" val="l"/>
+                            <dgm:param type="linDir" val="fromT"/>
+                          </dgm:alg>
+                        </dgm:if>
+                        <dgm:else name="Name97">
+                          <dgm:choose name="Name98">
+                            <dgm:if name="Name99" func="var" arg="dir" op="equ" val="norm">
+                              <dgm:alg type="hierChild"/>
+                            </dgm:if>
+                            <dgm:else name="Name100">
+                              <dgm:alg type="hierChild">
+                                <dgm:param type="linDir" val="fromR"/>
+                              </dgm:alg>
+                            </dgm:else>
+                          </dgm:choose>
+                        </dgm:else>
+                      </dgm:choose>
+                    </dgm:if>
+                    <dgm:else name="Name101"/>
+                  </dgm:choose>
+                  <dgm:shape xmlns:r="http://schemas.openxmlformats.org/officeDocument/2006/relationships" r:blip="">
+                    <dgm:adjLst/>
+                  </dgm:shape>
+                  <dgm:presOf/>
+                  <dgm:constrLst/>
+                  <dgm:ruleLst/>
+                  <dgm:forEach name="Name102" ref="rep2a"/>
+                </dgm:layoutNode>
+                <dgm:layoutNode name="hierChild5">
+                  <dgm:choose name="Name103">
+                    <dgm:if name="Name104" func="var" arg="dir" op="equ" val="norm">
+                      <dgm:alg type="hierChild">
+                        <dgm:param type="chAlign" val="l"/>
+                        <dgm:param type="linDir" val="fromL"/>
+                        <dgm:param type="secChAlign" val="t"/>
+                        <dgm:param type="secLinDir" val="fromT"/>
+                      </dgm:alg>
+                    </dgm:if>
+                    <dgm:else name="Name105">
+                      <dgm:alg type="hierChild">
+                        <dgm:param type="chAlign" val="l"/>
+                        <dgm:param type="linDir" val="fromR"/>
+                        <dgm:param type="secChAlign" val="t"/>
+                        <dgm:param type="secLinDir" val="fromT"/>
+                      </dgm:alg>
+                    </dgm:else>
+                  </dgm:choose>
+                  <dgm:shape xmlns:r="http://schemas.openxmlformats.org/officeDocument/2006/relationships" r:blip="">
+                    <dgm:adjLst/>
+                  </dgm:shape>
+                  <dgm:presOf/>
+                  <dgm:constrLst/>
+                  <dgm:ruleLst/>
+                  <dgm:forEach name="Name106" ref="rep2b"/>
+                </dgm:layoutNode>
+              </dgm:layoutNode>
+            </dgm:forEach>
+          </dgm:layoutNode>
+          <dgm:layoutNode name="hierChild3">
+            <dgm:choose name="Name107">
+              <dgm:if name="Name108" func="var" arg="dir" op="equ" val="norm">
+                <dgm:alg type="hierChild">
+                  <dgm:param type="chAlign" val="l"/>
+                  <dgm:param type="linDir" val="fromL"/>
+                  <dgm:param type="secChAlign" val="t"/>
+                  <dgm:param type="secLinDir" val="fromT"/>
+                </dgm:alg>
+              </dgm:if>
+              <dgm:else name="Name109">
+                <dgm:alg type="hierChild">
+                  <dgm:param type="chAlign" val="l"/>
+                  <dgm:param type="linDir" val="fromR"/>
+                  <dgm:param type="secChAlign" val="t"/>
+                  <dgm:param type="secLinDir" val="fromT"/>
+                </dgm:alg>
+              </dgm:else>
+            </dgm:choose>
+            <dgm:shape xmlns:r="http://schemas.openxmlformats.org/officeDocument/2006/relationships" r:blip="">
+              <dgm:adjLst/>
+            </dgm:shape>
+            <dgm:presOf/>
+            <dgm:constrLst/>
+            <dgm:ruleLst/>
+            <dgm:forEach name="rep2b" axis="ch" ptType="asst">
+              <dgm:forEach name="Name110" axis="precedSib" ptType="parTrans" st="-1" cnt="1">
+                <dgm:layoutNode name="Name111">
+                  <dgm:alg type="conn">
+                    <dgm:param type="connRout" val="bend"/>
+                    <dgm:param type="dim" val="1D"/>
+                    <dgm:param type="endSty" val="noArr"/>
+                    <dgm:param type="begPts" val="bCtr"/>
+                    <dgm:param type="endPts" val="midL midR"/>
+                  </dgm:alg>
+                  <dgm:shape xmlns:r="http://schemas.openxmlformats.org/officeDocument/2006/relationships" type="conn" r:blip="" zOrderOff="-99999">
+                    <dgm:adjLst/>
+                  </dgm:shape>
+                  <dgm:presOf axis="self"/>
+                  <dgm:constrLst>
+                    <dgm:constr type="begPad"/>
+                    <dgm:constr type="endPad"/>
+                  </dgm:constrLst>
+                  <dgm:ruleLst/>
+                </dgm:layoutNode>
+              </dgm:forEach>
+              <dgm:layoutNode name="hierRoot3">
+                <dgm:varLst>
+                  <dgm:hierBranch val="init"/>
+                </dgm:varLst>
+                <dgm:choose name="Name112">
+                  <dgm:if name="Name113" func="var" arg="hierBranch" op="equ" val="l">
+                    <dgm:alg type="hierRoot">
+                      <dgm:param type="hierAlign" val="tR"/>
+                    </dgm:alg>
+                    <dgm:shape xmlns:r="http://schemas.openxmlformats.org/officeDocument/2006/relationships" r:blip="">
+                      <dgm:adjLst/>
+                    </dgm:shape>
+                    <dgm:presOf/>
+                    <dgm:constrLst>
+                      <dgm:constr type="alignOff" val="0.65"/>
+                    </dgm:constrLst>
+                  </dgm:if>
+                  <dgm:if name="Name114" func="var" arg="hierBranch" op="equ" val="r">
+                    <dgm:alg type="hierRoot">
+                      <dgm:param type="hierAlign" val="tL"/>
+                    </dgm:alg>
+                    <dgm:shape xmlns:r="http://schemas.openxmlformats.org/officeDocument/2006/relationships" r:blip="">
+                      <dgm:adjLst/>
+                    </dgm:shape>
+                    <dgm:presOf/>
+                    <dgm:constrLst>
+                      <dgm:constr type="alignOff" val="0.65"/>
+                    </dgm:constrLst>
+                  </dgm:if>
+                  <dgm:if name="Name115" func="var" arg="hierBranch" op="equ" val="hang">
+                    <dgm:alg type="hierRoot"/>
+                    <dgm:shape xmlns:r="http://schemas.openxmlformats.org/officeDocument/2006/relationships" r:blip="">
+                      <dgm:adjLst/>
+                    </dgm:shape>
+                    <dgm:presOf/>
+                    <dgm:constrLst>
+                      <dgm:constr type="alignOff" val="0.65"/>
+                    </dgm:constrLst>
+                  </dgm:if>
+                  <dgm:if name="Name116" func="var" arg="hierBranch" op="equ" val="std">
+                    <dgm:alg type="hierRoot"/>
+                    <dgm:shape xmlns:r="http://schemas.openxmlformats.org/officeDocument/2006/relationships" r:blip="">
+                      <dgm:adjLst/>
+                    </dgm:shape>
+                    <dgm:presOf/>
+                    <dgm:constrLst>
+                      <dgm:constr type="alignOff"/>
+                      <dgm:constr type="bendDist" for="des" ptType="parTrans" refType="sp" fact="0.5"/>
+                    </dgm:constrLst>
+                  </dgm:if>
+                  <dgm:if name="Name117" func="var" arg="hierBranch" op="equ" val="init">
+                    <dgm:choose name="Name118">
+                      <dgm:if name="Name119" axis="des" func="maxDepth" op="lte" val="1">
+                        <dgm:alg type="hierRoot">
+                          <dgm:param type="hierAlign" val="tL"/>
+                        </dgm:alg>
+                        <dgm:shape xmlns:r="http://schemas.openxmlformats.org/officeDocument/2006/relationships" r:blip="">
+                          <dgm:adjLst/>
+                        </dgm:shape>
+                        <dgm:presOf/>
+                        <dgm:constrLst>
+                          <dgm:constr type="alignOff" val="0.65"/>
+                        </dgm:constrLst>
+                      </dgm:if>
+                      <dgm:else name="Name120">
+                        <dgm:alg type="hierRoot"/>
+                        <dgm:shape xmlns:r="http://schemas.openxmlformats.org/officeDocument/2006/relationships" r:blip="">
+                          <dgm:adjLst/>
+                        </dgm:shape>
+                        <dgm:presOf/>
+                        <dgm:constrLst>
+                          <dgm:constr type="alignOff"/>
+                          <dgm:constr type="bendDist" for="des" ptType="parTrans" refType="sp" fact="0.5"/>
+                        </dgm:constrLst>
+                      </dgm:else>
+                    </dgm:choose>
+                  </dgm:if>
+                  <dgm:else name="Name121"/>
+                </dgm:choose>
+                <dgm:ruleLst/>
+                <dgm:layoutNode name="rootComposite3">
+                  <dgm:alg type="composite"/>
+                  <dgm:shape xmlns:r="http://schemas.openxmlformats.org/officeDocument/2006/relationships" r:blip="">
+                    <dgm:adjLst/>
+                  </dgm:shape>
+                  <dgm:presOf axis="self" ptType="node" cnt="1"/>
+                  <dgm:choose name="Name122">
+                    <dgm:if name="Name123" func="var" arg="hierBranch" op="equ" val="init">
+                      <dgm:constrLst>
+                        <dgm:constr type="l" for="ch" forName="rootText3"/>
+                        <dgm:constr type="t" for="ch" forName="rootText3"/>
+                        <dgm:constr type="w" for="ch" forName="rootText3" refType="w"/>
+                        <dgm:constr type="h" for="ch" forName="rootText3" refType="h"/>
+                        <dgm:constr type="l" for="ch" forName="rootConnector3"/>
+                        <dgm:constr type="t" for="ch" forName="rootConnector3"/>
+                        <dgm:constr type="w" for="ch" forName="rootConnector3" refType="w" refFor="ch" refForName="rootText3" fact="0.2"/>
+                        <dgm:constr type="h" for="ch" forName="rootConnector3" refType="h" refFor="ch" refForName="rootText3"/>
+                      </dgm:constrLst>
+                    </dgm:if>
+                    <dgm:if name="Name124" func="var" arg="hierBranch" op="equ" val="l">
+                      <dgm:constrLst>
+                        <dgm:constr type="l" for="ch" forName="rootText3"/>
+                        <dgm:constr type="t" for="ch" forName="rootText3"/>
+                        <dgm:constr type="w" for="ch" forName="rootText3" refType="w"/>
+                        <dgm:constr type="h" for="ch" forName="rootText3" refType="h"/>
+                        <dgm:constr type="r" for="ch" forName="rootConnector3" refType="w"/>
+                        <dgm:constr type="t" for="ch" forName="rootConnector3"/>
+                        <dgm:constr type="w" for="ch" forName="rootConnector3" refType="w" refFor="ch" refForName="rootText3" fact="0.2"/>
+                        <dgm:constr type="h" for="ch" forName="rootConnector3" refType="h" refFor="ch" refForName="rootText3"/>
+                      </dgm:constrLst>
+                    </dgm:if>
+                    <dgm:if name="Name125" func="var" arg="hierBranch" op="equ" val="r">
+                      <dgm:constrLst>
+                        <dgm:constr type="l" for="ch" forName="rootText3"/>
+                        <dgm:constr type="t" for="ch" forName="rootText3"/>
+                        <dgm:constr type="w" for="ch" forName="rootText3" refType="w"/>
+                        <dgm:constr type="h" for="ch" forName="rootText3" refType="h"/>
+                        <dgm:constr type="l" for="ch" forName="rootConnector3"/>
+                        <dgm:constr type="t" for="ch" forName="rootConnector3"/>
+                        <dgm:constr type="w" for="ch" forName="rootConnector3" refType="w" refFor="ch" refForName="rootText3" fact="0.2"/>
+                        <dgm:constr type="h" for="ch" forName="rootConnector3" refType="h" refFor="ch" refForName="rootText3"/>
+                      </dgm:constrLst>
+                    </dgm:if>
+                    <dgm:else name="Name126">
+                      <dgm:constrLst>
+                        <dgm:constr type="l" for="ch" forName="rootText3"/>
+                        <dgm:constr type="t" for="ch" forName="rootText3"/>
+                        <dgm:constr type="w" for="ch" forName="rootText3" refType="w"/>
+                        <dgm:constr type="h" for="ch" forName="rootText3" refType="h"/>
+                        <dgm:constr type="r" for="ch" forName="rootConnector3" refType="w"/>
+                        <dgm:constr type="t" for="ch" forName="rootConnector3"/>
+                        <dgm:constr type="w" for="ch" forName="rootConnector3" refType="w" refFor="ch" refForName="rootText3" fact="0.2"/>
+                        <dgm:constr type="h" for="ch" forName="rootConnector3" refType="h" refFor="ch" refForName="rootText3"/>
+                      </dgm:constrLst>
+                    </dgm:else>
+                  </dgm:choose>
+                  <dgm:ruleLst/>
+                  <dgm:layoutNode name="rootText3">
+                    <dgm:varLst>
+                      <dgm:chPref val="3"/>
+                    </dgm:varLst>
+                    <dgm:alg type="tx"/>
+                    <dgm:shape xmlns:r="http://schemas.openxmlformats.org/officeDocument/2006/relationships" type="rect" r:blip="">
+                      <dgm:adjLst/>
+                    </dgm:shape>
+                    <dgm:presOf axis="self" ptType="node" cnt="1"/>
+                    <dgm:constrLst>
+                      <dgm:constr type="primFontSz" val="65"/>
+                      <dgm:constr type="lMarg" refType="primFontSz" fact="0.05"/>
+                      <dgm:constr type="rMarg" refType="primFontSz" fact="0.05"/>
+                      <dgm:constr type="tMarg" refType="primFontSz" fact="0.05"/>
+                      <dgm:constr type="bMarg" refType="primFontSz" fact="0.05"/>
+                    </dgm:constrLst>
+                    <dgm:ruleLst>
+                      <dgm:rule type="primFontSz" val="5" fact="NaN" max="NaN"/>
+                    </dgm:ruleLst>
+                  </dgm:layoutNode>
+                  <dgm:layoutNode name="rootConnector3" moveWith="rootText1">
+                    <dgm:alg type="sp"/>
+                    <dgm:shape xmlns:r="http://schemas.openxmlformats.org/officeDocument/2006/relationships" type="rect" r:blip="" hideGeom="1">
+                      <dgm:adjLst/>
+                    </dgm:shape>
+                    <dgm:presOf axis="self" ptType="node" cnt="1"/>
+                    <dgm:constrLst/>
+                    <dgm:ruleLst/>
+                  </dgm:layoutNode>
+                </dgm:layoutNode>
+                <dgm:layoutNode name="hierChild6">
+                  <dgm:choose name="Name127">
+                    <dgm:if name="Name128" func="var" arg="hierBranch" op="equ" val="l">
+                      <dgm:alg type="hierChild">
+                        <dgm:param type="chAlign" val="r"/>
+                        <dgm:param type="linDir" val="fromT"/>
+                      </dgm:alg>
+                    </dgm:if>
+                    <dgm:if name="Name129" func="var" arg="hierBranch" op="equ" val="r">
+                      <dgm:alg type="hierChild">
+                        <dgm:param type="chAlign" val="l"/>
+                        <dgm:param type="linDir" val="fromT"/>
+                      </dgm:alg>
+                    </dgm:if>
+                    <dgm:if name="Name130" func="var" arg="hierBranch" op="equ" val="hang">
+                      <dgm:choose name="Name131">
+                        <dgm:if name="Name132" func="var" arg="dir" op="equ" val="norm">
+                          <dgm:alg type="hierChild">
+                            <dgm:param type="chAlign" val="l"/>
+                            <dgm:param type="linDir" val="fromL"/>
+                            <dgm:param type="secChAlign" val="t"/>
+                            <dgm:param type="secLinDir" val="fromT"/>
+                          </dgm:alg>
+                        </dgm:if>
+                        <dgm:else name="Name133">
+                          <dgm:alg type="hierChild">
+                            <dgm:param type="chAlign" val="l"/>
+                            <dgm:param type="linDir" val="fromR"/>
+                            <dgm:param type="secChAlign" val="t"/>
+                            <dgm:param type="secLinDir" val="fromT"/>
+                          </dgm:alg>
+                        </dgm:else>
+                      </dgm:choose>
+                    </dgm:if>
+                    <dgm:if name="Name134" func="var" arg="hierBranch" op="equ" val="std">
+                      <dgm:choose name="Name135">
+                        <dgm:if name="Name136" func="var" arg="dir" op="equ" val="norm">
+                          <dgm:alg type="hierChild"/>
+                        </dgm:if>
+                        <dgm:else name="Name137">
+                          <dgm:alg type="hierChild">
+                            <dgm:param type="linDir" val="fromR"/>
+                          </dgm:alg>
+                        </dgm:else>
+                      </dgm:choose>
+                    </dgm:if>
+                    <dgm:if name="Name138" func="var" arg="hierBranch" op="equ" val="init">
+                      <dgm:choose name="Name139">
+                        <dgm:if name="Name140" axis="des" func="maxDepth" op="lte" val="1">
+                          <dgm:alg type="hierChild">
+                            <dgm:param type="chAlign" val="l"/>
+                            <dgm:param type="linDir" val="fromT"/>
+                          </dgm:alg>
+                        </dgm:if>
+                        <dgm:else name="Name141">
+                          <dgm:alg type="hierChild"/>
+                        </dgm:else>
+                      </dgm:choose>
+                    </dgm:if>
+                    <dgm:else name="Name142"/>
+                  </dgm:choose>
+                  <dgm:shape xmlns:r="http://schemas.openxmlformats.org/officeDocument/2006/relationships" r:blip="">
+                    <dgm:adjLst/>
+                  </dgm:shape>
+                  <dgm:presOf/>
+                  <dgm:constrLst/>
+                  <dgm:ruleLst/>
+                  <dgm:forEach name="Name143" ref="rep2a"/>
+                </dgm:layoutNode>
+                <dgm:layoutNode name="hierChild7">
+                  <dgm:choose name="Name144">
+                    <dgm:if name="Name145" func="var" arg="dir" op="equ" val="norm">
+                      <dgm:alg type="hierChild">
+                        <dgm:param type="chAlign" val="l"/>
+                        <dgm:param type="linDir" val="fromL"/>
+                        <dgm:param type="secChAlign" val="t"/>
+                        <dgm:param type="secLinDir" val="fromT"/>
+                      </dgm:alg>
+                    </dgm:if>
+                    <dgm:else name="Name146">
+                      <dgm:alg type="hierChild">
+                        <dgm:param type="chAlign" val="l"/>
+                        <dgm:param type="linDir" val="fromR"/>
+                        <dgm:param type="secChAlign" val="t"/>
+                        <dgm:param type="secLinDir" val="fromT"/>
+                      </dgm:alg>
+                    </dgm:else>
+                  </dgm:choose>
+                  <dgm:shape xmlns:r="http://schemas.openxmlformats.org/officeDocument/2006/relationships" r:blip="">
+                    <dgm:adjLst/>
+                  </dgm:shape>
+                  <dgm:presOf/>
+                  <dgm:constrLst/>
+                  <dgm:ruleLst/>
+                  <dgm:forEach name="Name147" ref="rep2b"/>
+                </dgm:layoutNode>
+              </dgm:layoutNode>
+            </dgm:forEach>
+          </dgm:layoutNode>
+        </dgm:layoutNode>
+      </dgm:forEach>
+    </dgm:forEach>
+  </dgm:layoutNode>
+</dgm:layoutDef>
+</file>
+
 <file path=ppt/diagrams/quickStyle1.xml><?xml version="1.0" encoding="utf-8"?>
+<dgm:styleDef xmlns:dgm="http://schemas.openxmlformats.org/drawingml/2006/diagram" xmlns:a="http://schemas.openxmlformats.org/drawingml/2006/main" uniqueId="urn:microsoft.com/office/officeart/2005/8/quickstyle/simple1">
+  <dgm:title val=""/>
+  <dgm:desc val=""/>
+  <dgm:catLst>
+    <dgm:cat type="simple" pri="10100"/>
+  </dgm:catLst>
+  <dgm:scene3d>
+    <a:camera prst="orthographicFront"/>
+    <a:lightRig rig="threePt" dir="t"/>
+  </dgm:scene3d>
+  <dgm:styleLbl name="node0">
+    <dgm:scene3d>
+      <a:camera prst="orthographicFront"/>
+      <a:lightRig rig="threePt" dir="t"/>
+    </dgm:scene3d>
+    <dgm:sp3d/>
+    <dgm:txPr/>
+    <dgm:style>
+      <a:lnRef idx="2">
+        <a:scrgbClr r="0" g="0" b="0"/>
+      </a:lnRef>
+      <a:fillRef idx="1">
+        <a:scrgbClr r="0" g="0" b="0"/>
+      </a:fillRef>
+      <a:effectRef idx="0">
+        <a:scrgbClr r="0" g="0" b="0"/>
+      </a:effectRef>
+      <a:fontRef idx="minor">
+        <a:schemeClr val="lt1"/>
+      </a:fontRef>
+    </dgm:style>
+  </dgm:styleLbl>
+  <dgm:styleLbl name="lnNode1">
+    <dgm:scene3d>
+      <a:camera prst="orthographicFront"/>
+      <a:lightRig rig="threePt" dir="t"/>
+    </dgm:scene3d>
+    <dgm:sp3d/>
+    <dgm:txPr/>
+    <dgm:style>
+      <a:lnRef idx="2">
+        <a:scrgbClr r="0" g="0" b="0"/>
+      </a:lnRef>
+      <a:fillRef idx="1">
+        <a:scrgbClr r="0" g="0" b="0"/>
+      </a:fillRef>
+      <a:effectRef idx="0">
+        <a:scrgbClr r="0" g="0" b="0"/>
+      </a:effectRef>
+      <a:fontRef idx="minor">
+        <a:schemeClr val="lt1"/>
+      </a:fontRef>
+    </dgm:style>
+  </dgm:styleLbl>
+  <dgm:styleLbl name="vennNode1">
+    <dgm:scene3d>
+      <a:camera prst="orthographicFront"/>
+      <a:lightRig rig="threePt" dir="t"/>
+    </dgm:scene3d>
+    <dgm:sp3d/>
+    <dgm:txPr/>
+    <dgm:style>
+      <a:lnRef idx="2">
+        <a:scrgbClr r="0" g="0" b="0"/>
+      </a:lnRef>
+      <a:fillRef idx="1">
+        <a:scrgbClr r="0" g="0" b="0"/>
+      </a:fillRef>
+      <a:effectRef idx="0">
+        <a:scrgbClr r="0" g="0" b="0"/>
+      </a:effectRef>
+      <a:fontRef idx="minor">
+        <a:schemeClr val="tx1"/>
+      </a:fontRef>
+    </dgm:style>
+  </dgm:styleLbl>
+  <dgm:styleLbl name="alignNode1">
+    <dgm:scene3d>
+      <a:camera prst="orthographicFront"/>
+      <a:lightRig rig="threePt" dir="t"/>
+    </dgm:scene3d>
+    <dgm:sp3d/>
+    <dgm:txPr/>
+    <dgm:style>
+      <a:lnRef idx="2">
+        <a:scrgbClr r="0" g="0" b="0"/>
+      </a:lnRef>
+      <a:fillRef idx="1">
+        <a:scrgbClr r="0" g="0" b="0"/>
+      </a:fillRef>
+      <a:effectRef idx="0">
+        <a:scrgbClr r="0" g="0" b="0"/>
+      </a:effectRef>
+      <a:fontRef idx="minor">
+        <a:schemeClr val="lt1"/>
+      </a:fontRef>
+    </dgm:style>
+  </dgm:styleLbl>
+  <dgm:styleLbl name="node1">
+    <dgm:scene3d>
+      <a:camera prst="orthographicFront"/>
+      <a:lightRig rig="threePt" dir="t"/>
+    </dgm:scene3d>
+    <dgm:sp3d/>
+    <dgm:txPr/>
+    <dgm:style>
+      <a:lnRef idx="2">
+        <a:scrgbClr r="0" g="0" b="0"/>
+      </a:lnRef>
+      <a:fillRef idx="1">
+        <a:scrgbClr r="0" g="0" b="0"/>
+      </a:fillRef>
+      <a:effectRef idx="0">
+        <a:scrgbClr r="0" g="0" b="0"/>
+      </a:effectRef>
+      <a:fontRef idx="minor">
+        <a:schemeClr val="lt1"/>
+      </a:fontRef>
+    </dgm:style>
+  </dgm:styleLbl>
+  <dgm:styleLbl name="node2">
+    <dgm:scene3d>
+      <a:camera prst="orthographicFront"/>
+      <a:lightRig rig="threePt" dir="t"/>
+    </dgm:scene3d>
+    <dgm:sp3d/>
+    <dgm:txPr/>
+    <dgm:style>
+      <a:lnRef idx="2">
+        <a:scrgbClr r="0" g="0" b="0"/>
+      </a:lnRef>
+      <a:fillRef idx="1">
+        <a:scrgbClr r="0" g="0" b="0"/>
+      </a:fillRef>
+      <a:effectRef idx="0">
+        <a:scrgbClr r="0" g="0" b="0"/>
+      </a:effectRef>
+      <a:fontRef idx="minor">
+        <a:schemeClr val="lt1"/>
+      </a:fontRef>
+    </dgm:style>
+  </dgm:styleLbl>
+  <dgm:styleLbl name="node3">
+    <dgm:scene3d>
+      <a:camera prst="orthographicFront"/>
+      <a:lightRig rig="threePt" dir="t"/>
+    </dgm:scene3d>
+    <dgm:sp3d/>
+    <dgm:txPr/>
+    <dgm:style>
+      <a:lnRef idx="2">
+        <a:scrgbClr r="0" g="0" b="0"/>
+      </a:lnRef>
+      <a:fillRef idx="1">
+        <a:scrgbClr r="0" g="0" b="0"/>
+      </a:fillRef>
+      <a:effectRef idx="0">
+        <a:scrgbClr r="0" g="0" b="0"/>
+      </a:effectRef>
+      <a:fontRef idx="minor">
+        <a:schemeClr val="lt1"/>
+      </a:fontRef>
+    </dgm:style>
+  </dgm:styleLbl>
+  <dgm:styleLbl name="node4">
+    <dgm:scene3d>
+      <a:camera prst="orthographicFront"/>
+      <a:lightRig rig="threePt" dir="t"/>
+    </dgm:scene3d>
+    <dgm:sp3d/>
+    <dgm:txPr/>
+    <dgm:style>
+      <a:lnRef idx="2">
+        <a:scrgbClr r="0" g="0" b="0"/>
+      </a:lnRef>
+      <a:fillRef idx="1">
+        <a:scrgbClr r="0" g="0" b="0"/>
+      </a:fillRef>
+      <a:effectRef idx="0">
+        <a:scrgbClr r="0" g="0" b="0"/>
+      </a:effectRef>
+      <a:fontRef idx="minor">
+        <a:schemeClr val="lt1"/>
+      </a:fontRef>
+    </dgm:style>
+  </dgm:styleLbl>
+  <dgm:styleLbl name="fgImgPlace1">
+    <dgm:scene3d>
+      <a:camera prst="orthographicFront"/>
+      <a:lightRig rig="threePt" dir="t"/>
+    </dgm:scene3d>
+    <dgm:sp3d/>
+    <dgm:txPr/>
+    <dgm:style>
+      <a:lnRef idx="2">
+        <a:scrgbClr r="0" g="0" b="0"/>
+      </a:lnRef>
+      <a:fillRef idx="1">
+        <a:scrgbClr r="0" g="0" b="0"/>
+      </a:fillRef>
+      <a:effectRef idx="0">
+        <a:scrgbClr r="0" g="0" b="0"/>
+      </a:effectRef>
+      <a:fontRef idx="minor"/>
+    </dgm:style>
+  </dgm:styleLbl>
+  <dgm:styleLbl name="alignImgPlace1">
+    <dgm:scene3d>
+      <a:camera prst="orthographicFront"/>
+      <a:lightRig rig="threePt" dir="t"/>
+    </dgm:scene3d>
+    <dgm:sp3d/>
+    <dgm:txPr/>
+    <dgm:style>
+      <a:lnRef idx="2">
+        <a:scrgbClr r="0" g="0" b="0"/>
+      </a:lnRef>
+      <a:fillRef idx="1">
+        <a:scrgbClr r="0" g="0" b="0"/>
+      </a:fillRef>
+      <a:effectRef idx="0">
+        <a:scrgbClr r="0" g="0" b="0"/>
+      </a:effectRef>
+      <a:fontRef idx="minor"/>
+    </dgm:style>
+  </dgm:styleLbl>
+  <dgm:styleLbl name="bgImgPlace1">
+    <dgm:scene3d>
+      <a:camera prst="orthographicFront"/>
+      <a:lightRig rig="threePt" dir="t"/>
+    </dgm:scene3d>
+    <dgm:sp3d/>
+    <dgm:txPr/>
+    <dgm:style>
+      <a:lnRef idx="2">
+        <a:scrgbClr r="0" g="0" b="0"/>
+      </a:lnRef>
+      <a:fillRef idx="1">
+        <a:scrgbClr r="0" g="0" b="0"/>
+      </a:fillRef>
+      <a:effectRef idx="0">
+        <a:scrgbClr r="0" g="0" b="0"/>
+      </a:effectRef>
+      <a:fontRef idx="minor"/>
+    </dgm:style>
+  </dgm:styleLbl>
+  <dgm:styleLbl name="sibTrans2D1">
+    <dgm:scene3d>
+      <a:camera prst="orthographicFront"/>
+      <a:lightRig rig="threePt" dir="t"/>
+    </dgm:scene3d>
+    <dgm:sp3d/>
+    <dgm:txPr/>
+    <dgm:style>
+      <a:lnRef idx="0">
+        <a:scrgbClr r="0" g="0" b="0"/>
+      </a:lnRef>
+      <a:fillRef idx="1">
+        <a:scrgbClr r="0" g="0" b="0"/>
+      </a:fillRef>
+      <a:effectRef idx="0">
+        <a:scrgbClr r="0" g="0" b="0"/>
+      </a:effectRef>
+      <a:fontRef idx="minor">
+        <a:schemeClr val="lt1"/>
+      </a:fontRef>
+    </dgm:style>
+  </dgm:styleLbl>
+  <dgm:styleLbl name="fgSibTrans2D1">
+    <dgm:scene3d>
+      <a:camera prst="orthographicFront"/>
+      <a:lightRig rig="threePt" dir="t"/>
+    </dgm:scene3d>
+    <dgm:sp3d/>
+    <dgm:txPr/>
+    <dgm:style>
+      <a:lnRef idx="0">
+        <a:scrgbClr r="0" g="0" b="0"/>
+      </a:lnRef>
+      <a:fillRef idx="1">
+        <a:scrgbClr r="0" g="0" b="0"/>
+      </a:fillRef>
+      <a:effectRef idx="0">
+        <a:scrgbClr r="0" g="0" b="0"/>
+      </a:effectRef>
+      <a:fontRef idx="minor">
+        <a:schemeClr val="lt1"/>
+      </a:fontRef>
+    </dgm:style>
+  </dgm:styleLbl>
+  <dgm:styleLbl name="bgSibTrans2D1">
+    <dgm:scene3d>
+      <a:camera prst="orthographicFront"/>
+      <a:lightRig rig="threePt" dir="t"/>
+    </dgm:scene3d>
+    <dgm:sp3d/>
+    <dgm:txPr/>
+    <dgm:style>
+      <a:lnRef idx="0">
+        <a:scrgbClr r="0" g="0" b="0"/>
+      </a:lnRef>
+      <a:fillRef idx="1">
+        <a:scrgbClr r="0" g="0" b="0"/>
+      </a:fillRef>
+      <a:effectRef idx="0">
+        <a:scrgbClr r="0" g="0" b="0"/>
+      </a:effectRef>
+      <a:fontRef idx="minor">
+        <a:schemeClr val="lt1"/>
+      </a:fontRef>
+    </dgm:style>
+  </dgm:styleLbl>
+  <dgm:styleLbl name="sibTrans1D1">
+    <dgm:scene3d>
+      <a:camera prst="orthographicFront"/>
+      <a:lightRig rig="threePt" dir="t"/>
+    </dgm:scene3d>
+    <dgm:sp3d/>
+    <dgm:txPr/>
+    <dgm:style>
+      <a:lnRef idx="1">
+        <a:scrgbClr r="0" g="0" b="0"/>
+      </a:lnRef>
+      <a:fillRef idx="0">
+        <a:scrgbClr r="0" g="0" b="0"/>
+      </a:fillRef>
+      <a:effectRef idx="0">
+        <a:scrgbClr r="0" g="0" b="0"/>
+      </a:effectRef>
+      <a:fontRef idx="minor"/>
+    </dgm:style>
+  </dgm:styleLbl>
+  <dgm:styleLbl name="callout">
+    <dgm:scene3d>
+      <a:camera prst="orthographicFront"/>
+      <a:lightRig rig="threePt" dir="t"/>
+    </dgm:scene3d>
+    <dgm:sp3d/>
+    <dgm:txPr/>
+    <dgm:style>
+      <a:lnRef idx="2">
+        <a:scrgbClr r="0" g="0" b="0"/>
+      </a:lnRef>
+      <a:fillRef idx="1">
+        <a:scrgbClr r="0" g="0" b="0"/>
+      </a:fillRef>
+      <a:effectRef idx="0">
+        <a:scrgbClr r="0" g="0" b="0"/>
+      </a:effectRef>
+      <a:fontRef idx="minor"/>
+    </dgm:style>
+  </dgm:styleLbl>
+  <dgm:styleLbl name="asst0">
+    <dgm:scene3d>
+      <a:camera prst="orthographicFront"/>
+      <a:lightRig rig="threePt" dir="t"/>
+    </dgm:scene3d>
+    <dgm:sp3d/>
+    <dgm:txPr/>
+    <dgm:style>
+      <a:lnRef idx="2">
+        <a:scrgbClr r="0" g="0" b="0"/>
+      </a:lnRef>
+      <a:fillRef idx="1">
+        <a:scrgbClr r="0" g="0" b="0"/>
+      </a:fillRef>
+      <a:effectRef idx="0">
+        <a:scrgbClr r="0" g="0" b="0"/>
+      </a:effectRef>
+      <a:fontRef idx="minor">
+        <a:schemeClr val="lt1"/>
+      </a:fontRef>
+    </dgm:style>
+  </dgm:styleLbl>
+  <dgm:styleLbl name="asst1">
+    <dgm:scene3d>
+      <a:camera prst="orthographicFront"/>
+      <a:lightRig rig="threePt" dir="t"/>
+    </dgm:scene3d>
+    <dgm:sp3d/>
+    <dgm:txPr/>
+    <dgm:style>
+      <a:lnRef idx="2">
+        <a:scrgbClr r="0" g="0" b="0"/>
+      </a:lnRef>
+      <a:fillRef idx="1">
+        <a:scrgbClr r="0" g="0" b="0"/>
+      </a:fillRef>
+      <a:effectRef idx="0">
+        <a:scrgbClr r="0" g="0" b="0"/>
+      </a:effectRef>
+      <a:fontRef idx="minor">
+        <a:schemeClr val="lt1"/>
+      </a:fontRef>
+    </dgm:style>
+  </dgm:styleLbl>
+  <dgm:styleLbl name="asst2">
+    <dgm:scene3d>
+      <a:camera prst="orthographicFront"/>
+      <a:lightRig rig="threePt" dir="t"/>
+    </dgm:scene3d>
+    <dgm:sp3d/>
+    <dgm:txPr/>
+    <dgm:style>
+      <a:lnRef idx="2">
+        <a:scrgbClr r="0" g="0" b="0"/>
+      </a:lnRef>
+      <a:fillRef idx="1">
+        <a:scrgbClr r="0" g="0" b="0"/>
+      </a:fillRef>
+      <a:effectRef idx="0">
+        <a:scrgbClr r="0" g="0" b="0"/>
+      </a:effectRef>
+      <a:fontRef idx="minor">
+        <a:schemeClr val="lt1"/>
+      </a:fontRef>
+    </dgm:style>
+  </dgm:styleLbl>
+  <dgm:styleLbl name="asst3">
+    <dgm:scene3d>
+      <a:camera prst="orthographicFront"/>
+      <a:lightRig rig="threePt" dir="t"/>
+    </dgm:scene3d>
+    <dgm:sp3d/>
+    <dgm:txPr/>
+    <dgm:style>
+      <a:lnRef idx="2">
+        <a:scrgbClr r="0" g="0" b="0"/>
+      </a:lnRef>
+      <a:fillRef idx="1">
+        <a:scrgbClr r="0" g="0" b="0"/>
+      </a:fillRef>
+      <a:effectRef idx="0">
+        <a:scrgbClr r="0" g="0" b="0"/>
+      </a:effectRef>
+      <a:fontRef idx="minor">
+        <a:schemeClr val="lt1"/>
+      </a:fontRef>
+    </dgm:style>
+  </dgm:styleLbl>
+  <dgm:styleLbl name="asst4">
+    <dgm:scene3d>
+      <a:camera prst="orthographicFront"/>
+      <a:lightRig rig="threePt" dir="t"/>
+    </dgm:scene3d>
+    <dgm:sp3d/>
+    <dgm:txPr/>
+    <dgm:style>
+      <a:lnRef idx="2">
+        <a:scrgbClr r="0" g="0" b="0"/>
+      </a:lnRef>
+      <a:fillRef idx="1">
+        <a:scrgbClr r="0" g="0" b="0"/>
+      </a:fillRef>
+      <a:effectRef idx="0">
+        <a:scrgbClr r="0" g="0" b="0"/>
+      </a:effectRef>
+      <a:fontRef idx="minor">
+        <a:schemeClr val="lt1"/>
+      </a:fontRef>
+    </dgm:style>
+  </dgm:styleLbl>
+  <dgm:styleLbl name="parChTrans2D1">
+    <dgm:scene3d>
+      <a:camera prst="orthographicFront"/>
+      <a:lightRig rig="threePt" dir="t"/>
+    </dgm:scene3d>
+    <dgm:sp3d/>
+    <dgm:txPr/>
+    <dgm:style>
+      <a:lnRef idx="2">
+        <a:scrgbClr r="0" g="0" b="0"/>
+      </a:lnRef>
+      <a:fillRef idx="1">
+        <a:scrgbClr r="0" g="0" b="0"/>
+      </a:fillRef>
+      <a:effectRef idx="0">
+        <a:scrgbClr r="0" g="0" b="0"/>
+      </a:effectRef>
+      <a:fontRef idx="minor">
+        <a:schemeClr val="lt1"/>
+      </a:fontRef>
+    </dgm:style>
+  </dgm:styleLbl>
+  <dgm:styleLbl name="parChTrans2D2">
+    <dgm:scene3d>
+      <a:camera prst="orthographicFront"/>
+      <a:lightRig rig="threePt" dir="t"/>
+    </dgm:scene3d>
+    <dgm:sp3d/>
+    <dgm:txPr/>
+    <dgm:style>
+      <a:lnRef idx="2">
+        <a:scrgbClr r="0" g="0" b="0"/>
+      </a:lnRef>
+      <a:fillRef idx="1">
+        <a:scrgbClr r="0" g="0" b="0"/>
+      </a:fillRef>
+      <a:effectRef idx="0">
+        <a:scrgbClr r="0" g="0" b="0"/>
+      </a:effectRef>
+      <a:fontRef idx="minor">
+        <a:schemeClr val="lt1"/>
+      </a:fontRef>
+    </dgm:style>
+  </dgm:styleLbl>
+  <dgm:styleLbl name="parChTrans2D3">
+    <dgm:scene3d>
+      <a:camera prst="orthographicFront"/>
+      <a:lightRig rig="threePt" dir="t"/>
+    </dgm:scene3d>
+    <dgm:sp3d/>
+    <dgm:txPr/>
+    <dgm:style>
+      <a:lnRef idx="2">
+        <a:scrgbClr r="0" g="0" b="0"/>
+      </a:lnRef>
+      <a:fillRef idx="1">
+        <a:scrgbClr r="0" g="0" b="0"/>
+      </a:fillRef>
+      <a:effectRef idx="0">
+        <a:scrgbClr r="0" g="0" b="0"/>
+      </a:effectRef>
+      <a:fontRef idx="minor">
+        <a:schemeClr val="lt1"/>
+      </a:fontRef>
+    </dgm:style>
+  </dgm:styleLbl>
+  <dgm:styleLbl name="parChTrans2D4">
+    <dgm:scene3d>
+      <a:camera prst="orthographicFront"/>
+      <a:lightRig rig="threePt" dir="t"/>
+    </dgm:scene3d>
+    <dgm:sp3d/>
+    <dgm:txPr/>
+    <dgm:style>
+      <a:lnRef idx="2">
+        <a:scrgbClr r="0" g="0" b="0"/>
+      </a:lnRef>
+      <a:fillRef idx="1">
+        <a:scrgbClr r="0" g="0" b="0"/>
+      </a:fillRef>
+      <a:effectRef idx="0">
+        <a:scrgbClr r="0" g="0" b="0"/>
+      </a:effectRef>
+      <a:fontRef idx="minor">
+        <a:schemeClr val="lt1"/>
+      </a:fontRef>
+    </dgm:style>
+  </dgm:styleLbl>
+  <dgm:styleLbl name="parChTrans1D1">
+    <dgm:scene3d>
+      <a:camera prst="orthographicFront"/>
+      <a:lightRig rig="threePt" dir="t"/>
+    </dgm:scene3d>
+    <dgm:sp3d/>
+    <dgm:txPr/>
+    <dgm:style>
+      <a:lnRef idx="2">
+        <a:scrgbClr r="0" g="0" b="0"/>
+      </a:lnRef>
+      <a:fillRef idx="0">
+        <a:scrgbClr r="0" g="0" b="0"/>
+      </a:fillRef>
+      <a:effectRef idx="0">
+        <a:scrgbClr r="0" g="0" b="0"/>
+      </a:effectRef>
+      <a:fontRef idx="minor"/>
+    </dgm:style>
+  </dgm:styleLbl>
+  <dgm:styleLbl name="parChTrans1D2">
+    <dgm:scene3d>
+      <a:camera prst="orthographicFront"/>
+      <a:lightRig rig="threePt" dir="t"/>
+    </dgm:scene3d>
+    <dgm:sp3d/>
+    <dgm:txPr/>
+    <dgm:style>
+      <a:lnRef idx="2">
+        <a:scrgbClr r="0" g="0" b="0"/>
+      </a:lnRef>
+      <a:fillRef idx="0">
+        <a:scrgbClr r="0" g="0" b="0"/>
+      </a:fillRef>
+      <a:effectRef idx="0">
+        <a:scrgbClr r="0" g="0" b="0"/>
+      </a:effectRef>
+      <a:fontRef idx="minor"/>
+    </dgm:style>
+  </dgm:styleLbl>
+  <dgm:styleLbl name="parChTrans1D3">
+    <dgm:scene3d>
+      <a:camera prst="orthographicFront"/>
+      <a:lightRig rig="threePt" dir="t"/>
+    </dgm:scene3d>
+    <dgm:sp3d/>
+    <dgm:txPr/>
+    <dgm:style>
+      <a:lnRef idx="2">
+        <a:scrgbClr r="0" g="0" b="0"/>
+      </a:lnRef>
+      <a:fillRef idx="0">
+        <a:scrgbClr r="0" g="0" b="0"/>
+      </a:fillRef>
+      <a:effectRef idx="0">
+        <a:scrgbClr r="0" g="0" b="0"/>
+      </a:effectRef>
+      <a:fontRef idx="minor"/>
+    </dgm:style>
+  </dgm:styleLbl>
+  <dgm:styleLbl name="parChTrans1D4">
+    <dgm:scene3d>
+      <a:camera prst="orthographicFront"/>
+      <a:lightRig rig="threePt" dir="t"/>
+    </dgm:scene3d>
+    <dgm:sp3d/>
+    <dgm:txPr/>
+    <dgm:style>
+      <a:lnRef idx="2">
+        <a:scrgbClr r="0" g="0" b="0"/>
+      </a:lnRef>
+      <a:fillRef idx="0">
+        <a:scrgbClr r="0" g="0" b="0"/>
+      </a:fillRef>
+      <a:effectRef idx="0">
+        <a:scrgbClr r="0" g="0" b="0"/>
+      </a:effectRef>
+      <a:fontRef idx="minor"/>
+    </dgm:style>
+  </dgm:styleLbl>
+  <dgm:styleLbl name="fgAcc1">
+    <dgm:scene3d>
+      <a:camera prst="orthographicFront"/>
+      <a:lightRig rig="threePt" dir="t"/>
+    </dgm:scene3d>
+    <dgm:sp3d/>
+    <dgm:txPr/>
+    <dgm:style>
+      <a:lnRef idx="2">
+        <a:scrgbClr r="0" g="0" b="0"/>
+      </a:lnRef>
+      <a:fillRef idx="1">
+        <a:scrgbClr r="0" g="0" b="0"/>
+      </a:fillRef>
+      <a:effectRef idx="0">
+        <a:scrgbClr r="0" g="0" b="0"/>
+      </a:effectRef>
+      <a:fontRef idx="minor"/>
+    </dgm:style>
+  </dgm:styleLbl>
+  <dgm:styleLbl name="conFgAcc1">
+    <dgm:scene3d>
+      <a:camera prst="orthographicFront"/>
+      <a:lightRig rig="threePt" dir="t"/>
+    </dgm:scene3d>
+    <dgm:sp3d/>
+    <dgm:txPr/>
+    <dgm:style>
+      <a:lnRef idx="2">
+        <a:scrgbClr r="0" g="0" b="0"/>
+      </a:lnRef>
+      <a:fillRef idx="1">
+        <a:scrgbClr r="0" g="0" b="0"/>
+      </a:fillRef>
+      <a:effectRef idx="0">
+        <a:scrgbClr r="0" g="0" b="0"/>
+      </a:effectRef>
+      <a:fontRef idx="minor"/>
+    </dgm:style>
+  </dgm:styleLbl>
+  <dgm:styleLbl name="alignAcc1">
+    <dgm:scene3d>
+      <a:camera prst="orthographicFront"/>
+      <a:lightRig rig="threePt" dir="t"/>
+    </dgm:scene3d>
+    <dgm:sp3d/>
+    <dgm:txPr/>
+    <dgm:style>
+      <a:lnRef idx="2">
+        <a:scrgbClr r="0" g="0" b="0"/>
+      </a:lnRef>
+      <a:fillRef idx="1">
+        <a:scrgbClr r="0" g="0" b="0"/>
+      </a:fillRef>
+      <a:effectRef idx="0">
+        <a:scrgbClr r="0" g="0" b="0"/>
+      </a:effectRef>
+      <a:fontRef idx="minor"/>
+    </dgm:style>
+  </dgm:styleLbl>
+  <dgm:styleLbl name="trAlignAcc1">
+    <dgm:scene3d>
+      <a:camera prst="orthographicFront"/>
+      <a:lightRig rig="threePt" dir="t"/>
+    </dgm:scene3d>
+    <dgm:sp3d/>
+    <dgm:txPr/>
+    <dgm:style>
+      <a:lnRef idx="1">
+        <a:scrgbClr r="0" g="0" b="0"/>
+      </a:lnRef>
+      <a:fillRef idx="1">
+        <a:scrgbClr r="0" g="0" b="0"/>
+      </a:fillRef>
+      <a:effectRef idx="0">
+        <a:scrgbClr r="0" g="0" b="0"/>
+      </a:effectRef>
+      <a:fontRef idx="minor"/>
+    </dgm:style>
+  </dgm:styleLbl>
+  <dgm:styleLbl name="bgAcc1">
+    <dgm:scene3d>
+      <a:camera prst="orthographicFront"/>
+      <a:lightRig rig="threePt" dir="t"/>
+    </dgm:scene3d>
+    <dgm:sp3d/>
+    <dgm:txPr/>
+    <dgm:style>
+      <a:lnRef idx="2">
+        <a:scrgbClr r="0" g="0" b="0"/>
+      </a:lnRef>
+      <a:fillRef idx="1">
+        <a:scrgbClr r="0" g="0" b="0"/>
+      </a:fillRef>
+      <a:effectRef idx="0">
+        <a:scrgbClr r="0" g="0" b="0"/>
+      </a:effectRef>
+      <a:fontRef idx="minor"/>
+    </dgm:style>
+  </dgm:styleLbl>
+  <dgm:styleLbl name="solidFgAcc1">
+    <dgm:scene3d>
+      <a:camera prst="orthographicFront"/>
+      <a:lightRig rig="threePt" dir="t"/>
+    </dgm:scene3d>
+    <dgm:sp3d/>
+    <dgm:txPr/>
+    <dgm:style>
+      <a:lnRef idx="2">
+        <a:scrgbClr r="0" g="0" b="0"/>
+      </a:lnRef>
+      <a:fillRef idx="1">
+        <a:scrgbClr r="0" g="0" b="0"/>
+      </a:fillRef>
+      <a:effectRef idx="0">
+        <a:scrgbClr r="0" g="0" b="0"/>
+      </a:effectRef>
+      <a:fontRef idx="minor"/>
+    </dgm:style>
+  </dgm:styleLbl>
+  <dgm:styleLbl name="solidAlignAcc1">
+    <dgm:scene3d>
+      <a:camera prst="orthographicFront"/>
+      <a:lightRig rig="threePt" dir="t"/>
+    </dgm:scene3d>
+    <dgm:sp3d/>
+    <dgm:txPr/>
+    <dgm:style>
+      <a:lnRef idx="2">
+        <a:scrgbClr r="0" g="0" b="0"/>
+      </a:lnRef>
+      <a:fillRef idx="1">
+        <a:scrgbClr r="0" g="0" b="0"/>
+      </a:fillRef>
+      <a:effectRef idx="0">
+        <a:scrgbClr r="0" g="0" b="0"/>
+      </a:effectRef>
+      <a:fontRef idx="minor"/>
+    </dgm:style>
+  </dgm:styleLbl>
+  <dgm:styleLbl name="solidBgAcc1">
+    <dgm:scene3d>
+      <a:camera prst="orthographicFront"/>
+      <a:lightRig rig="threePt" dir="t"/>
+    </dgm:scene3d>
+    <dgm:sp3d/>
+    <dgm:txPr/>
+    <dgm:style>
+      <a:lnRef idx="2">
+        <a:scrgbClr r="0" g="0" b="0"/>
+      </a:lnRef>
+      <a:fillRef idx="1">
+        <a:scrgbClr r="0" g="0" b="0"/>
+      </a:fillRef>
+      <a:effectRef idx="0">
+        <a:scrgbClr r="0" g="0" b="0"/>
+      </a:effectRef>
+      <a:fontRef idx="minor"/>
+    </dgm:style>
+  </dgm:styleLbl>
+  <dgm:styleLbl name="fgAccFollowNode1">
+    <dgm:scene3d>
+      <a:camera prst="orthographicFront"/>
+      <a:lightRig rig="threePt" dir="t"/>
+    </dgm:scene3d>
+    <dgm:sp3d/>
+    <dgm:txPr/>
+    <dgm:style>
+      <a:lnRef idx="2">
+        <a:scrgbClr r="0" g="0" b="0"/>
+      </a:lnRef>
+      <a:fillRef idx="1">
+        <a:scrgbClr r="0" g="0" b="0"/>
+      </a:fillRef>
+      <a:effectRef idx="0">
+        <a:scrgbClr r="0" g="0" b="0"/>
+      </a:effectRef>
+      <a:fontRef idx="minor"/>
+    </dgm:style>
+  </dgm:styleLbl>
+  <dgm:styleLbl name="alignAccFollowNode1">
+    <dgm:scene3d>
+      <a:camera prst="orthographicFront"/>
+      <a:lightRig rig="threePt" dir="t"/>
+    </dgm:scene3d>
+    <dgm:sp3d/>
+    <dgm:txPr/>
+    <dgm:style>
+      <a:lnRef idx="2">
+        <a:scrgbClr r="0" g="0" b="0"/>
+      </a:lnRef>
+      <a:fillRef idx="1">
+        <a:scrgbClr r="0" g="0" b="0"/>
+      </a:fillRef>
+      <a:effectRef idx="0">
+        <a:scrgbClr r="0" g="0" b="0"/>
+      </a:effectRef>
+      <a:fontRef idx="minor"/>
+    </dgm:style>
+  </dgm:styleLbl>
+  <dgm:styleLbl name="bgAccFollowNode1">
+    <dgm:scene3d>
+      <a:camera prst="orthographicFront"/>
+      <a:lightRig rig="threePt" dir="t"/>
+    </dgm:scene3d>
+    <dgm:sp3d/>
+    <dgm:txPr/>
+    <dgm:style>
+      <a:lnRef idx="2">
+        <a:scrgbClr r="0" g="0" b="0"/>
+      </a:lnRef>
+      <a:fillRef idx="1">
+        <a:scrgbClr r="0" g="0" b="0"/>
+      </a:fillRef>
+      <a:effectRef idx="0">
+        <a:scrgbClr r="0" g="0" b="0"/>
+      </a:effectRef>
+      <a:fontRef idx="minor"/>
+    </dgm:style>
+  </dgm:styleLbl>
+  <dgm:styleLbl name="fgAcc0">
+    <dgm:scene3d>
+      <a:camera prst="orthographicFront"/>
+      <a:lightRig rig="threePt" dir="t"/>
+    </dgm:scene3d>
+    <dgm:sp3d/>
+    <dgm:txPr/>
+    <dgm:style>
+      <a:lnRef idx="2">
+        <a:scrgbClr r="0" g="0" b="0"/>
+      </a:lnRef>
+      <a:fillRef idx="1">
+        <a:scrgbClr r="0" g="0" b="0"/>
+      </a:fillRef>
+      <a:effectRef idx="0">
+        <a:scrgbClr r="0" g="0" b="0"/>
+      </a:effectRef>
+      <a:fontRef idx="minor"/>
+    </dgm:style>
+  </dgm:styleLbl>
+  <dgm:styleLbl name="fgAcc2">
+    <dgm:scene3d>
+      <a:camera prst="orthographicFront"/>
+      <a:lightRig rig="threePt" dir="t"/>
+    </dgm:scene3d>
+    <dgm:sp3d/>
+    <dgm:txPr/>
+    <dgm:style>
+      <a:lnRef idx="2">
+        <a:scrgbClr r="0" g="0" b="0"/>
+      </a:lnRef>
+      <a:fillRef idx="1">
+        <a:scrgbClr r="0" g="0" b="0"/>
+      </a:fillRef>
+      <a:effectRef idx="0">
+        <a:scrgbClr r="0" g="0" b="0"/>
+      </a:effectRef>
+      <a:fontRef idx="minor"/>
+    </dgm:style>
+  </dgm:styleLbl>
+  <dgm:styleLbl name="fgAcc3">
+    <dgm:scene3d>
+      <a:camera prst="orthographicFront"/>
+      <a:lightRig rig="threePt" dir="t"/>
+    </dgm:scene3d>
+    <dgm:sp3d/>
+    <dgm:txPr/>
+    <dgm:style>
+      <a:lnRef idx="2">
+        <a:scrgbClr r="0" g="0" b="0"/>
+      </a:lnRef>
+      <a:fillRef idx="1">
+        <a:scrgbClr r="0" g="0" b="0"/>
+      </a:fillRef>
+      <a:effectRef idx="0">
+        <a:scrgbClr r="0" g="0" b="0"/>
+      </a:effectRef>
+      <a:fontRef idx="minor"/>
+    </dgm:style>
+  </dgm:styleLbl>
+  <dgm:styleLbl name="fgAcc4">
+    <dgm:scene3d>
+      <a:camera prst="orthographicFront"/>
+      <a:lightRig rig="threePt" dir="t"/>
+    </dgm:scene3d>
+    <dgm:sp3d/>
+    <dgm:txPr/>
+    <dgm:style>
+      <a:lnRef idx="2">
+        <a:scrgbClr r="0" g="0" b="0"/>
+      </a:lnRef>
+      <a:fillRef idx="1">
+        <a:scrgbClr r="0" g="0" b="0"/>
+      </a:fillRef>
+      <a:effectRef idx="0">
+        <a:scrgbClr r="0" g="0" b="0"/>
+      </a:effectRef>
+      <a:fontRef idx="minor"/>
+    </dgm:style>
+  </dgm:styleLbl>
+  <dgm:styleLbl name="bgShp">
+    <dgm:scene3d>
+      <a:camera prst="orthographicFront"/>
+      <a:lightRig rig="threePt" dir="t"/>
+    </dgm:scene3d>
+    <dgm:sp3d/>
+    <dgm:txPr/>
+    <dgm:style>
+      <a:lnRef idx="0">
+        <a:scrgbClr r="0" g="0" b="0"/>
+      </a:lnRef>
+      <a:fillRef idx="1">
+        <a:scrgbClr r="0" g="0" b="0"/>
+      </a:fillRef>
+      <a:effectRef idx="0">
+        <a:scrgbClr r="0" g="0" b="0"/>
+      </a:effectRef>
+      <a:fontRef idx="minor"/>
+    </dgm:style>
+  </dgm:styleLbl>
+  <dgm:styleLbl name="dkBgShp">
+    <dgm:scene3d>
+      <a:camera prst="orthographicFront"/>
+      <a:lightRig rig="threePt" dir="t"/>
+    </dgm:scene3d>
+    <dgm:sp3d/>
+    <dgm:txPr/>
+    <dgm:style>
+      <a:lnRef idx="0">
+        <a:scrgbClr r="0" g="0" b="0"/>
+      </a:lnRef>
+      <a:fillRef idx="1">
+        <a:scrgbClr r="0" g="0" b="0"/>
+      </a:fillRef>
+      <a:effectRef idx="0">
+        <a:scrgbClr r="0" g="0" b="0"/>
+      </a:effectRef>
+      <a:fontRef idx="minor"/>
+    </dgm:style>
+  </dgm:styleLbl>
+  <dgm:styleLbl name="trBgShp">
+    <dgm:scene3d>
+      <a:camera prst="orthographicFront"/>
+      <a:lightRig rig="threePt" dir="t"/>
+    </dgm:scene3d>
+    <dgm:sp3d/>
+    <dgm:txPr/>
+    <dgm:style>
+      <a:lnRef idx="0">
+        <a:scrgbClr r="0" g="0" b="0"/>
+      </a:lnRef>
+      <a:fillRef idx="1">
+        <a:scrgbClr r="0" g="0" b="0"/>
+      </a:fillRef>
+      <a:effectRef idx="0">
+        <a:scrgbClr r="0" g="0" b="0"/>
+      </a:effectRef>
+      <a:fontRef idx="minor"/>
+    </dgm:style>
+  </dgm:styleLbl>
+  <dgm:styleLbl name="fgShp">
+    <dgm:scene3d>
+      <a:camera prst="orthographicFront"/>
+      <a:lightRig rig="threePt" dir="t"/>
+    </dgm:scene3d>
+    <dgm:sp3d/>
+    <dgm:txPr/>
+    <dgm:style>
+      <a:lnRef idx="2">
+        <a:scrgbClr r="0" g="0" b="0"/>
+      </a:lnRef>
+      <a:fillRef idx="1">
+        <a:scrgbClr r="0" g="0" b="0"/>
+      </a:fillRef>
+      <a:effectRef idx="0">
+        <a:scrgbClr r="0" g="0" b="0"/>
+      </a:effectRef>
+      <a:fontRef idx="minor"/>
+    </dgm:style>
+  </dgm:styleLbl>
+  <dgm:styleLbl name="revTx">
+    <dgm:scene3d>
+      <a:camera prst="orthographicFront"/>
+      <a:lightRig rig="threePt" dir="t"/>
+    </dgm:scene3d>
+    <dgm:sp3d/>
+    <dgm:txPr/>
+    <dgm:style>
+      <a:lnRef idx="0">
+        <a:scrgbClr r="0" g="0" b="0"/>
+      </a:lnRef>
+      <a:fillRef idx="0">
+        <a:scrgbClr r="0" g="0" b="0"/>
+      </a:fillRef>
+      <a:effectRef idx="0">
+        <a:scrgbClr r="0" g="0" b="0"/>
+      </a:effectRef>
+      <a:fontRef idx="minor"/>
+    </dgm:style>
+  </dgm:styleLbl>
+</dgm:styleDef>
+</file>
+
+<file path=ppt/diagrams/quickStyle2.xml><?xml version="1.0" encoding="utf-8"?>
 <dgm:styleDef xmlns:dgm="http://schemas.openxmlformats.org/drawingml/2006/diagram" xmlns:a="http://schemas.openxmlformats.org/drawingml/2006/main" uniqueId="urn:microsoft.com/office/officeart/2005/8/quickstyle/simple1">
   <dgm:title val=""/>
   <dgm:desc val=""/>
@@ -9283,14 +14320,14 @@
           <p:nvPr>
             <p:extLst>
               <p:ext uri="{D42A27DB-BD31-4B8C-83A1-F6EECF244321}">
-                <p14:modId xmlns:p14="http://schemas.microsoft.com/office/powerpoint/2010/main" val="2828196686"/>
+                <p14:modId xmlns:p14="http://schemas.microsoft.com/office/powerpoint/2010/main" val="4265546936"/>
               </p:ext>
             </p:extLst>
           </p:nvPr>
         </p:nvGraphicFramePr>
         <p:xfrm>
-          <a:off x="565265" y="320510"/>
-          <a:ext cx="9081498" cy="6537490"/>
+          <a:off x="-441771" y="332139"/>
+          <a:ext cx="9839644" cy="6537490"/>
         </p:xfrm>
         <a:graphic>
           <a:graphicData uri="http://schemas.openxmlformats.org/drawingml/2006/diagram">
@@ -10503,149 +15540,6 @@
           </a:p>
         </p:txBody>
       </p:sp>
-      <p:sp>
-        <p:nvSpPr>
-          <p:cNvPr id="99" name="TextBox 98">
-            <a:extLst>
-              <a:ext uri="{FF2B5EF4-FFF2-40B4-BE49-F238E27FC236}">
-                <a16:creationId xmlns:a16="http://schemas.microsoft.com/office/drawing/2014/main" id="{95DBCDA0-9D7E-7A43-DEC3-B40D51218FF8}"/>
-              </a:ext>
-            </a:extLst>
-          </p:cNvPr>
-          <p:cNvSpPr txBox="1"/>
-          <p:nvPr/>
-        </p:nvSpPr>
-        <p:spPr>
-          <a:xfrm>
-            <a:off x="1480678" y="5430451"/>
-            <a:ext cx="579407" cy="215444"/>
-          </a:xfrm>
-          <a:prstGeom prst="rect">
-            <a:avLst/>
-          </a:prstGeom>
-          <a:noFill/>
-        </p:spPr>
-        <p:txBody>
-          <a:bodyPr wrap="square" rtlCol="0">
-            <a:spAutoFit/>
-          </a:bodyPr>
-          <a:lstStyle/>
-          <a:p>
-            <a:r>
-              <a:rPr lang="en-US" sz="800" dirty="0"/>
-              <a:t>1:1</a:t>
-            </a:r>
-          </a:p>
-        </p:txBody>
-      </p:sp>
-      <p:sp>
-        <p:nvSpPr>
-          <p:cNvPr id="100" name="TextBox 99">
-            <a:extLst>
-              <a:ext uri="{FF2B5EF4-FFF2-40B4-BE49-F238E27FC236}">
-                <a16:creationId xmlns:a16="http://schemas.microsoft.com/office/drawing/2014/main" id="{CCC4792E-8526-AEE3-624C-4DFFFE7D1012}"/>
-              </a:ext>
-            </a:extLst>
-          </p:cNvPr>
-          <p:cNvSpPr txBox="1"/>
-          <p:nvPr/>
-        </p:nvSpPr>
-        <p:spPr>
-          <a:xfrm>
-            <a:off x="2207448" y="5430451"/>
-            <a:ext cx="579407" cy="215444"/>
-          </a:xfrm>
-          <a:prstGeom prst="rect">
-            <a:avLst/>
-          </a:prstGeom>
-          <a:noFill/>
-        </p:spPr>
-        <p:txBody>
-          <a:bodyPr wrap="square" rtlCol="0">
-            <a:spAutoFit/>
-          </a:bodyPr>
-          <a:lstStyle/>
-          <a:p>
-            <a:r>
-              <a:rPr lang="en-US" sz="800" dirty="0"/>
-              <a:t>1:M</a:t>
-            </a:r>
-          </a:p>
-        </p:txBody>
-      </p:sp>
-      <p:cxnSp>
-        <p:nvCxnSpPr>
-          <p:cNvPr id="102" name="Straight Connector 101">
-            <a:extLst>
-              <a:ext uri="{FF2B5EF4-FFF2-40B4-BE49-F238E27FC236}">
-                <a16:creationId xmlns:a16="http://schemas.microsoft.com/office/drawing/2014/main" id="{9B3C3B1A-E880-5C10-D49E-369AD776009C}"/>
-              </a:ext>
-            </a:extLst>
-          </p:cNvPr>
-          <p:cNvCxnSpPr>
-            <a:cxnSpLocks/>
-          </p:cNvCxnSpPr>
-          <p:nvPr/>
-        </p:nvCxnSpPr>
-        <p:spPr>
-          <a:xfrm>
-            <a:off x="2786855" y="5050414"/>
-            <a:ext cx="0" cy="595481"/>
-          </a:xfrm>
-          <a:prstGeom prst="line">
-            <a:avLst/>
-          </a:prstGeom>
-        </p:spPr>
-        <p:style>
-          <a:lnRef idx="2">
-            <a:schemeClr val="accent1"/>
-          </a:lnRef>
-          <a:fillRef idx="0">
-            <a:schemeClr val="accent1"/>
-          </a:fillRef>
-          <a:effectRef idx="1">
-            <a:schemeClr val="accent1"/>
-          </a:effectRef>
-          <a:fontRef idx="minor">
-            <a:schemeClr val="tx1"/>
-          </a:fontRef>
-        </p:style>
-      </p:cxnSp>
-      <p:sp>
-        <p:nvSpPr>
-          <p:cNvPr id="106" name="TextBox 105">
-            <a:extLst>
-              <a:ext uri="{FF2B5EF4-FFF2-40B4-BE49-F238E27FC236}">
-                <a16:creationId xmlns:a16="http://schemas.microsoft.com/office/drawing/2014/main" id="{385D9C18-E980-1711-06F8-3DC7A738C75B}"/>
-              </a:ext>
-            </a:extLst>
-          </p:cNvPr>
-          <p:cNvSpPr txBox="1"/>
-          <p:nvPr/>
-        </p:nvSpPr>
-        <p:spPr>
-          <a:xfrm>
-            <a:off x="2735217" y="5232445"/>
-            <a:ext cx="579407" cy="215444"/>
-          </a:xfrm>
-          <a:prstGeom prst="rect">
-            <a:avLst/>
-          </a:prstGeom>
-          <a:noFill/>
-        </p:spPr>
-        <p:txBody>
-          <a:bodyPr wrap="square" rtlCol="0">
-            <a:spAutoFit/>
-          </a:bodyPr>
-          <a:lstStyle/>
-          <a:p>
-            <a:r>
-              <a:rPr lang="en-US" sz="800" dirty="0"/>
-              <a:t>1:M</a:t>
-            </a:r>
-          </a:p>
-        </p:txBody>
-      </p:sp>
       <p:grpSp>
         <p:nvGrpSpPr>
           <p:cNvPr id="107" name="Group 106">
@@ -11148,12 +16042,1920 @@
           </a:fontRef>
         </p:style>
       </p:cxnSp>
+    </p:spTree>
+    <p:extLst>
+      <p:ext uri="{BB962C8B-B14F-4D97-AF65-F5344CB8AC3E}">
+        <p14:creationId xmlns:p14="http://schemas.microsoft.com/office/powerpoint/2010/main" val="1753864701"/>
+      </p:ext>
+    </p:extLst>
+  </p:cSld>
+  <p:clrMapOvr>
+    <a:masterClrMapping/>
+  </p:clrMapOvr>
+</p:sld>
+</file>
+
+<file path=ppt/slides/slide2.xml><?xml version="1.0" encoding="utf-8"?>
+<p:sld xmlns:a="http://schemas.openxmlformats.org/drawingml/2006/main" xmlns:r="http://schemas.openxmlformats.org/officeDocument/2006/relationships" xmlns:p="http://schemas.openxmlformats.org/presentationml/2006/main">
+  <p:cSld>
+    <p:spTree>
+      <p:nvGrpSpPr>
+        <p:cNvPr id="1" name="">
+          <a:extLst>
+            <a:ext uri="{FF2B5EF4-FFF2-40B4-BE49-F238E27FC236}">
+              <a16:creationId xmlns:a16="http://schemas.microsoft.com/office/drawing/2014/main" id="{450CBFB0-FD9D-1D1E-F088-06812D19DD75}"/>
+            </a:ext>
+          </a:extLst>
+        </p:cNvPr>
+        <p:cNvGrpSpPr/>
+        <p:nvPr/>
+      </p:nvGrpSpPr>
+      <p:grpSpPr>
+        <a:xfrm>
+          <a:off x="0" y="0"/>
+          <a:ext cx="0" cy="0"/>
+          <a:chOff x="0" y="0"/>
+          <a:chExt cx="0" cy="0"/>
+        </a:xfrm>
+      </p:grpSpPr>
+      <p:graphicFrame>
+        <p:nvGraphicFramePr>
+          <p:cNvPr id="9" name="Diagram 8">
+            <a:extLst>
+              <a:ext uri="{FF2B5EF4-FFF2-40B4-BE49-F238E27FC236}">
+                <a16:creationId xmlns:a16="http://schemas.microsoft.com/office/drawing/2014/main" id="{2CFEE8B6-2FC1-9B9F-BA7D-4C6EC8F26ED5}"/>
+              </a:ext>
+            </a:extLst>
+          </p:cNvPr>
+          <p:cNvGraphicFramePr/>
+          <p:nvPr/>
+        </p:nvGraphicFramePr>
+        <p:xfrm>
+          <a:off x="565265" y="320510"/>
+          <a:ext cx="9081498" cy="6537490"/>
+        </p:xfrm>
+        <a:graphic>
+          <a:graphicData uri="http://schemas.openxmlformats.org/drawingml/2006/diagram">
+            <dgm:relIds xmlns:dgm="http://schemas.openxmlformats.org/drawingml/2006/diagram" xmlns:r="http://schemas.openxmlformats.org/officeDocument/2006/relationships" r:dm="rId2" r:lo="rId3" r:qs="rId4" r:cs="rId5"/>
+          </a:graphicData>
+        </a:graphic>
+      </p:graphicFrame>
+      <p:cxnSp>
+        <p:nvCxnSpPr>
+          <p:cNvPr id="11" name="Straight Connector 10">
+            <a:extLst>
+              <a:ext uri="{FF2B5EF4-FFF2-40B4-BE49-F238E27FC236}">
+                <a16:creationId xmlns:a16="http://schemas.microsoft.com/office/drawing/2014/main" id="{EC0A65FD-763B-FD8F-23FE-46D796BB9012}"/>
+              </a:ext>
+            </a:extLst>
+          </p:cNvPr>
+          <p:cNvCxnSpPr>
+            <a:cxnSpLocks/>
+          </p:cNvCxnSpPr>
+          <p:nvPr/>
+        </p:nvCxnSpPr>
+        <p:spPr>
+          <a:xfrm flipH="1">
+            <a:off x="2532074" y="5050414"/>
+            <a:ext cx="917612" cy="0"/>
+          </a:xfrm>
+          <a:prstGeom prst="line">
+            <a:avLst/>
+          </a:prstGeom>
+        </p:spPr>
+        <p:style>
+          <a:lnRef idx="2">
+            <a:schemeClr val="accent1"/>
+          </a:lnRef>
+          <a:fillRef idx="0">
+            <a:schemeClr val="accent1"/>
+          </a:fillRef>
+          <a:effectRef idx="1">
+            <a:schemeClr val="accent1"/>
+          </a:effectRef>
+          <a:fontRef idx="minor">
+            <a:schemeClr val="tx1"/>
+          </a:fontRef>
+        </p:style>
+      </p:cxnSp>
+      <p:cxnSp>
+        <p:nvCxnSpPr>
+          <p:cNvPr id="22" name="Straight Connector 21">
+            <a:extLst>
+              <a:ext uri="{FF2B5EF4-FFF2-40B4-BE49-F238E27FC236}">
+                <a16:creationId xmlns:a16="http://schemas.microsoft.com/office/drawing/2014/main" id="{8F7501F2-CE1D-EB19-D89A-42911643AC6C}"/>
+              </a:ext>
+            </a:extLst>
+          </p:cNvPr>
+          <p:cNvCxnSpPr>
+            <a:cxnSpLocks/>
+          </p:cNvCxnSpPr>
+          <p:nvPr/>
+        </p:nvCxnSpPr>
+        <p:spPr>
+          <a:xfrm>
+            <a:off x="4592746" y="1517559"/>
+            <a:ext cx="0" cy="1404595"/>
+          </a:xfrm>
+          <a:prstGeom prst="line">
+            <a:avLst/>
+          </a:prstGeom>
+        </p:spPr>
+        <p:style>
+          <a:lnRef idx="2">
+            <a:schemeClr val="accent1"/>
+          </a:lnRef>
+          <a:fillRef idx="0">
+            <a:schemeClr val="accent1"/>
+          </a:fillRef>
+          <a:effectRef idx="1">
+            <a:schemeClr val="accent1"/>
+          </a:effectRef>
+          <a:fontRef idx="minor">
+            <a:schemeClr val="tx1"/>
+          </a:fontRef>
+        </p:style>
+      </p:cxnSp>
+      <p:cxnSp>
+        <p:nvCxnSpPr>
+          <p:cNvPr id="24" name="Straight Connector 23">
+            <a:extLst>
+              <a:ext uri="{FF2B5EF4-FFF2-40B4-BE49-F238E27FC236}">
+                <a16:creationId xmlns:a16="http://schemas.microsoft.com/office/drawing/2014/main" id="{584D3970-892A-F7D6-D3AC-8646D5E52EFE}"/>
+              </a:ext>
+            </a:extLst>
+          </p:cNvPr>
+          <p:cNvCxnSpPr>
+            <a:cxnSpLocks/>
+          </p:cNvCxnSpPr>
+          <p:nvPr/>
+        </p:nvCxnSpPr>
+        <p:spPr>
+          <a:xfrm>
+            <a:off x="4933683" y="1404439"/>
+            <a:ext cx="0" cy="2196445"/>
+          </a:xfrm>
+          <a:prstGeom prst="line">
+            <a:avLst/>
+          </a:prstGeom>
+        </p:spPr>
+        <p:style>
+          <a:lnRef idx="2">
+            <a:schemeClr val="accent1"/>
+          </a:lnRef>
+          <a:fillRef idx="0">
+            <a:schemeClr val="accent1"/>
+          </a:fillRef>
+          <a:effectRef idx="1">
+            <a:schemeClr val="accent1"/>
+          </a:effectRef>
+          <a:fontRef idx="minor">
+            <a:schemeClr val="tx1"/>
+          </a:fontRef>
+        </p:style>
+      </p:cxnSp>
+      <p:cxnSp>
+        <p:nvCxnSpPr>
+          <p:cNvPr id="26" name="Straight Connector 25">
+            <a:extLst>
+              <a:ext uri="{FF2B5EF4-FFF2-40B4-BE49-F238E27FC236}">
+                <a16:creationId xmlns:a16="http://schemas.microsoft.com/office/drawing/2014/main" id="{226C7249-70F8-2007-A4CF-AFAA791EDD1D}"/>
+              </a:ext>
+            </a:extLst>
+          </p:cNvPr>
+          <p:cNvCxnSpPr>
+            <a:cxnSpLocks/>
+          </p:cNvCxnSpPr>
+          <p:nvPr/>
+        </p:nvCxnSpPr>
+        <p:spPr>
+          <a:xfrm>
+            <a:off x="5246338" y="1347876"/>
+            <a:ext cx="0" cy="3004012"/>
+          </a:xfrm>
+          <a:prstGeom prst="line">
+            <a:avLst/>
+          </a:prstGeom>
+        </p:spPr>
+        <p:style>
+          <a:lnRef idx="2">
+            <a:schemeClr val="accent1"/>
+          </a:lnRef>
+          <a:fillRef idx="0">
+            <a:schemeClr val="accent1"/>
+          </a:fillRef>
+          <a:effectRef idx="1">
+            <a:schemeClr val="accent1"/>
+          </a:effectRef>
+          <a:fontRef idx="minor">
+            <a:schemeClr val="tx1"/>
+          </a:fontRef>
+        </p:style>
+      </p:cxnSp>
+      <p:cxnSp>
+        <p:nvCxnSpPr>
+          <p:cNvPr id="33" name="Straight Connector 32">
+            <a:extLst>
+              <a:ext uri="{FF2B5EF4-FFF2-40B4-BE49-F238E27FC236}">
+                <a16:creationId xmlns:a16="http://schemas.microsoft.com/office/drawing/2014/main" id="{58E8175E-2974-56C1-5486-C4EE8DD32045}"/>
+              </a:ext>
+            </a:extLst>
+          </p:cNvPr>
+          <p:cNvCxnSpPr>
+            <a:cxnSpLocks/>
+          </p:cNvCxnSpPr>
+          <p:nvPr/>
+        </p:nvCxnSpPr>
+        <p:spPr>
+          <a:xfrm>
+            <a:off x="5580725" y="1266963"/>
+            <a:ext cx="0" cy="3863422"/>
+          </a:xfrm>
+          <a:prstGeom prst="line">
+            <a:avLst/>
+          </a:prstGeom>
+        </p:spPr>
+        <p:style>
+          <a:lnRef idx="2">
+            <a:schemeClr val="accent1"/>
+          </a:lnRef>
+          <a:fillRef idx="0">
+            <a:schemeClr val="accent1"/>
+          </a:fillRef>
+          <a:effectRef idx="1">
+            <a:schemeClr val="accent1"/>
+          </a:effectRef>
+          <a:fontRef idx="minor">
+            <a:schemeClr val="tx1"/>
+          </a:fontRef>
+        </p:style>
+      </p:cxnSp>
+      <p:cxnSp>
+        <p:nvCxnSpPr>
+          <p:cNvPr id="36" name="Straight Connector 35">
+            <a:extLst>
+              <a:ext uri="{FF2B5EF4-FFF2-40B4-BE49-F238E27FC236}">
+                <a16:creationId xmlns:a16="http://schemas.microsoft.com/office/drawing/2014/main" id="{EBFEFE9D-647C-952B-DE4C-A14A08D88470}"/>
+              </a:ext>
+            </a:extLst>
+          </p:cNvPr>
+          <p:cNvCxnSpPr/>
+          <p:nvPr/>
+        </p:nvCxnSpPr>
+        <p:spPr>
+          <a:xfrm>
+            <a:off x="4338746" y="1517559"/>
+            <a:ext cx="254000" cy="0"/>
+          </a:xfrm>
+          <a:prstGeom prst="line">
+            <a:avLst/>
+          </a:prstGeom>
+        </p:spPr>
+        <p:style>
+          <a:lnRef idx="2">
+            <a:schemeClr val="accent1"/>
+          </a:lnRef>
+          <a:fillRef idx="0">
+            <a:schemeClr val="accent1"/>
+          </a:fillRef>
+          <a:effectRef idx="1">
+            <a:schemeClr val="accent1"/>
+          </a:effectRef>
+          <a:fontRef idx="minor">
+            <a:schemeClr val="tx1"/>
+          </a:fontRef>
+        </p:style>
+      </p:cxnSp>
+      <p:cxnSp>
+        <p:nvCxnSpPr>
+          <p:cNvPr id="37" name="Straight Connector 36">
+            <a:extLst>
+              <a:ext uri="{FF2B5EF4-FFF2-40B4-BE49-F238E27FC236}">
+                <a16:creationId xmlns:a16="http://schemas.microsoft.com/office/drawing/2014/main" id="{AF5CB81A-1780-E835-96B3-1A4510393D84}"/>
+              </a:ext>
+            </a:extLst>
+          </p:cNvPr>
+          <p:cNvCxnSpPr>
+            <a:cxnSpLocks/>
+          </p:cNvCxnSpPr>
+          <p:nvPr/>
+        </p:nvCxnSpPr>
+        <p:spPr>
+          <a:xfrm>
+            <a:off x="4338746" y="1428008"/>
+            <a:ext cx="582632" cy="0"/>
+          </a:xfrm>
+          <a:prstGeom prst="line">
+            <a:avLst/>
+          </a:prstGeom>
+        </p:spPr>
+        <p:style>
+          <a:lnRef idx="2">
+            <a:schemeClr val="accent1"/>
+          </a:lnRef>
+          <a:fillRef idx="0">
+            <a:schemeClr val="accent1"/>
+          </a:fillRef>
+          <a:effectRef idx="1">
+            <a:schemeClr val="accent1"/>
+          </a:effectRef>
+          <a:fontRef idx="minor">
+            <a:schemeClr val="tx1"/>
+          </a:fontRef>
+        </p:style>
+      </p:cxnSp>
+      <p:cxnSp>
+        <p:nvCxnSpPr>
+          <p:cNvPr id="39" name="Straight Connector 38">
+            <a:extLst>
+              <a:ext uri="{FF2B5EF4-FFF2-40B4-BE49-F238E27FC236}">
+                <a16:creationId xmlns:a16="http://schemas.microsoft.com/office/drawing/2014/main" id="{CCD9F2A6-11AF-DCD7-70D8-CFF20117E385}"/>
+              </a:ext>
+            </a:extLst>
+          </p:cNvPr>
+          <p:cNvCxnSpPr>
+            <a:cxnSpLocks/>
+          </p:cNvCxnSpPr>
+          <p:nvPr/>
+        </p:nvCxnSpPr>
+        <p:spPr>
+          <a:xfrm>
+            <a:off x="4341101" y="1347876"/>
+            <a:ext cx="895287" cy="0"/>
+          </a:xfrm>
+          <a:prstGeom prst="line">
+            <a:avLst/>
+          </a:prstGeom>
+        </p:spPr>
+        <p:style>
+          <a:lnRef idx="2">
+            <a:schemeClr val="accent1"/>
+          </a:lnRef>
+          <a:fillRef idx="0">
+            <a:schemeClr val="accent1"/>
+          </a:fillRef>
+          <a:effectRef idx="1">
+            <a:schemeClr val="accent1"/>
+          </a:effectRef>
+          <a:fontRef idx="minor">
+            <a:schemeClr val="tx1"/>
+          </a:fontRef>
+        </p:style>
+      </p:cxnSp>
+      <p:cxnSp>
+        <p:nvCxnSpPr>
+          <p:cNvPr id="43" name="Straight Connector 42">
+            <a:extLst>
+              <a:ext uri="{FF2B5EF4-FFF2-40B4-BE49-F238E27FC236}">
+                <a16:creationId xmlns:a16="http://schemas.microsoft.com/office/drawing/2014/main" id="{517E6053-59BA-6A8A-9DBF-CFD512EC9C7B}"/>
+              </a:ext>
+            </a:extLst>
+          </p:cNvPr>
+          <p:cNvCxnSpPr>
+            <a:cxnSpLocks/>
+          </p:cNvCxnSpPr>
+          <p:nvPr/>
+        </p:nvCxnSpPr>
+        <p:spPr>
+          <a:xfrm flipV="1">
+            <a:off x="4338746" y="1266963"/>
+            <a:ext cx="1229674" cy="1571"/>
+          </a:xfrm>
+          <a:prstGeom prst="line">
+            <a:avLst/>
+          </a:prstGeom>
+        </p:spPr>
+        <p:style>
+          <a:lnRef idx="2">
+            <a:schemeClr val="accent1"/>
+          </a:lnRef>
+          <a:fillRef idx="0">
+            <a:schemeClr val="accent1"/>
+          </a:fillRef>
+          <a:effectRef idx="1">
+            <a:schemeClr val="accent1"/>
+          </a:effectRef>
+          <a:fontRef idx="minor">
+            <a:schemeClr val="tx1"/>
+          </a:fontRef>
+        </p:style>
+      </p:cxnSp>
+      <p:cxnSp>
+        <p:nvCxnSpPr>
+          <p:cNvPr id="48" name="Straight Connector 47">
+            <a:extLst>
+              <a:ext uri="{FF2B5EF4-FFF2-40B4-BE49-F238E27FC236}">
+                <a16:creationId xmlns:a16="http://schemas.microsoft.com/office/drawing/2014/main" id="{0B0B8256-6D2F-4E92-5DAF-1AC7CFDE4D0F}"/>
+              </a:ext>
+            </a:extLst>
+          </p:cNvPr>
+          <p:cNvCxnSpPr/>
+          <p:nvPr/>
+        </p:nvCxnSpPr>
+        <p:spPr>
+          <a:xfrm>
+            <a:off x="4351051" y="2923104"/>
+            <a:ext cx="254000" cy="0"/>
+          </a:xfrm>
+          <a:prstGeom prst="line">
+            <a:avLst/>
+          </a:prstGeom>
+        </p:spPr>
+        <p:style>
+          <a:lnRef idx="2">
+            <a:schemeClr val="accent1"/>
+          </a:lnRef>
+          <a:fillRef idx="0">
+            <a:schemeClr val="accent1"/>
+          </a:fillRef>
+          <a:effectRef idx="1">
+            <a:schemeClr val="accent1"/>
+          </a:effectRef>
+          <a:fontRef idx="minor">
+            <a:schemeClr val="tx1"/>
+          </a:fontRef>
+        </p:style>
+      </p:cxnSp>
+      <p:cxnSp>
+        <p:nvCxnSpPr>
+          <p:cNvPr id="49" name="Straight Connector 48">
+            <a:extLst>
+              <a:ext uri="{FF2B5EF4-FFF2-40B4-BE49-F238E27FC236}">
+                <a16:creationId xmlns:a16="http://schemas.microsoft.com/office/drawing/2014/main" id="{6FBF965B-E086-6ABC-9A77-B636F6DACD0E}"/>
+              </a:ext>
+            </a:extLst>
+          </p:cNvPr>
+          <p:cNvCxnSpPr>
+            <a:cxnSpLocks/>
+          </p:cNvCxnSpPr>
+          <p:nvPr/>
+        </p:nvCxnSpPr>
+        <p:spPr>
+          <a:xfrm>
+            <a:off x="4338746" y="3600884"/>
+            <a:ext cx="582632" cy="0"/>
+          </a:xfrm>
+          <a:prstGeom prst="line">
+            <a:avLst/>
+          </a:prstGeom>
+        </p:spPr>
+        <p:style>
+          <a:lnRef idx="2">
+            <a:schemeClr val="accent1"/>
+          </a:lnRef>
+          <a:fillRef idx="0">
+            <a:schemeClr val="accent1"/>
+          </a:fillRef>
+          <a:effectRef idx="1">
+            <a:schemeClr val="accent1"/>
+          </a:effectRef>
+          <a:fontRef idx="minor">
+            <a:schemeClr val="tx1"/>
+          </a:fontRef>
+        </p:style>
+      </p:cxnSp>
+      <p:cxnSp>
+        <p:nvCxnSpPr>
+          <p:cNvPr id="50" name="Straight Connector 49">
+            <a:extLst>
+              <a:ext uri="{FF2B5EF4-FFF2-40B4-BE49-F238E27FC236}">
+                <a16:creationId xmlns:a16="http://schemas.microsoft.com/office/drawing/2014/main" id="{43FB2E04-43E8-E27E-0273-8832C0E67634}"/>
+              </a:ext>
+            </a:extLst>
+          </p:cNvPr>
+          <p:cNvCxnSpPr>
+            <a:cxnSpLocks/>
+          </p:cNvCxnSpPr>
+          <p:nvPr/>
+        </p:nvCxnSpPr>
+        <p:spPr>
+          <a:xfrm>
+            <a:off x="4338746" y="4351888"/>
+            <a:ext cx="895287" cy="0"/>
+          </a:xfrm>
+          <a:prstGeom prst="line">
+            <a:avLst/>
+          </a:prstGeom>
+        </p:spPr>
+        <p:style>
+          <a:lnRef idx="2">
+            <a:schemeClr val="accent1"/>
+          </a:lnRef>
+          <a:fillRef idx="0">
+            <a:schemeClr val="accent1"/>
+          </a:fillRef>
+          <a:effectRef idx="1">
+            <a:schemeClr val="accent1"/>
+          </a:effectRef>
+          <a:fontRef idx="minor">
+            <a:schemeClr val="tx1"/>
+          </a:fontRef>
+        </p:style>
+      </p:cxnSp>
+      <p:cxnSp>
+        <p:nvCxnSpPr>
+          <p:cNvPr id="54" name="Straight Connector 53">
+            <a:extLst>
+              <a:ext uri="{FF2B5EF4-FFF2-40B4-BE49-F238E27FC236}">
+                <a16:creationId xmlns:a16="http://schemas.microsoft.com/office/drawing/2014/main" id="{A4382371-E27D-FAC5-730D-6186A2C05154}"/>
+              </a:ext>
+            </a:extLst>
+          </p:cNvPr>
+          <p:cNvCxnSpPr>
+            <a:cxnSpLocks/>
+          </p:cNvCxnSpPr>
+          <p:nvPr/>
+        </p:nvCxnSpPr>
+        <p:spPr>
+          <a:xfrm flipV="1">
+            <a:off x="4351051" y="5130385"/>
+            <a:ext cx="1229674" cy="1571"/>
+          </a:xfrm>
+          <a:prstGeom prst="line">
+            <a:avLst/>
+          </a:prstGeom>
+        </p:spPr>
+        <p:style>
+          <a:lnRef idx="2">
+            <a:schemeClr val="accent1"/>
+          </a:lnRef>
+          <a:fillRef idx="0">
+            <a:schemeClr val="accent1"/>
+          </a:fillRef>
+          <a:effectRef idx="1">
+            <a:schemeClr val="accent1"/>
+          </a:effectRef>
+          <a:fontRef idx="minor">
+            <a:schemeClr val="tx1"/>
+          </a:fontRef>
+        </p:style>
+      </p:cxnSp>
+      <p:cxnSp>
+        <p:nvCxnSpPr>
+          <p:cNvPr id="56" name="Straight Connector 55">
+            <a:extLst>
+              <a:ext uri="{FF2B5EF4-FFF2-40B4-BE49-F238E27FC236}">
+                <a16:creationId xmlns:a16="http://schemas.microsoft.com/office/drawing/2014/main" id="{035306CD-EC18-7BD5-155A-D67965AB4F65}"/>
+              </a:ext>
+            </a:extLst>
+          </p:cNvPr>
+          <p:cNvCxnSpPr>
+            <a:cxnSpLocks/>
+          </p:cNvCxnSpPr>
+          <p:nvPr/>
+        </p:nvCxnSpPr>
+        <p:spPr>
+          <a:xfrm>
+            <a:off x="2061556" y="1354317"/>
+            <a:ext cx="0" cy="3479693"/>
+          </a:xfrm>
+          <a:prstGeom prst="line">
+            <a:avLst/>
+          </a:prstGeom>
+        </p:spPr>
+        <p:style>
+          <a:lnRef idx="2">
+            <a:schemeClr val="accent1"/>
+          </a:lnRef>
+          <a:fillRef idx="0">
+            <a:schemeClr val="accent1"/>
+          </a:fillRef>
+          <a:effectRef idx="1">
+            <a:schemeClr val="accent1"/>
+          </a:effectRef>
+          <a:fontRef idx="minor">
+            <a:schemeClr val="tx1"/>
+          </a:fontRef>
+        </p:style>
+      </p:cxnSp>
+      <p:cxnSp>
+        <p:nvCxnSpPr>
+          <p:cNvPr id="57" name="Straight Connector 56">
+            <a:extLst>
+              <a:ext uri="{FF2B5EF4-FFF2-40B4-BE49-F238E27FC236}">
+                <a16:creationId xmlns:a16="http://schemas.microsoft.com/office/drawing/2014/main" id="{5073A069-8B44-2496-1C6F-297C03A3E008}"/>
+              </a:ext>
+            </a:extLst>
+          </p:cNvPr>
+          <p:cNvCxnSpPr>
+            <a:cxnSpLocks/>
+          </p:cNvCxnSpPr>
+          <p:nvPr/>
+        </p:nvCxnSpPr>
+        <p:spPr>
+          <a:xfrm flipV="1">
+            <a:off x="2051606" y="1352746"/>
+            <a:ext cx="1398080" cy="1571"/>
+          </a:xfrm>
+          <a:prstGeom prst="line">
+            <a:avLst/>
+          </a:prstGeom>
+        </p:spPr>
+        <p:style>
+          <a:lnRef idx="2">
+            <a:schemeClr val="accent1"/>
+          </a:lnRef>
+          <a:fillRef idx="0">
+            <a:schemeClr val="accent1"/>
+          </a:fillRef>
+          <a:effectRef idx="1">
+            <a:schemeClr val="accent1"/>
+          </a:effectRef>
+          <a:fontRef idx="minor">
+            <a:schemeClr val="tx1"/>
+          </a:fontRef>
+        </p:style>
+      </p:cxnSp>
+      <p:cxnSp>
+        <p:nvCxnSpPr>
+          <p:cNvPr id="64" name="Straight Connector 63">
+            <a:extLst>
+              <a:ext uri="{FF2B5EF4-FFF2-40B4-BE49-F238E27FC236}">
+                <a16:creationId xmlns:a16="http://schemas.microsoft.com/office/drawing/2014/main" id="{8DD10BAB-D15A-EE80-8A68-E14A7F742506}"/>
+              </a:ext>
+            </a:extLst>
+          </p:cNvPr>
+          <p:cNvCxnSpPr>
+            <a:cxnSpLocks/>
+          </p:cNvCxnSpPr>
+          <p:nvPr/>
+        </p:nvCxnSpPr>
+        <p:spPr>
+          <a:xfrm>
+            <a:off x="5927105" y="1186441"/>
+            <a:ext cx="0" cy="4659592"/>
+          </a:xfrm>
+          <a:prstGeom prst="line">
+            <a:avLst/>
+          </a:prstGeom>
+        </p:spPr>
+        <p:style>
+          <a:lnRef idx="2">
+            <a:schemeClr val="accent1"/>
+          </a:lnRef>
+          <a:fillRef idx="0">
+            <a:schemeClr val="accent1"/>
+          </a:fillRef>
+          <a:effectRef idx="1">
+            <a:schemeClr val="accent1"/>
+          </a:effectRef>
+          <a:fontRef idx="minor">
+            <a:schemeClr val="tx1"/>
+          </a:fontRef>
+        </p:style>
+      </p:cxnSp>
+      <p:cxnSp>
+        <p:nvCxnSpPr>
+          <p:cNvPr id="68" name="Straight Connector 67">
+            <a:extLst>
+              <a:ext uri="{FF2B5EF4-FFF2-40B4-BE49-F238E27FC236}">
+                <a16:creationId xmlns:a16="http://schemas.microsoft.com/office/drawing/2014/main" id="{44F9C9A2-8E1E-B81E-3FCC-D6F4B3401357}"/>
+              </a:ext>
+            </a:extLst>
+          </p:cNvPr>
+          <p:cNvCxnSpPr>
+            <a:cxnSpLocks/>
+          </p:cNvCxnSpPr>
+          <p:nvPr/>
+        </p:nvCxnSpPr>
+        <p:spPr>
+          <a:xfrm>
+            <a:off x="4338746" y="1186441"/>
+            <a:ext cx="1585588" cy="0"/>
+          </a:xfrm>
+          <a:prstGeom prst="line">
+            <a:avLst/>
+          </a:prstGeom>
+        </p:spPr>
+        <p:style>
+          <a:lnRef idx="2">
+            <a:schemeClr val="accent1"/>
+          </a:lnRef>
+          <a:fillRef idx="0">
+            <a:schemeClr val="accent1"/>
+          </a:fillRef>
+          <a:effectRef idx="1">
+            <a:schemeClr val="accent1"/>
+          </a:effectRef>
+          <a:fontRef idx="minor">
+            <a:schemeClr val="tx1"/>
+          </a:fontRef>
+        </p:style>
+      </p:cxnSp>
+      <p:cxnSp>
+        <p:nvCxnSpPr>
+          <p:cNvPr id="72" name="Straight Connector 71">
+            <a:extLst>
+              <a:ext uri="{FF2B5EF4-FFF2-40B4-BE49-F238E27FC236}">
+                <a16:creationId xmlns:a16="http://schemas.microsoft.com/office/drawing/2014/main" id="{FD0BEB46-AE73-4AD4-5004-FEABB349AE78}"/>
+              </a:ext>
+            </a:extLst>
+          </p:cNvPr>
+          <p:cNvCxnSpPr>
+            <a:cxnSpLocks/>
+          </p:cNvCxnSpPr>
+          <p:nvPr/>
+        </p:nvCxnSpPr>
+        <p:spPr>
+          <a:xfrm>
+            <a:off x="4351051" y="5852325"/>
+            <a:ext cx="1573283" cy="0"/>
+          </a:xfrm>
+          <a:prstGeom prst="line">
+            <a:avLst/>
+          </a:prstGeom>
+        </p:spPr>
+        <p:style>
+          <a:lnRef idx="2">
+            <a:schemeClr val="accent1"/>
+          </a:lnRef>
+          <a:fillRef idx="0">
+            <a:schemeClr val="accent1"/>
+          </a:fillRef>
+          <a:effectRef idx="1">
+            <a:schemeClr val="accent1"/>
+          </a:effectRef>
+          <a:fontRef idx="minor">
+            <a:schemeClr val="tx1"/>
+          </a:fontRef>
+        </p:style>
+      </p:cxnSp>
+      <p:sp>
+        <p:nvSpPr>
+          <p:cNvPr id="75" name="TextBox 74">
+            <a:extLst>
+              <a:ext uri="{FF2B5EF4-FFF2-40B4-BE49-F238E27FC236}">
+                <a16:creationId xmlns:a16="http://schemas.microsoft.com/office/drawing/2014/main" id="{BF7571A4-5462-80B7-B943-1292CF4E978D}"/>
+              </a:ext>
+            </a:extLst>
+          </p:cNvPr>
+          <p:cNvSpPr txBox="1"/>
+          <p:nvPr/>
+        </p:nvSpPr>
+        <p:spPr>
+          <a:xfrm>
+            <a:off x="3997045" y="847961"/>
+            <a:ext cx="579407" cy="246221"/>
+          </a:xfrm>
+          <a:prstGeom prst="rect">
+            <a:avLst/>
+          </a:prstGeom>
+          <a:noFill/>
+        </p:spPr>
+        <p:txBody>
+          <a:bodyPr wrap="square" rtlCol="0">
+            <a:spAutoFit/>
+          </a:bodyPr>
+          <a:lstStyle/>
+          <a:p>
+            <a:r>
+              <a:rPr lang="en-US" sz="1000" dirty="0"/>
+              <a:t>1:M</a:t>
+            </a:r>
+          </a:p>
+        </p:txBody>
+      </p:sp>
+      <p:sp>
+        <p:nvSpPr>
+          <p:cNvPr id="77" name="TextBox 76">
+            <a:extLst>
+              <a:ext uri="{FF2B5EF4-FFF2-40B4-BE49-F238E27FC236}">
+                <a16:creationId xmlns:a16="http://schemas.microsoft.com/office/drawing/2014/main" id="{7F6DFE1D-2C2E-B880-F4BD-FE29C2FB272C}"/>
+              </a:ext>
+            </a:extLst>
+          </p:cNvPr>
+          <p:cNvSpPr txBox="1"/>
+          <p:nvPr/>
+        </p:nvSpPr>
+        <p:spPr>
+          <a:xfrm>
+            <a:off x="5544935" y="4464967"/>
+            <a:ext cx="579407" cy="215444"/>
+          </a:xfrm>
+          <a:prstGeom prst="rect">
+            <a:avLst/>
+          </a:prstGeom>
+          <a:noFill/>
+        </p:spPr>
+        <p:txBody>
+          <a:bodyPr wrap="square" rtlCol="0">
+            <a:spAutoFit/>
+          </a:bodyPr>
+          <a:lstStyle/>
+          <a:p>
+            <a:r>
+              <a:rPr lang="en-US" sz="800" dirty="0"/>
+              <a:t>M:M</a:t>
+            </a:r>
+          </a:p>
+        </p:txBody>
+      </p:sp>
+      <p:sp>
+        <p:nvSpPr>
+          <p:cNvPr id="78" name="TextBox 77">
+            <a:extLst>
+              <a:ext uri="{FF2B5EF4-FFF2-40B4-BE49-F238E27FC236}">
+                <a16:creationId xmlns:a16="http://schemas.microsoft.com/office/drawing/2014/main" id="{747FEBF2-DC1A-277B-E2E4-048A44C14ACB}"/>
+              </a:ext>
+            </a:extLst>
+          </p:cNvPr>
+          <p:cNvSpPr txBox="1"/>
+          <p:nvPr/>
+        </p:nvSpPr>
+        <p:spPr>
+          <a:xfrm>
+            <a:off x="5894059" y="4947249"/>
+            <a:ext cx="579407" cy="215444"/>
+          </a:xfrm>
+          <a:prstGeom prst="rect">
+            <a:avLst/>
+          </a:prstGeom>
+          <a:noFill/>
+        </p:spPr>
+        <p:txBody>
+          <a:bodyPr wrap="square" rtlCol="0">
+            <a:spAutoFit/>
+          </a:bodyPr>
+          <a:lstStyle/>
+          <a:p>
+            <a:r>
+              <a:rPr lang="en-US" sz="800" dirty="0"/>
+              <a:t>M:M</a:t>
+            </a:r>
+          </a:p>
+        </p:txBody>
+      </p:sp>
+      <p:sp>
+        <p:nvSpPr>
+          <p:cNvPr id="79" name="TextBox 78">
+            <a:extLst>
+              <a:ext uri="{FF2B5EF4-FFF2-40B4-BE49-F238E27FC236}">
+                <a16:creationId xmlns:a16="http://schemas.microsoft.com/office/drawing/2014/main" id="{E78150B0-09A1-2AD1-3D66-988FAC6A963C}"/>
+              </a:ext>
+            </a:extLst>
+          </p:cNvPr>
+          <p:cNvSpPr txBox="1"/>
+          <p:nvPr/>
+        </p:nvSpPr>
+        <p:spPr>
+          <a:xfrm>
+            <a:off x="5234033" y="3891699"/>
+            <a:ext cx="579407" cy="215444"/>
+          </a:xfrm>
+          <a:prstGeom prst="rect">
+            <a:avLst/>
+          </a:prstGeom>
+          <a:noFill/>
+        </p:spPr>
+        <p:txBody>
+          <a:bodyPr wrap="square" rtlCol="0">
+            <a:spAutoFit/>
+          </a:bodyPr>
+          <a:lstStyle/>
+          <a:p>
+            <a:r>
+              <a:rPr lang="en-US" sz="800" dirty="0"/>
+              <a:t>M:M</a:t>
+            </a:r>
+          </a:p>
+        </p:txBody>
+      </p:sp>
+      <p:sp>
+        <p:nvSpPr>
+          <p:cNvPr id="80" name="TextBox 79">
+            <a:extLst>
+              <a:ext uri="{FF2B5EF4-FFF2-40B4-BE49-F238E27FC236}">
+                <a16:creationId xmlns:a16="http://schemas.microsoft.com/office/drawing/2014/main" id="{B31057AF-FB7D-C68A-2BB5-E6A4BB12595E}"/>
+              </a:ext>
+            </a:extLst>
+          </p:cNvPr>
+          <p:cNvSpPr txBox="1"/>
+          <p:nvPr/>
+        </p:nvSpPr>
+        <p:spPr>
+          <a:xfrm>
+            <a:off x="4918760" y="3220455"/>
+            <a:ext cx="579407" cy="215444"/>
+          </a:xfrm>
+          <a:prstGeom prst="rect">
+            <a:avLst/>
+          </a:prstGeom>
+          <a:noFill/>
+        </p:spPr>
+        <p:txBody>
+          <a:bodyPr wrap="square" rtlCol="0">
+            <a:spAutoFit/>
+          </a:bodyPr>
+          <a:lstStyle/>
+          <a:p>
+            <a:r>
+              <a:rPr lang="en-US" sz="800" dirty="0"/>
+              <a:t>M:M</a:t>
+            </a:r>
+          </a:p>
+        </p:txBody>
+      </p:sp>
+      <p:sp>
+        <p:nvSpPr>
+          <p:cNvPr id="81" name="TextBox 80">
+            <a:extLst>
+              <a:ext uri="{FF2B5EF4-FFF2-40B4-BE49-F238E27FC236}">
+                <a16:creationId xmlns:a16="http://schemas.microsoft.com/office/drawing/2014/main" id="{47DD2D61-3B13-0459-D2C5-5A5443E93827}"/>
+              </a:ext>
+            </a:extLst>
+          </p:cNvPr>
+          <p:cNvSpPr txBox="1"/>
+          <p:nvPr/>
+        </p:nvSpPr>
+        <p:spPr>
+          <a:xfrm>
+            <a:off x="4572701" y="2570885"/>
+            <a:ext cx="579407" cy="215444"/>
+          </a:xfrm>
+          <a:prstGeom prst="rect">
+            <a:avLst/>
+          </a:prstGeom>
+          <a:noFill/>
+        </p:spPr>
+        <p:txBody>
+          <a:bodyPr wrap="square" rtlCol="0">
+            <a:spAutoFit/>
+          </a:bodyPr>
+          <a:lstStyle/>
+          <a:p>
+            <a:r>
+              <a:rPr lang="en-US" sz="800" dirty="0"/>
+              <a:t>M:M</a:t>
+            </a:r>
+          </a:p>
+        </p:txBody>
+      </p:sp>
+      <p:sp>
+        <p:nvSpPr>
+          <p:cNvPr id="85" name="TextBox 84">
+            <a:extLst>
+              <a:ext uri="{FF2B5EF4-FFF2-40B4-BE49-F238E27FC236}">
+                <a16:creationId xmlns:a16="http://schemas.microsoft.com/office/drawing/2014/main" id="{D0C09231-B1BF-BC00-B801-427A9EB2C21B}"/>
+              </a:ext>
+            </a:extLst>
+          </p:cNvPr>
+          <p:cNvSpPr txBox="1"/>
+          <p:nvPr/>
+        </p:nvSpPr>
+        <p:spPr>
+          <a:xfrm>
+            <a:off x="3927663" y="1621633"/>
+            <a:ext cx="579407" cy="215444"/>
+          </a:xfrm>
+          <a:prstGeom prst="rect">
+            <a:avLst/>
+          </a:prstGeom>
+          <a:noFill/>
+        </p:spPr>
+        <p:txBody>
+          <a:bodyPr wrap="square" rtlCol="0">
+            <a:spAutoFit/>
+          </a:bodyPr>
+          <a:lstStyle/>
+          <a:p>
+            <a:r>
+              <a:rPr lang="en-US" sz="800" dirty="0"/>
+              <a:t>M:M</a:t>
+            </a:r>
+          </a:p>
+        </p:txBody>
+      </p:sp>
+      <p:sp>
+        <p:nvSpPr>
+          <p:cNvPr id="86" name="TextBox 85">
+            <a:extLst>
+              <a:ext uri="{FF2B5EF4-FFF2-40B4-BE49-F238E27FC236}">
+                <a16:creationId xmlns:a16="http://schemas.microsoft.com/office/drawing/2014/main" id="{DB5B1CB8-7EEC-E449-9518-3F9906D9C32D}"/>
+              </a:ext>
+            </a:extLst>
+          </p:cNvPr>
+          <p:cNvSpPr txBox="1"/>
+          <p:nvPr/>
+        </p:nvSpPr>
+        <p:spPr>
+          <a:xfrm>
+            <a:off x="3946468" y="2347862"/>
+            <a:ext cx="579407" cy="215444"/>
+          </a:xfrm>
+          <a:prstGeom prst="rect">
+            <a:avLst/>
+          </a:prstGeom>
+          <a:noFill/>
+        </p:spPr>
+        <p:txBody>
+          <a:bodyPr wrap="square" rtlCol="0">
+            <a:spAutoFit/>
+          </a:bodyPr>
+          <a:lstStyle/>
+          <a:p>
+            <a:r>
+              <a:rPr lang="en-US" sz="800" dirty="0"/>
+              <a:t>1:M</a:t>
+            </a:r>
+          </a:p>
+        </p:txBody>
+      </p:sp>
+      <p:sp>
+        <p:nvSpPr>
+          <p:cNvPr id="87" name="TextBox 86">
+            <a:extLst>
+              <a:ext uri="{FF2B5EF4-FFF2-40B4-BE49-F238E27FC236}">
+                <a16:creationId xmlns:a16="http://schemas.microsoft.com/office/drawing/2014/main" id="{F277EA7D-259B-D8C0-1CCC-5F7D9CB9D246}"/>
+              </a:ext>
+            </a:extLst>
+          </p:cNvPr>
+          <p:cNvSpPr txBox="1"/>
+          <p:nvPr/>
+        </p:nvSpPr>
+        <p:spPr>
+          <a:xfrm>
+            <a:off x="3946468" y="3098865"/>
+            <a:ext cx="579407" cy="215444"/>
+          </a:xfrm>
+          <a:prstGeom prst="rect">
+            <a:avLst/>
+          </a:prstGeom>
+          <a:noFill/>
+        </p:spPr>
+        <p:txBody>
+          <a:bodyPr wrap="square" rtlCol="0">
+            <a:spAutoFit/>
+          </a:bodyPr>
+          <a:lstStyle/>
+          <a:p>
+            <a:r>
+              <a:rPr lang="en-US" sz="800" dirty="0"/>
+              <a:t>1:M</a:t>
+            </a:r>
+          </a:p>
+        </p:txBody>
+      </p:sp>
+      <p:sp>
+        <p:nvSpPr>
+          <p:cNvPr id="88" name="TextBox 87">
+            <a:extLst>
+              <a:ext uri="{FF2B5EF4-FFF2-40B4-BE49-F238E27FC236}">
+                <a16:creationId xmlns:a16="http://schemas.microsoft.com/office/drawing/2014/main" id="{116420A0-93CC-6D55-F858-EC412402B532}"/>
+              </a:ext>
+            </a:extLst>
+          </p:cNvPr>
+          <p:cNvSpPr txBox="1"/>
+          <p:nvPr/>
+        </p:nvSpPr>
+        <p:spPr>
+          <a:xfrm>
+            <a:off x="3950014" y="3875706"/>
+            <a:ext cx="579407" cy="215444"/>
+          </a:xfrm>
+          <a:prstGeom prst="rect">
+            <a:avLst/>
+          </a:prstGeom>
+          <a:noFill/>
+        </p:spPr>
+        <p:txBody>
+          <a:bodyPr wrap="square" rtlCol="0">
+            <a:spAutoFit/>
+          </a:bodyPr>
+          <a:lstStyle/>
+          <a:p>
+            <a:r>
+              <a:rPr lang="en-US" sz="800" dirty="0"/>
+              <a:t>1:M</a:t>
+            </a:r>
+          </a:p>
+        </p:txBody>
+      </p:sp>
+      <p:sp>
+        <p:nvSpPr>
+          <p:cNvPr id="89" name="TextBox 88">
+            <a:extLst>
+              <a:ext uri="{FF2B5EF4-FFF2-40B4-BE49-F238E27FC236}">
+                <a16:creationId xmlns:a16="http://schemas.microsoft.com/office/drawing/2014/main" id="{9C8F5AEC-C648-98B6-0AC7-FA94824C7DEC}"/>
+              </a:ext>
+            </a:extLst>
+          </p:cNvPr>
+          <p:cNvSpPr txBox="1"/>
+          <p:nvPr/>
+        </p:nvSpPr>
+        <p:spPr>
+          <a:xfrm>
+            <a:off x="3946467" y="5371429"/>
+            <a:ext cx="579407" cy="215444"/>
+          </a:xfrm>
+          <a:prstGeom prst="rect">
+            <a:avLst/>
+          </a:prstGeom>
+          <a:noFill/>
+        </p:spPr>
+        <p:txBody>
+          <a:bodyPr wrap="square" rtlCol="0">
+            <a:spAutoFit/>
+          </a:bodyPr>
+          <a:lstStyle/>
+          <a:p>
+            <a:r>
+              <a:rPr lang="en-US" sz="800" dirty="0"/>
+              <a:t>M:M</a:t>
+            </a:r>
+          </a:p>
+        </p:txBody>
+      </p:sp>
+      <p:sp>
+        <p:nvSpPr>
+          <p:cNvPr id="91" name="TextBox 90">
+            <a:extLst>
+              <a:ext uri="{FF2B5EF4-FFF2-40B4-BE49-F238E27FC236}">
+                <a16:creationId xmlns:a16="http://schemas.microsoft.com/office/drawing/2014/main" id="{C735A658-6ECB-941F-9B9D-AF3312B6CF88}"/>
+              </a:ext>
+            </a:extLst>
+          </p:cNvPr>
+          <p:cNvSpPr txBox="1"/>
+          <p:nvPr/>
+        </p:nvSpPr>
+        <p:spPr>
+          <a:xfrm>
+            <a:off x="3977663" y="4618566"/>
+            <a:ext cx="579407" cy="215444"/>
+          </a:xfrm>
+          <a:prstGeom prst="rect">
+            <a:avLst/>
+          </a:prstGeom>
+          <a:noFill/>
+        </p:spPr>
+        <p:txBody>
+          <a:bodyPr wrap="square" rtlCol="0">
+            <a:spAutoFit/>
+          </a:bodyPr>
+          <a:lstStyle/>
+          <a:p>
+            <a:r>
+              <a:rPr lang="en-US" sz="800" dirty="0"/>
+              <a:t>1:M</a:t>
+            </a:r>
+          </a:p>
+        </p:txBody>
+      </p:sp>
+      <p:sp>
+        <p:nvSpPr>
+          <p:cNvPr id="92" name="TextBox 91">
+            <a:extLst>
+              <a:ext uri="{FF2B5EF4-FFF2-40B4-BE49-F238E27FC236}">
+                <a16:creationId xmlns:a16="http://schemas.microsoft.com/office/drawing/2014/main" id="{58DB3474-E3E6-9BD8-D46F-7922388FBDB8}"/>
+              </a:ext>
+            </a:extLst>
+          </p:cNvPr>
+          <p:cNvSpPr txBox="1"/>
+          <p:nvPr/>
+        </p:nvSpPr>
+        <p:spPr>
+          <a:xfrm>
+            <a:off x="2995737" y="4839527"/>
+            <a:ext cx="579407" cy="215444"/>
+          </a:xfrm>
+          <a:prstGeom prst="rect">
+            <a:avLst/>
+          </a:prstGeom>
+          <a:noFill/>
+        </p:spPr>
+        <p:txBody>
+          <a:bodyPr wrap="square" rtlCol="0">
+            <a:spAutoFit/>
+          </a:bodyPr>
+          <a:lstStyle/>
+          <a:p>
+            <a:r>
+              <a:rPr lang="en-US" sz="800" dirty="0"/>
+              <a:t>1:M</a:t>
+            </a:r>
+          </a:p>
+        </p:txBody>
+      </p:sp>
+      <p:sp>
+        <p:nvSpPr>
+          <p:cNvPr id="93" name="TextBox 92">
+            <a:extLst>
+              <a:ext uri="{FF2B5EF4-FFF2-40B4-BE49-F238E27FC236}">
+                <a16:creationId xmlns:a16="http://schemas.microsoft.com/office/drawing/2014/main" id="{C7FE0297-9B31-DEBA-7776-3CE824E0AAD4}"/>
+              </a:ext>
+            </a:extLst>
+          </p:cNvPr>
+          <p:cNvSpPr txBox="1"/>
+          <p:nvPr/>
+        </p:nvSpPr>
+        <p:spPr>
+          <a:xfrm>
+            <a:off x="2030695" y="2355441"/>
+            <a:ext cx="579407" cy="215444"/>
+          </a:xfrm>
+          <a:prstGeom prst="rect">
+            <a:avLst/>
+          </a:prstGeom>
+          <a:noFill/>
+        </p:spPr>
+        <p:txBody>
+          <a:bodyPr wrap="square" rtlCol="0">
+            <a:spAutoFit/>
+          </a:bodyPr>
+          <a:lstStyle/>
+          <a:p>
+            <a:r>
+              <a:rPr lang="en-US" sz="800" dirty="0"/>
+              <a:t>M:M</a:t>
+            </a:r>
+          </a:p>
+        </p:txBody>
+      </p:sp>
+      <p:sp>
+        <p:nvSpPr>
+          <p:cNvPr id="94" name="TextBox 93">
+            <a:extLst>
+              <a:ext uri="{FF2B5EF4-FFF2-40B4-BE49-F238E27FC236}">
+                <a16:creationId xmlns:a16="http://schemas.microsoft.com/office/drawing/2014/main" id="{84A3984B-ADD5-D3A1-76BE-6B7DEDE71DCB}"/>
+              </a:ext>
+            </a:extLst>
+          </p:cNvPr>
+          <p:cNvSpPr txBox="1"/>
+          <p:nvPr/>
+        </p:nvSpPr>
+        <p:spPr>
+          <a:xfrm>
+            <a:off x="3348256" y="6095061"/>
+            <a:ext cx="579407" cy="215444"/>
+          </a:xfrm>
+          <a:prstGeom prst="rect">
+            <a:avLst/>
+          </a:prstGeom>
+          <a:noFill/>
+        </p:spPr>
+        <p:txBody>
+          <a:bodyPr wrap="square" rtlCol="0">
+            <a:spAutoFit/>
+          </a:bodyPr>
+          <a:lstStyle/>
+          <a:p>
+            <a:r>
+              <a:rPr lang="en-US" sz="800" dirty="0"/>
+              <a:t>M:M</a:t>
+            </a:r>
+          </a:p>
+        </p:txBody>
+      </p:sp>
+      <p:sp>
+        <p:nvSpPr>
+          <p:cNvPr id="99" name="TextBox 98">
+            <a:extLst>
+              <a:ext uri="{FF2B5EF4-FFF2-40B4-BE49-F238E27FC236}">
+                <a16:creationId xmlns:a16="http://schemas.microsoft.com/office/drawing/2014/main" id="{46800C50-6F7F-7701-D4B4-48FD0A0A1B9B}"/>
+              </a:ext>
+            </a:extLst>
+          </p:cNvPr>
+          <p:cNvSpPr txBox="1"/>
+          <p:nvPr/>
+        </p:nvSpPr>
+        <p:spPr>
+          <a:xfrm>
+            <a:off x="1480678" y="5430451"/>
+            <a:ext cx="579407" cy="215444"/>
+          </a:xfrm>
+          <a:prstGeom prst="rect">
+            <a:avLst/>
+          </a:prstGeom>
+          <a:noFill/>
+        </p:spPr>
+        <p:txBody>
+          <a:bodyPr wrap="square" rtlCol="0">
+            <a:spAutoFit/>
+          </a:bodyPr>
+          <a:lstStyle/>
+          <a:p>
+            <a:r>
+              <a:rPr lang="en-US" sz="800" dirty="0"/>
+              <a:t>1:1</a:t>
+            </a:r>
+          </a:p>
+        </p:txBody>
+      </p:sp>
+      <p:sp>
+        <p:nvSpPr>
+          <p:cNvPr id="100" name="TextBox 99">
+            <a:extLst>
+              <a:ext uri="{FF2B5EF4-FFF2-40B4-BE49-F238E27FC236}">
+                <a16:creationId xmlns:a16="http://schemas.microsoft.com/office/drawing/2014/main" id="{9362048E-8405-ABB8-B14C-4E4D7F458247}"/>
+              </a:ext>
+            </a:extLst>
+          </p:cNvPr>
+          <p:cNvSpPr txBox="1"/>
+          <p:nvPr/>
+        </p:nvSpPr>
+        <p:spPr>
+          <a:xfrm>
+            <a:off x="2207448" y="5430451"/>
+            <a:ext cx="579407" cy="215444"/>
+          </a:xfrm>
+          <a:prstGeom prst="rect">
+            <a:avLst/>
+          </a:prstGeom>
+          <a:noFill/>
+        </p:spPr>
+        <p:txBody>
+          <a:bodyPr wrap="square" rtlCol="0">
+            <a:spAutoFit/>
+          </a:bodyPr>
+          <a:lstStyle/>
+          <a:p>
+            <a:r>
+              <a:rPr lang="en-US" sz="800" dirty="0"/>
+              <a:t>1:M</a:t>
+            </a:r>
+          </a:p>
+        </p:txBody>
+      </p:sp>
+      <p:cxnSp>
+        <p:nvCxnSpPr>
+          <p:cNvPr id="102" name="Straight Connector 101">
+            <a:extLst>
+              <a:ext uri="{FF2B5EF4-FFF2-40B4-BE49-F238E27FC236}">
+                <a16:creationId xmlns:a16="http://schemas.microsoft.com/office/drawing/2014/main" id="{6EF545D3-707C-56C2-3739-DD664E76ED1F}"/>
+              </a:ext>
+            </a:extLst>
+          </p:cNvPr>
+          <p:cNvCxnSpPr>
+            <a:cxnSpLocks/>
+          </p:cNvCxnSpPr>
+          <p:nvPr/>
+        </p:nvCxnSpPr>
+        <p:spPr>
+          <a:xfrm>
+            <a:off x="2786855" y="5050414"/>
+            <a:ext cx="0" cy="595481"/>
+          </a:xfrm>
+          <a:prstGeom prst="line">
+            <a:avLst/>
+          </a:prstGeom>
+        </p:spPr>
+        <p:style>
+          <a:lnRef idx="2">
+            <a:schemeClr val="accent1"/>
+          </a:lnRef>
+          <a:fillRef idx="0">
+            <a:schemeClr val="accent1"/>
+          </a:fillRef>
+          <a:effectRef idx="1">
+            <a:schemeClr val="accent1"/>
+          </a:effectRef>
+          <a:fontRef idx="minor">
+            <a:schemeClr val="tx1"/>
+          </a:fontRef>
+        </p:style>
+      </p:cxnSp>
+      <p:sp>
+        <p:nvSpPr>
+          <p:cNvPr id="106" name="TextBox 105">
+            <a:extLst>
+              <a:ext uri="{FF2B5EF4-FFF2-40B4-BE49-F238E27FC236}">
+                <a16:creationId xmlns:a16="http://schemas.microsoft.com/office/drawing/2014/main" id="{641177FE-06C3-894A-798A-C42999664849}"/>
+              </a:ext>
+            </a:extLst>
+          </p:cNvPr>
+          <p:cNvSpPr txBox="1"/>
+          <p:nvPr/>
+        </p:nvSpPr>
+        <p:spPr>
+          <a:xfrm>
+            <a:off x="2735217" y="5232445"/>
+            <a:ext cx="579407" cy="215444"/>
+          </a:xfrm>
+          <a:prstGeom prst="rect">
+            <a:avLst/>
+          </a:prstGeom>
+          <a:noFill/>
+        </p:spPr>
+        <p:txBody>
+          <a:bodyPr wrap="square" rtlCol="0">
+            <a:spAutoFit/>
+          </a:bodyPr>
+          <a:lstStyle/>
+          <a:p>
+            <a:r>
+              <a:rPr lang="en-US" sz="800" dirty="0"/>
+              <a:t>1:M</a:t>
+            </a:r>
+          </a:p>
+        </p:txBody>
+      </p:sp>
+      <p:grpSp>
+        <p:nvGrpSpPr>
+          <p:cNvPr id="107" name="Group 106">
+            <a:extLst>
+              <a:ext uri="{FF2B5EF4-FFF2-40B4-BE49-F238E27FC236}">
+                <a16:creationId xmlns:a16="http://schemas.microsoft.com/office/drawing/2014/main" id="{EC4AE05F-E688-D9B9-BC7C-A47C791B0DD6}"/>
+              </a:ext>
+            </a:extLst>
+          </p:cNvPr>
+          <p:cNvGrpSpPr/>
+          <p:nvPr/>
+        </p:nvGrpSpPr>
+        <p:grpSpPr>
+          <a:xfrm>
+            <a:off x="5152108" y="6334607"/>
+            <a:ext cx="1057309" cy="528654"/>
+            <a:chOff x="961291" y="4492300"/>
+            <a:chExt cx="1057309" cy="528654"/>
+          </a:xfrm>
+        </p:grpSpPr>
+        <p:sp>
+          <p:nvSpPr>
+            <p:cNvPr id="108" name="Rectangle 107">
+              <a:extLst>
+                <a:ext uri="{FF2B5EF4-FFF2-40B4-BE49-F238E27FC236}">
+                  <a16:creationId xmlns:a16="http://schemas.microsoft.com/office/drawing/2014/main" id="{80BB113B-9B20-8F2C-58C5-3B1A9F0C49CF}"/>
+                </a:ext>
+              </a:extLst>
+            </p:cNvPr>
+            <p:cNvSpPr/>
+            <p:nvPr/>
+          </p:nvSpPr>
+          <p:spPr>
+            <a:xfrm>
+              <a:off x="961291" y="4492300"/>
+              <a:ext cx="1057309" cy="528654"/>
+            </a:xfrm>
+            <a:prstGeom prst="rect">
+              <a:avLst/>
+            </a:prstGeom>
+          </p:spPr>
+          <p:style>
+            <a:lnRef idx="2">
+              <a:schemeClr val="lt1">
+                <a:hueOff val="0"/>
+                <a:satOff val="0"/>
+                <a:lumOff val="0"/>
+                <a:alphaOff val="0"/>
+              </a:schemeClr>
+            </a:lnRef>
+            <a:fillRef idx="1">
+              <a:schemeClr val="accent1">
+                <a:hueOff val="0"/>
+                <a:satOff val="0"/>
+                <a:lumOff val="0"/>
+                <a:alphaOff val="0"/>
+              </a:schemeClr>
+            </a:fillRef>
+            <a:effectRef idx="0">
+              <a:schemeClr val="accent1">
+                <a:hueOff val="0"/>
+                <a:satOff val="0"/>
+                <a:lumOff val="0"/>
+                <a:alphaOff val="0"/>
+              </a:schemeClr>
+            </a:effectRef>
+            <a:fontRef idx="minor">
+              <a:schemeClr val="lt1"/>
+            </a:fontRef>
+          </p:style>
+          <p:txBody>
+            <a:bodyPr/>
+            <a:lstStyle/>
+            <a:p>
+              <a:endParaRPr lang="en-US"/>
+            </a:p>
+          </p:txBody>
+        </p:sp>
+        <p:sp>
+          <p:nvSpPr>
+            <p:cNvPr id="109" name="TextBox 108">
+              <a:extLst>
+                <a:ext uri="{FF2B5EF4-FFF2-40B4-BE49-F238E27FC236}">
+                  <a16:creationId xmlns:a16="http://schemas.microsoft.com/office/drawing/2014/main" id="{D56AC73A-E055-8330-73D8-E7B2CDC621FC}"/>
+                </a:ext>
+              </a:extLst>
+            </p:cNvPr>
+            <p:cNvSpPr txBox="1"/>
+            <p:nvPr/>
+          </p:nvSpPr>
+          <p:spPr>
+            <a:xfrm>
+              <a:off x="961291" y="4492300"/>
+              <a:ext cx="1057309" cy="528654"/>
+            </a:xfrm>
+            <a:prstGeom prst="rect">
+              <a:avLst/>
+            </a:prstGeom>
+          </p:spPr>
+          <p:style>
+            <a:lnRef idx="0">
+              <a:scrgbClr r="0" g="0" b="0"/>
+            </a:lnRef>
+            <a:fillRef idx="0">
+              <a:scrgbClr r="0" g="0" b="0"/>
+            </a:fillRef>
+            <a:effectRef idx="0">
+              <a:scrgbClr r="0" g="0" b="0"/>
+            </a:effectRef>
+            <a:fontRef idx="minor">
+              <a:schemeClr val="lt1"/>
+            </a:fontRef>
+          </p:style>
+          <p:txBody>
+            <a:bodyPr spcFirstLastPara="0" vert="horz" wrap="square" lIns="9525" tIns="9525" rIns="9525" bIns="9525" numCol="1" spcCol="1270" anchor="ctr" anchorCtr="0">
+              <a:noAutofit/>
+            </a:bodyPr>
+            <a:lstStyle/>
+            <a:p>
+              <a:pPr marL="0" lvl="0" indent="0" algn="ctr" defTabSz="666750">
+                <a:lnSpc>
+                  <a:spcPct val="90000"/>
+                </a:lnSpc>
+                <a:spcBef>
+                  <a:spcPct val="0"/>
+                </a:spcBef>
+                <a:spcAft>
+                  <a:spcPct val="35000"/>
+                </a:spcAft>
+                <a:buNone/>
+              </a:pPr>
+              <a:r>
+                <a:rPr lang="en-US" sz="1500" kern="1200" dirty="0"/>
+                <a:t>Laboratory</a:t>
+              </a:r>
+            </a:p>
+          </p:txBody>
+        </p:sp>
+      </p:grpSp>
+      <p:cxnSp>
+        <p:nvCxnSpPr>
+          <p:cNvPr id="110" name="Straight Connector 109">
+            <a:extLst>
+              <a:ext uri="{FF2B5EF4-FFF2-40B4-BE49-F238E27FC236}">
+                <a16:creationId xmlns:a16="http://schemas.microsoft.com/office/drawing/2014/main" id="{D6CC8335-E339-C412-8022-E48120A0A669}"/>
+              </a:ext>
+            </a:extLst>
+          </p:cNvPr>
+          <p:cNvCxnSpPr>
+            <a:cxnSpLocks/>
+            <a:endCxn id="108" idx="1"/>
+          </p:cNvCxnSpPr>
+          <p:nvPr/>
+        </p:nvCxnSpPr>
+        <p:spPr>
+          <a:xfrm>
+            <a:off x="4630062" y="6598934"/>
+            <a:ext cx="522046" cy="0"/>
+          </a:xfrm>
+          <a:prstGeom prst="line">
+            <a:avLst/>
+          </a:prstGeom>
+        </p:spPr>
+        <p:style>
+          <a:lnRef idx="2">
+            <a:schemeClr val="accent1"/>
+          </a:lnRef>
+          <a:fillRef idx="0">
+            <a:schemeClr val="accent1"/>
+          </a:fillRef>
+          <a:effectRef idx="1">
+            <a:schemeClr val="accent1"/>
+          </a:effectRef>
+          <a:fontRef idx="minor">
+            <a:schemeClr val="tx1"/>
+          </a:fontRef>
+        </p:style>
+      </p:cxnSp>
+      <p:sp>
+        <p:nvSpPr>
+          <p:cNvPr id="114" name="TextBox 113">
+            <a:extLst>
+              <a:ext uri="{FF2B5EF4-FFF2-40B4-BE49-F238E27FC236}">
+                <a16:creationId xmlns:a16="http://schemas.microsoft.com/office/drawing/2014/main" id="{CD192B43-042B-4834-36DC-68F8970FFAEB}"/>
+              </a:ext>
+            </a:extLst>
+          </p:cNvPr>
+          <p:cNvSpPr txBox="1"/>
+          <p:nvPr/>
+        </p:nvSpPr>
+        <p:spPr>
+          <a:xfrm>
+            <a:off x="4680656" y="6383490"/>
+            <a:ext cx="579407" cy="215444"/>
+          </a:xfrm>
+          <a:prstGeom prst="rect">
+            <a:avLst/>
+          </a:prstGeom>
+          <a:noFill/>
+        </p:spPr>
+        <p:txBody>
+          <a:bodyPr wrap="square" rtlCol="0">
+            <a:spAutoFit/>
+          </a:bodyPr>
+          <a:lstStyle/>
+          <a:p>
+            <a:r>
+              <a:rPr lang="en-US" sz="800" dirty="0"/>
+              <a:t>M:1</a:t>
+            </a:r>
+          </a:p>
+        </p:txBody>
+      </p:sp>
+      <p:grpSp>
+        <p:nvGrpSpPr>
+          <p:cNvPr id="115" name="Group 114">
+            <a:extLst>
+              <a:ext uri="{FF2B5EF4-FFF2-40B4-BE49-F238E27FC236}">
+                <a16:creationId xmlns:a16="http://schemas.microsoft.com/office/drawing/2014/main" id="{F13AEDCD-EC4C-A2B1-3B3F-83CAA2E4840D}"/>
+              </a:ext>
+            </a:extLst>
+          </p:cNvPr>
+          <p:cNvGrpSpPr/>
+          <p:nvPr/>
+        </p:nvGrpSpPr>
+        <p:grpSpPr>
+          <a:xfrm>
+            <a:off x="1411290" y="6320821"/>
+            <a:ext cx="1057309" cy="528654"/>
+            <a:chOff x="961291" y="4492300"/>
+            <a:chExt cx="1057309" cy="528654"/>
+          </a:xfrm>
+        </p:grpSpPr>
+        <p:sp>
+          <p:nvSpPr>
+            <p:cNvPr id="116" name="Rectangle 115">
+              <a:extLst>
+                <a:ext uri="{FF2B5EF4-FFF2-40B4-BE49-F238E27FC236}">
+                  <a16:creationId xmlns:a16="http://schemas.microsoft.com/office/drawing/2014/main" id="{A6744D6F-F25B-9A29-1AD3-172DDD2A8306}"/>
+                </a:ext>
+              </a:extLst>
+            </p:cNvPr>
+            <p:cNvSpPr/>
+            <p:nvPr/>
+          </p:nvSpPr>
+          <p:spPr>
+            <a:xfrm>
+              <a:off x="961291" y="4492300"/>
+              <a:ext cx="1057309" cy="528654"/>
+            </a:xfrm>
+            <a:prstGeom prst="rect">
+              <a:avLst/>
+            </a:prstGeom>
+          </p:spPr>
+          <p:style>
+            <a:lnRef idx="2">
+              <a:schemeClr val="lt1">
+                <a:hueOff val="0"/>
+                <a:satOff val="0"/>
+                <a:lumOff val="0"/>
+                <a:alphaOff val="0"/>
+              </a:schemeClr>
+            </a:lnRef>
+            <a:fillRef idx="1">
+              <a:schemeClr val="accent1">
+                <a:hueOff val="0"/>
+                <a:satOff val="0"/>
+                <a:lumOff val="0"/>
+                <a:alphaOff val="0"/>
+              </a:schemeClr>
+            </a:fillRef>
+            <a:effectRef idx="0">
+              <a:schemeClr val="accent1">
+                <a:hueOff val="0"/>
+                <a:satOff val="0"/>
+                <a:lumOff val="0"/>
+                <a:alphaOff val="0"/>
+              </a:schemeClr>
+            </a:effectRef>
+            <a:fontRef idx="minor">
+              <a:schemeClr val="lt1"/>
+            </a:fontRef>
+          </p:style>
+          <p:txBody>
+            <a:bodyPr/>
+            <a:lstStyle/>
+            <a:p>
+              <a:endParaRPr lang="en-US"/>
+            </a:p>
+          </p:txBody>
+        </p:sp>
+        <p:sp>
+          <p:nvSpPr>
+            <p:cNvPr id="117" name="TextBox 116">
+              <a:extLst>
+                <a:ext uri="{FF2B5EF4-FFF2-40B4-BE49-F238E27FC236}">
+                  <a16:creationId xmlns:a16="http://schemas.microsoft.com/office/drawing/2014/main" id="{EC37A962-FC49-9E19-99D6-35AF91B3F888}"/>
+                </a:ext>
+              </a:extLst>
+            </p:cNvPr>
+            <p:cNvSpPr txBox="1"/>
+            <p:nvPr/>
+          </p:nvSpPr>
+          <p:spPr>
+            <a:xfrm>
+              <a:off x="961291" y="4492300"/>
+              <a:ext cx="1057309" cy="528654"/>
+            </a:xfrm>
+            <a:prstGeom prst="rect">
+              <a:avLst/>
+            </a:prstGeom>
+          </p:spPr>
+          <p:style>
+            <a:lnRef idx="0">
+              <a:scrgbClr r="0" g="0" b="0"/>
+            </a:lnRef>
+            <a:fillRef idx="0">
+              <a:scrgbClr r="0" g="0" b="0"/>
+            </a:fillRef>
+            <a:effectRef idx="0">
+              <a:scrgbClr r="0" g="0" b="0"/>
+            </a:effectRef>
+            <a:fontRef idx="minor">
+              <a:schemeClr val="lt1"/>
+            </a:fontRef>
+          </p:style>
+          <p:txBody>
+            <a:bodyPr spcFirstLastPara="0" vert="horz" wrap="square" lIns="9525" tIns="9525" rIns="9525" bIns="9525" numCol="1" spcCol="1270" anchor="ctr" anchorCtr="0">
+              <a:noAutofit/>
+            </a:bodyPr>
+            <a:lstStyle/>
+            <a:p>
+              <a:pPr marL="0" lvl="0" indent="0" algn="ctr" defTabSz="666750">
+                <a:lnSpc>
+                  <a:spcPct val="90000"/>
+                </a:lnSpc>
+                <a:spcBef>
+                  <a:spcPct val="0"/>
+                </a:spcBef>
+                <a:spcAft>
+                  <a:spcPct val="35000"/>
+                </a:spcAft>
+                <a:buNone/>
+              </a:pPr>
+              <a:r>
+                <a:rPr lang="en-US" sz="1500" kern="1200" dirty="0"/>
+                <a:t>Export</a:t>
+              </a:r>
+            </a:p>
+          </p:txBody>
+        </p:sp>
+      </p:grpSp>
+      <p:cxnSp>
+        <p:nvCxnSpPr>
+          <p:cNvPr id="119" name="Straight Connector 118">
+            <a:extLst>
+              <a:ext uri="{FF2B5EF4-FFF2-40B4-BE49-F238E27FC236}">
+                <a16:creationId xmlns:a16="http://schemas.microsoft.com/office/drawing/2014/main" id="{509EFB11-BDF7-B9DF-2365-0A1798F96F55}"/>
+              </a:ext>
+            </a:extLst>
+          </p:cNvPr>
+          <p:cNvCxnSpPr>
+            <a:cxnSpLocks/>
+            <a:endCxn id="117" idx="3"/>
+          </p:cNvCxnSpPr>
+          <p:nvPr/>
+        </p:nvCxnSpPr>
+        <p:spPr>
+          <a:xfrm flipH="1">
+            <a:off x="2468599" y="6585148"/>
+            <a:ext cx="736523" cy="0"/>
+          </a:xfrm>
+          <a:prstGeom prst="line">
+            <a:avLst/>
+          </a:prstGeom>
+        </p:spPr>
+        <p:style>
+          <a:lnRef idx="2">
+            <a:schemeClr val="accent1"/>
+          </a:lnRef>
+          <a:fillRef idx="0">
+            <a:schemeClr val="accent1"/>
+          </a:fillRef>
+          <a:effectRef idx="1">
+            <a:schemeClr val="accent1"/>
+          </a:effectRef>
+          <a:fontRef idx="minor">
+            <a:schemeClr val="tx1"/>
+          </a:fontRef>
+        </p:style>
+      </p:cxnSp>
+      <p:sp>
+        <p:nvSpPr>
+          <p:cNvPr id="122" name="TextBox 121">
+            <a:extLst>
+              <a:ext uri="{FF2B5EF4-FFF2-40B4-BE49-F238E27FC236}">
+                <a16:creationId xmlns:a16="http://schemas.microsoft.com/office/drawing/2014/main" id="{CB20A165-BC2A-2EB5-ADCF-A18ED07D64E3}"/>
+              </a:ext>
+            </a:extLst>
+          </p:cNvPr>
+          <p:cNvSpPr txBox="1"/>
+          <p:nvPr/>
+        </p:nvSpPr>
+        <p:spPr>
+          <a:xfrm>
+            <a:off x="2735217" y="6372336"/>
+            <a:ext cx="579407" cy="215444"/>
+          </a:xfrm>
+          <a:prstGeom prst="rect">
+            <a:avLst/>
+          </a:prstGeom>
+          <a:noFill/>
+        </p:spPr>
+        <p:txBody>
+          <a:bodyPr wrap="square" rtlCol="0">
+            <a:spAutoFit/>
+          </a:bodyPr>
+          <a:lstStyle/>
+          <a:p>
+            <a:r>
+              <a:rPr lang="en-US" sz="800" dirty="0"/>
+              <a:t>M:1</a:t>
+            </a:r>
+          </a:p>
+        </p:txBody>
+      </p:sp>
+      <p:cxnSp>
+        <p:nvCxnSpPr>
+          <p:cNvPr id="138" name="Straight Connector 137">
+            <a:extLst>
+              <a:ext uri="{FF2B5EF4-FFF2-40B4-BE49-F238E27FC236}">
+                <a16:creationId xmlns:a16="http://schemas.microsoft.com/office/drawing/2014/main" id="{1E567FAC-ECDA-4CB7-F11D-90DFA617F92F}"/>
+              </a:ext>
+            </a:extLst>
+          </p:cNvPr>
+          <p:cNvCxnSpPr>
+            <a:cxnSpLocks/>
+          </p:cNvCxnSpPr>
+          <p:nvPr/>
+        </p:nvCxnSpPr>
+        <p:spPr>
+          <a:xfrm flipV="1">
+            <a:off x="3205122" y="5846033"/>
+            <a:ext cx="0" cy="752901"/>
+          </a:xfrm>
+          <a:prstGeom prst="line">
+            <a:avLst/>
+          </a:prstGeom>
+        </p:spPr>
+        <p:style>
+          <a:lnRef idx="2">
+            <a:schemeClr val="accent1"/>
+          </a:lnRef>
+          <a:fillRef idx="0">
+            <a:schemeClr val="accent1"/>
+          </a:fillRef>
+          <a:effectRef idx="1">
+            <a:schemeClr val="accent1"/>
+          </a:effectRef>
+          <a:fontRef idx="minor">
+            <a:schemeClr val="tx1"/>
+          </a:fontRef>
+        </p:style>
+      </p:cxnSp>
+      <p:cxnSp>
+        <p:nvCxnSpPr>
+          <p:cNvPr id="143" name="Straight Connector 142">
+            <a:extLst>
+              <a:ext uri="{FF2B5EF4-FFF2-40B4-BE49-F238E27FC236}">
+                <a16:creationId xmlns:a16="http://schemas.microsoft.com/office/drawing/2014/main" id="{20632C2F-2449-ECAF-FEF1-C7D723FCA590}"/>
+              </a:ext>
+            </a:extLst>
+          </p:cNvPr>
+          <p:cNvCxnSpPr>
+            <a:cxnSpLocks/>
+          </p:cNvCxnSpPr>
+          <p:nvPr/>
+        </p:nvCxnSpPr>
+        <p:spPr>
+          <a:xfrm flipH="1">
+            <a:off x="3205122" y="5846033"/>
+            <a:ext cx="109502" cy="0"/>
+          </a:xfrm>
+          <a:prstGeom prst="line">
+            <a:avLst/>
+          </a:prstGeom>
+        </p:spPr>
+        <p:style>
+          <a:lnRef idx="2">
+            <a:schemeClr val="accent1"/>
+          </a:lnRef>
+          <a:fillRef idx="0">
+            <a:schemeClr val="accent1"/>
+          </a:fillRef>
+          <a:effectRef idx="1">
+            <a:schemeClr val="accent1"/>
+          </a:effectRef>
+          <a:fontRef idx="minor">
+            <a:schemeClr val="tx1"/>
+          </a:fontRef>
+        </p:style>
+      </p:cxnSp>
       <p:cxnSp>
         <p:nvCxnSpPr>
           <p:cNvPr id="145" name="Straight Connector 144">
             <a:extLst>
               <a:ext uri="{FF2B5EF4-FFF2-40B4-BE49-F238E27FC236}">
-                <a16:creationId xmlns:a16="http://schemas.microsoft.com/office/drawing/2014/main" id="{D2040895-3DCC-7814-D026-F1F196E6A4AF}"/>
+                <a16:creationId xmlns:a16="http://schemas.microsoft.com/office/drawing/2014/main" id="{DE12ECB9-4D8C-BD6B-8F72-28E7544C4542}"/>
               </a:ext>
             </a:extLst>
           </p:cNvPr>
@@ -11191,7 +17993,7 @@
           <p:cNvPr id="147" name="TextBox 146">
             <a:extLst>
               <a:ext uri="{FF2B5EF4-FFF2-40B4-BE49-F238E27FC236}">
-                <a16:creationId xmlns:a16="http://schemas.microsoft.com/office/drawing/2014/main" id="{C3FD281C-C851-6727-19EC-CCEACCA17284}"/>
+                <a16:creationId xmlns:a16="http://schemas.microsoft.com/office/drawing/2014/main" id="{D306CCF7-F6E9-FBBF-163F-04E98281690F}"/>
               </a:ext>
             </a:extLst>
           </p:cNvPr>
@@ -11224,7 +18026,7 @@
     </p:spTree>
     <p:extLst>
       <p:ext uri="{BB962C8B-B14F-4D97-AF65-F5344CB8AC3E}">
-        <p14:creationId xmlns:p14="http://schemas.microsoft.com/office/powerpoint/2010/main" val="1753864701"/>
+        <p14:creationId xmlns:p14="http://schemas.microsoft.com/office/powerpoint/2010/main" val="2311906509"/>
       </p:ext>
     </p:extLst>
   </p:cSld>

--- a/Units_diagram.pptx
+++ b/Units_diagram.pptx
@@ -5,8 +5,8 @@
     <p:sldMasterId id="2147483648" r:id="rId1"/>
   </p:sldMasterIdLst>
   <p:sldIdLst>
-    <p:sldId id="256" r:id="rId2"/>
-    <p:sldId id="257" r:id="rId3"/>
+    <p:sldId id="258" r:id="rId2"/>
+    <p:sldId id="259" r:id="rId3"/>
   </p:sldIdLst>
   <p:sldSz cx="12192000" cy="6858000"/>
   <p:notesSz cx="6858000" cy="9144000"/>
@@ -116,7 +116,7 @@
 <file path=ppt/revisionInfo.xml><?xml version="1.0" encoding="utf-8"?>
 <p1510:revInfo xmlns:a="http://schemas.openxmlformats.org/drawingml/2006/main" xmlns:r="http://schemas.openxmlformats.org/officeDocument/2006/relationships" xmlns:p1510="http://schemas.microsoft.com/office/powerpoint/2015/10/main">
   <p1510:revLst>
-    <p1510:client id="{166D12EF-58EE-6C4C-9A24-99C33C59FE65}" v="144" dt="2024-11-13T05:59:55.119"/>
+    <p1510:client id="{166D12EF-58EE-6C4C-9A24-99C33C59FE65}" v="241" dt="2024-11-14T20:16:08.520"/>
   </p1510:revLst>
 </p1510:revInfo>
 </file>
@@ -125,17 +125,25 @@
 <pc:chgInfo xmlns:a="http://schemas.openxmlformats.org/drawingml/2006/main" xmlns:r="http://schemas.openxmlformats.org/officeDocument/2006/relationships" xmlns:ac="http://schemas.microsoft.com/office/drawing/2013/main/command" xmlns:pc="http://schemas.microsoft.com/office/powerpoint/2013/main/command">
   <pc:docChgLst>
     <pc:chgData name="Montecino, Diego" userId="a795c42d-832a-4dce-b1d8-09bac981a9d2" providerId="ADAL" clId="{166D12EF-58EE-6C4C-9A24-99C33C59FE65}"/>
-    <pc:docChg chg="undo custSel addSld modSld">
-      <pc:chgData name="Montecino, Diego" userId="a795c42d-832a-4dce-b1d8-09bac981a9d2" providerId="ADAL" clId="{166D12EF-58EE-6C4C-9A24-99C33C59FE65}" dt="2024-11-13T05:59:59.822" v="47" actId="478"/>
+    <pc:docChg chg="undo custSel addSld delSld modSld sldOrd">
+      <pc:chgData name="Montecino, Diego" userId="a795c42d-832a-4dce-b1d8-09bac981a9d2" providerId="ADAL" clId="{166D12EF-58EE-6C4C-9A24-99C33C59FE65}" dt="2024-11-14T20:16:08.520" v="682" actId="5736"/>
       <pc:docMkLst>
         <pc:docMk/>
       </pc:docMkLst>
-      <pc:sldChg chg="addSp delSp modSp mod">
-        <pc:chgData name="Montecino, Diego" userId="a795c42d-832a-4dce-b1d8-09bac981a9d2" providerId="ADAL" clId="{166D12EF-58EE-6C4C-9A24-99C33C59FE65}" dt="2024-11-13T05:59:59.822" v="47" actId="478"/>
+      <pc:sldChg chg="addSp delSp modSp del mod">
+        <pc:chgData name="Montecino, Diego" userId="a795c42d-832a-4dce-b1d8-09bac981a9d2" providerId="ADAL" clId="{166D12EF-58EE-6C4C-9A24-99C33C59FE65}" dt="2024-11-14T19:46:13.123" v="439" actId="2696"/>
         <pc:sldMkLst>
           <pc:docMk/>
           <pc:sldMk cId="1753864701" sldId="256"/>
         </pc:sldMkLst>
+        <pc:spChg chg="add del mod">
+          <ac:chgData name="Montecino, Diego" userId="a795c42d-832a-4dce-b1d8-09bac981a9d2" providerId="ADAL" clId="{166D12EF-58EE-6C4C-9A24-99C33C59FE65}" dt="2024-11-14T19:37:34.569" v="323" actId="478"/>
+          <ac:spMkLst>
+            <pc:docMk/>
+            <pc:sldMk cId="1753864701" sldId="256"/>
+            <ac:spMk id="2" creationId="{D07E469F-5D21-5841-26A5-342C10B4D1EA}"/>
+          </ac:spMkLst>
+        </pc:spChg>
         <pc:spChg chg="add del mod">
           <ac:chgData name="Montecino, Diego" userId="a795c42d-832a-4dce-b1d8-09bac981a9d2" providerId="ADAL" clId="{166D12EF-58EE-6C4C-9A24-99C33C59FE65}" dt="2024-11-13T02:31:17.507" v="22" actId="478"/>
           <ac:spMkLst>
@@ -233,7 +241,7 @@
           </ac:spMkLst>
         </pc:spChg>
         <pc:spChg chg="mod">
-          <ac:chgData name="Montecino, Diego" userId="a795c42d-832a-4dce-b1d8-09bac981a9d2" providerId="ADAL" clId="{166D12EF-58EE-6C4C-9A24-99C33C59FE65}" dt="2024-11-13T02:32:57.247" v="25" actId="5736"/>
+          <ac:chgData name="Montecino, Diego" userId="a795c42d-832a-4dce-b1d8-09bac981a9d2" providerId="ADAL" clId="{166D12EF-58EE-6C4C-9A24-99C33C59FE65}" dt="2024-11-14T19:37:29.502" v="321" actId="20577"/>
           <ac:spMkLst>
             <pc:docMk/>
             <pc:sldMk cId="1753864701" sldId="256"/>
@@ -577,12 +585,1369 @@
           </ac:cxnSpMkLst>
         </pc:cxnChg>
       </pc:sldChg>
-      <pc:sldChg chg="add">
-        <pc:chgData name="Montecino, Diego" userId="a795c42d-832a-4dce-b1d8-09bac981a9d2" providerId="ADAL" clId="{166D12EF-58EE-6C4C-9A24-99C33C59FE65}" dt="2024-11-13T03:33:33.847" v="26" actId="2890"/>
+      <pc:sldChg chg="addSp delSp modSp add del mod">
+        <pc:chgData name="Montecino, Diego" userId="a795c42d-832a-4dce-b1d8-09bac981a9d2" providerId="ADAL" clId="{166D12EF-58EE-6C4C-9A24-99C33C59FE65}" dt="2024-11-14T19:54:39.062" v="500" actId="2696"/>
         <pc:sldMkLst>
           <pc:docMk/>
           <pc:sldMk cId="2311906509" sldId="257"/>
         </pc:sldMkLst>
+        <pc:spChg chg="add mod">
+          <ac:chgData name="Montecino, Diego" userId="a795c42d-832a-4dce-b1d8-09bac981a9d2" providerId="ADAL" clId="{166D12EF-58EE-6C4C-9A24-99C33C59FE65}" dt="2024-11-14T18:28:44.089" v="64" actId="20577"/>
+          <ac:spMkLst>
+            <pc:docMk/>
+            <pc:sldMk cId="2311906509" sldId="257"/>
+            <ac:spMk id="2" creationId="{BD116725-46BF-64B9-CDF7-B105C4C93753}"/>
+          </ac:spMkLst>
+        </pc:spChg>
+        <pc:spChg chg="mod">
+          <ac:chgData name="Montecino, Diego" userId="a795c42d-832a-4dce-b1d8-09bac981a9d2" providerId="ADAL" clId="{166D12EF-58EE-6C4C-9A24-99C33C59FE65}" dt="2024-11-14T19:50:37.485" v="464" actId="1076"/>
+          <ac:spMkLst>
+            <pc:docMk/>
+            <pc:sldMk cId="2311906509" sldId="257"/>
+            <ac:spMk id="75" creationId="{BF7571A4-5462-80B7-B943-1292CF4E978D}"/>
+          </ac:spMkLst>
+        </pc:spChg>
+        <pc:spChg chg="mod">
+          <ac:chgData name="Montecino, Diego" userId="a795c42d-832a-4dce-b1d8-09bac981a9d2" providerId="ADAL" clId="{166D12EF-58EE-6C4C-9A24-99C33C59FE65}" dt="2024-11-14T19:47:13.106" v="442" actId="1076"/>
+          <ac:spMkLst>
+            <pc:docMk/>
+            <pc:sldMk cId="2311906509" sldId="257"/>
+            <ac:spMk id="77" creationId="{7F6DFE1D-2C2E-B880-F4BD-FE29C2FB272C}"/>
+          </ac:spMkLst>
+        </pc:spChg>
+        <pc:spChg chg="mod">
+          <ac:chgData name="Montecino, Diego" userId="a795c42d-832a-4dce-b1d8-09bac981a9d2" providerId="ADAL" clId="{166D12EF-58EE-6C4C-9A24-99C33C59FE65}" dt="2024-11-14T19:47:13.106" v="442" actId="1076"/>
+          <ac:spMkLst>
+            <pc:docMk/>
+            <pc:sldMk cId="2311906509" sldId="257"/>
+            <ac:spMk id="78" creationId="{747FEBF2-DC1A-277B-E2E4-048A44C14ACB}"/>
+          </ac:spMkLst>
+        </pc:spChg>
+        <pc:spChg chg="mod">
+          <ac:chgData name="Montecino, Diego" userId="a795c42d-832a-4dce-b1d8-09bac981a9d2" providerId="ADAL" clId="{166D12EF-58EE-6C4C-9A24-99C33C59FE65}" dt="2024-11-14T19:47:13.106" v="442" actId="1076"/>
+          <ac:spMkLst>
+            <pc:docMk/>
+            <pc:sldMk cId="2311906509" sldId="257"/>
+            <ac:spMk id="79" creationId="{E78150B0-09A1-2AD1-3D66-988FAC6A963C}"/>
+          </ac:spMkLst>
+        </pc:spChg>
+        <pc:spChg chg="mod">
+          <ac:chgData name="Montecino, Diego" userId="a795c42d-832a-4dce-b1d8-09bac981a9d2" providerId="ADAL" clId="{166D12EF-58EE-6C4C-9A24-99C33C59FE65}" dt="2024-11-14T19:47:13.106" v="442" actId="1076"/>
+          <ac:spMkLst>
+            <pc:docMk/>
+            <pc:sldMk cId="2311906509" sldId="257"/>
+            <ac:spMk id="80" creationId="{B31057AF-FB7D-C68A-2BB5-E6A4BB12595E}"/>
+          </ac:spMkLst>
+        </pc:spChg>
+        <pc:spChg chg="mod">
+          <ac:chgData name="Montecino, Diego" userId="a795c42d-832a-4dce-b1d8-09bac981a9d2" providerId="ADAL" clId="{166D12EF-58EE-6C4C-9A24-99C33C59FE65}" dt="2024-11-14T19:47:13.106" v="442" actId="1076"/>
+          <ac:spMkLst>
+            <pc:docMk/>
+            <pc:sldMk cId="2311906509" sldId="257"/>
+            <ac:spMk id="81" creationId="{47DD2D61-3B13-0459-D2C5-5A5443E93827}"/>
+          </ac:spMkLst>
+        </pc:spChg>
+        <pc:spChg chg="mod">
+          <ac:chgData name="Montecino, Diego" userId="a795c42d-832a-4dce-b1d8-09bac981a9d2" providerId="ADAL" clId="{166D12EF-58EE-6C4C-9A24-99C33C59FE65}" dt="2024-11-14T19:50:23.962" v="459" actId="1076"/>
+          <ac:spMkLst>
+            <pc:docMk/>
+            <pc:sldMk cId="2311906509" sldId="257"/>
+            <ac:spMk id="85" creationId="{D0C09231-B1BF-BC00-B801-427A9EB2C21B}"/>
+          </ac:spMkLst>
+        </pc:spChg>
+        <pc:spChg chg="mod">
+          <ac:chgData name="Montecino, Diego" userId="a795c42d-832a-4dce-b1d8-09bac981a9d2" providerId="ADAL" clId="{166D12EF-58EE-6C4C-9A24-99C33C59FE65}" dt="2024-11-14T19:50:23.962" v="459" actId="1076"/>
+          <ac:spMkLst>
+            <pc:docMk/>
+            <pc:sldMk cId="2311906509" sldId="257"/>
+            <ac:spMk id="86" creationId="{DB5B1CB8-7EEC-E449-9518-3F9906D9C32D}"/>
+          </ac:spMkLst>
+        </pc:spChg>
+        <pc:spChg chg="mod">
+          <ac:chgData name="Montecino, Diego" userId="a795c42d-832a-4dce-b1d8-09bac981a9d2" providerId="ADAL" clId="{166D12EF-58EE-6C4C-9A24-99C33C59FE65}" dt="2024-11-14T19:50:23.962" v="459" actId="1076"/>
+          <ac:spMkLst>
+            <pc:docMk/>
+            <pc:sldMk cId="2311906509" sldId="257"/>
+            <ac:spMk id="87" creationId="{F277EA7D-259B-D8C0-1CCC-5F7D9CB9D246}"/>
+          </ac:spMkLst>
+        </pc:spChg>
+        <pc:spChg chg="mod">
+          <ac:chgData name="Montecino, Diego" userId="a795c42d-832a-4dce-b1d8-09bac981a9d2" providerId="ADAL" clId="{166D12EF-58EE-6C4C-9A24-99C33C59FE65}" dt="2024-11-14T19:50:23.962" v="459" actId="1076"/>
+          <ac:spMkLst>
+            <pc:docMk/>
+            <pc:sldMk cId="2311906509" sldId="257"/>
+            <ac:spMk id="88" creationId="{116420A0-93CC-6D55-F858-EC412402B532}"/>
+          </ac:spMkLst>
+        </pc:spChg>
+        <pc:spChg chg="mod">
+          <ac:chgData name="Montecino, Diego" userId="a795c42d-832a-4dce-b1d8-09bac981a9d2" providerId="ADAL" clId="{166D12EF-58EE-6C4C-9A24-99C33C59FE65}" dt="2024-11-14T19:50:23.962" v="459" actId="1076"/>
+          <ac:spMkLst>
+            <pc:docMk/>
+            <pc:sldMk cId="2311906509" sldId="257"/>
+            <ac:spMk id="89" creationId="{9C8F5AEC-C648-98B6-0AC7-FA94824C7DEC}"/>
+          </ac:spMkLst>
+        </pc:spChg>
+        <pc:spChg chg="mod">
+          <ac:chgData name="Montecino, Diego" userId="a795c42d-832a-4dce-b1d8-09bac981a9d2" providerId="ADAL" clId="{166D12EF-58EE-6C4C-9A24-99C33C59FE65}" dt="2024-11-14T19:50:23.962" v="459" actId="1076"/>
+          <ac:spMkLst>
+            <pc:docMk/>
+            <pc:sldMk cId="2311906509" sldId="257"/>
+            <ac:spMk id="91" creationId="{C735A658-6ECB-941F-9B9D-AF3312B6CF88}"/>
+          </ac:spMkLst>
+        </pc:spChg>
+        <pc:spChg chg="mod">
+          <ac:chgData name="Montecino, Diego" userId="a795c42d-832a-4dce-b1d8-09bac981a9d2" providerId="ADAL" clId="{166D12EF-58EE-6C4C-9A24-99C33C59FE65}" dt="2024-11-14T18:45:19.804" v="91" actId="14100"/>
+          <ac:spMkLst>
+            <pc:docMk/>
+            <pc:sldMk cId="2311906509" sldId="257"/>
+            <ac:spMk id="92" creationId="{58DB3474-E3E6-9BD8-D46F-7922388FBDB8}"/>
+          </ac:spMkLst>
+        </pc:spChg>
+        <pc:spChg chg="mod">
+          <ac:chgData name="Montecino, Diego" userId="a795c42d-832a-4dce-b1d8-09bac981a9d2" providerId="ADAL" clId="{166D12EF-58EE-6C4C-9A24-99C33C59FE65}" dt="2024-11-14T19:50:54.592" v="466" actId="1076"/>
+          <ac:spMkLst>
+            <pc:docMk/>
+            <pc:sldMk cId="2311906509" sldId="257"/>
+            <ac:spMk id="94" creationId="{84A3984B-ADD5-D3A1-76BE-6B7DEDE71DCB}"/>
+          </ac:spMkLst>
+        </pc:spChg>
+        <pc:spChg chg="mod">
+          <ac:chgData name="Montecino, Diego" userId="a795c42d-832a-4dce-b1d8-09bac981a9d2" providerId="ADAL" clId="{166D12EF-58EE-6C4C-9A24-99C33C59FE65}" dt="2024-11-14T19:49:50.231" v="456" actId="1076"/>
+          <ac:spMkLst>
+            <pc:docMk/>
+            <pc:sldMk cId="2311906509" sldId="257"/>
+            <ac:spMk id="99" creationId="{46800C50-6F7F-7701-D4B4-48FD0A0A1B9B}"/>
+          </ac:spMkLst>
+        </pc:spChg>
+        <pc:spChg chg="add del mod">
+          <ac:chgData name="Montecino, Diego" userId="a795c42d-832a-4dce-b1d8-09bac981a9d2" providerId="ADAL" clId="{166D12EF-58EE-6C4C-9A24-99C33C59FE65}" dt="2024-11-14T18:44:07.369" v="83" actId="1076"/>
+          <ac:spMkLst>
+            <pc:docMk/>
+            <pc:sldMk cId="2311906509" sldId="257"/>
+            <ac:spMk id="100" creationId="{9362048E-8405-ABB8-B14C-4E4D7F458247}"/>
+          </ac:spMkLst>
+        </pc:spChg>
+        <pc:spChg chg="del">
+          <ac:chgData name="Montecino, Diego" userId="a795c42d-832a-4dce-b1d8-09bac981a9d2" providerId="ADAL" clId="{166D12EF-58EE-6C4C-9A24-99C33C59FE65}" dt="2024-11-14T18:43:59.197" v="80" actId="478"/>
+          <ac:spMkLst>
+            <pc:docMk/>
+            <pc:sldMk cId="2311906509" sldId="257"/>
+            <ac:spMk id="106" creationId="{641177FE-06C3-894A-798A-C42999664849}"/>
+          </ac:spMkLst>
+        </pc:spChg>
+        <pc:spChg chg="del">
+          <ac:chgData name="Montecino, Diego" userId="a795c42d-832a-4dce-b1d8-09bac981a9d2" providerId="ADAL" clId="{166D12EF-58EE-6C4C-9A24-99C33C59FE65}" dt="2024-11-14T18:45:08.239" v="86" actId="478"/>
+          <ac:spMkLst>
+            <pc:docMk/>
+            <pc:sldMk cId="2311906509" sldId="257"/>
+            <ac:spMk id="147" creationId="{D306CCF7-F6E9-FBBF-163F-04E98281690F}"/>
+          </ac:spMkLst>
+        </pc:spChg>
+        <pc:grpChg chg="mod">
+          <ac:chgData name="Montecino, Diego" userId="a795c42d-832a-4dce-b1d8-09bac981a9d2" providerId="ADAL" clId="{166D12EF-58EE-6C4C-9A24-99C33C59FE65}" dt="2024-11-14T18:45:02.965" v="85" actId="1076"/>
+          <ac:grpSpMkLst>
+            <pc:docMk/>
+            <pc:sldMk cId="2311906509" sldId="257"/>
+            <ac:grpSpMk id="115" creationId="{F13AEDCD-EC4C-A2B1-3B3F-83CAA2E4840D}"/>
+          </ac:grpSpMkLst>
+        </pc:grpChg>
+        <pc:graphicFrameChg chg="mod">
+          <ac:chgData name="Montecino, Diego" userId="a795c42d-832a-4dce-b1d8-09bac981a9d2" providerId="ADAL" clId="{166D12EF-58EE-6C4C-9A24-99C33C59FE65}" dt="2024-11-14T19:50:49.672" v="465"/>
+          <ac:graphicFrameMkLst>
+            <pc:docMk/>
+            <pc:sldMk cId="2311906509" sldId="257"/>
+            <ac:graphicFrameMk id="9" creationId="{2CFEE8B6-2FC1-9B9F-BA7D-4C6EC8F26ED5}"/>
+          </ac:graphicFrameMkLst>
+        </pc:graphicFrameChg>
+        <pc:cxnChg chg="add mod">
+          <ac:chgData name="Montecino, Diego" userId="a795c42d-832a-4dce-b1d8-09bac981a9d2" providerId="ADAL" clId="{166D12EF-58EE-6C4C-9A24-99C33C59FE65}" dt="2024-11-14T18:46:13.400" v="97" actId="14100"/>
+          <ac:cxnSpMkLst>
+            <pc:docMk/>
+            <pc:sldMk cId="2311906509" sldId="257"/>
+            <ac:cxnSpMk id="7" creationId="{5B01D122-BFEC-3F6A-598C-DFC7BA6E13CB}"/>
+          </ac:cxnSpMkLst>
+        </pc:cxnChg>
+        <pc:cxnChg chg="mod">
+          <ac:chgData name="Montecino, Diego" userId="a795c42d-832a-4dce-b1d8-09bac981a9d2" providerId="ADAL" clId="{166D12EF-58EE-6C4C-9A24-99C33C59FE65}" dt="2024-11-14T19:47:50.009" v="447" actId="167"/>
+          <ac:cxnSpMkLst>
+            <pc:docMk/>
+            <pc:sldMk cId="2311906509" sldId="257"/>
+            <ac:cxnSpMk id="11" creationId="{EC0A65FD-763B-FD8F-23FE-46D796BB9012}"/>
+          </ac:cxnSpMkLst>
+        </pc:cxnChg>
+        <pc:cxnChg chg="mod">
+          <ac:chgData name="Montecino, Diego" userId="a795c42d-832a-4dce-b1d8-09bac981a9d2" providerId="ADAL" clId="{166D12EF-58EE-6C4C-9A24-99C33C59FE65}" dt="2024-11-14T19:47:13.106" v="442" actId="1076"/>
+          <ac:cxnSpMkLst>
+            <pc:docMk/>
+            <pc:sldMk cId="2311906509" sldId="257"/>
+            <ac:cxnSpMk id="22" creationId="{8F7501F2-CE1D-EB19-D89A-42911643AC6C}"/>
+          </ac:cxnSpMkLst>
+        </pc:cxnChg>
+        <pc:cxnChg chg="mod">
+          <ac:chgData name="Montecino, Diego" userId="a795c42d-832a-4dce-b1d8-09bac981a9d2" providerId="ADAL" clId="{166D12EF-58EE-6C4C-9A24-99C33C59FE65}" dt="2024-11-14T19:47:13.106" v="442" actId="1076"/>
+          <ac:cxnSpMkLst>
+            <pc:docMk/>
+            <pc:sldMk cId="2311906509" sldId="257"/>
+            <ac:cxnSpMk id="24" creationId="{584D3970-892A-F7D6-D3AC-8646D5E52EFE}"/>
+          </ac:cxnSpMkLst>
+        </pc:cxnChg>
+        <pc:cxnChg chg="mod">
+          <ac:chgData name="Montecino, Diego" userId="a795c42d-832a-4dce-b1d8-09bac981a9d2" providerId="ADAL" clId="{166D12EF-58EE-6C4C-9A24-99C33C59FE65}" dt="2024-11-14T19:47:13.106" v="442" actId="1076"/>
+          <ac:cxnSpMkLst>
+            <pc:docMk/>
+            <pc:sldMk cId="2311906509" sldId="257"/>
+            <ac:cxnSpMk id="26" creationId="{226C7249-70F8-2007-A4CF-AFAA791EDD1D}"/>
+          </ac:cxnSpMkLst>
+        </pc:cxnChg>
+        <pc:cxnChg chg="mod">
+          <ac:chgData name="Montecino, Diego" userId="a795c42d-832a-4dce-b1d8-09bac981a9d2" providerId="ADAL" clId="{166D12EF-58EE-6C4C-9A24-99C33C59FE65}" dt="2024-11-14T19:47:13.106" v="442" actId="1076"/>
+          <ac:cxnSpMkLst>
+            <pc:docMk/>
+            <pc:sldMk cId="2311906509" sldId="257"/>
+            <ac:cxnSpMk id="33" creationId="{58E8175E-2974-56C1-5486-C4EE8DD32045}"/>
+          </ac:cxnSpMkLst>
+        </pc:cxnChg>
+        <pc:cxnChg chg="mod">
+          <ac:chgData name="Montecino, Diego" userId="a795c42d-832a-4dce-b1d8-09bac981a9d2" providerId="ADAL" clId="{166D12EF-58EE-6C4C-9A24-99C33C59FE65}" dt="2024-11-14T19:47:13.106" v="442" actId="1076"/>
+          <ac:cxnSpMkLst>
+            <pc:docMk/>
+            <pc:sldMk cId="2311906509" sldId="257"/>
+            <ac:cxnSpMk id="36" creationId="{EBFEFE9D-647C-952B-DE4C-A14A08D88470}"/>
+          </ac:cxnSpMkLst>
+        </pc:cxnChg>
+        <pc:cxnChg chg="mod">
+          <ac:chgData name="Montecino, Diego" userId="a795c42d-832a-4dce-b1d8-09bac981a9d2" providerId="ADAL" clId="{166D12EF-58EE-6C4C-9A24-99C33C59FE65}" dt="2024-11-14T19:47:13.106" v="442" actId="1076"/>
+          <ac:cxnSpMkLst>
+            <pc:docMk/>
+            <pc:sldMk cId="2311906509" sldId="257"/>
+            <ac:cxnSpMk id="37" creationId="{AF5CB81A-1780-E835-96B3-1A4510393D84}"/>
+          </ac:cxnSpMkLst>
+        </pc:cxnChg>
+        <pc:cxnChg chg="mod">
+          <ac:chgData name="Montecino, Diego" userId="a795c42d-832a-4dce-b1d8-09bac981a9d2" providerId="ADAL" clId="{166D12EF-58EE-6C4C-9A24-99C33C59FE65}" dt="2024-11-14T19:47:13.106" v="442" actId="1076"/>
+          <ac:cxnSpMkLst>
+            <pc:docMk/>
+            <pc:sldMk cId="2311906509" sldId="257"/>
+            <ac:cxnSpMk id="39" creationId="{CCD9F2A6-11AF-DCD7-70D8-CFF20117E385}"/>
+          </ac:cxnSpMkLst>
+        </pc:cxnChg>
+        <pc:cxnChg chg="mod">
+          <ac:chgData name="Montecino, Diego" userId="a795c42d-832a-4dce-b1d8-09bac981a9d2" providerId="ADAL" clId="{166D12EF-58EE-6C4C-9A24-99C33C59FE65}" dt="2024-11-14T19:47:13.106" v="442" actId="1076"/>
+          <ac:cxnSpMkLst>
+            <pc:docMk/>
+            <pc:sldMk cId="2311906509" sldId="257"/>
+            <ac:cxnSpMk id="43" creationId="{517E6053-59BA-6A8A-9DBF-CFD512EC9C7B}"/>
+          </ac:cxnSpMkLst>
+        </pc:cxnChg>
+        <pc:cxnChg chg="mod">
+          <ac:chgData name="Montecino, Diego" userId="a795c42d-832a-4dce-b1d8-09bac981a9d2" providerId="ADAL" clId="{166D12EF-58EE-6C4C-9A24-99C33C59FE65}" dt="2024-11-14T19:47:13.106" v="442" actId="1076"/>
+          <ac:cxnSpMkLst>
+            <pc:docMk/>
+            <pc:sldMk cId="2311906509" sldId="257"/>
+            <ac:cxnSpMk id="48" creationId="{0B0B8256-6D2F-4E92-5DAF-1AC7CFDE4D0F}"/>
+          </ac:cxnSpMkLst>
+        </pc:cxnChg>
+        <pc:cxnChg chg="mod">
+          <ac:chgData name="Montecino, Diego" userId="a795c42d-832a-4dce-b1d8-09bac981a9d2" providerId="ADAL" clId="{166D12EF-58EE-6C4C-9A24-99C33C59FE65}" dt="2024-11-14T19:47:13.106" v="442" actId="1076"/>
+          <ac:cxnSpMkLst>
+            <pc:docMk/>
+            <pc:sldMk cId="2311906509" sldId="257"/>
+            <ac:cxnSpMk id="49" creationId="{6FBF965B-E086-6ABC-9A77-B636F6DACD0E}"/>
+          </ac:cxnSpMkLst>
+        </pc:cxnChg>
+        <pc:cxnChg chg="mod">
+          <ac:chgData name="Montecino, Diego" userId="a795c42d-832a-4dce-b1d8-09bac981a9d2" providerId="ADAL" clId="{166D12EF-58EE-6C4C-9A24-99C33C59FE65}" dt="2024-11-14T19:47:13.106" v="442" actId="1076"/>
+          <ac:cxnSpMkLst>
+            <pc:docMk/>
+            <pc:sldMk cId="2311906509" sldId="257"/>
+            <ac:cxnSpMk id="50" creationId="{43FB2E04-43E8-E27E-0273-8832C0E67634}"/>
+          </ac:cxnSpMkLst>
+        </pc:cxnChg>
+        <pc:cxnChg chg="mod">
+          <ac:chgData name="Montecino, Diego" userId="a795c42d-832a-4dce-b1d8-09bac981a9d2" providerId="ADAL" clId="{166D12EF-58EE-6C4C-9A24-99C33C59FE65}" dt="2024-11-14T19:47:13.106" v="442" actId="1076"/>
+          <ac:cxnSpMkLst>
+            <pc:docMk/>
+            <pc:sldMk cId="2311906509" sldId="257"/>
+            <ac:cxnSpMk id="54" creationId="{A4382371-E27D-FAC5-730D-6186A2C05154}"/>
+          </ac:cxnSpMkLst>
+        </pc:cxnChg>
+        <pc:cxnChg chg="mod">
+          <ac:chgData name="Montecino, Diego" userId="a795c42d-832a-4dce-b1d8-09bac981a9d2" providerId="ADAL" clId="{166D12EF-58EE-6C4C-9A24-99C33C59FE65}" dt="2024-11-14T19:48:57.504" v="453" actId="14100"/>
+          <ac:cxnSpMkLst>
+            <pc:docMk/>
+            <pc:sldMk cId="2311906509" sldId="257"/>
+            <ac:cxnSpMk id="56" creationId="{035306CD-EC18-7BD5-155A-D67965AB4F65}"/>
+          </ac:cxnSpMkLst>
+        </pc:cxnChg>
+        <pc:cxnChg chg="mod">
+          <ac:chgData name="Montecino, Diego" userId="a795c42d-832a-4dce-b1d8-09bac981a9d2" providerId="ADAL" clId="{166D12EF-58EE-6C4C-9A24-99C33C59FE65}" dt="2024-11-14T19:48:52.435" v="452" actId="1076"/>
+          <ac:cxnSpMkLst>
+            <pc:docMk/>
+            <pc:sldMk cId="2311906509" sldId="257"/>
+            <ac:cxnSpMk id="57" creationId="{5073A069-8B44-2496-1C6F-297C03A3E008}"/>
+          </ac:cxnSpMkLst>
+        </pc:cxnChg>
+        <pc:cxnChg chg="mod">
+          <ac:chgData name="Montecino, Diego" userId="a795c42d-832a-4dce-b1d8-09bac981a9d2" providerId="ADAL" clId="{166D12EF-58EE-6C4C-9A24-99C33C59FE65}" dt="2024-11-14T19:47:13.106" v="442" actId="1076"/>
+          <ac:cxnSpMkLst>
+            <pc:docMk/>
+            <pc:sldMk cId="2311906509" sldId="257"/>
+            <ac:cxnSpMk id="64" creationId="{8DD10BAB-D15A-EE80-8A68-E14A7F742506}"/>
+          </ac:cxnSpMkLst>
+        </pc:cxnChg>
+        <pc:cxnChg chg="mod">
+          <ac:chgData name="Montecino, Diego" userId="a795c42d-832a-4dce-b1d8-09bac981a9d2" providerId="ADAL" clId="{166D12EF-58EE-6C4C-9A24-99C33C59FE65}" dt="2024-11-14T19:47:13.106" v="442" actId="1076"/>
+          <ac:cxnSpMkLst>
+            <pc:docMk/>
+            <pc:sldMk cId="2311906509" sldId="257"/>
+            <ac:cxnSpMk id="68" creationId="{44F9C9A2-8E1E-B81E-3FCC-D6F4B3401357}"/>
+          </ac:cxnSpMkLst>
+        </pc:cxnChg>
+        <pc:cxnChg chg="mod">
+          <ac:chgData name="Montecino, Diego" userId="a795c42d-832a-4dce-b1d8-09bac981a9d2" providerId="ADAL" clId="{166D12EF-58EE-6C4C-9A24-99C33C59FE65}" dt="2024-11-14T19:47:13.106" v="442" actId="1076"/>
+          <ac:cxnSpMkLst>
+            <pc:docMk/>
+            <pc:sldMk cId="2311906509" sldId="257"/>
+            <ac:cxnSpMk id="72" creationId="{FD0BEB46-AE73-4AD4-5004-FEABB349AE78}"/>
+          </ac:cxnSpMkLst>
+        </pc:cxnChg>
+        <pc:cxnChg chg="del">
+          <ac:chgData name="Montecino, Diego" userId="a795c42d-832a-4dce-b1d8-09bac981a9d2" providerId="ADAL" clId="{166D12EF-58EE-6C4C-9A24-99C33C59FE65}" dt="2024-11-14T18:43:54.963" v="79" actId="478"/>
+          <ac:cxnSpMkLst>
+            <pc:docMk/>
+            <pc:sldMk cId="2311906509" sldId="257"/>
+            <ac:cxnSpMk id="102" creationId="{6EF545D3-707C-56C2-3739-DD664E76ED1F}"/>
+          </ac:cxnSpMkLst>
+        </pc:cxnChg>
+        <pc:cxnChg chg="mod">
+          <ac:chgData name="Montecino, Diego" userId="a795c42d-832a-4dce-b1d8-09bac981a9d2" providerId="ADAL" clId="{166D12EF-58EE-6C4C-9A24-99C33C59FE65}" dt="2024-11-14T18:46:01.972" v="94" actId="14100"/>
+          <ac:cxnSpMkLst>
+            <pc:docMk/>
+            <pc:sldMk cId="2311906509" sldId="257"/>
+            <ac:cxnSpMk id="119" creationId="{509EFB11-BDF7-B9DF-2365-0A1798F96F55}"/>
+          </ac:cxnSpMkLst>
+        </pc:cxnChg>
+        <pc:cxnChg chg="mod">
+          <ac:chgData name="Montecino, Diego" userId="a795c42d-832a-4dce-b1d8-09bac981a9d2" providerId="ADAL" clId="{166D12EF-58EE-6C4C-9A24-99C33C59FE65}" dt="2024-11-14T18:45:17.469" v="90" actId="14100"/>
+          <ac:cxnSpMkLst>
+            <pc:docMk/>
+            <pc:sldMk cId="2311906509" sldId="257"/>
+            <ac:cxnSpMk id="138" creationId="{1E567FAC-ECDA-4CB7-F11D-90DFA617F92F}"/>
+          </ac:cxnSpMkLst>
+        </pc:cxnChg>
+        <pc:cxnChg chg="del">
+          <ac:chgData name="Montecino, Diego" userId="a795c42d-832a-4dce-b1d8-09bac981a9d2" providerId="ADAL" clId="{166D12EF-58EE-6C4C-9A24-99C33C59FE65}" dt="2024-11-14T18:45:14.871" v="89" actId="478"/>
+          <ac:cxnSpMkLst>
+            <pc:docMk/>
+            <pc:sldMk cId="2311906509" sldId="257"/>
+            <ac:cxnSpMk id="143" creationId="{20632C2F-2449-ECAF-FEF1-C7D723FCA590}"/>
+          </ac:cxnSpMkLst>
+        </pc:cxnChg>
+        <pc:cxnChg chg="del">
+          <ac:chgData name="Montecino, Diego" userId="a795c42d-832a-4dce-b1d8-09bac981a9d2" providerId="ADAL" clId="{166D12EF-58EE-6C4C-9A24-99C33C59FE65}" dt="2024-11-14T18:45:09.726" v="87" actId="478"/>
+          <ac:cxnSpMkLst>
+            <pc:docMk/>
+            <pc:sldMk cId="2311906509" sldId="257"/>
+            <ac:cxnSpMk id="145" creationId="{DE12ECB9-4D8C-BD6B-8F72-28E7544C4542}"/>
+          </ac:cxnSpMkLst>
+        </pc:cxnChg>
+      </pc:sldChg>
+      <pc:sldChg chg="addSp delSp modSp add mod ord">
+        <pc:chgData name="Montecino, Diego" userId="a795c42d-832a-4dce-b1d8-09bac981a9d2" providerId="ADAL" clId="{166D12EF-58EE-6C4C-9A24-99C33C59FE65}" dt="2024-11-14T20:15:26.432" v="678" actId="5736"/>
+        <pc:sldMkLst>
+          <pc:docMk/>
+          <pc:sldMk cId="1576011338" sldId="258"/>
+        </pc:sldMkLst>
+        <pc:spChg chg="add del mod">
+          <ac:chgData name="Montecino, Diego" userId="a795c42d-832a-4dce-b1d8-09bac981a9d2" providerId="ADAL" clId="{166D12EF-58EE-6C4C-9A24-99C33C59FE65}" dt="2024-11-14T20:14:55.326" v="670" actId="478"/>
+          <ac:spMkLst>
+            <pc:docMk/>
+            <pc:sldMk cId="1576011338" sldId="258"/>
+            <ac:spMk id="2" creationId="{8A0A11C8-E49C-3ADE-66CD-3A9BA2386021}"/>
+          </ac:spMkLst>
+        </pc:spChg>
+        <pc:spChg chg="add del mod">
+          <ac:chgData name="Montecino, Diego" userId="a795c42d-832a-4dce-b1d8-09bac981a9d2" providerId="ADAL" clId="{166D12EF-58EE-6C4C-9A24-99C33C59FE65}" dt="2024-11-14T19:38:40.949" v="340" actId="478"/>
+          <ac:spMkLst>
+            <pc:docMk/>
+            <pc:sldMk cId="1576011338" sldId="258"/>
+            <ac:spMk id="3" creationId="{6CB45774-CAED-319C-0F04-07B0A0074544}"/>
+          </ac:spMkLst>
+        </pc:spChg>
+        <pc:spChg chg="add del mod">
+          <ac:chgData name="Montecino, Diego" userId="a795c42d-832a-4dce-b1d8-09bac981a9d2" providerId="ADAL" clId="{166D12EF-58EE-6C4C-9A24-99C33C59FE65}" dt="2024-11-14T19:40:22.925" v="356" actId="478"/>
+          <ac:spMkLst>
+            <pc:docMk/>
+            <pc:sldMk cId="1576011338" sldId="258"/>
+            <ac:spMk id="4" creationId="{91E79637-FBBF-882F-AD26-334B26839634}"/>
+          </ac:spMkLst>
+        </pc:spChg>
+        <pc:spChg chg="add del mod">
+          <ac:chgData name="Montecino, Diego" userId="a795c42d-832a-4dce-b1d8-09bac981a9d2" providerId="ADAL" clId="{166D12EF-58EE-6C4C-9A24-99C33C59FE65}" dt="2024-11-14T19:40:25.400" v="357" actId="478"/>
+          <ac:spMkLst>
+            <pc:docMk/>
+            <pc:sldMk cId="1576011338" sldId="258"/>
+            <ac:spMk id="5" creationId="{91444922-2604-4FA1-11D5-986EA9957ED4}"/>
+          </ac:spMkLst>
+        </pc:spChg>
+        <pc:spChg chg="add del mod">
+          <ac:chgData name="Montecino, Diego" userId="a795c42d-832a-4dce-b1d8-09bac981a9d2" providerId="ADAL" clId="{166D12EF-58EE-6C4C-9A24-99C33C59FE65}" dt="2024-11-14T19:38:39.064" v="338" actId="478"/>
+          <ac:spMkLst>
+            <pc:docMk/>
+            <pc:sldMk cId="1576011338" sldId="258"/>
+            <ac:spMk id="6" creationId="{51CF5174-BFC1-98D7-FBBF-925218E40F4D}"/>
+          </ac:spMkLst>
+        </pc:spChg>
+        <pc:spChg chg="add del mod">
+          <ac:chgData name="Montecino, Diego" userId="a795c42d-832a-4dce-b1d8-09bac981a9d2" providerId="ADAL" clId="{166D12EF-58EE-6C4C-9A24-99C33C59FE65}" dt="2024-11-14T19:38:40.183" v="339" actId="478"/>
+          <ac:spMkLst>
+            <pc:docMk/>
+            <pc:sldMk cId="1576011338" sldId="258"/>
+            <ac:spMk id="7" creationId="{9CE1DFBF-BAD9-4980-35AA-622513BAB643}"/>
+          </ac:spMkLst>
+        </pc:spChg>
+        <pc:spChg chg="add del mod">
+          <ac:chgData name="Montecino, Diego" userId="a795c42d-832a-4dce-b1d8-09bac981a9d2" providerId="ADAL" clId="{166D12EF-58EE-6C4C-9A24-99C33C59FE65}" dt="2024-11-14T19:38:42.138" v="341" actId="478"/>
+          <ac:spMkLst>
+            <pc:docMk/>
+            <pc:sldMk cId="1576011338" sldId="258"/>
+            <ac:spMk id="8" creationId="{51EE2F3A-BC13-C2DE-6E68-66D9C47F20B9}"/>
+          </ac:spMkLst>
+        </pc:spChg>
+        <pc:spChg chg="add del mod">
+          <ac:chgData name="Montecino, Diego" userId="a795c42d-832a-4dce-b1d8-09bac981a9d2" providerId="ADAL" clId="{166D12EF-58EE-6C4C-9A24-99C33C59FE65}" dt="2024-11-14T19:38:43.659" v="342" actId="478"/>
+          <ac:spMkLst>
+            <pc:docMk/>
+            <pc:sldMk cId="1576011338" sldId="258"/>
+            <ac:spMk id="10" creationId="{C46FFE3C-D90A-8580-6EA7-70AA653DA9CE}"/>
+          </ac:spMkLst>
+        </pc:spChg>
+        <pc:spChg chg="add del mod">
+          <ac:chgData name="Montecino, Diego" userId="a795c42d-832a-4dce-b1d8-09bac981a9d2" providerId="ADAL" clId="{166D12EF-58EE-6C4C-9A24-99C33C59FE65}" dt="2024-11-14T19:38:37.129" v="335" actId="478"/>
+          <ac:spMkLst>
+            <pc:docMk/>
+            <pc:sldMk cId="1576011338" sldId="258"/>
+            <ac:spMk id="12" creationId="{BCE8CEAF-2164-E5C0-6DB0-652661475555}"/>
+          </ac:spMkLst>
+        </pc:spChg>
+        <pc:spChg chg="add mod">
+          <ac:chgData name="Montecino, Diego" userId="a795c42d-832a-4dce-b1d8-09bac981a9d2" providerId="ADAL" clId="{166D12EF-58EE-6C4C-9A24-99C33C59FE65}" dt="2024-11-14T19:52:39.529" v="486"/>
+          <ac:spMkLst>
+            <pc:docMk/>
+            <pc:sldMk cId="1576011338" sldId="258"/>
+            <ac:spMk id="14" creationId="{1864581C-A965-CE33-44CD-562F484193D4}"/>
+          </ac:spMkLst>
+        </pc:spChg>
+        <pc:spChg chg="add mod">
+          <ac:chgData name="Montecino, Diego" userId="a795c42d-832a-4dce-b1d8-09bac981a9d2" providerId="ADAL" clId="{166D12EF-58EE-6C4C-9A24-99C33C59FE65}" dt="2024-11-14T20:00:48.101" v="580" actId="166"/>
+          <ac:spMkLst>
+            <pc:docMk/>
+            <pc:sldMk cId="1576011338" sldId="258"/>
+            <ac:spMk id="15" creationId="{2214BA97-E1C0-0D26-D802-F91DBE2B342A}"/>
+          </ac:spMkLst>
+        </pc:spChg>
+        <pc:spChg chg="add mod">
+          <ac:chgData name="Montecino, Diego" userId="a795c42d-832a-4dce-b1d8-09bac981a9d2" providerId="ADAL" clId="{166D12EF-58EE-6C4C-9A24-99C33C59FE65}" dt="2024-11-14T19:53:02.932" v="488"/>
+          <ac:spMkLst>
+            <pc:docMk/>
+            <pc:sldMk cId="1576011338" sldId="258"/>
+            <ac:spMk id="17" creationId="{903E877B-3E36-057C-C466-00D13DD50A6D}"/>
+          </ac:spMkLst>
+        </pc:spChg>
+        <pc:spChg chg="add mod">
+          <ac:chgData name="Montecino, Diego" userId="a795c42d-832a-4dce-b1d8-09bac981a9d2" providerId="ADAL" clId="{166D12EF-58EE-6C4C-9A24-99C33C59FE65}" dt="2024-11-14T20:07:17.358" v="626" actId="1076"/>
+          <ac:spMkLst>
+            <pc:docMk/>
+            <pc:sldMk cId="1576011338" sldId="258"/>
+            <ac:spMk id="18" creationId="{5683AD47-7CBA-82FF-F90F-451409838518}"/>
+          </ac:spMkLst>
+        </pc:spChg>
+        <pc:spChg chg="add del mod">
+          <ac:chgData name="Montecino, Diego" userId="a795c42d-832a-4dce-b1d8-09bac981a9d2" providerId="ADAL" clId="{166D12EF-58EE-6C4C-9A24-99C33C59FE65}" dt="2024-11-14T20:05:43.877" v="612" actId="478"/>
+          <ac:spMkLst>
+            <pc:docMk/>
+            <pc:sldMk cId="1576011338" sldId="258"/>
+            <ac:spMk id="20" creationId="{B9E3A5B6-6367-B927-D598-299EEFCE2262}"/>
+          </ac:spMkLst>
+        </pc:spChg>
+        <pc:spChg chg="add del mod">
+          <ac:chgData name="Montecino, Diego" userId="a795c42d-832a-4dce-b1d8-09bac981a9d2" providerId="ADAL" clId="{166D12EF-58EE-6C4C-9A24-99C33C59FE65}" dt="2024-11-14T20:15:26.432" v="678" actId="5736"/>
+          <ac:spMkLst>
+            <pc:docMk/>
+            <pc:sldMk cId="1576011338" sldId="258"/>
+            <ac:spMk id="35" creationId="{A573384B-E8D1-6271-0FA9-D4C7B0CB15B9}"/>
+          </ac:spMkLst>
+        </pc:spChg>
+        <pc:spChg chg="add del mod">
+          <ac:chgData name="Montecino, Diego" userId="a795c42d-832a-4dce-b1d8-09bac981a9d2" providerId="ADAL" clId="{166D12EF-58EE-6C4C-9A24-99C33C59FE65}" dt="2024-11-14T20:15:26.432" v="678" actId="5736"/>
+          <ac:spMkLst>
+            <pc:docMk/>
+            <pc:sldMk cId="1576011338" sldId="258"/>
+            <ac:spMk id="46" creationId="{35F63618-7C56-DEDE-225E-618CC214D3B0}"/>
+          </ac:spMkLst>
+        </pc:spChg>
+        <pc:spChg chg="add del mod">
+          <ac:chgData name="Montecino, Diego" userId="a795c42d-832a-4dce-b1d8-09bac981a9d2" providerId="ADAL" clId="{166D12EF-58EE-6C4C-9A24-99C33C59FE65}" dt="2024-11-14T20:01:21.933" v="587" actId="478"/>
+          <ac:spMkLst>
+            <pc:docMk/>
+            <pc:sldMk cId="1576011338" sldId="258"/>
+            <ac:spMk id="47" creationId="{19F88549-75D8-A564-BFF8-5D049270E8E8}"/>
+          </ac:spMkLst>
+        </pc:spChg>
+        <pc:spChg chg="add del mod">
+          <ac:chgData name="Montecino, Diego" userId="a795c42d-832a-4dce-b1d8-09bac981a9d2" providerId="ADAL" clId="{166D12EF-58EE-6C4C-9A24-99C33C59FE65}" dt="2024-11-14T20:15:26.432" v="678" actId="5736"/>
+          <ac:spMkLst>
+            <pc:docMk/>
+            <pc:sldMk cId="1576011338" sldId="258"/>
+            <ac:spMk id="66" creationId="{144F67AB-A0B9-2BB2-B2D4-70910F72BC83}"/>
+          </ac:spMkLst>
+        </pc:spChg>
+        <pc:spChg chg="add del mod">
+          <ac:chgData name="Montecino, Diego" userId="a795c42d-832a-4dce-b1d8-09bac981a9d2" providerId="ADAL" clId="{166D12EF-58EE-6C4C-9A24-99C33C59FE65}" dt="2024-11-14T20:15:26.432" v="678" actId="5736"/>
+          <ac:spMkLst>
+            <pc:docMk/>
+            <pc:sldMk cId="1576011338" sldId="258"/>
+            <ac:spMk id="75" creationId="{71068C38-0943-32AC-448F-9C983C7E9882}"/>
+          </ac:spMkLst>
+        </pc:spChg>
+        <pc:spChg chg="add del mod">
+          <ac:chgData name="Montecino, Diego" userId="a795c42d-832a-4dce-b1d8-09bac981a9d2" providerId="ADAL" clId="{166D12EF-58EE-6C4C-9A24-99C33C59FE65}" dt="2024-11-14T20:15:26.432" v="678" actId="5736"/>
+          <ac:spMkLst>
+            <pc:docMk/>
+            <pc:sldMk cId="1576011338" sldId="258"/>
+            <ac:spMk id="77" creationId="{C5063BFF-552D-AC5C-A0DE-D36499FD8408}"/>
+          </ac:spMkLst>
+        </pc:spChg>
+        <pc:spChg chg="add del mod">
+          <ac:chgData name="Montecino, Diego" userId="a795c42d-832a-4dce-b1d8-09bac981a9d2" providerId="ADAL" clId="{166D12EF-58EE-6C4C-9A24-99C33C59FE65}" dt="2024-11-14T20:15:26.432" v="678" actId="5736"/>
+          <ac:spMkLst>
+            <pc:docMk/>
+            <pc:sldMk cId="1576011338" sldId="258"/>
+            <ac:spMk id="78" creationId="{175035C2-4890-9585-8C3A-71A58ED5AECB}"/>
+          </ac:spMkLst>
+        </pc:spChg>
+        <pc:spChg chg="add del mod">
+          <ac:chgData name="Montecino, Diego" userId="a795c42d-832a-4dce-b1d8-09bac981a9d2" providerId="ADAL" clId="{166D12EF-58EE-6C4C-9A24-99C33C59FE65}" dt="2024-11-14T20:15:26.432" v="678" actId="5736"/>
+          <ac:spMkLst>
+            <pc:docMk/>
+            <pc:sldMk cId="1576011338" sldId="258"/>
+            <ac:spMk id="79" creationId="{3E9618DD-5457-E316-DDB6-2ADFBA7CEF2C}"/>
+          </ac:spMkLst>
+        </pc:spChg>
+        <pc:spChg chg="add del mod">
+          <ac:chgData name="Montecino, Diego" userId="a795c42d-832a-4dce-b1d8-09bac981a9d2" providerId="ADAL" clId="{166D12EF-58EE-6C4C-9A24-99C33C59FE65}" dt="2024-11-14T20:15:26.432" v="678" actId="5736"/>
+          <ac:spMkLst>
+            <pc:docMk/>
+            <pc:sldMk cId="1576011338" sldId="258"/>
+            <ac:spMk id="80" creationId="{08B6D940-A4E2-826B-B211-26AC97D91BD8}"/>
+          </ac:spMkLst>
+        </pc:spChg>
+        <pc:spChg chg="add del mod">
+          <ac:chgData name="Montecino, Diego" userId="a795c42d-832a-4dce-b1d8-09bac981a9d2" providerId="ADAL" clId="{166D12EF-58EE-6C4C-9A24-99C33C59FE65}" dt="2024-11-14T20:15:26.432" v="678" actId="5736"/>
+          <ac:spMkLst>
+            <pc:docMk/>
+            <pc:sldMk cId="1576011338" sldId="258"/>
+            <ac:spMk id="81" creationId="{6374E4A9-D378-2F77-0C5C-F1414A105C89}"/>
+          </ac:spMkLst>
+        </pc:spChg>
+        <pc:spChg chg="add del mod">
+          <ac:chgData name="Montecino, Diego" userId="a795c42d-832a-4dce-b1d8-09bac981a9d2" providerId="ADAL" clId="{166D12EF-58EE-6C4C-9A24-99C33C59FE65}" dt="2024-11-14T20:06:35.685" v="618" actId="478"/>
+          <ac:spMkLst>
+            <pc:docMk/>
+            <pc:sldMk cId="1576011338" sldId="258"/>
+            <ac:spMk id="84" creationId="{CCF85645-F121-F7E0-1184-F36C7D58F573}"/>
+          </ac:spMkLst>
+        </pc:spChg>
+        <pc:spChg chg="add del mod">
+          <ac:chgData name="Montecino, Diego" userId="a795c42d-832a-4dce-b1d8-09bac981a9d2" providerId="ADAL" clId="{166D12EF-58EE-6C4C-9A24-99C33C59FE65}" dt="2024-11-14T20:15:26.432" v="678" actId="5736"/>
+          <ac:spMkLst>
+            <pc:docMk/>
+            <pc:sldMk cId="1576011338" sldId="258"/>
+            <ac:spMk id="85" creationId="{1F5DDCD0-0CE5-858D-A751-913E61D7642E}"/>
+          </ac:spMkLst>
+        </pc:spChg>
+        <pc:spChg chg="add del mod">
+          <ac:chgData name="Montecino, Diego" userId="a795c42d-832a-4dce-b1d8-09bac981a9d2" providerId="ADAL" clId="{166D12EF-58EE-6C4C-9A24-99C33C59FE65}" dt="2024-11-14T20:15:26.432" v="678" actId="5736"/>
+          <ac:spMkLst>
+            <pc:docMk/>
+            <pc:sldMk cId="1576011338" sldId="258"/>
+            <ac:spMk id="86" creationId="{19D5BAE1-36E2-1481-9297-CB0757D5C010}"/>
+          </ac:spMkLst>
+        </pc:spChg>
+        <pc:spChg chg="add del mod">
+          <ac:chgData name="Montecino, Diego" userId="a795c42d-832a-4dce-b1d8-09bac981a9d2" providerId="ADAL" clId="{166D12EF-58EE-6C4C-9A24-99C33C59FE65}" dt="2024-11-14T20:15:26.432" v="678" actId="5736"/>
+          <ac:spMkLst>
+            <pc:docMk/>
+            <pc:sldMk cId="1576011338" sldId="258"/>
+            <ac:spMk id="87" creationId="{2205541F-468A-E35C-9078-D4A6BDB5B358}"/>
+          </ac:spMkLst>
+        </pc:spChg>
+        <pc:spChg chg="add del mod">
+          <ac:chgData name="Montecino, Diego" userId="a795c42d-832a-4dce-b1d8-09bac981a9d2" providerId="ADAL" clId="{166D12EF-58EE-6C4C-9A24-99C33C59FE65}" dt="2024-11-14T20:15:26.432" v="678" actId="5736"/>
+          <ac:spMkLst>
+            <pc:docMk/>
+            <pc:sldMk cId="1576011338" sldId="258"/>
+            <ac:spMk id="88" creationId="{AE1EE4DE-CD7A-747A-FD4C-CFEC44D79A2D}"/>
+          </ac:spMkLst>
+        </pc:spChg>
+        <pc:spChg chg="add del mod">
+          <ac:chgData name="Montecino, Diego" userId="a795c42d-832a-4dce-b1d8-09bac981a9d2" providerId="ADAL" clId="{166D12EF-58EE-6C4C-9A24-99C33C59FE65}" dt="2024-11-14T20:15:26.432" v="678" actId="5736"/>
+          <ac:spMkLst>
+            <pc:docMk/>
+            <pc:sldMk cId="1576011338" sldId="258"/>
+            <ac:spMk id="89" creationId="{19C9B6C6-A652-32EA-1DC3-785F77F9DB71}"/>
+          </ac:spMkLst>
+        </pc:spChg>
+        <pc:spChg chg="add del mod">
+          <ac:chgData name="Montecino, Diego" userId="a795c42d-832a-4dce-b1d8-09bac981a9d2" providerId="ADAL" clId="{166D12EF-58EE-6C4C-9A24-99C33C59FE65}" dt="2024-11-14T20:15:26.432" v="678" actId="5736"/>
+          <ac:spMkLst>
+            <pc:docMk/>
+            <pc:sldMk cId="1576011338" sldId="258"/>
+            <ac:spMk id="91" creationId="{5DF4BF4D-132D-92CE-0F05-8DD604669B6B}"/>
+          </ac:spMkLst>
+        </pc:spChg>
+        <pc:spChg chg="add del mod">
+          <ac:chgData name="Montecino, Diego" userId="a795c42d-832a-4dce-b1d8-09bac981a9d2" providerId="ADAL" clId="{166D12EF-58EE-6C4C-9A24-99C33C59FE65}" dt="2024-11-14T20:15:26.432" v="678" actId="5736"/>
+          <ac:spMkLst>
+            <pc:docMk/>
+            <pc:sldMk cId="1576011338" sldId="258"/>
+            <ac:spMk id="92" creationId="{4205F08A-D0FC-C122-D8D0-F686CA11B16F}"/>
+          </ac:spMkLst>
+        </pc:spChg>
+        <pc:spChg chg="add del mod">
+          <ac:chgData name="Montecino, Diego" userId="a795c42d-832a-4dce-b1d8-09bac981a9d2" providerId="ADAL" clId="{166D12EF-58EE-6C4C-9A24-99C33C59FE65}" dt="2024-11-14T20:15:26.432" v="678" actId="5736"/>
+          <ac:spMkLst>
+            <pc:docMk/>
+            <pc:sldMk cId="1576011338" sldId="258"/>
+            <ac:spMk id="93" creationId="{FC80877D-CD6C-11F4-23EF-955CE34DF6BD}"/>
+          </ac:spMkLst>
+        </pc:spChg>
+        <pc:spChg chg="add del mod">
+          <ac:chgData name="Montecino, Diego" userId="a795c42d-832a-4dce-b1d8-09bac981a9d2" providerId="ADAL" clId="{166D12EF-58EE-6C4C-9A24-99C33C59FE65}" dt="2024-11-14T20:15:26.432" v="678" actId="5736"/>
+          <ac:spMkLst>
+            <pc:docMk/>
+            <pc:sldMk cId="1576011338" sldId="258"/>
+            <ac:spMk id="94" creationId="{2414224D-BC6C-61CB-2B0C-B12F339CCBBF}"/>
+          </ac:spMkLst>
+        </pc:spChg>
+        <pc:spChg chg="add del mod">
+          <ac:chgData name="Montecino, Diego" userId="a795c42d-832a-4dce-b1d8-09bac981a9d2" providerId="ADAL" clId="{166D12EF-58EE-6C4C-9A24-99C33C59FE65}" dt="2024-11-14T20:15:26.432" v="678" actId="5736"/>
+          <ac:spMkLst>
+            <pc:docMk/>
+            <pc:sldMk cId="1576011338" sldId="258"/>
+            <ac:spMk id="106" creationId="{B16D40F5-DC97-76BE-F2A1-83E2BE470A60}"/>
+          </ac:spMkLst>
+        </pc:spChg>
+        <pc:spChg chg="add del mod">
+          <ac:chgData name="Montecino, Diego" userId="a795c42d-832a-4dce-b1d8-09bac981a9d2" providerId="ADAL" clId="{166D12EF-58EE-6C4C-9A24-99C33C59FE65}" dt="2024-11-14T20:15:26.432" v="678" actId="5736"/>
+          <ac:spMkLst>
+            <pc:docMk/>
+            <pc:sldMk cId="1576011338" sldId="258"/>
+            <ac:spMk id="114" creationId="{D828A2AA-2D08-B7D5-1FB3-3C7B924175AA}"/>
+          </ac:spMkLst>
+        </pc:spChg>
+        <pc:spChg chg="del">
+          <ac:chgData name="Montecino, Diego" userId="a795c42d-832a-4dce-b1d8-09bac981a9d2" providerId="ADAL" clId="{166D12EF-58EE-6C4C-9A24-99C33C59FE65}" dt="2024-11-14T19:53:23.175" v="491" actId="478"/>
+          <ac:spMkLst>
+            <pc:docMk/>
+            <pc:sldMk cId="1576011338" sldId="258"/>
+            <ac:spMk id="122" creationId="{8F73378B-7512-68F7-AB58-4516459CEE64}"/>
+          </ac:spMkLst>
+        </pc:spChg>
+        <pc:grpChg chg="add del mod">
+          <ac:chgData name="Montecino, Diego" userId="a795c42d-832a-4dce-b1d8-09bac981a9d2" providerId="ADAL" clId="{166D12EF-58EE-6C4C-9A24-99C33C59FE65}" dt="2024-11-14T20:15:26.432" v="678" actId="5736"/>
+          <ac:grpSpMkLst>
+            <pc:docMk/>
+            <pc:sldMk cId="1576011338" sldId="258"/>
+            <ac:grpSpMk id="13" creationId="{182D3C81-2491-8C9B-AD4F-3BCAFE025582}"/>
+          </ac:grpSpMkLst>
+        </pc:grpChg>
+        <pc:grpChg chg="add del mod">
+          <ac:chgData name="Montecino, Diego" userId="a795c42d-832a-4dce-b1d8-09bac981a9d2" providerId="ADAL" clId="{166D12EF-58EE-6C4C-9A24-99C33C59FE65}" dt="2024-11-14T20:15:26.432" v="678" actId="5736"/>
+          <ac:grpSpMkLst>
+            <pc:docMk/>
+            <pc:sldMk cId="1576011338" sldId="258"/>
+            <ac:grpSpMk id="16" creationId="{DA224D39-3B30-653B-880E-0299C3EA97F2}"/>
+          </ac:grpSpMkLst>
+        </pc:grpChg>
+        <pc:grpChg chg="add del mod">
+          <ac:chgData name="Montecino, Diego" userId="a795c42d-832a-4dce-b1d8-09bac981a9d2" providerId="ADAL" clId="{166D12EF-58EE-6C4C-9A24-99C33C59FE65}" dt="2024-11-14T20:15:26.432" v="678" actId="5736"/>
+          <ac:grpSpMkLst>
+            <pc:docMk/>
+            <pc:sldMk cId="1576011338" sldId="258"/>
+            <ac:grpSpMk id="107" creationId="{AFF81808-3822-FC95-1297-B96FDB690762}"/>
+          </ac:grpSpMkLst>
+        </pc:grpChg>
+        <pc:grpChg chg="add del mod">
+          <ac:chgData name="Montecino, Diego" userId="a795c42d-832a-4dce-b1d8-09bac981a9d2" providerId="ADAL" clId="{166D12EF-58EE-6C4C-9A24-99C33C59FE65}" dt="2024-11-14T20:15:26.432" v="678" actId="5736"/>
+          <ac:grpSpMkLst>
+            <pc:docMk/>
+            <pc:sldMk cId="1576011338" sldId="258"/>
+            <ac:grpSpMk id="115" creationId="{4CFFAB80-E472-606D-B577-BC751181D281}"/>
+          </ac:grpSpMkLst>
+        </pc:grpChg>
+        <pc:graphicFrameChg chg="add del mod">
+          <ac:chgData name="Montecino, Diego" userId="a795c42d-832a-4dce-b1d8-09bac981a9d2" providerId="ADAL" clId="{166D12EF-58EE-6C4C-9A24-99C33C59FE65}" dt="2024-11-14T20:15:26.432" v="678" actId="5736"/>
+          <ac:graphicFrameMkLst>
+            <pc:docMk/>
+            <pc:sldMk cId="1576011338" sldId="258"/>
+            <ac:graphicFrameMk id="9" creationId="{2F18DD03-8D72-10E9-0FC9-89D6DEF372D4}"/>
+          </ac:graphicFrameMkLst>
+        </pc:graphicFrameChg>
+        <pc:cxnChg chg="add del mod">
+          <ac:chgData name="Montecino, Diego" userId="a795c42d-832a-4dce-b1d8-09bac981a9d2" providerId="ADAL" clId="{166D12EF-58EE-6C4C-9A24-99C33C59FE65}" dt="2024-11-14T20:15:26.432" v="678" actId="5736"/>
+          <ac:cxnSpMkLst>
+            <pc:docMk/>
+            <pc:sldMk cId="1576011338" sldId="258"/>
+            <ac:cxnSpMk id="11" creationId="{D0BEB3CE-BBCE-61BE-74E4-15E7D710C50B}"/>
+          </ac:cxnSpMkLst>
+        </pc:cxnChg>
+        <pc:cxnChg chg="add del mod">
+          <ac:chgData name="Montecino, Diego" userId="a795c42d-832a-4dce-b1d8-09bac981a9d2" providerId="ADAL" clId="{166D12EF-58EE-6C4C-9A24-99C33C59FE65}" dt="2024-11-14T20:01:19.216" v="586" actId="478"/>
+          <ac:cxnSpMkLst>
+            <pc:docMk/>
+            <pc:sldMk cId="1576011338" sldId="258"/>
+            <ac:cxnSpMk id="21" creationId="{05803AB9-E1EB-2D6D-BAB1-2E81E62047F5}"/>
+          </ac:cxnSpMkLst>
+        </pc:cxnChg>
+        <pc:cxnChg chg="add del mod">
+          <ac:chgData name="Montecino, Diego" userId="a795c42d-832a-4dce-b1d8-09bac981a9d2" providerId="ADAL" clId="{166D12EF-58EE-6C4C-9A24-99C33C59FE65}" dt="2024-11-14T20:15:26.432" v="678" actId="5736"/>
+          <ac:cxnSpMkLst>
+            <pc:docMk/>
+            <pc:sldMk cId="1576011338" sldId="258"/>
+            <ac:cxnSpMk id="22" creationId="{6CA42182-E92C-D086-8F8C-1F3BADFAF20D}"/>
+          </ac:cxnSpMkLst>
+        </pc:cxnChg>
+        <pc:cxnChg chg="add del mod">
+          <ac:chgData name="Montecino, Diego" userId="a795c42d-832a-4dce-b1d8-09bac981a9d2" providerId="ADAL" clId="{166D12EF-58EE-6C4C-9A24-99C33C59FE65}" dt="2024-11-14T20:15:26.432" v="678" actId="5736"/>
+          <ac:cxnSpMkLst>
+            <pc:docMk/>
+            <pc:sldMk cId="1576011338" sldId="258"/>
+            <ac:cxnSpMk id="24" creationId="{AA7ED1A5-3C3A-67FC-1EB4-24230F5D2896}"/>
+          </ac:cxnSpMkLst>
+        </pc:cxnChg>
+        <pc:cxnChg chg="add del mod">
+          <ac:chgData name="Montecino, Diego" userId="a795c42d-832a-4dce-b1d8-09bac981a9d2" providerId="ADAL" clId="{166D12EF-58EE-6C4C-9A24-99C33C59FE65}" dt="2024-11-14T20:15:26.432" v="678" actId="5736"/>
+          <ac:cxnSpMkLst>
+            <pc:docMk/>
+            <pc:sldMk cId="1576011338" sldId="258"/>
+            <ac:cxnSpMk id="26" creationId="{90A57CBA-CDE9-E93F-DE2A-6CEDEB1A5DA5}"/>
+          </ac:cxnSpMkLst>
+        </pc:cxnChg>
+        <pc:cxnChg chg="add del mod">
+          <ac:chgData name="Montecino, Diego" userId="a795c42d-832a-4dce-b1d8-09bac981a9d2" providerId="ADAL" clId="{166D12EF-58EE-6C4C-9A24-99C33C59FE65}" dt="2024-11-14T20:02:31.232" v="598" actId="478"/>
+          <ac:cxnSpMkLst>
+            <pc:docMk/>
+            <pc:sldMk cId="1576011338" sldId="258"/>
+            <ac:cxnSpMk id="27" creationId="{59FE17B7-2CF1-9609-CF19-E59B24444928}"/>
+          </ac:cxnSpMkLst>
+        </pc:cxnChg>
+        <pc:cxnChg chg="add del mod">
+          <ac:chgData name="Montecino, Diego" userId="a795c42d-832a-4dce-b1d8-09bac981a9d2" providerId="ADAL" clId="{166D12EF-58EE-6C4C-9A24-99C33C59FE65}" dt="2024-11-14T20:15:26.432" v="678" actId="5736"/>
+          <ac:cxnSpMkLst>
+            <pc:docMk/>
+            <pc:sldMk cId="1576011338" sldId="258"/>
+            <ac:cxnSpMk id="30" creationId="{6A71DED0-C56B-BEB9-F1DB-53282B470A07}"/>
+          </ac:cxnSpMkLst>
+        </pc:cxnChg>
+        <pc:cxnChg chg="add del mod">
+          <ac:chgData name="Montecino, Diego" userId="a795c42d-832a-4dce-b1d8-09bac981a9d2" providerId="ADAL" clId="{166D12EF-58EE-6C4C-9A24-99C33C59FE65}" dt="2024-11-14T20:15:26.432" v="678" actId="5736"/>
+          <ac:cxnSpMkLst>
+            <pc:docMk/>
+            <pc:sldMk cId="1576011338" sldId="258"/>
+            <ac:cxnSpMk id="31" creationId="{D8C247C8-CC78-9719-6EC0-2F5223D4CE3F}"/>
+          </ac:cxnSpMkLst>
+        </pc:cxnChg>
+        <pc:cxnChg chg="add del mod">
+          <ac:chgData name="Montecino, Diego" userId="a795c42d-832a-4dce-b1d8-09bac981a9d2" providerId="ADAL" clId="{166D12EF-58EE-6C4C-9A24-99C33C59FE65}" dt="2024-11-14T20:15:26.432" v="678" actId="5736"/>
+          <ac:cxnSpMkLst>
+            <pc:docMk/>
+            <pc:sldMk cId="1576011338" sldId="258"/>
+            <ac:cxnSpMk id="33" creationId="{E9D7B3BE-0D76-CB03-6739-749897E885CB}"/>
+          </ac:cxnSpMkLst>
+        </pc:cxnChg>
+        <pc:cxnChg chg="add del mod">
+          <ac:chgData name="Montecino, Diego" userId="a795c42d-832a-4dce-b1d8-09bac981a9d2" providerId="ADAL" clId="{166D12EF-58EE-6C4C-9A24-99C33C59FE65}" dt="2024-11-14T20:15:26.432" v="678" actId="5736"/>
+          <ac:cxnSpMkLst>
+            <pc:docMk/>
+            <pc:sldMk cId="1576011338" sldId="258"/>
+            <ac:cxnSpMk id="36" creationId="{F5328933-FF5C-08C5-3737-901F6BEC58CA}"/>
+          </ac:cxnSpMkLst>
+        </pc:cxnChg>
+        <pc:cxnChg chg="add del mod">
+          <ac:chgData name="Montecino, Diego" userId="a795c42d-832a-4dce-b1d8-09bac981a9d2" providerId="ADAL" clId="{166D12EF-58EE-6C4C-9A24-99C33C59FE65}" dt="2024-11-14T20:15:26.432" v="678" actId="5736"/>
+          <ac:cxnSpMkLst>
+            <pc:docMk/>
+            <pc:sldMk cId="1576011338" sldId="258"/>
+            <ac:cxnSpMk id="37" creationId="{AC33F979-6525-6C0D-AC89-7969FD65FE36}"/>
+          </ac:cxnSpMkLst>
+        </pc:cxnChg>
+        <pc:cxnChg chg="add del mod">
+          <ac:chgData name="Montecino, Diego" userId="a795c42d-832a-4dce-b1d8-09bac981a9d2" providerId="ADAL" clId="{166D12EF-58EE-6C4C-9A24-99C33C59FE65}" dt="2024-11-14T20:15:26.432" v="678" actId="5736"/>
+          <ac:cxnSpMkLst>
+            <pc:docMk/>
+            <pc:sldMk cId="1576011338" sldId="258"/>
+            <ac:cxnSpMk id="39" creationId="{7F967A9B-2CC5-EDF8-05AF-A3D30D4B2307}"/>
+          </ac:cxnSpMkLst>
+        </pc:cxnChg>
+        <pc:cxnChg chg="add del mod">
+          <ac:chgData name="Montecino, Diego" userId="a795c42d-832a-4dce-b1d8-09bac981a9d2" providerId="ADAL" clId="{166D12EF-58EE-6C4C-9A24-99C33C59FE65}" dt="2024-11-14T20:06:37.351" v="619" actId="478"/>
+          <ac:cxnSpMkLst>
+            <pc:docMk/>
+            <pc:sldMk cId="1576011338" sldId="258"/>
+            <ac:cxnSpMk id="42" creationId="{69845C47-D8A8-AE16-6238-F88C6D8FA51C}"/>
+          </ac:cxnSpMkLst>
+        </pc:cxnChg>
+        <pc:cxnChg chg="add del mod">
+          <ac:chgData name="Montecino, Diego" userId="a795c42d-832a-4dce-b1d8-09bac981a9d2" providerId="ADAL" clId="{166D12EF-58EE-6C4C-9A24-99C33C59FE65}" dt="2024-11-14T20:15:26.432" v="678" actId="5736"/>
+          <ac:cxnSpMkLst>
+            <pc:docMk/>
+            <pc:sldMk cId="1576011338" sldId="258"/>
+            <ac:cxnSpMk id="43" creationId="{1D960818-8958-2046-6AFE-6F6F3BE6A170}"/>
+          </ac:cxnSpMkLst>
+        </pc:cxnChg>
+        <pc:cxnChg chg="add del mod">
+          <ac:chgData name="Montecino, Diego" userId="a795c42d-832a-4dce-b1d8-09bac981a9d2" providerId="ADAL" clId="{166D12EF-58EE-6C4C-9A24-99C33C59FE65}" dt="2024-11-14T20:15:26.432" v="678" actId="5736"/>
+          <ac:cxnSpMkLst>
+            <pc:docMk/>
+            <pc:sldMk cId="1576011338" sldId="258"/>
+            <ac:cxnSpMk id="48" creationId="{8628E03E-A7AF-C764-5B44-AB6880CE478C}"/>
+          </ac:cxnSpMkLst>
+        </pc:cxnChg>
+        <pc:cxnChg chg="add del mod">
+          <ac:chgData name="Montecino, Diego" userId="a795c42d-832a-4dce-b1d8-09bac981a9d2" providerId="ADAL" clId="{166D12EF-58EE-6C4C-9A24-99C33C59FE65}" dt="2024-11-14T20:15:26.432" v="678" actId="5736"/>
+          <ac:cxnSpMkLst>
+            <pc:docMk/>
+            <pc:sldMk cId="1576011338" sldId="258"/>
+            <ac:cxnSpMk id="49" creationId="{BCE18676-5CD7-8DC9-9C51-7A0AC5A72601}"/>
+          </ac:cxnSpMkLst>
+        </pc:cxnChg>
+        <pc:cxnChg chg="add del mod">
+          <ac:chgData name="Montecino, Diego" userId="a795c42d-832a-4dce-b1d8-09bac981a9d2" providerId="ADAL" clId="{166D12EF-58EE-6C4C-9A24-99C33C59FE65}" dt="2024-11-14T20:15:26.432" v="678" actId="5736"/>
+          <ac:cxnSpMkLst>
+            <pc:docMk/>
+            <pc:sldMk cId="1576011338" sldId="258"/>
+            <ac:cxnSpMk id="50" creationId="{D78F5780-F030-D02A-1642-1A0C58E6B2DD}"/>
+          </ac:cxnSpMkLst>
+        </pc:cxnChg>
+        <pc:cxnChg chg="add del mod">
+          <ac:chgData name="Montecino, Diego" userId="a795c42d-832a-4dce-b1d8-09bac981a9d2" providerId="ADAL" clId="{166D12EF-58EE-6C4C-9A24-99C33C59FE65}" dt="2024-11-14T20:05:45.058" v="613" actId="478"/>
+          <ac:cxnSpMkLst>
+            <pc:docMk/>
+            <pc:sldMk cId="1576011338" sldId="258"/>
+            <ac:cxnSpMk id="51" creationId="{0C8808D6-6090-B434-6130-E23E84881020}"/>
+          </ac:cxnSpMkLst>
+        </pc:cxnChg>
+        <pc:cxnChg chg="add del mod">
+          <ac:chgData name="Montecino, Diego" userId="a795c42d-832a-4dce-b1d8-09bac981a9d2" providerId="ADAL" clId="{166D12EF-58EE-6C4C-9A24-99C33C59FE65}" dt="2024-11-14T20:00:14.468" v="570" actId="478"/>
+          <ac:cxnSpMkLst>
+            <pc:docMk/>
+            <pc:sldMk cId="1576011338" sldId="258"/>
+            <ac:cxnSpMk id="52" creationId="{E0637431-2C78-D698-D6C5-C075413307D4}"/>
+          </ac:cxnSpMkLst>
+        </pc:cxnChg>
+        <pc:cxnChg chg="add del mod">
+          <ac:chgData name="Montecino, Diego" userId="a795c42d-832a-4dce-b1d8-09bac981a9d2" providerId="ADAL" clId="{166D12EF-58EE-6C4C-9A24-99C33C59FE65}" dt="2024-11-14T20:15:26.432" v="678" actId="5736"/>
+          <ac:cxnSpMkLst>
+            <pc:docMk/>
+            <pc:sldMk cId="1576011338" sldId="258"/>
+            <ac:cxnSpMk id="54" creationId="{1436B52B-AFE3-8116-E788-BDF874E6294A}"/>
+          </ac:cxnSpMkLst>
+        </pc:cxnChg>
+        <pc:cxnChg chg="add del mod">
+          <ac:chgData name="Montecino, Diego" userId="a795c42d-832a-4dce-b1d8-09bac981a9d2" providerId="ADAL" clId="{166D12EF-58EE-6C4C-9A24-99C33C59FE65}" dt="2024-11-14T20:15:26.432" v="678" actId="5736"/>
+          <ac:cxnSpMkLst>
+            <pc:docMk/>
+            <pc:sldMk cId="1576011338" sldId="258"/>
+            <ac:cxnSpMk id="56" creationId="{4B5F6E7E-E646-D464-51B0-4B7F35A3A139}"/>
+          </ac:cxnSpMkLst>
+        </pc:cxnChg>
+        <pc:cxnChg chg="add del mod">
+          <ac:chgData name="Montecino, Diego" userId="a795c42d-832a-4dce-b1d8-09bac981a9d2" providerId="ADAL" clId="{166D12EF-58EE-6C4C-9A24-99C33C59FE65}" dt="2024-11-14T20:15:26.432" v="678" actId="5736"/>
+          <ac:cxnSpMkLst>
+            <pc:docMk/>
+            <pc:sldMk cId="1576011338" sldId="258"/>
+            <ac:cxnSpMk id="57" creationId="{85522EB0-AFFE-1D29-5C2A-317E78281C10}"/>
+          </ac:cxnSpMkLst>
+        </pc:cxnChg>
+        <pc:cxnChg chg="add del mod">
+          <ac:chgData name="Montecino, Diego" userId="a795c42d-832a-4dce-b1d8-09bac981a9d2" providerId="ADAL" clId="{166D12EF-58EE-6C4C-9A24-99C33C59FE65}" dt="2024-11-14T20:15:26.432" v="678" actId="5736"/>
+          <ac:cxnSpMkLst>
+            <pc:docMk/>
+            <pc:sldMk cId="1576011338" sldId="258"/>
+            <ac:cxnSpMk id="58" creationId="{67AEDE40-8DC7-6DEC-B8B7-6F24EFAAFA7D}"/>
+          </ac:cxnSpMkLst>
+        </pc:cxnChg>
+        <pc:cxnChg chg="add del mod">
+          <ac:chgData name="Montecino, Diego" userId="a795c42d-832a-4dce-b1d8-09bac981a9d2" providerId="ADAL" clId="{166D12EF-58EE-6C4C-9A24-99C33C59FE65}" dt="2024-11-14T20:15:26.432" v="678" actId="5736"/>
+          <ac:cxnSpMkLst>
+            <pc:docMk/>
+            <pc:sldMk cId="1576011338" sldId="258"/>
+            <ac:cxnSpMk id="59" creationId="{410F3A40-1D16-8978-0FA1-66483A247EA3}"/>
+          </ac:cxnSpMkLst>
+        </pc:cxnChg>
+        <pc:cxnChg chg="add del mod">
+          <ac:chgData name="Montecino, Diego" userId="a795c42d-832a-4dce-b1d8-09bac981a9d2" providerId="ADAL" clId="{166D12EF-58EE-6C4C-9A24-99C33C59FE65}" dt="2024-11-14T20:15:26.432" v="678" actId="5736"/>
+          <ac:cxnSpMkLst>
+            <pc:docMk/>
+            <pc:sldMk cId="1576011338" sldId="258"/>
+            <ac:cxnSpMk id="62" creationId="{B6FC06AD-182B-C2CA-7474-ABEEEA217A21}"/>
+          </ac:cxnSpMkLst>
+        </pc:cxnChg>
+        <pc:cxnChg chg="add del mod">
+          <ac:chgData name="Montecino, Diego" userId="a795c42d-832a-4dce-b1d8-09bac981a9d2" providerId="ADAL" clId="{166D12EF-58EE-6C4C-9A24-99C33C59FE65}" dt="2024-11-14T20:15:26.432" v="678" actId="5736"/>
+          <ac:cxnSpMkLst>
+            <pc:docMk/>
+            <pc:sldMk cId="1576011338" sldId="258"/>
+            <ac:cxnSpMk id="64" creationId="{C7A44A05-C6DB-49BB-2E1F-6CA3140E1E09}"/>
+          </ac:cxnSpMkLst>
+        </pc:cxnChg>
+        <pc:cxnChg chg="add del mod">
+          <ac:chgData name="Montecino, Diego" userId="a795c42d-832a-4dce-b1d8-09bac981a9d2" providerId="ADAL" clId="{166D12EF-58EE-6C4C-9A24-99C33C59FE65}" dt="2024-11-14T20:15:26.432" v="678" actId="5736"/>
+          <ac:cxnSpMkLst>
+            <pc:docMk/>
+            <pc:sldMk cId="1576011338" sldId="258"/>
+            <ac:cxnSpMk id="68" creationId="{F18D9382-0909-691C-67AC-22FA539EE563}"/>
+          </ac:cxnSpMkLst>
+        </pc:cxnChg>
+        <pc:cxnChg chg="add del mod">
+          <ac:chgData name="Montecino, Diego" userId="a795c42d-832a-4dce-b1d8-09bac981a9d2" providerId="ADAL" clId="{166D12EF-58EE-6C4C-9A24-99C33C59FE65}" dt="2024-11-14T20:15:26.432" v="678" actId="5736"/>
+          <ac:cxnSpMkLst>
+            <pc:docMk/>
+            <pc:sldMk cId="1576011338" sldId="258"/>
+            <ac:cxnSpMk id="72" creationId="{D3C24B04-46E6-9C10-D82C-E1BA63D0C143}"/>
+          </ac:cxnSpMkLst>
+        </pc:cxnChg>
+        <pc:cxnChg chg="add del mod">
+          <ac:chgData name="Montecino, Diego" userId="a795c42d-832a-4dce-b1d8-09bac981a9d2" providerId="ADAL" clId="{166D12EF-58EE-6C4C-9A24-99C33C59FE65}" dt="2024-11-14T20:15:26.432" v="678" actId="5736"/>
+          <ac:cxnSpMkLst>
+            <pc:docMk/>
+            <pc:sldMk cId="1576011338" sldId="258"/>
+            <ac:cxnSpMk id="90" creationId="{83C4FB22-1B09-A56D-8963-61A8402D0572}"/>
+          </ac:cxnSpMkLst>
+        </pc:cxnChg>
+        <pc:cxnChg chg="add del mod">
+          <ac:chgData name="Montecino, Diego" userId="a795c42d-832a-4dce-b1d8-09bac981a9d2" providerId="ADAL" clId="{166D12EF-58EE-6C4C-9A24-99C33C59FE65}" dt="2024-11-14T20:15:26.432" v="678" actId="5736"/>
+          <ac:cxnSpMkLst>
+            <pc:docMk/>
+            <pc:sldMk cId="1576011338" sldId="258"/>
+            <ac:cxnSpMk id="97" creationId="{E0EE0B0D-D56E-6B58-41D1-C21FFCCF5DC8}"/>
+          </ac:cxnSpMkLst>
+        </pc:cxnChg>
+        <pc:cxnChg chg="add del mod">
+          <ac:chgData name="Montecino, Diego" userId="a795c42d-832a-4dce-b1d8-09bac981a9d2" providerId="ADAL" clId="{166D12EF-58EE-6C4C-9A24-99C33C59FE65}" dt="2024-11-14T20:15:26.432" v="678" actId="5736"/>
+          <ac:cxnSpMkLst>
+            <pc:docMk/>
+            <pc:sldMk cId="1576011338" sldId="258"/>
+            <ac:cxnSpMk id="99" creationId="{FB2FA398-E495-7473-B61D-568E3404CEA7}"/>
+          </ac:cxnSpMkLst>
+        </pc:cxnChg>
+        <pc:cxnChg chg="add del mod">
+          <ac:chgData name="Montecino, Diego" userId="a795c42d-832a-4dce-b1d8-09bac981a9d2" providerId="ADAL" clId="{166D12EF-58EE-6C4C-9A24-99C33C59FE65}" dt="2024-11-14T20:15:26.432" v="678" actId="5736"/>
+          <ac:cxnSpMkLst>
+            <pc:docMk/>
+            <pc:sldMk cId="1576011338" sldId="258"/>
+            <ac:cxnSpMk id="101" creationId="{0DED427A-F8E0-BFB2-63FC-1C631D1BBBDA}"/>
+          </ac:cxnSpMkLst>
+        </pc:cxnChg>
+        <pc:cxnChg chg="add del mod">
+          <ac:chgData name="Montecino, Diego" userId="a795c42d-832a-4dce-b1d8-09bac981a9d2" providerId="ADAL" clId="{166D12EF-58EE-6C4C-9A24-99C33C59FE65}" dt="2024-11-14T20:15:26.432" v="678" actId="5736"/>
+          <ac:cxnSpMkLst>
+            <pc:docMk/>
+            <pc:sldMk cId="1576011338" sldId="258"/>
+            <ac:cxnSpMk id="110" creationId="{3278B44B-1CAA-68EF-2FCA-C2AE387E401E}"/>
+          </ac:cxnSpMkLst>
+        </pc:cxnChg>
+        <pc:cxnChg chg="del mod">
+          <ac:chgData name="Montecino, Diego" userId="a795c42d-832a-4dce-b1d8-09bac981a9d2" providerId="ADAL" clId="{166D12EF-58EE-6C4C-9A24-99C33C59FE65}" dt="2024-11-14T20:02:33.308" v="599" actId="478"/>
+          <ac:cxnSpMkLst>
+            <pc:docMk/>
+            <pc:sldMk cId="1576011338" sldId="258"/>
+            <ac:cxnSpMk id="119" creationId="{9A1093FA-325A-665E-B633-80ACC2CFA178}"/>
+          </ac:cxnSpMkLst>
+        </pc:cxnChg>
+        <pc:cxnChg chg="del mod">
+          <ac:chgData name="Montecino, Diego" userId="a795c42d-832a-4dce-b1d8-09bac981a9d2" providerId="ADAL" clId="{166D12EF-58EE-6C4C-9A24-99C33C59FE65}" dt="2024-11-14T20:05:22.061" v="610" actId="478"/>
+          <ac:cxnSpMkLst>
+            <pc:docMk/>
+            <pc:sldMk cId="1576011338" sldId="258"/>
+            <ac:cxnSpMk id="138" creationId="{C87C6F0D-F5AA-B283-307B-46C85ACF16A3}"/>
+          </ac:cxnSpMkLst>
+        </pc:cxnChg>
+        <pc:cxnChg chg="del mod">
+          <ac:chgData name="Montecino, Diego" userId="a795c42d-832a-4dce-b1d8-09bac981a9d2" providerId="ADAL" clId="{166D12EF-58EE-6C4C-9A24-99C33C59FE65}" dt="2024-11-14T20:05:41.337" v="611" actId="478"/>
+          <ac:cxnSpMkLst>
+            <pc:docMk/>
+            <pc:sldMk cId="1576011338" sldId="258"/>
+            <ac:cxnSpMk id="143" creationId="{DB072FFD-90A6-EE60-CC8C-AF3B61B403BA}"/>
+          </ac:cxnSpMkLst>
+        </pc:cxnChg>
+      </pc:sldChg>
+      <pc:sldChg chg="modSp add del mod">
+        <pc:chgData name="Montecino, Diego" userId="a795c42d-832a-4dce-b1d8-09bac981a9d2" providerId="ADAL" clId="{166D12EF-58EE-6C4C-9A24-99C33C59FE65}" dt="2024-11-14T19:43:37.010" v="379" actId="2696"/>
+        <pc:sldMkLst>
+          <pc:docMk/>
+          <pc:sldMk cId="697080574" sldId="259"/>
+        </pc:sldMkLst>
+        <pc:spChg chg="mod">
+          <ac:chgData name="Montecino, Diego" userId="a795c42d-832a-4dce-b1d8-09bac981a9d2" providerId="ADAL" clId="{166D12EF-58EE-6C4C-9A24-99C33C59FE65}" dt="2024-11-14T19:24:47.134" v="319" actId="20577"/>
+          <ac:spMkLst>
+            <pc:docMk/>
+            <pc:sldMk cId="697080574" sldId="259"/>
+            <ac:spMk id="2" creationId="{2AB5976D-7191-2B2A-0674-6C0E18F4985E}"/>
+          </ac:spMkLst>
+        </pc:spChg>
+      </pc:sldChg>
+      <pc:sldChg chg="delSp modSp add mod">
+        <pc:chgData name="Montecino, Diego" userId="a795c42d-832a-4dce-b1d8-09bac981a9d2" providerId="ADAL" clId="{166D12EF-58EE-6C4C-9A24-99C33C59FE65}" dt="2024-11-14T20:16:08.520" v="682" actId="5736"/>
+        <pc:sldMkLst>
+          <pc:docMk/>
+          <pc:sldMk cId="2695032720" sldId="259"/>
+        </pc:sldMkLst>
+        <pc:spChg chg="del">
+          <ac:chgData name="Montecino, Diego" userId="a795c42d-832a-4dce-b1d8-09bac981a9d2" providerId="ADAL" clId="{166D12EF-58EE-6C4C-9A24-99C33C59FE65}" dt="2024-11-14T20:15:44.683" v="680" actId="478"/>
+          <ac:spMkLst>
+            <pc:docMk/>
+            <pc:sldMk cId="2695032720" sldId="259"/>
+            <ac:spMk id="2" creationId="{BCFD1F0E-B5A3-A3E0-78F1-6D657389B84A}"/>
+          </ac:spMkLst>
+        </pc:spChg>
+        <pc:spChg chg="mod">
+          <ac:chgData name="Montecino, Diego" userId="a795c42d-832a-4dce-b1d8-09bac981a9d2" providerId="ADAL" clId="{166D12EF-58EE-6C4C-9A24-99C33C59FE65}" dt="2024-11-14T20:16:08.520" v="682" actId="5736"/>
+          <ac:spMkLst>
+            <pc:docMk/>
+            <pc:sldMk cId="2695032720" sldId="259"/>
+            <ac:spMk id="75" creationId="{33956584-5ECA-BCA9-CF57-692AF2F7ACDD}"/>
+          </ac:spMkLst>
+        </pc:spChg>
+        <pc:spChg chg="mod">
+          <ac:chgData name="Montecino, Diego" userId="a795c42d-832a-4dce-b1d8-09bac981a9d2" providerId="ADAL" clId="{166D12EF-58EE-6C4C-9A24-99C33C59FE65}" dt="2024-11-14T20:16:08.520" v="682" actId="5736"/>
+          <ac:spMkLst>
+            <pc:docMk/>
+            <pc:sldMk cId="2695032720" sldId="259"/>
+            <ac:spMk id="77" creationId="{5D7EE2F5-8DB6-CA0D-7C94-C28E8512BD1B}"/>
+          </ac:spMkLst>
+        </pc:spChg>
+        <pc:spChg chg="mod">
+          <ac:chgData name="Montecino, Diego" userId="a795c42d-832a-4dce-b1d8-09bac981a9d2" providerId="ADAL" clId="{166D12EF-58EE-6C4C-9A24-99C33C59FE65}" dt="2024-11-14T20:16:08.520" v="682" actId="5736"/>
+          <ac:spMkLst>
+            <pc:docMk/>
+            <pc:sldMk cId="2695032720" sldId="259"/>
+            <ac:spMk id="78" creationId="{7250EBD5-09DD-7A60-3581-2CC2E54998ED}"/>
+          </ac:spMkLst>
+        </pc:spChg>
+        <pc:spChg chg="mod">
+          <ac:chgData name="Montecino, Diego" userId="a795c42d-832a-4dce-b1d8-09bac981a9d2" providerId="ADAL" clId="{166D12EF-58EE-6C4C-9A24-99C33C59FE65}" dt="2024-11-14T20:16:08.520" v="682" actId="5736"/>
+          <ac:spMkLst>
+            <pc:docMk/>
+            <pc:sldMk cId="2695032720" sldId="259"/>
+            <ac:spMk id="79" creationId="{11E36799-D0E7-1B3C-F3CD-7E5F9F8E9A1B}"/>
+          </ac:spMkLst>
+        </pc:spChg>
+        <pc:spChg chg="mod">
+          <ac:chgData name="Montecino, Diego" userId="a795c42d-832a-4dce-b1d8-09bac981a9d2" providerId="ADAL" clId="{166D12EF-58EE-6C4C-9A24-99C33C59FE65}" dt="2024-11-14T20:16:08.520" v="682" actId="5736"/>
+          <ac:spMkLst>
+            <pc:docMk/>
+            <pc:sldMk cId="2695032720" sldId="259"/>
+            <ac:spMk id="80" creationId="{00EE4DDA-7A53-D18D-0C68-DA0321A0A46C}"/>
+          </ac:spMkLst>
+        </pc:spChg>
+        <pc:spChg chg="mod">
+          <ac:chgData name="Montecino, Diego" userId="a795c42d-832a-4dce-b1d8-09bac981a9d2" providerId="ADAL" clId="{166D12EF-58EE-6C4C-9A24-99C33C59FE65}" dt="2024-11-14T20:16:08.520" v="682" actId="5736"/>
+          <ac:spMkLst>
+            <pc:docMk/>
+            <pc:sldMk cId="2695032720" sldId="259"/>
+            <ac:spMk id="81" creationId="{EF5FC2A2-7EA6-59E5-DDB4-E43CF3DB458C}"/>
+          </ac:spMkLst>
+        </pc:spChg>
+        <pc:spChg chg="mod">
+          <ac:chgData name="Montecino, Diego" userId="a795c42d-832a-4dce-b1d8-09bac981a9d2" providerId="ADAL" clId="{166D12EF-58EE-6C4C-9A24-99C33C59FE65}" dt="2024-11-14T20:16:08.520" v="682" actId="5736"/>
+          <ac:spMkLst>
+            <pc:docMk/>
+            <pc:sldMk cId="2695032720" sldId="259"/>
+            <ac:spMk id="85" creationId="{5212037A-839E-846F-1241-39108F425FD7}"/>
+          </ac:spMkLst>
+        </pc:spChg>
+        <pc:spChg chg="mod">
+          <ac:chgData name="Montecino, Diego" userId="a795c42d-832a-4dce-b1d8-09bac981a9d2" providerId="ADAL" clId="{166D12EF-58EE-6C4C-9A24-99C33C59FE65}" dt="2024-11-14T20:16:08.520" v="682" actId="5736"/>
+          <ac:spMkLst>
+            <pc:docMk/>
+            <pc:sldMk cId="2695032720" sldId="259"/>
+            <ac:spMk id="86" creationId="{1E5D5C72-4E3C-5A97-6CC7-3E52CED1A22B}"/>
+          </ac:spMkLst>
+        </pc:spChg>
+        <pc:spChg chg="mod">
+          <ac:chgData name="Montecino, Diego" userId="a795c42d-832a-4dce-b1d8-09bac981a9d2" providerId="ADAL" clId="{166D12EF-58EE-6C4C-9A24-99C33C59FE65}" dt="2024-11-14T20:16:08.520" v="682" actId="5736"/>
+          <ac:spMkLst>
+            <pc:docMk/>
+            <pc:sldMk cId="2695032720" sldId="259"/>
+            <ac:spMk id="87" creationId="{B35E0267-9CF5-700C-75FB-EFBB40A31984}"/>
+          </ac:spMkLst>
+        </pc:spChg>
+        <pc:spChg chg="mod">
+          <ac:chgData name="Montecino, Diego" userId="a795c42d-832a-4dce-b1d8-09bac981a9d2" providerId="ADAL" clId="{166D12EF-58EE-6C4C-9A24-99C33C59FE65}" dt="2024-11-14T20:16:08.520" v="682" actId="5736"/>
+          <ac:spMkLst>
+            <pc:docMk/>
+            <pc:sldMk cId="2695032720" sldId="259"/>
+            <ac:spMk id="88" creationId="{8CCC4640-D399-0051-CBF3-02414E1DD03E}"/>
+          </ac:spMkLst>
+        </pc:spChg>
+        <pc:spChg chg="mod">
+          <ac:chgData name="Montecino, Diego" userId="a795c42d-832a-4dce-b1d8-09bac981a9d2" providerId="ADAL" clId="{166D12EF-58EE-6C4C-9A24-99C33C59FE65}" dt="2024-11-14T20:16:08.520" v="682" actId="5736"/>
+          <ac:spMkLst>
+            <pc:docMk/>
+            <pc:sldMk cId="2695032720" sldId="259"/>
+            <ac:spMk id="89" creationId="{DAB68824-22B9-B0BA-F23C-530F2B28E41A}"/>
+          </ac:spMkLst>
+        </pc:spChg>
+        <pc:spChg chg="mod">
+          <ac:chgData name="Montecino, Diego" userId="a795c42d-832a-4dce-b1d8-09bac981a9d2" providerId="ADAL" clId="{166D12EF-58EE-6C4C-9A24-99C33C59FE65}" dt="2024-11-14T20:16:08.520" v="682" actId="5736"/>
+          <ac:spMkLst>
+            <pc:docMk/>
+            <pc:sldMk cId="2695032720" sldId="259"/>
+            <ac:spMk id="91" creationId="{865857D4-A86D-DB2F-D60C-C34CC9ABBC62}"/>
+          </ac:spMkLst>
+        </pc:spChg>
+        <pc:spChg chg="mod">
+          <ac:chgData name="Montecino, Diego" userId="a795c42d-832a-4dce-b1d8-09bac981a9d2" providerId="ADAL" clId="{166D12EF-58EE-6C4C-9A24-99C33C59FE65}" dt="2024-11-14T20:16:08.520" v="682" actId="5736"/>
+          <ac:spMkLst>
+            <pc:docMk/>
+            <pc:sldMk cId="2695032720" sldId="259"/>
+            <ac:spMk id="92" creationId="{CB50D972-55EB-3253-02C0-B1C575BE995A}"/>
+          </ac:spMkLst>
+        </pc:spChg>
+        <pc:spChg chg="mod">
+          <ac:chgData name="Montecino, Diego" userId="a795c42d-832a-4dce-b1d8-09bac981a9d2" providerId="ADAL" clId="{166D12EF-58EE-6C4C-9A24-99C33C59FE65}" dt="2024-11-14T20:16:08.520" v="682" actId="5736"/>
+          <ac:spMkLst>
+            <pc:docMk/>
+            <pc:sldMk cId="2695032720" sldId="259"/>
+            <ac:spMk id="93" creationId="{227063BA-FA09-3B4A-220E-2E77C0E73565}"/>
+          </ac:spMkLst>
+        </pc:spChg>
+        <pc:spChg chg="mod">
+          <ac:chgData name="Montecino, Diego" userId="a795c42d-832a-4dce-b1d8-09bac981a9d2" providerId="ADAL" clId="{166D12EF-58EE-6C4C-9A24-99C33C59FE65}" dt="2024-11-14T20:16:08.520" v="682" actId="5736"/>
+          <ac:spMkLst>
+            <pc:docMk/>
+            <pc:sldMk cId="2695032720" sldId="259"/>
+            <ac:spMk id="94" creationId="{D89BDA62-3DBF-111D-558F-4DE832B0BECD}"/>
+          </ac:spMkLst>
+        </pc:spChg>
+        <pc:spChg chg="mod">
+          <ac:chgData name="Montecino, Diego" userId="a795c42d-832a-4dce-b1d8-09bac981a9d2" providerId="ADAL" clId="{166D12EF-58EE-6C4C-9A24-99C33C59FE65}" dt="2024-11-14T20:16:08.520" v="682" actId="5736"/>
+          <ac:spMkLst>
+            <pc:docMk/>
+            <pc:sldMk cId="2695032720" sldId="259"/>
+            <ac:spMk id="114" creationId="{4B7DBFDD-816C-8B41-09F9-9AE3884948CB}"/>
+          </ac:spMkLst>
+        </pc:spChg>
+        <pc:spChg chg="mod">
+          <ac:chgData name="Montecino, Diego" userId="a795c42d-832a-4dce-b1d8-09bac981a9d2" providerId="ADAL" clId="{166D12EF-58EE-6C4C-9A24-99C33C59FE65}" dt="2024-11-14T20:16:08.520" v="682" actId="5736"/>
+          <ac:spMkLst>
+            <pc:docMk/>
+            <pc:sldMk cId="2695032720" sldId="259"/>
+            <ac:spMk id="122" creationId="{10521C65-3855-D7B1-E0A7-1E8CCAB30C75}"/>
+          </ac:spMkLst>
+        </pc:spChg>
+        <pc:grpChg chg="mod">
+          <ac:chgData name="Montecino, Diego" userId="a795c42d-832a-4dce-b1d8-09bac981a9d2" providerId="ADAL" clId="{166D12EF-58EE-6C4C-9A24-99C33C59FE65}" dt="2024-11-14T20:16:08.520" v="682" actId="5736"/>
+          <ac:grpSpMkLst>
+            <pc:docMk/>
+            <pc:sldMk cId="2695032720" sldId="259"/>
+            <ac:grpSpMk id="107" creationId="{C69A1E4E-F6E0-040C-07B6-FEB6D4906CDB}"/>
+          </ac:grpSpMkLst>
+        </pc:grpChg>
+        <pc:grpChg chg="mod">
+          <ac:chgData name="Montecino, Diego" userId="a795c42d-832a-4dce-b1d8-09bac981a9d2" providerId="ADAL" clId="{166D12EF-58EE-6C4C-9A24-99C33C59FE65}" dt="2024-11-14T20:16:08.520" v="682" actId="5736"/>
+          <ac:grpSpMkLst>
+            <pc:docMk/>
+            <pc:sldMk cId="2695032720" sldId="259"/>
+            <ac:grpSpMk id="115" creationId="{6376104B-3C88-1D54-2EE9-4823F59D348D}"/>
+          </ac:grpSpMkLst>
+        </pc:grpChg>
+        <pc:graphicFrameChg chg="mod">
+          <ac:chgData name="Montecino, Diego" userId="a795c42d-832a-4dce-b1d8-09bac981a9d2" providerId="ADAL" clId="{166D12EF-58EE-6C4C-9A24-99C33C59FE65}" dt="2024-11-14T20:16:08.520" v="682" actId="5736"/>
+          <ac:graphicFrameMkLst>
+            <pc:docMk/>
+            <pc:sldMk cId="2695032720" sldId="259"/>
+            <ac:graphicFrameMk id="9" creationId="{2F8669E9-8FBE-9E28-868C-CAEF81C49D54}"/>
+          </ac:graphicFrameMkLst>
+        </pc:graphicFrameChg>
+        <pc:cxnChg chg="mod">
+          <ac:chgData name="Montecino, Diego" userId="a795c42d-832a-4dce-b1d8-09bac981a9d2" providerId="ADAL" clId="{166D12EF-58EE-6C4C-9A24-99C33C59FE65}" dt="2024-11-14T20:16:08.520" v="682" actId="5736"/>
+          <ac:cxnSpMkLst>
+            <pc:docMk/>
+            <pc:sldMk cId="2695032720" sldId="259"/>
+            <ac:cxnSpMk id="11" creationId="{DAF21942-8CCF-E6A9-63D0-7C4595C2A998}"/>
+          </ac:cxnSpMkLst>
+        </pc:cxnChg>
+        <pc:cxnChg chg="mod">
+          <ac:chgData name="Montecino, Diego" userId="a795c42d-832a-4dce-b1d8-09bac981a9d2" providerId="ADAL" clId="{166D12EF-58EE-6C4C-9A24-99C33C59FE65}" dt="2024-11-14T20:16:08.520" v="682" actId="5736"/>
+          <ac:cxnSpMkLst>
+            <pc:docMk/>
+            <pc:sldMk cId="2695032720" sldId="259"/>
+            <ac:cxnSpMk id="22" creationId="{DB6E5DBF-90D3-7998-7884-24900F7A6C4E}"/>
+          </ac:cxnSpMkLst>
+        </pc:cxnChg>
+        <pc:cxnChg chg="mod">
+          <ac:chgData name="Montecino, Diego" userId="a795c42d-832a-4dce-b1d8-09bac981a9d2" providerId="ADAL" clId="{166D12EF-58EE-6C4C-9A24-99C33C59FE65}" dt="2024-11-14T20:16:08.520" v="682" actId="5736"/>
+          <ac:cxnSpMkLst>
+            <pc:docMk/>
+            <pc:sldMk cId="2695032720" sldId="259"/>
+            <ac:cxnSpMk id="24" creationId="{D120508D-2862-B655-98E8-35CE8996198E}"/>
+          </ac:cxnSpMkLst>
+        </pc:cxnChg>
+        <pc:cxnChg chg="mod">
+          <ac:chgData name="Montecino, Diego" userId="a795c42d-832a-4dce-b1d8-09bac981a9d2" providerId="ADAL" clId="{166D12EF-58EE-6C4C-9A24-99C33C59FE65}" dt="2024-11-14T20:16:08.520" v="682" actId="5736"/>
+          <ac:cxnSpMkLst>
+            <pc:docMk/>
+            <pc:sldMk cId="2695032720" sldId="259"/>
+            <ac:cxnSpMk id="26" creationId="{191F3718-19D7-EF01-9BC4-A09EE3CAC628}"/>
+          </ac:cxnSpMkLst>
+        </pc:cxnChg>
+        <pc:cxnChg chg="mod">
+          <ac:chgData name="Montecino, Diego" userId="a795c42d-832a-4dce-b1d8-09bac981a9d2" providerId="ADAL" clId="{166D12EF-58EE-6C4C-9A24-99C33C59FE65}" dt="2024-11-14T20:16:08.520" v="682" actId="5736"/>
+          <ac:cxnSpMkLst>
+            <pc:docMk/>
+            <pc:sldMk cId="2695032720" sldId="259"/>
+            <ac:cxnSpMk id="33" creationId="{C62D657B-5747-BF52-CEAD-A2B10C64CD0B}"/>
+          </ac:cxnSpMkLst>
+        </pc:cxnChg>
+        <pc:cxnChg chg="mod">
+          <ac:chgData name="Montecino, Diego" userId="a795c42d-832a-4dce-b1d8-09bac981a9d2" providerId="ADAL" clId="{166D12EF-58EE-6C4C-9A24-99C33C59FE65}" dt="2024-11-14T20:16:08.520" v="682" actId="5736"/>
+          <ac:cxnSpMkLst>
+            <pc:docMk/>
+            <pc:sldMk cId="2695032720" sldId="259"/>
+            <ac:cxnSpMk id="36" creationId="{A03BE769-BA06-AACD-CCA0-3161A3585DBF}"/>
+          </ac:cxnSpMkLst>
+        </pc:cxnChg>
+        <pc:cxnChg chg="mod">
+          <ac:chgData name="Montecino, Diego" userId="a795c42d-832a-4dce-b1d8-09bac981a9d2" providerId="ADAL" clId="{166D12EF-58EE-6C4C-9A24-99C33C59FE65}" dt="2024-11-14T20:16:08.520" v="682" actId="5736"/>
+          <ac:cxnSpMkLst>
+            <pc:docMk/>
+            <pc:sldMk cId="2695032720" sldId="259"/>
+            <ac:cxnSpMk id="37" creationId="{8BB0EC79-CD4F-5011-55F8-8D96BFAD004D}"/>
+          </ac:cxnSpMkLst>
+        </pc:cxnChg>
+        <pc:cxnChg chg="mod">
+          <ac:chgData name="Montecino, Diego" userId="a795c42d-832a-4dce-b1d8-09bac981a9d2" providerId="ADAL" clId="{166D12EF-58EE-6C4C-9A24-99C33C59FE65}" dt="2024-11-14T20:16:08.520" v="682" actId="5736"/>
+          <ac:cxnSpMkLst>
+            <pc:docMk/>
+            <pc:sldMk cId="2695032720" sldId="259"/>
+            <ac:cxnSpMk id="39" creationId="{62DCDE3E-ACFD-6AEC-3D06-1ED38185BED7}"/>
+          </ac:cxnSpMkLst>
+        </pc:cxnChg>
+        <pc:cxnChg chg="mod">
+          <ac:chgData name="Montecino, Diego" userId="a795c42d-832a-4dce-b1d8-09bac981a9d2" providerId="ADAL" clId="{166D12EF-58EE-6C4C-9A24-99C33C59FE65}" dt="2024-11-14T20:16:08.520" v="682" actId="5736"/>
+          <ac:cxnSpMkLst>
+            <pc:docMk/>
+            <pc:sldMk cId="2695032720" sldId="259"/>
+            <ac:cxnSpMk id="43" creationId="{F1DE0393-0F5F-0776-839C-B54B3FDD1BE0}"/>
+          </ac:cxnSpMkLst>
+        </pc:cxnChg>
+        <pc:cxnChg chg="mod">
+          <ac:chgData name="Montecino, Diego" userId="a795c42d-832a-4dce-b1d8-09bac981a9d2" providerId="ADAL" clId="{166D12EF-58EE-6C4C-9A24-99C33C59FE65}" dt="2024-11-14T20:16:08.520" v="682" actId="5736"/>
+          <ac:cxnSpMkLst>
+            <pc:docMk/>
+            <pc:sldMk cId="2695032720" sldId="259"/>
+            <ac:cxnSpMk id="48" creationId="{0FE9AC38-2D21-A705-0F2E-EC71B1607AE3}"/>
+          </ac:cxnSpMkLst>
+        </pc:cxnChg>
+        <pc:cxnChg chg="mod">
+          <ac:chgData name="Montecino, Diego" userId="a795c42d-832a-4dce-b1d8-09bac981a9d2" providerId="ADAL" clId="{166D12EF-58EE-6C4C-9A24-99C33C59FE65}" dt="2024-11-14T20:16:08.520" v="682" actId="5736"/>
+          <ac:cxnSpMkLst>
+            <pc:docMk/>
+            <pc:sldMk cId="2695032720" sldId="259"/>
+            <ac:cxnSpMk id="49" creationId="{A0313F01-746B-1C72-85E7-9BEE8C5D1A2E}"/>
+          </ac:cxnSpMkLst>
+        </pc:cxnChg>
+        <pc:cxnChg chg="mod">
+          <ac:chgData name="Montecino, Diego" userId="a795c42d-832a-4dce-b1d8-09bac981a9d2" providerId="ADAL" clId="{166D12EF-58EE-6C4C-9A24-99C33C59FE65}" dt="2024-11-14T20:16:08.520" v="682" actId="5736"/>
+          <ac:cxnSpMkLst>
+            <pc:docMk/>
+            <pc:sldMk cId="2695032720" sldId="259"/>
+            <ac:cxnSpMk id="50" creationId="{96C98B5E-ECB9-6BD0-3E06-F89BA9B077DF}"/>
+          </ac:cxnSpMkLst>
+        </pc:cxnChg>
+        <pc:cxnChg chg="mod">
+          <ac:chgData name="Montecino, Diego" userId="a795c42d-832a-4dce-b1d8-09bac981a9d2" providerId="ADAL" clId="{166D12EF-58EE-6C4C-9A24-99C33C59FE65}" dt="2024-11-14T20:16:08.520" v="682" actId="5736"/>
+          <ac:cxnSpMkLst>
+            <pc:docMk/>
+            <pc:sldMk cId="2695032720" sldId="259"/>
+            <ac:cxnSpMk id="54" creationId="{228CA51B-ABD0-01AB-EA71-09FA29D9819E}"/>
+          </ac:cxnSpMkLst>
+        </pc:cxnChg>
+        <pc:cxnChg chg="mod">
+          <ac:chgData name="Montecino, Diego" userId="a795c42d-832a-4dce-b1d8-09bac981a9d2" providerId="ADAL" clId="{166D12EF-58EE-6C4C-9A24-99C33C59FE65}" dt="2024-11-14T20:16:08.520" v="682" actId="5736"/>
+          <ac:cxnSpMkLst>
+            <pc:docMk/>
+            <pc:sldMk cId="2695032720" sldId="259"/>
+            <ac:cxnSpMk id="56" creationId="{6ADA4B7C-8E91-BF81-4CFF-87EF93EE99D4}"/>
+          </ac:cxnSpMkLst>
+        </pc:cxnChg>
+        <pc:cxnChg chg="mod">
+          <ac:chgData name="Montecino, Diego" userId="a795c42d-832a-4dce-b1d8-09bac981a9d2" providerId="ADAL" clId="{166D12EF-58EE-6C4C-9A24-99C33C59FE65}" dt="2024-11-14T20:16:08.520" v="682" actId="5736"/>
+          <ac:cxnSpMkLst>
+            <pc:docMk/>
+            <pc:sldMk cId="2695032720" sldId="259"/>
+            <ac:cxnSpMk id="57" creationId="{1034ABD9-A94E-61D6-A448-8303007B8C9D}"/>
+          </ac:cxnSpMkLst>
+        </pc:cxnChg>
+        <pc:cxnChg chg="mod">
+          <ac:chgData name="Montecino, Diego" userId="a795c42d-832a-4dce-b1d8-09bac981a9d2" providerId="ADAL" clId="{166D12EF-58EE-6C4C-9A24-99C33C59FE65}" dt="2024-11-14T20:16:08.520" v="682" actId="5736"/>
+          <ac:cxnSpMkLst>
+            <pc:docMk/>
+            <pc:sldMk cId="2695032720" sldId="259"/>
+            <ac:cxnSpMk id="64" creationId="{5BBAEBA2-BDCA-E156-DCDB-1FEB950CFFC1}"/>
+          </ac:cxnSpMkLst>
+        </pc:cxnChg>
+        <pc:cxnChg chg="mod">
+          <ac:chgData name="Montecino, Diego" userId="a795c42d-832a-4dce-b1d8-09bac981a9d2" providerId="ADAL" clId="{166D12EF-58EE-6C4C-9A24-99C33C59FE65}" dt="2024-11-14T20:16:08.520" v="682" actId="5736"/>
+          <ac:cxnSpMkLst>
+            <pc:docMk/>
+            <pc:sldMk cId="2695032720" sldId="259"/>
+            <ac:cxnSpMk id="68" creationId="{35AA5131-3891-6D08-2607-388E7D59E71D}"/>
+          </ac:cxnSpMkLst>
+        </pc:cxnChg>
+        <pc:cxnChg chg="mod">
+          <ac:chgData name="Montecino, Diego" userId="a795c42d-832a-4dce-b1d8-09bac981a9d2" providerId="ADAL" clId="{166D12EF-58EE-6C4C-9A24-99C33C59FE65}" dt="2024-11-14T20:16:08.520" v="682" actId="5736"/>
+          <ac:cxnSpMkLst>
+            <pc:docMk/>
+            <pc:sldMk cId="2695032720" sldId="259"/>
+            <ac:cxnSpMk id="72" creationId="{D3AF0A0D-2230-EC04-F6CE-092F238496AA}"/>
+          </ac:cxnSpMkLst>
+        </pc:cxnChg>
+        <pc:cxnChg chg="mod">
+          <ac:chgData name="Montecino, Diego" userId="a795c42d-832a-4dce-b1d8-09bac981a9d2" providerId="ADAL" clId="{166D12EF-58EE-6C4C-9A24-99C33C59FE65}" dt="2024-11-14T20:16:08.520" v="682" actId="5736"/>
+          <ac:cxnSpMkLst>
+            <pc:docMk/>
+            <pc:sldMk cId="2695032720" sldId="259"/>
+            <ac:cxnSpMk id="110" creationId="{636CFB10-F654-97FE-9F92-E617F882EAE7}"/>
+          </ac:cxnSpMkLst>
+        </pc:cxnChg>
+        <pc:cxnChg chg="mod">
+          <ac:chgData name="Montecino, Diego" userId="a795c42d-832a-4dce-b1d8-09bac981a9d2" providerId="ADAL" clId="{166D12EF-58EE-6C4C-9A24-99C33C59FE65}" dt="2024-11-14T20:16:08.520" v="682" actId="5736"/>
+          <ac:cxnSpMkLst>
+            <pc:docMk/>
+            <pc:sldMk cId="2695032720" sldId="259"/>
+            <ac:cxnSpMk id="119" creationId="{2E02D479-33E4-F85F-D963-447E82634DB6}"/>
+          </ac:cxnSpMkLst>
+        </pc:cxnChg>
+        <pc:cxnChg chg="mod">
+          <ac:chgData name="Montecino, Diego" userId="a795c42d-832a-4dce-b1d8-09bac981a9d2" providerId="ADAL" clId="{166D12EF-58EE-6C4C-9A24-99C33C59FE65}" dt="2024-11-14T20:16:08.520" v="682" actId="5736"/>
+          <ac:cxnSpMkLst>
+            <pc:docMk/>
+            <pc:sldMk cId="2695032720" sldId="259"/>
+            <ac:cxnSpMk id="138" creationId="{81C3CA0D-F777-3406-7206-18F673407E13}"/>
+          </ac:cxnSpMkLst>
+        </pc:cxnChg>
+        <pc:cxnChg chg="mod">
+          <ac:chgData name="Montecino, Diego" userId="a795c42d-832a-4dce-b1d8-09bac981a9d2" providerId="ADAL" clId="{166D12EF-58EE-6C4C-9A24-99C33C59FE65}" dt="2024-11-14T20:16:08.520" v="682" actId="5736"/>
+          <ac:cxnSpMkLst>
+            <pc:docMk/>
+            <pc:sldMk cId="2695032720" sldId="259"/>
+            <ac:cxnSpMk id="143" creationId="{99FB0943-030A-1B8D-ABA7-F1EB9E26B2D4}"/>
+          </ac:cxnSpMkLst>
+        </pc:cxnChg>
       </pc:sldChg>
     </pc:docChg>
   </pc:docChgLst>
@@ -2358,7 +3723,7 @@
         <a:p>
           <a:r>
             <a:rPr lang="en-US" dirty="0"/>
-            <a:t>Group Source</a:t>
+            <a:t>Animal Source</a:t>
           </a:r>
         </a:p>
       </dgm:t>
@@ -3217,7 +4582,7 @@
         <a:p>
           <a:r>
             <a:rPr lang="en-US" dirty="0"/>
-            <a:t>Animal Source</a:t>
+            <a:t>Source</a:t>
           </a:r>
         </a:p>
       </dgm:t>
@@ -3306,78 +4671,6 @@
       </dgm:t>
     </dgm:pt>
     <dgm:pt modelId="{D0614D03-1847-404D-85C8-A05FAC68544E}" type="sibTrans" cxnId="{D5941C1D-D076-1A40-BC01-89E64B16D7F3}">
-      <dgm:prSet/>
-      <dgm:spPr/>
-      <dgm:t>
-        <a:bodyPr/>
-        <a:lstStyle/>
-        <a:p>
-          <a:endParaRPr lang="en-US"/>
-        </a:p>
-      </dgm:t>
-    </dgm:pt>
-    <dgm:pt modelId="{91239A83-B7A5-4A44-8B6E-B8CF38030BD3}">
-      <dgm:prSet/>
-      <dgm:spPr/>
-      <dgm:t>
-        <a:bodyPr/>
-        <a:lstStyle/>
-        <a:p>
-          <a:r>
-            <a:rPr lang="en-US" dirty="0"/>
-            <a:t>Carcass</a:t>
-          </a:r>
-        </a:p>
-      </dgm:t>
-    </dgm:pt>
-    <dgm:pt modelId="{FC7B22A0-3EA6-264C-B890-5BA7173E70D2}" type="parTrans" cxnId="{E68937B8-3183-6D4E-B6E4-DCB2A8EF7646}">
-      <dgm:prSet/>
-      <dgm:spPr/>
-      <dgm:t>
-        <a:bodyPr/>
-        <a:lstStyle/>
-        <a:p>
-          <a:endParaRPr lang="en-US"/>
-        </a:p>
-      </dgm:t>
-    </dgm:pt>
-    <dgm:pt modelId="{3727F15E-7EC6-894C-B58A-33C53CE3E464}" type="sibTrans" cxnId="{E68937B8-3183-6D4E-B6E4-DCB2A8EF7646}">
-      <dgm:prSet/>
-      <dgm:spPr/>
-      <dgm:t>
-        <a:bodyPr/>
-        <a:lstStyle/>
-        <a:p>
-          <a:endParaRPr lang="en-US"/>
-        </a:p>
-      </dgm:t>
-    </dgm:pt>
-    <dgm:pt modelId="{059E2169-24E5-694D-8F15-FD2538BAC210}">
-      <dgm:prSet/>
-      <dgm:spPr/>
-      <dgm:t>
-        <a:bodyPr/>
-        <a:lstStyle/>
-        <a:p>
-          <a:r>
-            <a:rPr lang="en-US" dirty="0"/>
-            <a:t>Necropsy</a:t>
-          </a:r>
-        </a:p>
-      </dgm:t>
-    </dgm:pt>
-    <dgm:pt modelId="{40946333-4224-DD4A-9F21-1318A78B1323}" type="parTrans" cxnId="{27EC2D38-89AA-354A-A434-18E41C4D06D9}">
-      <dgm:prSet/>
-      <dgm:spPr/>
-      <dgm:t>
-        <a:bodyPr/>
-        <a:lstStyle/>
-        <a:p>
-          <a:endParaRPr lang="en-US"/>
-        </a:p>
-      </dgm:t>
-    </dgm:pt>
-    <dgm:pt modelId="{89446A9D-DF24-2B4C-A86E-42EE485A023B}" type="sibTrans" cxnId="{27EC2D38-89AA-354A-A434-18E41C4D06D9}">
       <dgm:prSet/>
       <dgm:spPr/>
       <dgm:t>
@@ -3430,7 +4723,7 @@
       <dgm:spPr/>
     </dgm:pt>
     <dgm:pt modelId="{4F4FE5EA-52CC-AE47-8E15-98FBD0F9961F}" type="pres">
-      <dgm:prSet presAssocID="{C2C2F35E-B900-B140-ADA5-2AE024810890}" presName="Name37" presStyleLbl="parChTrans1D2" presStyleIdx="0" presStyleCnt="3"/>
+      <dgm:prSet presAssocID="{C2C2F35E-B900-B140-ADA5-2AE024810890}" presName="Name37" presStyleLbl="parChTrans1D2" presStyleIdx="0" presStyleCnt="1"/>
       <dgm:spPr/>
     </dgm:pt>
     <dgm:pt modelId="{54D888A9-E979-DC4B-9E80-F30ED30620C9}" type="pres">
@@ -3446,7 +4739,7 @@
       <dgm:spPr/>
     </dgm:pt>
     <dgm:pt modelId="{EBF12FB6-9882-7145-9467-23F71E7058D9}" type="pres">
-      <dgm:prSet presAssocID="{F88CE117-5BF2-824D-962F-E3C5DAC5A996}" presName="rootText" presStyleLbl="node2" presStyleIdx="0" presStyleCnt="3">
+      <dgm:prSet presAssocID="{F88CE117-5BF2-824D-962F-E3C5DAC5A996}" presName="rootText" presStyleLbl="node2" presStyleIdx="0" presStyleCnt="1">
         <dgm:presLayoutVars>
           <dgm:chPref val="3"/>
         </dgm:presLayoutVars>
@@ -3454,7 +4747,7 @@
       <dgm:spPr/>
     </dgm:pt>
     <dgm:pt modelId="{2769F0BB-1C8B-754A-88EC-D898EE97C049}" type="pres">
-      <dgm:prSet presAssocID="{F88CE117-5BF2-824D-962F-E3C5DAC5A996}" presName="rootConnector" presStyleLbl="node2" presStyleIdx="0" presStyleCnt="3"/>
+      <dgm:prSet presAssocID="{F88CE117-5BF2-824D-962F-E3C5DAC5A996}" presName="rootConnector" presStyleLbl="node2" presStyleIdx="0" presStyleCnt="1"/>
       <dgm:spPr/>
     </dgm:pt>
     <dgm:pt modelId="{061042C1-675E-E94D-B74F-F14D17ECCEE3}" type="pres">
@@ -3734,7 +5027,7 @@
       <dgm:spPr/>
     </dgm:pt>
     <dgm:pt modelId="{9E04E2FA-911D-944C-A0E4-BAE7F15E61E1}" type="pres">
-      <dgm:prSet presAssocID="{5E92B1EF-5271-3A42-9FF3-87CE1099F051}" presName="rootText1" presStyleLbl="node0" presStyleIdx="1" presStyleCnt="2" custLinFactX="-149044" custLinFactY="400000" custLinFactNeighborX="-200000" custLinFactNeighborY="449447">
+      <dgm:prSet presAssocID="{5E92B1EF-5271-3A42-9FF3-87CE1099F051}" presName="rootText1" presStyleLbl="node0" presStyleIdx="1" presStyleCnt="2" custLinFactX="-100000" custLinFactY="400000" custLinFactNeighborX="-188820" custLinFactNeighborY="451327">
         <dgm:presLayoutVars>
           <dgm:chPref val="3"/>
         </dgm:presLayoutVars>
@@ -3747,78 +5040,6 @@
     </dgm:pt>
     <dgm:pt modelId="{0E326042-B700-934E-B3D8-7845A73E4C84}" type="pres">
       <dgm:prSet presAssocID="{5E92B1EF-5271-3A42-9FF3-87CE1099F051}" presName="hierChild2" presStyleCnt="0"/>
-      <dgm:spPr/>
-    </dgm:pt>
-    <dgm:pt modelId="{70240E21-CBDA-D640-9547-0CF82AB6C78A}" type="pres">
-      <dgm:prSet presAssocID="{FC7B22A0-3EA6-264C-B890-5BA7173E70D2}" presName="Name37" presStyleLbl="parChTrans1D2" presStyleIdx="1" presStyleCnt="3"/>
-      <dgm:spPr/>
-    </dgm:pt>
-    <dgm:pt modelId="{F5B3A3EE-844B-9E44-A136-9B658DA1703E}" type="pres">
-      <dgm:prSet presAssocID="{91239A83-B7A5-4A44-8B6E-B8CF38030BD3}" presName="hierRoot2" presStyleCnt="0">
-        <dgm:presLayoutVars>
-          <dgm:hierBranch val="init"/>
-        </dgm:presLayoutVars>
-      </dgm:prSet>
-      <dgm:spPr/>
-    </dgm:pt>
-    <dgm:pt modelId="{9D13F4BA-94EB-BF4E-8E38-1BA216540902}" type="pres">
-      <dgm:prSet presAssocID="{91239A83-B7A5-4A44-8B6E-B8CF38030BD3}" presName="rootComposite" presStyleCnt="0"/>
-      <dgm:spPr/>
-    </dgm:pt>
-    <dgm:pt modelId="{1E61D2DD-33C6-5247-B8D9-9B0600BF837D}" type="pres">
-      <dgm:prSet presAssocID="{91239A83-B7A5-4A44-8B6E-B8CF38030BD3}" presName="rootText" presStyleLbl="node2" presStyleIdx="1" presStyleCnt="3" custLinFactX="-153977" custLinFactY="400000" custLinFactNeighborX="-200000" custLinFactNeighborY="452155">
-        <dgm:presLayoutVars>
-          <dgm:chPref val="3"/>
-        </dgm:presLayoutVars>
-      </dgm:prSet>
-      <dgm:spPr/>
-    </dgm:pt>
-    <dgm:pt modelId="{DAF9D4CA-997C-6640-8237-584EE5B91681}" type="pres">
-      <dgm:prSet presAssocID="{91239A83-B7A5-4A44-8B6E-B8CF38030BD3}" presName="rootConnector" presStyleLbl="node2" presStyleIdx="1" presStyleCnt="3"/>
-      <dgm:spPr/>
-    </dgm:pt>
-    <dgm:pt modelId="{18BD2975-4640-C04B-8F5F-7963E898CB60}" type="pres">
-      <dgm:prSet presAssocID="{91239A83-B7A5-4A44-8B6E-B8CF38030BD3}" presName="hierChild4" presStyleCnt="0"/>
-      <dgm:spPr/>
-    </dgm:pt>
-    <dgm:pt modelId="{286556DD-189D-7644-BA28-90534758E056}" type="pres">
-      <dgm:prSet presAssocID="{91239A83-B7A5-4A44-8B6E-B8CF38030BD3}" presName="hierChild5" presStyleCnt="0"/>
-      <dgm:spPr/>
-    </dgm:pt>
-    <dgm:pt modelId="{BD76BE77-D774-6544-B7F1-092C85F19F21}" type="pres">
-      <dgm:prSet presAssocID="{40946333-4224-DD4A-9F21-1318A78B1323}" presName="Name37" presStyleLbl="parChTrans1D2" presStyleIdx="2" presStyleCnt="3"/>
-      <dgm:spPr/>
-    </dgm:pt>
-    <dgm:pt modelId="{15AC955B-FE79-C548-B72F-184656B795D3}" type="pres">
-      <dgm:prSet presAssocID="{059E2169-24E5-694D-8F15-FD2538BAC210}" presName="hierRoot2" presStyleCnt="0">
-        <dgm:presLayoutVars>
-          <dgm:hierBranch val="init"/>
-        </dgm:presLayoutVars>
-      </dgm:prSet>
-      <dgm:spPr/>
-    </dgm:pt>
-    <dgm:pt modelId="{6D14E194-9089-0949-B29A-987829344A78}" type="pres">
-      <dgm:prSet presAssocID="{059E2169-24E5-694D-8F15-FD2538BAC210}" presName="rootComposite" presStyleCnt="0"/>
-      <dgm:spPr/>
-    </dgm:pt>
-    <dgm:pt modelId="{74E26BAB-E74A-4146-ABF9-898308DFB72C}" type="pres">
-      <dgm:prSet presAssocID="{059E2169-24E5-694D-8F15-FD2538BAC210}" presName="rootText" presStyleLbl="node2" presStyleIdx="2" presStyleCnt="3" custLinFactX="-159885" custLinFactY="400000" custLinFactNeighborX="-200000" custLinFactNeighborY="453868">
-        <dgm:presLayoutVars>
-          <dgm:chPref val="3"/>
-        </dgm:presLayoutVars>
-      </dgm:prSet>
-      <dgm:spPr/>
-    </dgm:pt>
-    <dgm:pt modelId="{5064BE56-116D-9A47-83C3-5591DB931629}" type="pres">
-      <dgm:prSet presAssocID="{059E2169-24E5-694D-8F15-FD2538BAC210}" presName="rootConnector" presStyleLbl="node2" presStyleIdx="2" presStyleCnt="3"/>
-      <dgm:spPr/>
-    </dgm:pt>
-    <dgm:pt modelId="{2A706A9E-3ABC-2842-B297-ABFC536D772F}" type="pres">
-      <dgm:prSet presAssocID="{059E2169-24E5-694D-8F15-FD2538BAC210}" presName="hierChild4" presStyleCnt="0"/>
-      <dgm:spPr/>
-    </dgm:pt>
-    <dgm:pt modelId="{24F4A871-01D3-8B45-B0BE-715DD77E90EB}" type="pres">
-      <dgm:prSet presAssocID="{059E2169-24E5-694D-8F15-FD2538BAC210}" presName="hierChild5" presStyleCnt="0"/>
       <dgm:spPr/>
     </dgm:pt>
     <dgm:pt modelId="{DCDD70FA-0730-9742-84B9-5BCF5D6703B8}" type="pres">
@@ -3838,9 +5059,7 @@
     <dgm:cxn modelId="{DDA2132C-8D17-5F4C-8457-8B7936DC9C5C}" type="presOf" srcId="{F298D2E6-9D14-1F4A-980D-DF0EC320BA59}" destId="{EE1A225B-65F1-AB49-A219-7CAEC055E425}" srcOrd="0" destOrd="0" presId="urn:microsoft.com/office/officeart/2005/8/layout/orgChart1"/>
     <dgm:cxn modelId="{0C90B732-7359-344B-83B0-040444528DCD}" type="presOf" srcId="{5E92B1EF-5271-3A42-9FF3-87CE1099F051}" destId="{46FE3E48-8551-BA44-AAF4-02A10B1BC55A}" srcOrd="1" destOrd="0" presId="urn:microsoft.com/office/officeart/2005/8/layout/orgChart1"/>
     <dgm:cxn modelId="{ED63F235-2949-A148-90B8-3AEA326ADF66}" srcId="{F298D2E6-9D14-1F4A-980D-DF0EC320BA59}" destId="{81EC79C3-3D68-C446-B051-6829E91968D1}" srcOrd="0" destOrd="0" parTransId="{504341ED-D377-214B-B580-EF3F6B50D57C}" sibTransId="{3CFF6467-56B8-DA49-A962-04D2F5888982}"/>
-    <dgm:cxn modelId="{27EC2D38-89AA-354A-A434-18E41C4D06D9}" srcId="{5E92B1EF-5271-3A42-9FF3-87CE1099F051}" destId="{059E2169-24E5-694D-8F15-FD2538BAC210}" srcOrd="1" destOrd="0" parTransId="{40946333-4224-DD4A-9F21-1318A78B1323}" sibTransId="{89446A9D-DF24-2B4C-A86E-42EE485A023B}"/>
     <dgm:cxn modelId="{AAC40E3E-D7D1-6B46-8C4A-9F7A30E1DE62}" srcId="{FA4E500E-7F97-A745-8093-97446D9A4C3A}" destId="{388DDA7F-6B53-414E-93D1-41D1A686B953}" srcOrd="0" destOrd="0" parTransId="{BF85BC9F-986A-7A45-8955-DCE0D1233E27}" sibTransId="{52D29C48-F1DC-0D4A-A8AF-283D0B5E9FCB}"/>
-    <dgm:cxn modelId="{72A3A83F-C302-1344-A4D6-B5D77B017C49}" type="presOf" srcId="{91239A83-B7A5-4A44-8B6E-B8CF38030BD3}" destId="{DAF9D4CA-997C-6640-8237-584EE5B91681}" srcOrd="1" destOrd="0" presId="urn:microsoft.com/office/officeart/2005/8/layout/orgChart1"/>
     <dgm:cxn modelId="{231E3C41-8102-4F40-9661-7D508E0D29EC}" type="presOf" srcId="{29C1E6BC-A772-A54E-A97A-982A323EA941}" destId="{C6692C42-55D7-454A-BD01-33D733917243}" srcOrd="0" destOrd="0" presId="urn:microsoft.com/office/officeart/2005/8/layout/orgChart1"/>
     <dgm:cxn modelId="{E4D61348-52F2-BF42-931C-0E167B63EC2A}" type="presOf" srcId="{47A6B5D6-95B4-0C44-8860-A7AA7E836704}" destId="{D0ECC8D4-EDC4-BE45-ACC4-F6D7BAED74F9}" srcOrd="0" destOrd="0" presId="urn:microsoft.com/office/officeart/2005/8/layout/orgChart1"/>
     <dgm:cxn modelId="{4E75084B-CBFD-4D46-8EFE-255B6F94A00F}" type="presOf" srcId="{B1699C19-643B-F242-A254-7074FF4437C5}" destId="{C1102C49-A9A4-3D4C-9FC4-DFE466879785}" srcOrd="0" destOrd="0" presId="urn:microsoft.com/office/officeart/2005/8/layout/orgChart1"/>
@@ -3853,23 +5072,17 @@
     <dgm:cxn modelId="{661E046E-2CD7-B44C-BD05-07FE538CD397}" srcId="{81EC79C3-3D68-C446-B051-6829E91968D1}" destId="{73604A89-255C-2D49-85F6-08C50A6CF7DB}" srcOrd="0" destOrd="0" parTransId="{7629D3E8-B0E9-2A46-B887-AE3D7CFF9C93}" sibTransId="{9E40DEB0-A706-0542-B4B6-5E3D55ECAF78}"/>
     <dgm:cxn modelId="{C2857C6E-4B50-B04B-AB12-F393F5E68BB6}" type="presOf" srcId="{861E5DD1-3077-E344-8DA0-E6428174CA14}" destId="{B819942B-728A-5744-A8EE-A5AA1EDFCABD}" srcOrd="0" destOrd="0" presId="urn:microsoft.com/office/officeart/2005/8/layout/orgChart1"/>
     <dgm:cxn modelId="{1235066F-B9C3-AC4D-9AA7-4DA459F881B4}" type="presOf" srcId="{47A6B5D6-95B4-0C44-8860-A7AA7E836704}" destId="{29FD38BB-F434-2F4E-A0E9-13F6659DF5DB}" srcOrd="1" destOrd="0" presId="urn:microsoft.com/office/officeart/2005/8/layout/orgChart1"/>
-    <dgm:cxn modelId="{7B34F273-EAF4-EC40-AB60-8BA5F188E981}" type="presOf" srcId="{40946333-4224-DD4A-9F21-1318A78B1323}" destId="{BD76BE77-D774-6544-B7F1-092C85F19F21}" srcOrd="0" destOrd="0" presId="urn:microsoft.com/office/officeart/2005/8/layout/orgChart1"/>
-    <dgm:cxn modelId="{46F6027A-A62D-E64B-9B42-81131CE3D649}" type="presOf" srcId="{059E2169-24E5-694D-8F15-FD2538BAC210}" destId="{5064BE56-116D-9A47-83C3-5591DB931629}" srcOrd="1" destOrd="0" presId="urn:microsoft.com/office/officeart/2005/8/layout/orgChart1"/>
     <dgm:cxn modelId="{8AC92B80-4DBB-7E4D-BAB0-BDFBB21610DB}" type="presOf" srcId="{DC0FAB8B-36FA-7240-B531-363CA24568A8}" destId="{F9461A7C-1ADE-5240-9579-1DFB5E2930EA}" srcOrd="1" destOrd="0" presId="urn:microsoft.com/office/officeart/2005/8/layout/orgChart1"/>
     <dgm:cxn modelId="{0D852C8B-8B48-DF47-86E1-7AB465FE6580}" type="presOf" srcId="{81EC79C3-3D68-C446-B051-6829E91968D1}" destId="{0EE5F9B1-FE99-AE4E-AE6C-84A277DD26CF}" srcOrd="0" destOrd="0" presId="urn:microsoft.com/office/officeart/2005/8/layout/orgChart1"/>
     <dgm:cxn modelId="{AE21C78D-E0BB-9940-BBDF-85D9626FB5EE}" srcId="{B1699C19-643B-F242-A254-7074FF4437C5}" destId="{DC0FAB8B-36FA-7240-B531-363CA24568A8}" srcOrd="0" destOrd="0" parTransId="{5BF83042-230C-9F42-954A-D5D7655BE0F6}" sibTransId="{47086D85-A708-2445-9294-116198F6525F}"/>
     <dgm:cxn modelId="{C4558D93-520F-0E4D-8124-552A4CCDFD14}" type="presOf" srcId="{81EC79C3-3D68-C446-B051-6829E91968D1}" destId="{1FC0A4E6-D1C1-F14F-8E29-CF6ADDABAACC}" srcOrd="1" destOrd="0" presId="urn:microsoft.com/office/officeart/2005/8/layout/orgChart1"/>
     <dgm:cxn modelId="{A32756A1-2975-D142-B643-B95F8CA59500}" type="presOf" srcId="{7629D3E8-B0E9-2A46-B887-AE3D7CFF9C93}" destId="{8D9CBE76-47FE-BD46-8023-32D2AEFD3C50}" srcOrd="0" destOrd="0" presId="urn:microsoft.com/office/officeart/2005/8/layout/orgChart1"/>
-    <dgm:cxn modelId="{77259FA9-E565-8041-AAA8-2F256F7D2B71}" type="presOf" srcId="{FC7B22A0-3EA6-264C-B890-5BA7173E70D2}" destId="{70240E21-CBDA-D640-9547-0CF82AB6C78A}" srcOrd="0" destOrd="0" presId="urn:microsoft.com/office/officeart/2005/8/layout/orgChart1"/>
     <dgm:cxn modelId="{4A137BAE-0FF2-F14D-87A8-C8338B8B290A}" srcId="{F88CE117-5BF2-824D-962F-E3C5DAC5A996}" destId="{47A6B5D6-95B4-0C44-8860-A7AA7E836704}" srcOrd="0" destOrd="0" parTransId="{B05C1900-1DBB-894F-A1AD-8EE8BB866B5B}" sibTransId="{1E5676D7-D875-8B41-AEE0-4D6922E60B22}"/>
-    <dgm:cxn modelId="{E9B479AF-0E0E-BD4C-AFF2-86BEF53BB10B}" type="presOf" srcId="{91239A83-B7A5-4A44-8B6E-B8CF38030BD3}" destId="{1E61D2DD-33C6-5247-B8D9-9B0600BF837D}" srcOrd="0" destOrd="0" presId="urn:microsoft.com/office/officeart/2005/8/layout/orgChart1"/>
     <dgm:cxn modelId="{DD14A9B5-B548-7B4B-98DD-6E405995063F}" srcId="{FA4E500E-7F97-A745-8093-97446D9A4C3A}" destId="{5E92B1EF-5271-3A42-9FF3-87CE1099F051}" srcOrd="1" destOrd="0" parTransId="{F3E8BF26-CDEB-304A-871E-6259D6C92342}" sibTransId="{8077D550-6F24-294A-8E01-C5A7BBD3D66D}"/>
-    <dgm:cxn modelId="{E68937B8-3183-6D4E-B6E4-DCB2A8EF7646}" srcId="{5E92B1EF-5271-3A42-9FF3-87CE1099F051}" destId="{91239A83-B7A5-4A44-8B6E-B8CF38030BD3}" srcOrd="0" destOrd="0" parTransId="{FC7B22A0-3EA6-264C-B890-5BA7173E70D2}" sibTransId="{3727F15E-7EC6-894C-B58A-33C53CE3E464}"/>
     <dgm:cxn modelId="{423B5ABB-8898-4F45-96A4-9316FCFD5722}" srcId="{388DDA7F-6B53-414E-93D1-41D1A686B953}" destId="{F88CE117-5BF2-824D-962F-E3C5DAC5A996}" srcOrd="0" destOrd="0" parTransId="{C2C2F35E-B900-B140-ADA5-2AE024810890}" sibTransId="{9C9FBFE5-9E81-8B4E-B1DA-F138D151B219}"/>
     <dgm:cxn modelId="{3BFEC6BC-24D3-F54B-90E7-1D413615D332}" srcId="{73604A89-255C-2D49-85F6-08C50A6CF7DB}" destId="{29C1E6BC-A772-A54E-A97A-982A323EA941}" srcOrd="0" destOrd="0" parTransId="{A0816497-9235-FD4D-A7E5-5EC7E10CBCD4}" sibTransId="{84CCAD9D-2D4E-644D-9223-5B03A1020817}"/>
     <dgm:cxn modelId="{1D05F1BC-9F01-3448-8AC8-A69D4F35218D}" type="presOf" srcId="{F88CE117-5BF2-824D-962F-E3C5DAC5A996}" destId="{EBF12FB6-9882-7145-9467-23F71E7058D9}" srcOrd="0" destOrd="0" presId="urn:microsoft.com/office/officeart/2005/8/layout/orgChart1"/>
     <dgm:cxn modelId="{B0119AD6-FB2C-124F-993C-D79CA3D690CC}" type="presOf" srcId="{5E92B1EF-5271-3A42-9FF3-87CE1099F051}" destId="{9E04E2FA-911D-944C-A0E4-BAE7F15E61E1}" srcOrd="0" destOrd="0" presId="urn:microsoft.com/office/officeart/2005/8/layout/orgChart1"/>
-    <dgm:cxn modelId="{103135EB-39AA-E446-9DB2-74482C02A287}" type="presOf" srcId="{059E2169-24E5-694D-8F15-FD2538BAC210}" destId="{74E26BAB-E74A-4146-ABF9-898308DFB72C}" srcOrd="0" destOrd="0" presId="urn:microsoft.com/office/officeart/2005/8/layout/orgChart1"/>
     <dgm:cxn modelId="{9F4ADEEB-8A72-5948-A3ED-40269969A408}" type="presOf" srcId="{F298D2E6-9D14-1F4A-980D-DF0EC320BA59}" destId="{3AF9A613-2E17-3E40-9721-98AF3514E741}" srcOrd="1" destOrd="0" presId="urn:microsoft.com/office/officeart/2005/8/layout/orgChart1"/>
     <dgm:cxn modelId="{C61F9CEE-5077-C54F-9A1F-580D4F32CD98}" type="presOf" srcId="{F88CE117-5BF2-824D-962F-E3C5DAC5A996}" destId="{2769F0BB-1C8B-754A-88EC-D898EE97C049}" srcOrd="1" destOrd="0" presId="urn:microsoft.com/office/officeart/2005/8/layout/orgChart1"/>
     <dgm:cxn modelId="{692D2CF2-B512-3449-B507-20BEDDBDECCB}" type="presOf" srcId="{B05C1900-1DBB-894F-A1AD-8EE8BB866B5B}" destId="{EF7AB695-75A3-CA4E-8FA0-1682F8A1EE0D}" srcOrd="0" destOrd="0" presId="urn:microsoft.com/office/officeart/2005/8/layout/orgChart1"/>
@@ -3941,20 +5154,6 @@
     <dgm:cxn modelId="{4A08C7E6-A5CA-014D-A784-DA416B2394AD}" type="presParOf" srcId="{95FDB4EB-4DB7-F743-A032-D38C8EB0C732}" destId="{9E04E2FA-911D-944C-A0E4-BAE7F15E61E1}" srcOrd="0" destOrd="0" presId="urn:microsoft.com/office/officeart/2005/8/layout/orgChart1"/>
     <dgm:cxn modelId="{7F55E207-29ED-1E40-A83A-54E8D03D7E51}" type="presParOf" srcId="{95FDB4EB-4DB7-F743-A032-D38C8EB0C732}" destId="{46FE3E48-8551-BA44-AAF4-02A10B1BC55A}" srcOrd="1" destOrd="0" presId="urn:microsoft.com/office/officeart/2005/8/layout/orgChart1"/>
     <dgm:cxn modelId="{86E73CDF-6443-DB4F-990C-CF0D3264DD2B}" type="presParOf" srcId="{1300D1F3-3C24-0D4D-AAEF-3A99DEBB2857}" destId="{0E326042-B700-934E-B3D8-7845A73E4C84}" srcOrd="1" destOrd="0" presId="urn:microsoft.com/office/officeart/2005/8/layout/orgChart1"/>
-    <dgm:cxn modelId="{BAC535F9-69E5-4641-A4ED-946A039279AD}" type="presParOf" srcId="{0E326042-B700-934E-B3D8-7845A73E4C84}" destId="{70240E21-CBDA-D640-9547-0CF82AB6C78A}" srcOrd="0" destOrd="0" presId="urn:microsoft.com/office/officeart/2005/8/layout/orgChart1"/>
-    <dgm:cxn modelId="{F16049EE-C5DA-4B4D-BD62-5EA03173CE40}" type="presParOf" srcId="{0E326042-B700-934E-B3D8-7845A73E4C84}" destId="{F5B3A3EE-844B-9E44-A136-9B658DA1703E}" srcOrd="1" destOrd="0" presId="urn:microsoft.com/office/officeart/2005/8/layout/orgChart1"/>
-    <dgm:cxn modelId="{790E0267-5261-CF45-8E58-481EC9AE35CF}" type="presParOf" srcId="{F5B3A3EE-844B-9E44-A136-9B658DA1703E}" destId="{9D13F4BA-94EB-BF4E-8E38-1BA216540902}" srcOrd="0" destOrd="0" presId="urn:microsoft.com/office/officeart/2005/8/layout/orgChart1"/>
-    <dgm:cxn modelId="{EA7C8945-5FEC-A847-B097-EDC0579C2F1E}" type="presParOf" srcId="{9D13F4BA-94EB-BF4E-8E38-1BA216540902}" destId="{1E61D2DD-33C6-5247-B8D9-9B0600BF837D}" srcOrd="0" destOrd="0" presId="urn:microsoft.com/office/officeart/2005/8/layout/orgChart1"/>
-    <dgm:cxn modelId="{C751EB41-886B-3247-93CA-5BE8A8035258}" type="presParOf" srcId="{9D13F4BA-94EB-BF4E-8E38-1BA216540902}" destId="{DAF9D4CA-997C-6640-8237-584EE5B91681}" srcOrd="1" destOrd="0" presId="urn:microsoft.com/office/officeart/2005/8/layout/orgChart1"/>
-    <dgm:cxn modelId="{202DC17E-F760-6845-865D-05215E243D36}" type="presParOf" srcId="{F5B3A3EE-844B-9E44-A136-9B658DA1703E}" destId="{18BD2975-4640-C04B-8F5F-7963E898CB60}" srcOrd="1" destOrd="0" presId="urn:microsoft.com/office/officeart/2005/8/layout/orgChart1"/>
-    <dgm:cxn modelId="{546D12A6-696B-B94F-A59E-020F959FB31D}" type="presParOf" srcId="{F5B3A3EE-844B-9E44-A136-9B658DA1703E}" destId="{286556DD-189D-7644-BA28-90534758E056}" srcOrd="2" destOrd="0" presId="urn:microsoft.com/office/officeart/2005/8/layout/orgChart1"/>
-    <dgm:cxn modelId="{9769CCBA-740B-FA48-9F08-00475B645D00}" type="presParOf" srcId="{0E326042-B700-934E-B3D8-7845A73E4C84}" destId="{BD76BE77-D774-6544-B7F1-092C85F19F21}" srcOrd="2" destOrd="0" presId="urn:microsoft.com/office/officeart/2005/8/layout/orgChart1"/>
-    <dgm:cxn modelId="{8438B474-34F3-1F49-BBF6-8D62AB8520F6}" type="presParOf" srcId="{0E326042-B700-934E-B3D8-7845A73E4C84}" destId="{15AC955B-FE79-C548-B72F-184656B795D3}" srcOrd="3" destOrd="0" presId="urn:microsoft.com/office/officeart/2005/8/layout/orgChart1"/>
-    <dgm:cxn modelId="{D1195341-BD1E-6F47-A490-E73E563D7BF2}" type="presParOf" srcId="{15AC955B-FE79-C548-B72F-184656B795D3}" destId="{6D14E194-9089-0949-B29A-987829344A78}" srcOrd="0" destOrd="0" presId="urn:microsoft.com/office/officeart/2005/8/layout/orgChart1"/>
-    <dgm:cxn modelId="{1E9F55F6-D172-C34C-982F-D4AE5DE59873}" type="presParOf" srcId="{6D14E194-9089-0949-B29A-987829344A78}" destId="{74E26BAB-E74A-4146-ABF9-898308DFB72C}" srcOrd="0" destOrd="0" presId="urn:microsoft.com/office/officeart/2005/8/layout/orgChart1"/>
-    <dgm:cxn modelId="{0536E0F4-8823-0B48-91CF-29697FAED978}" type="presParOf" srcId="{6D14E194-9089-0949-B29A-987829344A78}" destId="{5064BE56-116D-9A47-83C3-5591DB931629}" srcOrd="1" destOrd="0" presId="urn:microsoft.com/office/officeart/2005/8/layout/orgChart1"/>
-    <dgm:cxn modelId="{8A6E3C12-3019-914F-90F0-3AEE1A7AABEE}" type="presParOf" srcId="{15AC955B-FE79-C548-B72F-184656B795D3}" destId="{2A706A9E-3ABC-2842-B297-ABFC536D772F}" srcOrd="1" destOrd="0" presId="urn:microsoft.com/office/officeart/2005/8/layout/orgChart1"/>
-    <dgm:cxn modelId="{38929F2B-55BB-8849-9FB5-1BE0F31A1D1E}" type="presParOf" srcId="{15AC955B-FE79-C548-B72F-184656B795D3}" destId="{24F4A871-01D3-8B45-B0BE-715DD77E90EB}" srcOrd="2" destOrd="0" presId="urn:microsoft.com/office/officeart/2005/8/layout/orgChart1"/>
     <dgm:cxn modelId="{3ED8104A-89EC-5842-A9B6-CC1433846B54}" type="presParOf" srcId="{1300D1F3-3C24-0D4D-AAEF-3A99DEBB2857}" destId="{DCDD70FA-0730-9742-84B9-5BCF5D6703B8}" srcOrd="2" destOrd="0" presId="urn:microsoft.com/office/officeart/2005/8/layout/orgChart1"/>
   </dgm:cxnLst>
   <dgm:bg/>
@@ -5197,7 +6396,7 @@
           </a:pPr>
           <a:r>
             <a:rPr lang="en-US" sz="1500" kern="1200" dirty="0"/>
-            <a:t>Group Source</a:t>
+            <a:t>Animal Source</a:t>
           </a:r>
         </a:p>
       </dsp:txBody>
@@ -5218,15 +6417,15 @@
       <dsp:cNvGrpSpPr/>
     </dsp:nvGrpSpPr>
     <dsp:grpSpPr/>
-    <dsp:sp modelId="{BD76BE77-D774-6544-B7F1-092C85F19F21}">
+    <dsp:sp modelId="{21EEB20D-0816-4B47-92BB-8CF48154F09A}">
       <dsp:nvSpPr>
         <dsp:cNvPr id="0" name=""/>
         <dsp:cNvSpPr/>
       </dsp:nvSpPr>
       <dsp:spPr>
         <a:xfrm>
-          <a:off x="1489946" y="5020955"/>
-          <a:ext cx="525049" cy="245406"/>
+          <a:off x="3857544" y="5784388"/>
+          <a:ext cx="158548" cy="486216"/>
         </a:xfrm>
         <a:custGeom>
           <a:avLst/>
@@ -5240,134 +6439,10 @@
                 <a:pt x="0" y="0"/>
               </a:moveTo>
               <a:lnTo>
-                <a:pt x="0" y="134389"/>
+                <a:pt x="0" y="486216"/>
               </a:lnTo>
               <a:lnTo>
-                <a:pt x="525049" y="134389"/>
-              </a:lnTo>
-              <a:lnTo>
-                <a:pt x="525049" y="245406"/>
-              </a:lnTo>
-            </a:path>
-          </a:pathLst>
-        </a:custGeom>
-        <a:noFill/>
-        <a:ln w="19050" cap="flat" cmpd="sng" algn="ctr">
-          <a:solidFill>
-            <a:schemeClr val="accent1">
-              <a:shade val="60000"/>
-              <a:hueOff val="0"/>
-              <a:satOff val="0"/>
-              <a:lumOff val="0"/>
-              <a:alphaOff val="0"/>
-            </a:schemeClr>
-          </a:solidFill>
-          <a:prstDash val="solid"/>
-          <a:miter lim="800000"/>
-        </a:ln>
-        <a:effectLst/>
-      </dsp:spPr>
-      <dsp:style>
-        <a:lnRef idx="2">
-          <a:scrgbClr r="0" g="0" b="0"/>
-        </a:lnRef>
-        <a:fillRef idx="0">
-          <a:scrgbClr r="0" g="0" b="0"/>
-        </a:fillRef>
-        <a:effectRef idx="0">
-          <a:scrgbClr r="0" g="0" b="0"/>
-        </a:effectRef>
-        <a:fontRef idx="minor"/>
-      </dsp:style>
-    </dsp:sp>
-    <dsp:sp modelId="{70240E21-CBDA-D640-9547-0CF82AB6C78A}">
-      <dsp:nvSpPr>
-        <dsp:cNvPr id="0" name=""/>
-        <dsp:cNvSpPr/>
-      </dsp:nvSpPr>
-      <dsp:spPr>
-        <a:xfrm>
-          <a:off x="798116" y="5020955"/>
-          <a:ext cx="691829" cy="236350"/>
-        </a:xfrm>
-        <a:custGeom>
-          <a:avLst/>
-          <a:gdLst/>
-          <a:ahLst/>
-          <a:cxnLst/>
-          <a:rect l="0" t="0" r="0" b="0"/>
-          <a:pathLst>
-            <a:path>
-              <a:moveTo>
-                <a:pt x="691829" y="0"/>
-              </a:moveTo>
-              <a:lnTo>
-                <a:pt x="691829" y="125333"/>
-              </a:lnTo>
-              <a:lnTo>
-                <a:pt x="0" y="125333"/>
-              </a:lnTo>
-              <a:lnTo>
-                <a:pt x="0" y="236350"/>
-              </a:lnTo>
-            </a:path>
-          </a:pathLst>
-        </a:custGeom>
-        <a:noFill/>
-        <a:ln w="19050" cap="flat" cmpd="sng" algn="ctr">
-          <a:solidFill>
-            <a:schemeClr val="accent1">
-              <a:shade val="60000"/>
-              <a:hueOff val="0"/>
-              <a:satOff val="0"/>
-              <a:lumOff val="0"/>
-              <a:alphaOff val="0"/>
-            </a:schemeClr>
-          </a:solidFill>
-          <a:prstDash val="solid"/>
-          <a:miter lim="800000"/>
-        </a:ln>
-        <a:effectLst/>
-      </dsp:spPr>
-      <dsp:style>
-        <a:lnRef idx="2">
-          <a:scrgbClr r="0" g="0" b="0"/>
-        </a:lnRef>
-        <a:fillRef idx="0">
-          <a:scrgbClr r="0" g="0" b="0"/>
-        </a:fillRef>
-        <a:effectRef idx="0">
-          <a:scrgbClr r="0" g="0" b="0"/>
-        </a:effectRef>
-        <a:fontRef idx="minor"/>
-      </dsp:style>
-    </dsp:sp>
-    <dsp:sp modelId="{21EEB20D-0816-4B47-92BB-8CF48154F09A}">
-      <dsp:nvSpPr>
-        <dsp:cNvPr id="0" name=""/>
-        <dsp:cNvSpPr/>
-      </dsp:nvSpPr>
-      <dsp:spPr>
-        <a:xfrm>
-          <a:off x="2838480" y="5785141"/>
-          <a:ext cx="158596" cy="486362"/>
-        </a:xfrm>
-        <a:custGeom>
-          <a:avLst/>
-          <a:gdLst/>
-          <a:ahLst/>
-          <a:cxnLst/>
-          <a:rect l="0" t="0" r="0" b="0"/>
-          <a:pathLst>
-            <a:path>
-              <a:moveTo>
-                <a:pt x="0" y="0"/>
-              </a:moveTo>
-              <a:lnTo>
-                <a:pt x="0" y="486362"/>
-              </a:lnTo>
-              <a:lnTo>
-                <a:pt x="158596" y="486362"/>
+                <a:pt x="158548" y="486216"/>
               </a:lnTo>
             </a:path>
           </a:pathLst>
@@ -5408,8 +6483,8 @@
       </dsp:nvSpPr>
       <dsp:spPr>
         <a:xfrm>
-          <a:off x="3215684" y="5034451"/>
-          <a:ext cx="91440" cy="222034"/>
+          <a:off x="4234621" y="5033923"/>
+          <a:ext cx="91440" cy="221968"/>
         </a:xfrm>
         <a:custGeom>
           <a:avLst/>
@@ -5423,7 +6498,7 @@
                 <a:pt x="45720" y="0"/>
               </a:moveTo>
               <a:lnTo>
-                <a:pt x="45720" y="222034"/>
+                <a:pt x="45720" y="221968"/>
               </a:lnTo>
             </a:path>
           </a:pathLst>
@@ -5464,8 +6539,8 @@
       </dsp:nvSpPr>
       <dsp:spPr>
         <a:xfrm>
-          <a:off x="3215684" y="4283762"/>
-          <a:ext cx="91440" cy="222034"/>
+          <a:off x="4234621" y="4283458"/>
+          <a:ext cx="91440" cy="221968"/>
         </a:xfrm>
         <a:custGeom>
           <a:avLst/>
@@ -5479,7 +6554,7 @@
                 <a:pt x="45720" y="0"/>
               </a:moveTo>
               <a:lnTo>
-                <a:pt x="45720" y="222034"/>
+                <a:pt x="45720" y="221968"/>
               </a:lnTo>
             </a:path>
           </a:pathLst>
@@ -5520,8 +6595,8 @@
       </dsp:nvSpPr>
       <dsp:spPr>
         <a:xfrm>
-          <a:off x="3215684" y="3533072"/>
-          <a:ext cx="91440" cy="222034"/>
+          <a:off x="4234621" y="3532993"/>
+          <a:ext cx="91440" cy="221968"/>
         </a:xfrm>
         <a:custGeom>
           <a:avLst/>
@@ -5535,7 +6610,7 @@
                 <a:pt x="45720" y="0"/>
               </a:moveTo>
               <a:lnTo>
-                <a:pt x="45720" y="222034"/>
+                <a:pt x="45720" y="221968"/>
               </a:lnTo>
             </a:path>
           </a:pathLst>
@@ -5576,8 +6651,8 @@
       </dsp:nvSpPr>
       <dsp:spPr>
         <a:xfrm>
-          <a:off x="3215684" y="2782382"/>
-          <a:ext cx="91440" cy="222034"/>
+          <a:off x="4234621" y="2782528"/>
+          <a:ext cx="91440" cy="221968"/>
         </a:xfrm>
         <a:custGeom>
           <a:avLst/>
@@ -5591,7 +6666,7 @@
                 <a:pt x="45720" y="0"/>
               </a:moveTo>
               <a:lnTo>
-                <a:pt x="45720" y="222034"/>
+                <a:pt x="45720" y="221968"/>
               </a:lnTo>
             </a:path>
           </a:pathLst>
@@ -5632,8 +6707,8 @@
       </dsp:nvSpPr>
       <dsp:spPr>
         <a:xfrm>
-          <a:off x="3215684" y="2031692"/>
-          <a:ext cx="91440" cy="222034"/>
+          <a:off x="4234621" y="2032063"/>
+          <a:ext cx="91440" cy="221968"/>
         </a:xfrm>
         <a:custGeom>
           <a:avLst/>
@@ -5647,7 +6722,7 @@
                 <a:pt x="45720" y="0"/>
               </a:moveTo>
               <a:lnTo>
-                <a:pt x="45720" y="222034"/>
+                <a:pt x="45720" y="221968"/>
               </a:lnTo>
             </a:path>
           </a:pathLst>
@@ -5688,8 +6763,8 @@
       </dsp:nvSpPr>
       <dsp:spPr>
         <a:xfrm>
-          <a:off x="3215684" y="1281003"/>
-          <a:ext cx="91440" cy="222034"/>
+          <a:off x="4234621" y="1281598"/>
+          <a:ext cx="91440" cy="221968"/>
         </a:xfrm>
         <a:custGeom>
           <a:avLst/>
@@ -5703,7 +6778,7 @@
                 <a:pt x="45720" y="0"/>
               </a:moveTo>
               <a:lnTo>
-                <a:pt x="45720" y="222034"/>
+                <a:pt x="45720" y="221968"/>
               </a:lnTo>
             </a:path>
           </a:pathLst>
@@ -5744,8 +6819,8 @@
       </dsp:nvSpPr>
       <dsp:spPr>
         <a:xfrm>
-          <a:off x="3215684" y="530313"/>
-          <a:ext cx="91440" cy="222034"/>
+          <a:off x="4234621" y="531133"/>
+          <a:ext cx="91440" cy="221968"/>
         </a:xfrm>
         <a:custGeom>
           <a:avLst/>
@@ -5759,7 +6834,7 @@
                 <a:pt x="45720" y="0"/>
               </a:moveTo>
               <a:lnTo>
-                <a:pt x="45720" y="222034"/>
+                <a:pt x="45720" y="221968"/>
               </a:lnTo>
             </a:path>
           </a:pathLst>
@@ -5800,8 +6875,8 @@
       </dsp:nvSpPr>
       <dsp:spPr>
         <a:xfrm>
-          <a:off x="2732749" y="1658"/>
-          <a:ext cx="1057309" cy="528654"/>
+          <a:off x="3751844" y="2636"/>
+          <a:ext cx="1056993" cy="528496"/>
         </a:xfrm>
         <a:prstGeom prst="rect">
           <a:avLst/>
@@ -5867,8 +6942,8 @@
         </a:p>
       </dsp:txBody>
       <dsp:txXfrm>
-        <a:off x="2732749" y="1658"/>
-        <a:ext cx="1057309" cy="528654"/>
+        <a:off x="3751844" y="2636"/>
+        <a:ext cx="1056993" cy="528496"/>
       </dsp:txXfrm>
     </dsp:sp>
     <dsp:sp modelId="{EBF12FB6-9882-7145-9467-23F71E7058D9}">
@@ -5878,8 +6953,8 @@
       </dsp:nvSpPr>
       <dsp:spPr>
         <a:xfrm>
-          <a:off x="2732749" y="752348"/>
-          <a:ext cx="1057309" cy="528654"/>
+          <a:off x="3751844" y="753101"/>
+          <a:ext cx="1056993" cy="528496"/>
         </a:xfrm>
         <a:prstGeom prst="rect">
           <a:avLst/>
@@ -5945,8 +7020,8 @@
         </a:p>
       </dsp:txBody>
       <dsp:txXfrm>
-        <a:off x="2732749" y="752348"/>
-        <a:ext cx="1057309" cy="528654"/>
+        <a:off x="3751844" y="753101"/>
+        <a:ext cx="1056993" cy="528496"/>
       </dsp:txXfrm>
     </dsp:sp>
     <dsp:sp modelId="{D0ECC8D4-EDC4-BE45-ACC4-F6D7BAED74F9}">
@@ -5956,8 +7031,8 @@
       </dsp:nvSpPr>
       <dsp:spPr>
         <a:xfrm>
-          <a:off x="2732749" y="1503038"/>
-          <a:ext cx="1057309" cy="528654"/>
+          <a:off x="3751844" y="1503566"/>
+          <a:ext cx="1056993" cy="528496"/>
         </a:xfrm>
         <a:prstGeom prst="rect">
           <a:avLst/>
@@ -6023,8 +7098,8 @@
         </a:p>
       </dsp:txBody>
       <dsp:txXfrm>
-        <a:off x="2732749" y="1503038"/>
-        <a:ext cx="1057309" cy="528654"/>
+        <a:off x="3751844" y="1503566"/>
+        <a:ext cx="1056993" cy="528496"/>
       </dsp:txXfrm>
     </dsp:sp>
     <dsp:sp modelId="{C1102C49-A9A4-3D4C-9FC4-DFE466879785}">
@@ -6034,8 +7109,8 @@
       </dsp:nvSpPr>
       <dsp:spPr>
         <a:xfrm>
-          <a:off x="2732749" y="2253727"/>
-          <a:ext cx="1057309" cy="528654"/>
+          <a:off x="3751844" y="2254031"/>
+          <a:ext cx="1056993" cy="528496"/>
         </a:xfrm>
         <a:prstGeom prst="rect">
           <a:avLst/>
@@ -6101,8 +7176,8 @@
         </a:p>
       </dsp:txBody>
       <dsp:txXfrm>
-        <a:off x="2732749" y="2253727"/>
-        <a:ext cx="1057309" cy="528654"/>
+        <a:off x="3751844" y="2254031"/>
+        <a:ext cx="1056993" cy="528496"/>
       </dsp:txXfrm>
     </dsp:sp>
     <dsp:sp modelId="{E99E604A-A34A-984D-A3B5-9B5434A935A4}">
@@ -6112,8 +7187,8 @@
       </dsp:nvSpPr>
       <dsp:spPr>
         <a:xfrm>
-          <a:off x="2732749" y="3004417"/>
-          <a:ext cx="1057309" cy="528654"/>
+          <a:off x="3751844" y="3004496"/>
+          <a:ext cx="1056993" cy="528496"/>
         </a:xfrm>
         <a:prstGeom prst="rect">
           <a:avLst/>
@@ -6179,8 +7254,8 @@
         </a:p>
       </dsp:txBody>
       <dsp:txXfrm>
-        <a:off x="2732749" y="3004417"/>
-        <a:ext cx="1057309" cy="528654"/>
+        <a:off x="3751844" y="3004496"/>
+        <a:ext cx="1056993" cy="528496"/>
       </dsp:txXfrm>
     </dsp:sp>
     <dsp:sp modelId="{EE1A225B-65F1-AB49-A219-7CAEC055E425}">
@@ -6190,8 +7265,8 @@
       </dsp:nvSpPr>
       <dsp:spPr>
         <a:xfrm>
-          <a:off x="2732749" y="3755107"/>
-          <a:ext cx="1057309" cy="528654"/>
+          <a:off x="3751844" y="3754961"/>
+          <a:ext cx="1056993" cy="528496"/>
         </a:xfrm>
         <a:prstGeom prst="rect">
           <a:avLst/>
@@ -6257,8 +7332,8 @@
         </a:p>
       </dsp:txBody>
       <dsp:txXfrm>
-        <a:off x="2732749" y="3755107"/>
-        <a:ext cx="1057309" cy="528654"/>
+        <a:off x="3751844" y="3754961"/>
+        <a:ext cx="1056993" cy="528496"/>
       </dsp:txXfrm>
     </dsp:sp>
     <dsp:sp modelId="{0EE5F9B1-FE99-AE4E-AE6C-84A277DD26CF}">
@@ -6268,8 +7343,8 @@
       </dsp:nvSpPr>
       <dsp:spPr>
         <a:xfrm>
-          <a:off x="2732749" y="4505797"/>
-          <a:ext cx="1057309" cy="528654"/>
+          <a:off x="3751844" y="4505426"/>
+          <a:ext cx="1056993" cy="528496"/>
         </a:xfrm>
         <a:prstGeom prst="rect">
           <a:avLst/>
@@ -6335,8 +7410,8 @@
         </a:p>
       </dsp:txBody>
       <dsp:txXfrm>
-        <a:off x="2732749" y="4505797"/>
-        <a:ext cx="1057309" cy="528654"/>
+        <a:off x="3751844" y="4505426"/>
+        <a:ext cx="1056993" cy="528496"/>
       </dsp:txXfrm>
     </dsp:sp>
     <dsp:sp modelId="{037EE79A-46C8-044F-B1FA-F704C91E6F2E}">
@@ -6346,8 +7421,8 @@
       </dsp:nvSpPr>
       <dsp:spPr>
         <a:xfrm>
-          <a:off x="2732749" y="5256486"/>
-          <a:ext cx="1057309" cy="528654"/>
+          <a:off x="3751844" y="5255891"/>
+          <a:ext cx="1056993" cy="528496"/>
         </a:xfrm>
         <a:prstGeom prst="rect">
           <a:avLst/>
@@ -6413,8 +7488,8 @@
         </a:p>
       </dsp:txBody>
       <dsp:txXfrm>
-        <a:off x="2732749" y="5256486"/>
-        <a:ext cx="1057309" cy="528654"/>
+        <a:off x="3751844" y="5255891"/>
+        <a:ext cx="1056993" cy="528496"/>
       </dsp:txXfrm>
     </dsp:sp>
     <dsp:sp modelId="{C6692C42-55D7-454A-BD01-33D733917243}">
@@ -6424,8 +7499,8 @@
       </dsp:nvSpPr>
       <dsp:spPr>
         <a:xfrm>
-          <a:off x="2997077" y="6007176"/>
-          <a:ext cx="1057309" cy="528654"/>
+          <a:off x="4016092" y="6006356"/>
+          <a:ext cx="1056993" cy="528496"/>
         </a:xfrm>
         <a:prstGeom prst="rect">
           <a:avLst/>
@@ -6491,8 +7566,8 @@
         </a:p>
       </dsp:txBody>
       <dsp:txXfrm>
-        <a:off x="2997077" y="6007176"/>
-        <a:ext cx="1057309" cy="528654"/>
+        <a:off x="4016092" y="6006356"/>
+        <a:ext cx="1056993" cy="528496"/>
       </dsp:txXfrm>
     </dsp:sp>
     <dsp:sp modelId="{9E04E2FA-911D-944C-A0E4-BAE7F15E61E1}">
@@ -6502,8 +7577,8 @@
       </dsp:nvSpPr>
       <dsp:spPr>
         <a:xfrm>
-          <a:off x="961291" y="4492300"/>
-          <a:ext cx="1057309" cy="528654"/>
+          <a:off x="1977999" y="4501870"/>
+          <a:ext cx="1056993" cy="528496"/>
         </a:xfrm>
         <a:prstGeom prst="rect">
           <a:avLst/>
@@ -6564,169 +7639,13 @@
           </a:pPr>
           <a:r>
             <a:rPr lang="en-US" sz="1500" kern="1200" dirty="0"/>
-            <a:t>Animal Source</a:t>
+            <a:t>Source</a:t>
           </a:r>
         </a:p>
       </dsp:txBody>
       <dsp:txXfrm>
-        <a:off x="961291" y="4492300"/>
-        <a:ext cx="1057309" cy="528654"/>
-      </dsp:txXfrm>
-    </dsp:sp>
-    <dsp:sp modelId="{1E61D2DD-33C6-5247-B8D9-9B0600BF837D}">
-      <dsp:nvSpPr>
-        <dsp:cNvPr id="0" name=""/>
-        <dsp:cNvSpPr/>
-      </dsp:nvSpPr>
-      <dsp:spPr>
-        <a:xfrm>
-          <a:off x="269462" y="5257306"/>
-          <a:ext cx="1057309" cy="528654"/>
-        </a:xfrm>
-        <a:prstGeom prst="rect">
-          <a:avLst/>
-        </a:prstGeom>
-        <a:solidFill>
-          <a:schemeClr val="accent1">
-            <a:hueOff val="0"/>
-            <a:satOff val="0"/>
-            <a:lumOff val="0"/>
-            <a:alphaOff val="0"/>
-          </a:schemeClr>
-        </a:solidFill>
-        <a:ln w="19050" cap="flat" cmpd="sng" algn="ctr">
-          <a:solidFill>
-            <a:schemeClr val="lt1">
-              <a:hueOff val="0"/>
-              <a:satOff val="0"/>
-              <a:lumOff val="0"/>
-              <a:alphaOff val="0"/>
-            </a:schemeClr>
-          </a:solidFill>
-          <a:prstDash val="solid"/>
-          <a:miter lim="800000"/>
-        </a:ln>
-        <a:effectLst/>
-      </dsp:spPr>
-      <dsp:style>
-        <a:lnRef idx="2">
-          <a:scrgbClr r="0" g="0" b="0"/>
-        </a:lnRef>
-        <a:fillRef idx="1">
-          <a:scrgbClr r="0" g="0" b="0"/>
-        </a:fillRef>
-        <a:effectRef idx="0">
-          <a:scrgbClr r="0" g="0" b="0"/>
-        </a:effectRef>
-        <a:fontRef idx="minor">
-          <a:schemeClr val="lt1"/>
-        </a:fontRef>
-      </dsp:style>
-      <dsp:txBody>
-        <a:bodyPr spcFirstLastPara="0" vert="horz" wrap="square" lIns="9525" tIns="9525" rIns="9525" bIns="9525" numCol="1" spcCol="1270" anchor="ctr" anchorCtr="0">
-          <a:noAutofit/>
-        </a:bodyPr>
-        <a:lstStyle/>
-        <a:p>
-          <a:pPr marL="0" lvl="0" indent="0" algn="ctr" defTabSz="666750">
-            <a:lnSpc>
-              <a:spcPct val="90000"/>
-            </a:lnSpc>
-            <a:spcBef>
-              <a:spcPct val="0"/>
-            </a:spcBef>
-            <a:spcAft>
-              <a:spcPct val="35000"/>
-            </a:spcAft>
-            <a:buNone/>
-          </a:pPr>
-          <a:r>
-            <a:rPr lang="en-US" sz="1500" kern="1200" dirty="0"/>
-            <a:t>Carcass</a:t>
-          </a:r>
-        </a:p>
-      </dsp:txBody>
-      <dsp:txXfrm>
-        <a:off x="269462" y="5257306"/>
-        <a:ext cx="1057309" cy="528654"/>
-      </dsp:txXfrm>
-    </dsp:sp>
-    <dsp:sp modelId="{74E26BAB-E74A-4146-ABF9-898308DFB72C}">
-      <dsp:nvSpPr>
-        <dsp:cNvPr id="0" name=""/>
-        <dsp:cNvSpPr/>
-      </dsp:nvSpPr>
-      <dsp:spPr>
-        <a:xfrm>
-          <a:off x="1486340" y="5266361"/>
-          <a:ext cx="1057309" cy="528654"/>
-        </a:xfrm>
-        <a:prstGeom prst="rect">
-          <a:avLst/>
-        </a:prstGeom>
-        <a:solidFill>
-          <a:schemeClr val="accent1">
-            <a:hueOff val="0"/>
-            <a:satOff val="0"/>
-            <a:lumOff val="0"/>
-            <a:alphaOff val="0"/>
-          </a:schemeClr>
-        </a:solidFill>
-        <a:ln w="19050" cap="flat" cmpd="sng" algn="ctr">
-          <a:solidFill>
-            <a:schemeClr val="lt1">
-              <a:hueOff val="0"/>
-              <a:satOff val="0"/>
-              <a:lumOff val="0"/>
-              <a:alphaOff val="0"/>
-            </a:schemeClr>
-          </a:solidFill>
-          <a:prstDash val="solid"/>
-          <a:miter lim="800000"/>
-        </a:ln>
-        <a:effectLst/>
-      </dsp:spPr>
-      <dsp:style>
-        <a:lnRef idx="2">
-          <a:scrgbClr r="0" g="0" b="0"/>
-        </a:lnRef>
-        <a:fillRef idx="1">
-          <a:scrgbClr r="0" g="0" b="0"/>
-        </a:fillRef>
-        <a:effectRef idx="0">
-          <a:scrgbClr r="0" g="0" b="0"/>
-        </a:effectRef>
-        <a:fontRef idx="minor">
-          <a:schemeClr val="lt1"/>
-        </a:fontRef>
-      </dsp:style>
-      <dsp:txBody>
-        <a:bodyPr spcFirstLastPara="0" vert="horz" wrap="square" lIns="9525" tIns="9525" rIns="9525" bIns="9525" numCol="1" spcCol="1270" anchor="ctr" anchorCtr="0">
-          <a:noAutofit/>
-        </a:bodyPr>
-        <a:lstStyle/>
-        <a:p>
-          <a:pPr marL="0" lvl="0" indent="0" algn="ctr" defTabSz="666750">
-            <a:lnSpc>
-              <a:spcPct val="90000"/>
-            </a:lnSpc>
-            <a:spcBef>
-              <a:spcPct val="0"/>
-            </a:spcBef>
-            <a:spcAft>
-              <a:spcPct val="35000"/>
-            </a:spcAft>
-            <a:buNone/>
-          </a:pPr>
-          <a:r>
-            <a:rPr lang="en-US" sz="1500" kern="1200" dirty="0"/>
-            <a:t>Necropsy</a:t>
-          </a:r>
-        </a:p>
-      </dsp:txBody>
-      <dsp:txXfrm>
-        <a:off x="1486340" y="5266361"/>
-        <a:ext cx="1057309" cy="528654"/>
+        <a:off x="1977999" y="4501870"/>
+        <a:ext cx="1056993" cy="528496"/>
       </dsp:txXfrm>
     </dsp:sp>
   </dsp:spTree>
@@ -11240,7 +12159,7 @@
           <a:p>
             <a:fld id="{7C440E38-86B9-AF4A-8D14-0E3B01B3360B}" type="datetimeFigureOut">
               <a:rPr lang="en-US" smtClean="0"/>
-              <a:t>11/12/24</a:t>
+              <a:t>11/14/24</a:t>
             </a:fld>
             <a:endParaRPr lang="en-US"/>
           </a:p>
@@ -11438,7 +12357,7 @@
           <a:p>
             <a:fld id="{7C440E38-86B9-AF4A-8D14-0E3B01B3360B}" type="datetimeFigureOut">
               <a:rPr lang="en-US" smtClean="0"/>
-              <a:t>11/12/24</a:t>
+              <a:t>11/14/24</a:t>
             </a:fld>
             <a:endParaRPr lang="en-US"/>
           </a:p>
@@ -11646,7 +12565,7 @@
           <a:p>
             <a:fld id="{7C440E38-86B9-AF4A-8D14-0E3B01B3360B}" type="datetimeFigureOut">
               <a:rPr lang="en-US" smtClean="0"/>
-              <a:t>11/12/24</a:t>
+              <a:t>11/14/24</a:t>
             </a:fld>
             <a:endParaRPr lang="en-US"/>
           </a:p>
@@ -11844,7 +12763,7 @@
           <a:p>
             <a:fld id="{7C440E38-86B9-AF4A-8D14-0E3B01B3360B}" type="datetimeFigureOut">
               <a:rPr lang="en-US" smtClean="0"/>
-              <a:t>11/12/24</a:t>
+              <a:t>11/14/24</a:t>
             </a:fld>
             <a:endParaRPr lang="en-US"/>
           </a:p>
@@ -12119,7 +13038,7 @@
           <a:p>
             <a:fld id="{7C440E38-86B9-AF4A-8D14-0E3B01B3360B}" type="datetimeFigureOut">
               <a:rPr lang="en-US" smtClean="0"/>
-              <a:t>11/12/24</a:t>
+              <a:t>11/14/24</a:t>
             </a:fld>
             <a:endParaRPr lang="en-US"/>
           </a:p>
@@ -12384,7 +13303,7 @@
           <a:p>
             <a:fld id="{7C440E38-86B9-AF4A-8D14-0E3B01B3360B}" type="datetimeFigureOut">
               <a:rPr lang="en-US" smtClean="0"/>
-              <a:t>11/12/24</a:t>
+              <a:t>11/14/24</a:t>
             </a:fld>
             <a:endParaRPr lang="en-US"/>
           </a:p>
@@ -12796,7 +13715,7 @@
           <a:p>
             <a:fld id="{7C440E38-86B9-AF4A-8D14-0E3B01B3360B}" type="datetimeFigureOut">
               <a:rPr lang="en-US" smtClean="0"/>
-              <a:t>11/12/24</a:t>
+              <a:t>11/14/24</a:t>
             </a:fld>
             <a:endParaRPr lang="en-US"/>
           </a:p>
@@ -12937,7 +13856,7 @@
           <a:p>
             <a:fld id="{7C440E38-86B9-AF4A-8D14-0E3B01B3360B}" type="datetimeFigureOut">
               <a:rPr lang="en-US" smtClean="0"/>
-              <a:t>11/12/24</a:t>
+              <a:t>11/14/24</a:t>
             </a:fld>
             <a:endParaRPr lang="en-US"/>
           </a:p>
@@ -13050,7 +13969,7 @@
           <a:p>
             <a:fld id="{7C440E38-86B9-AF4A-8D14-0E3B01B3360B}" type="datetimeFigureOut">
               <a:rPr lang="en-US" smtClean="0"/>
-              <a:t>11/12/24</a:t>
+              <a:t>11/14/24</a:t>
             </a:fld>
             <a:endParaRPr lang="en-US"/>
           </a:p>
@@ -13361,7 +14280,7 @@
           <a:p>
             <a:fld id="{7C440E38-86B9-AF4A-8D14-0E3B01B3360B}" type="datetimeFigureOut">
               <a:rPr lang="en-US" smtClean="0"/>
-              <a:t>11/12/24</a:t>
+              <a:t>11/14/24</a:t>
             </a:fld>
             <a:endParaRPr lang="en-US"/>
           </a:p>
@@ -13649,7 +14568,7 @@
           <a:p>
             <a:fld id="{7C440E38-86B9-AF4A-8D14-0E3B01B3360B}" type="datetimeFigureOut">
               <a:rPr lang="en-US" smtClean="0"/>
-              <a:t>11/12/24</a:t>
+              <a:t>11/14/24</a:t>
             </a:fld>
             <a:endParaRPr lang="en-US"/>
           </a:p>
@@ -13890,7 +14809,7 @@
           <a:p>
             <a:fld id="{7C440E38-86B9-AF4A-8D14-0E3B01B3360B}" type="datetimeFigureOut">
               <a:rPr lang="en-US" smtClean="0"/>
-              <a:t>11/12/24</a:t>
+              <a:t>11/14/24</a:t>
             </a:fld>
             <a:endParaRPr lang="en-US"/>
           </a:p>
@@ -14295,7 +15214,13 @@
   <p:cSld>
     <p:spTree>
       <p:nvGrpSpPr>
-        <p:cNvPr id="1" name=""/>
+        <p:cNvPr id="1" name="">
+          <a:extLst>
+            <a:ext uri="{FF2B5EF4-FFF2-40B4-BE49-F238E27FC236}">
+              <a16:creationId xmlns:a16="http://schemas.microsoft.com/office/drawing/2014/main" id="{B695B39C-FBCC-5844-29FC-74F5AC0EED2C}"/>
+            </a:ext>
+          </a:extLst>
+        </p:cNvPr>
         <p:cNvGrpSpPr/>
         <p:nvPr/>
       </p:nvGrpSpPr>
@@ -14307,40 +15232,50 @@
           <a:chExt cx="0" cy="0"/>
         </a:xfrm>
       </p:grpSpPr>
-      <p:graphicFrame>
-        <p:nvGraphicFramePr>
-          <p:cNvPr id="9" name="Diagram 8">
+      <p:cxnSp>
+        <p:nvCxnSpPr>
+          <p:cNvPr id="30" name="Straight Connector 29">
             <a:extLst>
               <a:ext uri="{FF2B5EF4-FFF2-40B4-BE49-F238E27FC236}">
-                <a16:creationId xmlns:a16="http://schemas.microsoft.com/office/drawing/2014/main" id="{C5AC5C38-9692-31E4-302D-47366B6DF549}"/>
+                <a16:creationId xmlns:a16="http://schemas.microsoft.com/office/drawing/2014/main" id="{6A71DED0-C56B-BEB9-F1DB-53282B470A07}"/>
               </a:ext>
             </a:extLst>
           </p:cNvPr>
-          <p:cNvGraphicFramePr/>
-          <p:nvPr>
-            <p:extLst>
-              <p:ext uri="{D42A27DB-BD31-4B8C-83A1-F6EECF244321}">
-                <p14:modId xmlns:p14="http://schemas.microsoft.com/office/powerpoint/2010/main" val="4265546936"/>
-              </p:ext>
-            </p:extLst>
-          </p:nvPr>
-        </p:nvGraphicFramePr>
-        <p:xfrm>
-          <a:off x="-441771" y="332139"/>
-          <a:ext cx="9839644" cy="6537490"/>
-        </p:xfrm>
-        <a:graphic>
-          <a:graphicData uri="http://schemas.openxmlformats.org/drawingml/2006/diagram">
-            <dgm:relIds xmlns:dgm="http://schemas.openxmlformats.org/drawingml/2006/diagram" xmlns:r="http://schemas.openxmlformats.org/officeDocument/2006/relationships" r:dm="rId2" r:lo="rId3" r:qs="rId4" r:cs="rId5"/>
-          </a:graphicData>
-        </a:graphic>
-      </p:graphicFrame>
+          <p:cNvCxnSpPr>
+            <a:cxnSpLocks/>
+          </p:cNvCxnSpPr>
+          <p:nvPr/>
+        </p:nvCxnSpPr>
+        <p:spPr>
+          <a:xfrm flipV="1">
+            <a:off x="911101" y="5674149"/>
+            <a:ext cx="0" cy="752901"/>
+          </a:xfrm>
+          <a:prstGeom prst="line">
+            <a:avLst/>
+          </a:prstGeom>
+        </p:spPr>
+        <p:style>
+          <a:lnRef idx="2">
+            <a:schemeClr val="accent1"/>
+          </a:lnRef>
+          <a:fillRef idx="0">
+            <a:schemeClr val="accent1"/>
+          </a:fillRef>
+          <a:effectRef idx="1">
+            <a:schemeClr val="accent1"/>
+          </a:effectRef>
+          <a:fontRef idx="minor">
+            <a:schemeClr val="tx1"/>
+          </a:fontRef>
+        </p:style>
+      </p:cxnSp>
       <p:cxnSp>
         <p:nvCxnSpPr>
           <p:cNvPr id="11" name="Straight Connector 10">
             <a:extLst>
               <a:ext uri="{FF2B5EF4-FFF2-40B4-BE49-F238E27FC236}">
-                <a16:creationId xmlns:a16="http://schemas.microsoft.com/office/drawing/2014/main" id="{4C661891-9793-60FC-7C24-EEE788AA431B}"/>
+                <a16:creationId xmlns:a16="http://schemas.microsoft.com/office/drawing/2014/main" id="{D0BEB3CE-BBCE-61BE-74E4-15E7D710C50B}"/>
               </a:ext>
             </a:extLst>
           </p:cNvPr>
@@ -14351,7 +15286,7 @@
         </p:nvCxnSpPr>
         <p:spPr>
           <a:xfrm flipH="1">
-            <a:off x="2532074" y="5050414"/>
+            <a:off x="2804790" y="4878530"/>
             <a:ext cx="917612" cy="0"/>
           </a:xfrm>
           <a:prstGeom prst="line">
@@ -14378,7 +15313,7 @@
           <p:cNvPr id="22" name="Straight Connector 21">
             <a:extLst>
               <a:ext uri="{FF2B5EF4-FFF2-40B4-BE49-F238E27FC236}">
-                <a16:creationId xmlns:a16="http://schemas.microsoft.com/office/drawing/2014/main" id="{DCA51EDC-514E-36D3-3F11-85E8B076D46D}"/>
+                <a16:creationId xmlns:a16="http://schemas.microsoft.com/office/drawing/2014/main" id="{6CA42182-E92C-D086-8F8C-1F3BADFAF20D}"/>
               </a:ext>
             </a:extLst>
           </p:cNvPr>
@@ -14389,7 +15324,7 @@
         </p:nvCxnSpPr>
         <p:spPr>
           <a:xfrm>
-            <a:off x="4592746" y="1517559"/>
+            <a:off x="4865462" y="1345675"/>
             <a:ext cx="0" cy="1404595"/>
           </a:xfrm>
           <a:prstGeom prst="line">
@@ -14416,7 +15351,7 @@
           <p:cNvPr id="24" name="Straight Connector 23">
             <a:extLst>
               <a:ext uri="{FF2B5EF4-FFF2-40B4-BE49-F238E27FC236}">
-                <a16:creationId xmlns:a16="http://schemas.microsoft.com/office/drawing/2014/main" id="{DC96A391-813E-1FB0-92C6-ACC7F6F160D5}"/>
+                <a16:creationId xmlns:a16="http://schemas.microsoft.com/office/drawing/2014/main" id="{AA7ED1A5-3C3A-67FC-1EB4-24230F5D2896}"/>
               </a:ext>
             </a:extLst>
           </p:cNvPr>
@@ -14427,7 +15362,7 @@
         </p:nvCxnSpPr>
         <p:spPr>
           <a:xfrm>
-            <a:off x="4933683" y="1404439"/>
+            <a:off x="5206399" y="1232555"/>
             <a:ext cx="0" cy="2196445"/>
           </a:xfrm>
           <a:prstGeom prst="line">
@@ -14454,7 +15389,7 @@
           <p:cNvPr id="26" name="Straight Connector 25">
             <a:extLst>
               <a:ext uri="{FF2B5EF4-FFF2-40B4-BE49-F238E27FC236}">
-                <a16:creationId xmlns:a16="http://schemas.microsoft.com/office/drawing/2014/main" id="{52740E16-2072-F27D-A6E8-817127D954AD}"/>
+                <a16:creationId xmlns:a16="http://schemas.microsoft.com/office/drawing/2014/main" id="{90A57CBA-CDE9-E93F-DE2A-6CEDEB1A5DA5}"/>
               </a:ext>
             </a:extLst>
           </p:cNvPr>
@@ -14465,7 +15400,7 @@
         </p:nvCxnSpPr>
         <p:spPr>
           <a:xfrm>
-            <a:off x="5246338" y="1347876"/>
+            <a:off x="5519054" y="1175992"/>
             <a:ext cx="0" cy="3004012"/>
           </a:xfrm>
           <a:prstGeom prst="line">
@@ -14492,7 +15427,7 @@
           <p:cNvPr id="33" name="Straight Connector 32">
             <a:extLst>
               <a:ext uri="{FF2B5EF4-FFF2-40B4-BE49-F238E27FC236}">
-                <a16:creationId xmlns:a16="http://schemas.microsoft.com/office/drawing/2014/main" id="{25D4C90A-EAF4-61B2-C897-073EEA7C5282}"/>
+                <a16:creationId xmlns:a16="http://schemas.microsoft.com/office/drawing/2014/main" id="{E9D7B3BE-0D76-CB03-6739-749897E885CB}"/>
               </a:ext>
             </a:extLst>
           </p:cNvPr>
@@ -14503,7 +15438,7 @@
         </p:nvCxnSpPr>
         <p:spPr>
           <a:xfrm>
-            <a:off x="5580725" y="1266963"/>
+            <a:off x="5853441" y="1095079"/>
             <a:ext cx="0" cy="3863422"/>
           </a:xfrm>
           <a:prstGeom prst="line">
@@ -14530,7 +15465,7 @@
           <p:cNvPr id="36" name="Straight Connector 35">
             <a:extLst>
               <a:ext uri="{FF2B5EF4-FFF2-40B4-BE49-F238E27FC236}">
-                <a16:creationId xmlns:a16="http://schemas.microsoft.com/office/drawing/2014/main" id="{F3C13D12-08F1-EC27-2395-D4ACB66F58DC}"/>
+                <a16:creationId xmlns:a16="http://schemas.microsoft.com/office/drawing/2014/main" id="{F5328933-FF5C-08C5-3737-901F6BEC58CA}"/>
               </a:ext>
             </a:extLst>
           </p:cNvPr>
@@ -14539,7 +15474,7 @@
         </p:nvCxnSpPr>
         <p:spPr>
           <a:xfrm>
-            <a:off x="4338746" y="1517559"/>
+            <a:off x="4611462" y="1345675"/>
             <a:ext cx="254000" cy="0"/>
           </a:xfrm>
           <a:prstGeom prst="line">
@@ -14566,7 +15501,7 @@
           <p:cNvPr id="37" name="Straight Connector 36">
             <a:extLst>
               <a:ext uri="{FF2B5EF4-FFF2-40B4-BE49-F238E27FC236}">
-                <a16:creationId xmlns:a16="http://schemas.microsoft.com/office/drawing/2014/main" id="{7C7F886E-C29A-7A78-6A60-79A8D4F7ED7F}"/>
+                <a16:creationId xmlns:a16="http://schemas.microsoft.com/office/drawing/2014/main" id="{AC33F979-6525-6C0D-AC89-7969FD65FE36}"/>
               </a:ext>
             </a:extLst>
           </p:cNvPr>
@@ -14577,7 +15512,7 @@
         </p:nvCxnSpPr>
         <p:spPr>
           <a:xfrm>
-            <a:off x="4338746" y="1428008"/>
+            <a:off x="4611462" y="1256124"/>
             <a:ext cx="582632" cy="0"/>
           </a:xfrm>
           <a:prstGeom prst="line">
@@ -14604,7 +15539,7 @@
           <p:cNvPr id="39" name="Straight Connector 38">
             <a:extLst>
               <a:ext uri="{FF2B5EF4-FFF2-40B4-BE49-F238E27FC236}">
-                <a16:creationId xmlns:a16="http://schemas.microsoft.com/office/drawing/2014/main" id="{076663B7-7330-5C35-E161-EBAE033D345B}"/>
+                <a16:creationId xmlns:a16="http://schemas.microsoft.com/office/drawing/2014/main" id="{7F967A9B-2CC5-EDF8-05AF-A3D30D4B2307}"/>
               </a:ext>
             </a:extLst>
           </p:cNvPr>
@@ -14615,7 +15550,7 @@
         </p:nvCxnSpPr>
         <p:spPr>
           <a:xfrm>
-            <a:off x="4341101" y="1347876"/>
+            <a:off x="4613817" y="1175992"/>
             <a:ext cx="895287" cy="0"/>
           </a:xfrm>
           <a:prstGeom prst="line">
@@ -14642,7 +15577,7 @@
           <p:cNvPr id="43" name="Straight Connector 42">
             <a:extLst>
               <a:ext uri="{FF2B5EF4-FFF2-40B4-BE49-F238E27FC236}">
-                <a16:creationId xmlns:a16="http://schemas.microsoft.com/office/drawing/2014/main" id="{A9BCF67E-776A-0003-3477-715C19589DFE}"/>
+                <a16:creationId xmlns:a16="http://schemas.microsoft.com/office/drawing/2014/main" id="{1D960818-8958-2046-6AFE-6F6F3BE6A170}"/>
               </a:ext>
             </a:extLst>
           </p:cNvPr>
@@ -14653,7 +15588,7 @@
         </p:nvCxnSpPr>
         <p:spPr>
           <a:xfrm flipV="1">
-            <a:off x="4338746" y="1266963"/>
+            <a:off x="4611462" y="1095079"/>
             <a:ext cx="1229674" cy="1571"/>
           </a:xfrm>
           <a:prstGeom prst="line">
@@ -14680,7 +15615,7 @@
           <p:cNvPr id="48" name="Straight Connector 47">
             <a:extLst>
               <a:ext uri="{FF2B5EF4-FFF2-40B4-BE49-F238E27FC236}">
-                <a16:creationId xmlns:a16="http://schemas.microsoft.com/office/drawing/2014/main" id="{2DEB46B1-A09B-2BA8-EC82-13CBC4FE5EC0}"/>
+                <a16:creationId xmlns:a16="http://schemas.microsoft.com/office/drawing/2014/main" id="{8628E03E-A7AF-C764-5B44-AB6880CE478C}"/>
               </a:ext>
             </a:extLst>
           </p:cNvPr>
@@ -14689,7 +15624,7 @@
         </p:nvCxnSpPr>
         <p:spPr>
           <a:xfrm>
-            <a:off x="4351051" y="2923104"/>
+            <a:off x="4623767" y="2751220"/>
             <a:ext cx="254000" cy="0"/>
           </a:xfrm>
           <a:prstGeom prst="line">
@@ -14716,7 +15651,7 @@
           <p:cNvPr id="49" name="Straight Connector 48">
             <a:extLst>
               <a:ext uri="{FF2B5EF4-FFF2-40B4-BE49-F238E27FC236}">
-                <a16:creationId xmlns:a16="http://schemas.microsoft.com/office/drawing/2014/main" id="{355FEEC7-411A-25CE-7042-4B7A5FA4E0F9}"/>
+                <a16:creationId xmlns:a16="http://schemas.microsoft.com/office/drawing/2014/main" id="{BCE18676-5CD7-8DC9-9C51-7A0AC5A72601}"/>
               </a:ext>
             </a:extLst>
           </p:cNvPr>
@@ -14727,7 +15662,7 @@
         </p:nvCxnSpPr>
         <p:spPr>
           <a:xfrm>
-            <a:off x="4338746" y="3600884"/>
+            <a:off x="4611462" y="3429000"/>
             <a:ext cx="582632" cy="0"/>
           </a:xfrm>
           <a:prstGeom prst="line">
@@ -14754,7 +15689,7 @@
           <p:cNvPr id="50" name="Straight Connector 49">
             <a:extLst>
               <a:ext uri="{FF2B5EF4-FFF2-40B4-BE49-F238E27FC236}">
-                <a16:creationId xmlns:a16="http://schemas.microsoft.com/office/drawing/2014/main" id="{45D79D39-788E-2022-AF42-0292AB5A76A6}"/>
+                <a16:creationId xmlns:a16="http://schemas.microsoft.com/office/drawing/2014/main" id="{D78F5780-F030-D02A-1642-1A0C58E6B2DD}"/>
               </a:ext>
             </a:extLst>
           </p:cNvPr>
@@ -14765,7 +15700,7 @@
         </p:nvCxnSpPr>
         <p:spPr>
           <a:xfrm>
-            <a:off x="4338746" y="4351888"/>
+            <a:off x="4611462" y="4180004"/>
             <a:ext cx="895287" cy="0"/>
           </a:xfrm>
           <a:prstGeom prst="line">
@@ -14792,7 +15727,7 @@
           <p:cNvPr id="54" name="Straight Connector 53">
             <a:extLst>
               <a:ext uri="{FF2B5EF4-FFF2-40B4-BE49-F238E27FC236}">
-                <a16:creationId xmlns:a16="http://schemas.microsoft.com/office/drawing/2014/main" id="{31F8FC81-CC4A-0737-4206-03BA1CC10891}"/>
+                <a16:creationId xmlns:a16="http://schemas.microsoft.com/office/drawing/2014/main" id="{1436B52B-AFE3-8116-E788-BDF874E6294A}"/>
               </a:ext>
             </a:extLst>
           </p:cNvPr>
@@ -14803,7 +15738,7 @@
         </p:nvCxnSpPr>
         <p:spPr>
           <a:xfrm flipV="1">
-            <a:off x="4351051" y="5130385"/>
+            <a:off x="4623767" y="4958501"/>
             <a:ext cx="1229674" cy="1571"/>
           </a:xfrm>
           <a:prstGeom prst="line">
@@ -14830,7 +15765,7 @@
           <p:cNvPr id="56" name="Straight Connector 55">
             <a:extLst>
               <a:ext uri="{FF2B5EF4-FFF2-40B4-BE49-F238E27FC236}">
-                <a16:creationId xmlns:a16="http://schemas.microsoft.com/office/drawing/2014/main" id="{3F85D45C-E3C4-8977-DBB4-48DD1566AC7E}"/>
+                <a16:creationId xmlns:a16="http://schemas.microsoft.com/office/drawing/2014/main" id="{4B5F6E7E-E646-D464-51B0-4B7F35A3A139}"/>
               </a:ext>
             </a:extLst>
           </p:cNvPr>
@@ -14841,7 +15776,7 @@
         </p:nvCxnSpPr>
         <p:spPr>
           <a:xfrm>
-            <a:off x="2061556" y="1354317"/>
+            <a:off x="2334272" y="1182433"/>
             <a:ext cx="0" cy="3479693"/>
           </a:xfrm>
           <a:prstGeom prst="line">
@@ -14868,7 +15803,7 @@
           <p:cNvPr id="57" name="Straight Connector 56">
             <a:extLst>
               <a:ext uri="{FF2B5EF4-FFF2-40B4-BE49-F238E27FC236}">
-                <a16:creationId xmlns:a16="http://schemas.microsoft.com/office/drawing/2014/main" id="{128FC75A-974B-CE6A-A7E5-98195EA2FAD6}"/>
+                <a16:creationId xmlns:a16="http://schemas.microsoft.com/office/drawing/2014/main" id="{85522EB0-AFFE-1D29-5C2A-317E78281C10}"/>
               </a:ext>
             </a:extLst>
           </p:cNvPr>
@@ -14879,7 +15814,7 @@
         </p:nvCxnSpPr>
         <p:spPr>
           <a:xfrm flipV="1">
-            <a:off x="2051606" y="1352746"/>
+            <a:off x="2324322" y="1180862"/>
             <a:ext cx="1398080" cy="1571"/>
           </a:xfrm>
           <a:prstGeom prst="line">
@@ -14906,7 +15841,7 @@
           <p:cNvPr id="64" name="Straight Connector 63">
             <a:extLst>
               <a:ext uri="{FF2B5EF4-FFF2-40B4-BE49-F238E27FC236}">
-                <a16:creationId xmlns:a16="http://schemas.microsoft.com/office/drawing/2014/main" id="{674FE728-69C2-842C-8E45-1F1C0ED272D1}"/>
+                <a16:creationId xmlns:a16="http://schemas.microsoft.com/office/drawing/2014/main" id="{C7A44A05-C6DB-49BB-2E1F-6CA3140E1E09}"/>
               </a:ext>
             </a:extLst>
           </p:cNvPr>
@@ -14917,7 +15852,7 @@
         </p:nvCxnSpPr>
         <p:spPr>
           <a:xfrm>
-            <a:off x="5927105" y="1186441"/>
+            <a:off x="6199821" y="1014557"/>
             <a:ext cx="0" cy="4659592"/>
           </a:xfrm>
           <a:prstGeom prst="line">
@@ -14944,7 +15879,7 @@
           <p:cNvPr id="68" name="Straight Connector 67">
             <a:extLst>
               <a:ext uri="{FF2B5EF4-FFF2-40B4-BE49-F238E27FC236}">
-                <a16:creationId xmlns:a16="http://schemas.microsoft.com/office/drawing/2014/main" id="{94490156-51D2-CDC4-7898-A60B5848C39D}"/>
+                <a16:creationId xmlns:a16="http://schemas.microsoft.com/office/drawing/2014/main" id="{F18D9382-0909-691C-67AC-22FA539EE563}"/>
               </a:ext>
             </a:extLst>
           </p:cNvPr>
@@ -14955,7 +15890,7 @@
         </p:nvCxnSpPr>
         <p:spPr>
           <a:xfrm>
-            <a:off x="4338746" y="1186441"/>
+            <a:off x="4611462" y="1014557"/>
             <a:ext cx="1585588" cy="0"/>
           </a:xfrm>
           <a:prstGeom prst="line">
@@ -14982,7 +15917,7 @@
           <p:cNvPr id="72" name="Straight Connector 71">
             <a:extLst>
               <a:ext uri="{FF2B5EF4-FFF2-40B4-BE49-F238E27FC236}">
-                <a16:creationId xmlns:a16="http://schemas.microsoft.com/office/drawing/2014/main" id="{102C5B11-7053-3485-32DE-08784407DE34}"/>
+                <a16:creationId xmlns:a16="http://schemas.microsoft.com/office/drawing/2014/main" id="{D3C24B04-46E6-9C10-D82C-E1BA63D0C143}"/>
               </a:ext>
             </a:extLst>
           </p:cNvPr>
@@ -14993,7 +15928,7 @@
         </p:nvCxnSpPr>
         <p:spPr>
           <a:xfrm>
-            <a:off x="4351051" y="5852325"/>
+            <a:off x="4623767" y="5680441"/>
             <a:ext cx="1573283" cy="0"/>
           </a:xfrm>
           <a:prstGeom prst="line">
@@ -15020,7 +15955,7 @@
           <p:cNvPr id="75" name="TextBox 74">
             <a:extLst>
               <a:ext uri="{FF2B5EF4-FFF2-40B4-BE49-F238E27FC236}">
-                <a16:creationId xmlns:a16="http://schemas.microsoft.com/office/drawing/2014/main" id="{694C0E54-E03E-72EE-3C54-066B8FF4CC60}"/>
+                <a16:creationId xmlns:a16="http://schemas.microsoft.com/office/drawing/2014/main" id="{71068C38-0943-32AC-448F-9C983C7E9882}"/>
               </a:ext>
             </a:extLst>
           </p:cNvPr>
@@ -15029,7 +15964,7 @@
         </p:nvSpPr>
         <p:spPr>
           <a:xfrm>
-            <a:off x="3997045" y="847961"/>
+            <a:off x="4269761" y="676077"/>
             <a:ext cx="579407" cy="246221"/>
           </a:xfrm>
           <a:prstGeom prst="rect">
@@ -15055,7 +15990,7 @@
           <p:cNvPr id="77" name="TextBox 76">
             <a:extLst>
               <a:ext uri="{FF2B5EF4-FFF2-40B4-BE49-F238E27FC236}">
-                <a16:creationId xmlns:a16="http://schemas.microsoft.com/office/drawing/2014/main" id="{7847997F-2079-40DE-9988-8A43B8356805}"/>
+                <a16:creationId xmlns:a16="http://schemas.microsoft.com/office/drawing/2014/main" id="{C5063BFF-552D-AC5C-A0DE-D36499FD8408}"/>
               </a:ext>
             </a:extLst>
           </p:cNvPr>
@@ -15064,7 +15999,7 @@
         </p:nvSpPr>
         <p:spPr>
           <a:xfrm>
-            <a:off x="5544935" y="4464967"/>
+            <a:off x="5817651" y="4293083"/>
             <a:ext cx="579407" cy="215444"/>
           </a:xfrm>
           <a:prstGeom prst="rect">
@@ -15090,7 +16025,7 @@
           <p:cNvPr id="78" name="TextBox 77">
             <a:extLst>
               <a:ext uri="{FF2B5EF4-FFF2-40B4-BE49-F238E27FC236}">
-                <a16:creationId xmlns:a16="http://schemas.microsoft.com/office/drawing/2014/main" id="{1D1A6949-AC9E-04DF-6730-A907ABA8CA0F}"/>
+                <a16:creationId xmlns:a16="http://schemas.microsoft.com/office/drawing/2014/main" id="{175035C2-4890-9585-8C3A-71A58ED5AECB}"/>
               </a:ext>
             </a:extLst>
           </p:cNvPr>
@@ -15099,7 +16034,7 @@
         </p:nvSpPr>
         <p:spPr>
           <a:xfrm>
-            <a:off x="5894059" y="4947249"/>
+            <a:off x="6166775" y="4775365"/>
             <a:ext cx="579407" cy="215444"/>
           </a:xfrm>
           <a:prstGeom prst="rect">
@@ -15125,7 +16060,7 @@
           <p:cNvPr id="79" name="TextBox 78">
             <a:extLst>
               <a:ext uri="{FF2B5EF4-FFF2-40B4-BE49-F238E27FC236}">
-                <a16:creationId xmlns:a16="http://schemas.microsoft.com/office/drawing/2014/main" id="{7DC3D452-5163-C300-D30F-932A26E0D455}"/>
+                <a16:creationId xmlns:a16="http://schemas.microsoft.com/office/drawing/2014/main" id="{3E9618DD-5457-E316-DDB6-2ADFBA7CEF2C}"/>
               </a:ext>
             </a:extLst>
           </p:cNvPr>
@@ -15134,7 +16069,7 @@
         </p:nvSpPr>
         <p:spPr>
           <a:xfrm>
-            <a:off x="5234033" y="3891699"/>
+            <a:off x="5506749" y="3719815"/>
             <a:ext cx="579407" cy="215444"/>
           </a:xfrm>
           <a:prstGeom prst="rect">
@@ -15160,7 +16095,7 @@
           <p:cNvPr id="80" name="TextBox 79">
             <a:extLst>
               <a:ext uri="{FF2B5EF4-FFF2-40B4-BE49-F238E27FC236}">
-                <a16:creationId xmlns:a16="http://schemas.microsoft.com/office/drawing/2014/main" id="{A7EDBC25-A158-81EF-F46C-1F8A43626448}"/>
+                <a16:creationId xmlns:a16="http://schemas.microsoft.com/office/drawing/2014/main" id="{08B6D940-A4E2-826B-B211-26AC97D91BD8}"/>
               </a:ext>
             </a:extLst>
           </p:cNvPr>
@@ -15169,7 +16104,7 @@
         </p:nvSpPr>
         <p:spPr>
           <a:xfrm>
-            <a:off x="4918760" y="3220455"/>
+            <a:off x="5191476" y="3048571"/>
             <a:ext cx="579407" cy="215444"/>
           </a:xfrm>
           <a:prstGeom prst="rect">
@@ -15195,7 +16130,7 @@
           <p:cNvPr id="81" name="TextBox 80">
             <a:extLst>
               <a:ext uri="{FF2B5EF4-FFF2-40B4-BE49-F238E27FC236}">
-                <a16:creationId xmlns:a16="http://schemas.microsoft.com/office/drawing/2014/main" id="{DEF69E92-1F04-D9EE-00D1-6F2FA14C065E}"/>
+                <a16:creationId xmlns:a16="http://schemas.microsoft.com/office/drawing/2014/main" id="{6374E4A9-D378-2F77-0C5C-F1414A105C89}"/>
               </a:ext>
             </a:extLst>
           </p:cNvPr>
@@ -15204,7 +16139,7 @@
         </p:nvSpPr>
         <p:spPr>
           <a:xfrm>
-            <a:off x="4572701" y="2570885"/>
+            <a:off x="4845417" y="2399001"/>
             <a:ext cx="579407" cy="215444"/>
           </a:xfrm>
           <a:prstGeom prst="rect">
@@ -15230,7 +16165,7 @@
           <p:cNvPr id="85" name="TextBox 84">
             <a:extLst>
               <a:ext uri="{FF2B5EF4-FFF2-40B4-BE49-F238E27FC236}">
-                <a16:creationId xmlns:a16="http://schemas.microsoft.com/office/drawing/2014/main" id="{AB300E88-5DBA-077D-9AC4-B6B7F75A389F}"/>
+                <a16:creationId xmlns:a16="http://schemas.microsoft.com/office/drawing/2014/main" id="{1F5DDCD0-0CE5-858D-A751-913E61D7642E}"/>
               </a:ext>
             </a:extLst>
           </p:cNvPr>
@@ -15239,7 +16174,7 @@
         </p:nvSpPr>
         <p:spPr>
           <a:xfrm>
-            <a:off x="3927663" y="1621633"/>
+            <a:off x="4200379" y="1449749"/>
             <a:ext cx="579407" cy="215444"/>
           </a:xfrm>
           <a:prstGeom prst="rect">
@@ -15265,7 +16200,7 @@
           <p:cNvPr id="86" name="TextBox 85">
             <a:extLst>
               <a:ext uri="{FF2B5EF4-FFF2-40B4-BE49-F238E27FC236}">
-                <a16:creationId xmlns:a16="http://schemas.microsoft.com/office/drawing/2014/main" id="{2969269F-E16A-DA43-7B1A-B233D91B48D4}"/>
+                <a16:creationId xmlns:a16="http://schemas.microsoft.com/office/drawing/2014/main" id="{19D5BAE1-36E2-1481-9297-CB0757D5C010}"/>
               </a:ext>
             </a:extLst>
           </p:cNvPr>
@@ -15274,7 +16209,7 @@
         </p:nvSpPr>
         <p:spPr>
           <a:xfrm>
-            <a:off x="3946468" y="2347862"/>
+            <a:off x="4219184" y="2175978"/>
             <a:ext cx="579407" cy="215444"/>
           </a:xfrm>
           <a:prstGeom prst="rect">
@@ -15300,7 +16235,7 @@
           <p:cNvPr id="87" name="TextBox 86">
             <a:extLst>
               <a:ext uri="{FF2B5EF4-FFF2-40B4-BE49-F238E27FC236}">
-                <a16:creationId xmlns:a16="http://schemas.microsoft.com/office/drawing/2014/main" id="{BE8BACBF-9B2A-4539-F471-547CC7B5552B}"/>
+                <a16:creationId xmlns:a16="http://schemas.microsoft.com/office/drawing/2014/main" id="{2205541F-468A-E35C-9078-D4A6BDB5B358}"/>
               </a:ext>
             </a:extLst>
           </p:cNvPr>
@@ -15309,7 +16244,7 @@
         </p:nvSpPr>
         <p:spPr>
           <a:xfrm>
-            <a:off x="3946468" y="3098865"/>
+            <a:off x="4219184" y="2926981"/>
             <a:ext cx="579407" cy="215444"/>
           </a:xfrm>
           <a:prstGeom prst="rect">
@@ -15335,7 +16270,7 @@
           <p:cNvPr id="88" name="TextBox 87">
             <a:extLst>
               <a:ext uri="{FF2B5EF4-FFF2-40B4-BE49-F238E27FC236}">
-                <a16:creationId xmlns:a16="http://schemas.microsoft.com/office/drawing/2014/main" id="{0BC9FC55-C40A-368D-B886-CD2C671E4263}"/>
+                <a16:creationId xmlns:a16="http://schemas.microsoft.com/office/drawing/2014/main" id="{AE1EE4DE-CD7A-747A-FD4C-CFEC44D79A2D}"/>
               </a:ext>
             </a:extLst>
           </p:cNvPr>
@@ -15344,7 +16279,7 @@
         </p:nvSpPr>
         <p:spPr>
           <a:xfrm>
-            <a:off x="3950014" y="3875706"/>
+            <a:off x="4222730" y="3703822"/>
             <a:ext cx="579407" cy="215444"/>
           </a:xfrm>
           <a:prstGeom prst="rect">
@@ -15370,7 +16305,7 @@
           <p:cNvPr id="89" name="TextBox 88">
             <a:extLst>
               <a:ext uri="{FF2B5EF4-FFF2-40B4-BE49-F238E27FC236}">
-                <a16:creationId xmlns:a16="http://schemas.microsoft.com/office/drawing/2014/main" id="{288A3BA9-B67E-C2EF-2FE8-2B54616CEC2C}"/>
+                <a16:creationId xmlns:a16="http://schemas.microsoft.com/office/drawing/2014/main" id="{19C9B6C6-A652-32EA-1DC3-785F77F9DB71}"/>
               </a:ext>
             </a:extLst>
           </p:cNvPr>
@@ -15379,7 +16314,7 @@
         </p:nvSpPr>
         <p:spPr>
           <a:xfrm>
-            <a:off x="3946467" y="5371429"/>
+            <a:off x="4219183" y="5199545"/>
             <a:ext cx="579407" cy="215444"/>
           </a:xfrm>
           <a:prstGeom prst="rect">
@@ -15405,7 +16340,7 @@
           <p:cNvPr id="91" name="TextBox 90">
             <a:extLst>
               <a:ext uri="{FF2B5EF4-FFF2-40B4-BE49-F238E27FC236}">
-                <a16:creationId xmlns:a16="http://schemas.microsoft.com/office/drawing/2014/main" id="{A218E17C-1F09-4B7D-0064-EA813901B924}"/>
+                <a16:creationId xmlns:a16="http://schemas.microsoft.com/office/drawing/2014/main" id="{5DF4BF4D-132D-92CE-0F05-8DD604669B6B}"/>
               </a:ext>
             </a:extLst>
           </p:cNvPr>
@@ -15414,7 +16349,7 @@
         </p:nvSpPr>
         <p:spPr>
           <a:xfrm>
-            <a:off x="3977663" y="4618566"/>
+            <a:off x="4250379" y="4446682"/>
             <a:ext cx="579407" cy="215444"/>
           </a:xfrm>
           <a:prstGeom prst="rect">
@@ -15430,7 +16365,7 @@
           <a:p>
             <a:r>
               <a:rPr lang="en-US" sz="800" dirty="0"/>
-              <a:t>1:M</a:t>
+              <a:t>1:1</a:t>
             </a:r>
           </a:p>
         </p:txBody>
@@ -15440,7 +16375,7 @@
           <p:cNvPr id="92" name="TextBox 91">
             <a:extLst>
               <a:ext uri="{FF2B5EF4-FFF2-40B4-BE49-F238E27FC236}">
-                <a16:creationId xmlns:a16="http://schemas.microsoft.com/office/drawing/2014/main" id="{C4BC0261-6CC6-0400-24DC-0FD9EF2C7C79}"/>
+                <a16:creationId xmlns:a16="http://schemas.microsoft.com/office/drawing/2014/main" id="{4205F08A-D0FC-C122-D8D0-F686CA11B16F}"/>
               </a:ext>
             </a:extLst>
           </p:cNvPr>
@@ -15449,7 +16384,7 @@
         </p:nvSpPr>
         <p:spPr>
           <a:xfrm>
-            <a:off x="2995737" y="4839527"/>
+            <a:off x="3268453" y="4667643"/>
             <a:ext cx="579407" cy="215444"/>
           </a:xfrm>
           <a:prstGeom prst="rect">
@@ -15475,7 +16410,7 @@
           <p:cNvPr id="93" name="TextBox 92">
             <a:extLst>
               <a:ext uri="{FF2B5EF4-FFF2-40B4-BE49-F238E27FC236}">
-                <a16:creationId xmlns:a16="http://schemas.microsoft.com/office/drawing/2014/main" id="{F763F5FB-A3F5-7D30-CD55-0A580A13A83D}"/>
+                <a16:creationId xmlns:a16="http://schemas.microsoft.com/office/drawing/2014/main" id="{FC80877D-CD6C-11F4-23EF-955CE34DF6BD}"/>
               </a:ext>
             </a:extLst>
           </p:cNvPr>
@@ -15484,7 +16419,7 @@
         </p:nvSpPr>
         <p:spPr>
           <a:xfrm>
-            <a:off x="2030695" y="2355441"/>
+            <a:off x="2303411" y="2183557"/>
             <a:ext cx="579407" cy="215444"/>
           </a:xfrm>
           <a:prstGeom prst="rect">
@@ -15510,7 +16445,7 @@
           <p:cNvPr id="94" name="TextBox 93">
             <a:extLst>
               <a:ext uri="{FF2B5EF4-FFF2-40B4-BE49-F238E27FC236}">
-                <a16:creationId xmlns:a16="http://schemas.microsoft.com/office/drawing/2014/main" id="{8D9F1479-CEBE-6EEA-05E8-08162036F5CE}"/>
+                <a16:creationId xmlns:a16="http://schemas.microsoft.com/office/drawing/2014/main" id="{2414224D-BC6C-61CB-2B0C-B12F339CCBBF}"/>
               </a:ext>
             </a:extLst>
           </p:cNvPr>
@@ -15519,7 +16454,7 @@
         </p:nvSpPr>
         <p:spPr>
           <a:xfrm>
-            <a:off x="3348256" y="6095061"/>
+            <a:off x="3620972" y="5970468"/>
             <a:ext cx="579407" cy="215444"/>
           </a:xfrm>
           <a:prstGeom prst="rect">
@@ -15535,7 +16470,7 @@
           <a:p>
             <a:r>
               <a:rPr lang="en-US" sz="800" dirty="0"/>
-              <a:t>M:M</a:t>
+              <a:t>1:M</a:t>
             </a:r>
           </a:p>
         </p:txBody>
@@ -15545,7 +16480,7 @@
           <p:cNvPr id="107" name="Group 106">
             <a:extLst>
               <a:ext uri="{FF2B5EF4-FFF2-40B4-BE49-F238E27FC236}">
-                <a16:creationId xmlns:a16="http://schemas.microsoft.com/office/drawing/2014/main" id="{208CADFE-88A8-4F26-6489-76B5B4465107}"/>
+                <a16:creationId xmlns:a16="http://schemas.microsoft.com/office/drawing/2014/main" id="{AFF81808-3822-FC95-1297-B96FDB690762}"/>
               </a:ext>
             </a:extLst>
           </p:cNvPr>
@@ -15554,7 +16489,7 @@
         </p:nvGrpSpPr>
         <p:grpSpPr>
           <a:xfrm>
-            <a:off x="5152108" y="6334607"/>
+            <a:off x="5424824" y="6162723"/>
             <a:ext cx="1057309" cy="528654"/>
             <a:chOff x="961291" y="4492300"/>
             <a:chExt cx="1057309" cy="528654"/>
@@ -15565,7 +16500,7 @@
             <p:cNvPr id="108" name="Rectangle 107">
               <a:extLst>
                 <a:ext uri="{FF2B5EF4-FFF2-40B4-BE49-F238E27FC236}">
-                  <a16:creationId xmlns:a16="http://schemas.microsoft.com/office/drawing/2014/main" id="{BFCA4601-FB17-9D7E-EA81-7D79436251F7}"/>
+                  <a16:creationId xmlns:a16="http://schemas.microsoft.com/office/drawing/2014/main" id="{50D9956E-912B-8D14-9C09-A132D037CEE4}"/>
                 </a:ext>
               </a:extLst>
             </p:cNvPr>
@@ -15623,7 +16558,7 @@
             <p:cNvPr id="109" name="TextBox 108">
               <a:extLst>
                 <a:ext uri="{FF2B5EF4-FFF2-40B4-BE49-F238E27FC236}">
-                  <a16:creationId xmlns:a16="http://schemas.microsoft.com/office/drawing/2014/main" id="{0258587B-A5EB-78B6-869A-935F82D2A477}"/>
+                  <a16:creationId xmlns:a16="http://schemas.microsoft.com/office/drawing/2014/main" id="{2D788521-3C55-530E-69E3-4BF43398E93B}"/>
                 </a:ext>
               </a:extLst>
             </p:cNvPr>
@@ -15684,7 +16619,7 @@
           <p:cNvPr id="110" name="Straight Connector 109">
             <a:extLst>
               <a:ext uri="{FF2B5EF4-FFF2-40B4-BE49-F238E27FC236}">
-                <a16:creationId xmlns:a16="http://schemas.microsoft.com/office/drawing/2014/main" id="{093C9AAF-1811-3FF9-FFD4-A307436D4CF4}"/>
+                <a16:creationId xmlns:a16="http://schemas.microsoft.com/office/drawing/2014/main" id="{3278B44B-1CAA-68EF-2FCA-C2AE387E401E}"/>
               </a:ext>
             </a:extLst>
           </p:cNvPr>
@@ -15696,7 +16631,7 @@
         </p:nvCxnSpPr>
         <p:spPr>
           <a:xfrm>
-            <a:off x="4630062" y="6598934"/>
+            <a:off x="4902778" y="6427050"/>
             <a:ext cx="522046" cy="0"/>
           </a:xfrm>
           <a:prstGeom prst="line">
@@ -15723,7 +16658,7 @@
           <p:cNvPr id="114" name="TextBox 113">
             <a:extLst>
               <a:ext uri="{FF2B5EF4-FFF2-40B4-BE49-F238E27FC236}">
-                <a16:creationId xmlns:a16="http://schemas.microsoft.com/office/drawing/2014/main" id="{09C23030-A8C3-6BCC-BBE3-79AC10B7F666}"/>
+                <a16:creationId xmlns:a16="http://schemas.microsoft.com/office/drawing/2014/main" id="{D828A2AA-2D08-B7D5-1FB3-3C7B924175AA}"/>
               </a:ext>
             </a:extLst>
           </p:cNvPr>
@@ -15732,7 +16667,7 @@
         </p:nvSpPr>
         <p:spPr>
           <a:xfrm>
-            <a:off x="4680656" y="6383490"/>
+            <a:off x="4953372" y="6211606"/>
             <a:ext cx="579407" cy="215444"/>
           </a:xfrm>
           <a:prstGeom prst="rect">
@@ -15758,7 +16693,7 @@
           <p:cNvPr id="115" name="Group 114">
             <a:extLst>
               <a:ext uri="{FF2B5EF4-FFF2-40B4-BE49-F238E27FC236}">
-                <a16:creationId xmlns:a16="http://schemas.microsoft.com/office/drawing/2014/main" id="{D727D15A-AFD0-EF0F-6388-DFF06157EBA3}"/>
+                <a16:creationId xmlns:a16="http://schemas.microsoft.com/office/drawing/2014/main" id="{4CFFAB80-E472-606D-B577-BC751181D281}"/>
               </a:ext>
             </a:extLst>
           </p:cNvPr>
@@ -15767,7 +16702,7 @@
         </p:nvGrpSpPr>
         <p:grpSpPr>
           <a:xfrm>
-            <a:off x="1411290" y="6320821"/>
+            <a:off x="1805804" y="6125257"/>
             <a:ext cx="1057309" cy="528654"/>
             <a:chOff x="961291" y="4492300"/>
             <a:chExt cx="1057309" cy="528654"/>
@@ -15778,7 +16713,7 @@
             <p:cNvPr id="116" name="Rectangle 115">
               <a:extLst>
                 <a:ext uri="{FF2B5EF4-FFF2-40B4-BE49-F238E27FC236}">
-                  <a16:creationId xmlns:a16="http://schemas.microsoft.com/office/drawing/2014/main" id="{A0A295EC-53FC-1CDB-E30A-2A2CA33BED66}"/>
+                  <a16:creationId xmlns:a16="http://schemas.microsoft.com/office/drawing/2014/main" id="{14E54858-EDED-E5F2-FFDC-0B7DA7ADC9CB}"/>
                 </a:ext>
               </a:extLst>
             </p:cNvPr>
@@ -15836,7 +16771,2351 @@
             <p:cNvPr id="117" name="TextBox 116">
               <a:extLst>
                 <a:ext uri="{FF2B5EF4-FFF2-40B4-BE49-F238E27FC236}">
-                  <a16:creationId xmlns:a16="http://schemas.microsoft.com/office/drawing/2014/main" id="{7B91C80B-5A83-40AA-5D93-F9680F4F8A7B}"/>
+                  <a16:creationId xmlns:a16="http://schemas.microsoft.com/office/drawing/2014/main" id="{A8821C9B-8B36-AAB6-D230-F99E7E534977}"/>
+                </a:ext>
+              </a:extLst>
+            </p:cNvPr>
+            <p:cNvSpPr txBox="1"/>
+            <p:nvPr/>
+          </p:nvSpPr>
+          <p:spPr>
+            <a:xfrm>
+              <a:off x="961291" y="4492300"/>
+              <a:ext cx="1057309" cy="528654"/>
+            </a:xfrm>
+            <a:prstGeom prst="rect">
+              <a:avLst/>
+            </a:prstGeom>
+          </p:spPr>
+          <p:style>
+            <a:lnRef idx="0">
+              <a:scrgbClr r="0" g="0" b="0"/>
+            </a:lnRef>
+            <a:fillRef idx="0">
+              <a:scrgbClr r="0" g="0" b="0"/>
+            </a:fillRef>
+            <a:effectRef idx="0">
+              <a:scrgbClr r="0" g="0" b="0"/>
+            </a:effectRef>
+            <a:fontRef idx="minor">
+              <a:schemeClr val="lt1"/>
+            </a:fontRef>
+          </p:style>
+          <p:txBody>
+            <a:bodyPr spcFirstLastPara="0" vert="horz" wrap="square" lIns="9525" tIns="9525" rIns="9525" bIns="9525" numCol="1" spcCol="1270" anchor="ctr" anchorCtr="0">
+              <a:noAutofit/>
+            </a:bodyPr>
+            <a:lstStyle/>
+            <a:p>
+              <a:pPr marL="0" lvl="0" indent="0" algn="ctr" defTabSz="666750">
+                <a:lnSpc>
+                  <a:spcPct val="90000"/>
+                </a:lnSpc>
+                <a:spcBef>
+                  <a:spcPct val="0"/>
+                </a:spcBef>
+                <a:spcAft>
+                  <a:spcPct val="35000"/>
+                </a:spcAft>
+                <a:buNone/>
+              </a:pPr>
+              <a:r>
+                <a:rPr lang="en-US" sz="1500" kern="1200" dirty="0"/>
+                <a:t>Export</a:t>
+              </a:r>
+            </a:p>
+          </p:txBody>
+        </p:sp>
+      </p:grpSp>
+      <p:grpSp>
+        <p:nvGrpSpPr>
+          <p:cNvPr id="16" name="Group 15">
+            <a:extLst>
+              <a:ext uri="{FF2B5EF4-FFF2-40B4-BE49-F238E27FC236}">
+                <a16:creationId xmlns:a16="http://schemas.microsoft.com/office/drawing/2014/main" id="{DA224D39-3B30-653B-880E-0299C3EA97F2}"/>
+              </a:ext>
+            </a:extLst>
+          </p:cNvPr>
+          <p:cNvGrpSpPr/>
+          <p:nvPr/>
+        </p:nvGrpSpPr>
+        <p:grpSpPr>
+          <a:xfrm>
+            <a:off x="385542" y="6132735"/>
+            <a:ext cx="1057309" cy="528654"/>
+            <a:chOff x="1863514" y="5593054"/>
+            <a:chExt cx="1057309" cy="528654"/>
+          </a:xfrm>
+        </p:grpSpPr>
+        <p:sp>
+          <p:nvSpPr>
+            <p:cNvPr id="17" name="Rectangle 16">
+              <a:extLst>
+                <a:ext uri="{FF2B5EF4-FFF2-40B4-BE49-F238E27FC236}">
+                  <a16:creationId xmlns:a16="http://schemas.microsoft.com/office/drawing/2014/main" id="{903E877B-3E36-057C-C466-00D13DD50A6D}"/>
+                </a:ext>
+              </a:extLst>
+            </p:cNvPr>
+            <p:cNvSpPr/>
+            <p:nvPr/>
+          </p:nvSpPr>
+          <p:spPr>
+            <a:xfrm>
+              <a:off x="1863514" y="5593054"/>
+              <a:ext cx="1057309" cy="528654"/>
+            </a:xfrm>
+            <a:prstGeom prst="rect">
+              <a:avLst/>
+            </a:prstGeom>
+          </p:spPr>
+          <p:style>
+            <a:lnRef idx="2">
+              <a:schemeClr val="lt1">
+                <a:hueOff val="0"/>
+                <a:satOff val="0"/>
+                <a:lumOff val="0"/>
+                <a:alphaOff val="0"/>
+              </a:schemeClr>
+            </a:lnRef>
+            <a:fillRef idx="1">
+              <a:schemeClr val="accent1">
+                <a:hueOff val="0"/>
+                <a:satOff val="0"/>
+                <a:lumOff val="0"/>
+                <a:alphaOff val="0"/>
+              </a:schemeClr>
+            </a:fillRef>
+            <a:effectRef idx="0">
+              <a:schemeClr val="accent1">
+                <a:hueOff val="0"/>
+                <a:satOff val="0"/>
+                <a:lumOff val="0"/>
+                <a:alphaOff val="0"/>
+              </a:schemeClr>
+            </a:effectRef>
+            <a:fontRef idx="minor">
+              <a:schemeClr val="lt1"/>
+            </a:fontRef>
+          </p:style>
+          <p:txBody>
+            <a:bodyPr/>
+            <a:lstStyle/>
+            <a:p>
+              <a:endParaRPr lang="en-US"/>
+            </a:p>
+          </p:txBody>
+        </p:sp>
+        <p:sp>
+          <p:nvSpPr>
+            <p:cNvPr id="18" name="TextBox 17">
+              <a:extLst>
+                <a:ext uri="{FF2B5EF4-FFF2-40B4-BE49-F238E27FC236}">
+                  <a16:creationId xmlns:a16="http://schemas.microsoft.com/office/drawing/2014/main" id="{5683AD47-7CBA-82FF-F90F-451409838518}"/>
+                </a:ext>
+              </a:extLst>
+            </p:cNvPr>
+            <p:cNvSpPr txBox="1"/>
+            <p:nvPr/>
+          </p:nvSpPr>
+          <p:spPr>
+            <a:xfrm>
+              <a:off x="1863514" y="5593054"/>
+              <a:ext cx="1057309" cy="528654"/>
+            </a:xfrm>
+            <a:prstGeom prst="rect">
+              <a:avLst/>
+            </a:prstGeom>
+          </p:spPr>
+          <p:style>
+            <a:lnRef idx="0">
+              <a:scrgbClr r="0" g="0" b="0"/>
+            </a:lnRef>
+            <a:fillRef idx="0">
+              <a:scrgbClr r="0" g="0" b="0"/>
+            </a:fillRef>
+            <a:effectRef idx="0">
+              <a:scrgbClr r="0" g="0" b="0"/>
+            </a:effectRef>
+            <a:fontRef idx="minor">
+              <a:schemeClr val="lt1"/>
+            </a:fontRef>
+          </p:style>
+          <p:txBody>
+            <a:bodyPr spcFirstLastPara="0" vert="horz" wrap="square" lIns="9525" tIns="9525" rIns="9525" bIns="9525" numCol="1" spcCol="1270" anchor="ctr" anchorCtr="0">
+              <a:noAutofit/>
+            </a:bodyPr>
+            <a:lstStyle/>
+            <a:p>
+              <a:pPr marL="0" lvl="0" indent="0" algn="ctr" defTabSz="666750">
+                <a:lnSpc>
+                  <a:spcPct val="90000"/>
+                </a:lnSpc>
+                <a:spcBef>
+                  <a:spcPct val="0"/>
+                </a:spcBef>
+                <a:spcAft>
+                  <a:spcPct val="35000"/>
+                </a:spcAft>
+                <a:buNone/>
+              </a:pPr>
+              <a:r>
+                <a:rPr lang="en-US" sz="1500" kern="1200" dirty="0"/>
+                <a:t>Necropsy</a:t>
+              </a:r>
+            </a:p>
+          </p:txBody>
+        </p:sp>
+      </p:grpSp>
+      <p:cxnSp>
+        <p:nvCxnSpPr>
+          <p:cNvPr id="31" name="Straight Connector 30">
+            <a:extLst>
+              <a:ext uri="{FF2B5EF4-FFF2-40B4-BE49-F238E27FC236}">
+                <a16:creationId xmlns:a16="http://schemas.microsoft.com/office/drawing/2014/main" id="{D8C247C8-CC78-9719-6EC0-2F5223D4CE3F}"/>
+              </a:ext>
+            </a:extLst>
+          </p:cNvPr>
+          <p:cNvCxnSpPr>
+            <a:cxnSpLocks/>
+          </p:cNvCxnSpPr>
+          <p:nvPr/>
+        </p:nvCxnSpPr>
+        <p:spPr>
+          <a:xfrm>
+            <a:off x="911100" y="5691748"/>
+            <a:ext cx="1001655" cy="0"/>
+          </a:xfrm>
+          <a:prstGeom prst="line">
+            <a:avLst/>
+          </a:prstGeom>
+        </p:spPr>
+        <p:style>
+          <a:lnRef idx="2">
+            <a:schemeClr val="accent1"/>
+          </a:lnRef>
+          <a:fillRef idx="0">
+            <a:schemeClr val="accent1"/>
+          </a:fillRef>
+          <a:effectRef idx="1">
+            <a:schemeClr val="accent1"/>
+          </a:effectRef>
+          <a:fontRef idx="minor">
+            <a:schemeClr val="tx1"/>
+          </a:fontRef>
+        </p:style>
+      </p:cxnSp>
+      <p:sp>
+        <p:nvSpPr>
+          <p:cNvPr id="35" name="TextBox 34">
+            <a:extLst>
+              <a:ext uri="{FF2B5EF4-FFF2-40B4-BE49-F238E27FC236}">
+                <a16:creationId xmlns:a16="http://schemas.microsoft.com/office/drawing/2014/main" id="{A573384B-E8D1-6271-0FA9-D4C7B0CB15B9}"/>
+              </a:ext>
+            </a:extLst>
+          </p:cNvPr>
+          <p:cNvSpPr txBox="1"/>
+          <p:nvPr/>
+        </p:nvSpPr>
+        <p:spPr>
+          <a:xfrm>
+            <a:off x="1442851" y="5464997"/>
+            <a:ext cx="469904" cy="215444"/>
+          </a:xfrm>
+          <a:prstGeom prst="rect">
+            <a:avLst/>
+          </a:prstGeom>
+          <a:noFill/>
+        </p:spPr>
+        <p:txBody>
+          <a:bodyPr wrap="square" rtlCol="0">
+            <a:spAutoFit/>
+          </a:bodyPr>
+          <a:lstStyle/>
+          <a:p>
+            <a:r>
+              <a:rPr lang="en-US" sz="800" dirty="0"/>
+              <a:t>M:1</a:t>
+            </a:r>
+          </a:p>
+        </p:txBody>
+      </p:sp>
+      <p:sp>
+        <p:nvSpPr>
+          <p:cNvPr id="46" name="TextBox 45">
+            <a:extLst>
+              <a:ext uri="{FF2B5EF4-FFF2-40B4-BE49-F238E27FC236}">
+                <a16:creationId xmlns:a16="http://schemas.microsoft.com/office/drawing/2014/main" id="{35F63618-7C56-DEDE-225E-618CC214D3B0}"/>
+              </a:ext>
+            </a:extLst>
+          </p:cNvPr>
+          <p:cNvSpPr txBox="1"/>
+          <p:nvPr/>
+        </p:nvSpPr>
+        <p:spPr>
+          <a:xfrm>
+            <a:off x="2296993" y="5939158"/>
+            <a:ext cx="469904" cy="215444"/>
+          </a:xfrm>
+          <a:prstGeom prst="rect">
+            <a:avLst/>
+          </a:prstGeom>
+          <a:noFill/>
+        </p:spPr>
+        <p:txBody>
+          <a:bodyPr wrap="square" rtlCol="0">
+            <a:spAutoFit/>
+          </a:bodyPr>
+          <a:lstStyle/>
+          <a:p>
+            <a:r>
+              <a:rPr lang="en-US" sz="800" dirty="0"/>
+              <a:t>1:M</a:t>
+            </a:r>
+          </a:p>
+        </p:txBody>
+      </p:sp>
+      <p:cxnSp>
+        <p:nvCxnSpPr>
+          <p:cNvPr id="58" name="Straight Connector 57">
+            <a:extLst>
+              <a:ext uri="{FF2B5EF4-FFF2-40B4-BE49-F238E27FC236}">
+                <a16:creationId xmlns:a16="http://schemas.microsoft.com/office/drawing/2014/main" id="{67AEDE40-8DC7-6DEC-B8B7-6F24EFAAFA7D}"/>
+              </a:ext>
+            </a:extLst>
+          </p:cNvPr>
+          <p:cNvCxnSpPr>
+            <a:cxnSpLocks/>
+          </p:cNvCxnSpPr>
+          <p:nvPr/>
+        </p:nvCxnSpPr>
+        <p:spPr>
+          <a:xfrm flipH="1">
+            <a:off x="3128534" y="5098332"/>
+            <a:ext cx="917612" cy="0"/>
+          </a:xfrm>
+          <a:prstGeom prst="line">
+            <a:avLst/>
+          </a:prstGeom>
+        </p:spPr>
+        <p:style>
+          <a:lnRef idx="2">
+            <a:schemeClr val="accent1"/>
+          </a:lnRef>
+          <a:fillRef idx="0">
+            <a:schemeClr val="accent1"/>
+          </a:fillRef>
+          <a:effectRef idx="1">
+            <a:schemeClr val="accent1"/>
+          </a:effectRef>
+          <a:fontRef idx="minor">
+            <a:schemeClr val="tx1"/>
+          </a:fontRef>
+        </p:style>
+      </p:cxnSp>
+      <p:cxnSp>
+        <p:nvCxnSpPr>
+          <p:cNvPr id="59" name="Straight Connector 58">
+            <a:extLst>
+              <a:ext uri="{FF2B5EF4-FFF2-40B4-BE49-F238E27FC236}">
+                <a16:creationId xmlns:a16="http://schemas.microsoft.com/office/drawing/2014/main" id="{410F3A40-1D16-8978-0FA1-66483A247EA3}"/>
+              </a:ext>
+            </a:extLst>
+          </p:cNvPr>
+          <p:cNvCxnSpPr>
+            <a:cxnSpLocks/>
+          </p:cNvCxnSpPr>
+          <p:nvPr/>
+        </p:nvCxnSpPr>
+        <p:spPr>
+          <a:xfrm flipV="1">
+            <a:off x="3128534" y="5083578"/>
+            <a:ext cx="0" cy="590571"/>
+          </a:xfrm>
+          <a:prstGeom prst="line">
+            <a:avLst/>
+          </a:prstGeom>
+        </p:spPr>
+        <p:style>
+          <a:lnRef idx="2">
+            <a:schemeClr val="accent1"/>
+          </a:lnRef>
+          <a:fillRef idx="0">
+            <a:schemeClr val="accent1"/>
+          </a:fillRef>
+          <a:effectRef idx="1">
+            <a:schemeClr val="accent1"/>
+          </a:effectRef>
+          <a:fontRef idx="minor">
+            <a:schemeClr val="tx1"/>
+          </a:fontRef>
+        </p:style>
+      </p:cxnSp>
+      <p:cxnSp>
+        <p:nvCxnSpPr>
+          <p:cNvPr id="62" name="Straight Connector 61">
+            <a:extLst>
+              <a:ext uri="{FF2B5EF4-FFF2-40B4-BE49-F238E27FC236}">
+                <a16:creationId xmlns:a16="http://schemas.microsoft.com/office/drawing/2014/main" id="{B6FC06AD-182B-C2CA-7474-ABEEEA217A21}"/>
+              </a:ext>
+            </a:extLst>
+          </p:cNvPr>
+          <p:cNvCxnSpPr>
+            <a:cxnSpLocks/>
+          </p:cNvCxnSpPr>
+          <p:nvPr/>
+        </p:nvCxnSpPr>
+        <p:spPr>
+          <a:xfrm flipH="1">
+            <a:off x="2324322" y="5663250"/>
+            <a:ext cx="798251" cy="10899"/>
+          </a:xfrm>
+          <a:prstGeom prst="line">
+            <a:avLst/>
+          </a:prstGeom>
+        </p:spPr>
+        <p:style>
+          <a:lnRef idx="2">
+            <a:schemeClr val="accent1"/>
+          </a:lnRef>
+          <a:fillRef idx="0">
+            <a:schemeClr val="accent1"/>
+          </a:fillRef>
+          <a:effectRef idx="1">
+            <a:schemeClr val="accent1"/>
+          </a:effectRef>
+          <a:fontRef idx="minor">
+            <a:schemeClr val="tx1"/>
+          </a:fontRef>
+        </p:style>
+      </p:cxnSp>
+      <p:grpSp>
+        <p:nvGrpSpPr>
+          <p:cNvPr id="13" name="Group 12">
+            <a:extLst>
+              <a:ext uri="{FF2B5EF4-FFF2-40B4-BE49-F238E27FC236}">
+                <a16:creationId xmlns:a16="http://schemas.microsoft.com/office/drawing/2014/main" id="{182D3C81-2491-8C9B-AD4F-3BCAFE025582}"/>
+              </a:ext>
+            </a:extLst>
+          </p:cNvPr>
+          <p:cNvGrpSpPr/>
+          <p:nvPr/>
+        </p:nvGrpSpPr>
+        <p:grpSpPr>
+          <a:xfrm>
+            <a:off x="1805804" y="5410504"/>
+            <a:ext cx="1057309" cy="528654"/>
+            <a:chOff x="355759" y="5255936"/>
+            <a:chExt cx="1057309" cy="528654"/>
+          </a:xfrm>
+        </p:grpSpPr>
+        <p:sp>
+          <p:nvSpPr>
+            <p:cNvPr id="14" name="Rectangle 13">
+              <a:extLst>
+                <a:ext uri="{FF2B5EF4-FFF2-40B4-BE49-F238E27FC236}">
+                  <a16:creationId xmlns:a16="http://schemas.microsoft.com/office/drawing/2014/main" id="{1864581C-A965-CE33-44CD-562F484193D4}"/>
+                </a:ext>
+              </a:extLst>
+            </p:cNvPr>
+            <p:cNvSpPr/>
+            <p:nvPr/>
+          </p:nvSpPr>
+          <p:spPr>
+            <a:xfrm>
+              <a:off x="355759" y="5255936"/>
+              <a:ext cx="1057309" cy="528654"/>
+            </a:xfrm>
+            <a:prstGeom prst="rect">
+              <a:avLst/>
+            </a:prstGeom>
+          </p:spPr>
+          <p:style>
+            <a:lnRef idx="2">
+              <a:schemeClr val="lt1">
+                <a:hueOff val="0"/>
+                <a:satOff val="0"/>
+                <a:lumOff val="0"/>
+                <a:alphaOff val="0"/>
+              </a:schemeClr>
+            </a:lnRef>
+            <a:fillRef idx="1">
+              <a:schemeClr val="accent1">
+                <a:hueOff val="0"/>
+                <a:satOff val="0"/>
+                <a:lumOff val="0"/>
+                <a:alphaOff val="0"/>
+              </a:schemeClr>
+            </a:fillRef>
+            <a:effectRef idx="0">
+              <a:schemeClr val="accent1">
+                <a:hueOff val="0"/>
+                <a:satOff val="0"/>
+                <a:lumOff val="0"/>
+                <a:alphaOff val="0"/>
+              </a:schemeClr>
+            </a:effectRef>
+            <a:fontRef idx="minor">
+              <a:schemeClr val="lt1"/>
+            </a:fontRef>
+          </p:style>
+          <p:txBody>
+            <a:bodyPr/>
+            <a:lstStyle/>
+            <a:p>
+              <a:endParaRPr lang="en-US"/>
+            </a:p>
+          </p:txBody>
+        </p:sp>
+        <p:sp>
+          <p:nvSpPr>
+            <p:cNvPr id="15" name="TextBox 14">
+              <a:extLst>
+                <a:ext uri="{FF2B5EF4-FFF2-40B4-BE49-F238E27FC236}">
+                  <a16:creationId xmlns:a16="http://schemas.microsoft.com/office/drawing/2014/main" id="{2214BA97-E1C0-0D26-D802-F91DBE2B342A}"/>
+                </a:ext>
+              </a:extLst>
+            </p:cNvPr>
+            <p:cNvSpPr txBox="1"/>
+            <p:nvPr/>
+          </p:nvSpPr>
+          <p:spPr>
+            <a:xfrm>
+              <a:off x="355759" y="5255936"/>
+              <a:ext cx="1057309" cy="528654"/>
+            </a:xfrm>
+            <a:prstGeom prst="rect">
+              <a:avLst/>
+            </a:prstGeom>
+          </p:spPr>
+          <p:style>
+            <a:lnRef idx="0">
+              <a:scrgbClr r="0" g="0" b="0"/>
+            </a:lnRef>
+            <a:fillRef idx="0">
+              <a:scrgbClr r="0" g="0" b="0"/>
+            </a:fillRef>
+            <a:effectRef idx="0">
+              <a:scrgbClr r="0" g="0" b="0"/>
+            </a:effectRef>
+            <a:fontRef idx="minor">
+              <a:schemeClr val="lt1"/>
+            </a:fontRef>
+          </p:style>
+          <p:txBody>
+            <a:bodyPr spcFirstLastPara="0" vert="horz" wrap="square" lIns="9525" tIns="9525" rIns="9525" bIns="9525" numCol="1" spcCol="1270" anchor="ctr" anchorCtr="0">
+              <a:noAutofit/>
+            </a:bodyPr>
+            <a:lstStyle/>
+            <a:p>
+              <a:pPr marL="0" lvl="0" indent="0" algn="ctr" defTabSz="666750">
+                <a:lnSpc>
+                  <a:spcPct val="90000"/>
+                </a:lnSpc>
+                <a:spcBef>
+                  <a:spcPct val="0"/>
+                </a:spcBef>
+                <a:spcAft>
+                  <a:spcPct val="35000"/>
+                </a:spcAft>
+                <a:buNone/>
+              </a:pPr>
+              <a:r>
+                <a:rPr lang="en-US" sz="1500" kern="1200" dirty="0"/>
+                <a:t>Carcass</a:t>
+              </a:r>
+            </a:p>
+          </p:txBody>
+        </p:sp>
+      </p:grpSp>
+      <p:sp>
+        <p:nvSpPr>
+          <p:cNvPr id="66" name="TextBox 65">
+            <a:extLst>
+              <a:ext uri="{FF2B5EF4-FFF2-40B4-BE49-F238E27FC236}">
+                <a16:creationId xmlns:a16="http://schemas.microsoft.com/office/drawing/2014/main" id="{144F67AB-A0B9-2BB2-B2D4-70910F72BC83}"/>
+              </a:ext>
+            </a:extLst>
+          </p:cNvPr>
+          <p:cNvSpPr txBox="1"/>
+          <p:nvPr/>
+        </p:nvSpPr>
+        <p:spPr>
+          <a:xfrm>
+            <a:off x="3086072" y="5379986"/>
+            <a:ext cx="579407" cy="215444"/>
+          </a:xfrm>
+          <a:prstGeom prst="rect">
+            <a:avLst/>
+          </a:prstGeom>
+          <a:noFill/>
+        </p:spPr>
+        <p:txBody>
+          <a:bodyPr wrap="square" rtlCol="0">
+            <a:spAutoFit/>
+          </a:bodyPr>
+          <a:lstStyle/>
+          <a:p>
+            <a:r>
+              <a:rPr lang="en-US" sz="800" dirty="0"/>
+              <a:t>1:1</a:t>
+            </a:r>
+          </a:p>
+        </p:txBody>
+      </p:sp>
+      <p:cxnSp>
+        <p:nvCxnSpPr>
+          <p:cNvPr id="90" name="Straight Connector 89">
+            <a:extLst>
+              <a:ext uri="{FF2B5EF4-FFF2-40B4-BE49-F238E27FC236}">
+                <a16:creationId xmlns:a16="http://schemas.microsoft.com/office/drawing/2014/main" id="{83C4FB22-1B09-A56D-8963-61A8402D0572}"/>
+              </a:ext>
+            </a:extLst>
+          </p:cNvPr>
+          <p:cNvCxnSpPr>
+            <a:cxnSpLocks/>
+            <a:stCxn id="117" idx="0"/>
+          </p:cNvCxnSpPr>
+          <p:nvPr/>
+        </p:nvCxnSpPr>
+        <p:spPr>
+          <a:xfrm flipH="1" flipV="1">
+            <a:off x="2334272" y="5837105"/>
+            <a:ext cx="187" cy="288152"/>
+          </a:xfrm>
+          <a:prstGeom prst="line">
+            <a:avLst/>
+          </a:prstGeom>
+        </p:spPr>
+        <p:style>
+          <a:lnRef idx="2">
+            <a:schemeClr val="accent1"/>
+          </a:lnRef>
+          <a:fillRef idx="0">
+            <a:schemeClr val="accent1"/>
+          </a:fillRef>
+          <a:effectRef idx="1">
+            <a:schemeClr val="accent1"/>
+          </a:effectRef>
+          <a:fontRef idx="minor">
+            <a:schemeClr val="tx1"/>
+          </a:fontRef>
+        </p:style>
+      </p:cxnSp>
+      <p:cxnSp>
+        <p:nvCxnSpPr>
+          <p:cNvPr id="97" name="Straight Connector 96">
+            <a:extLst>
+              <a:ext uri="{FF2B5EF4-FFF2-40B4-BE49-F238E27FC236}">
+                <a16:creationId xmlns:a16="http://schemas.microsoft.com/office/drawing/2014/main" id="{E0EE0B0D-D56E-6B58-41D1-C21FFCCF5DC8}"/>
+              </a:ext>
+            </a:extLst>
+          </p:cNvPr>
+          <p:cNvCxnSpPr>
+            <a:cxnSpLocks/>
+          </p:cNvCxnSpPr>
+          <p:nvPr/>
+        </p:nvCxnSpPr>
+        <p:spPr>
+          <a:xfrm flipH="1">
+            <a:off x="2759905" y="6419611"/>
+            <a:ext cx="574660" cy="0"/>
+          </a:xfrm>
+          <a:prstGeom prst="line">
+            <a:avLst/>
+          </a:prstGeom>
+        </p:spPr>
+        <p:style>
+          <a:lnRef idx="2">
+            <a:schemeClr val="accent1"/>
+          </a:lnRef>
+          <a:fillRef idx="0">
+            <a:schemeClr val="accent1"/>
+          </a:fillRef>
+          <a:effectRef idx="1">
+            <a:schemeClr val="accent1"/>
+          </a:effectRef>
+          <a:fontRef idx="minor">
+            <a:schemeClr val="tx1"/>
+          </a:fontRef>
+        </p:style>
+      </p:cxnSp>
+      <p:cxnSp>
+        <p:nvCxnSpPr>
+          <p:cNvPr id="99" name="Straight Connector 98">
+            <a:extLst>
+              <a:ext uri="{FF2B5EF4-FFF2-40B4-BE49-F238E27FC236}">
+                <a16:creationId xmlns:a16="http://schemas.microsoft.com/office/drawing/2014/main" id="{FB2FA398-E495-7473-B61D-568E3404CEA7}"/>
+              </a:ext>
+            </a:extLst>
+          </p:cNvPr>
+          <p:cNvCxnSpPr>
+            <a:cxnSpLocks/>
+          </p:cNvCxnSpPr>
+          <p:nvPr/>
+        </p:nvCxnSpPr>
+        <p:spPr>
+          <a:xfrm flipV="1">
+            <a:off x="3334565" y="5691748"/>
+            <a:ext cx="0" cy="736272"/>
+          </a:xfrm>
+          <a:prstGeom prst="line">
+            <a:avLst/>
+          </a:prstGeom>
+        </p:spPr>
+        <p:style>
+          <a:lnRef idx="2">
+            <a:schemeClr val="accent1"/>
+          </a:lnRef>
+          <a:fillRef idx="0">
+            <a:schemeClr val="accent1"/>
+          </a:fillRef>
+          <a:effectRef idx="1">
+            <a:schemeClr val="accent1"/>
+          </a:effectRef>
+          <a:fontRef idx="minor">
+            <a:schemeClr val="tx1"/>
+          </a:fontRef>
+        </p:style>
+      </p:cxnSp>
+      <p:cxnSp>
+        <p:nvCxnSpPr>
+          <p:cNvPr id="101" name="Straight Connector 100">
+            <a:extLst>
+              <a:ext uri="{FF2B5EF4-FFF2-40B4-BE49-F238E27FC236}">
+                <a16:creationId xmlns:a16="http://schemas.microsoft.com/office/drawing/2014/main" id="{0DED427A-F8E0-BFB2-63FC-1C631D1BBBDA}"/>
+              </a:ext>
+            </a:extLst>
+          </p:cNvPr>
+          <p:cNvCxnSpPr>
+            <a:cxnSpLocks/>
+          </p:cNvCxnSpPr>
+          <p:nvPr/>
+        </p:nvCxnSpPr>
+        <p:spPr>
+          <a:xfrm flipH="1" flipV="1">
+            <a:off x="3334565" y="5700743"/>
+            <a:ext cx="330914" cy="1508"/>
+          </a:xfrm>
+          <a:prstGeom prst="line">
+            <a:avLst/>
+          </a:prstGeom>
+        </p:spPr>
+        <p:style>
+          <a:lnRef idx="2">
+            <a:schemeClr val="accent1"/>
+          </a:lnRef>
+          <a:fillRef idx="0">
+            <a:schemeClr val="accent1"/>
+          </a:fillRef>
+          <a:effectRef idx="1">
+            <a:schemeClr val="accent1"/>
+          </a:effectRef>
+          <a:fontRef idx="minor">
+            <a:schemeClr val="tx1"/>
+          </a:fontRef>
+        </p:style>
+      </p:cxnSp>
+      <p:graphicFrame>
+        <p:nvGraphicFramePr>
+          <p:cNvPr id="9" name="Diagram 8">
+            <a:extLst>
+              <a:ext uri="{FF2B5EF4-FFF2-40B4-BE49-F238E27FC236}">
+                <a16:creationId xmlns:a16="http://schemas.microsoft.com/office/drawing/2014/main" id="{2F18DD03-8D72-10E9-0FC9-89D6DEF372D4}"/>
+              </a:ext>
+            </a:extLst>
+          </p:cNvPr>
+          <p:cNvGraphicFramePr/>
+          <p:nvPr>
+            <p:extLst>
+              <p:ext uri="{D42A27DB-BD31-4B8C-83A1-F6EECF244321}">
+                <p14:modId xmlns:p14="http://schemas.microsoft.com/office/powerpoint/2010/main" val="3380428550"/>
+              </p:ext>
+            </p:extLst>
+          </p:nvPr>
+        </p:nvGraphicFramePr>
+        <p:xfrm>
+          <a:off x="-169055" y="160255"/>
+          <a:ext cx="9839644" cy="6537490"/>
+        </p:xfrm>
+        <a:graphic>
+          <a:graphicData uri="http://schemas.openxmlformats.org/drawingml/2006/diagram">
+            <dgm:relIds xmlns:dgm="http://schemas.openxmlformats.org/drawingml/2006/diagram" xmlns:r="http://schemas.openxmlformats.org/officeDocument/2006/relationships" r:dm="rId2" r:lo="rId3" r:qs="rId4" r:cs="rId5"/>
+          </a:graphicData>
+        </a:graphic>
+      </p:graphicFrame>
+      <p:sp>
+        <p:nvSpPr>
+          <p:cNvPr id="106" name="TextBox 105">
+            <a:extLst>
+              <a:ext uri="{FF2B5EF4-FFF2-40B4-BE49-F238E27FC236}">
+                <a16:creationId xmlns:a16="http://schemas.microsoft.com/office/drawing/2014/main" id="{B16D40F5-DC97-76BE-F2A1-83E2BE470A60}"/>
+              </a:ext>
+            </a:extLst>
+          </p:cNvPr>
+          <p:cNvSpPr txBox="1"/>
+          <p:nvPr/>
+        </p:nvSpPr>
+        <p:spPr>
+          <a:xfrm>
+            <a:off x="2978749" y="6211606"/>
+            <a:ext cx="579407" cy="215444"/>
+          </a:xfrm>
+          <a:prstGeom prst="rect">
+            <a:avLst/>
+          </a:prstGeom>
+          <a:noFill/>
+        </p:spPr>
+        <p:txBody>
+          <a:bodyPr wrap="square" rtlCol="0">
+            <a:spAutoFit/>
+          </a:bodyPr>
+          <a:lstStyle/>
+          <a:p>
+            <a:r>
+              <a:rPr lang="en-US" sz="800" dirty="0"/>
+              <a:t>M:1</a:t>
+            </a:r>
+          </a:p>
+        </p:txBody>
+      </p:sp>
+    </p:spTree>
+    <p:extLst>
+      <p:ext uri="{BB962C8B-B14F-4D97-AF65-F5344CB8AC3E}">
+        <p14:creationId xmlns:p14="http://schemas.microsoft.com/office/powerpoint/2010/main" val="1576011338"/>
+      </p:ext>
+    </p:extLst>
+  </p:cSld>
+  <p:clrMapOvr>
+    <a:masterClrMapping/>
+  </p:clrMapOvr>
+</p:sld>
+</file>
+
+<file path=ppt/slides/slide2.xml><?xml version="1.0" encoding="utf-8"?>
+<p:sld xmlns:a="http://schemas.openxmlformats.org/drawingml/2006/main" xmlns:r="http://schemas.openxmlformats.org/officeDocument/2006/relationships" xmlns:p="http://schemas.openxmlformats.org/presentationml/2006/main">
+  <p:cSld>
+    <p:spTree>
+      <p:nvGrpSpPr>
+        <p:cNvPr id="1" name="">
+          <a:extLst>
+            <a:ext uri="{FF2B5EF4-FFF2-40B4-BE49-F238E27FC236}">
+              <a16:creationId xmlns:a16="http://schemas.microsoft.com/office/drawing/2014/main" id="{3D80E5EE-5CCB-F940-FEC0-56C26593C33E}"/>
+            </a:ext>
+          </a:extLst>
+        </p:cNvPr>
+        <p:cNvGrpSpPr/>
+        <p:nvPr/>
+      </p:nvGrpSpPr>
+      <p:grpSpPr>
+        <a:xfrm>
+          <a:off x="0" y="0"/>
+          <a:ext cx="0" cy="0"/>
+          <a:chOff x="0" y="0"/>
+          <a:chExt cx="0" cy="0"/>
+        </a:xfrm>
+      </p:grpSpPr>
+      <p:cxnSp>
+        <p:nvCxnSpPr>
+          <p:cNvPr id="11" name="Straight Connector 10">
+            <a:extLst>
+              <a:ext uri="{FF2B5EF4-FFF2-40B4-BE49-F238E27FC236}">
+                <a16:creationId xmlns:a16="http://schemas.microsoft.com/office/drawing/2014/main" id="{DAF21942-8CCF-E6A9-63D0-7C4595C2A998}"/>
+              </a:ext>
+            </a:extLst>
+          </p:cNvPr>
+          <p:cNvCxnSpPr>
+            <a:cxnSpLocks/>
+          </p:cNvCxnSpPr>
+          <p:nvPr/>
+        </p:nvCxnSpPr>
+        <p:spPr>
+          <a:xfrm flipH="1">
+            <a:off x="2532074" y="5050414"/>
+            <a:ext cx="917612" cy="0"/>
+          </a:xfrm>
+          <a:prstGeom prst="line">
+            <a:avLst/>
+          </a:prstGeom>
+        </p:spPr>
+        <p:style>
+          <a:lnRef idx="2">
+            <a:schemeClr val="accent1"/>
+          </a:lnRef>
+          <a:fillRef idx="0">
+            <a:schemeClr val="accent1"/>
+          </a:fillRef>
+          <a:effectRef idx="1">
+            <a:schemeClr val="accent1"/>
+          </a:effectRef>
+          <a:fontRef idx="minor">
+            <a:schemeClr val="tx1"/>
+          </a:fontRef>
+        </p:style>
+      </p:cxnSp>
+      <p:cxnSp>
+        <p:nvCxnSpPr>
+          <p:cNvPr id="22" name="Straight Connector 21">
+            <a:extLst>
+              <a:ext uri="{FF2B5EF4-FFF2-40B4-BE49-F238E27FC236}">
+                <a16:creationId xmlns:a16="http://schemas.microsoft.com/office/drawing/2014/main" id="{DB6E5DBF-90D3-7998-7884-24900F7A6C4E}"/>
+              </a:ext>
+            </a:extLst>
+          </p:cNvPr>
+          <p:cNvCxnSpPr>
+            <a:cxnSpLocks/>
+          </p:cNvCxnSpPr>
+          <p:nvPr/>
+        </p:nvCxnSpPr>
+        <p:spPr>
+          <a:xfrm>
+            <a:off x="4592746" y="1517559"/>
+            <a:ext cx="0" cy="1404595"/>
+          </a:xfrm>
+          <a:prstGeom prst="line">
+            <a:avLst/>
+          </a:prstGeom>
+        </p:spPr>
+        <p:style>
+          <a:lnRef idx="2">
+            <a:schemeClr val="accent1"/>
+          </a:lnRef>
+          <a:fillRef idx="0">
+            <a:schemeClr val="accent1"/>
+          </a:fillRef>
+          <a:effectRef idx="1">
+            <a:schemeClr val="accent1"/>
+          </a:effectRef>
+          <a:fontRef idx="minor">
+            <a:schemeClr val="tx1"/>
+          </a:fontRef>
+        </p:style>
+      </p:cxnSp>
+      <p:cxnSp>
+        <p:nvCxnSpPr>
+          <p:cNvPr id="24" name="Straight Connector 23">
+            <a:extLst>
+              <a:ext uri="{FF2B5EF4-FFF2-40B4-BE49-F238E27FC236}">
+                <a16:creationId xmlns:a16="http://schemas.microsoft.com/office/drawing/2014/main" id="{D120508D-2862-B655-98E8-35CE8996198E}"/>
+              </a:ext>
+            </a:extLst>
+          </p:cNvPr>
+          <p:cNvCxnSpPr>
+            <a:cxnSpLocks/>
+          </p:cNvCxnSpPr>
+          <p:nvPr/>
+        </p:nvCxnSpPr>
+        <p:spPr>
+          <a:xfrm>
+            <a:off x="4933683" y="1404439"/>
+            <a:ext cx="0" cy="2196445"/>
+          </a:xfrm>
+          <a:prstGeom prst="line">
+            <a:avLst/>
+          </a:prstGeom>
+        </p:spPr>
+        <p:style>
+          <a:lnRef idx="2">
+            <a:schemeClr val="accent1"/>
+          </a:lnRef>
+          <a:fillRef idx="0">
+            <a:schemeClr val="accent1"/>
+          </a:fillRef>
+          <a:effectRef idx="1">
+            <a:schemeClr val="accent1"/>
+          </a:effectRef>
+          <a:fontRef idx="minor">
+            <a:schemeClr val="tx1"/>
+          </a:fontRef>
+        </p:style>
+      </p:cxnSp>
+      <p:cxnSp>
+        <p:nvCxnSpPr>
+          <p:cNvPr id="26" name="Straight Connector 25">
+            <a:extLst>
+              <a:ext uri="{FF2B5EF4-FFF2-40B4-BE49-F238E27FC236}">
+                <a16:creationId xmlns:a16="http://schemas.microsoft.com/office/drawing/2014/main" id="{191F3718-19D7-EF01-9BC4-A09EE3CAC628}"/>
+              </a:ext>
+            </a:extLst>
+          </p:cNvPr>
+          <p:cNvCxnSpPr>
+            <a:cxnSpLocks/>
+          </p:cNvCxnSpPr>
+          <p:nvPr/>
+        </p:nvCxnSpPr>
+        <p:spPr>
+          <a:xfrm>
+            <a:off x="5246338" y="1347876"/>
+            <a:ext cx="0" cy="3004012"/>
+          </a:xfrm>
+          <a:prstGeom prst="line">
+            <a:avLst/>
+          </a:prstGeom>
+        </p:spPr>
+        <p:style>
+          <a:lnRef idx="2">
+            <a:schemeClr val="accent1"/>
+          </a:lnRef>
+          <a:fillRef idx="0">
+            <a:schemeClr val="accent1"/>
+          </a:fillRef>
+          <a:effectRef idx="1">
+            <a:schemeClr val="accent1"/>
+          </a:effectRef>
+          <a:fontRef idx="minor">
+            <a:schemeClr val="tx1"/>
+          </a:fontRef>
+        </p:style>
+      </p:cxnSp>
+      <p:cxnSp>
+        <p:nvCxnSpPr>
+          <p:cNvPr id="33" name="Straight Connector 32">
+            <a:extLst>
+              <a:ext uri="{FF2B5EF4-FFF2-40B4-BE49-F238E27FC236}">
+                <a16:creationId xmlns:a16="http://schemas.microsoft.com/office/drawing/2014/main" id="{C62D657B-5747-BF52-CEAD-A2B10C64CD0B}"/>
+              </a:ext>
+            </a:extLst>
+          </p:cNvPr>
+          <p:cNvCxnSpPr>
+            <a:cxnSpLocks/>
+          </p:cNvCxnSpPr>
+          <p:nvPr/>
+        </p:nvCxnSpPr>
+        <p:spPr>
+          <a:xfrm>
+            <a:off x="5580725" y="1266963"/>
+            <a:ext cx="0" cy="3863422"/>
+          </a:xfrm>
+          <a:prstGeom prst="line">
+            <a:avLst/>
+          </a:prstGeom>
+        </p:spPr>
+        <p:style>
+          <a:lnRef idx="2">
+            <a:schemeClr val="accent1"/>
+          </a:lnRef>
+          <a:fillRef idx="0">
+            <a:schemeClr val="accent1"/>
+          </a:fillRef>
+          <a:effectRef idx="1">
+            <a:schemeClr val="accent1"/>
+          </a:effectRef>
+          <a:fontRef idx="minor">
+            <a:schemeClr val="tx1"/>
+          </a:fontRef>
+        </p:style>
+      </p:cxnSp>
+      <p:cxnSp>
+        <p:nvCxnSpPr>
+          <p:cNvPr id="36" name="Straight Connector 35">
+            <a:extLst>
+              <a:ext uri="{FF2B5EF4-FFF2-40B4-BE49-F238E27FC236}">
+                <a16:creationId xmlns:a16="http://schemas.microsoft.com/office/drawing/2014/main" id="{A03BE769-BA06-AACD-CCA0-3161A3585DBF}"/>
+              </a:ext>
+            </a:extLst>
+          </p:cNvPr>
+          <p:cNvCxnSpPr/>
+          <p:nvPr/>
+        </p:nvCxnSpPr>
+        <p:spPr>
+          <a:xfrm>
+            <a:off x="4338746" y="1517559"/>
+            <a:ext cx="254000" cy="0"/>
+          </a:xfrm>
+          <a:prstGeom prst="line">
+            <a:avLst/>
+          </a:prstGeom>
+        </p:spPr>
+        <p:style>
+          <a:lnRef idx="2">
+            <a:schemeClr val="accent1"/>
+          </a:lnRef>
+          <a:fillRef idx="0">
+            <a:schemeClr val="accent1"/>
+          </a:fillRef>
+          <a:effectRef idx="1">
+            <a:schemeClr val="accent1"/>
+          </a:effectRef>
+          <a:fontRef idx="minor">
+            <a:schemeClr val="tx1"/>
+          </a:fontRef>
+        </p:style>
+      </p:cxnSp>
+      <p:cxnSp>
+        <p:nvCxnSpPr>
+          <p:cNvPr id="37" name="Straight Connector 36">
+            <a:extLst>
+              <a:ext uri="{FF2B5EF4-FFF2-40B4-BE49-F238E27FC236}">
+                <a16:creationId xmlns:a16="http://schemas.microsoft.com/office/drawing/2014/main" id="{8BB0EC79-CD4F-5011-55F8-8D96BFAD004D}"/>
+              </a:ext>
+            </a:extLst>
+          </p:cNvPr>
+          <p:cNvCxnSpPr>
+            <a:cxnSpLocks/>
+          </p:cNvCxnSpPr>
+          <p:nvPr/>
+        </p:nvCxnSpPr>
+        <p:spPr>
+          <a:xfrm>
+            <a:off x="4338746" y="1428008"/>
+            <a:ext cx="582632" cy="0"/>
+          </a:xfrm>
+          <a:prstGeom prst="line">
+            <a:avLst/>
+          </a:prstGeom>
+        </p:spPr>
+        <p:style>
+          <a:lnRef idx="2">
+            <a:schemeClr val="accent1"/>
+          </a:lnRef>
+          <a:fillRef idx="0">
+            <a:schemeClr val="accent1"/>
+          </a:fillRef>
+          <a:effectRef idx="1">
+            <a:schemeClr val="accent1"/>
+          </a:effectRef>
+          <a:fontRef idx="minor">
+            <a:schemeClr val="tx1"/>
+          </a:fontRef>
+        </p:style>
+      </p:cxnSp>
+      <p:cxnSp>
+        <p:nvCxnSpPr>
+          <p:cNvPr id="39" name="Straight Connector 38">
+            <a:extLst>
+              <a:ext uri="{FF2B5EF4-FFF2-40B4-BE49-F238E27FC236}">
+                <a16:creationId xmlns:a16="http://schemas.microsoft.com/office/drawing/2014/main" id="{62DCDE3E-ACFD-6AEC-3D06-1ED38185BED7}"/>
+              </a:ext>
+            </a:extLst>
+          </p:cNvPr>
+          <p:cNvCxnSpPr>
+            <a:cxnSpLocks/>
+          </p:cNvCxnSpPr>
+          <p:nvPr/>
+        </p:nvCxnSpPr>
+        <p:spPr>
+          <a:xfrm>
+            <a:off x="4341101" y="1347876"/>
+            <a:ext cx="895287" cy="0"/>
+          </a:xfrm>
+          <a:prstGeom prst="line">
+            <a:avLst/>
+          </a:prstGeom>
+        </p:spPr>
+        <p:style>
+          <a:lnRef idx="2">
+            <a:schemeClr val="accent1"/>
+          </a:lnRef>
+          <a:fillRef idx="0">
+            <a:schemeClr val="accent1"/>
+          </a:fillRef>
+          <a:effectRef idx="1">
+            <a:schemeClr val="accent1"/>
+          </a:effectRef>
+          <a:fontRef idx="minor">
+            <a:schemeClr val="tx1"/>
+          </a:fontRef>
+        </p:style>
+      </p:cxnSp>
+      <p:cxnSp>
+        <p:nvCxnSpPr>
+          <p:cNvPr id="43" name="Straight Connector 42">
+            <a:extLst>
+              <a:ext uri="{FF2B5EF4-FFF2-40B4-BE49-F238E27FC236}">
+                <a16:creationId xmlns:a16="http://schemas.microsoft.com/office/drawing/2014/main" id="{F1DE0393-0F5F-0776-839C-B54B3FDD1BE0}"/>
+              </a:ext>
+            </a:extLst>
+          </p:cNvPr>
+          <p:cNvCxnSpPr>
+            <a:cxnSpLocks/>
+          </p:cNvCxnSpPr>
+          <p:nvPr/>
+        </p:nvCxnSpPr>
+        <p:spPr>
+          <a:xfrm flipV="1">
+            <a:off x="4338746" y="1266963"/>
+            <a:ext cx="1229674" cy="1571"/>
+          </a:xfrm>
+          <a:prstGeom prst="line">
+            <a:avLst/>
+          </a:prstGeom>
+        </p:spPr>
+        <p:style>
+          <a:lnRef idx="2">
+            <a:schemeClr val="accent1"/>
+          </a:lnRef>
+          <a:fillRef idx="0">
+            <a:schemeClr val="accent1"/>
+          </a:fillRef>
+          <a:effectRef idx="1">
+            <a:schemeClr val="accent1"/>
+          </a:effectRef>
+          <a:fontRef idx="minor">
+            <a:schemeClr val="tx1"/>
+          </a:fontRef>
+        </p:style>
+      </p:cxnSp>
+      <p:cxnSp>
+        <p:nvCxnSpPr>
+          <p:cNvPr id="48" name="Straight Connector 47">
+            <a:extLst>
+              <a:ext uri="{FF2B5EF4-FFF2-40B4-BE49-F238E27FC236}">
+                <a16:creationId xmlns:a16="http://schemas.microsoft.com/office/drawing/2014/main" id="{0FE9AC38-2D21-A705-0F2E-EC71B1607AE3}"/>
+              </a:ext>
+            </a:extLst>
+          </p:cNvPr>
+          <p:cNvCxnSpPr/>
+          <p:nvPr/>
+        </p:nvCxnSpPr>
+        <p:spPr>
+          <a:xfrm>
+            <a:off x="4351051" y="2923104"/>
+            <a:ext cx="254000" cy="0"/>
+          </a:xfrm>
+          <a:prstGeom prst="line">
+            <a:avLst/>
+          </a:prstGeom>
+        </p:spPr>
+        <p:style>
+          <a:lnRef idx="2">
+            <a:schemeClr val="accent1"/>
+          </a:lnRef>
+          <a:fillRef idx="0">
+            <a:schemeClr val="accent1"/>
+          </a:fillRef>
+          <a:effectRef idx="1">
+            <a:schemeClr val="accent1"/>
+          </a:effectRef>
+          <a:fontRef idx="minor">
+            <a:schemeClr val="tx1"/>
+          </a:fontRef>
+        </p:style>
+      </p:cxnSp>
+      <p:cxnSp>
+        <p:nvCxnSpPr>
+          <p:cNvPr id="49" name="Straight Connector 48">
+            <a:extLst>
+              <a:ext uri="{FF2B5EF4-FFF2-40B4-BE49-F238E27FC236}">
+                <a16:creationId xmlns:a16="http://schemas.microsoft.com/office/drawing/2014/main" id="{A0313F01-746B-1C72-85E7-9BEE8C5D1A2E}"/>
+              </a:ext>
+            </a:extLst>
+          </p:cNvPr>
+          <p:cNvCxnSpPr>
+            <a:cxnSpLocks/>
+          </p:cNvCxnSpPr>
+          <p:nvPr/>
+        </p:nvCxnSpPr>
+        <p:spPr>
+          <a:xfrm>
+            <a:off x="4338746" y="3600884"/>
+            <a:ext cx="582632" cy="0"/>
+          </a:xfrm>
+          <a:prstGeom prst="line">
+            <a:avLst/>
+          </a:prstGeom>
+        </p:spPr>
+        <p:style>
+          <a:lnRef idx="2">
+            <a:schemeClr val="accent1"/>
+          </a:lnRef>
+          <a:fillRef idx="0">
+            <a:schemeClr val="accent1"/>
+          </a:fillRef>
+          <a:effectRef idx="1">
+            <a:schemeClr val="accent1"/>
+          </a:effectRef>
+          <a:fontRef idx="minor">
+            <a:schemeClr val="tx1"/>
+          </a:fontRef>
+        </p:style>
+      </p:cxnSp>
+      <p:cxnSp>
+        <p:nvCxnSpPr>
+          <p:cNvPr id="50" name="Straight Connector 49">
+            <a:extLst>
+              <a:ext uri="{FF2B5EF4-FFF2-40B4-BE49-F238E27FC236}">
+                <a16:creationId xmlns:a16="http://schemas.microsoft.com/office/drawing/2014/main" id="{96C98B5E-ECB9-6BD0-3E06-F89BA9B077DF}"/>
+              </a:ext>
+            </a:extLst>
+          </p:cNvPr>
+          <p:cNvCxnSpPr>
+            <a:cxnSpLocks/>
+          </p:cNvCxnSpPr>
+          <p:nvPr/>
+        </p:nvCxnSpPr>
+        <p:spPr>
+          <a:xfrm>
+            <a:off x="4338746" y="4351888"/>
+            <a:ext cx="895287" cy="0"/>
+          </a:xfrm>
+          <a:prstGeom prst="line">
+            <a:avLst/>
+          </a:prstGeom>
+        </p:spPr>
+        <p:style>
+          <a:lnRef idx="2">
+            <a:schemeClr val="accent1"/>
+          </a:lnRef>
+          <a:fillRef idx="0">
+            <a:schemeClr val="accent1"/>
+          </a:fillRef>
+          <a:effectRef idx="1">
+            <a:schemeClr val="accent1"/>
+          </a:effectRef>
+          <a:fontRef idx="minor">
+            <a:schemeClr val="tx1"/>
+          </a:fontRef>
+        </p:style>
+      </p:cxnSp>
+      <p:cxnSp>
+        <p:nvCxnSpPr>
+          <p:cNvPr id="54" name="Straight Connector 53">
+            <a:extLst>
+              <a:ext uri="{FF2B5EF4-FFF2-40B4-BE49-F238E27FC236}">
+                <a16:creationId xmlns:a16="http://schemas.microsoft.com/office/drawing/2014/main" id="{228CA51B-ABD0-01AB-EA71-09FA29D9819E}"/>
+              </a:ext>
+            </a:extLst>
+          </p:cNvPr>
+          <p:cNvCxnSpPr>
+            <a:cxnSpLocks/>
+          </p:cNvCxnSpPr>
+          <p:nvPr/>
+        </p:nvCxnSpPr>
+        <p:spPr>
+          <a:xfrm flipV="1">
+            <a:off x="4351051" y="5130385"/>
+            <a:ext cx="1229674" cy="1571"/>
+          </a:xfrm>
+          <a:prstGeom prst="line">
+            <a:avLst/>
+          </a:prstGeom>
+        </p:spPr>
+        <p:style>
+          <a:lnRef idx="2">
+            <a:schemeClr val="accent1"/>
+          </a:lnRef>
+          <a:fillRef idx="0">
+            <a:schemeClr val="accent1"/>
+          </a:fillRef>
+          <a:effectRef idx="1">
+            <a:schemeClr val="accent1"/>
+          </a:effectRef>
+          <a:fontRef idx="minor">
+            <a:schemeClr val="tx1"/>
+          </a:fontRef>
+        </p:style>
+      </p:cxnSp>
+      <p:cxnSp>
+        <p:nvCxnSpPr>
+          <p:cNvPr id="56" name="Straight Connector 55">
+            <a:extLst>
+              <a:ext uri="{FF2B5EF4-FFF2-40B4-BE49-F238E27FC236}">
+                <a16:creationId xmlns:a16="http://schemas.microsoft.com/office/drawing/2014/main" id="{6ADA4B7C-8E91-BF81-4CFF-87EF93EE99D4}"/>
+              </a:ext>
+            </a:extLst>
+          </p:cNvPr>
+          <p:cNvCxnSpPr>
+            <a:cxnSpLocks/>
+          </p:cNvCxnSpPr>
+          <p:nvPr/>
+        </p:nvCxnSpPr>
+        <p:spPr>
+          <a:xfrm>
+            <a:off x="2061556" y="1354317"/>
+            <a:ext cx="0" cy="3479693"/>
+          </a:xfrm>
+          <a:prstGeom prst="line">
+            <a:avLst/>
+          </a:prstGeom>
+        </p:spPr>
+        <p:style>
+          <a:lnRef idx="2">
+            <a:schemeClr val="accent1"/>
+          </a:lnRef>
+          <a:fillRef idx="0">
+            <a:schemeClr val="accent1"/>
+          </a:fillRef>
+          <a:effectRef idx="1">
+            <a:schemeClr val="accent1"/>
+          </a:effectRef>
+          <a:fontRef idx="minor">
+            <a:schemeClr val="tx1"/>
+          </a:fontRef>
+        </p:style>
+      </p:cxnSp>
+      <p:cxnSp>
+        <p:nvCxnSpPr>
+          <p:cNvPr id="57" name="Straight Connector 56">
+            <a:extLst>
+              <a:ext uri="{FF2B5EF4-FFF2-40B4-BE49-F238E27FC236}">
+                <a16:creationId xmlns:a16="http://schemas.microsoft.com/office/drawing/2014/main" id="{1034ABD9-A94E-61D6-A448-8303007B8C9D}"/>
+              </a:ext>
+            </a:extLst>
+          </p:cNvPr>
+          <p:cNvCxnSpPr>
+            <a:cxnSpLocks/>
+          </p:cNvCxnSpPr>
+          <p:nvPr/>
+        </p:nvCxnSpPr>
+        <p:spPr>
+          <a:xfrm flipV="1">
+            <a:off x="2051606" y="1352746"/>
+            <a:ext cx="1398080" cy="1571"/>
+          </a:xfrm>
+          <a:prstGeom prst="line">
+            <a:avLst/>
+          </a:prstGeom>
+        </p:spPr>
+        <p:style>
+          <a:lnRef idx="2">
+            <a:schemeClr val="accent1"/>
+          </a:lnRef>
+          <a:fillRef idx="0">
+            <a:schemeClr val="accent1"/>
+          </a:fillRef>
+          <a:effectRef idx="1">
+            <a:schemeClr val="accent1"/>
+          </a:effectRef>
+          <a:fontRef idx="minor">
+            <a:schemeClr val="tx1"/>
+          </a:fontRef>
+        </p:style>
+      </p:cxnSp>
+      <p:cxnSp>
+        <p:nvCxnSpPr>
+          <p:cNvPr id="64" name="Straight Connector 63">
+            <a:extLst>
+              <a:ext uri="{FF2B5EF4-FFF2-40B4-BE49-F238E27FC236}">
+                <a16:creationId xmlns:a16="http://schemas.microsoft.com/office/drawing/2014/main" id="{5BBAEBA2-BDCA-E156-DCDB-1FEB950CFFC1}"/>
+              </a:ext>
+            </a:extLst>
+          </p:cNvPr>
+          <p:cNvCxnSpPr>
+            <a:cxnSpLocks/>
+          </p:cNvCxnSpPr>
+          <p:nvPr/>
+        </p:nvCxnSpPr>
+        <p:spPr>
+          <a:xfrm>
+            <a:off x="5927105" y="1186441"/>
+            <a:ext cx="0" cy="4659592"/>
+          </a:xfrm>
+          <a:prstGeom prst="line">
+            <a:avLst/>
+          </a:prstGeom>
+        </p:spPr>
+        <p:style>
+          <a:lnRef idx="2">
+            <a:schemeClr val="accent1"/>
+          </a:lnRef>
+          <a:fillRef idx="0">
+            <a:schemeClr val="accent1"/>
+          </a:fillRef>
+          <a:effectRef idx="1">
+            <a:schemeClr val="accent1"/>
+          </a:effectRef>
+          <a:fontRef idx="minor">
+            <a:schemeClr val="tx1"/>
+          </a:fontRef>
+        </p:style>
+      </p:cxnSp>
+      <p:cxnSp>
+        <p:nvCxnSpPr>
+          <p:cNvPr id="68" name="Straight Connector 67">
+            <a:extLst>
+              <a:ext uri="{FF2B5EF4-FFF2-40B4-BE49-F238E27FC236}">
+                <a16:creationId xmlns:a16="http://schemas.microsoft.com/office/drawing/2014/main" id="{35AA5131-3891-6D08-2607-388E7D59E71D}"/>
+              </a:ext>
+            </a:extLst>
+          </p:cNvPr>
+          <p:cNvCxnSpPr>
+            <a:cxnSpLocks/>
+          </p:cNvCxnSpPr>
+          <p:nvPr/>
+        </p:nvCxnSpPr>
+        <p:spPr>
+          <a:xfrm>
+            <a:off x="4338746" y="1186441"/>
+            <a:ext cx="1585588" cy="0"/>
+          </a:xfrm>
+          <a:prstGeom prst="line">
+            <a:avLst/>
+          </a:prstGeom>
+        </p:spPr>
+        <p:style>
+          <a:lnRef idx="2">
+            <a:schemeClr val="accent1"/>
+          </a:lnRef>
+          <a:fillRef idx="0">
+            <a:schemeClr val="accent1"/>
+          </a:fillRef>
+          <a:effectRef idx="1">
+            <a:schemeClr val="accent1"/>
+          </a:effectRef>
+          <a:fontRef idx="minor">
+            <a:schemeClr val="tx1"/>
+          </a:fontRef>
+        </p:style>
+      </p:cxnSp>
+      <p:cxnSp>
+        <p:nvCxnSpPr>
+          <p:cNvPr id="72" name="Straight Connector 71">
+            <a:extLst>
+              <a:ext uri="{FF2B5EF4-FFF2-40B4-BE49-F238E27FC236}">
+                <a16:creationId xmlns:a16="http://schemas.microsoft.com/office/drawing/2014/main" id="{D3AF0A0D-2230-EC04-F6CE-092F238496AA}"/>
+              </a:ext>
+            </a:extLst>
+          </p:cNvPr>
+          <p:cNvCxnSpPr>
+            <a:cxnSpLocks/>
+          </p:cNvCxnSpPr>
+          <p:nvPr/>
+        </p:nvCxnSpPr>
+        <p:spPr>
+          <a:xfrm>
+            <a:off x="4351051" y="5852325"/>
+            <a:ext cx="1573283" cy="0"/>
+          </a:xfrm>
+          <a:prstGeom prst="line">
+            <a:avLst/>
+          </a:prstGeom>
+        </p:spPr>
+        <p:style>
+          <a:lnRef idx="2">
+            <a:schemeClr val="accent1"/>
+          </a:lnRef>
+          <a:fillRef idx="0">
+            <a:schemeClr val="accent1"/>
+          </a:fillRef>
+          <a:effectRef idx="1">
+            <a:schemeClr val="accent1"/>
+          </a:effectRef>
+          <a:fontRef idx="minor">
+            <a:schemeClr val="tx1"/>
+          </a:fontRef>
+        </p:style>
+      </p:cxnSp>
+      <p:sp>
+        <p:nvSpPr>
+          <p:cNvPr id="75" name="TextBox 74">
+            <a:extLst>
+              <a:ext uri="{FF2B5EF4-FFF2-40B4-BE49-F238E27FC236}">
+                <a16:creationId xmlns:a16="http://schemas.microsoft.com/office/drawing/2014/main" id="{33956584-5ECA-BCA9-CF57-692AF2F7ACDD}"/>
+              </a:ext>
+            </a:extLst>
+          </p:cNvPr>
+          <p:cNvSpPr txBox="1"/>
+          <p:nvPr/>
+        </p:nvSpPr>
+        <p:spPr>
+          <a:xfrm>
+            <a:off x="3997045" y="847961"/>
+            <a:ext cx="579407" cy="246221"/>
+          </a:xfrm>
+          <a:prstGeom prst="rect">
+            <a:avLst/>
+          </a:prstGeom>
+          <a:noFill/>
+        </p:spPr>
+        <p:txBody>
+          <a:bodyPr wrap="square" rtlCol="0">
+            <a:spAutoFit/>
+          </a:bodyPr>
+          <a:lstStyle/>
+          <a:p>
+            <a:r>
+              <a:rPr lang="en-US" sz="1000" dirty="0"/>
+              <a:t>1:M</a:t>
+            </a:r>
+          </a:p>
+        </p:txBody>
+      </p:sp>
+      <p:sp>
+        <p:nvSpPr>
+          <p:cNvPr id="77" name="TextBox 76">
+            <a:extLst>
+              <a:ext uri="{FF2B5EF4-FFF2-40B4-BE49-F238E27FC236}">
+                <a16:creationId xmlns:a16="http://schemas.microsoft.com/office/drawing/2014/main" id="{5D7EE2F5-8DB6-CA0D-7C94-C28E8512BD1B}"/>
+              </a:ext>
+            </a:extLst>
+          </p:cNvPr>
+          <p:cNvSpPr txBox="1"/>
+          <p:nvPr/>
+        </p:nvSpPr>
+        <p:spPr>
+          <a:xfrm>
+            <a:off x="5544935" y="4464967"/>
+            <a:ext cx="579407" cy="215444"/>
+          </a:xfrm>
+          <a:prstGeom prst="rect">
+            <a:avLst/>
+          </a:prstGeom>
+          <a:noFill/>
+        </p:spPr>
+        <p:txBody>
+          <a:bodyPr wrap="square" rtlCol="0">
+            <a:spAutoFit/>
+          </a:bodyPr>
+          <a:lstStyle/>
+          <a:p>
+            <a:r>
+              <a:rPr lang="en-US" sz="800" dirty="0"/>
+              <a:t>M:M</a:t>
+            </a:r>
+          </a:p>
+        </p:txBody>
+      </p:sp>
+      <p:sp>
+        <p:nvSpPr>
+          <p:cNvPr id="78" name="TextBox 77">
+            <a:extLst>
+              <a:ext uri="{FF2B5EF4-FFF2-40B4-BE49-F238E27FC236}">
+                <a16:creationId xmlns:a16="http://schemas.microsoft.com/office/drawing/2014/main" id="{7250EBD5-09DD-7A60-3581-2CC2E54998ED}"/>
+              </a:ext>
+            </a:extLst>
+          </p:cNvPr>
+          <p:cNvSpPr txBox="1"/>
+          <p:nvPr/>
+        </p:nvSpPr>
+        <p:spPr>
+          <a:xfrm>
+            <a:off x="5894059" y="4947249"/>
+            <a:ext cx="579407" cy="215444"/>
+          </a:xfrm>
+          <a:prstGeom prst="rect">
+            <a:avLst/>
+          </a:prstGeom>
+          <a:noFill/>
+        </p:spPr>
+        <p:txBody>
+          <a:bodyPr wrap="square" rtlCol="0">
+            <a:spAutoFit/>
+          </a:bodyPr>
+          <a:lstStyle/>
+          <a:p>
+            <a:r>
+              <a:rPr lang="en-US" sz="800" dirty="0"/>
+              <a:t>M:M</a:t>
+            </a:r>
+          </a:p>
+        </p:txBody>
+      </p:sp>
+      <p:sp>
+        <p:nvSpPr>
+          <p:cNvPr id="79" name="TextBox 78">
+            <a:extLst>
+              <a:ext uri="{FF2B5EF4-FFF2-40B4-BE49-F238E27FC236}">
+                <a16:creationId xmlns:a16="http://schemas.microsoft.com/office/drawing/2014/main" id="{11E36799-D0E7-1B3C-F3CD-7E5F9F8E9A1B}"/>
+              </a:ext>
+            </a:extLst>
+          </p:cNvPr>
+          <p:cNvSpPr txBox="1"/>
+          <p:nvPr/>
+        </p:nvSpPr>
+        <p:spPr>
+          <a:xfrm>
+            <a:off x="5234033" y="3891699"/>
+            <a:ext cx="579407" cy="215444"/>
+          </a:xfrm>
+          <a:prstGeom prst="rect">
+            <a:avLst/>
+          </a:prstGeom>
+          <a:noFill/>
+        </p:spPr>
+        <p:txBody>
+          <a:bodyPr wrap="square" rtlCol="0">
+            <a:spAutoFit/>
+          </a:bodyPr>
+          <a:lstStyle/>
+          <a:p>
+            <a:r>
+              <a:rPr lang="en-US" sz="800" dirty="0"/>
+              <a:t>M:M</a:t>
+            </a:r>
+          </a:p>
+        </p:txBody>
+      </p:sp>
+      <p:sp>
+        <p:nvSpPr>
+          <p:cNvPr id="80" name="TextBox 79">
+            <a:extLst>
+              <a:ext uri="{FF2B5EF4-FFF2-40B4-BE49-F238E27FC236}">
+                <a16:creationId xmlns:a16="http://schemas.microsoft.com/office/drawing/2014/main" id="{00EE4DDA-7A53-D18D-0C68-DA0321A0A46C}"/>
+              </a:ext>
+            </a:extLst>
+          </p:cNvPr>
+          <p:cNvSpPr txBox="1"/>
+          <p:nvPr/>
+        </p:nvSpPr>
+        <p:spPr>
+          <a:xfrm>
+            <a:off x="4918760" y="3220455"/>
+            <a:ext cx="579407" cy="215444"/>
+          </a:xfrm>
+          <a:prstGeom prst="rect">
+            <a:avLst/>
+          </a:prstGeom>
+          <a:noFill/>
+        </p:spPr>
+        <p:txBody>
+          <a:bodyPr wrap="square" rtlCol="0">
+            <a:spAutoFit/>
+          </a:bodyPr>
+          <a:lstStyle/>
+          <a:p>
+            <a:r>
+              <a:rPr lang="en-US" sz="800" dirty="0"/>
+              <a:t>M:M</a:t>
+            </a:r>
+          </a:p>
+        </p:txBody>
+      </p:sp>
+      <p:sp>
+        <p:nvSpPr>
+          <p:cNvPr id="81" name="TextBox 80">
+            <a:extLst>
+              <a:ext uri="{FF2B5EF4-FFF2-40B4-BE49-F238E27FC236}">
+                <a16:creationId xmlns:a16="http://schemas.microsoft.com/office/drawing/2014/main" id="{EF5FC2A2-7EA6-59E5-DDB4-E43CF3DB458C}"/>
+              </a:ext>
+            </a:extLst>
+          </p:cNvPr>
+          <p:cNvSpPr txBox="1"/>
+          <p:nvPr/>
+        </p:nvSpPr>
+        <p:spPr>
+          <a:xfrm>
+            <a:off x="4572701" y="2570885"/>
+            <a:ext cx="579407" cy="215444"/>
+          </a:xfrm>
+          <a:prstGeom prst="rect">
+            <a:avLst/>
+          </a:prstGeom>
+          <a:noFill/>
+        </p:spPr>
+        <p:txBody>
+          <a:bodyPr wrap="square" rtlCol="0">
+            <a:spAutoFit/>
+          </a:bodyPr>
+          <a:lstStyle/>
+          <a:p>
+            <a:r>
+              <a:rPr lang="en-US" sz="800" dirty="0"/>
+              <a:t>M:M</a:t>
+            </a:r>
+          </a:p>
+        </p:txBody>
+      </p:sp>
+      <p:sp>
+        <p:nvSpPr>
+          <p:cNvPr id="85" name="TextBox 84">
+            <a:extLst>
+              <a:ext uri="{FF2B5EF4-FFF2-40B4-BE49-F238E27FC236}">
+                <a16:creationId xmlns:a16="http://schemas.microsoft.com/office/drawing/2014/main" id="{5212037A-839E-846F-1241-39108F425FD7}"/>
+              </a:ext>
+            </a:extLst>
+          </p:cNvPr>
+          <p:cNvSpPr txBox="1"/>
+          <p:nvPr/>
+        </p:nvSpPr>
+        <p:spPr>
+          <a:xfrm>
+            <a:off x="3927663" y="1621633"/>
+            <a:ext cx="579407" cy="215444"/>
+          </a:xfrm>
+          <a:prstGeom prst="rect">
+            <a:avLst/>
+          </a:prstGeom>
+          <a:noFill/>
+        </p:spPr>
+        <p:txBody>
+          <a:bodyPr wrap="square" rtlCol="0">
+            <a:spAutoFit/>
+          </a:bodyPr>
+          <a:lstStyle/>
+          <a:p>
+            <a:r>
+              <a:rPr lang="en-US" sz="800" dirty="0"/>
+              <a:t>M:M</a:t>
+            </a:r>
+          </a:p>
+        </p:txBody>
+      </p:sp>
+      <p:sp>
+        <p:nvSpPr>
+          <p:cNvPr id="86" name="TextBox 85">
+            <a:extLst>
+              <a:ext uri="{FF2B5EF4-FFF2-40B4-BE49-F238E27FC236}">
+                <a16:creationId xmlns:a16="http://schemas.microsoft.com/office/drawing/2014/main" id="{1E5D5C72-4E3C-5A97-6CC7-3E52CED1A22B}"/>
+              </a:ext>
+            </a:extLst>
+          </p:cNvPr>
+          <p:cNvSpPr txBox="1"/>
+          <p:nvPr/>
+        </p:nvSpPr>
+        <p:spPr>
+          <a:xfrm>
+            <a:off x="3946468" y="2347862"/>
+            <a:ext cx="579407" cy="215444"/>
+          </a:xfrm>
+          <a:prstGeom prst="rect">
+            <a:avLst/>
+          </a:prstGeom>
+          <a:noFill/>
+        </p:spPr>
+        <p:txBody>
+          <a:bodyPr wrap="square" rtlCol="0">
+            <a:spAutoFit/>
+          </a:bodyPr>
+          <a:lstStyle/>
+          <a:p>
+            <a:r>
+              <a:rPr lang="en-US" sz="800" dirty="0"/>
+              <a:t>1:M</a:t>
+            </a:r>
+          </a:p>
+        </p:txBody>
+      </p:sp>
+      <p:sp>
+        <p:nvSpPr>
+          <p:cNvPr id="87" name="TextBox 86">
+            <a:extLst>
+              <a:ext uri="{FF2B5EF4-FFF2-40B4-BE49-F238E27FC236}">
+                <a16:creationId xmlns:a16="http://schemas.microsoft.com/office/drawing/2014/main" id="{B35E0267-9CF5-700C-75FB-EFBB40A31984}"/>
+              </a:ext>
+            </a:extLst>
+          </p:cNvPr>
+          <p:cNvSpPr txBox="1"/>
+          <p:nvPr/>
+        </p:nvSpPr>
+        <p:spPr>
+          <a:xfrm>
+            <a:off x="3946468" y="3098865"/>
+            <a:ext cx="579407" cy="215444"/>
+          </a:xfrm>
+          <a:prstGeom prst="rect">
+            <a:avLst/>
+          </a:prstGeom>
+          <a:noFill/>
+        </p:spPr>
+        <p:txBody>
+          <a:bodyPr wrap="square" rtlCol="0">
+            <a:spAutoFit/>
+          </a:bodyPr>
+          <a:lstStyle/>
+          <a:p>
+            <a:r>
+              <a:rPr lang="en-US" sz="800" dirty="0"/>
+              <a:t>1:M</a:t>
+            </a:r>
+          </a:p>
+        </p:txBody>
+      </p:sp>
+      <p:sp>
+        <p:nvSpPr>
+          <p:cNvPr id="88" name="TextBox 87">
+            <a:extLst>
+              <a:ext uri="{FF2B5EF4-FFF2-40B4-BE49-F238E27FC236}">
+                <a16:creationId xmlns:a16="http://schemas.microsoft.com/office/drawing/2014/main" id="{8CCC4640-D399-0051-CBF3-02414E1DD03E}"/>
+              </a:ext>
+            </a:extLst>
+          </p:cNvPr>
+          <p:cNvSpPr txBox="1"/>
+          <p:nvPr/>
+        </p:nvSpPr>
+        <p:spPr>
+          <a:xfrm>
+            <a:off x="3950014" y="3875706"/>
+            <a:ext cx="579407" cy="215444"/>
+          </a:xfrm>
+          <a:prstGeom prst="rect">
+            <a:avLst/>
+          </a:prstGeom>
+          <a:noFill/>
+        </p:spPr>
+        <p:txBody>
+          <a:bodyPr wrap="square" rtlCol="0">
+            <a:spAutoFit/>
+          </a:bodyPr>
+          <a:lstStyle/>
+          <a:p>
+            <a:r>
+              <a:rPr lang="en-US" sz="800" dirty="0"/>
+              <a:t>1:M</a:t>
+            </a:r>
+          </a:p>
+        </p:txBody>
+      </p:sp>
+      <p:sp>
+        <p:nvSpPr>
+          <p:cNvPr id="89" name="TextBox 88">
+            <a:extLst>
+              <a:ext uri="{FF2B5EF4-FFF2-40B4-BE49-F238E27FC236}">
+                <a16:creationId xmlns:a16="http://schemas.microsoft.com/office/drawing/2014/main" id="{DAB68824-22B9-B0BA-F23C-530F2B28E41A}"/>
+              </a:ext>
+            </a:extLst>
+          </p:cNvPr>
+          <p:cNvSpPr txBox="1"/>
+          <p:nvPr/>
+        </p:nvSpPr>
+        <p:spPr>
+          <a:xfrm>
+            <a:off x="3946467" y="5371429"/>
+            <a:ext cx="579407" cy="215444"/>
+          </a:xfrm>
+          <a:prstGeom prst="rect">
+            <a:avLst/>
+          </a:prstGeom>
+          <a:noFill/>
+        </p:spPr>
+        <p:txBody>
+          <a:bodyPr wrap="square" rtlCol="0">
+            <a:spAutoFit/>
+          </a:bodyPr>
+          <a:lstStyle/>
+          <a:p>
+            <a:r>
+              <a:rPr lang="en-US" sz="800" dirty="0"/>
+              <a:t>M:M</a:t>
+            </a:r>
+          </a:p>
+        </p:txBody>
+      </p:sp>
+      <p:sp>
+        <p:nvSpPr>
+          <p:cNvPr id="91" name="TextBox 90">
+            <a:extLst>
+              <a:ext uri="{FF2B5EF4-FFF2-40B4-BE49-F238E27FC236}">
+                <a16:creationId xmlns:a16="http://schemas.microsoft.com/office/drawing/2014/main" id="{865857D4-A86D-DB2F-D60C-C34CC9ABBC62}"/>
+              </a:ext>
+            </a:extLst>
+          </p:cNvPr>
+          <p:cNvSpPr txBox="1"/>
+          <p:nvPr/>
+        </p:nvSpPr>
+        <p:spPr>
+          <a:xfrm>
+            <a:off x="3977663" y="4618566"/>
+            <a:ext cx="579407" cy="215444"/>
+          </a:xfrm>
+          <a:prstGeom prst="rect">
+            <a:avLst/>
+          </a:prstGeom>
+          <a:noFill/>
+        </p:spPr>
+        <p:txBody>
+          <a:bodyPr wrap="square" rtlCol="0">
+            <a:spAutoFit/>
+          </a:bodyPr>
+          <a:lstStyle/>
+          <a:p>
+            <a:r>
+              <a:rPr lang="en-US" sz="800" dirty="0"/>
+              <a:t>1:1</a:t>
+            </a:r>
+          </a:p>
+        </p:txBody>
+      </p:sp>
+      <p:sp>
+        <p:nvSpPr>
+          <p:cNvPr id="92" name="TextBox 91">
+            <a:extLst>
+              <a:ext uri="{FF2B5EF4-FFF2-40B4-BE49-F238E27FC236}">
+                <a16:creationId xmlns:a16="http://schemas.microsoft.com/office/drawing/2014/main" id="{CB50D972-55EB-3253-02C0-B1C575BE995A}"/>
+              </a:ext>
+            </a:extLst>
+          </p:cNvPr>
+          <p:cNvSpPr txBox="1"/>
+          <p:nvPr/>
+        </p:nvSpPr>
+        <p:spPr>
+          <a:xfrm>
+            <a:off x="2995737" y="4839527"/>
+            <a:ext cx="579407" cy="215444"/>
+          </a:xfrm>
+          <a:prstGeom prst="rect">
+            <a:avLst/>
+          </a:prstGeom>
+          <a:noFill/>
+        </p:spPr>
+        <p:txBody>
+          <a:bodyPr wrap="square" rtlCol="0">
+            <a:spAutoFit/>
+          </a:bodyPr>
+          <a:lstStyle/>
+          <a:p>
+            <a:r>
+              <a:rPr lang="en-US" sz="800" dirty="0"/>
+              <a:t>1:M</a:t>
+            </a:r>
+          </a:p>
+        </p:txBody>
+      </p:sp>
+      <p:sp>
+        <p:nvSpPr>
+          <p:cNvPr id="93" name="TextBox 92">
+            <a:extLst>
+              <a:ext uri="{FF2B5EF4-FFF2-40B4-BE49-F238E27FC236}">
+                <a16:creationId xmlns:a16="http://schemas.microsoft.com/office/drawing/2014/main" id="{227063BA-FA09-3B4A-220E-2E77C0E73565}"/>
+              </a:ext>
+            </a:extLst>
+          </p:cNvPr>
+          <p:cNvSpPr txBox="1"/>
+          <p:nvPr/>
+        </p:nvSpPr>
+        <p:spPr>
+          <a:xfrm>
+            <a:off x="2030695" y="2355441"/>
+            <a:ext cx="579407" cy="215444"/>
+          </a:xfrm>
+          <a:prstGeom prst="rect">
+            <a:avLst/>
+          </a:prstGeom>
+          <a:noFill/>
+        </p:spPr>
+        <p:txBody>
+          <a:bodyPr wrap="square" rtlCol="0">
+            <a:spAutoFit/>
+          </a:bodyPr>
+          <a:lstStyle/>
+          <a:p>
+            <a:r>
+              <a:rPr lang="en-US" sz="800" dirty="0"/>
+              <a:t>M:M</a:t>
+            </a:r>
+          </a:p>
+        </p:txBody>
+      </p:sp>
+      <p:sp>
+        <p:nvSpPr>
+          <p:cNvPr id="94" name="TextBox 93">
+            <a:extLst>
+              <a:ext uri="{FF2B5EF4-FFF2-40B4-BE49-F238E27FC236}">
+                <a16:creationId xmlns:a16="http://schemas.microsoft.com/office/drawing/2014/main" id="{D89BDA62-3DBF-111D-558F-4DE832B0BECD}"/>
+              </a:ext>
+            </a:extLst>
+          </p:cNvPr>
+          <p:cNvSpPr txBox="1"/>
+          <p:nvPr/>
+        </p:nvSpPr>
+        <p:spPr>
+          <a:xfrm>
+            <a:off x="3348256" y="6142352"/>
+            <a:ext cx="579407" cy="215444"/>
+          </a:xfrm>
+          <a:prstGeom prst="rect">
+            <a:avLst/>
+          </a:prstGeom>
+          <a:noFill/>
+        </p:spPr>
+        <p:txBody>
+          <a:bodyPr wrap="square" rtlCol="0">
+            <a:spAutoFit/>
+          </a:bodyPr>
+          <a:lstStyle/>
+          <a:p>
+            <a:r>
+              <a:rPr lang="en-US" sz="800" dirty="0"/>
+              <a:t>1:M</a:t>
+            </a:r>
+          </a:p>
+        </p:txBody>
+      </p:sp>
+      <p:grpSp>
+        <p:nvGrpSpPr>
+          <p:cNvPr id="107" name="Group 106">
+            <a:extLst>
+              <a:ext uri="{FF2B5EF4-FFF2-40B4-BE49-F238E27FC236}">
+                <a16:creationId xmlns:a16="http://schemas.microsoft.com/office/drawing/2014/main" id="{C69A1E4E-F6E0-040C-07B6-FEB6D4906CDB}"/>
+              </a:ext>
+            </a:extLst>
+          </p:cNvPr>
+          <p:cNvGrpSpPr/>
+          <p:nvPr/>
+        </p:nvGrpSpPr>
+        <p:grpSpPr>
+          <a:xfrm>
+            <a:off x="5152108" y="6334607"/>
+            <a:ext cx="1057309" cy="528654"/>
+            <a:chOff x="961291" y="4492300"/>
+            <a:chExt cx="1057309" cy="528654"/>
+          </a:xfrm>
+        </p:grpSpPr>
+        <p:sp>
+          <p:nvSpPr>
+            <p:cNvPr id="108" name="Rectangle 107">
+              <a:extLst>
+                <a:ext uri="{FF2B5EF4-FFF2-40B4-BE49-F238E27FC236}">
+                  <a16:creationId xmlns:a16="http://schemas.microsoft.com/office/drawing/2014/main" id="{1E9631F9-EF0C-76A7-3F48-C075A6F75524}"/>
+                </a:ext>
+              </a:extLst>
+            </p:cNvPr>
+            <p:cNvSpPr/>
+            <p:nvPr/>
+          </p:nvSpPr>
+          <p:spPr>
+            <a:xfrm>
+              <a:off x="961291" y="4492300"/>
+              <a:ext cx="1057309" cy="528654"/>
+            </a:xfrm>
+            <a:prstGeom prst="rect">
+              <a:avLst/>
+            </a:prstGeom>
+          </p:spPr>
+          <p:style>
+            <a:lnRef idx="2">
+              <a:schemeClr val="lt1">
+                <a:hueOff val="0"/>
+                <a:satOff val="0"/>
+                <a:lumOff val="0"/>
+                <a:alphaOff val="0"/>
+              </a:schemeClr>
+            </a:lnRef>
+            <a:fillRef idx="1">
+              <a:schemeClr val="accent1">
+                <a:hueOff val="0"/>
+                <a:satOff val="0"/>
+                <a:lumOff val="0"/>
+                <a:alphaOff val="0"/>
+              </a:schemeClr>
+            </a:fillRef>
+            <a:effectRef idx="0">
+              <a:schemeClr val="accent1">
+                <a:hueOff val="0"/>
+                <a:satOff val="0"/>
+                <a:lumOff val="0"/>
+                <a:alphaOff val="0"/>
+              </a:schemeClr>
+            </a:effectRef>
+            <a:fontRef idx="minor">
+              <a:schemeClr val="lt1"/>
+            </a:fontRef>
+          </p:style>
+          <p:txBody>
+            <a:bodyPr/>
+            <a:lstStyle/>
+            <a:p>
+              <a:endParaRPr lang="en-US"/>
+            </a:p>
+          </p:txBody>
+        </p:sp>
+        <p:sp>
+          <p:nvSpPr>
+            <p:cNvPr id="109" name="TextBox 108">
+              <a:extLst>
+                <a:ext uri="{FF2B5EF4-FFF2-40B4-BE49-F238E27FC236}">
+                  <a16:creationId xmlns:a16="http://schemas.microsoft.com/office/drawing/2014/main" id="{320F4611-3266-937F-7278-26C57920DB09}"/>
+                </a:ext>
+              </a:extLst>
+            </p:cNvPr>
+            <p:cNvSpPr txBox="1"/>
+            <p:nvPr/>
+          </p:nvSpPr>
+          <p:spPr>
+            <a:xfrm>
+              <a:off x="961291" y="4492300"/>
+              <a:ext cx="1057309" cy="528654"/>
+            </a:xfrm>
+            <a:prstGeom prst="rect">
+              <a:avLst/>
+            </a:prstGeom>
+          </p:spPr>
+          <p:style>
+            <a:lnRef idx="0">
+              <a:scrgbClr r="0" g="0" b="0"/>
+            </a:lnRef>
+            <a:fillRef idx="0">
+              <a:scrgbClr r="0" g="0" b="0"/>
+            </a:fillRef>
+            <a:effectRef idx="0">
+              <a:scrgbClr r="0" g="0" b="0"/>
+            </a:effectRef>
+            <a:fontRef idx="minor">
+              <a:schemeClr val="lt1"/>
+            </a:fontRef>
+          </p:style>
+          <p:txBody>
+            <a:bodyPr spcFirstLastPara="0" vert="horz" wrap="square" lIns="9525" tIns="9525" rIns="9525" bIns="9525" numCol="1" spcCol="1270" anchor="ctr" anchorCtr="0">
+              <a:noAutofit/>
+            </a:bodyPr>
+            <a:lstStyle/>
+            <a:p>
+              <a:pPr marL="0" lvl="0" indent="0" algn="ctr" defTabSz="666750">
+                <a:lnSpc>
+                  <a:spcPct val="90000"/>
+                </a:lnSpc>
+                <a:spcBef>
+                  <a:spcPct val="0"/>
+                </a:spcBef>
+                <a:spcAft>
+                  <a:spcPct val="35000"/>
+                </a:spcAft>
+                <a:buNone/>
+              </a:pPr>
+              <a:r>
+                <a:rPr lang="en-US" sz="1500" kern="1200" dirty="0"/>
+                <a:t>Laboratory</a:t>
+              </a:r>
+            </a:p>
+          </p:txBody>
+        </p:sp>
+      </p:grpSp>
+      <p:cxnSp>
+        <p:nvCxnSpPr>
+          <p:cNvPr id="110" name="Straight Connector 109">
+            <a:extLst>
+              <a:ext uri="{FF2B5EF4-FFF2-40B4-BE49-F238E27FC236}">
+                <a16:creationId xmlns:a16="http://schemas.microsoft.com/office/drawing/2014/main" id="{636CFB10-F654-97FE-9F92-E617F882EAE7}"/>
+              </a:ext>
+            </a:extLst>
+          </p:cNvPr>
+          <p:cNvCxnSpPr>
+            <a:cxnSpLocks/>
+            <a:endCxn id="108" idx="1"/>
+          </p:cNvCxnSpPr>
+          <p:nvPr/>
+        </p:nvCxnSpPr>
+        <p:spPr>
+          <a:xfrm>
+            <a:off x="4630062" y="6598934"/>
+            <a:ext cx="522046" cy="0"/>
+          </a:xfrm>
+          <a:prstGeom prst="line">
+            <a:avLst/>
+          </a:prstGeom>
+        </p:spPr>
+        <p:style>
+          <a:lnRef idx="2">
+            <a:schemeClr val="accent1"/>
+          </a:lnRef>
+          <a:fillRef idx="0">
+            <a:schemeClr val="accent1"/>
+          </a:fillRef>
+          <a:effectRef idx="1">
+            <a:schemeClr val="accent1"/>
+          </a:effectRef>
+          <a:fontRef idx="minor">
+            <a:schemeClr val="tx1"/>
+          </a:fontRef>
+        </p:style>
+      </p:cxnSp>
+      <p:sp>
+        <p:nvSpPr>
+          <p:cNvPr id="114" name="TextBox 113">
+            <a:extLst>
+              <a:ext uri="{FF2B5EF4-FFF2-40B4-BE49-F238E27FC236}">
+                <a16:creationId xmlns:a16="http://schemas.microsoft.com/office/drawing/2014/main" id="{4B7DBFDD-816C-8B41-09F9-9AE3884948CB}"/>
+              </a:ext>
+            </a:extLst>
+          </p:cNvPr>
+          <p:cNvSpPr txBox="1"/>
+          <p:nvPr/>
+        </p:nvSpPr>
+        <p:spPr>
+          <a:xfrm>
+            <a:off x="4680656" y="6383490"/>
+            <a:ext cx="579407" cy="215444"/>
+          </a:xfrm>
+          <a:prstGeom prst="rect">
+            <a:avLst/>
+          </a:prstGeom>
+          <a:noFill/>
+        </p:spPr>
+        <p:txBody>
+          <a:bodyPr wrap="square" rtlCol="0">
+            <a:spAutoFit/>
+          </a:bodyPr>
+          <a:lstStyle/>
+          <a:p>
+            <a:r>
+              <a:rPr lang="en-US" sz="800" dirty="0"/>
+              <a:t>M:1</a:t>
+            </a:r>
+          </a:p>
+        </p:txBody>
+      </p:sp>
+      <p:grpSp>
+        <p:nvGrpSpPr>
+          <p:cNvPr id="115" name="Group 114">
+            <a:extLst>
+              <a:ext uri="{FF2B5EF4-FFF2-40B4-BE49-F238E27FC236}">
+                <a16:creationId xmlns:a16="http://schemas.microsoft.com/office/drawing/2014/main" id="{6376104B-3C88-1D54-2EE9-4823F59D348D}"/>
+              </a:ext>
+            </a:extLst>
+          </p:cNvPr>
+          <p:cNvGrpSpPr/>
+          <p:nvPr/>
+        </p:nvGrpSpPr>
+        <p:grpSpPr>
+          <a:xfrm>
+            <a:off x="1518308" y="6334607"/>
+            <a:ext cx="1057309" cy="528654"/>
+            <a:chOff x="961291" y="4492300"/>
+            <a:chExt cx="1057309" cy="528654"/>
+          </a:xfrm>
+        </p:grpSpPr>
+        <p:sp>
+          <p:nvSpPr>
+            <p:cNvPr id="116" name="Rectangle 115">
+              <a:extLst>
+                <a:ext uri="{FF2B5EF4-FFF2-40B4-BE49-F238E27FC236}">
+                  <a16:creationId xmlns:a16="http://schemas.microsoft.com/office/drawing/2014/main" id="{2926B14C-585C-09A6-18CA-5D75CA4E3CDF}"/>
+                </a:ext>
+              </a:extLst>
+            </p:cNvPr>
+            <p:cNvSpPr/>
+            <p:nvPr/>
+          </p:nvSpPr>
+          <p:spPr>
+            <a:xfrm>
+              <a:off x="961291" y="4492300"/>
+              <a:ext cx="1057309" cy="528654"/>
+            </a:xfrm>
+            <a:prstGeom prst="rect">
+              <a:avLst/>
+            </a:prstGeom>
+          </p:spPr>
+          <p:style>
+            <a:lnRef idx="2">
+              <a:schemeClr val="lt1">
+                <a:hueOff val="0"/>
+                <a:satOff val="0"/>
+                <a:lumOff val="0"/>
+                <a:alphaOff val="0"/>
+              </a:schemeClr>
+            </a:lnRef>
+            <a:fillRef idx="1">
+              <a:schemeClr val="accent1">
+                <a:hueOff val="0"/>
+                <a:satOff val="0"/>
+                <a:lumOff val="0"/>
+                <a:alphaOff val="0"/>
+              </a:schemeClr>
+            </a:fillRef>
+            <a:effectRef idx="0">
+              <a:schemeClr val="accent1">
+                <a:hueOff val="0"/>
+                <a:satOff val="0"/>
+                <a:lumOff val="0"/>
+                <a:alphaOff val="0"/>
+              </a:schemeClr>
+            </a:effectRef>
+            <a:fontRef idx="minor">
+              <a:schemeClr val="lt1"/>
+            </a:fontRef>
+          </p:style>
+          <p:txBody>
+            <a:bodyPr/>
+            <a:lstStyle/>
+            <a:p>
+              <a:endParaRPr lang="en-US"/>
+            </a:p>
+          </p:txBody>
+        </p:sp>
+        <p:sp>
+          <p:nvSpPr>
+            <p:cNvPr id="117" name="TextBox 116">
+              <a:extLst>
+                <a:ext uri="{FF2B5EF4-FFF2-40B4-BE49-F238E27FC236}">
+                  <a16:creationId xmlns:a16="http://schemas.microsoft.com/office/drawing/2014/main" id="{5D0F45F2-DC42-2348-2D13-2C60E4114C7E}"/>
                 </a:ext>
               </a:extLst>
             </p:cNvPr>
@@ -15897,7 +19176,7 @@
           <p:cNvPr id="119" name="Straight Connector 118">
             <a:extLst>
               <a:ext uri="{FF2B5EF4-FFF2-40B4-BE49-F238E27FC236}">
-                <a16:creationId xmlns:a16="http://schemas.microsoft.com/office/drawing/2014/main" id="{6B4D0A24-17D4-53D8-8342-8F1B40504BCE}"/>
+                <a16:creationId xmlns:a16="http://schemas.microsoft.com/office/drawing/2014/main" id="{2E02D479-33E4-F85F-D963-447E82634DB6}"/>
               </a:ext>
             </a:extLst>
           </p:cNvPr>
@@ -15909,8 +19188,8 @@
         </p:nvCxnSpPr>
         <p:spPr>
           <a:xfrm flipH="1">
-            <a:off x="2468599" y="6585148"/>
-            <a:ext cx="736523" cy="0"/>
+            <a:off x="2575617" y="6598934"/>
+            <a:ext cx="629505" cy="0"/>
           </a:xfrm>
           <a:prstGeom prst="line">
             <a:avLst/>
@@ -15936,7 +19215,7 @@
           <p:cNvPr id="122" name="TextBox 121">
             <a:extLst>
               <a:ext uri="{FF2B5EF4-FFF2-40B4-BE49-F238E27FC236}">
-                <a16:creationId xmlns:a16="http://schemas.microsoft.com/office/drawing/2014/main" id="{4DA80797-2F88-FE81-8F36-C27A13055078}"/>
+                <a16:creationId xmlns:a16="http://schemas.microsoft.com/office/drawing/2014/main" id="{10521C65-3855-D7B1-E0A7-1E8CCAB30C75}"/>
               </a:ext>
             </a:extLst>
           </p:cNvPr>
@@ -15945,8 +19224,8 @@
         </p:nvSpPr>
         <p:spPr>
           <a:xfrm>
-            <a:off x="2735217" y="6372336"/>
-            <a:ext cx="579407" cy="215444"/>
+            <a:off x="2735218" y="6372336"/>
+            <a:ext cx="469904" cy="215444"/>
           </a:xfrm>
           <a:prstGeom prst="rect">
             <a:avLst/>
@@ -15971,7 +19250,7 @@
           <p:cNvPr id="138" name="Straight Connector 137">
             <a:extLst>
               <a:ext uri="{FF2B5EF4-FFF2-40B4-BE49-F238E27FC236}">
-                <a16:creationId xmlns:a16="http://schemas.microsoft.com/office/drawing/2014/main" id="{5A3EB957-AF5F-FFA4-7675-5897F75D248D}"/>
+                <a16:creationId xmlns:a16="http://schemas.microsoft.com/office/drawing/2014/main" id="{81C3CA0D-F777-3406-7206-18F673407E13}"/>
               </a:ext>
             </a:extLst>
           </p:cNvPr>
@@ -16009,7 +19288,7 @@
           <p:cNvPr id="143" name="Straight Connector 142">
             <a:extLst>
               <a:ext uri="{FF2B5EF4-FFF2-40B4-BE49-F238E27FC236}">
-                <a16:creationId xmlns:a16="http://schemas.microsoft.com/office/drawing/2014/main" id="{D70E939C-FE1E-CEEC-1AEB-A266C19D01C1}"/>
+                <a16:creationId xmlns:a16="http://schemas.microsoft.com/office/drawing/2014/main" id="{99FB0943-030A-1B8D-ABA7-F1EB9E26B2D4}"/>
               </a:ext>
             </a:extLst>
           </p:cNvPr>
@@ -16042,57 +19321,27 @@
           </a:fontRef>
         </p:style>
       </p:cxnSp>
-    </p:spTree>
-    <p:extLst>
-      <p:ext uri="{BB962C8B-B14F-4D97-AF65-F5344CB8AC3E}">
-        <p14:creationId xmlns:p14="http://schemas.microsoft.com/office/powerpoint/2010/main" val="1753864701"/>
-      </p:ext>
-    </p:extLst>
-  </p:cSld>
-  <p:clrMapOvr>
-    <a:masterClrMapping/>
-  </p:clrMapOvr>
-</p:sld>
-</file>
-
-<file path=ppt/slides/slide2.xml><?xml version="1.0" encoding="utf-8"?>
-<p:sld xmlns:a="http://schemas.openxmlformats.org/drawingml/2006/main" xmlns:r="http://schemas.openxmlformats.org/officeDocument/2006/relationships" xmlns:p="http://schemas.openxmlformats.org/presentationml/2006/main">
-  <p:cSld>
-    <p:spTree>
-      <p:nvGrpSpPr>
-        <p:cNvPr id="1" name="">
-          <a:extLst>
-            <a:ext uri="{FF2B5EF4-FFF2-40B4-BE49-F238E27FC236}">
-              <a16:creationId xmlns:a16="http://schemas.microsoft.com/office/drawing/2014/main" id="{450CBFB0-FD9D-1D1E-F088-06812D19DD75}"/>
-            </a:ext>
-          </a:extLst>
-        </p:cNvPr>
-        <p:cNvGrpSpPr/>
-        <p:nvPr/>
-      </p:nvGrpSpPr>
-      <p:grpSpPr>
-        <a:xfrm>
-          <a:off x="0" y="0"/>
-          <a:ext cx="0" cy="0"/>
-          <a:chOff x="0" y="0"/>
-          <a:chExt cx="0" cy="0"/>
-        </a:xfrm>
-      </p:grpSpPr>
       <p:graphicFrame>
         <p:nvGraphicFramePr>
           <p:cNvPr id="9" name="Diagram 8">
             <a:extLst>
               <a:ext uri="{FF2B5EF4-FFF2-40B4-BE49-F238E27FC236}">
-                <a16:creationId xmlns:a16="http://schemas.microsoft.com/office/drawing/2014/main" id="{2CFEE8B6-2FC1-9B9F-BA7D-4C6EC8F26ED5}"/>
+                <a16:creationId xmlns:a16="http://schemas.microsoft.com/office/drawing/2014/main" id="{2F8669E9-8FBE-9E28-868C-CAEF81C49D54}"/>
               </a:ext>
             </a:extLst>
           </p:cNvPr>
           <p:cNvGraphicFramePr/>
-          <p:nvPr/>
+          <p:nvPr>
+            <p:extLst>
+              <p:ext uri="{D42A27DB-BD31-4B8C-83A1-F6EECF244321}">
+                <p14:modId xmlns:p14="http://schemas.microsoft.com/office/powerpoint/2010/main" val="2665310810"/>
+              </p:ext>
+            </p:extLst>
+          </p:nvPr>
         </p:nvGraphicFramePr>
         <p:xfrm>
-          <a:off x="565265" y="320510"/>
-          <a:ext cx="9081498" cy="6537490"/>
+          <a:off x="-441771" y="332139"/>
+          <a:ext cx="9839644" cy="6537490"/>
         </p:xfrm>
         <a:graphic>
           <a:graphicData uri="http://schemas.openxmlformats.org/drawingml/2006/diagram">
@@ -16100,1933 +19349,10 @@
           </a:graphicData>
         </a:graphic>
       </p:graphicFrame>
-      <p:cxnSp>
-        <p:nvCxnSpPr>
-          <p:cNvPr id="11" name="Straight Connector 10">
-            <a:extLst>
-              <a:ext uri="{FF2B5EF4-FFF2-40B4-BE49-F238E27FC236}">
-                <a16:creationId xmlns:a16="http://schemas.microsoft.com/office/drawing/2014/main" id="{EC0A65FD-763B-FD8F-23FE-46D796BB9012}"/>
-              </a:ext>
-            </a:extLst>
-          </p:cNvPr>
-          <p:cNvCxnSpPr>
-            <a:cxnSpLocks/>
-          </p:cNvCxnSpPr>
-          <p:nvPr/>
-        </p:nvCxnSpPr>
-        <p:spPr>
-          <a:xfrm flipH="1">
-            <a:off x="2532074" y="5050414"/>
-            <a:ext cx="917612" cy="0"/>
-          </a:xfrm>
-          <a:prstGeom prst="line">
-            <a:avLst/>
-          </a:prstGeom>
-        </p:spPr>
-        <p:style>
-          <a:lnRef idx="2">
-            <a:schemeClr val="accent1"/>
-          </a:lnRef>
-          <a:fillRef idx="0">
-            <a:schemeClr val="accent1"/>
-          </a:fillRef>
-          <a:effectRef idx="1">
-            <a:schemeClr val="accent1"/>
-          </a:effectRef>
-          <a:fontRef idx="minor">
-            <a:schemeClr val="tx1"/>
-          </a:fontRef>
-        </p:style>
-      </p:cxnSp>
-      <p:cxnSp>
-        <p:nvCxnSpPr>
-          <p:cNvPr id="22" name="Straight Connector 21">
-            <a:extLst>
-              <a:ext uri="{FF2B5EF4-FFF2-40B4-BE49-F238E27FC236}">
-                <a16:creationId xmlns:a16="http://schemas.microsoft.com/office/drawing/2014/main" id="{8F7501F2-CE1D-EB19-D89A-42911643AC6C}"/>
-              </a:ext>
-            </a:extLst>
-          </p:cNvPr>
-          <p:cNvCxnSpPr>
-            <a:cxnSpLocks/>
-          </p:cNvCxnSpPr>
-          <p:nvPr/>
-        </p:nvCxnSpPr>
-        <p:spPr>
-          <a:xfrm>
-            <a:off x="4592746" y="1517559"/>
-            <a:ext cx="0" cy="1404595"/>
-          </a:xfrm>
-          <a:prstGeom prst="line">
-            <a:avLst/>
-          </a:prstGeom>
-        </p:spPr>
-        <p:style>
-          <a:lnRef idx="2">
-            <a:schemeClr val="accent1"/>
-          </a:lnRef>
-          <a:fillRef idx="0">
-            <a:schemeClr val="accent1"/>
-          </a:fillRef>
-          <a:effectRef idx="1">
-            <a:schemeClr val="accent1"/>
-          </a:effectRef>
-          <a:fontRef idx="minor">
-            <a:schemeClr val="tx1"/>
-          </a:fontRef>
-        </p:style>
-      </p:cxnSp>
-      <p:cxnSp>
-        <p:nvCxnSpPr>
-          <p:cNvPr id="24" name="Straight Connector 23">
-            <a:extLst>
-              <a:ext uri="{FF2B5EF4-FFF2-40B4-BE49-F238E27FC236}">
-                <a16:creationId xmlns:a16="http://schemas.microsoft.com/office/drawing/2014/main" id="{584D3970-892A-F7D6-D3AC-8646D5E52EFE}"/>
-              </a:ext>
-            </a:extLst>
-          </p:cNvPr>
-          <p:cNvCxnSpPr>
-            <a:cxnSpLocks/>
-          </p:cNvCxnSpPr>
-          <p:nvPr/>
-        </p:nvCxnSpPr>
-        <p:spPr>
-          <a:xfrm>
-            <a:off x="4933683" y="1404439"/>
-            <a:ext cx="0" cy="2196445"/>
-          </a:xfrm>
-          <a:prstGeom prst="line">
-            <a:avLst/>
-          </a:prstGeom>
-        </p:spPr>
-        <p:style>
-          <a:lnRef idx="2">
-            <a:schemeClr val="accent1"/>
-          </a:lnRef>
-          <a:fillRef idx="0">
-            <a:schemeClr val="accent1"/>
-          </a:fillRef>
-          <a:effectRef idx="1">
-            <a:schemeClr val="accent1"/>
-          </a:effectRef>
-          <a:fontRef idx="minor">
-            <a:schemeClr val="tx1"/>
-          </a:fontRef>
-        </p:style>
-      </p:cxnSp>
-      <p:cxnSp>
-        <p:nvCxnSpPr>
-          <p:cNvPr id="26" name="Straight Connector 25">
-            <a:extLst>
-              <a:ext uri="{FF2B5EF4-FFF2-40B4-BE49-F238E27FC236}">
-                <a16:creationId xmlns:a16="http://schemas.microsoft.com/office/drawing/2014/main" id="{226C7249-70F8-2007-A4CF-AFAA791EDD1D}"/>
-              </a:ext>
-            </a:extLst>
-          </p:cNvPr>
-          <p:cNvCxnSpPr>
-            <a:cxnSpLocks/>
-          </p:cNvCxnSpPr>
-          <p:nvPr/>
-        </p:nvCxnSpPr>
-        <p:spPr>
-          <a:xfrm>
-            <a:off x="5246338" y="1347876"/>
-            <a:ext cx="0" cy="3004012"/>
-          </a:xfrm>
-          <a:prstGeom prst="line">
-            <a:avLst/>
-          </a:prstGeom>
-        </p:spPr>
-        <p:style>
-          <a:lnRef idx="2">
-            <a:schemeClr val="accent1"/>
-          </a:lnRef>
-          <a:fillRef idx="0">
-            <a:schemeClr val="accent1"/>
-          </a:fillRef>
-          <a:effectRef idx="1">
-            <a:schemeClr val="accent1"/>
-          </a:effectRef>
-          <a:fontRef idx="minor">
-            <a:schemeClr val="tx1"/>
-          </a:fontRef>
-        </p:style>
-      </p:cxnSp>
-      <p:cxnSp>
-        <p:nvCxnSpPr>
-          <p:cNvPr id="33" name="Straight Connector 32">
-            <a:extLst>
-              <a:ext uri="{FF2B5EF4-FFF2-40B4-BE49-F238E27FC236}">
-                <a16:creationId xmlns:a16="http://schemas.microsoft.com/office/drawing/2014/main" id="{58E8175E-2974-56C1-5486-C4EE8DD32045}"/>
-              </a:ext>
-            </a:extLst>
-          </p:cNvPr>
-          <p:cNvCxnSpPr>
-            <a:cxnSpLocks/>
-          </p:cNvCxnSpPr>
-          <p:nvPr/>
-        </p:nvCxnSpPr>
-        <p:spPr>
-          <a:xfrm>
-            <a:off x="5580725" y="1266963"/>
-            <a:ext cx="0" cy="3863422"/>
-          </a:xfrm>
-          <a:prstGeom prst="line">
-            <a:avLst/>
-          </a:prstGeom>
-        </p:spPr>
-        <p:style>
-          <a:lnRef idx="2">
-            <a:schemeClr val="accent1"/>
-          </a:lnRef>
-          <a:fillRef idx="0">
-            <a:schemeClr val="accent1"/>
-          </a:fillRef>
-          <a:effectRef idx="1">
-            <a:schemeClr val="accent1"/>
-          </a:effectRef>
-          <a:fontRef idx="minor">
-            <a:schemeClr val="tx1"/>
-          </a:fontRef>
-        </p:style>
-      </p:cxnSp>
-      <p:cxnSp>
-        <p:nvCxnSpPr>
-          <p:cNvPr id="36" name="Straight Connector 35">
-            <a:extLst>
-              <a:ext uri="{FF2B5EF4-FFF2-40B4-BE49-F238E27FC236}">
-                <a16:creationId xmlns:a16="http://schemas.microsoft.com/office/drawing/2014/main" id="{EBFEFE9D-647C-952B-DE4C-A14A08D88470}"/>
-              </a:ext>
-            </a:extLst>
-          </p:cNvPr>
-          <p:cNvCxnSpPr/>
-          <p:nvPr/>
-        </p:nvCxnSpPr>
-        <p:spPr>
-          <a:xfrm>
-            <a:off x="4338746" y="1517559"/>
-            <a:ext cx="254000" cy="0"/>
-          </a:xfrm>
-          <a:prstGeom prst="line">
-            <a:avLst/>
-          </a:prstGeom>
-        </p:spPr>
-        <p:style>
-          <a:lnRef idx="2">
-            <a:schemeClr val="accent1"/>
-          </a:lnRef>
-          <a:fillRef idx="0">
-            <a:schemeClr val="accent1"/>
-          </a:fillRef>
-          <a:effectRef idx="1">
-            <a:schemeClr val="accent1"/>
-          </a:effectRef>
-          <a:fontRef idx="minor">
-            <a:schemeClr val="tx1"/>
-          </a:fontRef>
-        </p:style>
-      </p:cxnSp>
-      <p:cxnSp>
-        <p:nvCxnSpPr>
-          <p:cNvPr id="37" name="Straight Connector 36">
-            <a:extLst>
-              <a:ext uri="{FF2B5EF4-FFF2-40B4-BE49-F238E27FC236}">
-                <a16:creationId xmlns:a16="http://schemas.microsoft.com/office/drawing/2014/main" id="{AF5CB81A-1780-E835-96B3-1A4510393D84}"/>
-              </a:ext>
-            </a:extLst>
-          </p:cNvPr>
-          <p:cNvCxnSpPr>
-            <a:cxnSpLocks/>
-          </p:cNvCxnSpPr>
-          <p:nvPr/>
-        </p:nvCxnSpPr>
-        <p:spPr>
-          <a:xfrm>
-            <a:off x="4338746" y="1428008"/>
-            <a:ext cx="582632" cy="0"/>
-          </a:xfrm>
-          <a:prstGeom prst="line">
-            <a:avLst/>
-          </a:prstGeom>
-        </p:spPr>
-        <p:style>
-          <a:lnRef idx="2">
-            <a:schemeClr val="accent1"/>
-          </a:lnRef>
-          <a:fillRef idx="0">
-            <a:schemeClr val="accent1"/>
-          </a:fillRef>
-          <a:effectRef idx="1">
-            <a:schemeClr val="accent1"/>
-          </a:effectRef>
-          <a:fontRef idx="minor">
-            <a:schemeClr val="tx1"/>
-          </a:fontRef>
-        </p:style>
-      </p:cxnSp>
-      <p:cxnSp>
-        <p:nvCxnSpPr>
-          <p:cNvPr id="39" name="Straight Connector 38">
-            <a:extLst>
-              <a:ext uri="{FF2B5EF4-FFF2-40B4-BE49-F238E27FC236}">
-                <a16:creationId xmlns:a16="http://schemas.microsoft.com/office/drawing/2014/main" id="{CCD9F2A6-11AF-DCD7-70D8-CFF20117E385}"/>
-              </a:ext>
-            </a:extLst>
-          </p:cNvPr>
-          <p:cNvCxnSpPr>
-            <a:cxnSpLocks/>
-          </p:cNvCxnSpPr>
-          <p:nvPr/>
-        </p:nvCxnSpPr>
-        <p:spPr>
-          <a:xfrm>
-            <a:off x="4341101" y="1347876"/>
-            <a:ext cx="895287" cy="0"/>
-          </a:xfrm>
-          <a:prstGeom prst="line">
-            <a:avLst/>
-          </a:prstGeom>
-        </p:spPr>
-        <p:style>
-          <a:lnRef idx="2">
-            <a:schemeClr val="accent1"/>
-          </a:lnRef>
-          <a:fillRef idx="0">
-            <a:schemeClr val="accent1"/>
-          </a:fillRef>
-          <a:effectRef idx="1">
-            <a:schemeClr val="accent1"/>
-          </a:effectRef>
-          <a:fontRef idx="minor">
-            <a:schemeClr val="tx1"/>
-          </a:fontRef>
-        </p:style>
-      </p:cxnSp>
-      <p:cxnSp>
-        <p:nvCxnSpPr>
-          <p:cNvPr id="43" name="Straight Connector 42">
-            <a:extLst>
-              <a:ext uri="{FF2B5EF4-FFF2-40B4-BE49-F238E27FC236}">
-                <a16:creationId xmlns:a16="http://schemas.microsoft.com/office/drawing/2014/main" id="{517E6053-59BA-6A8A-9DBF-CFD512EC9C7B}"/>
-              </a:ext>
-            </a:extLst>
-          </p:cNvPr>
-          <p:cNvCxnSpPr>
-            <a:cxnSpLocks/>
-          </p:cNvCxnSpPr>
-          <p:nvPr/>
-        </p:nvCxnSpPr>
-        <p:spPr>
-          <a:xfrm flipV="1">
-            <a:off x="4338746" y="1266963"/>
-            <a:ext cx="1229674" cy="1571"/>
-          </a:xfrm>
-          <a:prstGeom prst="line">
-            <a:avLst/>
-          </a:prstGeom>
-        </p:spPr>
-        <p:style>
-          <a:lnRef idx="2">
-            <a:schemeClr val="accent1"/>
-          </a:lnRef>
-          <a:fillRef idx="0">
-            <a:schemeClr val="accent1"/>
-          </a:fillRef>
-          <a:effectRef idx="1">
-            <a:schemeClr val="accent1"/>
-          </a:effectRef>
-          <a:fontRef idx="minor">
-            <a:schemeClr val="tx1"/>
-          </a:fontRef>
-        </p:style>
-      </p:cxnSp>
-      <p:cxnSp>
-        <p:nvCxnSpPr>
-          <p:cNvPr id="48" name="Straight Connector 47">
-            <a:extLst>
-              <a:ext uri="{FF2B5EF4-FFF2-40B4-BE49-F238E27FC236}">
-                <a16:creationId xmlns:a16="http://schemas.microsoft.com/office/drawing/2014/main" id="{0B0B8256-6D2F-4E92-5DAF-1AC7CFDE4D0F}"/>
-              </a:ext>
-            </a:extLst>
-          </p:cNvPr>
-          <p:cNvCxnSpPr/>
-          <p:nvPr/>
-        </p:nvCxnSpPr>
-        <p:spPr>
-          <a:xfrm>
-            <a:off x="4351051" y="2923104"/>
-            <a:ext cx="254000" cy="0"/>
-          </a:xfrm>
-          <a:prstGeom prst="line">
-            <a:avLst/>
-          </a:prstGeom>
-        </p:spPr>
-        <p:style>
-          <a:lnRef idx="2">
-            <a:schemeClr val="accent1"/>
-          </a:lnRef>
-          <a:fillRef idx="0">
-            <a:schemeClr val="accent1"/>
-          </a:fillRef>
-          <a:effectRef idx="1">
-            <a:schemeClr val="accent1"/>
-          </a:effectRef>
-          <a:fontRef idx="minor">
-            <a:schemeClr val="tx1"/>
-          </a:fontRef>
-        </p:style>
-      </p:cxnSp>
-      <p:cxnSp>
-        <p:nvCxnSpPr>
-          <p:cNvPr id="49" name="Straight Connector 48">
-            <a:extLst>
-              <a:ext uri="{FF2B5EF4-FFF2-40B4-BE49-F238E27FC236}">
-                <a16:creationId xmlns:a16="http://schemas.microsoft.com/office/drawing/2014/main" id="{6FBF965B-E086-6ABC-9A77-B636F6DACD0E}"/>
-              </a:ext>
-            </a:extLst>
-          </p:cNvPr>
-          <p:cNvCxnSpPr>
-            <a:cxnSpLocks/>
-          </p:cNvCxnSpPr>
-          <p:nvPr/>
-        </p:nvCxnSpPr>
-        <p:spPr>
-          <a:xfrm>
-            <a:off x="4338746" y="3600884"/>
-            <a:ext cx="582632" cy="0"/>
-          </a:xfrm>
-          <a:prstGeom prst="line">
-            <a:avLst/>
-          </a:prstGeom>
-        </p:spPr>
-        <p:style>
-          <a:lnRef idx="2">
-            <a:schemeClr val="accent1"/>
-          </a:lnRef>
-          <a:fillRef idx="0">
-            <a:schemeClr val="accent1"/>
-          </a:fillRef>
-          <a:effectRef idx="1">
-            <a:schemeClr val="accent1"/>
-          </a:effectRef>
-          <a:fontRef idx="minor">
-            <a:schemeClr val="tx1"/>
-          </a:fontRef>
-        </p:style>
-      </p:cxnSp>
-      <p:cxnSp>
-        <p:nvCxnSpPr>
-          <p:cNvPr id="50" name="Straight Connector 49">
-            <a:extLst>
-              <a:ext uri="{FF2B5EF4-FFF2-40B4-BE49-F238E27FC236}">
-                <a16:creationId xmlns:a16="http://schemas.microsoft.com/office/drawing/2014/main" id="{43FB2E04-43E8-E27E-0273-8832C0E67634}"/>
-              </a:ext>
-            </a:extLst>
-          </p:cNvPr>
-          <p:cNvCxnSpPr>
-            <a:cxnSpLocks/>
-          </p:cNvCxnSpPr>
-          <p:nvPr/>
-        </p:nvCxnSpPr>
-        <p:spPr>
-          <a:xfrm>
-            <a:off x="4338746" y="4351888"/>
-            <a:ext cx="895287" cy="0"/>
-          </a:xfrm>
-          <a:prstGeom prst="line">
-            <a:avLst/>
-          </a:prstGeom>
-        </p:spPr>
-        <p:style>
-          <a:lnRef idx="2">
-            <a:schemeClr val="accent1"/>
-          </a:lnRef>
-          <a:fillRef idx="0">
-            <a:schemeClr val="accent1"/>
-          </a:fillRef>
-          <a:effectRef idx="1">
-            <a:schemeClr val="accent1"/>
-          </a:effectRef>
-          <a:fontRef idx="minor">
-            <a:schemeClr val="tx1"/>
-          </a:fontRef>
-        </p:style>
-      </p:cxnSp>
-      <p:cxnSp>
-        <p:nvCxnSpPr>
-          <p:cNvPr id="54" name="Straight Connector 53">
-            <a:extLst>
-              <a:ext uri="{FF2B5EF4-FFF2-40B4-BE49-F238E27FC236}">
-                <a16:creationId xmlns:a16="http://schemas.microsoft.com/office/drawing/2014/main" id="{A4382371-E27D-FAC5-730D-6186A2C05154}"/>
-              </a:ext>
-            </a:extLst>
-          </p:cNvPr>
-          <p:cNvCxnSpPr>
-            <a:cxnSpLocks/>
-          </p:cNvCxnSpPr>
-          <p:nvPr/>
-        </p:nvCxnSpPr>
-        <p:spPr>
-          <a:xfrm flipV="1">
-            <a:off x="4351051" y="5130385"/>
-            <a:ext cx="1229674" cy="1571"/>
-          </a:xfrm>
-          <a:prstGeom prst="line">
-            <a:avLst/>
-          </a:prstGeom>
-        </p:spPr>
-        <p:style>
-          <a:lnRef idx="2">
-            <a:schemeClr val="accent1"/>
-          </a:lnRef>
-          <a:fillRef idx="0">
-            <a:schemeClr val="accent1"/>
-          </a:fillRef>
-          <a:effectRef idx="1">
-            <a:schemeClr val="accent1"/>
-          </a:effectRef>
-          <a:fontRef idx="minor">
-            <a:schemeClr val="tx1"/>
-          </a:fontRef>
-        </p:style>
-      </p:cxnSp>
-      <p:cxnSp>
-        <p:nvCxnSpPr>
-          <p:cNvPr id="56" name="Straight Connector 55">
-            <a:extLst>
-              <a:ext uri="{FF2B5EF4-FFF2-40B4-BE49-F238E27FC236}">
-                <a16:creationId xmlns:a16="http://schemas.microsoft.com/office/drawing/2014/main" id="{035306CD-EC18-7BD5-155A-D67965AB4F65}"/>
-              </a:ext>
-            </a:extLst>
-          </p:cNvPr>
-          <p:cNvCxnSpPr>
-            <a:cxnSpLocks/>
-          </p:cNvCxnSpPr>
-          <p:nvPr/>
-        </p:nvCxnSpPr>
-        <p:spPr>
-          <a:xfrm>
-            <a:off x="2061556" y="1354317"/>
-            <a:ext cx="0" cy="3479693"/>
-          </a:xfrm>
-          <a:prstGeom prst="line">
-            <a:avLst/>
-          </a:prstGeom>
-        </p:spPr>
-        <p:style>
-          <a:lnRef idx="2">
-            <a:schemeClr val="accent1"/>
-          </a:lnRef>
-          <a:fillRef idx="0">
-            <a:schemeClr val="accent1"/>
-          </a:fillRef>
-          <a:effectRef idx="1">
-            <a:schemeClr val="accent1"/>
-          </a:effectRef>
-          <a:fontRef idx="minor">
-            <a:schemeClr val="tx1"/>
-          </a:fontRef>
-        </p:style>
-      </p:cxnSp>
-      <p:cxnSp>
-        <p:nvCxnSpPr>
-          <p:cNvPr id="57" name="Straight Connector 56">
-            <a:extLst>
-              <a:ext uri="{FF2B5EF4-FFF2-40B4-BE49-F238E27FC236}">
-                <a16:creationId xmlns:a16="http://schemas.microsoft.com/office/drawing/2014/main" id="{5073A069-8B44-2496-1C6F-297C03A3E008}"/>
-              </a:ext>
-            </a:extLst>
-          </p:cNvPr>
-          <p:cNvCxnSpPr>
-            <a:cxnSpLocks/>
-          </p:cNvCxnSpPr>
-          <p:nvPr/>
-        </p:nvCxnSpPr>
-        <p:spPr>
-          <a:xfrm flipV="1">
-            <a:off x="2051606" y="1352746"/>
-            <a:ext cx="1398080" cy="1571"/>
-          </a:xfrm>
-          <a:prstGeom prst="line">
-            <a:avLst/>
-          </a:prstGeom>
-        </p:spPr>
-        <p:style>
-          <a:lnRef idx="2">
-            <a:schemeClr val="accent1"/>
-          </a:lnRef>
-          <a:fillRef idx="0">
-            <a:schemeClr val="accent1"/>
-          </a:fillRef>
-          <a:effectRef idx="1">
-            <a:schemeClr val="accent1"/>
-          </a:effectRef>
-          <a:fontRef idx="minor">
-            <a:schemeClr val="tx1"/>
-          </a:fontRef>
-        </p:style>
-      </p:cxnSp>
-      <p:cxnSp>
-        <p:nvCxnSpPr>
-          <p:cNvPr id="64" name="Straight Connector 63">
-            <a:extLst>
-              <a:ext uri="{FF2B5EF4-FFF2-40B4-BE49-F238E27FC236}">
-                <a16:creationId xmlns:a16="http://schemas.microsoft.com/office/drawing/2014/main" id="{8DD10BAB-D15A-EE80-8A68-E14A7F742506}"/>
-              </a:ext>
-            </a:extLst>
-          </p:cNvPr>
-          <p:cNvCxnSpPr>
-            <a:cxnSpLocks/>
-          </p:cNvCxnSpPr>
-          <p:nvPr/>
-        </p:nvCxnSpPr>
-        <p:spPr>
-          <a:xfrm>
-            <a:off x="5927105" y="1186441"/>
-            <a:ext cx="0" cy="4659592"/>
-          </a:xfrm>
-          <a:prstGeom prst="line">
-            <a:avLst/>
-          </a:prstGeom>
-        </p:spPr>
-        <p:style>
-          <a:lnRef idx="2">
-            <a:schemeClr val="accent1"/>
-          </a:lnRef>
-          <a:fillRef idx="0">
-            <a:schemeClr val="accent1"/>
-          </a:fillRef>
-          <a:effectRef idx="1">
-            <a:schemeClr val="accent1"/>
-          </a:effectRef>
-          <a:fontRef idx="minor">
-            <a:schemeClr val="tx1"/>
-          </a:fontRef>
-        </p:style>
-      </p:cxnSp>
-      <p:cxnSp>
-        <p:nvCxnSpPr>
-          <p:cNvPr id="68" name="Straight Connector 67">
-            <a:extLst>
-              <a:ext uri="{FF2B5EF4-FFF2-40B4-BE49-F238E27FC236}">
-                <a16:creationId xmlns:a16="http://schemas.microsoft.com/office/drawing/2014/main" id="{44F9C9A2-8E1E-B81E-3FCC-D6F4B3401357}"/>
-              </a:ext>
-            </a:extLst>
-          </p:cNvPr>
-          <p:cNvCxnSpPr>
-            <a:cxnSpLocks/>
-          </p:cNvCxnSpPr>
-          <p:nvPr/>
-        </p:nvCxnSpPr>
-        <p:spPr>
-          <a:xfrm>
-            <a:off x="4338746" y="1186441"/>
-            <a:ext cx="1585588" cy="0"/>
-          </a:xfrm>
-          <a:prstGeom prst="line">
-            <a:avLst/>
-          </a:prstGeom>
-        </p:spPr>
-        <p:style>
-          <a:lnRef idx="2">
-            <a:schemeClr val="accent1"/>
-          </a:lnRef>
-          <a:fillRef idx="0">
-            <a:schemeClr val="accent1"/>
-          </a:fillRef>
-          <a:effectRef idx="1">
-            <a:schemeClr val="accent1"/>
-          </a:effectRef>
-          <a:fontRef idx="minor">
-            <a:schemeClr val="tx1"/>
-          </a:fontRef>
-        </p:style>
-      </p:cxnSp>
-      <p:cxnSp>
-        <p:nvCxnSpPr>
-          <p:cNvPr id="72" name="Straight Connector 71">
-            <a:extLst>
-              <a:ext uri="{FF2B5EF4-FFF2-40B4-BE49-F238E27FC236}">
-                <a16:creationId xmlns:a16="http://schemas.microsoft.com/office/drawing/2014/main" id="{FD0BEB46-AE73-4AD4-5004-FEABB349AE78}"/>
-              </a:ext>
-            </a:extLst>
-          </p:cNvPr>
-          <p:cNvCxnSpPr>
-            <a:cxnSpLocks/>
-          </p:cNvCxnSpPr>
-          <p:nvPr/>
-        </p:nvCxnSpPr>
-        <p:spPr>
-          <a:xfrm>
-            <a:off x="4351051" y="5852325"/>
-            <a:ext cx="1573283" cy="0"/>
-          </a:xfrm>
-          <a:prstGeom prst="line">
-            <a:avLst/>
-          </a:prstGeom>
-        </p:spPr>
-        <p:style>
-          <a:lnRef idx="2">
-            <a:schemeClr val="accent1"/>
-          </a:lnRef>
-          <a:fillRef idx="0">
-            <a:schemeClr val="accent1"/>
-          </a:fillRef>
-          <a:effectRef idx="1">
-            <a:schemeClr val="accent1"/>
-          </a:effectRef>
-          <a:fontRef idx="minor">
-            <a:schemeClr val="tx1"/>
-          </a:fontRef>
-        </p:style>
-      </p:cxnSp>
-      <p:sp>
-        <p:nvSpPr>
-          <p:cNvPr id="75" name="TextBox 74">
-            <a:extLst>
-              <a:ext uri="{FF2B5EF4-FFF2-40B4-BE49-F238E27FC236}">
-                <a16:creationId xmlns:a16="http://schemas.microsoft.com/office/drawing/2014/main" id="{BF7571A4-5462-80B7-B943-1292CF4E978D}"/>
-              </a:ext>
-            </a:extLst>
-          </p:cNvPr>
-          <p:cNvSpPr txBox="1"/>
-          <p:nvPr/>
-        </p:nvSpPr>
-        <p:spPr>
-          <a:xfrm>
-            <a:off x="3997045" y="847961"/>
-            <a:ext cx="579407" cy="246221"/>
-          </a:xfrm>
-          <a:prstGeom prst="rect">
-            <a:avLst/>
-          </a:prstGeom>
-          <a:noFill/>
-        </p:spPr>
-        <p:txBody>
-          <a:bodyPr wrap="square" rtlCol="0">
-            <a:spAutoFit/>
-          </a:bodyPr>
-          <a:lstStyle/>
-          <a:p>
-            <a:r>
-              <a:rPr lang="en-US" sz="1000" dirty="0"/>
-              <a:t>1:M</a:t>
-            </a:r>
-          </a:p>
-        </p:txBody>
-      </p:sp>
-      <p:sp>
-        <p:nvSpPr>
-          <p:cNvPr id="77" name="TextBox 76">
-            <a:extLst>
-              <a:ext uri="{FF2B5EF4-FFF2-40B4-BE49-F238E27FC236}">
-                <a16:creationId xmlns:a16="http://schemas.microsoft.com/office/drawing/2014/main" id="{7F6DFE1D-2C2E-B880-F4BD-FE29C2FB272C}"/>
-              </a:ext>
-            </a:extLst>
-          </p:cNvPr>
-          <p:cNvSpPr txBox="1"/>
-          <p:nvPr/>
-        </p:nvSpPr>
-        <p:spPr>
-          <a:xfrm>
-            <a:off x="5544935" y="4464967"/>
-            <a:ext cx="579407" cy="215444"/>
-          </a:xfrm>
-          <a:prstGeom prst="rect">
-            <a:avLst/>
-          </a:prstGeom>
-          <a:noFill/>
-        </p:spPr>
-        <p:txBody>
-          <a:bodyPr wrap="square" rtlCol="0">
-            <a:spAutoFit/>
-          </a:bodyPr>
-          <a:lstStyle/>
-          <a:p>
-            <a:r>
-              <a:rPr lang="en-US" sz="800" dirty="0"/>
-              <a:t>M:M</a:t>
-            </a:r>
-          </a:p>
-        </p:txBody>
-      </p:sp>
-      <p:sp>
-        <p:nvSpPr>
-          <p:cNvPr id="78" name="TextBox 77">
-            <a:extLst>
-              <a:ext uri="{FF2B5EF4-FFF2-40B4-BE49-F238E27FC236}">
-                <a16:creationId xmlns:a16="http://schemas.microsoft.com/office/drawing/2014/main" id="{747FEBF2-DC1A-277B-E2E4-048A44C14ACB}"/>
-              </a:ext>
-            </a:extLst>
-          </p:cNvPr>
-          <p:cNvSpPr txBox="1"/>
-          <p:nvPr/>
-        </p:nvSpPr>
-        <p:spPr>
-          <a:xfrm>
-            <a:off x="5894059" y="4947249"/>
-            <a:ext cx="579407" cy="215444"/>
-          </a:xfrm>
-          <a:prstGeom prst="rect">
-            <a:avLst/>
-          </a:prstGeom>
-          <a:noFill/>
-        </p:spPr>
-        <p:txBody>
-          <a:bodyPr wrap="square" rtlCol="0">
-            <a:spAutoFit/>
-          </a:bodyPr>
-          <a:lstStyle/>
-          <a:p>
-            <a:r>
-              <a:rPr lang="en-US" sz="800" dirty="0"/>
-              <a:t>M:M</a:t>
-            </a:r>
-          </a:p>
-        </p:txBody>
-      </p:sp>
-      <p:sp>
-        <p:nvSpPr>
-          <p:cNvPr id="79" name="TextBox 78">
-            <a:extLst>
-              <a:ext uri="{FF2B5EF4-FFF2-40B4-BE49-F238E27FC236}">
-                <a16:creationId xmlns:a16="http://schemas.microsoft.com/office/drawing/2014/main" id="{E78150B0-09A1-2AD1-3D66-988FAC6A963C}"/>
-              </a:ext>
-            </a:extLst>
-          </p:cNvPr>
-          <p:cNvSpPr txBox="1"/>
-          <p:nvPr/>
-        </p:nvSpPr>
-        <p:spPr>
-          <a:xfrm>
-            <a:off x="5234033" y="3891699"/>
-            <a:ext cx="579407" cy="215444"/>
-          </a:xfrm>
-          <a:prstGeom prst="rect">
-            <a:avLst/>
-          </a:prstGeom>
-          <a:noFill/>
-        </p:spPr>
-        <p:txBody>
-          <a:bodyPr wrap="square" rtlCol="0">
-            <a:spAutoFit/>
-          </a:bodyPr>
-          <a:lstStyle/>
-          <a:p>
-            <a:r>
-              <a:rPr lang="en-US" sz="800" dirty="0"/>
-              <a:t>M:M</a:t>
-            </a:r>
-          </a:p>
-        </p:txBody>
-      </p:sp>
-      <p:sp>
-        <p:nvSpPr>
-          <p:cNvPr id="80" name="TextBox 79">
-            <a:extLst>
-              <a:ext uri="{FF2B5EF4-FFF2-40B4-BE49-F238E27FC236}">
-                <a16:creationId xmlns:a16="http://schemas.microsoft.com/office/drawing/2014/main" id="{B31057AF-FB7D-C68A-2BB5-E6A4BB12595E}"/>
-              </a:ext>
-            </a:extLst>
-          </p:cNvPr>
-          <p:cNvSpPr txBox="1"/>
-          <p:nvPr/>
-        </p:nvSpPr>
-        <p:spPr>
-          <a:xfrm>
-            <a:off x="4918760" y="3220455"/>
-            <a:ext cx="579407" cy="215444"/>
-          </a:xfrm>
-          <a:prstGeom prst="rect">
-            <a:avLst/>
-          </a:prstGeom>
-          <a:noFill/>
-        </p:spPr>
-        <p:txBody>
-          <a:bodyPr wrap="square" rtlCol="0">
-            <a:spAutoFit/>
-          </a:bodyPr>
-          <a:lstStyle/>
-          <a:p>
-            <a:r>
-              <a:rPr lang="en-US" sz="800" dirty="0"/>
-              <a:t>M:M</a:t>
-            </a:r>
-          </a:p>
-        </p:txBody>
-      </p:sp>
-      <p:sp>
-        <p:nvSpPr>
-          <p:cNvPr id="81" name="TextBox 80">
-            <a:extLst>
-              <a:ext uri="{FF2B5EF4-FFF2-40B4-BE49-F238E27FC236}">
-                <a16:creationId xmlns:a16="http://schemas.microsoft.com/office/drawing/2014/main" id="{47DD2D61-3B13-0459-D2C5-5A5443E93827}"/>
-              </a:ext>
-            </a:extLst>
-          </p:cNvPr>
-          <p:cNvSpPr txBox="1"/>
-          <p:nvPr/>
-        </p:nvSpPr>
-        <p:spPr>
-          <a:xfrm>
-            <a:off x="4572701" y="2570885"/>
-            <a:ext cx="579407" cy="215444"/>
-          </a:xfrm>
-          <a:prstGeom prst="rect">
-            <a:avLst/>
-          </a:prstGeom>
-          <a:noFill/>
-        </p:spPr>
-        <p:txBody>
-          <a:bodyPr wrap="square" rtlCol="0">
-            <a:spAutoFit/>
-          </a:bodyPr>
-          <a:lstStyle/>
-          <a:p>
-            <a:r>
-              <a:rPr lang="en-US" sz="800" dirty="0"/>
-              <a:t>M:M</a:t>
-            </a:r>
-          </a:p>
-        </p:txBody>
-      </p:sp>
-      <p:sp>
-        <p:nvSpPr>
-          <p:cNvPr id="85" name="TextBox 84">
-            <a:extLst>
-              <a:ext uri="{FF2B5EF4-FFF2-40B4-BE49-F238E27FC236}">
-                <a16:creationId xmlns:a16="http://schemas.microsoft.com/office/drawing/2014/main" id="{D0C09231-B1BF-BC00-B801-427A9EB2C21B}"/>
-              </a:ext>
-            </a:extLst>
-          </p:cNvPr>
-          <p:cNvSpPr txBox="1"/>
-          <p:nvPr/>
-        </p:nvSpPr>
-        <p:spPr>
-          <a:xfrm>
-            <a:off x="3927663" y="1621633"/>
-            <a:ext cx="579407" cy="215444"/>
-          </a:xfrm>
-          <a:prstGeom prst="rect">
-            <a:avLst/>
-          </a:prstGeom>
-          <a:noFill/>
-        </p:spPr>
-        <p:txBody>
-          <a:bodyPr wrap="square" rtlCol="0">
-            <a:spAutoFit/>
-          </a:bodyPr>
-          <a:lstStyle/>
-          <a:p>
-            <a:r>
-              <a:rPr lang="en-US" sz="800" dirty="0"/>
-              <a:t>M:M</a:t>
-            </a:r>
-          </a:p>
-        </p:txBody>
-      </p:sp>
-      <p:sp>
-        <p:nvSpPr>
-          <p:cNvPr id="86" name="TextBox 85">
-            <a:extLst>
-              <a:ext uri="{FF2B5EF4-FFF2-40B4-BE49-F238E27FC236}">
-                <a16:creationId xmlns:a16="http://schemas.microsoft.com/office/drawing/2014/main" id="{DB5B1CB8-7EEC-E449-9518-3F9906D9C32D}"/>
-              </a:ext>
-            </a:extLst>
-          </p:cNvPr>
-          <p:cNvSpPr txBox="1"/>
-          <p:nvPr/>
-        </p:nvSpPr>
-        <p:spPr>
-          <a:xfrm>
-            <a:off x="3946468" y="2347862"/>
-            <a:ext cx="579407" cy="215444"/>
-          </a:xfrm>
-          <a:prstGeom prst="rect">
-            <a:avLst/>
-          </a:prstGeom>
-          <a:noFill/>
-        </p:spPr>
-        <p:txBody>
-          <a:bodyPr wrap="square" rtlCol="0">
-            <a:spAutoFit/>
-          </a:bodyPr>
-          <a:lstStyle/>
-          <a:p>
-            <a:r>
-              <a:rPr lang="en-US" sz="800" dirty="0"/>
-              <a:t>1:M</a:t>
-            </a:r>
-          </a:p>
-        </p:txBody>
-      </p:sp>
-      <p:sp>
-        <p:nvSpPr>
-          <p:cNvPr id="87" name="TextBox 86">
-            <a:extLst>
-              <a:ext uri="{FF2B5EF4-FFF2-40B4-BE49-F238E27FC236}">
-                <a16:creationId xmlns:a16="http://schemas.microsoft.com/office/drawing/2014/main" id="{F277EA7D-259B-D8C0-1CCC-5F7D9CB9D246}"/>
-              </a:ext>
-            </a:extLst>
-          </p:cNvPr>
-          <p:cNvSpPr txBox="1"/>
-          <p:nvPr/>
-        </p:nvSpPr>
-        <p:spPr>
-          <a:xfrm>
-            <a:off x="3946468" y="3098865"/>
-            <a:ext cx="579407" cy="215444"/>
-          </a:xfrm>
-          <a:prstGeom prst="rect">
-            <a:avLst/>
-          </a:prstGeom>
-          <a:noFill/>
-        </p:spPr>
-        <p:txBody>
-          <a:bodyPr wrap="square" rtlCol="0">
-            <a:spAutoFit/>
-          </a:bodyPr>
-          <a:lstStyle/>
-          <a:p>
-            <a:r>
-              <a:rPr lang="en-US" sz="800" dirty="0"/>
-              <a:t>1:M</a:t>
-            </a:r>
-          </a:p>
-        </p:txBody>
-      </p:sp>
-      <p:sp>
-        <p:nvSpPr>
-          <p:cNvPr id="88" name="TextBox 87">
-            <a:extLst>
-              <a:ext uri="{FF2B5EF4-FFF2-40B4-BE49-F238E27FC236}">
-                <a16:creationId xmlns:a16="http://schemas.microsoft.com/office/drawing/2014/main" id="{116420A0-93CC-6D55-F858-EC412402B532}"/>
-              </a:ext>
-            </a:extLst>
-          </p:cNvPr>
-          <p:cNvSpPr txBox="1"/>
-          <p:nvPr/>
-        </p:nvSpPr>
-        <p:spPr>
-          <a:xfrm>
-            <a:off x="3950014" y="3875706"/>
-            <a:ext cx="579407" cy="215444"/>
-          </a:xfrm>
-          <a:prstGeom prst="rect">
-            <a:avLst/>
-          </a:prstGeom>
-          <a:noFill/>
-        </p:spPr>
-        <p:txBody>
-          <a:bodyPr wrap="square" rtlCol="0">
-            <a:spAutoFit/>
-          </a:bodyPr>
-          <a:lstStyle/>
-          <a:p>
-            <a:r>
-              <a:rPr lang="en-US" sz="800" dirty="0"/>
-              <a:t>1:M</a:t>
-            </a:r>
-          </a:p>
-        </p:txBody>
-      </p:sp>
-      <p:sp>
-        <p:nvSpPr>
-          <p:cNvPr id="89" name="TextBox 88">
-            <a:extLst>
-              <a:ext uri="{FF2B5EF4-FFF2-40B4-BE49-F238E27FC236}">
-                <a16:creationId xmlns:a16="http://schemas.microsoft.com/office/drawing/2014/main" id="{9C8F5AEC-C648-98B6-0AC7-FA94824C7DEC}"/>
-              </a:ext>
-            </a:extLst>
-          </p:cNvPr>
-          <p:cNvSpPr txBox="1"/>
-          <p:nvPr/>
-        </p:nvSpPr>
-        <p:spPr>
-          <a:xfrm>
-            <a:off x="3946467" y="5371429"/>
-            <a:ext cx="579407" cy="215444"/>
-          </a:xfrm>
-          <a:prstGeom prst="rect">
-            <a:avLst/>
-          </a:prstGeom>
-          <a:noFill/>
-        </p:spPr>
-        <p:txBody>
-          <a:bodyPr wrap="square" rtlCol="0">
-            <a:spAutoFit/>
-          </a:bodyPr>
-          <a:lstStyle/>
-          <a:p>
-            <a:r>
-              <a:rPr lang="en-US" sz="800" dirty="0"/>
-              <a:t>M:M</a:t>
-            </a:r>
-          </a:p>
-        </p:txBody>
-      </p:sp>
-      <p:sp>
-        <p:nvSpPr>
-          <p:cNvPr id="91" name="TextBox 90">
-            <a:extLst>
-              <a:ext uri="{FF2B5EF4-FFF2-40B4-BE49-F238E27FC236}">
-                <a16:creationId xmlns:a16="http://schemas.microsoft.com/office/drawing/2014/main" id="{C735A658-6ECB-941F-9B9D-AF3312B6CF88}"/>
-              </a:ext>
-            </a:extLst>
-          </p:cNvPr>
-          <p:cNvSpPr txBox="1"/>
-          <p:nvPr/>
-        </p:nvSpPr>
-        <p:spPr>
-          <a:xfrm>
-            <a:off x="3977663" y="4618566"/>
-            <a:ext cx="579407" cy="215444"/>
-          </a:xfrm>
-          <a:prstGeom prst="rect">
-            <a:avLst/>
-          </a:prstGeom>
-          <a:noFill/>
-        </p:spPr>
-        <p:txBody>
-          <a:bodyPr wrap="square" rtlCol="0">
-            <a:spAutoFit/>
-          </a:bodyPr>
-          <a:lstStyle/>
-          <a:p>
-            <a:r>
-              <a:rPr lang="en-US" sz="800" dirty="0"/>
-              <a:t>1:M</a:t>
-            </a:r>
-          </a:p>
-        </p:txBody>
-      </p:sp>
-      <p:sp>
-        <p:nvSpPr>
-          <p:cNvPr id="92" name="TextBox 91">
-            <a:extLst>
-              <a:ext uri="{FF2B5EF4-FFF2-40B4-BE49-F238E27FC236}">
-                <a16:creationId xmlns:a16="http://schemas.microsoft.com/office/drawing/2014/main" id="{58DB3474-E3E6-9BD8-D46F-7922388FBDB8}"/>
-              </a:ext>
-            </a:extLst>
-          </p:cNvPr>
-          <p:cNvSpPr txBox="1"/>
-          <p:nvPr/>
-        </p:nvSpPr>
-        <p:spPr>
-          <a:xfrm>
-            <a:off x="2995737" y="4839527"/>
-            <a:ext cx="579407" cy="215444"/>
-          </a:xfrm>
-          <a:prstGeom prst="rect">
-            <a:avLst/>
-          </a:prstGeom>
-          <a:noFill/>
-        </p:spPr>
-        <p:txBody>
-          <a:bodyPr wrap="square" rtlCol="0">
-            <a:spAutoFit/>
-          </a:bodyPr>
-          <a:lstStyle/>
-          <a:p>
-            <a:r>
-              <a:rPr lang="en-US" sz="800" dirty="0"/>
-              <a:t>1:M</a:t>
-            </a:r>
-          </a:p>
-        </p:txBody>
-      </p:sp>
-      <p:sp>
-        <p:nvSpPr>
-          <p:cNvPr id="93" name="TextBox 92">
-            <a:extLst>
-              <a:ext uri="{FF2B5EF4-FFF2-40B4-BE49-F238E27FC236}">
-                <a16:creationId xmlns:a16="http://schemas.microsoft.com/office/drawing/2014/main" id="{C7FE0297-9B31-DEBA-7776-3CE824E0AAD4}"/>
-              </a:ext>
-            </a:extLst>
-          </p:cNvPr>
-          <p:cNvSpPr txBox="1"/>
-          <p:nvPr/>
-        </p:nvSpPr>
-        <p:spPr>
-          <a:xfrm>
-            <a:off x="2030695" y="2355441"/>
-            <a:ext cx="579407" cy="215444"/>
-          </a:xfrm>
-          <a:prstGeom prst="rect">
-            <a:avLst/>
-          </a:prstGeom>
-          <a:noFill/>
-        </p:spPr>
-        <p:txBody>
-          <a:bodyPr wrap="square" rtlCol="0">
-            <a:spAutoFit/>
-          </a:bodyPr>
-          <a:lstStyle/>
-          <a:p>
-            <a:r>
-              <a:rPr lang="en-US" sz="800" dirty="0"/>
-              <a:t>M:M</a:t>
-            </a:r>
-          </a:p>
-        </p:txBody>
-      </p:sp>
-      <p:sp>
-        <p:nvSpPr>
-          <p:cNvPr id="94" name="TextBox 93">
-            <a:extLst>
-              <a:ext uri="{FF2B5EF4-FFF2-40B4-BE49-F238E27FC236}">
-                <a16:creationId xmlns:a16="http://schemas.microsoft.com/office/drawing/2014/main" id="{84A3984B-ADD5-D3A1-76BE-6B7DEDE71DCB}"/>
-              </a:ext>
-            </a:extLst>
-          </p:cNvPr>
-          <p:cNvSpPr txBox="1"/>
-          <p:nvPr/>
-        </p:nvSpPr>
-        <p:spPr>
-          <a:xfrm>
-            <a:off x="3348256" y="6095061"/>
-            <a:ext cx="579407" cy="215444"/>
-          </a:xfrm>
-          <a:prstGeom prst="rect">
-            <a:avLst/>
-          </a:prstGeom>
-          <a:noFill/>
-        </p:spPr>
-        <p:txBody>
-          <a:bodyPr wrap="square" rtlCol="0">
-            <a:spAutoFit/>
-          </a:bodyPr>
-          <a:lstStyle/>
-          <a:p>
-            <a:r>
-              <a:rPr lang="en-US" sz="800" dirty="0"/>
-              <a:t>M:M</a:t>
-            </a:r>
-          </a:p>
-        </p:txBody>
-      </p:sp>
-      <p:sp>
-        <p:nvSpPr>
-          <p:cNvPr id="99" name="TextBox 98">
-            <a:extLst>
-              <a:ext uri="{FF2B5EF4-FFF2-40B4-BE49-F238E27FC236}">
-                <a16:creationId xmlns:a16="http://schemas.microsoft.com/office/drawing/2014/main" id="{46800C50-6F7F-7701-D4B4-48FD0A0A1B9B}"/>
-              </a:ext>
-            </a:extLst>
-          </p:cNvPr>
-          <p:cNvSpPr txBox="1"/>
-          <p:nvPr/>
-        </p:nvSpPr>
-        <p:spPr>
-          <a:xfrm>
-            <a:off x="1480678" y="5430451"/>
-            <a:ext cx="579407" cy="215444"/>
-          </a:xfrm>
-          <a:prstGeom prst="rect">
-            <a:avLst/>
-          </a:prstGeom>
-          <a:noFill/>
-        </p:spPr>
-        <p:txBody>
-          <a:bodyPr wrap="square" rtlCol="0">
-            <a:spAutoFit/>
-          </a:bodyPr>
-          <a:lstStyle/>
-          <a:p>
-            <a:r>
-              <a:rPr lang="en-US" sz="800" dirty="0"/>
-              <a:t>1:1</a:t>
-            </a:r>
-          </a:p>
-        </p:txBody>
-      </p:sp>
-      <p:sp>
-        <p:nvSpPr>
-          <p:cNvPr id="100" name="TextBox 99">
-            <a:extLst>
-              <a:ext uri="{FF2B5EF4-FFF2-40B4-BE49-F238E27FC236}">
-                <a16:creationId xmlns:a16="http://schemas.microsoft.com/office/drawing/2014/main" id="{9362048E-8405-ABB8-B14C-4E4D7F458247}"/>
-              </a:ext>
-            </a:extLst>
-          </p:cNvPr>
-          <p:cNvSpPr txBox="1"/>
-          <p:nvPr/>
-        </p:nvSpPr>
-        <p:spPr>
-          <a:xfrm>
-            <a:off x="2207448" y="5430451"/>
-            <a:ext cx="579407" cy="215444"/>
-          </a:xfrm>
-          <a:prstGeom prst="rect">
-            <a:avLst/>
-          </a:prstGeom>
-          <a:noFill/>
-        </p:spPr>
-        <p:txBody>
-          <a:bodyPr wrap="square" rtlCol="0">
-            <a:spAutoFit/>
-          </a:bodyPr>
-          <a:lstStyle/>
-          <a:p>
-            <a:r>
-              <a:rPr lang="en-US" sz="800" dirty="0"/>
-              <a:t>1:M</a:t>
-            </a:r>
-          </a:p>
-        </p:txBody>
-      </p:sp>
-      <p:cxnSp>
-        <p:nvCxnSpPr>
-          <p:cNvPr id="102" name="Straight Connector 101">
-            <a:extLst>
-              <a:ext uri="{FF2B5EF4-FFF2-40B4-BE49-F238E27FC236}">
-                <a16:creationId xmlns:a16="http://schemas.microsoft.com/office/drawing/2014/main" id="{6EF545D3-707C-56C2-3739-DD664E76ED1F}"/>
-              </a:ext>
-            </a:extLst>
-          </p:cNvPr>
-          <p:cNvCxnSpPr>
-            <a:cxnSpLocks/>
-          </p:cNvCxnSpPr>
-          <p:nvPr/>
-        </p:nvCxnSpPr>
-        <p:spPr>
-          <a:xfrm>
-            <a:off x="2786855" y="5050414"/>
-            <a:ext cx="0" cy="595481"/>
-          </a:xfrm>
-          <a:prstGeom prst="line">
-            <a:avLst/>
-          </a:prstGeom>
-        </p:spPr>
-        <p:style>
-          <a:lnRef idx="2">
-            <a:schemeClr val="accent1"/>
-          </a:lnRef>
-          <a:fillRef idx="0">
-            <a:schemeClr val="accent1"/>
-          </a:fillRef>
-          <a:effectRef idx="1">
-            <a:schemeClr val="accent1"/>
-          </a:effectRef>
-          <a:fontRef idx="minor">
-            <a:schemeClr val="tx1"/>
-          </a:fontRef>
-        </p:style>
-      </p:cxnSp>
-      <p:sp>
-        <p:nvSpPr>
-          <p:cNvPr id="106" name="TextBox 105">
-            <a:extLst>
-              <a:ext uri="{FF2B5EF4-FFF2-40B4-BE49-F238E27FC236}">
-                <a16:creationId xmlns:a16="http://schemas.microsoft.com/office/drawing/2014/main" id="{641177FE-06C3-894A-798A-C42999664849}"/>
-              </a:ext>
-            </a:extLst>
-          </p:cNvPr>
-          <p:cNvSpPr txBox="1"/>
-          <p:nvPr/>
-        </p:nvSpPr>
-        <p:spPr>
-          <a:xfrm>
-            <a:off x="2735217" y="5232445"/>
-            <a:ext cx="579407" cy="215444"/>
-          </a:xfrm>
-          <a:prstGeom prst="rect">
-            <a:avLst/>
-          </a:prstGeom>
-          <a:noFill/>
-        </p:spPr>
-        <p:txBody>
-          <a:bodyPr wrap="square" rtlCol="0">
-            <a:spAutoFit/>
-          </a:bodyPr>
-          <a:lstStyle/>
-          <a:p>
-            <a:r>
-              <a:rPr lang="en-US" sz="800" dirty="0"/>
-              <a:t>1:M</a:t>
-            </a:r>
-          </a:p>
-        </p:txBody>
-      </p:sp>
-      <p:grpSp>
-        <p:nvGrpSpPr>
-          <p:cNvPr id="107" name="Group 106">
-            <a:extLst>
-              <a:ext uri="{FF2B5EF4-FFF2-40B4-BE49-F238E27FC236}">
-                <a16:creationId xmlns:a16="http://schemas.microsoft.com/office/drawing/2014/main" id="{EC4AE05F-E688-D9B9-BC7C-A47C791B0DD6}"/>
-              </a:ext>
-            </a:extLst>
-          </p:cNvPr>
-          <p:cNvGrpSpPr/>
-          <p:nvPr/>
-        </p:nvGrpSpPr>
-        <p:grpSpPr>
-          <a:xfrm>
-            <a:off x="5152108" y="6334607"/>
-            <a:ext cx="1057309" cy="528654"/>
-            <a:chOff x="961291" y="4492300"/>
-            <a:chExt cx="1057309" cy="528654"/>
-          </a:xfrm>
-        </p:grpSpPr>
-        <p:sp>
-          <p:nvSpPr>
-            <p:cNvPr id="108" name="Rectangle 107">
-              <a:extLst>
-                <a:ext uri="{FF2B5EF4-FFF2-40B4-BE49-F238E27FC236}">
-                  <a16:creationId xmlns:a16="http://schemas.microsoft.com/office/drawing/2014/main" id="{80BB113B-9B20-8F2C-58C5-3B1A9F0C49CF}"/>
-                </a:ext>
-              </a:extLst>
-            </p:cNvPr>
-            <p:cNvSpPr/>
-            <p:nvPr/>
-          </p:nvSpPr>
-          <p:spPr>
-            <a:xfrm>
-              <a:off x="961291" y="4492300"/>
-              <a:ext cx="1057309" cy="528654"/>
-            </a:xfrm>
-            <a:prstGeom prst="rect">
-              <a:avLst/>
-            </a:prstGeom>
-          </p:spPr>
-          <p:style>
-            <a:lnRef idx="2">
-              <a:schemeClr val="lt1">
-                <a:hueOff val="0"/>
-                <a:satOff val="0"/>
-                <a:lumOff val="0"/>
-                <a:alphaOff val="0"/>
-              </a:schemeClr>
-            </a:lnRef>
-            <a:fillRef idx="1">
-              <a:schemeClr val="accent1">
-                <a:hueOff val="0"/>
-                <a:satOff val="0"/>
-                <a:lumOff val="0"/>
-                <a:alphaOff val="0"/>
-              </a:schemeClr>
-            </a:fillRef>
-            <a:effectRef idx="0">
-              <a:schemeClr val="accent1">
-                <a:hueOff val="0"/>
-                <a:satOff val="0"/>
-                <a:lumOff val="0"/>
-                <a:alphaOff val="0"/>
-              </a:schemeClr>
-            </a:effectRef>
-            <a:fontRef idx="minor">
-              <a:schemeClr val="lt1"/>
-            </a:fontRef>
-          </p:style>
-          <p:txBody>
-            <a:bodyPr/>
-            <a:lstStyle/>
-            <a:p>
-              <a:endParaRPr lang="en-US"/>
-            </a:p>
-          </p:txBody>
-        </p:sp>
-        <p:sp>
-          <p:nvSpPr>
-            <p:cNvPr id="109" name="TextBox 108">
-              <a:extLst>
-                <a:ext uri="{FF2B5EF4-FFF2-40B4-BE49-F238E27FC236}">
-                  <a16:creationId xmlns:a16="http://schemas.microsoft.com/office/drawing/2014/main" id="{D56AC73A-E055-8330-73D8-E7B2CDC621FC}"/>
-                </a:ext>
-              </a:extLst>
-            </p:cNvPr>
-            <p:cNvSpPr txBox="1"/>
-            <p:nvPr/>
-          </p:nvSpPr>
-          <p:spPr>
-            <a:xfrm>
-              <a:off x="961291" y="4492300"/>
-              <a:ext cx="1057309" cy="528654"/>
-            </a:xfrm>
-            <a:prstGeom prst="rect">
-              <a:avLst/>
-            </a:prstGeom>
-          </p:spPr>
-          <p:style>
-            <a:lnRef idx="0">
-              <a:scrgbClr r="0" g="0" b="0"/>
-            </a:lnRef>
-            <a:fillRef idx="0">
-              <a:scrgbClr r="0" g="0" b="0"/>
-            </a:fillRef>
-            <a:effectRef idx="0">
-              <a:scrgbClr r="0" g="0" b="0"/>
-            </a:effectRef>
-            <a:fontRef idx="minor">
-              <a:schemeClr val="lt1"/>
-            </a:fontRef>
-          </p:style>
-          <p:txBody>
-            <a:bodyPr spcFirstLastPara="0" vert="horz" wrap="square" lIns="9525" tIns="9525" rIns="9525" bIns="9525" numCol="1" spcCol="1270" anchor="ctr" anchorCtr="0">
-              <a:noAutofit/>
-            </a:bodyPr>
-            <a:lstStyle/>
-            <a:p>
-              <a:pPr marL="0" lvl="0" indent="0" algn="ctr" defTabSz="666750">
-                <a:lnSpc>
-                  <a:spcPct val="90000"/>
-                </a:lnSpc>
-                <a:spcBef>
-                  <a:spcPct val="0"/>
-                </a:spcBef>
-                <a:spcAft>
-                  <a:spcPct val="35000"/>
-                </a:spcAft>
-                <a:buNone/>
-              </a:pPr>
-              <a:r>
-                <a:rPr lang="en-US" sz="1500" kern="1200" dirty="0"/>
-                <a:t>Laboratory</a:t>
-              </a:r>
-            </a:p>
-          </p:txBody>
-        </p:sp>
-      </p:grpSp>
-      <p:cxnSp>
-        <p:nvCxnSpPr>
-          <p:cNvPr id="110" name="Straight Connector 109">
-            <a:extLst>
-              <a:ext uri="{FF2B5EF4-FFF2-40B4-BE49-F238E27FC236}">
-                <a16:creationId xmlns:a16="http://schemas.microsoft.com/office/drawing/2014/main" id="{D6CC8335-E339-C412-8022-E48120A0A669}"/>
-              </a:ext>
-            </a:extLst>
-          </p:cNvPr>
-          <p:cNvCxnSpPr>
-            <a:cxnSpLocks/>
-            <a:endCxn id="108" idx="1"/>
-          </p:cNvCxnSpPr>
-          <p:nvPr/>
-        </p:nvCxnSpPr>
-        <p:spPr>
-          <a:xfrm>
-            <a:off x="4630062" y="6598934"/>
-            <a:ext cx="522046" cy="0"/>
-          </a:xfrm>
-          <a:prstGeom prst="line">
-            <a:avLst/>
-          </a:prstGeom>
-        </p:spPr>
-        <p:style>
-          <a:lnRef idx="2">
-            <a:schemeClr val="accent1"/>
-          </a:lnRef>
-          <a:fillRef idx="0">
-            <a:schemeClr val="accent1"/>
-          </a:fillRef>
-          <a:effectRef idx="1">
-            <a:schemeClr val="accent1"/>
-          </a:effectRef>
-          <a:fontRef idx="minor">
-            <a:schemeClr val="tx1"/>
-          </a:fontRef>
-        </p:style>
-      </p:cxnSp>
-      <p:sp>
-        <p:nvSpPr>
-          <p:cNvPr id="114" name="TextBox 113">
-            <a:extLst>
-              <a:ext uri="{FF2B5EF4-FFF2-40B4-BE49-F238E27FC236}">
-                <a16:creationId xmlns:a16="http://schemas.microsoft.com/office/drawing/2014/main" id="{CD192B43-042B-4834-36DC-68F8970FFAEB}"/>
-              </a:ext>
-            </a:extLst>
-          </p:cNvPr>
-          <p:cNvSpPr txBox="1"/>
-          <p:nvPr/>
-        </p:nvSpPr>
-        <p:spPr>
-          <a:xfrm>
-            <a:off x="4680656" y="6383490"/>
-            <a:ext cx="579407" cy="215444"/>
-          </a:xfrm>
-          <a:prstGeom prst="rect">
-            <a:avLst/>
-          </a:prstGeom>
-          <a:noFill/>
-        </p:spPr>
-        <p:txBody>
-          <a:bodyPr wrap="square" rtlCol="0">
-            <a:spAutoFit/>
-          </a:bodyPr>
-          <a:lstStyle/>
-          <a:p>
-            <a:r>
-              <a:rPr lang="en-US" sz="800" dirty="0"/>
-              <a:t>M:1</a:t>
-            </a:r>
-          </a:p>
-        </p:txBody>
-      </p:sp>
-      <p:grpSp>
-        <p:nvGrpSpPr>
-          <p:cNvPr id="115" name="Group 114">
-            <a:extLst>
-              <a:ext uri="{FF2B5EF4-FFF2-40B4-BE49-F238E27FC236}">
-                <a16:creationId xmlns:a16="http://schemas.microsoft.com/office/drawing/2014/main" id="{F13AEDCD-EC4C-A2B1-3B3F-83CAA2E4840D}"/>
-              </a:ext>
-            </a:extLst>
-          </p:cNvPr>
-          <p:cNvGrpSpPr/>
-          <p:nvPr/>
-        </p:nvGrpSpPr>
-        <p:grpSpPr>
-          <a:xfrm>
-            <a:off x="1411290" y="6320821"/>
-            <a:ext cx="1057309" cy="528654"/>
-            <a:chOff x="961291" y="4492300"/>
-            <a:chExt cx="1057309" cy="528654"/>
-          </a:xfrm>
-        </p:grpSpPr>
-        <p:sp>
-          <p:nvSpPr>
-            <p:cNvPr id="116" name="Rectangle 115">
-              <a:extLst>
-                <a:ext uri="{FF2B5EF4-FFF2-40B4-BE49-F238E27FC236}">
-                  <a16:creationId xmlns:a16="http://schemas.microsoft.com/office/drawing/2014/main" id="{A6744D6F-F25B-9A29-1AD3-172DDD2A8306}"/>
-                </a:ext>
-              </a:extLst>
-            </p:cNvPr>
-            <p:cNvSpPr/>
-            <p:nvPr/>
-          </p:nvSpPr>
-          <p:spPr>
-            <a:xfrm>
-              <a:off x="961291" y="4492300"/>
-              <a:ext cx="1057309" cy="528654"/>
-            </a:xfrm>
-            <a:prstGeom prst="rect">
-              <a:avLst/>
-            </a:prstGeom>
-          </p:spPr>
-          <p:style>
-            <a:lnRef idx="2">
-              <a:schemeClr val="lt1">
-                <a:hueOff val="0"/>
-                <a:satOff val="0"/>
-                <a:lumOff val="0"/>
-                <a:alphaOff val="0"/>
-              </a:schemeClr>
-            </a:lnRef>
-            <a:fillRef idx="1">
-              <a:schemeClr val="accent1">
-                <a:hueOff val="0"/>
-                <a:satOff val="0"/>
-                <a:lumOff val="0"/>
-                <a:alphaOff val="0"/>
-              </a:schemeClr>
-            </a:fillRef>
-            <a:effectRef idx="0">
-              <a:schemeClr val="accent1">
-                <a:hueOff val="0"/>
-                <a:satOff val="0"/>
-                <a:lumOff val="0"/>
-                <a:alphaOff val="0"/>
-              </a:schemeClr>
-            </a:effectRef>
-            <a:fontRef idx="minor">
-              <a:schemeClr val="lt1"/>
-            </a:fontRef>
-          </p:style>
-          <p:txBody>
-            <a:bodyPr/>
-            <a:lstStyle/>
-            <a:p>
-              <a:endParaRPr lang="en-US"/>
-            </a:p>
-          </p:txBody>
-        </p:sp>
-        <p:sp>
-          <p:nvSpPr>
-            <p:cNvPr id="117" name="TextBox 116">
-              <a:extLst>
-                <a:ext uri="{FF2B5EF4-FFF2-40B4-BE49-F238E27FC236}">
-                  <a16:creationId xmlns:a16="http://schemas.microsoft.com/office/drawing/2014/main" id="{EC37A962-FC49-9E19-99D6-35AF91B3F888}"/>
-                </a:ext>
-              </a:extLst>
-            </p:cNvPr>
-            <p:cNvSpPr txBox="1"/>
-            <p:nvPr/>
-          </p:nvSpPr>
-          <p:spPr>
-            <a:xfrm>
-              <a:off x="961291" y="4492300"/>
-              <a:ext cx="1057309" cy="528654"/>
-            </a:xfrm>
-            <a:prstGeom prst="rect">
-              <a:avLst/>
-            </a:prstGeom>
-          </p:spPr>
-          <p:style>
-            <a:lnRef idx="0">
-              <a:scrgbClr r="0" g="0" b="0"/>
-            </a:lnRef>
-            <a:fillRef idx="0">
-              <a:scrgbClr r="0" g="0" b="0"/>
-            </a:fillRef>
-            <a:effectRef idx="0">
-              <a:scrgbClr r="0" g="0" b="0"/>
-            </a:effectRef>
-            <a:fontRef idx="minor">
-              <a:schemeClr val="lt1"/>
-            </a:fontRef>
-          </p:style>
-          <p:txBody>
-            <a:bodyPr spcFirstLastPara="0" vert="horz" wrap="square" lIns="9525" tIns="9525" rIns="9525" bIns="9525" numCol="1" spcCol="1270" anchor="ctr" anchorCtr="0">
-              <a:noAutofit/>
-            </a:bodyPr>
-            <a:lstStyle/>
-            <a:p>
-              <a:pPr marL="0" lvl="0" indent="0" algn="ctr" defTabSz="666750">
-                <a:lnSpc>
-                  <a:spcPct val="90000"/>
-                </a:lnSpc>
-                <a:spcBef>
-                  <a:spcPct val="0"/>
-                </a:spcBef>
-                <a:spcAft>
-                  <a:spcPct val="35000"/>
-                </a:spcAft>
-                <a:buNone/>
-              </a:pPr>
-              <a:r>
-                <a:rPr lang="en-US" sz="1500" kern="1200" dirty="0"/>
-                <a:t>Export</a:t>
-              </a:r>
-            </a:p>
-          </p:txBody>
-        </p:sp>
-      </p:grpSp>
-      <p:cxnSp>
-        <p:nvCxnSpPr>
-          <p:cNvPr id="119" name="Straight Connector 118">
-            <a:extLst>
-              <a:ext uri="{FF2B5EF4-FFF2-40B4-BE49-F238E27FC236}">
-                <a16:creationId xmlns:a16="http://schemas.microsoft.com/office/drawing/2014/main" id="{509EFB11-BDF7-B9DF-2365-0A1798F96F55}"/>
-              </a:ext>
-            </a:extLst>
-          </p:cNvPr>
-          <p:cNvCxnSpPr>
-            <a:cxnSpLocks/>
-            <a:endCxn id="117" idx="3"/>
-          </p:cNvCxnSpPr>
-          <p:nvPr/>
-        </p:nvCxnSpPr>
-        <p:spPr>
-          <a:xfrm flipH="1">
-            <a:off x="2468599" y="6585148"/>
-            <a:ext cx="736523" cy="0"/>
-          </a:xfrm>
-          <a:prstGeom prst="line">
-            <a:avLst/>
-          </a:prstGeom>
-        </p:spPr>
-        <p:style>
-          <a:lnRef idx="2">
-            <a:schemeClr val="accent1"/>
-          </a:lnRef>
-          <a:fillRef idx="0">
-            <a:schemeClr val="accent1"/>
-          </a:fillRef>
-          <a:effectRef idx="1">
-            <a:schemeClr val="accent1"/>
-          </a:effectRef>
-          <a:fontRef idx="minor">
-            <a:schemeClr val="tx1"/>
-          </a:fontRef>
-        </p:style>
-      </p:cxnSp>
-      <p:sp>
-        <p:nvSpPr>
-          <p:cNvPr id="122" name="TextBox 121">
-            <a:extLst>
-              <a:ext uri="{FF2B5EF4-FFF2-40B4-BE49-F238E27FC236}">
-                <a16:creationId xmlns:a16="http://schemas.microsoft.com/office/drawing/2014/main" id="{CB20A165-BC2A-2EB5-ADCF-A18ED07D64E3}"/>
-              </a:ext>
-            </a:extLst>
-          </p:cNvPr>
-          <p:cNvSpPr txBox="1"/>
-          <p:nvPr/>
-        </p:nvSpPr>
-        <p:spPr>
-          <a:xfrm>
-            <a:off x="2735217" y="6372336"/>
-            <a:ext cx="579407" cy="215444"/>
-          </a:xfrm>
-          <a:prstGeom prst="rect">
-            <a:avLst/>
-          </a:prstGeom>
-          <a:noFill/>
-        </p:spPr>
-        <p:txBody>
-          <a:bodyPr wrap="square" rtlCol="0">
-            <a:spAutoFit/>
-          </a:bodyPr>
-          <a:lstStyle/>
-          <a:p>
-            <a:r>
-              <a:rPr lang="en-US" sz="800" dirty="0"/>
-              <a:t>M:1</a:t>
-            </a:r>
-          </a:p>
-        </p:txBody>
-      </p:sp>
-      <p:cxnSp>
-        <p:nvCxnSpPr>
-          <p:cNvPr id="138" name="Straight Connector 137">
-            <a:extLst>
-              <a:ext uri="{FF2B5EF4-FFF2-40B4-BE49-F238E27FC236}">
-                <a16:creationId xmlns:a16="http://schemas.microsoft.com/office/drawing/2014/main" id="{1E567FAC-ECDA-4CB7-F11D-90DFA617F92F}"/>
-              </a:ext>
-            </a:extLst>
-          </p:cNvPr>
-          <p:cNvCxnSpPr>
-            <a:cxnSpLocks/>
-          </p:cNvCxnSpPr>
-          <p:nvPr/>
-        </p:nvCxnSpPr>
-        <p:spPr>
-          <a:xfrm flipV="1">
-            <a:off x="3205122" y="5846033"/>
-            <a:ext cx="0" cy="752901"/>
-          </a:xfrm>
-          <a:prstGeom prst="line">
-            <a:avLst/>
-          </a:prstGeom>
-        </p:spPr>
-        <p:style>
-          <a:lnRef idx="2">
-            <a:schemeClr val="accent1"/>
-          </a:lnRef>
-          <a:fillRef idx="0">
-            <a:schemeClr val="accent1"/>
-          </a:fillRef>
-          <a:effectRef idx="1">
-            <a:schemeClr val="accent1"/>
-          </a:effectRef>
-          <a:fontRef idx="minor">
-            <a:schemeClr val="tx1"/>
-          </a:fontRef>
-        </p:style>
-      </p:cxnSp>
-      <p:cxnSp>
-        <p:nvCxnSpPr>
-          <p:cNvPr id="143" name="Straight Connector 142">
-            <a:extLst>
-              <a:ext uri="{FF2B5EF4-FFF2-40B4-BE49-F238E27FC236}">
-                <a16:creationId xmlns:a16="http://schemas.microsoft.com/office/drawing/2014/main" id="{20632C2F-2449-ECAF-FEF1-C7D723FCA590}"/>
-              </a:ext>
-            </a:extLst>
-          </p:cNvPr>
-          <p:cNvCxnSpPr>
-            <a:cxnSpLocks/>
-          </p:cNvCxnSpPr>
-          <p:nvPr/>
-        </p:nvCxnSpPr>
-        <p:spPr>
-          <a:xfrm flipH="1">
-            <a:off x="3205122" y="5846033"/>
-            <a:ext cx="109502" cy="0"/>
-          </a:xfrm>
-          <a:prstGeom prst="line">
-            <a:avLst/>
-          </a:prstGeom>
-        </p:spPr>
-        <p:style>
-          <a:lnRef idx="2">
-            <a:schemeClr val="accent1"/>
-          </a:lnRef>
-          <a:fillRef idx="0">
-            <a:schemeClr val="accent1"/>
-          </a:fillRef>
-          <a:effectRef idx="1">
-            <a:schemeClr val="accent1"/>
-          </a:effectRef>
-          <a:fontRef idx="minor">
-            <a:schemeClr val="tx1"/>
-          </a:fontRef>
-        </p:style>
-      </p:cxnSp>
-      <p:cxnSp>
-        <p:nvCxnSpPr>
-          <p:cNvPr id="145" name="Straight Connector 144">
-            <a:extLst>
-              <a:ext uri="{FF2B5EF4-FFF2-40B4-BE49-F238E27FC236}">
-                <a16:creationId xmlns:a16="http://schemas.microsoft.com/office/drawing/2014/main" id="{DE12ECB9-4D8C-BD6B-8F72-28E7544C4542}"/>
-              </a:ext>
-            </a:extLst>
-          </p:cNvPr>
-          <p:cNvCxnSpPr>
-            <a:cxnSpLocks/>
-          </p:cNvCxnSpPr>
-          <p:nvPr/>
-        </p:nvCxnSpPr>
-        <p:spPr>
-          <a:xfrm flipH="1">
-            <a:off x="3095620" y="5774041"/>
-            <a:ext cx="219004" cy="0"/>
-          </a:xfrm>
-          <a:prstGeom prst="line">
-            <a:avLst/>
-          </a:prstGeom>
-        </p:spPr>
-        <p:style>
-          <a:lnRef idx="2">
-            <a:schemeClr val="accent1"/>
-          </a:lnRef>
-          <a:fillRef idx="0">
-            <a:schemeClr val="accent1"/>
-          </a:fillRef>
-          <a:effectRef idx="1">
-            <a:schemeClr val="accent1"/>
-          </a:effectRef>
-          <a:fontRef idx="minor">
-            <a:schemeClr val="tx1"/>
-          </a:fontRef>
-        </p:style>
-      </p:cxnSp>
-      <p:sp>
-        <p:nvSpPr>
-          <p:cNvPr id="147" name="TextBox 146">
-            <a:extLst>
-              <a:ext uri="{FF2B5EF4-FFF2-40B4-BE49-F238E27FC236}">
-                <a16:creationId xmlns:a16="http://schemas.microsoft.com/office/drawing/2014/main" id="{D306CCF7-F6E9-FBBF-163F-04E98281690F}"/>
-              </a:ext>
-            </a:extLst>
-          </p:cNvPr>
-          <p:cNvSpPr txBox="1"/>
-          <p:nvPr/>
-        </p:nvSpPr>
-        <p:spPr>
-          <a:xfrm>
-            <a:off x="3020524" y="5586946"/>
-            <a:ext cx="579407" cy="215444"/>
-          </a:xfrm>
-          <a:prstGeom prst="rect">
-            <a:avLst/>
-          </a:prstGeom>
-          <a:noFill/>
-        </p:spPr>
-        <p:txBody>
-          <a:bodyPr wrap="square" rtlCol="0">
-            <a:spAutoFit/>
-          </a:bodyPr>
-          <a:lstStyle/>
-          <a:p>
-            <a:r>
-              <a:rPr lang="en-US" sz="800" dirty="0"/>
-              <a:t>1:M</a:t>
-            </a:r>
-          </a:p>
-        </p:txBody>
-      </p:sp>
     </p:spTree>
     <p:extLst>
       <p:ext uri="{BB962C8B-B14F-4D97-AF65-F5344CB8AC3E}">
-        <p14:creationId xmlns:p14="http://schemas.microsoft.com/office/powerpoint/2010/main" val="2311906509"/>
+        <p14:creationId xmlns:p14="http://schemas.microsoft.com/office/powerpoint/2010/main" val="2695032720"/>
       </p:ext>
     </p:extLst>
   </p:cSld>

--- a/Units_diagram.pptx
+++ b/Units_diagram.pptx
@@ -117,7 +117,7 @@
 <file path=ppt/revisionInfo.xml><?xml version="1.0" encoding="utf-8"?>
 <p1510:revInfo xmlns:a="http://schemas.openxmlformats.org/drawingml/2006/main" xmlns:r="http://schemas.openxmlformats.org/officeDocument/2006/relationships" xmlns:p1510="http://schemas.microsoft.com/office/powerpoint/2015/10/main">
   <p1510:revLst>
-    <p1510:client id="{166D12EF-58EE-6C4C-9A24-99C33C59FE65}" v="549" dt="2024-11-15T18:48:44.296"/>
+    <p1510:client id="{166D12EF-58EE-6C4C-9A24-99C33C59FE65}" v="565" dt="2024-11-15T20:54:53.311"/>
   </p1510:revLst>
 </p1510:revInfo>
 </file>
@@ -127,7 +127,7 @@
   <pc:docChgLst>
     <pc:chgData name="Montecino, Diego" userId="a795c42d-832a-4dce-b1d8-09bac981a9d2" providerId="ADAL" clId="{166D12EF-58EE-6C4C-9A24-99C33C59FE65}"/>
     <pc:docChg chg="undo custSel addSld delSld modSld sldOrd">
-      <pc:chgData name="Montecino, Diego" userId="a795c42d-832a-4dce-b1d8-09bac981a9d2" providerId="ADAL" clId="{166D12EF-58EE-6C4C-9A24-99C33C59FE65}" dt="2024-11-15T18:48:44.296" v="1114" actId="5736"/>
+      <pc:chgData name="Montecino, Diego" userId="a795c42d-832a-4dce-b1d8-09bac981a9d2" providerId="ADAL" clId="{166D12EF-58EE-6C4C-9A24-99C33C59FE65}" dt="2024-11-15T20:54:53.310" v="1137" actId="5736"/>
       <pc:docMkLst>
         <pc:docMk/>
       </pc:docMkLst>
@@ -522,7 +522,7 @@
         </pc:cxnChg>
       </pc:sldChg>
       <pc:sldChg chg="addSp delSp modSp add mod ord">
-        <pc:chgData name="Montecino, Diego" userId="a795c42d-832a-4dce-b1d8-09bac981a9d2" providerId="ADAL" clId="{166D12EF-58EE-6C4C-9A24-99C33C59FE65}" dt="2024-11-15T18:48:44.296" v="1114" actId="5736"/>
+        <pc:chgData name="Montecino, Diego" userId="a795c42d-832a-4dce-b1d8-09bac981a9d2" providerId="ADAL" clId="{166D12EF-58EE-6C4C-9A24-99C33C59FE65}" dt="2024-11-15T20:54:53.310" v="1137" actId="5736"/>
         <pc:sldMkLst>
           <pc:docMk/>
           <pc:sldMk cId="1576011338" sldId="258"/>
@@ -544,7 +544,7 @@
           </ac:spMkLst>
         </pc:spChg>
         <pc:spChg chg="add mod">
-          <ac:chgData name="Montecino, Diego" userId="a795c42d-832a-4dce-b1d8-09bac981a9d2" providerId="ADAL" clId="{166D12EF-58EE-6C4C-9A24-99C33C59FE65}" dt="2024-11-15T18:48:44.296" v="1114" actId="5736"/>
+          <ac:chgData name="Montecino, Diego" userId="a795c42d-832a-4dce-b1d8-09bac981a9d2" providerId="ADAL" clId="{166D12EF-58EE-6C4C-9A24-99C33C59FE65}" dt="2024-11-15T20:54:53.310" v="1137" actId="5736"/>
           <ac:spMkLst>
             <pc:docMk/>
             <pc:sldMk cId="1576011338" sldId="258"/>
@@ -560,7 +560,7 @@
           </ac:spMkLst>
         </pc:spChg>
         <pc:spChg chg="add mod">
-          <ac:chgData name="Montecino, Diego" userId="a795c42d-832a-4dce-b1d8-09bac981a9d2" providerId="ADAL" clId="{166D12EF-58EE-6C4C-9A24-99C33C59FE65}" dt="2024-11-15T18:48:44.296" v="1114" actId="5736"/>
+          <ac:chgData name="Montecino, Diego" userId="a795c42d-832a-4dce-b1d8-09bac981a9d2" providerId="ADAL" clId="{166D12EF-58EE-6C4C-9A24-99C33C59FE65}" dt="2024-11-15T20:54:53.310" v="1137" actId="5736"/>
           <ac:spMkLst>
             <pc:docMk/>
             <pc:sldMk cId="1576011338" sldId="258"/>
@@ -584,7 +584,7 @@
           </ac:spMkLst>
         </pc:spChg>
         <pc:spChg chg="add mod">
-          <ac:chgData name="Montecino, Diego" userId="a795c42d-832a-4dce-b1d8-09bac981a9d2" providerId="ADAL" clId="{166D12EF-58EE-6C4C-9A24-99C33C59FE65}" dt="2024-11-15T18:48:44.296" v="1114" actId="5736"/>
+          <ac:chgData name="Montecino, Diego" userId="a795c42d-832a-4dce-b1d8-09bac981a9d2" providerId="ADAL" clId="{166D12EF-58EE-6C4C-9A24-99C33C59FE65}" dt="2024-11-15T20:54:53.310" v="1137" actId="5736"/>
           <ac:spMkLst>
             <pc:docMk/>
             <pc:sldMk cId="1576011338" sldId="258"/>
@@ -664,7 +664,7 @@
           </ac:spMkLst>
         </pc:spChg>
         <pc:spChg chg="add mod">
-          <ac:chgData name="Montecino, Diego" userId="a795c42d-832a-4dce-b1d8-09bac981a9d2" providerId="ADAL" clId="{166D12EF-58EE-6C4C-9A24-99C33C59FE65}" dt="2024-11-15T18:48:44.296" v="1114" actId="5736"/>
+          <ac:chgData name="Montecino, Diego" userId="a795c42d-832a-4dce-b1d8-09bac981a9d2" providerId="ADAL" clId="{166D12EF-58EE-6C4C-9A24-99C33C59FE65}" dt="2024-11-15T20:54:53.310" v="1137" actId="5736"/>
           <ac:spMkLst>
             <pc:docMk/>
             <pc:sldMk cId="1576011338" sldId="258"/>
@@ -672,7 +672,7 @@
           </ac:spMkLst>
         </pc:spChg>
         <pc:spChg chg="add del mod">
-          <ac:chgData name="Montecino, Diego" userId="a795c42d-832a-4dce-b1d8-09bac981a9d2" providerId="ADAL" clId="{166D12EF-58EE-6C4C-9A24-99C33C59FE65}" dt="2024-11-15T18:48:44.296" v="1114" actId="5736"/>
+          <ac:chgData name="Montecino, Diego" userId="a795c42d-832a-4dce-b1d8-09bac981a9d2" providerId="ADAL" clId="{166D12EF-58EE-6C4C-9A24-99C33C59FE65}" dt="2024-11-15T20:54:53.310" v="1137" actId="5736"/>
           <ac:spMkLst>
             <pc:docMk/>
             <pc:sldMk cId="1576011338" sldId="258"/>
@@ -680,7 +680,7 @@
           </ac:spMkLst>
         </pc:spChg>
         <pc:spChg chg="add mod">
-          <ac:chgData name="Montecino, Diego" userId="a795c42d-832a-4dce-b1d8-09bac981a9d2" providerId="ADAL" clId="{166D12EF-58EE-6C4C-9A24-99C33C59FE65}" dt="2024-11-15T18:48:44.296" v="1114" actId="5736"/>
+          <ac:chgData name="Montecino, Diego" userId="a795c42d-832a-4dce-b1d8-09bac981a9d2" providerId="ADAL" clId="{166D12EF-58EE-6C4C-9A24-99C33C59FE65}" dt="2024-11-15T20:54:53.310" v="1137" actId="5736"/>
           <ac:spMkLst>
             <pc:docMk/>
             <pc:sldMk cId="1576011338" sldId="258"/>
@@ -688,7 +688,7 @@
           </ac:spMkLst>
         </pc:spChg>
         <pc:spChg chg="add mod">
-          <ac:chgData name="Montecino, Diego" userId="a795c42d-832a-4dce-b1d8-09bac981a9d2" providerId="ADAL" clId="{166D12EF-58EE-6C4C-9A24-99C33C59FE65}" dt="2024-11-15T18:48:44.296" v="1114" actId="5736"/>
+          <ac:chgData name="Montecino, Diego" userId="a795c42d-832a-4dce-b1d8-09bac981a9d2" providerId="ADAL" clId="{166D12EF-58EE-6C4C-9A24-99C33C59FE65}" dt="2024-11-15T20:54:53.310" v="1137" actId="5736"/>
           <ac:spMkLst>
             <pc:docMk/>
             <pc:sldMk cId="1576011338" sldId="258"/>
@@ -696,7 +696,7 @@
           </ac:spMkLst>
         </pc:spChg>
         <pc:spChg chg="add mod">
-          <ac:chgData name="Montecino, Diego" userId="a795c42d-832a-4dce-b1d8-09bac981a9d2" providerId="ADAL" clId="{166D12EF-58EE-6C4C-9A24-99C33C59FE65}" dt="2024-11-15T18:48:44.296" v="1114" actId="5736"/>
+          <ac:chgData name="Montecino, Diego" userId="a795c42d-832a-4dce-b1d8-09bac981a9d2" providerId="ADAL" clId="{166D12EF-58EE-6C4C-9A24-99C33C59FE65}" dt="2024-11-15T20:54:53.310" v="1137" actId="5736"/>
           <ac:spMkLst>
             <pc:docMk/>
             <pc:sldMk cId="1576011338" sldId="258"/>
@@ -704,7 +704,7 @@
           </ac:spMkLst>
         </pc:spChg>
         <pc:spChg chg="add del mod">
-          <ac:chgData name="Montecino, Diego" userId="a795c42d-832a-4dce-b1d8-09bac981a9d2" providerId="ADAL" clId="{166D12EF-58EE-6C4C-9A24-99C33C59FE65}" dt="2024-11-15T18:48:44.296" v="1114" actId="5736"/>
+          <ac:chgData name="Montecino, Diego" userId="a795c42d-832a-4dce-b1d8-09bac981a9d2" providerId="ADAL" clId="{166D12EF-58EE-6C4C-9A24-99C33C59FE65}" dt="2024-11-15T20:54:53.310" v="1137" actId="5736"/>
           <ac:spMkLst>
             <pc:docMk/>
             <pc:sldMk cId="1576011338" sldId="258"/>
@@ -719,8 +719,16 @@
             <ac:spMk id="47" creationId="{19F88549-75D8-A564-BFF8-5D049270E8E8}"/>
           </ac:spMkLst>
         </pc:spChg>
+        <pc:spChg chg="add mod">
+          <ac:chgData name="Montecino, Diego" userId="a795c42d-832a-4dce-b1d8-09bac981a9d2" providerId="ADAL" clId="{166D12EF-58EE-6C4C-9A24-99C33C59FE65}" dt="2024-11-15T20:54:53.310" v="1137" actId="5736"/>
+          <ac:spMkLst>
+            <pc:docMk/>
+            <pc:sldMk cId="1576011338" sldId="258"/>
+            <ac:spMk id="63" creationId="{03F25ECE-0F68-B601-6658-CB4EE9EF98F1}"/>
+          </ac:spMkLst>
+        </pc:spChg>
         <pc:spChg chg="add del mod">
-          <ac:chgData name="Montecino, Diego" userId="a795c42d-832a-4dce-b1d8-09bac981a9d2" providerId="ADAL" clId="{166D12EF-58EE-6C4C-9A24-99C33C59FE65}" dt="2024-11-15T18:48:44.296" v="1114" actId="5736"/>
+          <ac:chgData name="Montecino, Diego" userId="a795c42d-832a-4dce-b1d8-09bac981a9d2" providerId="ADAL" clId="{166D12EF-58EE-6C4C-9A24-99C33C59FE65}" dt="2024-11-15T20:54:53.310" v="1137" actId="5736"/>
           <ac:spMkLst>
             <pc:docMk/>
             <pc:sldMk cId="1576011338" sldId="258"/>
@@ -728,7 +736,7 @@
           </ac:spMkLst>
         </pc:spChg>
         <pc:spChg chg="add del mod">
-          <ac:chgData name="Montecino, Diego" userId="a795c42d-832a-4dce-b1d8-09bac981a9d2" providerId="ADAL" clId="{166D12EF-58EE-6C4C-9A24-99C33C59FE65}" dt="2024-11-15T18:48:44.296" v="1114" actId="5736"/>
+          <ac:chgData name="Montecino, Diego" userId="a795c42d-832a-4dce-b1d8-09bac981a9d2" providerId="ADAL" clId="{166D12EF-58EE-6C4C-9A24-99C33C59FE65}" dt="2024-11-15T20:54:53.310" v="1137" actId="5736"/>
           <ac:spMkLst>
             <pc:docMk/>
             <pc:sldMk cId="1576011338" sldId="258"/>
@@ -736,7 +744,7 @@
           </ac:spMkLst>
         </pc:spChg>
         <pc:spChg chg="add del mod">
-          <ac:chgData name="Montecino, Diego" userId="a795c42d-832a-4dce-b1d8-09bac981a9d2" providerId="ADAL" clId="{166D12EF-58EE-6C4C-9A24-99C33C59FE65}" dt="2024-11-15T18:48:44.296" v="1114" actId="5736"/>
+          <ac:chgData name="Montecino, Diego" userId="a795c42d-832a-4dce-b1d8-09bac981a9d2" providerId="ADAL" clId="{166D12EF-58EE-6C4C-9A24-99C33C59FE65}" dt="2024-11-15T20:54:53.310" v="1137" actId="5736"/>
           <ac:spMkLst>
             <pc:docMk/>
             <pc:sldMk cId="1576011338" sldId="258"/>
@@ -744,7 +752,7 @@
           </ac:spMkLst>
         </pc:spChg>
         <pc:spChg chg="add del mod">
-          <ac:chgData name="Montecino, Diego" userId="a795c42d-832a-4dce-b1d8-09bac981a9d2" providerId="ADAL" clId="{166D12EF-58EE-6C4C-9A24-99C33C59FE65}" dt="2024-11-15T18:48:44.296" v="1114" actId="5736"/>
+          <ac:chgData name="Montecino, Diego" userId="a795c42d-832a-4dce-b1d8-09bac981a9d2" providerId="ADAL" clId="{166D12EF-58EE-6C4C-9A24-99C33C59FE65}" dt="2024-11-15T20:54:53.310" v="1137" actId="5736"/>
           <ac:spMkLst>
             <pc:docMk/>
             <pc:sldMk cId="1576011338" sldId="258"/>
@@ -752,7 +760,7 @@
           </ac:spMkLst>
         </pc:spChg>
         <pc:spChg chg="add del mod">
-          <ac:chgData name="Montecino, Diego" userId="a795c42d-832a-4dce-b1d8-09bac981a9d2" providerId="ADAL" clId="{166D12EF-58EE-6C4C-9A24-99C33C59FE65}" dt="2024-11-15T18:48:44.296" v="1114" actId="5736"/>
+          <ac:chgData name="Montecino, Diego" userId="a795c42d-832a-4dce-b1d8-09bac981a9d2" providerId="ADAL" clId="{166D12EF-58EE-6C4C-9A24-99C33C59FE65}" dt="2024-11-15T20:54:53.310" v="1137" actId="5736"/>
           <ac:spMkLst>
             <pc:docMk/>
             <pc:sldMk cId="1576011338" sldId="258"/>
@@ -760,7 +768,7 @@
           </ac:spMkLst>
         </pc:spChg>
         <pc:spChg chg="add del mod">
-          <ac:chgData name="Montecino, Diego" userId="a795c42d-832a-4dce-b1d8-09bac981a9d2" providerId="ADAL" clId="{166D12EF-58EE-6C4C-9A24-99C33C59FE65}" dt="2024-11-15T18:48:44.296" v="1114" actId="5736"/>
+          <ac:chgData name="Montecino, Diego" userId="a795c42d-832a-4dce-b1d8-09bac981a9d2" providerId="ADAL" clId="{166D12EF-58EE-6C4C-9A24-99C33C59FE65}" dt="2024-11-15T20:54:53.310" v="1137" actId="5736"/>
           <ac:spMkLst>
             <pc:docMk/>
             <pc:sldMk cId="1576011338" sldId="258"/>
@@ -768,7 +776,7 @@
           </ac:spMkLst>
         </pc:spChg>
         <pc:spChg chg="add del mod">
-          <ac:chgData name="Montecino, Diego" userId="a795c42d-832a-4dce-b1d8-09bac981a9d2" providerId="ADAL" clId="{166D12EF-58EE-6C4C-9A24-99C33C59FE65}" dt="2024-11-15T18:48:44.296" v="1114" actId="5736"/>
+          <ac:chgData name="Montecino, Diego" userId="a795c42d-832a-4dce-b1d8-09bac981a9d2" providerId="ADAL" clId="{166D12EF-58EE-6C4C-9A24-99C33C59FE65}" dt="2024-11-15T20:54:53.310" v="1137" actId="5736"/>
           <ac:spMkLst>
             <pc:docMk/>
             <pc:sldMk cId="1576011338" sldId="258"/>
@@ -784,7 +792,7 @@
           </ac:spMkLst>
         </pc:spChg>
         <pc:spChg chg="add del mod">
-          <ac:chgData name="Montecino, Diego" userId="a795c42d-832a-4dce-b1d8-09bac981a9d2" providerId="ADAL" clId="{166D12EF-58EE-6C4C-9A24-99C33C59FE65}" dt="2024-11-15T18:48:44.296" v="1114" actId="5736"/>
+          <ac:chgData name="Montecino, Diego" userId="a795c42d-832a-4dce-b1d8-09bac981a9d2" providerId="ADAL" clId="{166D12EF-58EE-6C4C-9A24-99C33C59FE65}" dt="2024-11-15T20:54:53.310" v="1137" actId="5736"/>
           <ac:spMkLst>
             <pc:docMk/>
             <pc:sldMk cId="1576011338" sldId="258"/>
@@ -792,7 +800,7 @@
           </ac:spMkLst>
         </pc:spChg>
         <pc:spChg chg="add del mod">
-          <ac:chgData name="Montecino, Diego" userId="a795c42d-832a-4dce-b1d8-09bac981a9d2" providerId="ADAL" clId="{166D12EF-58EE-6C4C-9A24-99C33C59FE65}" dt="2024-11-15T18:48:44.296" v="1114" actId="5736"/>
+          <ac:chgData name="Montecino, Diego" userId="a795c42d-832a-4dce-b1d8-09bac981a9d2" providerId="ADAL" clId="{166D12EF-58EE-6C4C-9A24-99C33C59FE65}" dt="2024-11-15T20:54:53.310" v="1137" actId="5736"/>
           <ac:spMkLst>
             <pc:docMk/>
             <pc:sldMk cId="1576011338" sldId="258"/>
@@ -800,7 +808,7 @@
           </ac:spMkLst>
         </pc:spChg>
         <pc:spChg chg="add del mod">
-          <ac:chgData name="Montecino, Diego" userId="a795c42d-832a-4dce-b1d8-09bac981a9d2" providerId="ADAL" clId="{166D12EF-58EE-6C4C-9A24-99C33C59FE65}" dt="2024-11-15T18:48:44.296" v="1114" actId="5736"/>
+          <ac:chgData name="Montecino, Diego" userId="a795c42d-832a-4dce-b1d8-09bac981a9d2" providerId="ADAL" clId="{166D12EF-58EE-6C4C-9A24-99C33C59FE65}" dt="2024-11-15T20:54:53.310" v="1137" actId="5736"/>
           <ac:spMkLst>
             <pc:docMk/>
             <pc:sldMk cId="1576011338" sldId="258"/>
@@ -808,7 +816,7 @@
           </ac:spMkLst>
         </pc:spChg>
         <pc:spChg chg="add del mod">
-          <ac:chgData name="Montecino, Diego" userId="a795c42d-832a-4dce-b1d8-09bac981a9d2" providerId="ADAL" clId="{166D12EF-58EE-6C4C-9A24-99C33C59FE65}" dt="2024-11-15T18:48:44.296" v="1114" actId="5736"/>
+          <ac:chgData name="Montecino, Diego" userId="a795c42d-832a-4dce-b1d8-09bac981a9d2" providerId="ADAL" clId="{166D12EF-58EE-6C4C-9A24-99C33C59FE65}" dt="2024-11-15T20:54:53.310" v="1137" actId="5736"/>
           <ac:spMkLst>
             <pc:docMk/>
             <pc:sldMk cId="1576011338" sldId="258"/>
@@ -816,7 +824,7 @@
           </ac:spMkLst>
         </pc:spChg>
         <pc:spChg chg="add del mod">
-          <ac:chgData name="Montecino, Diego" userId="a795c42d-832a-4dce-b1d8-09bac981a9d2" providerId="ADAL" clId="{166D12EF-58EE-6C4C-9A24-99C33C59FE65}" dt="2024-11-15T18:48:44.296" v="1114" actId="5736"/>
+          <ac:chgData name="Montecino, Diego" userId="a795c42d-832a-4dce-b1d8-09bac981a9d2" providerId="ADAL" clId="{166D12EF-58EE-6C4C-9A24-99C33C59FE65}" dt="2024-11-15T20:54:53.310" v="1137" actId="5736"/>
           <ac:spMkLst>
             <pc:docMk/>
             <pc:sldMk cId="1576011338" sldId="258"/>
@@ -824,7 +832,7 @@
           </ac:spMkLst>
         </pc:spChg>
         <pc:spChg chg="add del mod">
-          <ac:chgData name="Montecino, Diego" userId="a795c42d-832a-4dce-b1d8-09bac981a9d2" providerId="ADAL" clId="{166D12EF-58EE-6C4C-9A24-99C33C59FE65}" dt="2024-11-15T18:48:44.296" v="1114" actId="5736"/>
+          <ac:chgData name="Montecino, Diego" userId="a795c42d-832a-4dce-b1d8-09bac981a9d2" providerId="ADAL" clId="{166D12EF-58EE-6C4C-9A24-99C33C59FE65}" dt="2024-11-15T20:54:53.310" v="1137" actId="5736"/>
           <ac:spMkLst>
             <pc:docMk/>
             <pc:sldMk cId="1576011338" sldId="258"/>
@@ -832,7 +840,7 @@
           </ac:spMkLst>
         </pc:spChg>
         <pc:spChg chg="add del mod">
-          <ac:chgData name="Montecino, Diego" userId="a795c42d-832a-4dce-b1d8-09bac981a9d2" providerId="ADAL" clId="{166D12EF-58EE-6C4C-9A24-99C33C59FE65}" dt="2024-11-15T18:48:44.296" v="1114" actId="5736"/>
+          <ac:chgData name="Montecino, Diego" userId="a795c42d-832a-4dce-b1d8-09bac981a9d2" providerId="ADAL" clId="{166D12EF-58EE-6C4C-9A24-99C33C59FE65}" dt="2024-11-15T20:54:53.310" v="1137" actId="5736"/>
           <ac:spMkLst>
             <pc:docMk/>
             <pc:sldMk cId="1576011338" sldId="258"/>
@@ -840,7 +848,7 @@
           </ac:spMkLst>
         </pc:spChg>
         <pc:spChg chg="add del mod">
-          <ac:chgData name="Montecino, Diego" userId="a795c42d-832a-4dce-b1d8-09bac981a9d2" providerId="ADAL" clId="{166D12EF-58EE-6C4C-9A24-99C33C59FE65}" dt="2024-11-15T18:48:44.296" v="1114" actId="5736"/>
+          <ac:chgData name="Montecino, Diego" userId="a795c42d-832a-4dce-b1d8-09bac981a9d2" providerId="ADAL" clId="{166D12EF-58EE-6C4C-9A24-99C33C59FE65}" dt="2024-11-15T20:54:53.310" v="1137" actId="5736"/>
           <ac:spMkLst>
             <pc:docMk/>
             <pc:sldMk cId="1576011338" sldId="258"/>
@@ -848,7 +856,7 @@
           </ac:spMkLst>
         </pc:spChg>
         <pc:spChg chg="add del mod">
-          <ac:chgData name="Montecino, Diego" userId="a795c42d-832a-4dce-b1d8-09bac981a9d2" providerId="ADAL" clId="{166D12EF-58EE-6C4C-9A24-99C33C59FE65}" dt="2024-11-15T18:48:44.296" v="1114" actId="5736"/>
+          <ac:chgData name="Montecino, Diego" userId="a795c42d-832a-4dce-b1d8-09bac981a9d2" providerId="ADAL" clId="{166D12EF-58EE-6C4C-9A24-99C33C59FE65}" dt="2024-11-15T20:54:53.310" v="1137" actId="5736"/>
           <ac:spMkLst>
             <pc:docMk/>
             <pc:sldMk cId="1576011338" sldId="258"/>
@@ -856,7 +864,7 @@
           </ac:spMkLst>
         </pc:spChg>
         <pc:spChg chg="add del mod">
-          <ac:chgData name="Montecino, Diego" userId="a795c42d-832a-4dce-b1d8-09bac981a9d2" providerId="ADAL" clId="{166D12EF-58EE-6C4C-9A24-99C33C59FE65}" dt="2024-11-15T18:48:44.296" v="1114" actId="5736"/>
+          <ac:chgData name="Montecino, Diego" userId="a795c42d-832a-4dce-b1d8-09bac981a9d2" providerId="ADAL" clId="{166D12EF-58EE-6C4C-9A24-99C33C59FE65}" dt="2024-11-15T20:54:53.310" v="1137" actId="5736"/>
           <ac:spMkLst>
             <pc:docMk/>
             <pc:sldMk cId="1576011338" sldId="258"/>
@@ -864,7 +872,7 @@
           </ac:spMkLst>
         </pc:spChg>
         <pc:spChg chg="add del mod">
-          <ac:chgData name="Montecino, Diego" userId="a795c42d-832a-4dce-b1d8-09bac981a9d2" providerId="ADAL" clId="{166D12EF-58EE-6C4C-9A24-99C33C59FE65}" dt="2024-11-15T18:48:44.296" v="1114" actId="5736"/>
+          <ac:chgData name="Montecino, Diego" userId="a795c42d-832a-4dce-b1d8-09bac981a9d2" providerId="ADAL" clId="{166D12EF-58EE-6C4C-9A24-99C33C59FE65}" dt="2024-11-15T20:54:53.310" v="1137" actId="5736"/>
           <ac:spMkLst>
             <pc:docMk/>
             <pc:sldMk cId="1576011338" sldId="258"/>
@@ -880,7 +888,7 @@
           </ac:spMkLst>
         </pc:spChg>
         <pc:grpChg chg="add del mod">
-          <ac:chgData name="Montecino, Diego" userId="a795c42d-832a-4dce-b1d8-09bac981a9d2" providerId="ADAL" clId="{166D12EF-58EE-6C4C-9A24-99C33C59FE65}" dt="2024-11-15T18:48:44.296" v="1114" actId="5736"/>
+          <ac:chgData name="Montecino, Diego" userId="a795c42d-832a-4dce-b1d8-09bac981a9d2" providerId="ADAL" clId="{166D12EF-58EE-6C4C-9A24-99C33C59FE65}" dt="2024-11-15T20:54:53.310" v="1137" actId="5736"/>
           <ac:grpSpMkLst>
             <pc:docMk/>
             <pc:sldMk cId="1576011338" sldId="258"/>
@@ -888,7 +896,7 @@
           </ac:grpSpMkLst>
         </pc:grpChg>
         <pc:grpChg chg="add del mod">
-          <ac:chgData name="Montecino, Diego" userId="a795c42d-832a-4dce-b1d8-09bac981a9d2" providerId="ADAL" clId="{166D12EF-58EE-6C4C-9A24-99C33C59FE65}" dt="2024-11-15T18:48:44.296" v="1114" actId="5736"/>
+          <ac:chgData name="Montecino, Diego" userId="a795c42d-832a-4dce-b1d8-09bac981a9d2" providerId="ADAL" clId="{166D12EF-58EE-6C4C-9A24-99C33C59FE65}" dt="2024-11-15T20:54:53.310" v="1137" actId="5736"/>
           <ac:grpSpMkLst>
             <pc:docMk/>
             <pc:sldMk cId="1576011338" sldId="258"/>
@@ -896,7 +904,7 @@
           </ac:grpSpMkLst>
         </pc:grpChg>
         <pc:grpChg chg="add del mod">
-          <ac:chgData name="Montecino, Diego" userId="a795c42d-832a-4dce-b1d8-09bac981a9d2" providerId="ADAL" clId="{166D12EF-58EE-6C4C-9A24-99C33C59FE65}" dt="2024-11-15T18:48:44.296" v="1114" actId="5736"/>
+          <ac:chgData name="Montecino, Diego" userId="a795c42d-832a-4dce-b1d8-09bac981a9d2" providerId="ADAL" clId="{166D12EF-58EE-6C4C-9A24-99C33C59FE65}" dt="2024-11-15T20:54:53.310" v="1137" actId="5736"/>
           <ac:grpSpMkLst>
             <pc:docMk/>
             <pc:sldMk cId="1576011338" sldId="258"/>
@@ -904,7 +912,7 @@
           </ac:grpSpMkLst>
         </pc:grpChg>
         <pc:grpChg chg="add del mod">
-          <ac:chgData name="Montecino, Diego" userId="a795c42d-832a-4dce-b1d8-09bac981a9d2" providerId="ADAL" clId="{166D12EF-58EE-6C4C-9A24-99C33C59FE65}" dt="2024-11-15T18:48:44.296" v="1114" actId="5736"/>
+          <ac:chgData name="Montecino, Diego" userId="a795c42d-832a-4dce-b1d8-09bac981a9d2" providerId="ADAL" clId="{166D12EF-58EE-6C4C-9A24-99C33C59FE65}" dt="2024-11-15T20:54:53.310" v="1137" actId="5736"/>
           <ac:grpSpMkLst>
             <pc:docMk/>
             <pc:sldMk cId="1576011338" sldId="258"/>
@@ -912,7 +920,7 @@
           </ac:grpSpMkLst>
         </pc:grpChg>
         <pc:graphicFrameChg chg="add del mod">
-          <ac:chgData name="Montecino, Diego" userId="a795c42d-832a-4dce-b1d8-09bac981a9d2" providerId="ADAL" clId="{166D12EF-58EE-6C4C-9A24-99C33C59FE65}" dt="2024-11-15T18:48:44.296" v="1114" actId="5736"/>
+          <ac:chgData name="Montecino, Diego" userId="a795c42d-832a-4dce-b1d8-09bac981a9d2" providerId="ADAL" clId="{166D12EF-58EE-6C4C-9A24-99C33C59FE65}" dt="2024-11-15T20:54:53.310" v="1137" actId="5736"/>
           <ac:graphicFrameMkLst>
             <pc:docMk/>
             <pc:sldMk cId="1576011338" sldId="258"/>
@@ -920,7 +928,7 @@
           </ac:graphicFrameMkLst>
         </pc:graphicFrameChg>
         <pc:cxnChg chg="add mod">
-          <ac:chgData name="Montecino, Diego" userId="a795c42d-832a-4dce-b1d8-09bac981a9d2" providerId="ADAL" clId="{166D12EF-58EE-6C4C-9A24-99C33C59FE65}" dt="2024-11-15T18:48:44.296" v="1114" actId="5736"/>
+          <ac:chgData name="Montecino, Diego" userId="a795c42d-832a-4dce-b1d8-09bac981a9d2" providerId="ADAL" clId="{166D12EF-58EE-6C4C-9A24-99C33C59FE65}" dt="2024-11-15T20:54:53.310" v="1137" actId="5736"/>
           <ac:cxnSpMkLst>
             <pc:docMk/>
             <pc:sldMk cId="1576011338" sldId="258"/>
@@ -928,7 +936,7 @@
           </ac:cxnSpMkLst>
         </pc:cxnChg>
         <pc:cxnChg chg="add mod">
-          <ac:chgData name="Montecino, Diego" userId="a795c42d-832a-4dce-b1d8-09bac981a9d2" providerId="ADAL" clId="{166D12EF-58EE-6C4C-9A24-99C33C59FE65}" dt="2024-11-15T18:48:44.296" v="1114" actId="5736"/>
+          <ac:chgData name="Montecino, Diego" userId="a795c42d-832a-4dce-b1d8-09bac981a9d2" providerId="ADAL" clId="{166D12EF-58EE-6C4C-9A24-99C33C59FE65}" dt="2024-11-15T20:54:53.310" v="1137" actId="5736"/>
           <ac:cxnSpMkLst>
             <pc:docMk/>
             <pc:sldMk cId="1576011338" sldId="258"/>
@@ -936,7 +944,7 @@
           </ac:cxnSpMkLst>
         </pc:cxnChg>
         <pc:cxnChg chg="add mod">
-          <ac:chgData name="Montecino, Diego" userId="a795c42d-832a-4dce-b1d8-09bac981a9d2" providerId="ADAL" clId="{166D12EF-58EE-6C4C-9A24-99C33C59FE65}" dt="2024-11-15T18:48:44.296" v="1114" actId="5736"/>
+          <ac:chgData name="Montecino, Diego" userId="a795c42d-832a-4dce-b1d8-09bac981a9d2" providerId="ADAL" clId="{166D12EF-58EE-6C4C-9A24-99C33C59FE65}" dt="2024-11-15T20:54:53.310" v="1137" actId="5736"/>
           <ac:cxnSpMkLst>
             <pc:docMk/>
             <pc:sldMk cId="1576011338" sldId="258"/>
@@ -952,7 +960,7 @@
           </ac:cxnSpMkLst>
         </pc:cxnChg>
         <pc:cxnChg chg="add del mod">
-          <ac:chgData name="Montecino, Diego" userId="a795c42d-832a-4dce-b1d8-09bac981a9d2" providerId="ADAL" clId="{166D12EF-58EE-6C4C-9A24-99C33C59FE65}" dt="2024-11-15T18:48:44.296" v="1114" actId="5736"/>
+          <ac:chgData name="Montecino, Diego" userId="a795c42d-832a-4dce-b1d8-09bac981a9d2" providerId="ADAL" clId="{166D12EF-58EE-6C4C-9A24-99C33C59FE65}" dt="2024-11-15T20:54:53.310" v="1137" actId="5736"/>
           <ac:cxnSpMkLst>
             <pc:docMk/>
             <pc:sldMk cId="1576011338" sldId="258"/>
@@ -960,7 +968,7 @@
           </ac:cxnSpMkLst>
         </pc:cxnChg>
         <pc:cxnChg chg="add mod">
-          <ac:chgData name="Montecino, Diego" userId="a795c42d-832a-4dce-b1d8-09bac981a9d2" providerId="ADAL" clId="{166D12EF-58EE-6C4C-9A24-99C33C59FE65}" dt="2024-11-15T18:48:44.296" v="1114" actId="5736"/>
+          <ac:chgData name="Montecino, Diego" userId="a795c42d-832a-4dce-b1d8-09bac981a9d2" providerId="ADAL" clId="{166D12EF-58EE-6C4C-9A24-99C33C59FE65}" dt="2024-11-15T20:54:53.310" v="1137" actId="5736"/>
           <ac:cxnSpMkLst>
             <pc:docMk/>
             <pc:sldMk cId="1576011338" sldId="258"/>
@@ -976,7 +984,7 @@
           </ac:cxnSpMkLst>
         </pc:cxnChg>
         <pc:cxnChg chg="add del mod">
-          <ac:chgData name="Montecino, Diego" userId="a795c42d-832a-4dce-b1d8-09bac981a9d2" providerId="ADAL" clId="{166D12EF-58EE-6C4C-9A24-99C33C59FE65}" dt="2024-11-15T18:48:44.296" v="1114" actId="5736"/>
+          <ac:chgData name="Montecino, Diego" userId="a795c42d-832a-4dce-b1d8-09bac981a9d2" providerId="ADAL" clId="{166D12EF-58EE-6C4C-9A24-99C33C59FE65}" dt="2024-11-15T20:54:53.310" v="1137" actId="5736"/>
           <ac:cxnSpMkLst>
             <pc:docMk/>
             <pc:sldMk cId="1576011338" sldId="258"/>
@@ -984,7 +992,7 @@
           </ac:cxnSpMkLst>
         </pc:cxnChg>
         <pc:cxnChg chg="add del mod">
-          <ac:chgData name="Montecino, Diego" userId="a795c42d-832a-4dce-b1d8-09bac981a9d2" providerId="ADAL" clId="{166D12EF-58EE-6C4C-9A24-99C33C59FE65}" dt="2024-11-15T18:48:44.296" v="1114" actId="5736"/>
+          <ac:chgData name="Montecino, Diego" userId="a795c42d-832a-4dce-b1d8-09bac981a9d2" providerId="ADAL" clId="{166D12EF-58EE-6C4C-9A24-99C33C59FE65}" dt="2024-11-15T20:54:53.310" v="1137" actId="5736"/>
           <ac:cxnSpMkLst>
             <pc:docMk/>
             <pc:sldMk cId="1576011338" sldId="258"/>
@@ -992,7 +1000,7 @@
           </ac:cxnSpMkLst>
         </pc:cxnChg>
         <pc:cxnChg chg="add del mod">
-          <ac:chgData name="Montecino, Diego" userId="a795c42d-832a-4dce-b1d8-09bac981a9d2" providerId="ADAL" clId="{166D12EF-58EE-6C4C-9A24-99C33C59FE65}" dt="2024-11-15T18:48:44.296" v="1114" actId="5736"/>
+          <ac:chgData name="Montecino, Diego" userId="a795c42d-832a-4dce-b1d8-09bac981a9d2" providerId="ADAL" clId="{166D12EF-58EE-6C4C-9A24-99C33C59FE65}" dt="2024-11-15T20:54:53.310" v="1137" actId="5736"/>
           <ac:cxnSpMkLst>
             <pc:docMk/>
             <pc:sldMk cId="1576011338" sldId="258"/>
@@ -1008,7 +1016,7 @@
           </ac:cxnSpMkLst>
         </pc:cxnChg>
         <pc:cxnChg chg="add mod">
-          <ac:chgData name="Montecino, Diego" userId="a795c42d-832a-4dce-b1d8-09bac981a9d2" providerId="ADAL" clId="{166D12EF-58EE-6C4C-9A24-99C33C59FE65}" dt="2024-11-15T18:48:44.296" v="1114" actId="5736"/>
+          <ac:chgData name="Montecino, Diego" userId="a795c42d-832a-4dce-b1d8-09bac981a9d2" providerId="ADAL" clId="{166D12EF-58EE-6C4C-9A24-99C33C59FE65}" dt="2024-11-15T20:54:53.310" v="1137" actId="5736"/>
           <ac:cxnSpMkLst>
             <pc:docMk/>
             <pc:sldMk cId="1576011338" sldId="258"/>
@@ -1016,7 +1024,7 @@
           </ac:cxnSpMkLst>
         </pc:cxnChg>
         <pc:cxnChg chg="add mod">
-          <ac:chgData name="Montecino, Diego" userId="a795c42d-832a-4dce-b1d8-09bac981a9d2" providerId="ADAL" clId="{166D12EF-58EE-6C4C-9A24-99C33C59FE65}" dt="2024-11-15T18:48:44.296" v="1114" actId="5736"/>
+          <ac:chgData name="Montecino, Diego" userId="a795c42d-832a-4dce-b1d8-09bac981a9d2" providerId="ADAL" clId="{166D12EF-58EE-6C4C-9A24-99C33C59FE65}" dt="2024-11-15T20:54:53.310" v="1137" actId="5736"/>
           <ac:cxnSpMkLst>
             <pc:docMk/>
             <pc:sldMk cId="1576011338" sldId="258"/>
@@ -1024,7 +1032,7 @@
           </ac:cxnSpMkLst>
         </pc:cxnChg>
         <pc:cxnChg chg="add mod">
-          <ac:chgData name="Montecino, Diego" userId="a795c42d-832a-4dce-b1d8-09bac981a9d2" providerId="ADAL" clId="{166D12EF-58EE-6C4C-9A24-99C33C59FE65}" dt="2024-11-15T18:48:44.296" v="1114" actId="5736"/>
+          <ac:chgData name="Montecino, Diego" userId="a795c42d-832a-4dce-b1d8-09bac981a9d2" providerId="ADAL" clId="{166D12EF-58EE-6C4C-9A24-99C33C59FE65}" dt="2024-11-15T20:54:53.310" v="1137" actId="5736"/>
           <ac:cxnSpMkLst>
             <pc:docMk/>
             <pc:sldMk cId="1576011338" sldId="258"/>
@@ -1032,7 +1040,7 @@
           </ac:cxnSpMkLst>
         </pc:cxnChg>
         <pc:cxnChg chg="add del mod">
-          <ac:chgData name="Montecino, Diego" userId="a795c42d-832a-4dce-b1d8-09bac981a9d2" providerId="ADAL" clId="{166D12EF-58EE-6C4C-9A24-99C33C59FE65}" dt="2024-11-15T18:48:44.296" v="1114" actId="5736"/>
+          <ac:chgData name="Montecino, Diego" userId="a795c42d-832a-4dce-b1d8-09bac981a9d2" providerId="ADAL" clId="{166D12EF-58EE-6C4C-9A24-99C33C59FE65}" dt="2024-11-15T20:54:53.310" v="1137" actId="5736"/>
           <ac:cxnSpMkLst>
             <pc:docMk/>
             <pc:sldMk cId="1576011338" sldId="258"/>
@@ -1040,7 +1048,7 @@
           </ac:cxnSpMkLst>
         </pc:cxnChg>
         <pc:cxnChg chg="add del mod">
-          <ac:chgData name="Montecino, Diego" userId="a795c42d-832a-4dce-b1d8-09bac981a9d2" providerId="ADAL" clId="{166D12EF-58EE-6C4C-9A24-99C33C59FE65}" dt="2024-11-15T18:48:44.296" v="1114" actId="5736"/>
+          <ac:chgData name="Montecino, Diego" userId="a795c42d-832a-4dce-b1d8-09bac981a9d2" providerId="ADAL" clId="{166D12EF-58EE-6C4C-9A24-99C33C59FE65}" dt="2024-11-15T20:54:53.310" v="1137" actId="5736"/>
           <ac:cxnSpMkLst>
             <pc:docMk/>
             <pc:sldMk cId="1576011338" sldId="258"/>
@@ -1048,7 +1056,7 @@
           </ac:cxnSpMkLst>
         </pc:cxnChg>
         <pc:cxnChg chg="add del mod">
-          <ac:chgData name="Montecino, Diego" userId="a795c42d-832a-4dce-b1d8-09bac981a9d2" providerId="ADAL" clId="{166D12EF-58EE-6C4C-9A24-99C33C59FE65}" dt="2024-11-15T18:48:44.296" v="1114" actId="5736"/>
+          <ac:chgData name="Montecino, Diego" userId="a795c42d-832a-4dce-b1d8-09bac981a9d2" providerId="ADAL" clId="{166D12EF-58EE-6C4C-9A24-99C33C59FE65}" dt="2024-11-15T20:54:53.310" v="1137" actId="5736"/>
           <ac:cxnSpMkLst>
             <pc:docMk/>
             <pc:sldMk cId="1576011338" sldId="258"/>
@@ -1056,7 +1064,7 @@
           </ac:cxnSpMkLst>
         </pc:cxnChg>
         <pc:cxnChg chg="add mod">
-          <ac:chgData name="Montecino, Diego" userId="a795c42d-832a-4dce-b1d8-09bac981a9d2" providerId="ADAL" clId="{166D12EF-58EE-6C4C-9A24-99C33C59FE65}" dt="2024-11-15T18:48:44.296" v="1114" actId="5736"/>
+          <ac:chgData name="Montecino, Diego" userId="a795c42d-832a-4dce-b1d8-09bac981a9d2" providerId="ADAL" clId="{166D12EF-58EE-6C4C-9A24-99C33C59FE65}" dt="2024-11-15T20:54:53.310" v="1137" actId="5736"/>
           <ac:cxnSpMkLst>
             <pc:docMk/>
             <pc:sldMk cId="1576011338" sldId="258"/>
@@ -1064,7 +1072,7 @@
           </ac:cxnSpMkLst>
         </pc:cxnChg>
         <pc:cxnChg chg="add del mod">
-          <ac:chgData name="Montecino, Diego" userId="a795c42d-832a-4dce-b1d8-09bac981a9d2" providerId="ADAL" clId="{166D12EF-58EE-6C4C-9A24-99C33C59FE65}" dt="2024-11-15T18:48:44.296" v="1114" actId="5736"/>
+          <ac:chgData name="Montecino, Diego" userId="a795c42d-832a-4dce-b1d8-09bac981a9d2" providerId="ADAL" clId="{166D12EF-58EE-6C4C-9A24-99C33C59FE65}" dt="2024-11-15T20:54:53.310" v="1137" actId="5736"/>
           <ac:cxnSpMkLst>
             <pc:docMk/>
             <pc:sldMk cId="1576011338" sldId="258"/>
@@ -1072,7 +1080,7 @@
           </ac:cxnSpMkLst>
         </pc:cxnChg>
         <pc:cxnChg chg="add del mod">
-          <ac:chgData name="Montecino, Diego" userId="a795c42d-832a-4dce-b1d8-09bac981a9d2" providerId="ADAL" clId="{166D12EF-58EE-6C4C-9A24-99C33C59FE65}" dt="2024-11-15T18:48:44.296" v="1114" actId="5736"/>
+          <ac:chgData name="Montecino, Diego" userId="a795c42d-832a-4dce-b1d8-09bac981a9d2" providerId="ADAL" clId="{166D12EF-58EE-6C4C-9A24-99C33C59FE65}" dt="2024-11-15T20:54:53.310" v="1137" actId="5736"/>
           <ac:cxnSpMkLst>
             <pc:docMk/>
             <pc:sldMk cId="1576011338" sldId="258"/>
@@ -1080,7 +1088,7 @@
           </ac:cxnSpMkLst>
         </pc:cxnChg>
         <pc:cxnChg chg="add del mod">
-          <ac:chgData name="Montecino, Diego" userId="a795c42d-832a-4dce-b1d8-09bac981a9d2" providerId="ADAL" clId="{166D12EF-58EE-6C4C-9A24-99C33C59FE65}" dt="2024-11-15T18:48:44.296" v="1114" actId="5736"/>
+          <ac:chgData name="Montecino, Diego" userId="a795c42d-832a-4dce-b1d8-09bac981a9d2" providerId="ADAL" clId="{166D12EF-58EE-6C4C-9A24-99C33C59FE65}" dt="2024-11-15T20:54:53.310" v="1137" actId="5736"/>
           <ac:cxnSpMkLst>
             <pc:docMk/>
             <pc:sldMk cId="1576011338" sldId="258"/>
@@ -1096,7 +1104,7 @@
           </ac:cxnSpMkLst>
         </pc:cxnChg>
         <pc:cxnChg chg="add del mod">
-          <ac:chgData name="Montecino, Diego" userId="a795c42d-832a-4dce-b1d8-09bac981a9d2" providerId="ADAL" clId="{166D12EF-58EE-6C4C-9A24-99C33C59FE65}" dt="2024-11-15T18:48:44.296" v="1114" actId="5736"/>
+          <ac:chgData name="Montecino, Diego" userId="a795c42d-832a-4dce-b1d8-09bac981a9d2" providerId="ADAL" clId="{166D12EF-58EE-6C4C-9A24-99C33C59FE65}" dt="2024-11-15T20:54:53.310" v="1137" actId="5736"/>
           <ac:cxnSpMkLst>
             <pc:docMk/>
             <pc:sldMk cId="1576011338" sldId="258"/>
@@ -1104,7 +1112,7 @@
           </ac:cxnSpMkLst>
         </pc:cxnChg>
         <pc:cxnChg chg="add del mod">
-          <ac:chgData name="Montecino, Diego" userId="a795c42d-832a-4dce-b1d8-09bac981a9d2" providerId="ADAL" clId="{166D12EF-58EE-6C4C-9A24-99C33C59FE65}" dt="2024-11-15T18:48:44.296" v="1114" actId="5736"/>
+          <ac:chgData name="Montecino, Diego" userId="a795c42d-832a-4dce-b1d8-09bac981a9d2" providerId="ADAL" clId="{166D12EF-58EE-6C4C-9A24-99C33C59FE65}" dt="2024-11-15T20:54:53.310" v="1137" actId="5736"/>
           <ac:cxnSpMkLst>
             <pc:docMk/>
             <pc:sldMk cId="1576011338" sldId="258"/>
@@ -1112,7 +1120,7 @@
           </ac:cxnSpMkLst>
         </pc:cxnChg>
         <pc:cxnChg chg="add del mod">
-          <ac:chgData name="Montecino, Diego" userId="a795c42d-832a-4dce-b1d8-09bac981a9d2" providerId="ADAL" clId="{166D12EF-58EE-6C4C-9A24-99C33C59FE65}" dt="2024-11-15T18:48:44.296" v="1114" actId="5736"/>
+          <ac:chgData name="Montecino, Diego" userId="a795c42d-832a-4dce-b1d8-09bac981a9d2" providerId="ADAL" clId="{166D12EF-58EE-6C4C-9A24-99C33C59FE65}" dt="2024-11-15T20:54:53.310" v="1137" actId="5736"/>
           <ac:cxnSpMkLst>
             <pc:docMk/>
             <pc:sldMk cId="1576011338" sldId="258"/>
@@ -1120,7 +1128,7 @@
           </ac:cxnSpMkLst>
         </pc:cxnChg>
         <pc:cxnChg chg="add del mod">
-          <ac:chgData name="Montecino, Diego" userId="a795c42d-832a-4dce-b1d8-09bac981a9d2" providerId="ADAL" clId="{166D12EF-58EE-6C4C-9A24-99C33C59FE65}" dt="2024-11-15T18:48:44.296" v="1114" actId="5736"/>
+          <ac:chgData name="Montecino, Diego" userId="a795c42d-832a-4dce-b1d8-09bac981a9d2" providerId="ADAL" clId="{166D12EF-58EE-6C4C-9A24-99C33C59FE65}" dt="2024-11-15T20:54:53.310" v="1137" actId="5736"/>
           <ac:cxnSpMkLst>
             <pc:docMk/>
             <pc:sldMk cId="1576011338" sldId="258"/>
@@ -1152,15 +1160,23 @@
           </ac:cxnSpMkLst>
         </pc:cxnChg>
         <pc:cxnChg chg="add del mod">
-          <ac:chgData name="Montecino, Diego" userId="a795c42d-832a-4dce-b1d8-09bac981a9d2" providerId="ADAL" clId="{166D12EF-58EE-6C4C-9A24-99C33C59FE65}" dt="2024-11-15T18:48:44.296" v="1114" actId="5736"/>
+          <ac:chgData name="Montecino, Diego" userId="a795c42d-832a-4dce-b1d8-09bac981a9d2" providerId="ADAL" clId="{166D12EF-58EE-6C4C-9A24-99C33C59FE65}" dt="2024-11-15T20:54:53.310" v="1137" actId="5736"/>
           <ac:cxnSpMkLst>
             <pc:docMk/>
             <pc:sldMk cId="1576011338" sldId="258"/>
             <ac:cxnSpMk id="54" creationId="{1436B52B-AFE3-8116-E788-BDF874E6294A}"/>
           </ac:cxnSpMkLst>
         </pc:cxnChg>
+        <pc:cxnChg chg="add mod">
+          <ac:chgData name="Montecino, Diego" userId="a795c42d-832a-4dce-b1d8-09bac981a9d2" providerId="ADAL" clId="{166D12EF-58EE-6C4C-9A24-99C33C59FE65}" dt="2024-11-15T20:51:48.009" v="1120" actId="1076"/>
+          <ac:cxnSpMkLst>
+            <pc:docMk/>
+            <pc:sldMk cId="1576011338" sldId="258"/>
+            <ac:cxnSpMk id="55" creationId="{495A05C6-AD02-A7E7-99A0-15CEDCE1DB93}"/>
+          </ac:cxnSpMkLst>
+        </pc:cxnChg>
         <pc:cxnChg chg="add del mod">
-          <ac:chgData name="Montecino, Diego" userId="a795c42d-832a-4dce-b1d8-09bac981a9d2" providerId="ADAL" clId="{166D12EF-58EE-6C4C-9A24-99C33C59FE65}" dt="2024-11-15T18:48:44.296" v="1114" actId="5736"/>
+          <ac:chgData name="Montecino, Diego" userId="a795c42d-832a-4dce-b1d8-09bac981a9d2" providerId="ADAL" clId="{166D12EF-58EE-6C4C-9A24-99C33C59FE65}" dt="2024-11-15T20:54:53.310" v="1137" actId="5736"/>
           <ac:cxnSpMkLst>
             <pc:docMk/>
             <pc:sldMk cId="1576011338" sldId="258"/>
@@ -1168,7 +1184,7 @@
           </ac:cxnSpMkLst>
         </pc:cxnChg>
         <pc:cxnChg chg="add del mod">
-          <ac:chgData name="Montecino, Diego" userId="a795c42d-832a-4dce-b1d8-09bac981a9d2" providerId="ADAL" clId="{166D12EF-58EE-6C4C-9A24-99C33C59FE65}" dt="2024-11-15T18:48:44.296" v="1114" actId="5736"/>
+          <ac:chgData name="Montecino, Diego" userId="a795c42d-832a-4dce-b1d8-09bac981a9d2" providerId="ADAL" clId="{166D12EF-58EE-6C4C-9A24-99C33C59FE65}" dt="2024-11-15T20:54:53.310" v="1137" actId="5736"/>
           <ac:cxnSpMkLst>
             <pc:docMk/>
             <pc:sldMk cId="1576011338" sldId="258"/>
@@ -1176,7 +1192,7 @@
           </ac:cxnSpMkLst>
         </pc:cxnChg>
         <pc:cxnChg chg="add del mod">
-          <ac:chgData name="Montecino, Diego" userId="a795c42d-832a-4dce-b1d8-09bac981a9d2" providerId="ADAL" clId="{166D12EF-58EE-6C4C-9A24-99C33C59FE65}" dt="2024-11-15T18:48:44.296" v="1114" actId="5736"/>
+          <ac:chgData name="Montecino, Diego" userId="a795c42d-832a-4dce-b1d8-09bac981a9d2" providerId="ADAL" clId="{166D12EF-58EE-6C4C-9A24-99C33C59FE65}" dt="2024-11-15T20:54:53.310" v="1137" actId="5736"/>
           <ac:cxnSpMkLst>
             <pc:docMk/>
             <pc:sldMk cId="1576011338" sldId="258"/>
@@ -1184,15 +1200,23 @@
           </ac:cxnSpMkLst>
         </pc:cxnChg>
         <pc:cxnChg chg="add del mod">
-          <ac:chgData name="Montecino, Diego" userId="a795c42d-832a-4dce-b1d8-09bac981a9d2" providerId="ADAL" clId="{166D12EF-58EE-6C4C-9A24-99C33C59FE65}" dt="2024-11-15T18:48:44.296" v="1114" actId="5736"/>
+          <ac:chgData name="Montecino, Diego" userId="a795c42d-832a-4dce-b1d8-09bac981a9d2" providerId="ADAL" clId="{166D12EF-58EE-6C4C-9A24-99C33C59FE65}" dt="2024-11-15T20:54:53.310" v="1137" actId="5736"/>
           <ac:cxnSpMkLst>
             <pc:docMk/>
             <pc:sldMk cId="1576011338" sldId="258"/>
             <ac:cxnSpMk id="59" creationId="{410F3A40-1D16-8978-0FA1-66483A247EA3}"/>
           </ac:cxnSpMkLst>
         </pc:cxnChg>
+        <pc:cxnChg chg="add mod">
+          <ac:chgData name="Montecino, Diego" userId="a795c42d-832a-4dce-b1d8-09bac981a9d2" providerId="ADAL" clId="{166D12EF-58EE-6C4C-9A24-99C33C59FE65}" dt="2024-11-15T20:54:53.310" v="1137" actId="5736"/>
+          <ac:cxnSpMkLst>
+            <pc:docMk/>
+            <pc:sldMk cId="1576011338" sldId="258"/>
+            <ac:cxnSpMk id="60" creationId="{835A9BCB-7D48-3524-EEFF-32DB9B802ABC}"/>
+          </ac:cxnSpMkLst>
+        </pc:cxnChg>
         <pc:cxnChg chg="add del mod">
-          <ac:chgData name="Montecino, Diego" userId="a795c42d-832a-4dce-b1d8-09bac981a9d2" providerId="ADAL" clId="{166D12EF-58EE-6C4C-9A24-99C33C59FE65}" dt="2024-11-15T18:48:44.296" v="1114" actId="5736"/>
+          <ac:chgData name="Montecino, Diego" userId="a795c42d-832a-4dce-b1d8-09bac981a9d2" providerId="ADAL" clId="{166D12EF-58EE-6C4C-9A24-99C33C59FE65}" dt="2024-11-15T20:54:53.310" v="1137" actId="5736"/>
           <ac:cxnSpMkLst>
             <pc:docMk/>
             <pc:sldMk cId="1576011338" sldId="258"/>
@@ -1200,7 +1224,7 @@
           </ac:cxnSpMkLst>
         </pc:cxnChg>
         <pc:cxnChg chg="add del mod">
-          <ac:chgData name="Montecino, Diego" userId="a795c42d-832a-4dce-b1d8-09bac981a9d2" providerId="ADAL" clId="{166D12EF-58EE-6C4C-9A24-99C33C59FE65}" dt="2024-11-15T18:48:44.296" v="1114" actId="5736"/>
+          <ac:chgData name="Montecino, Diego" userId="a795c42d-832a-4dce-b1d8-09bac981a9d2" providerId="ADAL" clId="{166D12EF-58EE-6C4C-9A24-99C33C59FE65}" dt="2024-11-15T20:54:53.310" v="1137" actId="5736"/>
           <ac:cxnSpMkLst>
             <pc:docMk/>
             <pc:sldMk cId="1576011338" sldId="258"/>
@@ -1208,7 +1232,7 @@
           </ac:cxnSpMkLst>
         </pc:cxnChg>
         <pc:cxnChg chg="add del mod">
-          <ac:chgData name="Montecino, Diego" userId="a795c42d-832a-4dce-b1d8-09bac981a9d2" providerId="ADAL" clId="{166D12EF-58EE-6C4C-9A24-99C33C59FE65}" dt="2024-11-15T18:48:44.296" v="1114" actId="5736"/>
+          <ac:chgData name="Montecino, Diego" userId="a795c42d-832a-4dce-b1d8-09bac981a9d2" providerId="ADAL" clId="{166D12EF-58EE-6C4C-9A24-99C33C59FE65}" dt="2024-11-15T20:54:53.310" v="1137" actId="5736"/>
           <ac:cxnSpMkLst>
             <pc:docMk/>
             <pc:sldMk cId="1576011338" sldId="258"/>
@@ -1216,7 +1240,7 @@
           </ac:cxnSpMkLst>
         </pc:cxnChg>
         <pc:cxnChg chg="add del mod">
-          <ac:chgData name="Montecino, Diego" userId="a795c42d-832a-4dce-b1d8-09bac981a9d2" providerId="ADAL" clId="{166D12EF-58EE-6C4C-9A24-99C33C59FE65}" dt="2024-11-15T18:48:44.296" v="1114" actId="5736"/>
+          <ac:chgData name="Montecino, Diego" userId="a795c42d-832a-4dce-b1d8-09bac981a9d2" providerId="ADAL" clId="{166D12EF-58EE-6C4C-9A24-99C33C59FE65}" dt="2024-11-15T20:54:53.310" v="1137" actId="5736"/>
           <ac:cxnSpMkLst>
             <pc:docMk/>
             <pc:sldMk cId="1576011338" sldId="258"/>
@@ -1224,7 +1248,7 @@
           </ac:cxnSpMkLst>
         </pc:cxnChg>
         <pc:cxnChg chg="add del mod">
-          <ac:chgData name="Montecino, Diego" userId="a795c42d-832a-4dce-b1d8-09bac981a9d2" providerId="ADAL" clId="{166D12EF-58EE-6C4C-9A24-99C33C59FE65}" dt="2024-11-15T18:48:44.296" v="1114" actId="5736"/>
+          <ac:chgData name="Montecino, Diego" userId="a795c42d-832a-4dce-b1d8-09bac981a9d2" providerId="ADAL" clId="{166D12EF-58EE-6C4C-9A24-99C33C59FE65}" dt="2024-11-15T20:54:53.310" v="1137" actId="5736"/>
           <ac:cxnSpMkLst>
             <pc:docMk/>
             <pc:sldMk cId="1576011338" sldId="258"/>
@@ -1232,7 +1256,7 @@
           </ac:cxnSpMkLst>
         </pc:cxnChg>
         <pc:cxnChg chg="add del mod">
-          <ac:chgData name="Montecino, Diego" userId="a795c42d-832a-4dce-b1d8-09bac981a9d2" providerId="ADAL" clId="{166D12EF-58EE-6C4C-9A24-99C33C59FE65}" dt="2024-11-15T18:48:44.296" v="1114" actId="5736"/>
+          <ac:chgData name="Montecino, Diego" userId="a795c42d-832a-4dce-b1d8-09bac981a9d2" providerId="ADAL" clId="{166D12EF-58EE-6C4C-9A24-99C33C59FE65}" dt="2024-11-15T20:54:53.310" v="1137" actId="5736"/>
           <ac:cxnSpMkLst>
             <pc:docMk/>
             <pc:sldMk cId="1576011338" sldId="258"/>
@@ -1240,7 +1264,7 @@
           </ac:cxnSpMkLst>
         </pc:cxnChg>
         <pc:cxnChg chg="add del mod">
-          <ac:chgData name="Montecino, Diego" userId="a795c42d-832a-4dce-b1d8-09bac981a9d2" providerId="ADAL" clId="{166D12EF-58EE-6C4C-9A24-99C33C59FE65}" dt="2024-11-15T18:48:44.296" v="1114" actId="5736"/>
+          <ac:chgData name="Montecino, Diego" userId="a795c42d-832a-4dce-b1d8-09bac981a9d2" providerId="ADAL" clId="{166D12EF-58EE-6C4C-9A24-99C33C59FE65}" dt="2024-11-15T20:54:53.310" v="1137" actId="5736"/>
           <ac:cxnSpMkLst>
             <pc:docMk/>
             <pc:sldMk cId="1576011338" sldId="258"/>
@@ -1248,7 +1272,7 @@
           </ac:cxnSpMkLst>
         </pc:cxnChg>
         <pc:cxnChg chg="add del mod">
-          <ac:chgData name="Montecino, Diego" userId="a795c42d-832a-4dce-b1d8-09bac981a9d2" providerId="ADAL" clId="{166D12EF-58EE-6C4C-9A24-99C33C59FE65}" dt="2024-11-15T18:48:44.296" v="1114" actId="5736"/>
+          <ac:chgData name="Montecino, Diego" userId="a795c42d-832a-4dce-b1d8-09bac981a9d2" providerId="ADAL" clId="{166D12EF-58EE-6C4C-9A24-99C33C59FE65}" dt="2024-11-15T20:54:53.310" v="1137" actId="5736"/>
           <ac:cxnSpMkLst>
             <pc:docMk/>
             <pc:sldMk cId="1576011338" sldId="258"/>
@@ -1256,7 +1280,7 @@
           </ac:cxnSpMkLst>
         </pc:cxnChg>
         <pc:cxnChg chg="add del mod">
-          <ac:chgData name="Montecino, Diego" userId="a795c42d-832a-4dce-b1d8-09bac981a9d2" providerId="ADAL" clId="{166D12EF-58EE-6C4C-9A24-99C33C59FE65}" dt="2024-11-15T18:48:44.296" v="1114" actId="5736"/>
+          <ac:chgData name="Montecino, Diego" userId="a795c42d-832a-4dce-b1d8-09bac981a9d2" providerId="ADAL" clId="{166D12EF-58EE-6C4C-9A24-99C33C59FE65}" dt="2024-11-15T20:54:53.310" v="1137" actId="5736"/>
           <ac:cxnSpMkLst>
             <pc:docMk/>
             <pc:sldMk cId="1576011338" sldId="258"/>
@@ -1304,7 +1328,7 @@
         </pc:spChg>
       </pc:sldChg>
       <pc:sldChg chg="addSp delSp modSp add mod">
-        <pc:chgData name="Montecino, Diego" userId="a795c42d-832a-4dce-b1d8-09bac981a9d2" providerId="ADAL" clId="{166D12EF-58EE-6C4C-9A24-99C33C59FE65}" dt="2024-11-15T18:42:55.522" v="1113" actId="5736"/>
+        <pc:chgData name="Montecino, Diego" userId="a795c42d-832a-4dce-b1d8-09bac981a9d2" providerId="ADAL" clId="{166D12EF-58EE-6C4C-9A24-99C33C59FE65}" dt="2024-11-15T20:54:24.153" v="1135" actId="5736"/>
         <pc:sldMkLst>
           <pc:docMk/>
           <pc:sldMk cId="2695032720" sldId="259"/>
@@ -1318,7 +1342,7 @@
           </ac:spMkLst>
         </pc:spChg>
         <pc:spChg chg="add mod">
-          <ac:chgData name="Montecino, Diego" userId="a795c42d-832a-4dce-b1d8-09bac981a9d2" providerId="ADAL" clId="{166D12EF-58EE-6C4C-9A24-99C33C59FE65}" dt="2024-11-15T18:42:55.522" v="1113" actId="5736"/>
+          <ac:chgData name="Montecino, Diego" userId="a795c42d-832a-4dce-b1d8-09bac981a9d2" providerId="ADAL" clId="{166D12EF-58EE-6C4C-9A24-99C33C59FE65}" dt="2024-11-15T20:54:24.153" v="1135" actId="5736"/>
           <ac:spMkLst>
             <pc:docMk/>
             <pc:sldMk cId="2695032720" sldId="259"/>
@@ -1326,7 +1350,7 @@
           </ac:spMkLst>
         </pc:spChg>
         <pc:spChg chg="add mod">
-          <ac:chgData name="Montecino, Diego" userId="a795c42d-832a-4dce-b1d8-09bac981a9d2" providerId="ADAL" clId="{166D12EF-58EE-6C4C-9A24-99C33C59FE65}" dt="2024-11-15T18:42:55.522" v="1113" actId="5736"/>
+          <ac:chgData name="Montecino, Diego" userId="a795c42d-832a-4dce-b1d8-09bac981a9d2" providerId="ADAL" clId="{166D12EF-58EE-6C4C-9A24-99C33C59FE65}" dt="2024-11-15T20:54:24.153" v="1135" actId="5736"/>
           <ac:spMkLst>
             <pc:docMk/>
             <pc:sldMk cId="2695032720" sldId="259"/>
@@ -1334,7 +1358,7 @@
           </ac:spMkLst>
         </pc:spChg>
         <pc:spChg chg="add mod">
-          <ac:chgData name="Montecino, Diego" userId="a795c42d-832a-4dce-b1d8-09bac981a9d2" providerId="ADAL" clId="{166D12EF-58EE-6C4C-9A24-99C33C59FE65}" dt="2024-11-15T18:42:55.522" v="1113" actId="5736"/>
+          <ac:chgData name="Montecino, Diego" userId="a795c42d-832a-4dce-b1d8-09bac981a9d2" providerId="ADAL" clId="{166D12EF-58EE-6C4C-9A24-99C33C59FE65}" dt="2024-11-15T20:54:24.153" v="1135" actId="5736"/>
           <ac:spMkLst>
             <pc:docMk/>
             <pc:sldMk cId="2695032720" sldId="259"/>
@@ -1342,7 +1366,7 @@
           </ac:spMkLst>
         </pc:spChg>
         <pc:spChg chg="add mod">
-          <ac:chgData name="Montecino, Diego" userId="a795c42d-832a-4dce-b1d8-09bac981a9d2" providerId="ADAL" clId="{166D12EF-58EE-6C4C-9A24-99C33C59FE65}" dt="2024-11-15T18:42:55.522" v="1113" actId="5736"/>
+          <ac:chgData name="Montecino, Diego" userId="a795c42d-832a-4dce-b1d8-09bac981a9d2" providerId="ADAL" clId="{166D12EF-58EE-6C4C-9A24-99C33C59FE65}" dt="2024-11-15T20:54:24.153" v="1135" actId="5736"/>
           <ac:spMkLst>
             <pc:docMk/>
             <pc:sldMk cId="2695032720" sldId="259"/>
@@ -1350,7 +1374,7 @@
           </ac:spMkLst>
         </pc:spChg>
         <pc:spChg chg="add mod">
-          <ac:chgData name="Montecino, Diego" userId="a795c42d-832a-4dce-b1d8-09bac981a9d2" providerId="ADAL" clId="{166D12EF-58EE-6C4C-9A24-99C33C59FE65}" dt="2024-11-15T18:42:55.522" v="1113" actId="5736"/>
+          <ac:chgData name="Montecino, Diego" userId="a795c42d-832a-4dce-b1d8-09bac981a9d2" providerId="ADAL" clId="{166D12EF-58EE-6C4C-9A24-99C33C59FE65}" dt="2024-11-15T20:54:24.153" v="1135" actId="5736"/>
           <ac:spMkLst>
             <pc:docMk/>
             <pc:sldMk cId="2695032720" sldId="259"/>
@@ -1358,7 +1382,7 @@
           </ac:spMkLst>
         </pc:spChg>
         <pc:spChg chg="add mod">
-          <ac:chgData name="Montecino, Diego" userId="a795c42d-832a-4dce-b1d8-09bac981a9d2" providerId="ADAL" clId="{166D12EF-58EE-6C4C-9A24-99C33C59FE65}" dt="2024-11-15T18:42:55.522" v="1113" actId="5736"/>
+          <ac:chgData name="Montecino, Diego" userId="a795c42d-832a-4dce-b1d8-09bac981a9d2" providerId="ADAL" clId="{166D12EF-58EE-6C4C-9A24-99C33C59FE65}" dt="2024-11-15T20:54:24.153" v="1135" actId="5736"/>
           <ac:spMkLst>
             <pc:docMk/>
             <pc:sldMk cId="2695032720" sldId="259"/>
@@ -1366,15 +1390,23 @@
           </ac:spMkLst>
         </pc:spChg>
         <pc:spChg chg="add mod">
-          <ac:chgData name="Montecino, Diego" userId="a795c42d-832a-4dce-b1d8-09bac981a9d2" providerId="ADAL" clId="{166D12EF-58EE-6C4C-9A24-99C33C59FE65}" dt="2024-11-15T18:42:55.522" v="1113" actId="5736"/>
+          <ac:chgData name="Montecino, Diego" userId="a795c42d-832a-4dce-b1d8-09bac981a9d2" providerId="ADAL" clId="{166D12EF-58EE-6C4C-9A24-99C33C59FE65}" dt="2024-11-15T20:54:24.153" v="1135" actId="5736"/>
           <ac:spMkLst>
             <pc:docMk/>
             <pc:sldMk cId="2695032720" sldId="259"/>
             <ac:spMk id="17" creationId="{0EA884ED-3AE6-A7DC-C731-CA425C2054FF}"/>
           </ac:spMkLst>
         </pc:spChg>
+        <pc:spChg chg="add mod">
+          <ac:chgData name="Montecino, Diego" userId="a795c42d-832a-4dce-b1d8-09bac981a9d2" providerId="ADAL" clId="{166D12EF-58EE-6C4C-9A24-99C33C59FE65}" dt="2024-11-15T20:54:24.153" v="1135" actId="5736"/>
+          <ac:spMkLst>
+            <pc:docMk/>
+            <pc:sldMk cId="2695032720" sldId="259"/>
+            <ac:spMk id="20" creationId="{9E965EC0-C1AB-F7CE-1E41-334C7DC29BB5}"/>
+          </ac:spMkLst>
+        </pc:spChg>
         <pc:spChg chg="mod">
-          <ac:chgData name="Montecino, Diego" userId="a795c42d-832a-4dce-b1d8-09bac981a9d2" providerId="ADAL" clId="{166D12EF-58EE-6C4C-9A24-99C33C59FE65}" dt="2024-11-15T18:42:55.522" v="1113" actId="5736"/>
+          <ac:chgData name="Montecino, Diego" userId="a795c42d-832a-4dce-b1d8-09bac981a9d2" providerId="ADAL" clId="{166D12EF-58EE-6C4C-9A24-99C33C59FE65}" dt="2024-11-15T20:54:24.153" v="1135" actId="5736"/>
           <ac:spMkLst>
             <pc:docMk/>
             <pc:sldMk cId="2695032720" sldId="259"/>
@@ -1382,7 +1414,7 @@
           </ac:spMkLst>
         </pc:spChg>
         <pc:spChg chg="mod">
-          <ac:chgData name="Montecino, Diego" userId="a795c42d-832a-4dce-b1d8-09bac981a9d2" providerId="ADAL" clId="{166D12EF-58EE-6C4C-9A24-99C33C59FE65}" dt="2024-11-15T18:42:55.522" v="1113" actId="5736"/>
+          <ac:chgData name="Montecino, Diego" userId="a795c42d-832a-4dce-b1d8-09bac981a9d2" providerId="ADAL" clId="{166D12EF-58EE-6C4C-9A24-99C33C59FE65}" dt="2024-11-15T20:54:24.153" v="1135" actId="5736"/>
           <ac:spMkLst>
             <pc:docMk/>
             <pc:sldMk cId="2695032720" sldId="259"/>
@@ -1390,7 +1422,7 @@
           </ac:spMkLst>
         </pc:spChg>
         <pc:spChg chg="mod">
-          <ac:chgData name="Montecino, Diego" userId="a795c42d-832a-4dce-b1d8-09bac981a9d2" providerId="ADAL" clId="{166D12EF-58EE-6C4C-9A24-99C33C59FE65}" dt="2024-11-15T18:42:55.522" v="1113" actId="5736"/>
+          <ac:chgData name="Montecino, Diego" userId="a795c42d-832a-4dce-b1d8-09bac981a9d2" providerId="ADAL" clId="{166D12EF-58EE-6C4C-9A24-99C33C59FE65}" dt="2024-11-15T20:54:24.153" v="1135" actId="5736"/>
           <ac:spMkLst>
             <pc:docMk/>
             <pc:sldMk cId="2695032720" sldId="259"/>
@@ -1398,7 +1430,7 @@
           </ac:spMkLst>
         </pc:spChg>
         <pc:spChg chg="mod">
-          <ac:chgData name="Montecino, Diego" userId="a795c42d-832a-4dce-b1d8-09bac981a9d2" providerId="ADAL" clId="{166D12EF-58EE-6C4C-9A24-99C33C59FE65}" dt="2024-11-15T18:42:55.522" v="1113" actId="5736"/>
+          <ac:chgData name="Montecino, Diego" userId="a795c42d-832a-4dce-b1d8-09bac981a9d2" providerId="ADAL" clId="{166D12EF-58EE-6C4C-9A24-99C33C59FE65}" dt="2024-11-15T20:54:24.153" v="1135" actId="5736"/>
           <ac:spMkLst>
             <pc:docMk/>
             <pc:sldMk cId="2695032720" sldId="259"/>
@@ -1406,7 +1438,7 @@
           </ac:spMkLst>
         </pc:spChg>
         <pc:spChg chg="mod">
-          <ac:chgData name="Montecino, Diego" userId="a795c42d-832a-4dce-b1d8-09bac981a9d2" providerId="ADAL" clId="{166D12EF-58EE-6C4C-9A24-99C33C59FE65}" dt="2024-11-15T18:42:55.522" v="1113" actId="5736"/>
+          <ac:chgData name="Montecino, Diego" userId="a795c42d-832a-4dce-b1d8-09bac981a9d2" providerId="ADAL" clId="{166D12EF-58EE-6C4C-9A24-99C33C59FE65}" dt="2024-11-15T20:54:24.153" v="1135" actId="5736"/>
           <ac:spMkLst>
             <pc:docMk/>
             <pc:sldMk cId="2695032720" sldId="259"/>
@@ -1414,7 +1446,7 @@
           </ac:spMkLst>
         </pc:spChg>
         <pc:spChg chg="mod">
-          <ac:chgData name="Montecino, Diego" userId="a795c42d-832a-4dce-b1d8-09bac981a9d2" providerId="ADAL" clId="{166D12EF-58EE-6C4C-9A24-99C33C59FE65}" dt="2024-11-15T18:42:55.522" v="1113" actId="5736"/>
+          <ac:chgData name="Montecino, Diego" userId="a795c42d-832a-4dce-b1d8-09bac981a9d2" providerId="ADAL" clId="{166D12EF-58EE-6C4C-9A24-99C33C59FE65}" dt="2024-11-15T20:54:24.153" v="1135" actId="5736"/>
           <ac:spMkLst>
             <pc:docMk/>
             <pc:sldMk cId="2695032720" sldId="259"/>
@@ -1422,7 +1454,7 @@
           </ac:spMkLst>
         </pc:spChg>
         <pc:spChg chg="mod">
-          <ac:chgData name="Montecino, Diego" userId="a795c42d-832a-4dce-b1d8-09bac981a9d2" providerId="ADAL" clId="{166D12EF-58EE-6C4C-9A24-99C33C59FE65}" dt="2024-11-15T18:42:55.522" v="1113" actId="5736"/>
+          <ac:chgData name="Montecino, Diego" userId="a795c42d-832a-4dce-b1d8-09bac981a9d2" providerId="ADAL" clId="{166D12EF-58EE-6C4C-9A24-99C33C59FE65}" dt="2024-11-15T20:54:24.153" v="1135" actId="5736"/>
           <ac:spMkLst>
             <pc:docMk/>
             <pc:sldMk cId="2695032720" sldId="259"/>
@@ -1430,7 +1462,7 @@
           </ac:spMkLst>
         </pc:spChg>
         <pc:spChg chg="mod">
-          <ac:chgData name="Montecino, Diego" userId="a795c42d-832a-4dce-b1d8-09bac981a9d2" providerId="ADAL" clId="{166D12EF-58EE-6C4C-9A24-99C33C59FE65}" dt="2024-11-15T18:42:55.522" v="1113" actId="5736"/>
+          <ac:chgData name="Montecino, Diego" userId="a795c42d-832a-4dce-b1d8-09bac981a9d2" providerId="ADAL" clId="{166D12EF-58EE-6C4C-9A24-99C33C59FE65}" dt="2024-11-15T20:54:24.153" v="1135" actId="5736"/>
           <ac:spMkLst>
             <pc:docMk/>
             <pc:sldMk cId="2695032720" sldId="259"/>
@@ -1438,7 +1470,7 @@
           </ac:spMkLst>
         </pc:spChg>
         <pc:spChg chg="mod">
-          <ac:chgData name="Montecino, Diego" userId="a795c42d-832a-4dce-b1d8-09bac981a9d2" providerId="ADAL" clId="{166D12EF-58EE-6C4C-9A24-99C33C59FE65}" dt="2024-11-15T18:42:55.522" v="1113" actId="5736"/>
+          <ac:chgData name="Montecino, Diego" userId="a795c42d-832a-4dce-b1d8-09bac981a9d2" providerId="ADAL" clId="{166D12EF-58EE-6C4C-9A24-99C33C59FE65}" dt="2024-11-15T20:54:24.153" v="1135" actId="5736"/>
           <ac:spMkLst>
             <pc:docMk/>
             <pc:sldMk cId="2695032720" sldId="259"/>
@@ -1446,7 +1478,7 @@
           </ac:spMkLst>
         </pc:spChg>
         <pc:spChg chg="mod">
-          <ac:chgData name="Montecino, Diego" userId="a795c42d-832a-4dce-b1d8-09bac981a9d2" providerId="ADAL" clId="{166D12EF-58EE-6C4C-9A24-99C33C59FE65}" dt="2024-11-15T18:42:55.522" v="1113" actId="5736"/>
+          <ac:chgData name="Montecino, Diego" userId="a795c42d-832a-4dce-b1d8-09bac981a9d2" providerId="ADAL" clId="{166D12EF-58EE-6C4C-9A24-99C33C59FE65}" dt="2024-11-15T20:54:24.153" v="1135" actId="5736"/>
           <ac:spMkLst>
             <pc:docMk/>
             <pc:sldMk cId="2695032720" sldId="259"/>
@@ -1454,7 +1486,7 @@
           </ac:spMkLst>
         </pc:spChg>
         <pc:spChg chg="mod">
-          <ac:chgData name="Montecino, Diego" userId="a795c42d-832a-4dce-b1d8-09bac981a9d2" providerId="ADAL" clId="{166D12EF-58EE-6C4C-9A24-99C33C59FE65}" dt="2024-11-15T18:42:55.522" v="1113" actId="5736"/>
+          <ac:chgData name="Montecino, Diego" userId="a795c42d-832a-4dce-b1d8-09bac981a9d2" providerId="ADAL" clId="{166D12EF-58EE-6C4C-9A24-99C33C59FE65}" dt="2024-11-15T20:54:24.153" v="1135" actId="5736"/>
           <ac:spMkLst>
             <pc:docMk/>
             <pc:sldMk cId="2695032720" sldId="259"/>
@@ -1462,7 +1494,7 @@
           </ac:spMkLst>
         </pc:spChg>
         <pc:spChg chg="mod">
-          <ac:chgData name="Montecino, Diego" userId="a795c42d-832a-4dce-b1d8-09bac981a9d2" providerId="ADAL" clId="{166D12EF-58EE-6C4C-9A24-99C33C59FE65}" dt="2024-11-15T18:42:55.522" v="1113" actId="5736"/>
+          <ac:chgData name="Montecino, Diego" userId="a795c42d-832a-4dce-b1d8-09bac981a9d2" providerId="ADAL" clId="{166D12EF-58EE-6C4C-9A24-99C33C59FE65}" dt="2024-11-15T20:54:24.153" v="1135" actId="5736"/>
           <ac:spMkLst>
             <pc:docMk/>
             <pc:sldMk cId="2695032720" sldId="259"/>
@@ -1470,7 +1502,7 @@
           </ac:spMkLst>
         </pc:spChg>
         <pc:spChg chg="mod">
-          <ac:chgData name="Montecino, Diego" userId="a795c42d-832a-4dce-b1d8-09bac981a9d2" providerId="ADAL" clId="{166D12EF-58EE-6C4C-9A24-99C33C59FE65}" dt="2024-11-15T18:42:55.522" v="1113" actId="5736"/>
+          <ac:chgData name="Montecino, Diego" userId="a795c42d-832a-4dce-b1d8-09bac981a9d2" providerId="ADAL" clId="{166D12EF-58EE-6C4C-9A24-99C33C59FE65}" dt="2024-11-15T20:54:24.153" v="1135" actId="5736"/>
           <ac:spMkLst>
             <pc:docMk/>
             <pc:sldMk cId="2695032720" sldId="259"/>
@@ -1478,7 +1510,7 @@
           </ac:spMkLst>
         </pc:spChg>
         <pc:spChg chg="mod">
-          <ac:chgData name="Montecino, Diego" userId="a795c42d-832a-4dce-b1d8-09bac981a9d2" providerId="ADAL" clId="{166D12EF-58EE-6C4C-9A24-99C33C59FE65}" dt="2024-11-15T18:42:55.522" v="1113" actId="5736"/>
+          <ac:chgData name="Montecino, Diego" userId="a795c42d-832a-4dce-b1d8-09bac981a9d2" providerId="ADAL" clId="{166D12EF-58EE-6C4C-9A24-99C33C59FE65}" dt="2024-11-15T20:54:24.153" v="1135" actId="5736"/>
           <ac:spMkLst>
             <pc:docMk/>
             <pc:sldMk cId="2695032720" sldId="259"/>
@@ -1486,7 +1518,7 @@
           </ac:spMkLst>
         </pc:spChg>
         <pc:spChg chg="mod">
-          <ac:chgData name="Montecino, Diego" userId="a795c42d-832a-4dce-b1d8-09bac981a9d2" providerId="ADAL" clId="{166D12EF-58EE-6C4C-9A24-99C33C59FE65}" dt="2024-11-15T18:42:55.522" v="1113" actId="5736"/>
+          <ac:chgData name="Montecino, Diego" userId="a795c42d-832a-4dce-b1d8-09bac981a9d2" providerId="ADAL" clId="{166D12EF-58EE-6C4C-9A24-99C33C59FE65}" dt="2024-11-15T20:54:24.153" v="1135" actId="5736"/>
           <ac:spMkLst>
             <pc:docMk/>
             <pc:sldMk cId="2695032720" sldId="259"/>
@@ -1494,7 +1526,7 @@
           </ac:spMkLst>
         </pc:spChg>
         <pc:spChg chg="mod">
-          <ac:chgData name="Montecino, Diego" userId="a795c42d-832a-4dce-b1d8-09bac981a9d2" providerId="ADAL" clId="{166D12EF-58EE-6C4C-9A24-99C33C59FE65}" dt="2024-11-15T18:42:55.522" v="1113" actId="5736"/>
+          <ac:chgData name="Montecino, Diego" userId="a795c42d-832a-4dce-b1d8-09bac981a9d2" providerId="ADAL" clId="{166D12EF-58EE-6C4C-9A24-99C33C59FE65}" dt="2024-11-15T20:54:24.153" v="1135" actId="5736"/>
           <ac:spMkLst>
             <pc:docMk/>
             <pc:sldMk cId="2695032720" sldId="259"/>
@@ -1502,7 +1534,7 @@
           </ac:spMkLst>
         </pc:spChg>
         <pc:spChg chg="mod">
-          <ac:chgData name="Montecino, Diego" userId="a795c42d-832a-4dce-b1d8-09bac981a9d2" providerId="ADAL" clId="{166D12EF-58EE-6C4C-9A24-99C33C59FE65}" dt="2024-11-15T18:42:55.522" v="1113" actId="5736"/>
+          <ac:chgData name="Montecino, Diego" userId="a795c42d-832a-4dce-b1d8-09bac981a9d2" providerId="ADAL" clId="{166D12EF-58EE-6C4C-9A24-99C33C59FE65}" dt="2024-11-15T20:54:24.153" v="1135" actId="5736"/>
           <ac:spMkLst>
             <pc:docMk/>
             <pc:sldMk cId="2695032720" sldId="259"/>
@@ -1510,7 +1542,7 @@
           </ac:spMkLst>
         </pc:spChg>
         <pc:grpChg chg="mod">
-          <ac:chgData name="Montecino, Diego" userId="a795c42d-832a-4dce-b1d8-09bac981a9d2" providerId="ADAL" clId="{166D12EF-58EE-6C4C-9A24-99C33C59FE65}" dt="2024-11-15T18:42:55.522" v="1113" actId="5736"/>
+          <ac:chgData name="Montecino, Diego" userId="a795c42d-832a-4dce-b1d8-09bac981a9d2" providerId="ADAL" clId="{166D12EF-58EE-6C4C-9A24-99C33C59FE65}" dt="2024-11-15T20:54:24.153" v="1135" actId="5736"/>
           <ac:grpSpMkLst>
             <pc:docMk/>
             <pc:sldMk cId="2695032720" sldId="259"/>
@@ -1518,7 +1550,7 @@
           </ac:grpSpMkLst>
         </pc:grpChg>
         <pc:grpChg chg="mod">
-          <ac:chgData name="Montecino, Diego" userId="a795c42d-832a-4dce-b1d8-09bac981a9d2" providerId="ADAL" clId="{166D12EF-58EE-6C4C-9A24-99C33C59FE65}" dt="2024-11-15T18:42:55.522" v="1113" actId="5736"/>
+          <ac:chgData name="Montecino, Diego" userId="a795c42d-832a-4dce-b1d8-09bac981a9d2" providerId="ADAL" clId="{166D12EF-58EE-6C4C-9A24-99C33C59FE65}" dt="2024-11-15T20:54:24.153" v="1135" actId="5736"/>
           <ac:grpSpMkLst>
             <pc:docMk/>
             <pc:sldMk cId="2695032720" sldId="259"/>
@@ -1526,7 +1558,7 @@
           </ac:grpSpMkLst>
         </pc:grpChg>
         <pc:graphicFrameChg chg="mod">
-          <ac:chgData name="Montecino, Diego" userId="a795c42d-832a-4dce-b1d8-09bac981a9d2" providerId="ADAL" clId="{166D12EF-58EE-6C4C-9A24-99C33C59FE65}" dt="2024-11-15T18:42:55.522" v="1113" actId="5736"/>
+          <ac:chgData name="Montecino, Diego" userId="a795c42d-832a-4dce-b1d8-09bac981a9d2" providerId="ADAL" clId="{166D12EF-58EE-6C4C-9A24-99C33C59FE65}" dt="2024-11-15T20:54:24.153" v="1135" actId="5736"/>
           <ac:graphicFrameMkLst>
             <pc:docMk/>
             <pc:sldMk cId="2695032720" sldId="259"/>
@@ -1534,7 +1566,7 @@
           </ac:graphicFrameMkLst>
         </pc:graphicFrameChg>
         <pc:cxnChg chg="add mod">
-          <ac:chgData name="Montecino, Diego" userId="a795c42d-832a-4dce-b1d8-09bac981a9d2" providerId="ADAL" clId="{166D12EF-58EE-6C4C-9A24-99C33C59FE65}" dt="2024-11-15T18:42:55.522" v="1113" actId="5736"/>
+          <ac:chgData name="Montecino, Diego" userId="a795c42d-832a-4dce-b1d8-09bac981a9d2" providerId="ADAL" clId="{166D12EF-58EE-6C4C-9A24-99C33C59FE65}" dt="2024-11-15T20:54:24.153" v="1135" actId="5736"/>
           <ac:cxnSpMkLst>
             <pc:docMk/>
             <pc:sldMk cId="2695032720" sldId="259"/>
@@ -1542,7 +1574,7 @@
           </ac:cxnSpMkLst>
         </pc:cxnChg>
         <pc:cxnChg chg="add mod">
-          <ac:chgData name="Montecino, Diego" userId="a795c42d-832a-4dce-b1d8-09bac981a9d2" providerId="ADAL" clId="{166D12EF-58EE-6C4C-9A24-99C33C59FE65}" dt="2024-11-15T18:42:55.522" v="1113" actId="5736"/>
+          <ac:chgData name="Montecino, Diego" userId="a795c42d-832a-4dce-b1d8-09bac981a9d2" providerId="ADAL" clId="{166D12EF-58EE-6C4C-9A24-99C33C59FE65}" dt="2024-11-15T20:54:24.153" v="1135" actId="5736"/>
           <ac:cxnSpMkLst>
             <pc:docMk/>
             <pc:sldMk cId="2695032720" sldId="259"/>
@@ -1550,7 +1582,7 @@
           </ac:cxnSpMkLst>
         </pc:cxnChg>
         <pc:cxnChg chg="add mod">
-          <ac:chgData name="Montecino, Diego" userId="a795c42d-832a-4dce-b1d8-09bac981a9d2" providerId="ADAL" clId="{166D12EF-58EE-6C4C-9A24-99C33C59FE65}" dt="2024-11-15T18:42:55.522" v="1113" actId="5736"/>
+          <ac:chgData name="Montecino, Diego" userId="a795c42d-832a-4dce-b1d8-09bac981a9d2" providerId="ADAL" clId="{166D12EF-58EE-6C4C-9A24-99C33C59FE65}" dt="2024-11-15T20:54:24.153" v="1135" actId="5736"/>
           <ac:cxnSpMkLst>
             <pc:docMk/>
             <pc:sldMk cId="2695032720" sldId="259"/>
@@ -1558,7 +1590,7 @@
           </ac:cxnSpMkLst>
         </pc:cxnChg>
         <pc:cxnChg chg="add mod">
-          <ac:chgData name="Montecino, Diego" userId="a795c42d-832a-4dce-b1d8-09bac981a9d2" providerId="ADAL" clId="{166D12EF-58EE-6C4C-9A24-99C33C59FE65}" dt="2024-11-15T18:42:55.522" v="1113" actId="5736"/>
+          <ac:chgData name="Montecino, Diego" userId="a795c42d-832a-4dce-b1d8-09bac981a9d2" providerId="ADAL" clId="{166D12EF-58EE-6C4C-9A24-99C33C59FE65}" dt="2024-11-15T20:54:24.153" v="1135" actId="5736"/>
           <ac:cxnSpMkLst>
             <pc:docMk/>
             <pc:sldMk cId="2695032720" sldId="259"/>
@@ -1566,7 +1598,7 @@
           </ac:cxnSpMkLst>
         </pc:cxnChg>
         <pc:cxnChg chg="mod">
-          <ac:chgData name="Montecino, Diego" userId="a795c42d-832a-4dce-b1d8-09bac981a9d2" providerId="ADAL" clId="{166D12EF-58EE-6C4C-9A24-99C33C59FE65}" dt="2024-11-15T18:42:55.522" v="1113" actId="5736"/>
+          <ac:chgData name="Montecino, Diego" userId="a795c42d-832a-4dce-b1d8-09bac981a9d2" providerId="ADAL" clId="{166D12EF-58EE-6C4C-9A24-99C33C59FE65}" dt="2024-11-15T20:54:24.153" v="1135" actId="5736"/>
           <ac:cxnSpMkLst>
             <pc:docMk/>
             <pc:sldMk cId="2695032720" sldId="259"/>
@@ -1574,7 +1606,7 @@
           </ac:cxnSpMkLst>
         </pc:cxnChg>
         <pc:cxnChg chg="add mod">
-          <ac:chgData name="Montecino, Diego" userId="a795c42d-832a-4dce-b1d8-09bac981a9d2" providerId="ADAL" clId="{166D12EF-58EE-6C4C-9A24-99C33C59FE65}" dt="2024-11-15T18:42:55.522" v="1113" actId="5736"/>
+          <ac:chgData name="Montecino, Diego" userId="a795c42d-832a-4dce-b1d8-09bac981a9d2" providerId="ADAL" clId="{166D12EF-58EE-6C4C-9A24-99C33C59FE65}" dt="2024-11-15T20:54:24.153" v="1135" actId="5736"/>
           <ac:cxnSpMkLst>
             <pc:docMk/>
             <pc:sldMk cId="2695032720" sldId="259"/>
@@ -1582,7 +1614,7 @@
           </ac:cxnSpMkLst>
         </pc:cxnChg>
         <pc:cxnChg chg="add mod">
-          <ac:chgData name="Montecino, Diego" userId="a795c42d-832a-4dce-b1d8-09bac981a9d2" providerId="ADAL" clId="{166D12EF-58EE-6C4C-9A24-99C33C59FE65}" dt="2024-11-15T18:42:55.522" v="1113" actId="5736"/>
+          <ac:chgData name="Montecino, Diego" userId="a795c42d-832a-4dce-b1d8-09bac981a9d2" providerId="ADAL" clId="{166D12EF-58EE-6C4C-9A24-99C33C59FE65}" dt="2024-11-15T20:54:24.153" v="1135" actId="5736"/>
           <ac:cxnSpMkLst>
             <pc:docMk/>
             <pc:sldMk cId="2695032720" sldId="259"/>
@@ -1590,7 +1622,7 @@
           </ac:cxnSpMkLst>
         </pc:cxnChg>
         <pc:cxnChg chg="add mod">
-          <ac:chgData name="Montecino, Diego" userId="a795c42d-832a-4dce-b1d8-09bac981a9d2" providerId="ADAL" clId="{166D12EF-58EE-6C4C-9A24-99C33C59FE65}" dt="2024-11-15T18:42:55.522" v="1113" actId="5736"/>
+          <ac:chgData name="Montecino, Diego" userId="a795c42d-832a-4dce-b1d8-09bac981a9d2" providerId="ADAL" clId="{166D12EF-58EE-6C4C-9A24-99C33C59FE65}" dt="2024-11-15T20:54:24.153" v="1135" actId="5736"/>
           <ac:cxnSpMkLst>
             <pc:docMk/>
             <pc:sldMk cId="2695032720" sldId="259"/>
@@ -1598,15 +1630,23 @@
           </ac:cxnSpMkLst>
         </pc:cxnChg>
         <pc:cxnChg chg="add mod">
-          <ac:chgData name="Montecino, Diego" userId="a795c42d-832a-4dce-b1d8-09bac981a9d2" providerId="ADAL" clId="{166D12EF-58EE-6C4C-9A24-99C33C59FE65}" dt="2024-11-15T18:42:55.522" v="1113" actId="5736"/>
+          <ac:chgData name="Montecino, Diego" userId="a795c42d-832a-4dce-b1d8-09bac981a9d2" providerId="ADAL" clId="{166D12EF-58EE-6C4C-9A24-99C33C59FE65}" dt="2024-11-15T20:54:24.153" v="1135" actId="5736"/>
           <ac:cxnSpMkLst>
             <pc:docMk/>
             <pc:sldMk cId="2695032720" sldId="259"/>
             <ac:cxnSpMk id="18" creationId="{76C06E5B-E2B6-C6FC-E627-7EFF705B7A9F}"/>
           </ac:cxnSpMkLst>
         </pc:cxnChg>
+        <pc:cxnChg chg="add mod">
+          <ac:chgData name="Montecino, Diego" userId="a795c42d-832a-4dce-b1d8-09bac981a9d2" providerId="ADAL" clId="{166D12EF-58EE-6C4C-9A24-99C33C59FE65}" dt="2024-11-15T20:54:24.153" v="1135" actId="5736"/>
+          <ac:cxnSpMkLst>
+            <pc:docMk/>
+            <pc:sldMk cId="2695032720" sldId="259"/>
+            <ac:cxnSpMk id="19" creationId="{68CD4F76-3504-822F-3A5A-BD04683782BF}"/>
+          </ac:cxnSpMkLst>
+        </pc:cxnChg>
         <pc:cxnChg chg="mod">
-          <ac:chgData name="Montecino, Diego" userId="a795c42d-832a-4dce-b1d8-09bac981a9d2" providerId="ADAL" clId="{166D12EF-58EE-6C4C-9A24-99C33C59FE65}" dt="2024-11-15T18:42:55.522" v="1113" actId="5736"/>
+          <ac:chgData name="Montecino, Diego" userId="a795c42d-832a-4dce-b1d8-09bac981a9d2" providerId="ADAL" clId="{166D12EF-58EE-6C4C-9A24-99C33C59FE65}" dt="2024-11-15T20:54:24.153" v="1135" actId="5736"/>
           <ac:cxnSpMkLst>
             <pc:docMk/>
             <pc:sldMk cId="2695032720" sldId="259"/>
@@ -1614,7 +1654,7 @@
           </ac:cxnSpMkLst>
         </pc:cxnChg>
         <pc:cxnChg chg="mod">
-          <ac:chgData name="Montecino, Diego" userId="a795c42d-832a-4dce-b1d8-09bac981a9d2" providerId="ADAL" clId="{166D12EF-58EE-6C4C-9A24-99C33C59FE65}" dt="2024-11-15T18:42:55.522" v="1113" actId="5736"/>
+          <ac:chgData name="Montecino, Diego" userId="a795c42d-832a-4dce-b1d8-09bac981a9d2" providerId="ADAL" clId="{166D12EF-58EE-6C4C-9A24-99C33C59FE65}" dt="2024-11-15T20:54:24.153" v="1135" actId="5736"/>
           <ac:cxnSpMkLst>
             <pc:docMk/>
             <pc:sldMk cId="2695032720" sldId="259"/>
@@ -1622,7 +1662,7 @@
           </ac:cxnSpMkLst>
         </pc:cxnChg>
         <pc:cxnChg chg="mod">
-          <ac:chgData name="Montecino, Diego" userId="a795c42d-832a-4dce-b1d8-09bac981a9d2" providerId="ADAL" clId="{166D12EF-58EE-6C4C-9A24-99C33C59FE65}" dt="2024-11-15T18:42:55.522" v="1113" actId="5736"/>
+          <ac:chgData name="Montecino, Diego" userId="a795c42d-832a-4dce-b1d8-09bac981a9d2" providerId="ADAL" clId="{166D12EF-58EE-6C4C-9A24-99C33C59FE65}" dt="2024-11-15T20:54:24.153" v="1135" actId="5736"/>
           <ac:cxnSpMkLst>
             <pc:docMk/>
             <pc:sldMk cId="2695032720" sldId="259"/>
@@ -1630,7 +1670,7 @@
           </ac:cxnSpMkLst>
         </pc:cxnChg>
         <pc:cxnChg chg="mod">
-          <ac:chgData name="Montecino, Diego" userId="a795c42d-832a-4dce-b1d8-09bac981a9d2" providerId="ADAL" clId="{166D12EF-58EE-6C4C-9A24-99C33C59FE65}" dt="2024-11-15T18:42:55.522" v="1113" actId="5736"/>
+          <ac:chgData name="Montecino, Diego" userId="a795c42d-832a-4dce-b1d8-09bac981a9d2" providerId="ADAL" clId="{166D12EF-58EE-6C4C-9A24-99C33C59FE65}" dt="2024-11-15T20:54:24.153" v="1135" actId="5736"/>
           <ac:cxnSpMkLst>
             <pc:docMk/>
             <pc:sldMk cId="2695032720" sldId="259"/>
@@ -1638,7 +1678,7 @@
           </ac:cxnSpMkLst>
         </pc:cxnChg>
         <pc:cxnChg chg="mod">
-          <ac:chgData name="Montecino, Diego" userId="a795c42d-832a-4dce-b1d8-09bac981a9d2" providerId="ADAL" clId="{166D12EF-58EE-6C4C-9A24-99C33C59FE65}" dt="2024-11-15T18:42:55.522" v="1113" actId="5736"/>
+          <ac:chgData name="Montecino, Diego" userId="a795c42d-832a-4dce-b1d8-09bac981a9d2" providerId="ADAL" clId="{166D12EF-58EE-6C4C-9A24-99C33C59FE65}" dt="2024-11-15T20:54:24.153" v="1135" actId="5736"/>
           <ac:cxnSpMkLst>
             <pc:docMk/>
             <pc:sldMk cId="2695032720" sldId="259"/>
@@ -1646,7 +1686,7 @@
           </ac:cxnSpMkLst>
         </pc:cxnChg>
         <pc:cxnChg chg="mod">
-          <ac:chgData name="Montecino, Diego" userId="a795c42d-832a-4dce-b1d8-09bac981a9d2" providerId="ADAL" clId="{166D12EF-58EE-6C4C-9A24-99C33C59FE65}" dt="2024-11-15T18:42:55.522" v="1113" actId="5736"/>
+          <ac:chgData name="Montecino, Diego" userId="a795c42d-832a-4dce-b1d8-09bac981a9d2" providerId="ADAL" clId="{166D12EF-58EE-6C4C-9A24-99C33C59FE65}" dt="2024-11-15T20:54:24.153" v="1135" actId="5736"/>
           <ac:cxnSpMkLst>
             <pc:docMk/>
             <pc:sldMk cId="2695032720" sldId="259"/>
@@ -1654,7 +1694,7 @@
           </ac:cxnSpMkLst>
         </pc:cxnChg>
         <pc:cxnChg chg="mod">
-          <ac:chgData name="Montecino, Diego" userId="a795c42d-832a-4dce-b1d8-09bac981a9d2" providerId="ADAL" clId="{166D12EF-58EE-6C4C-9A24-99C33C59FE65}" dt="2024-11-15T18:42:55.522" v="1113" actId="5736"/>
+          <ac:chgData name="Montecino, Diego" userId="a795c42d-832a-4dce-b1d8-09bac981a9d2" providerId="ADAL" clId="{166D12EF-58EE-6C4C-9A24-99C33C59FE65}" dt="2024-11-15T20:54:24.153" v="1135" actId="5736"/>
           <ac:cxnSpMkLst>
             <pc:docMk/>
             <pc:sldMk cId="2695032720" sldId="259"/>
@@ -1662,7 +1702,7 @@
           </ac:cxnSpMkLst>
         </pc:cxnChg>
         <pc:cxnChg chg="mod">
-          <ac:chgData name="Montecino, Diego" userId="a795c42d-832a-4dce-b1d8-09bac981a9d2" providerId="ADAL" clId="{166D12EF-58EE-6C4C-9A24-99C33C59FE65}" dt="2024-11-15T18:42:55.522" v="1113" actId="5736"/>
+          <ac:chgData name="Montecino, Diego" userId="a795c42d-832a-4dce-b1d8-09bac981a9d2" providerId="ADAL" clId="{166D12EF-58EE-6C4C-9A24-99C33C59FE65}" dt="2024-11-15T20:54:24.153" v="1135" actId="5736"/>
           <ac:cxnSpMkLst>
             <pc:docMk/>
             <pc:sldMk cId="2695032720" sldId="259"/>
@@ -1670,7 +1710,7 @@
           </ac:cxnSpMkLst>
         </pc:cxnChg>
         <pc:cxnChg chg="mod">
-          <ac:chgData name="Montecino, Diego" userId="a795c42d-832a-4dce-b1d8-09bac981a9d2" providerId="ADAL" clId="{166D12EF-58EE-6C4C-9A24-99C33C59FE65}" dt="2024-11-15T18:42:55.522" v="1113" actId="5736"/>
+          <ac:chgData name="Montecino, Diego" userId="a795c42d-832a-4dce-b1d8-09bac981a9d2" providerId="ADAL" clId="{166D12EF-58EE-6C4C-9A24-99C33C59FE65}" dt="2024-11-15T20:54:24.153" v="1135" actId="5736"/>
           <ac:cxnSpMkLst>
             <pc:docMk/>
             <pc:sldMk cId="2695032720" sldId="259"/>
@@ -1678,7 +1718,7 @@
           </ac:cxnSpMkLst>
         </pc:cxnChg>
         <pc:cxnChg chg="mod">
-          <ac:chgData name="Montecino, Diego" userId="a795c42d-832a-4dce-b1d8-09bac981a9d2" providerId="ADAL" clId="{166D12EF-58EE-6C4C-9A24-99C33C59FE65}" dt="2024-11-15T18:42:55.522" v="1113" actId="5736"/>
+          <ac:chgData name="Montecino, Diego" userId="a795c42d-832a-4dce-b1d8-09bac981a9d2" providerId="ADAL" clId="{166D12EF-58EE-6C4C-9A24-99C33C59FE65}" dt="2024-11-15T20:54:24.153" v="1135" actId="5736"/>
           <ac:cxnSpMkLst>
             <pc:docMk/>
             <pc:sldMk cId="2695032720" sldId="259"/>
@@ -1686,7 +1726,7 @@
           </ac:cxnSpMkLst>
         </pc:cxnChg>
         <pc:cxnChg chg="mod">
-          <ac:chgData name="Montecino, Diego" userId="a795c42d-832a-4dce-b1d8-09bac981a9d2" providerId="ADAL" clId="{166D12EF-58EE-6C4C-9A24-99C33C59FE65}" dt="2024-11-15T18:42:55.522" v="1113" actId="5736"/>
+          <ac:chgData name="Montecino, Diego" userId="a795c42d-832a-4dce-b1d8-09bac981a9d2" providerId="ADAL" clId="{166D12EF-58EE-6C4C-9A24-99C33C59FE65}" dt="2024-11-15T20:54:24.153" v="1135" actId="5736"/>
           <ac:cxnSpMkLst>
             <pc:docMk/>
             <pc:sldMk cId="2695032720" sldId="259"/>
@@ -1694,7 +1734,7 @@
           </ac:cxnSpMkLst>
         </pc:cxnChg>
         <pc:cxnChg chg="mod">
-          <ac:chgData name="Montecino, Diego" userId="a795c42d-832a-4dce-b1d8-09bac981a9d2" providerId="ADAL" clId="{166D12EF-58EE-6C4C-9A24-99C33C59FE65}" dt="2024-11-15T18:42:55.522" v="1113" actId="5736"/>
+          <ac:chgData name="Montecino, Diego" userId="a795c42d-832a-4dce-b1d8-09bac981a9d2" providerId="ADAL" clId="{166D12EF-58EE-6C4C-9A24-99C33C59FE65}" dt="2024-11-15T20:54:24.153" v="1135" actId="5736"/>
           <ac:cxnSpMkLst>
             <pc:docMk/>
             <pc:sldMk cId="2695032720" sldId="259"/>
@@ -1702,7 +1742,7 @@
           </ac:cxnSpMkLst>
         </pc:cxnChg>
         <pc:cxnChg chg="mod">
-          <ac:chgData name="Montecino, Diego" userId="a795c42d-832a-4dce-b1d8-09bac981a9d2" providerId="ADAL" clId="{166D12EF-58EE-6C4C-9A24-99C33C59FE65}" dt="2024-11-15T18:42:55.522" v="1113" actId="5736"/>
+          <ac:chgData name="Montecino, Diego" userId="a795c42d-832a-4dce-b1d8-09bac981a9d2" providerId="ADAL" clId="{166D12EF-58EE-6C4C-9A24-99C33C59FE65}" dt="2024-11-15T20:54:24.153" v="1135" actId="5736"/>
           <ac:cxnSpMkLst>
             <pc:docMk/>
             <pc:sldMk cId="2695032720" sldId="259"/>
@@ -1710,7 +1750,7 @@
           </ac:cxnSpMkLst>
         </pc:cxnChg>
         <pc:cxnChg chg="mod">
-          <ac:chgData name="Montecino, Diego" userId="a795c42d-832a-4dce-b1d8-09bac981a9d2" providerId="ADAL" clId="{166D12EF-58EE-6C4C-9A24-99C33C59FE65}" dt="2024-11-15T18:42:55.522" v="1113" actId="5736"/>
+          <ac:chgData name="Montecino, Diego" userId="a795c42d-832a-4dce-b1d8-09bac981a9d2" providerId="ADAL" clId="{166D12EF-58EE-6C4C-9A24-99C33C59FE65}" dt="2024-11-15T20:54:24.153" v="1135" actId="5736"/>
           <ac:cxnSpMkLst>
             <pc:docMk/>
             <pc:sldMk cId="2695032720" sldId="259"/>
@@ -1718,7 +1758,7 @@
           </ac:cxnSpMkLst>
         </pc:cxnChg>
         <pc:cxnChg chg="mod">
-          <ac:chgData name="Montecino, Diego" userId="a795c42d-832a-4dce-b1d8-09bac981a9d2" providerId="ADAL" clId="{166D12EF-58EE-6C4C-9A24-99C33C59FE65}" dt="2024-11-15T18:42:55.522" v="1113" actId="5736"/>
+          <ac:chgData name="Montecino, Diego" userId="a795c42d-832a-4dce-b1d8-09bac981a9d2" providerId="ADAL" clId="{166D12EF-58EE-6C4C-9A24-99C33C59FE65}" dt="2024-11-15T20:54:24.153" v="1135" actId="5736"/>
           <ac:cxnSpMkLst>
             <pc:docMk/>
             <pc:sldMk cId="2695032720" sldId="259"/>
@@ -1726,7 +1766,7 @@
           </ac:cxnSpMkLst>
         </pc:cxnChg>
         <pc:cxnChg chg="mod">
-          <ac:chgData name="Montecino, Diego" userId="a795c42d-832a-4dce-b1d8-09bac981a9d2" providerId="ADAL" clId="{166D12EF-58EE-6C4C-9A24-99C33C59FE65}" dt="2024-11-15T18:42:55.522" v="1113" actId="5736"/>
+          <ac:chgData name="Montecino, Diego" userId="a795c42d-832a-4dce-b1d8-09bac981a9d2" providerId="ADAL" clId="{166D12EF-58EE-6C4C-9A24-99C33C59FE65}" dt="2024-11-15T20:54:24.153" v="1135" actId="5736"/>
           <ac:cxnSpMkLst>
             <pc:docMk/>
             <pc:sldMk cId="2695032720" sldId="259"/>
@@ -1734,7 +1774,7 @@
           </ac:cxnSpMkLst>
         </pc:cxnChg>
         <pc:cxnChg chg="mod">
-          <ac:chgData name="Montecino, Diego" userId="a795c42d-832a-4dce-b1d8-09bac981a9d2" providerId="ADAL" clId="{166D12EF-58EE-6C4C-9A24-99C33C59FE65}" dt="2024-11-15T18:42:55.522" v="1113" actId="5736"/>
+          <ac:chgData name="Montecino, Diego" userId="a795c42d-832a-4dce-b1d8-09bac981a9d2" providerId="ADAL" clId="{166D12EF-58EE-6C4C-9A24-99C33C59FE65}" dt="2024-11-15T20:54:24.153" v="1135" actId="5736"/>
           <ac:cxnSpMkLst>
             <pc:docMk/>
             <pc:sldMk cId="2695032720" sldId="259"/>
@@ -1742,7 +1782,7 @@
           </ac:cxnSpMkLst>
         </pc:cxnChg>
         <pc:cxnChg chg="mod">
-          <ac:chgData name="Montecino, Diego" userId="a795c42d-832a-4dce-b1d8-09bac981a9d2" providerId="ADAL" clId="{166D12EF-58EE-6C4C-9A24-99C33C59FE65}" dt="2024-11-15T18:42:55.522" v="1113" actId="5736"/>
+          <ac:chgData name="Montecino, Diego" userId="a795c42d-832a-4dce-b1d8-09bac981a9d2" providerId="ADAL" clId="{166D12EF-58EE-6C4C-9A24-99C33C59FE65}" dt="2024-11-15T20:54:24.153" v="1135" actId="5736"/>
           <ac:cxnSpMkLst>
             <pc:docMk/>
             <pc:sldMk cId="2695032720" sldId="259"/>
@@ -1750,7 +1790,7 @@
           </ac:cxnSpMkLst>
         </pc:cxnChg>
         <pc:cxnChg chg="mod">
-          <ac:chgData name="Montecino, Diego" userId="a795c42d-832a-4dce-b1d8-09bac981a9d2" providerId="ADAL" clId="{166D12EF-58EE-6C4C-9A24-99C33C59FE65}" dt="2024-11-15T18:42:55.522" v="1113" actId="5736"/>
+          <ac:chgData name="Montecino, Diego" userId="a795c42d-832a-4dce-b1d8-09bac981a9d2" providerId="ADAL" clId="{166D12EF-58EE-6C4C-9A24-99C33C59FE65}" dt="2024-11-15T20:54:24.153" v="1135" actId="5736"/>
           <ac:cxnSpMkLst>
             <pc:docMk/>
             <pc:sldMk cId="2695032720" sldId="259"/>
@@ -1758,7 +1798,7 @@
           </ac:cxnSpMkLst>
         </pc:cxnChg>
         <pc:cxnChg chg="mod">
-          <ac:chgData name="Montecino, Diego" userId="a795c42d-832a-4dce-b1d8-09bac981a9d2" providerId="ADAL" clId="{166D12EF-58EE-6C4C-9A24-99C33C59FE65}" dt="2024-11-15T18:42:55.522" v="1113" actId="5736"/>
+          <ac:chgData name="Montecino, Diego" userId="a795c42d-832a-4dce-b1d8-09bac981a9d2" providerId="ADAL" clId="{166D12EF-58EE-6C4C-9A24-99C33C59FE65}" dt="2024-11-15T20:54:24.153" v="1135" actId="5736"/>
           <ac:cxnSpMkLst>
             <pc:docMk/>
             <pc:sldMk cId="2695032720" sldId="259"/>
@@ -1766,7 +1806,7 @@
           </ac:cxnSpMkLst>
         </pc:cxnChg>
         <pc:cxnChg chg="mod">
-          <ac:chgData name="Montecino, Diego" userId="a795c42d-832a-4dce-b1d8-09bac981a9d2" providerId="ADAL" clId="{166D12EF-58EE-6C4C-9A24-99C33C59FE65}" dt="2024-11-15T18:42:55.522" v="1113" actId="5736"/>
+          <ac:chgData name="Montecino, Diego" userId="a795c42d-832a-4dce-b1d8-09bac981a9d2" providerId="ADAL" clId="{166D12EF-58EE-6C4C-9A24-99C33C59FE65}" dt="2024-11-15T20:54:24.153" v="1135" actId="5736"/>
           <ac:cxnSpMkLst>
             <pc:docMk/>
             <pc:sldMk cId="2695032720" sldId="259"/>
@@ -1775,13 +1815,13 @@
         </pc:cxnChg>
       </pc:sldChg>
       <pc:sldChg chg="addSp delSp modSp add mod">
-        <pc:chgData name="Montecino, Diego" userId="a795c42d-832a-4dce-b1d8-09bac981a9d2" providerId="ADAL" clId="{166D12EF-58EE-6C4C-9A24-99C33C59FE65}" dt="2024-11-15T18:37:53.741" v="1087" actId="5736"/>
+        <pc:chgData name="Montecino, Diego" userId="a795c42d-832a-4dce-b1d8-09bac981a9d2" providerId="ADAL" clId="{166D12EF-58EE-6C4C-9A24-99C33C59FE65}" dt="2024-11-15T20:54:37.034" v="1136" actId="5736"/>
         <pc:sldMkLst>
           <pc:docMk/>
           <pc:sldMk cId="201650809" sldId="260"/>
         </pc:sldMkLst>
         <pc:spChg chg="add mod">
-          <ac:chgData name="Montecino, Diego" userId="a795c42d-832a-4dce-b1d8-09bac981a9d2" providerId="ADAL" clId="{166D12EF-58EE-6C4C-9A24-99C33C59FE65}" dt="2024-11-15T18:37:53.741" v="1087" actId="5736"/>
+          <ac:chgData name="Montecino, Diego" userId="a795c42d-832a-4dce-b1d8-09bac981a9d2" providerId="ADAL" clId="{166D12EF-58EE-6C4C-9A24-99C33C59FE65}" dt="2024-11-15T20:54:37.034" v="1136" actId="5736"/>
           <ac:spMkLst>
             <pc:docMk/>
             <pc:sldMk cId="201650809" sldId="260"/>
@@ -1789,7 +1829,7 @@
           </ac:spMkLst>
         </pc:spChg>
         <pc:spChg chg="add mod">
-          <ac:chgData name="Montecino, Diego" userId="a795c42d-832a-4dce-b1d8-09bac981a9d2" providerId="ADAL" clId="{166D12EF-58EE-6C4C-9A24-99C33C59FE65}" dt="2024-11-15T18:37:53.741" v="1087" actId="5736"/>
+          <ac:chgData name="Montecino, Diego" userId="a795c42d-832a-4dce-b1d8-09bac981a9d2" providerId="ADAL" clId="{166D12EF-58EE-6C4C-9A24-99C33C59FE65}" dt="2024-11-15T20:54:37.034" v="1136" actId="5736"/>
           <ac:spMkLst>
             <pc:docMk/>
             <pc:sldMk cId="201650809" sldId="260"/>
@@ -1797,7 +1837,7 @@
           </ac:spMkLst>
         </pc:spChg>
         <pc:spChg chg="mod">
-          <ac:chgData name="Montecino, Diego" userId="a795c42d-832a-4dce-b1d8-09bac981a9d2" providerId="ADAL" clId="{166D12EF-58EE-6C4C-9A24-99C33C59FE65}" dt="2024-11-15T18:37:53.741" v="1087" actId="5736"/>
+          <ac:chgData name="Montecino, Diego" userId="a795c42d-832a-4dce-b1d8-09bac981a9d2" providerId="ADAL" clId="{166D12EF-58EE-6C4C-9A24-99C33C59FE65}" dt="2024-11-15T20:54:37.034" v="1136" actId="5736"/>
           <ac:spMkLst>
             <pc:docMk/>
             <pc:sldMk cId="201650809" sldId="260"/>
@@ -1805,7 +1845,7 @@
           </ac:spMkLst>
         </pc:spChg>
         <pc:spChg chg="add mod">
-          <ac:chgData name="Montecino, Diego" userId="a795c42d-832a-4dce-b1d8-09bac981a9d2" providerId="ADAL" clId="{166D12EF-58EE-6C4C-9A24-99C33C59FE65}" dt="2024-11-15T18:37:53.741" v="1087" actId="5736"/>
+          <ac:chgData name="Montecino, Diego" userId="a795c42d-832a-4dce-b1d8-09bac981a9d2" providerId="ADAL" clId="{166D12EF-58EE-6C4C-9A24-99C33C59FE65}" dt="2024-11-15T20:54:37.034" v="1136" actId="5736"/>
           <ac:spMkLst>
             <pc:docMk/>
             <pc:sldMk cId="201650809" sldId="260"/>
@@ -1813,7 +1853,7 @@
           </ac:spMkLst>
         </pc:spChg>
         <pc:spChg chg="add mod">
-          <ac:chgData name="Montecino, Diego" userId="a795c42d-832a-4dce-b1d8-09bac981a9d2" providerId="ADAL" clId="{166D12EF-58EE-6C4C-9A24-99C33C59FE65}" dt="2024-11-15T18:37:53.741" v="1087" actId="5736"/>
+          <ac:chgData name="Montecino, Diego" userId="a795c42d-832a-4dce-b1d8-09bac981a9d2" providerId="ADAL" clId="{166D12EF-58EE-6C4C-9A24-99C33C59FE65}" dt="2024-11-15T20:54:37.034" v="1136" actId="5736"/>
           <ac:spMkLst>
             <pc:docMk/>
             <pc:sldMk cId="201650809" sldId="260"/>
@@ -1821,7 +1861,7 @@
           </ac:spMkLst>
         </pc:spChg>
         <pc:spChg chg="add mod">
-          <ac:chgData name="Montecino, Diego" userId="a795c42d-832a-4dce-b1d8-09bac981a9d2" providerId="ADAL" clId="{166D12EF-58EE-6C4C-9A24-99C33C59FE65}" dt="2024-11-15T18:37:53.741" v="1087" actId="5736"/>
+          <ac:chgData name="Montecino, Diego" userId="a795c42d-832a-4dce-b1d8-09bac981a9d2" providerId="ADAL" clId="{166D12EF-58EE-6C4C-9A24-99C33C59FE65}" dt="2024-11-15T20:54:37.034" v="1136" actId="5736"/>
           <ac:spMkLst>
             <pc:docMk/>
             <pc:sldMk cId="201650809" sldId="260"/>
@@ -1829,15 +1869,23 @@
           </ac:spMkLst>
         </pc:spChg>
         <pc:spChg chg="add mod">
-          <ac:chgData name="Montecino, Diego" userId="a795c42d-832a-4dce-b1d8-09bac981a9d2" providerId="ADAL" clId="{166D12EF-58EE-6C4C-9A24-99C33C59FE65}" dt="2024-11-15T18:37:53.741" v="1087" actId="5736"/>
+          <ac:chgData name="Montecino, Diego" userId="a795c42d-832a-4dce-b1d8-09bac981a9d2" providerId="ADAL" clId="{166D12EF-58EE-6C4C-9A24-99C33C59FE65}" dt="2024-11-15T20:54:37.034" v="1136" actId="5736"/>
           <ac:spMkLst>
             <pc:docMk/>
             <pc:sldMk cId="201650809" sldId="260"/>
             <ac:spMk id="17" creationId="{C8A8BA5B-441F-47A3-A093-D62BBDAFDB6C}"/>
           </ac:spMkLst>
         </pc:spChg>
+        <pc:spChg chg="add mod">
+          <ac:chgData name="Montecino, Diego" userId="a795c42d-832a-4dce-b1d8-09bac981a9d2" providerId="ADAL" clId="{166D12EF-58EE-6C4C-9A24-99C33C59FE65}" dt="2024-11-15T20:54:37.034" v="1136" actId="5736"/>
+          <ac:spMkLst>
+            <pc:docMk/>
+            <pc:sldMk cId="201650809" sldId="260"/>
+            <ac:spMk id="19" creationId="{98824F6E-40B3-3EE3-5AC3-6D6C55FF4EDF}"/>
+          </ac:spMkLst>
+        </pc:spChg>
         <pc:spChg chg="mod">
-          <ac:chgData name="Montecino, Diego" userId="a795c42d-832a-4dce-b1d8-09bac981a9d2" providerId="ADAL" clId="{166D12EF-58EE-6C4C-9A24-99C33C59FE65}" dt="2024-11-15T18:37:53.741" v="1087" actId="5736"/>
+          <ac:chgData name="Montecino, Diego" userId="a795c42d-832a-4dce-b1d8-09bac981a9d2" providerId="ADAL" clId="{166D12EF-58EE-6C4C-9A24-99C33C59FE65}" dt="2024-11-15T20:54:37.034" v="1136" actId="5736"/>
           <ac:spMkLst>
             <pc:docMk/>
             <pc:sldMk cId="201650809" sldId="260"/>
@@ -1845,7 +1893,7 @@
           </ac:spMkLst>
         </pc:spChg>
         <pc:spChg chg="mod">
-          <ac:chgData name="Montecino, Diego" userId="a795c42d-832a-4dce-b1d8-09bac981a9d2" providerId="ADAL" clId="{166D12EF-58EE-6C4C-9A24-99C33C59FE65}" dt="2024-11-15T18:37:53.741" v="1087" actId="5736"/>
+          <ac:chgData name="Montecino, Diego" userId="a795c42d-832a-4dce-b1d8-09bac981a9d2" providerId="ADAL" clId="{166D12EF-58EE-6C4C-9A24-99C33C59FE65}" dt="2024-11-15T20:54:37.034" v="1136" actId="5736"/>
           <ac:spMkLst>
             <pc:docMk/>
             <pc:sldMk cId="201650809" sldId="260"/>
@@ -1853,7 +1901,7 @@
           </ac:spMkLst>
         </pc:spChg>
         <pc:spChg chg="mod">
-          <ac:chgData name="Montecino, Diego" userId="a795c42d-832a-4dce-b1d8-09bac981a9d2" providerId="ADAL" clId="{166D12EF-58EE-6C4C-9A24-99C33C59FE65}" dt="2024-11-15T18:37:53.741" v="1087" actId="5736"/>
+          <ac:chgData name="Montecino, Diego" userId="a795c42d-832a-4dce-b1d8-09bac981a9d2" providerId="ADAL" clId="{166D12EF-58EE-6C4C-9A24-99C33C59FE65}" dt="2024-11-15T20:54:37.034" v="1136" actId="5736"/>
           <ac:spMkLst>
             <pc:docMk/>
             <pc:sldMk cId="201650809" sldId="260"/>
@@ -1861,7 +1909,7 @@
           </ac:spMkLst>
         </pc:spChg>
         <pc:spChg chg="mod">
-          <ac:chgData name="Montecino, Diego" userId="a795c42d-832a-4dce-b1d8-09bac981a9d2" providerId="ADAL" clId="{166D12EF-58EE-6C4C-9A24-99C33C59FE65}" dt="2024-11-15T18:37:53.741" v="1087" actId="5736"/>
+          <ac:chgData name="Montecino, Diego" userId="a795c42d-832a-4dce-b1d8-09bac981a9d2" providerId="ADAL" clId="{166D12EF-58EE-6C4C-9A24-99C33C59FE65}" dt="2024-11-15T20:54:37.034" v="1136" actId="5736"/>
           <ac:spMkLst>
             <pc:docMk/>
             <pc:sldMk cId="201650809" sldId="260"/>
@@ -1869,7 +1917,7 @@
           </ac:spMkLst>
         </pc:spChg>
         <pc:spChg chg="mod">
-          <ac:chgData name="Montecino, Diego" userId="a795c42d-832a-4dce-b1d8-09bac981a9d2" providerId="ADAL" clId="{166D12EF-58EE-6C4C-9A24-99C33C59FE65}" dt="2024-11-15T18:37:53.741" v="1087" actId="5736"/>
+          <ac:chgData name="Montecino, Diego" userId="a795c42d-832a-4dce-b1d8-09bac981a9d2" providerId="ADAL" clId="{166D12EF-58EE-6C4C-9A24-99C33C59FE65}" dt="2024-11-15T20:54:37.034" v="1136" actId="5736"/>
           <ac:spMkLst>
             <pc:docMk/>
             <pc:sldMk cId="201650809" sldId="260"/>
@@ -1877,7 +1925,7 @@
           </ac:spMkLst>
         </pc:spChg>
         <pc:spChg chg="mod">
-          <ac:chgData name="Montecino, Diego" userId="a795c42d-832a-4dce-b1d8-09bac981a9d2" providerId="ADAL" clId="{166D12EF-58EE-6C4C-9A24-99C33C59FE65}" dt="2024-11-15T18:37:53.741" v="1087" actId="5736"/>
+          <ac:chgData name="Montecino, Diego" userId="a795c42d-832a-4dce-b1d8-09bac981a9d2" providerId="ADAL" clId="{166D12EF-58EE-6C4C-9A24-99C33C59FE65}" dt="2024-11-15T20:54:37.034" v="1136" actId="5736"/>
           <ac:spMkLst>
             <pc:docMk/>
             <pc:sldMk cId="201650809" sldId="260"/>
@@ -1885,7 +1933,7 @@
           </ac:spMkLst>
         </pc:spChg>
         <pc:spChg chg="mod">
-          <ac:chgData name="Montecino, Diego" userId="a795c42d-832a-4dce-b1d8-09bac981a9d2" providerId="ADAL" clId="{166D12EF-58EE-6C4C-9A24-99C33C59FE65}" dt="2024-11-15T18:37:53.741" v="1087" actId="5736"/>
+          <ac:chgData name="Montecino, Diego" userId="a795c42d-832a-4dce-b1d8-09bac981a9d2" providerId="ADAL" clId="{166D12EF-58EE-6C4C-9A24-99C33C59FE65}" dt="2024-11-15T20:54:37.034" v="1136" actId="5736"/>
           <ac:spMkLst>
             <pc:docMk/>
             <pc:sldMk cId="201650809" sldId="260"/>
@@ -1893,7 +1941,7 @@
           </ac:spMkLst>
         </pc:spChg>
         <pc:spChg chg="mod">
-          <ac:chgData name="Montecino, Diego" userId="a795c42d-832a-4dce-b1d8-09bac981a9d2" providerId="ADAL" clId="{166D12EF-58EE-6C4C-9A24-99C33C59FE65}" dt="2024-11-15T18:37:53.741" v="1087" actId="5736"/>
+          <ac:chgData name="Montecino, Diego" userId="a795c42d-832a-4dce-b1d8-09bac981a9d2" providerId="ADAL" clId="{166D12EF-58EE-6C4C-9A24-99C33C59FE65}" dt="2024-11-15T20:54:37.034" v="1136" actId="5736"/>
           <ac:spMkLst>
             <pc:docMk/>
             <pc:sldMk cId="201650809" sldId="260"/>
@@ -1901,7 +1949,7 @@
           </ac:spMkLst>
         </pc:spChg>
         <pc:spChg chg="mod">
-          <ac:chgData name="Montecino, Diego" userId="a795c42d-832a-4dce-b1d8-09bac981a9d2" providerId="ADAL" clId="{166D12EF-58EE-6C4C-9A24-99C33C59FE65}" dt="2024-11-15T18:37:53.741" v="1087" actId="5736"/>
+          <ac:chgData name="Montecino, Diego" userId="a795c42d-832a-4dce-b1d8-09bac981a9d2" providerId="ADAL" clId="{166D12EF-58EE-6C4C-9A24-99C33C59FE65}" dt="2024-11-15T20:54:37.034" v="1136" actId="5736"/>
           <ac:spMkLst>
             <pc:docMk/>
             <pc:sldMk cId="201650809" sldId="260"/>
@@ -1909,7 +1957,7 @@
           </ac:spMkLst>
         </pc:spChg>
         <pc:spChg chg="mod">
-          <ac:chgData name="Montecino, Diego" userId="a795c42d-832a-4dce-b1d8-09bac981a9d2" providerId="ADAL" clId="{166D12EF-58EE-6C4C-9A24-99C33C59FE65}" dt="2024-11-15T18:37:53.741" v="1087" actId="5736"/>
+          <ac:chgData name="Montecino, Diego" userId="a795c42d-832a-4dce-b1d8-09bac981a9d2" providerId="ADAL" clId="{166D12EF-58EE-6C4C-9A24-99C33C59FE65}" dt="2024-11-15T20:54:37.034" v="1136" actId="5736"/>
           <ac:spMkLst>
             <pc:docMk/>
             <pc:sldMk cId="201650809" sldId="260"/>
@@ -1917,7 +1965,7 @@
           </ac:spMkLst>
         </pc:spChg>
         <pc:spChg chg="mod">
-          <ac:chgData name="Montecino, Diego" userId="a795c42d-832a-4dce-b1d8-09bac981a9d2" providerId="ADAL" clId="{166D12EF-58EE-6C4C-9A24-99C33C59FE65}" dt="2024-11-15T18:37:53.741" v="1087" actId="5736"/>
+          <ac:chgData name="Montecino, Diego" userId="a795c42d-832a-4dce-b1d8-09bac981a9d2" providerId="ADAL" clId="{166D12EF-58EE-6C4C-9A24-99C33C59FE65}" dt="2024-11-15T20:54:37.034" v="1136" actId="5736"/>
           <ac:spMkLst>
             <pc:docMk/>
             <pc:sldMk cId="201650809" sldId="260"/>
@@ -1925,7 +1973,7 @@
           </ac:spMkLst>
         </pc:spChg>
         <pc:spChg chg="mod">
-          <ac:chgData name="Montecino, Diego" userId="a795c42d-832a-4dce-b1d8-09bac981a9d2" providerId="ADAL" clId="{166D12EF-58EE-6C4C-9A24-99C33C59FE65}" dt="2024-11-15T18:37:53.741" v="1087" actId="5736"/>
+          <ac:chgData name="Montecino, Diego" userId="a795c42d-832a-4dce-b1d8-09bac981a9d2" providerId="ADAL" clId="{166D12EF-58EE-6C4C-9A24-99C33C59FE65}" dt="2024-11-15T20:54:37.034" v="1136" actId="5736"/>
           <ac:spMkLst>
             <pc:docMk/>
             <pc:sldMk cId="201650809" sldId="260"/>
@@ -1933,7 +1981,7 @@
           </ac:spMkLst>
         </pc:spChg>
         <pc:spChg chg="mod">
-          <ac:chgData name="Montecino, Diego" userId="a795c42d-832a-4dce-b1d8-09bac981a9d2" providerId="ADAL" clId="{166D12EF-58EE-6C4C-9A24-99C33C59FE65}" dt="2024-11-15T18:37:53.741" v="1087" actId="5736"/>
+          <ac:chgData name="Montecino, Diego" userId="a795c42d-832a-4dce-b1d8-09bac981a9d2" providerId="ADAL" clId="{166D12EF-58EE-6C4C-9A24-99C33C59FE65}" dt="2024-11-15T20:54:37.034" v="1136" actId="5736"/>
           <ac:spMkLst>
             <pc:docMk/>
             <pc:sldMk cId="201650809" sldId="260"/>
@@ -1941,7 +1989,7 @@
           </ac:spMkLst>
         </pc:spChg>
         <pc:spChg chg="mod">
-          <ac:chgData name="Montecino, Diego" userId="a795c42d-832a-4dce-b1d8-09bac981a9d2" providerId="ADAL" clId="{166D12EF-58EE-6C4C-9A24-99C33C59FE65}" dt="2024-11-15T18:37:53.741" v="1087" actId="5736"/>
+          <ac:chgData name="Montecino, Diego" userId="a795c42d-832a-4dce-b1d8-09bac981a9d2" providerId="ADAL" clId="{166D12EF-58EE-6C4C-9A24-99C33C59FE65}" dt="2024-11-15T20:54:37.034" v="1136" actId="5736"/>
           <ac:spMkLst>
             <pc:docMk/>
             <pc:sldMk cId="201650809" sldId="260"/>
@@ -1949,7 +1997,7 @@
           </ac:spMkLst>
         </pc:spChg>
         <pc:spChg chg="mod">
-          <ac:chgData name="Montecino, Diego" userId="a795c42d-832a-4dce-b1d8-09bac981a9d2" providerId="ADAL" clId="{166D12EF-58EE-6C4C-9A24-99C33C59FE65}" dt="2024-11-15T18:37:53.741" v="1087" actId="5736"/>
+          <ac:chgData name="Montecino, Diego" userId="a795c42d-832a-4dce-b1d8-09bac981a9d2" providerId="ADAL" clId="{166D12EF-58EE-6C4C-9A24-99C33C59FE65}" dt="2024-11-15T20:54:37.034" v="1136" actId="5736"/>
           <ac:spMkLst>
             <pc:docMk/>
             <pc:sldMk cId="201650809" sldId="260"/>
@@ -1957,7 +2005,7 @@
           </ac:spMkLst>
         </pc:spChg>
         <pc:spChg chg="mod">
-          <ac:chgData name="Montecino, Diego" userId="a795c42d-832a-4dce-b1d8-09bac981a9d2" providerId="ADAL" clId="{166D12EF-58EE-6C4C-9A24-99C33C59FE65}" dt="2024-11-15T18:37:53.741" v="1087" actId="5736"/>
+          <ac:chgData name="Montecino, Diego" userId="a795c42d-832a-4dce-b1d8-09bac981a9d2" providerId="ADAL" clId="{166D12EF-58EE-6C4C-9A24-99C33C59FE65}" dt="2024-11-15T20:54:37.034" v="1136" actId="5736"/>
           <ac:spMkLst>
             <pc:docMk/>
             <pc:sldMk cId="201650809" sldId="260"/>
@@ -1965,7 +2013,7 @@
           </ac:spMkLst>
         </pc:spChg>
         <pc:spChg chg="mod">
-          <ac:chgData name="Montecino, Diego" userId="a795c42d-832a-4dce-b1d8-09bac981a9d2" providerId="ADAL" clId="{166D12EF-58EE-6C4C-9A24-99C33C59FE65}" dt="2024-11-15T18:37:53.741" v="1087" actId="5736"/>
+          <ac:chgData name="Montecino, Diego" userId="a795c42d-832a-4dce-b1d8-09bac981a9d2" providerId="ADAL" clId="{166D12EF-58EE-6C4C-9A24-99C33C59FE65}" dt="2024-11-15T20:54:37.034" v="1136" actId="5736"/>
           <ac:spMkLst>
             <pc:docMk/>
             <pc:sldMk cId="201650809" sldId="260"/>
@@ -1973,7 +2021,7 @@
           </ac:spMkLst>
         </pc:spChg>
         <pc:grpChg chg="mod">
-          <ac:chgData name="Montecino, Diego" userId="a795c42d-832a-4dce-b1d8-09bac981a9d2" providerId="ADAL" clId="{166D12EF-58EE-6C4C-9A24-99C33C59FE65}" dt="2024-11-15T18:37:53.741" v="1087" actId="5736"/>
+          <ac:chgData name="Montecino, Diego" userId="a795c42d-832a-4dce-b1d8-09bac981a9d2" providerId="ADAL" clId="{166D12EF-58EE-6C4C-9A24-99C33C59FE65}" dt="2024-11-15T20:54:37.034" v="1136" actId="5736"/>
           <ac:grpSpMkLst>
             <pc:docMk/>
             <pc:sldMk cId="201650809" sldId="260"/>
@@ -1981,7 +2029,7 @@
           </ac:grpSpMkLst>
         </pc:grpChg>
         <pc:grpChg chg="mod">
-          <ac:chgData name="Montecino, Diego" userId="a795c42d-832a-4dce-b1d8-09bac981a9d2" providerId="ADAL" clId="{166D12EF-58EE-6C4C-9A24-99C33C59FE65}" dt="2024-11-15T18:37:53.741" v="1087" actId="5736"/>
+          <ac:chgData name="Montecino, Diego" userId="a795c42d-832a-4dce-b1d8-09bac981a9d2" providerId="ADAL" clId="{166D12EF-58EE-6C4C-9A24-99C33C59FE65}" dt="2024-11-15T20:54:37.034" v="1136" actId="5736"/>
           <ac:grpSpMkLst>
             <pc:docMk/>
             <pc:sldMk cId="201650809" sldId="260"/>
@@ -1989,7 +2037,7 @@
           </ac:grpSpMkLst>
         </pc:grpChg>
         <pc:graphicFrameChg chg="mod">
-          <ac:chgData name="Montecino, Diego" userId="a795c42d-832a-4dce-b1d8-09bac981a9d2" providerId="ADAL" clId="{166D12EF-58EE-6C4C-9A24-99C33C59FE65}" dt="2024-11-15T18:37:53.741" v="1087" actId="5736"/>
+          <ac:chgData name="Montecino, Diego" userId="a795c42d-832a-4dce-b1d8-09bac981a9d2" providerId="ADAL" clId="{166D12EF-58EE-6C4C-9A24-99C33C59FE65}" dt="2024-11-15T20:54:37.034" v="1136" actId="5736"/>
           <ac:graphicFrameMkLst>
             <pc:docMk/>
             <pc:sldMk cId="201650809" sldId="260"/>
@@ -2013,7 +2061,7 @@
           </ac:cxnSpMkLst>
         </pc:cxnChg>
         <pc:cxnChg chg="add mod">
-          <ac:chgData name="Montecino, Diego" userId="a795c42d-832a-4dce-b1d8-09bac981a9d2" providerId="ADAL" clId="{166D12EF-58EE-6C4C-9A24-99C33C59FE65}" dt="2024-11-15T18:37:53.741" v="1087" actId="5736"/>
+          <ac:chgData name="Montecino, Diego" userId="a795c42d-832a-4dce-b1d8-09bac981a9d2" providerId="ADAL" clId="{166D12EF-58EE-6C4C-9A24-99C33C59FE65}" dt="2024-11-15T20:54:37.034" v="1136" actId="5736"/>
           <ac:cxnSpMkLst>
             <pc:docMk/>
             <pc:sldMk cId="201650809" sldId="260"/>
@@ -2021,7 +2069,7 @@
           </ac:cxnSpMkLst>
         </pc:cxnChg>
         <pc:cxnChg chg="add mod">
-          <ac:chgData name="Montecino, Diego" userId="a795c42d-832a-4dce-b1d8-09bac981a9d2" providerId="ADAL" clId="{166D12EF-58EE-6C4C-9A24-99C33C59FE65}" dt="2024-11-15T18:37:53.741" v="1087" actId="5736"/>
+          <ac:chgData name="Montecino, Diego" userId="a795c42d-832a-4dce-b1d8-09bac981a9d2" providerId="ADAL" clId="{166D12EF-58EE-6C4C-9A24-99C33C59FE65}" dt="2024-11-15T20:54:37.034" v="1136" actId="5736"/>
           <ac:cxnSpMkLst>
             <pc:docMk/>
             <pc:sldMk cId="201650809" sldId="260"/>
@@ -2029,7 +2077,7 @@
           </ac:cxnSpMkLst>
         </pc:cxnChg>
         <pc:cxnChg chg="add mod">
-          <ac:chgData name="Montecino, Diego" userId="a795c42d-832a-4dce-b1d8-09bac981a9d2" providerId="ADAL" clId="{166D12EF-58EE-6C4C-9A24-99C33C59FE65}" dt="2024-11-15T18:37:53.741" v="1087" actId="5736"/>
+          <ac:chgData name="Montecino, Diego" userId="a795c42d-832a-4dce-b1d8-09bac981a9d2" providerId="ADAL" clId="{166D12EF-58EE-6C4C-9A24-99C33C59FE65}" dt="2024-11-15T20:54:37.034" v="1136" actId="5736"/>
           <ac:cxnSpMkLst>
             <pc:docMk/>
             <pc:sldMk cId="201650809" sldId="260"/>
@@ -2037,7 +2085,7 @@
           </ac:cxnSpMkLst>
         </pc:cxnChg>
         <pc:cxnChg chg="add mod">
-          <ac:chgData name="Montecino, Diego" userId="a795c42d-832a-4dce-b1d8-09bac981a9d2" providerId="ADAL" clId="{166D12EF-58EE-6C4C-9A24-99C33C59FE65}" dt="2024-11-15T18:37:53.741" v="1087" actId="5736"/>
+          <ac:chgData name="Montecino, Diego" userId="a795c42d-832a-4dce-b1d8-09bac981a9d2" providerId="ADAL" clId="{166D12EF-58EE-6C4C-9A24-99C33C59FE65}" dt="2024-11-15T20:54:37.034" v="1136" actId="5736"/>
           <ac:cxnSpMkLst>
             <pc:docMk/>
             <pc:sldMk cId="201650809" sldId="260"/>
@@ -2045,7 +2093,7 @@
           </ac:cxnSpMkLst>
         </pc:cxnChg>
         <pc:cxnChg chg="mod">
-          <ac:chgData name="Montecino, Diego" userId="a795c42d-832a-4dce-b1d8-09bac981a9d2" providerId="ADAL" clId="{166D12EF-58EE-6C4C-9A24-99C33C59FE65}" dt="2024-11-15T18:37:53.741" v="1087" actId="5736"/>
+          <ac:chgData name="Montecino, Diego" userId="a795c42d-832a-4dce-b1d8-09bac981a9d2" providerId="ADAL" clId="{166D12EF-58EE-6C4C-9A24-99C33C59FE65}" dt="2024-11-15T20:54:37.034" v="1136" actId="5736"/>
           <ac:cxnSpMkLst>
             <pc:docMk/>
             <pc:sldMk cId="201650809" sldId="260"/>
@@ -2053,7 +2101,7 @@
           </ac:cxnSpMkLst>
         </pc:cxnChg>
         <pc:cxnChg chg="add mod">
-          <ac:chgData name="Montecino, Diego" userId="a795c42d-832a-4dce-b1d8-09bac981a9d2" providerId="ADAL" clId="{166D12EF-58EE-6C4C-9A24-99C33C59FE65}" dt="2024-11-15T18:37:53.741" v="1087" actId="5736"/>
+          <ac:chgData name="Montecino, Diego" userId="a795c42d-832a-4dce-b1d8-09bac981a9d2" providerId="ADAL" clId="{166D12EF-58EE-6C4C-9A24-99C33C59FE65}" dt="2024-11-15T20:54:37.034" v="1136" actId="5736"/>
           <ac:cxnSpMkLst>
             <pc:docMk/>
             <pc:sldMk cId="201650809" sldId="260"/>
@@ -2061,7 +2109,7 @@
           </ac:cxnSpMkLst>
         </pc:cxnChg>
         <pc:cxnChg chg="add mod">
-          <ac:chgData name="Montecino, Diego" userId="a795c42d-832a-4dce-b1d8-09bac981a9d2" providerId="ADAL" clId="{166D12EF-58EE-6C4C-9A24-99C33C59FE65}" dt="2024-11-15T18:37:53.741" v="1087" actId="5736"/>
+          <ac:chgData name="Montecino, Diego" userId="a795c42d-832a-4dce-b1d8-09bac981a9d2" providerId="ADAL" clId="{166D12EF-58EE-6C4C-9A24-99C33C59FE65}" dt="2024-11-15T20:54:37.034" v="1136" actId="5736"/>
           <ac:cxnSpMkLst>
             <pc:docMk/>
             <pc:sldMk cId="201650809" sldId="260"/>
@@ -2076,8 +2124,16 @@
             <ac:cxnSpMk id="16" creationId="{89A58B1F-6C37-B3D5-A603-689B1051381B}"/>
           </ac:cxnSpMkLst>
         </pc:cxnChg>
+        <pc:cxnChg chg="add mod">
+          <ac:chgData name="Montecino, Diego" userId="a795c42d-832a-4dce-b1d8-09bac981a9d2" providerId="ADAL" clId="{166D12EF-58EE-6C4C-9A24-99C33C59FE65}" dt="2024-11-15T20:54:37.034" v="1136" actId="5736"/>
+          <ac:cxnSpMkLst>
+            <pc:docMk/>
+            <pc:sldMk cId="201650809" sldId="260"/>
+            <ac:cxnSpMk id="18" creationId="{9BB3121E-15B7-ACAA-620E-C516C58F4A14}"/>
+          </ac:cxnSpMkLst>
+        </pc:cxnChg>
         <pc:cxnChg chg="mod">
-          <ac:chgData name="Montecino, Diego" userId="a795c42d-832a-4dce-b1d8-09bac981a9d2" providerId="ADAL" clId="{166D12EF-58EE-6C4C-9A24-99C33C59FE65}" dt="2024-11-15T18:37:53.741" v="1087" actId="5736"/>
+          <ac:chgData name="Montecino, Diego" userId="a795c42d-832a-4dce-b1d8-09bac981a9d2" providerId="ADAL" clId="{166D12EF-58EE-6C4C-9A24-99C33C59FE65}" dt="2024-11-15T20:54:37.034" v="1136" actId="5736"/>
           <ac:cxnSpMkLst>
             <pc:docMk/>
             <pc:sldMk cId="201650809" sldId="260"/>
@@ -2085,7 +2141,7 @@
           </ac:cxnSpMkLst>
         </pc:cxnChg>
         <pc:cxnChg chg="mod">
-          <ac:chgData name="Montecino, Diego" userId="a795c42d-832a-4dce-b1d8-09bac981a9d2" providerId="ADAL" clId="{166D12EF-58EE-6C4C-9A24-99C33C59FE65}" dt="2024-11-15T18:37:53.741" v="1087" actId="5736"/>
+          <ac:chgData name="Montecino, Diego" userId="a795c42d-832a-4dce-b1d8-09bac981a9d2" providerId="ADAL" clId="{166D12EF-58EE-6C4C-9A24-99C33C59FE65}" dt="2024-11-15T20:54:37.034" v="1136" actId="5736"/>
           <ac:cxnSpMkLst>
             <pc:docMk/>
             <pc:sldMk cId="201650809" sldId="260"/>
@@ -2093,7 +2149,7 @@
           </ac:cxnSpMkLst>
         </pc:cxnChg>
         <pc:cxnChg chg="mod">
-          <ac:chgData name="Montecino, Diego" userId="a795c42d-832a-4dce-b1d8-09bac981a9d2" providerId="ADAL" clId="{166D12EF-58EE-6C4C-9A24-99C33C59FE65}" dt="2024-11-15T18:37:53.741" v="1087" actId="5736"/>
+          <ac:chgData name="Montecino, Diego" userId="a795c42d-832a-4dce-b1d8-09bac981a9d2" providerId="ADAL" clId="{166D12EF-58EE-6C4C-9A24-99C33C59FE65}" dt="2024-11-15T20:54:37.034" v="1136" actId="5736"/>
           <ac:cxnSpMkLst>
             <pc:docMk/>
             <pc:sldMk cId="201650809" sldId="260"/>
@@ -2101,7 +2157,7 @@
           </ac:cxnSpMkLst>
         </pc:cxnChg>
         <pc:cxnChg chg="mod">
-          <ac:chgData name="Montecino, Diego" userId="a795c42d-832a-4dce-b1d8-09bac981a9d2" providerId="ADAL" clId="{166D12EF-58EE-6C4C-9A24-99C33C59FE65}" dt="2024-11-15T18:37:53.741" v="1087" actId="5736"/>
+          <ac:chgData name="Montecino, Diego" userId="a795c42d-832a-4dce-b1d8-09bac981a9d2" providerId="ADAL" clId="{166D12EF-58EE-6C4C-9A24-99C33C59FE65}" dt="2024-11-15T20:54:37.034" v="1136" actId="5736"/>
           <ac:cxnSpMkLst>
             <pc:docMk/>
             <pc:sldMk cId="201650809" sldId="260"/>
@@ -2109,7 +2165,7 @@
           </ac:cxnSpMkLst>
         </pc:cxnChg>
         <pc:cxnChg chg="mod">
-          <ac:chgData name="Montecino, Diego" userId="a795c42d-832a-4dce-b1d8-09bac981a9d2" providerId="ADAL" clId="{166D12EF-58EE-6C4C-9A24-99C33C59FE65}" dt="2024-11-15T18:37:53.741" v="1087" actId="5736"/>
+          <ac:chgData name="Montecino, Diego" userId="a795c42d-832a-4dce-b1d8-09bac981a9d2" providerId="ADAL" clId="{166D12EF-58EE-6C4C-9A24-99C33C59FE65}" dt="2024-11-15T20:54:37.034" v="1136" actId="5736"/>
           <ac:cxnSpMkLst>
             <pc:docMk/>
             <pc:sldMk cId="201650809" sldId="260"/>
@@ -2117,7 +2173,7 @@
           </ac:cxnSpMkLst>
         </pc:cxnChg>
         <pc:cxnChg chg="mod">
-          <ac:chgData name="Montecino, Diego" userId="a795c42d-832a-4dce-b1d8-09bac981a9d2" providerId="ADAL" clId="{166D12EF-58EE-6C4C-9A24-99C33C59FE65}" dt="2024-11-15T18:37:53.741" v="1087" actId="5736"/>
+          <ac:chgData name="Montecino, Diego" userId="a795c42d-832a-4dce-b1d8-09bac981a9d2" providerId="ADAL" clId="{166D12EF-58EE-6C4C-9A24-99C33C59FE65}" dt="2024-11-15T20:54:37.034" v="1136" actId="5736"/>
           <ac:cxnSpMkLst>
             <pc:docMk/>
             <pc:sldMk cId="201650809" sldId="260"/>
@@ -2125,7 +2181,7 @@
           </ac:cxnSpMkLst>
         </pc:cxnChg>
         <pc:cxnChg chg="mod">
-          <ac:chgData name="Montecino, Diego" userId="a795c42d-832a-4dce-b1d8-09bac981a9d2" providerId="ADAL" clId="{166D12EF-58EE-6C4C-9A24-99C33C59FE65}" dt="2024-11-15T18:37:53.741" v="1087" actId="5736"/>
+          <ac:chgData name="Montecino, Diego" userId="a795c42d-832a-4dce-b1d8-09bac981a9d2" providerId="ADAL" clId="{166D12EF-58EE-6C4C-9A24-99C33C59FE65}" dt="2024-11-15T20:54:37.034" v="1136" actId="5736"/>
           <ac:cxnSpMkLst>
             <pc:docMk/>
             <pc:sldMk cId="201650809" sldId="260"/>
@@ -2133,7 +2189,7 @@
           </ac:cxnSpMkLst>
         </pc:cxnChg>
         <pc:cxnChg chg="mod">
-          <ac:chgData name="Montecino, Diego" userId="a795c42d-832a-4dce-b1d8-09bac981a9d2" providerId="ADAL" clId="{166D12EF-58EE-6C4C-9A24-99C33C59FE65}" dt="2024-11-15T18:37:53.741" v="1087" actId="5736"/>
+          <ac:chgData name="Montecino, Diego" userId="a795c42d-832a-4dce-b1d8-09bac981a9d2" providerId="ADAL" clId="{166D12EF-58EE-6C4C-9A24-99C33C59FE65}" dt="2024-11-15T20:54:37.034" v="1136" actId="5736"/>
           <ac:cxnSpMkLst>
             <pc:docMk/>
             <pc:sldMk cId="201650809" sldId="260"/>
@@ -2141,7 +2197,7 @@
           </ac:cxnSpMkLst>
         </pc:cxnChg>
         <pc:cxnChg chg="mod">
-          <ac:chgData name="Montecino, Diego" userId="a795c42d-832a-4dce-b1d8-09bac981a9d2" providerId="ADAL" clId="{166D12EF-58EE-6C4C-9A24-99C33C59FE65}" dt="2024-11-15T18:37:53.741" v="1087" actId="5736"/>
+          <ac:chgData name="Montecino, Diego" userId="a795c42d-832a-4dce-b1d8-09bac981a9d2" providerId="ADAL" clId="{166D12EF-58EE-6C4C-9A24-99C33C59FE65}" dt="2024-11-15T20:54:37.034" v="1136" actId="5736"/>
           <ac:cxnSpMkLst>
             <pc:docMk/>
             <pc:sldMk cId="201650809" sldId="260"/>
@@ -2149,7 +2205,7 @@
           </ac:cxnSpMkLst>
         </pc:cxnChg>
         <pc:cxnChg chg="mod">
-          <ac:chgData name="Montecino, Diego" userId="a795c42d-832a-4dce-b1d8-09bac981a9d2" providerId="ADAL" clId="{166D12EF-58EE-6C4C-9A24-99C33C59FE65}" dt="2024-11-15T18:37:53.741" v="1087" actId="5736"/>
+          <ac:chgData name="Montecino, Diego" userId="a795c42d-832a-4dce-b1d8-09bac981a9d2" providerId="ADAL" clId="{166D12EF-58EE-6C4C-9A24-99C33C59FE65}" dt="2024-11-15T20:54:37.034" v="1136" actId="5736"/>
           <ac:cxnSpMkLst>
             <pc:docMk/>
             <pc:sldMk cId="201650809" sldId="260"/>
@@ -2157,7 +2213,7 @@
           </ac:cxnSpMkLst>
         </pc:cxnChg>
         <pc:cxnChg chg="mod">
-          <ac:chgData name="Montecino, Diego" userId="a795c42d-832a-4dce-b1d8-09bac981a9d2" providerId="ADAL" clId="{166D12EF-58EE-6C4C-9A24-99C33C59FE65}" dt="2024-11-15T18:37:53.741" v="1087" actId="5736"/>
+          <ac:chgData name="Montecino, Diego" userId="a795c42d-832a-4dce-b1d8-09bac981a9d2" providerId="ADAL" clId="{166D12EF-58EE-6C4C-9A24-99C33C59FE65}" dt="2024-11-15T20:54:37.034" v="1136" actId="5736"/>
           <ac:cxnSpMkLst>
             <pc:docMk/>
             <pc:sldMk cId="201650809" sldId="260"/>
@@ -2165,7 +2221,7 @@
           </ac:cxnSpMkLst>
         </pc:cxnChg>
         <pc:cxnChg chg="mod">
-          <ac:chgData name="Montecino, Diego" userId="a795c42d-832a-4dce-b1d8-09bac981a9d2" providerId="ADAL" clId="{166D12EF-58EE-6C4C-9A24-99C33C59FE65}" dt="2024-11-15T18:37:53.741" v="1087" actId="5736"/>
+          <ac:chgData name="Montecino, Diego" userId="a795c42d-832a-4dce-b1d8-09bac981a9d2" providerId="ADAL" clId="{166D12EF-58EE-6C4C-9A24-99C33C59FE65}" dt="2024-11-15T20:54:37.034" v="1136" actId="5736"/>
           <ac:cxnSpMkLst>
             <pc:docMk/>
             <pc:sldMk cId="201650809" sldId="260"/>
@@ -2173,7 +2229,7 @@
           </ac:cxnSpMkLst>
         </pc:cxnChg>
         <pc:cxnChg chg="mod">
-          <ac:chgData name="Montecino, Diego" userId="a795c42d-832a-4dce-b1d8-09bac981a9d2" providerId="ADAL" clId="{166D12EF-58EE-6C4C-9A24-99C33C59FE65}" dt="2024-11-15T18:37:53.741" v="1087" actId="5736"/>
+          <ac:chgData name="Montecino, Diego" userId="a795c42d-832a-4dce-b1d8-09bac981a9d2" providerId="ADAL" clId="{166D12EF-58EE-6C4C-9A24-99C33C59FE65}" dt="2024-11-15T20:54:37.034" v="1136" actId="5736"/>
           <ac:cxnSpMkLst>
             <pc:docMk/>
             <pc:sldMk cId="201650809" sldId="260"/>
@@ -2181,7 +2237,7 @@
           </ac:cxnSpMkLst>
         </pc:cxnChg>
         <pc:cxnChg chg="mod">
-          <ac:chgData name="Montecino, Diego" userId="a795c42d-832a-4dce-b1d8-09bac981a9d2" providerId="ADAL" clId="{166D12EF-58EE-6C4C-9A24-99C33C59FE65}" dt="2024-11-15T18:37:53.741" v="1087" actId="5736"/>
+          <ac:chgData name="Montecino, Diego" userId="a795c42d-832a-4dce-b1d8-09bac981a9d2" providerId="ADAL" clId="{166D12EF-58EE-6C4C-9A24-99C33C59FE65}" dt="2024-11-15T20:54:37.034" v="1136" actId="5736"/>
           <ac:cxnSpMkLst>
             <pc:docMk/>
             <pc:sldMk cId="201650809" sldId="260"/>
@@ -2189,7 +2245,7 @@
           </ac:cxnSpMkLst>
         </pc:cxnChg>
         <pc:cxnChg chg="mod">
-          <ac:chgData name="Montecino, Diego" userId="a795c42d-832a-4dce-b1d8-09bac981a9d2" providerId="ADAL" clId="{166D12EF-58EE-6C4C-9A24-99C33C59FE65}" dt="2024-11-15T18:37:53.741" v="1087" actId="5736"/>
+          <ac:chgData name="Montecino, Diego" userId="a795c42d-832a-4dce-b1d8-09bac981a9d2" providerId="ADAL" clId="{166D12EF-58EE-6C4C-9A24-99C33C59FE65}" dt="2024-11-15T20:54:37.034" v="1136" actId="5736"/>
           <ac:cxnSpMkLst>
             <pc:docMk/>
             <pc:sldMk cId="201650809" sldId="260"/>
@@ -2197,7 +2253,7 @@
           </ac:cxnSpMkLst>
         </pc:cxnChg>
         <pc:cxnChg chg="mod">
-          <ac:chgData name="Montecino, Diego" userId="a795c42d-832a-4dce-b1d8-09bac981a9d2" providerId="ADAL" clId="{166D12EF-58EE-6C4C-9A24-99C33C59FE65}" dt="2024-11-15T18:37:53.741" v="1087" actId="5736"/>
+          <ac:chgData name="Montecino, Diego" userId="a795c42d-832a-4dce-b1d8-09bac981a9d2" providerId="ADAL" clId="{166D12EF-58EE-6C4C-9A24-99C33C59FE65}" dt="2024-11-15T20:54:37.034" v="1136" actId="5736"/>
           <ac:cxnSpMkLst>
             <pc:docMk/>
             <pc:sldMk cId="201650809" sldId="260"/>
@@ -2205,7 +2261,7 @@
           </ac:cxnSpMkLst>
         </pc:cxnChg>
         <pc:cxnChg chg="mod">
-          <ac:chgData name="Montecino, Diego" userId="a795c42d-832a-4dce-b1d8-09bac981a9d2" providerId="ADAL" clId="{166D12EF-58EE-6C4C-9A24-99C33C59FE65}" dt="2024-11-15T18:37:53.741" v="1087" actId="5736"/>
+          <ac:chgData name="Montecino, Diego" userId="a795c42d-832a-4dce-b1d8-09bac981a9d2" providerId="ADAL" clId="{166D12EF-58EE-6C4C-9A24-99C33C59FE65}" dt="2024-11-15T20:54:37.034" v="1136" actId="5736"/>
           <ac:cxnSpMkLst>
             <pc:docMk/>
             <pc:sldMk cId="201650809" sldId="260"/>
@@ -2213,7 +2269,7 @@
           </ac:cxnSpMkLst>
         </pc:cxnChg>
         <pc:cxnChg chg="mod">
-          <ac:chgData name="Montecino, Diego" userId="a795c42d-832a-4dce-b1d8-09bac981a9d2" providerId="ADAL" clId="{166D12EF-58EE-6C4C-9A24-99C33C59FE65}" dt="2024-11-15T18:37:53.741" v="1087" actId="5736"/>
+          <ac:chgData name="Montecino, Diego" userId="a795c42d-832a-4dce-b1d8-09bac981a9d2" providerId="ADAL" clId="{166D12EF-58EE-6C4C-9A24-99C33C59FE65}" dt="2024-11-15T20:54:37.034" v="1136" actId="5736"/>
           <ac:cxnSpMkLst>
             <pc:docMk/>
             <pc:sldMk cId="201650809" sldId="260"/>
@@ -2221,7 +2277,7 @@
           </ac:cxnSpMkLst>
         </pc:cxnChg>
         <pc:cxnChg chg="mod">
-          <ac:chgData name="Montecino, Diego" userId="a795c42d-832a-4dce-b1d8-09bac981a9d2" providerId="ADAL" clId="{166D12EF-58EE-6C4C-9A24-99C33C59FE65}" dt="2024-11-15T18:37:53.741" v="1087" actId="5736"/>
+          <ac:chgData name="Montecino, Diego" userId="a795c42d-832a-4dce-b1d8-09bac981a9d2" providerId="ADAL" clId="{166D12EF-58EE-6C4C-9A24-99C33C59FE65}" dt="2024-11-15T20:54:37.034" v="1136" actId="5736"/>
           <ac:cxnSpMkLst>
             <pc:docMk/>
             <pc:sldMk cId="201650809" sldId="260"/>
@@ -2229,7 +2285,7 @@
           </ac:cxnSpMkLst>
         </pc:cxnChg>
         <pc:cxnChg chg="mod">
-          <ac:chgData name="Montecino, Diego" userId="a795c42d-832a-4dce-b1d8-09bac981a9d2" providerId="ADAL" clId="{166D12EF-58EE-6C4C-9A24-99C33C59FE65}" dt="2024-11-15T18:37:53.741" v="1087" actId="5736"/>
+          <ac:chgData name="Montecino, Diego" userId="a795c42d-832a-4dce-b1d8-09bac981a9d2" providerId="ADAL" clId="{166D12EF-58EE-6C4C-9A24-99C33C59FE65}" dt="2024-11-15T20:54:37.034" v="1136" actId="5736"/>
           <ac:cxnSpMkLst>
             <pc:docMk/>
             <pc:sldMk cId="201650809" sldId="260"/>
@@ -2237,7 +2293,7 @@
           </ac:cxnSpMkLst>
         </pc:cxnChg>
         <pc:cxnChg chg="mod">
-          <ac:chgData name="Montecino, Diego" userId="a795c42d-832a-4dce-b1d8-09bac981a9d2" providerId="ADAL" clId="{166D12EF-58EE-6C4C-9A24-99C33C59FE65}" dt="2024-11-15T18:37:53.741" v="1087" actId="5736"/>
+          <ac:chgData name="Montecino, Diego" userId="a795c42d-832a-4dce-b1d8-09bac981a9d2" providerId="ADAL" clId="{166D12EF-58EE-6C4C-9A24-99C33C59FE65}" dt="2024-11-15T20:54:37.034" v="1136" actId="5736"/>
           <ac:cxnSpMkLst>
             <pc:docMk/>
             <pc:sldMk cId="201650809" sldId="260"/>
@@ -20909,6 +20965,34 @@
           <a:chExt cx="0" cy="0"/>
         </a:xfrm>
       </p:grpSpPr>
+      <p:graphicFrame>
+        <p:nvGraphicFramePr>
+          <p:cNvPr id="9" name="Diagram 8">
+            <a:extLst>
+              <a:ext uri="{FF2B5EF4-FFF2-40B4-BE49-F238E27FC236}">
+                <a16:creationId xmlns:a16="http://schemas.microsoft.com/office/drawing/2014/main" id="{2F18DD03-8D72-10E9-0FC9-89D6DEF372D4}"/>
+              </a:ext>
+            </a:extLst>
+          </p:cNvPr>
+          <p:cNvGraphicFramePr/>
+          <p:nvPr>
+            <p:extLst>
+              <p:ext uri="{D42A27DB-BD31-4B8C-83A1-F6EECF244321}">
+                <p14:modId xmlns:p14="http://schemas.microsoft.com/office/powerpoint/2010/main" val="3848927397"/>
+              </p:ext>
+            </p:extLst>
+          </p:nvPr>
+        </p:nvGraphicFramePr>
+        <p:xfrm>
+          <a:off x="-169055" y="160255"/>
+          <a:ext cx="9839644" cy="6537490"/>
+        </p:xfrm>
+        <a:graphic>
+          <a:graphicData uri="http://schemas.openxmlformats.org/drawingml/2006/diagram">
+            <dgm:relIds xmlns:dgm="http://schemas.openxmlformats.org/drawingml/2006/diagram" xmlns:r="http://schemas.openxmlformats.org/officeDocument/2006/relationships" r:dm="rId2" r:lo="rId3" r:qs="rId4" r:cs="rId5"/>
+          </a:graphicData>
+        </a:graphic>
+      </p:graphicFrame>
       <p:cxnSp>
         <p:nvCxnSpPr>
           <p:cNvPr id="30" name="Straight Connector 29">
@@ -23854,34 +23938,82 @@
           </a:p>
         </p:txBody>
       </p:sp>
-      <p:graphicFrame>
-        <p:nvGraphicFramePr>
-          <p:cNvPr id="9" name="Diagram 8">
+      <p:cxnSp>
+        <p:nvCxnSpPr>
+          <p:cNvPr id="60" name="Straight Connector 59">
             <a:extLst>
               <a:ext uri="{FF2B5EF4-FFF2-40B4-BE49-F238E27FC236}">
-                <a16:creationId xmlns:a16="http://schemas.microsoft.com/office/drawing/2014/main" id="{2F18DD03-8D72-10E9-0FC9-89D6DEF372D4}"/>
+                <a16:creationId xmlns:a16="http://schemas.microsoft.com/office/drawing/2014/main" id="{835A9BCB-7D48-3524-EEFF-32DB9B802ABC}"/>
               </a:ext>
             </a:extLst>
           </p:cNvPr>
-          <p:cNvGraphicFramePr/>
-          <p:nvPr>
-            <p:extLst>
-              <p:ext uri="{D42A27DB-BD31-4B8C-83A1-F6EECF244321}">
-                <p14:modId xmlns:p14="http://schemas.microsoft.com/office/powerpoint/2010/main" val="1994942336"/>
-              </p:ext>
-            </p:extLst>
-          </p:nvPr>
-        </p:nvGraphicFramePr>
-        <p:xfrm>
-          <a:off x="-169055" y="160255"/>
-          <a:ext cx="9839644" cy="6537490"/>
-        </p:xfrm>
-        <a:graphic>
-          <a:graphicData uri="http://schemas.openxmlformats.org/drawingml/2006/diagram">
-            <dgm:relIds xmlns:dgm="http://schemas.openxmlformats.org/drawingml/2006/diagram" xmlns:r="http://schemas.openxmlformats.org/officeDocument/2006/relationships" r:dm="rId2" r:lo="rId3" r:qs="rId4" r:cs="rId5"/>
-          </a:graphicData>
-        </a:graphic>
-      </p:graphicFrame>
+          <p:cNvCxnSpPr>
+            <a:cxnSpLocks/>
+          </p:cNvCxnSpPr>
+          <p:nvPr/>
+        </p:nvCxnSpPr>
+        <p:spPr>
+          <a:xfrm flipV="1">
+            <a:off x="4279073" y="5939158"/>
+            <a:ext cx="0" cy="378414"/>
+          </a:xfrm>
+          <a:prstGeom prst="line">
+            <a:avLst/>
+          </a:prstGeom>
+          <a:ln>
+            <a:prstDash val="sysDash"/>
+          </a:ln>
+        </p:spPr>
+        <p:style>
+          <a:lnRef idx="2">
+            <a:schemeClr val="accent1"/>
+          </a:lnRef>
+          <a:fillRef idx="0">
+            <a:schemeClr val="accent1"/>
+          </a:fillRef>
+          <a:effectRef idx="1">
+            <a:schemeClr val="accent1"/>
+          </a:effectRef>
+          <a:fontRef idx="minor">
+            <a:schemeClr val="tx1"/>
+          </a:fontRef>
+        </p:style>
+      </p:cxnSp>
+      <p:sp>
+        <p:nvSpPr>
+          <p:cNvPr id="63" name="TextBox 62">
+            <a:extLst>
+              <a:ext uri="{FF2B5EF4-FFF2-40B4-BE49-F238E27FC236}">
+                <a16:creationId xmlns:a16="http://schemas.microsoft.com/office/drawing/2014/main" id="{03F25ECE-0F68-B601-6658-CB4EE9EF98F1}"/>
+              </a:ext>
+            </a:extLst>
+          </p:cNvPr>
+          <p:cNvSpPr txBox="1"/>
+          <p:nvPr/>
+        </p:nvSpPr>
+        <p:spPr>
+          <a:xfrm>
+            <a:off x="4343861" y="5979945"/>
+            <a:ext cx="579407" cy="215444"/>
+          </a:xfrm>
+          <a:prstGeom prst="rect">
+            <a:avLst/>
+          </a:prstGeom>
+          <a:noFill/>
+        </p:spPr>
+        <p:txBody>
+          <a:bodyPr wrap="square" rtlCol="0">
+            <a:spAutoFit/>
+          </a:bodyPr>
+          <a:lstStyle/>
+          <a:p>
+            <a:r>
+              <a:rPr lang="en-US" sz="800" dirty="0"/>
+              <a:t>1:M</a:t>
+            </a:r>
+          </a:p>
+        </p:txBody>
+      </p:sp>
     </p:spTree>
     <p:extLst>
       <p:ext uri="{BB962C8B-B14F-4D97-AF65-F5344CB8AC3E}">
@@ -26265,7 +26397,7 @@
           <p:nvPr>
             <p:extLst>
               <p:ext uri="{D42A27DB-BD31-4B8C-83A1-F6EECF244321}">
-                <p14:modId xmlns:p14="http://schemas.microsoft.com/office/powerpoint/2010/main" val="794569645"/>
+                <p14:modId xmlns:p14="http://schemas.microsoft.com/office/powerpoint/2010/main" val="1068895895"/>
               </p:ext>
             </p:extLst>
           </p:nvPr>
@@ -26280,6 +26412,82 @@
           </a:graphicData>
         </a:graphic>
       </p:graphicFrame>
+      <p:cxnSp>
+        <p:nvCxnSpPr>
+          <p:cNvPr id="19" name="Straight Connector 18">
+            <a:extLst>
+              <a:ext uri="{FF2B5EF4-FFF2-40B4-BE49-F238E27FC236}">
+                <a16:creationId xmlns:a16="http://schemas.microsoft.com/office/drawing/2014/main" id="{68CD4F76-3504-822F-3A5A-BD04683782BF}"/>
+              </a:ext>
+            </a:extLst>
+          </p:cNvPr>
+          <p:cNvCxnSpPr>
+            <a:cxnSpLocks/>
+          </p:cNvCxnSpPr>
+          <p:nvPr/>
+        </p:nvCxnSpPr>
+        <p:spPr>
+          <a:xfrm flipV="1">
+            <a:off x="4036461" y="6046008"/>
+            <a:ext cx="0" cy="378414"/>
+          </a:xfrm>
+          <a:prstGeom prst="line">
+            <a:avLst/>
+          </a:prstGeom>
+          <a:ln>
+            <a:prstDash val="sysDash"/>
+          </a:ln>
+        </p:spPr>
+        <p:style>
+          <a:lnRef idx="2">
+            <a:schemeClr val="accent1"/>
+          </a:lnRef>
+          <a:fillRef idx="0">
+            <a:schemeClr val="accent1"/>
+          </a:fillRef>
+          <a:effectRef idx="1">
+            <a:schemeClr val="accent1"/>
+          </a:effectRef>
+          <a:fontRef idx="minor">
+            <a:schemeClr val="tx1"/>
+          </a:fontRef>
+        </p:style>
+      </p:cxnSp>
+      <p:sp>
+        <p:nvSpPr>
+          <p:cNvPr id="20" name="TextBox 19">
+            <a:extLst>
+              <a:ext uri="{FF2B5EF4-FFF2-40B4-BE49-F238E27FC236}">
+                <a16:creationId xmlns:a16="http://schemas.microsoft.com/office/drawing/2014/main" id="{9E965EC0-C1AB-F7CE-1E41-334C7DC29BB5}"/>
+              </a:ext>
+            </a:extLst>
+          </p:cNvPr>
+          <p:cNvSpPr txBox="1"/>
+          <p:nvPr/>
+        </p:nvSpPr>
+        <p:spPr>
+          <a:xfrm>
+            <a:off x="4101249" y="6086795"/>
+            <a:ext cx="579407" cy="215444"/>
+          </a:xfrm>
+          <a:prstGeom prst="rect">
+            <a:avLst/>
+          </a:prstGeom>
+          <a:noFill/>
+        </p:spPr>
+        <p:txBody>
+          <a:bodyPr wrap="square" rtlCol="0">
+            <a:spAutoFit/>
+          </a:bodyPr>
+          <a:lstStyle/>
+          <a:p>
+            <a:r>
+              <a:rPr lang="en-US" sz="800" dirty="0"/>
+              <a:t>1:M</a:t>
+            </a:r>
+          </a:p>
+        </p:txBody>
+      </p:sp>
     </p:spTree>
     <p:extLst>
       <p:ext uri="{BB962C8B-B14F-4D97-AF65-F5344CB8AC3E}">
@@ -28568,6 +28776,82 @@
           </a:p>
         </p:txBody>
       </p:sp>
+      <p:cxnSp>
+        <p:nvCxnSpPr>
+          <p:cNvPr id="18" name="Straight Connector 17">
+            <a:extLst>
+              <a:ext uri="{FF2B5EF4-FFF2-40B4-BE49-F238E27FC236}">
+                <a16:creationId xmlns:a16="http://schemas.microsoft.com/office/drawing/2014/main" id="{9BB3121E-15B7-ACAA-620E-C516C58F4A14}"/>
+              </a:ext>
+            </a:extLst>
+          </p:cNvPr>
+          <p:cNvCxnSpPr>
+            <a:cxnSpLocks/>
+          </p:cNvCxnSpPr>
+          <p:nvPr/>
+        </p:nvCxnSpPr>
+        <p:spPr>
+          <a:xfrm flipV="1">
+            <a:off x="3982484" y="6077990"/>
+            <a:ext cx="0" cy="378414"/>
+          </a:xfrm>
+          <a:prstGeom prst="line">
+            <a:avLst/>
+          </a:prstGeom>
+          <a:ln>
+            <a:prstDash val="sysDash"/>
+          </a:ln>
+        </p:spPr>
+        <p:style>
+          <a:lnRef idx="2">
+            <a:schemeClr val="accent1"/>
+          </a:lnRef>
+          <a:fillRef idx="0">
+            <a:schemeClr val="accent1"/>
+          </a:fillRef>
+          <a:effectRef idx="1">
+            <a:schemeClr val="accent1"/>
+          </a:effectRef>
+          <a:fontRef idx="minor">
+            <a:schemeClr val="tx1"/>
+          </a:fontRef>
+        </p:style>
+      </p:cxnSp>
+      <p:sp>
+        <p:nvSpPr>
+          <p:cNvPr id="19" name="TextBox 18">
+            <a:extLst>
+              <a:ext uri="{FF2B5EF4-FFF2-40B4-BE49-F238E27FC236}">
+                <a16:creationId xmlns:a16="http://schemas.microsoft.com/office/drawing/2014/main" id="{98824F6E-40B3-3EE3-5AC3-6D6C55FF4EDF}"/>
+              </a:ext>
+            </a:extLst>
+          </p:cNvPr>
+          <p:cNvSpPr txBox="1"/>
+          <p:nvPr/>
+        </p:nvSpPr>
+        <p:spPr>
+          <a:xfrm>
+            <a:off x="4047272" y="6118777"/>
+            <a:ext cx="579407" cy="215444"/>
+          </a:xfrm>
+          <a:prstGeom prst="rect">
+            <a:avLst/>
+          </a:prstGeom>
+          <a:noFill/>
+        </p:spPr>
+        <p:txBody>
+          <a:bodyPr wrap="square" rtlCol="0">
+            <a:spAutoFit/>
+          </a:bodyPr>
+          <a:lstStyle/>
+          <a:p>
+            <a:r>
+              <a:rPr lang="en-US" sz="800" dirty="0"/>
+              <a:t>1:M</a:t>
+            </a:r>
+          </a:p>
+        </p:txBody>
+      </p:sp>
       <p:graphicFrame>
         <p:nvGraphicFramePr>
           <p:cNvPr id="9" name="Diagram 8">
@@ -28581,7 +28865,7 @@
           <p:nvPr>
             <p:extLst>
               <p:ext uri="{D42A27DB-BD31-4B8C-83A1-F6EECF244321}">
-                <p14:modId xmlns:p14="http://schemas.microsoft.com/office/powerpoint/2010/main" val="1141563357"/>
+                <p14:modId xmlns:p14="http://schemas.microsoft.com/office/powerpoint/2010/main" val="991486074"/>
               </p:ext>
             </p:extLst>
           </p:nvPr>

--- a/Units_diagram.pptx
+++ b/Units_diagram.pptx
@@ -117,7 +117,7 @@
 <file path=ppt/revisionInfo.xml><?xml version="1.0" encoding="utf-8"?>
 <p1510:revInfo xmlns:a="http://schemas.openxmlformats.org/drawingml/2006/main" xmlns:r="http://schemas.openxmlformats.org/officeDocument/2006/relationships" xmlns:p1510="http://schemas.microsoft.com/office/powerpoint/2015/10/main">
   <p1510:revLst>
-    <p1510:client id="{166D12EF-58EE-6C4C-9A24-99C33C59FE65}" v="565" dt="2024-11-15T20:54:53.311"/>
+    <p1510:client id="{166D12EF-58EE-6C4C-9A24-99C33C59FE65}" v="606" dt="2024-11-19T05:10:15.304"/>
   </p1510:revLst>
 </p1510:revInfo>
 </file>
@@ -127,7 +127,7 @@
   <pc:docChgLst>
     <pc:chgData name="Montecino, Diego" userId="a795c42d-832a-4dce-b1d8-09bac981a9d2" providerId="ADAL" clId="{166D12EF-58EE-6C4C-9A24-99C33C59FE65}"/>
     <pc:docChg chg="undo custSel addSld delSld modSld sldOrd">
-      <pc:chgData name="Montecino, Diego" userId="a795c42d-832a-4dce-b1d8-09bac981a9d2" providerId="ADAL" clId="{166D12EF-58EE-6C4C-9A24-99C33C59FE65}" dt="2024-11-15T20:54:53.310" v="1137" actId="5736"/>
+      <pc:chgData name="Montecino, Diego" userId="a795c42d-832a-4dce-b1d8-09bac981a9d2" providerId="ADAL" clId="{166D12EF-58EE-6C4C-9A24-99C33C59FE65}" dt="2024-11-19T05:10:15.303" v="1372" actId="5736"/>
       <pc:docMkLst>
         <pc:docMk/>
       </pc:docMkLst>
@@ -137,22 +137,6 @@
           <pc:docMk/>
           <pc:sldMk cId="1753864701" sldId="256"/>
         </pc:sldMkLst>
-        <pc:spChg chg="add del mod">
-          <ac:chgData name="Montecino, Diego" userId="a795c42d-832a-4dce-b1d8-09bac981a9d2" providerId="ADAL" clId="{166D12EF-58EE-6C4C-9A24-99C33C59FE65}" dt="2024-11-14T19:37:34.569" v="323" actId="478"/>
-          <ac:spMkLst>
-            <pc:docMk/>
-            <pc:sldMk cId="1753864701" sldId="256"/>
-            <ac:spMk id="2" creationId="{D07E469F-5D21-5841-26A5-342C10B4D1EA}"/>
-          </ac:spMkLst>
-        </pc:spChg>
-        <pc:spChg chg="mod">
-          <ac:chgData name="Montecino, Diego" userId="a795c42d-832a-4dce-b1d8-09bac981a9d2" providerId="ADAL" clId="{166D12EF-58EE-6C4C-9A24-99C33C59FE65}" dt="2024-11-14T19:37:29.502" v="321" actId="20577"/>
-          <ac:spMkLst>
-            <pc:docMk/>
-            <pc:sldMk cId="1753864701" sldId="256"/>
-            <ac:spMk id="91" creationId="{A218E17C-1F09-4B7D-0064-EA813901B924}"/>
-          </ac:spMkLst>
-        </pc:spChg>
       </pc:sldChg>
       <pc:sldChg chg="addSp delSp modSp add del mod">
         <pc:chgData name="Montecino, Diego" userId="a795c42d-832a-4dce-b1d8-09bac981a9d2" providerId="ADAL" clId="{166D12EF-58EE-6C4C-9A24-99C33C59FE65}" dt="2024-11-14T19:54:39.062" v="500" actId="2696"/>
@@ -160,467 +144,43 @@
           <pc:docMk/>
           <pc:sldMk cId="2311906509" sldId="257"/>
         </pc:sldMkLst>
-        <pc:spChg chg="add mod">
-          <ac:chgData name="Montecino, Diego" userId="a795c42d-832a-4dce-b1d8-09bac981a9d2" providerId="ADAL" clId="{166D12EF-58EE-6C4C-9A24-99C33C59FE65}" dt="2024-11-14T18:28:44.089" v="64" actId="20577"/>
-          <ac:spMkLst>
-            <pc:docMk/>
-            <pc:sldMk cId="2311906509" sldId="257"/>
-            <ac:spMk id="2" creationId="{BD116725-46BF-64B9-CDF7-B105C4C93753}"/>
-          </ac:spMkLst>
-        </pc:spChg>
-        <pc:spChg chg="mod">
-          <ac:chgData name="Montecino, Diego" userId="a795c42d-832a-4dce-b1d8-09bac981a9d2" providerId="ADAL" clId="{166D12EF-58EE-6C4C-9A24-99C33C59FE65}" dt="2024-11-14T19:50:37.485" v="464" actId="1076"/>
-          <ac:spMkLst>
-            <pc:docMk/>
-            <pc:sldMk cId="2311906509" sldId="257"/>
-            <ac:spMk id="75" creationId="{BF7571A4-5462-80B7-B943-1292CF4E978D}"/>
-          </ac:spMkLst>
-        </pc:spChg>
-        <pc:spChg chg="mod">
-          <ac:chgData name="Montecino, Diego" userId="a795c42d-832a-4dce-b1d8-09bac981a9d2" providerId="ADAL" clId="{166D12EF-58EE-6C4C-9A24-99C33C59FE65}" dt="2024-11-14T19:47:13.106" v="442" actId="1076"/>
-          <ac:spMkLst>
-            <pc:docMk/>
-            <pc:sldMk cId="2311906509" sldId="257"/>
-            <ac:spMk id="77" creationId="{7F6DFE1D-2C2E-B880-F4BD-FE29C2FB272C}"/>
-          </ac:spMkLst>
-        </pc:spChg>
-        <pc:spChg chg="mod">
-          <ac:chgData name="Montecino, Diego" userId="a795c42d-832a-4dce-b1d8-09bac981a9d2" providerId="ADAL" clId="{166D12EF-58EE-6C4C-9A24-99C33C59FE65}" dt="2024-11-14T19:47:13.106" v="442" actId="1076"/>
-          <ac:spMkLst>
-            <pc:docMk/>
-            <pc:sldMk cId="2311906509" sldId="257"/>
-            <ac:spMk id="78" creationId="{747FEBF2-DC1A-277B-E2E4-048A44C14ACB}"/>
-          </ac:spMkLst>
-        </pc:spChg>
-        <pc:spChg chg="mod">
-          <ac:chgData name="Montecino, Diego" userId="a795c42d-832a-4dce-b1d8-09bac981a9d2" providerId="ADAL" clId="{166D12EF-58EE-6C4C-9A24-99C33C59FE65}" dt="2024-11-14T19:47:13.106" v="442" actId="1076"/>
-          <ac:spMkLst>
-            <pc:docMk/>
-            <pc:sldMk cId="2311906509" sldId="257"/>
-            <ac:spMk id="79" creationId="{E78150B0-09A1-2AD1-3D66-988FAC6A963C}"/>
-          </ac:spMkLst>
-        </pc:spChg>
-        <pc:spChg chg="mod">
-          <ac:chgData name="Montecino, Diego" userId="a795c42d-832a-4dce-b1d8-09bac981a9d2" providerId="ADAL" clId="{166D12EF-58EE-6C4C-9A24-99C33C59FE65}" dt="2024-11-14T19:47:13.106" v="442" actId="1076"/>
-          <ac:spMkLst>
-            <pc:docMk/>
-            <pc:sldMk cId="2311906509" sldId="257"/>
-            <ac:spMk id="80" creationId="{B31057AF-FB7D-C68A-2BB5-E6A4BB12595E}"/>
-          </ac:spMkLst>
-        </pc:spChg>
-        <pc:spChg chg="mod">
-          <ac:chgData name="Montecino, Diego" userId="a795c42d-832a-4dce-b1d8-09bac981a9d2" providerId="ADAL" clId="{166D12EF-58EE-6C4C-9A24-99C33C59FE65}" dt="2024-11-14T19:47:13.106" v="442" actId="1076"/>
-          <ac:spMkLst>
-            <pc:docMk/>
-            <pc:sldMk cId="2311906509" sldId="257"/>
-            <ac:spMk id="81" creationId="{47DD2D61-3B13-0459-D2C5-5A5443E93827}"/>
-          </ac:spMkLst>
-        </pc:spChg>
-        <pc:spChg chg="mod">
-          <ac:chgData name="Montecino, Diego" userId="a795c42d-832a-4dce-b1d8-09bac981a9d2" providerId="ADAL" clId="{166D12EF-58EE-6C4C-9A24-99C33C59FE65}" dt="2024-11-14T19:50:23.962" v="459" actId="1076"/>
-          <ac:spMkLst>
-            <pc:docMk/>
-            <pc:sldMk cId="2311906509" sldId="257"/>
-            <ac:spMk id="85" creationId="{D0C09231-B1BF-BC00-B801-427A9EB2C21B}"/>
-          </ac:spMkLst>
-        </pc:spChg>
-        <pc:spChg chg="mod">
-          <ac:chgData name="Montecino, Diego" userId="a795c42d-832a-4dce-b1d8-09bac981a9d2" providerId="ADAL" clId="{166D12EF-58EE-6C4C-9A24-99C33C59FE65}" dt="2024-11-14T19:50:23.962" v="459" actId="1076"/>
-          <ac:spMkLst>
-            <pc:docMk/>
-            <pc:sldMk cId="2311906509" sldId="257"/>
-            <ac:spMk id="86" creationId="{DB5B1CB8-7EEC-E449-9518-3F9906D9C32D}"/>
-          </ac:spMkLst>
-        </pc:spChg>
-        <pc:spChg chg="mod">
-          <ac:chgData name="Montecino, Diego" userId="a795c42d-832a-4dce-b1d8-09bac981a9d2" providerId="ADAL" clId="{166D12EF-58EE-6C4C-9A24-99C33C59FE65}" dt="2024-11-14T19:50:23.962" v="459" actId="1076"/>
-          <ac:spMkLst>
-            <pc:docMk/>
-            <pc:sldMk cId="2311906509" sldId="257"/>
-            <ac:spMk id="87" creationId="{F277EA7D-259B-D8C0-1CCC-5F7D9CB9D246}"/>
-          </ac:spMkLst>
-        </pc:spChg>
-        <pc:spChg chg="mod">
-          <ac:chgData name="Montecino, Diego" userId="a795c42d-832a-4dce-b1d8-09bac981a9d2" providerId="ADAL" clId="{166D12EF-58EE-6C4C-9A24-99C33C59FE65}" dt="2024-11-14T19:50:23.962" v="459" actId="1076"/>
-          <ac:spMkLst>
-            <pc:docMk/>
-            <pc:sldMk cId="2311906509" sldId="257"/>
-            <ac:spMk id="88" creationId="{116420A0-93CC-6D55-F858-EC412402B532}"/>
-          </ac:spMkLst>
-        </pc:spChg>
-        <pc:spChg chg="mod">
-          <ac:chgData name="Montecino, Diego" userId="a795c42d-832a-4dce-b1d8-09bac981a9d2" providerId="ADAL" clId="{166D12EF-58EE-6C4C-9A24-99C33C59FE65}" dt="2024-11-14T19:50:23.962" v="459" actId="1076"/>
-          <ac:spMkLst>
-            <pc:docMk/>
-            <pc:sldMk cId="2311906509" sldId="257"/>
-            <ac:spMk id="89" creationId="{9C8F5AEC-C648-98B6-0AC7-FA94824C7DEC}"/>
-          </ac:spMkLst>
-        </pc:spChg>
-        <pc:spChg chg="mod">
-          <ac:chgData name="Montecino, Diego" userId="a795c42d-832a-4dce-b1d8-09bac981a9d2" providerId="ADAL" clId="{166D12EF-58EE-6C4C-9A24-99C33C59FE65}" dt="2024-11-14T19:50:23.962" v="459" actId="1076"/>
-          <ac:spMkLst>
-            <pc:docMk/>
-            <pc:sldMk cId="2311906509" sldId="257"/>
-            <ac:spMk id="91" creationId="{C735A658-6ECB-941F-9B9D-AF3312B6CF88}"/>
-          </ac:spMkLst>
-        </pc:spChg>
-        <pc:spChg chg="mod">
-          <ac:chgData name="Montecino, Diego" userId="a795c42d-832a-4dce-b1d8-09bac981a9d2" providerId="ADAL" clId="{166D12EF-58EE-6C4C-9A24-99C33C59FE65}" dt="2024-11-14T18:45:19.804" v="91" actId="14100"/>
-          <ac:spMkLst>
-            <pc:docMk/>
-            <pc:sldMk cId="2311906509" sldId="257"/>
-            <ac:spMk id="92" creationId="{58DB3474-E3E6-9BD8-D46F-7922388FBDB8}"/>
-          </ac:spMkLst>
-        </pc:spChg>
-        <pc:spChg chg="mod">
-          <ac:chgData name="Montecino, Diego" userId="a795c42d-832a-4dce-b1d8-09bac981a9d2" providerId="ADAL" clId="{166D12EF-58EE-6C4C-9A24-99C33C59FE65}" dt="2024-11-14T19:50:54.592" v="466" actId="1076"/>
-          <ac:spMkLst>
-            <pc:docMk/>
-            <pc:sldMk cId="2311906509" sldId="257"/>
-            <ac:spMk id="94" creationId="{84A3984B-ADD5-D3A1-76BE-6B7DEDE71DCB}"/>
-          </ac:spMkLst>
-        </pc:spChg>
-        <pc:spChg chg="mod">
-          <ac:chgData name="Montecino, Diego" userId="a795c42d-832a-4dce-b1d8-09bac981a9d2" providerId="ADAL" clId="{166D12EF-58EE-6C4C-9A24-99C33C59FE65}" dt="2024-11-14T19:49:50.231" v="456" actId="1076"/>
-          <ac:spMkLst>
-            <pc:docMk/>
-            <pc:sldMk cId="2311906509" sldId="257"/>
-            <ac:spMk id="99" creationId="{46800C50-6F7F-7701-D4B4-48FD0A0A1B9B}"/>
-          </ac:spMkLst>
-        </pc:spChg>
-        <pc:spChg chg="add del mod">
-          <ac:chgData name="Montecino, Diego" userId="a795c42d-832a-4dce-b1d8-09bac981a9d2" providerId="ADAL" clId="{166D12EF-58EE-6C4C-9A24-99C33C59FE65}" dt="2024-11-14T18:44:07.369" v="83" actId="1076"/>
-          <ac:spMkLst>
-            <pc:docMk/>
-            <pc:sldMk cId="2311906509" sldId="257"/>
-            <ac:spMk id="100" creationId="{9362048E-8405-ABB8-B14C-4E4D7F458247}"/>
-          </ac:spMkLst>
-        </pc:spChg>
-        <pc:spChg chg="del">
-          <ac:chgData name="Montecino, Diego" userId="a795c42d-832a-4dce-b1d8-09bac981a9d2" providerId="ADAL" clId="{166D12EF-58EE-6C4C-9A24-99C33C59FE65}" dt="2024-11-14T18:43:59.197" v="80" actId="478"/>
-          <ac:spMkLst>
-            <pc:docMk/>
-            <pc:sldMk cId="2311906509" sldId="257"/>
-            <ac:spMk id="106" creationId="{641177FE-06C3-894A-798A-C42999664849}"/>
-          </ac:spMkLst>
-        </pc:spChg>
-        <pc:spChg chg="del">
-          <ac:chgData name="Montecino, Diego" userId="a795c42d-832a-4dce-b1d8-09bac981a9d2" providerId="ADAL" clId="{166D12EF-58EE-6C4C-9A24-99C33C59FE65}" dt="2024-11-14T18:45:08.239" v="86" actId="478"/>
-          <ac:spMkLst>
-            <pc:docMk/>
-            <pc:sldMk cId="2311906509" sldId="257"/>
-            <ac:spMk id="147" creationId="{D306CCF7-F6E9-FBBF-163F-04E98281690F}"/>
-          </ac:spMkLst>
-        </pc:spChg>
-        <pc:grpChg chg="mod">
-          <ac:chgData name="Montecino, Diego" userId="a795c42d-832a-4dce-b1d8-09bac981a9d2" providerId="ADAL" clId="{166D12EF-58EE-6C4C-9A24-99C33C59FE65}" dt="2024-11-14T18:45:02.965" v="85" actId="1076"/>
-          <ac:grpSpMkLst>
-            <pc:docMk/>
-            <pc:sldMk cId="2311906509" sldId="257"/>
-            <ac:grpSpMk id="115" creationId="{F13AEDCD-EC4C-A2B1-3B3F-83CAA2E4840D}"/>
-          </ac:grpSpMkLst>
-        </pc:grpChg>
-        <pc:graphicFrameChg chg="mod">
-          <ac:chgData name="Montecino, Diego" userId="a795c42d-832a-4dce-b1d8-09bac981a9d2" providerId="ADAL" clId="{166D12EF-58EE-6C4C-9A24-99C33C59FE65}" dt="2024-11-14T19:50:49.672" v="465"/>
-          <ac:graphicFrameMkLst>
-            <pc:docMk/>
-            <pc:sldMk cId="2311906509" sldId="257"/>
-            <ac:graphicFrameMk id="9" creationId="{2CFEE8B6-2FC1-9B9F-BA7D-4C6EC8F26ED5}"/>
-          </ac:graphicFrameMkLst>
-        </pc:graphicFrameChg>
-        <pc:cxnChg chg="add mod">
-          <ac:chgData name="Montecino, Diego" userId="a795c42d-832a-4dce-b1d8-09bac981a9d2" providerId="ADAL" clId="{166D12EF-58EE-6C4C-9A24-99C33C59FE65}" dt="2024-11-14T18:46:13.400" v="97" actId="14100"/>
-          <ac:cxnSpMkLst>
-            <pc:docMk/>
-            <pc:sldMk cId="2311906509" sldId="257"/>
-            <ac:cxnSpMk id="7" creationId="{5B01D122-BFEC-3F6A-598C-DFC7BA6E13CB}"/>
-          </ac:cxnSpMkLst>
-        </pc:cxnChg>
-        <pc:cxnChg chg="mod">
-          <ac:chgData name="Montecino, Diego" userId="a795c42d-832a-4dce-b1d8-09bac981a9d2" providerId="ADAL" clId="{166D12EF-58EE-6C4C-9A24-99C33C59FE65}" dt="2024-11-14T19:47:50.009" v="447" actId="167"/>
-          <ac:cxnSpMkLst>
-            <pc:docMk/>
-            <pc:sldMk cId="2311906509" sldId="257"/>
-            <ac:cxnSpMk id="11" creationId="{EC0A65FD-763B-FD8F-23FE-46D796BB9012}"/>
-          </ac:cxnSpMkLst>
-        </pc:cxnChg>
-        <pc:cxnChg chg="mod">
-          <ac:chgData name="Montecino, Diego" userId="a795c42d-832a-4dce-b1d8-09bac981a9d2" providerId="ADAL" clId="{166D12EF-58EE-6C4C-9A24-99C33C59FE65}" dt="2024-11-14T19:47:13.106" v="442" actId="1076"/>
-          <ac:cxnSpMkLst>
-            <pc:docMk/>
-            <pc:sldMk cId="2311906509" sldId="257"/>
-            <ac:cxnSpMk id="22" creationId="{8F7501F2-CE1D-EB19-D89A-42911643AC6C}"/>
-          </ac:cxnSpMkLst>
-        </pc:cxnChg>
-        <pc:cxnChg chg="mod">
-          <ac:chgData name="Montecino, Diego" userId="a795c42d-832a-4dce-b1d8-09bac981a9d2" providerId="ADAL" clId="{166D12EF-58EE-6C4C-9A24-99C33C59FE65}" dt="2024-11-14T19:47:13.106" v="442" actId="1076"/>
-          <ac:cxnSpMkLst>
-            <pc:docMk/>
-            <pc:sldMk cId="2311906509" sldId="257"/>
-            <ac:cxnSpMk id="24" creationId="{584D3970-892A-F7D6-D3AC-8646D5E52EFE}"/>
-          </ac:cxnSpMkLst>
-        </pc:cxnChg>
-        <pc:cxnChg chg="mod">
-          <ac:chgData name="Montecino, Diego" userId="a795c42d-832a-4dce-b1d8-09bac981a9d2" providerId="ADAL" clId="{166D12EF-58EE-6C4C-9A24-99C33C59FE65}" dt="2024-11-14T19:47:13.106" v="442" actId="1076"/>
-          <ac:cxnSpMkLst>
-            <pc:docMk/>
-            <pc:sldMk cId="2311906509" sldId="257"/>
-            <ac:cxnSpMk id="26" creationId="{226C7249-70F8-2007-A4CF-AFAA791EDD1D}"/>
-          </ac:cxnSpMkLst>
-        </pc:cxnChg>
-        <pc:cxnChg chg="mod">
-          <ac:chgData name="Montecino, Diego" userId="a795c42d-832a-4dce-b1d8-09bac981a9d2" providerId="ADAL" clId="{166D12EF-58EE-6C4C-9A24-99C33C59FE65}" dt="2024-11-14T19:47:13.106" v="442" actId="1076"/>
-          <ac:cxnSpMkLst>
-            <pc:docMk/>
-            <pc:sldMk cId="2311906509" sldId="257"/>
-            <ac:cxnSpMk id="33" creationId="{58E8175E-2974-56C1-5486-C4EE8DD32045}"/>
-          </ac:cxnSpMkLst>
-        </pc:cxnChg>
-        <pc:cxnChg chg="mod">
-          <ac:chgData name="Montecino, Diego" userId="a795c42d-832a-4dce-b1d8-09bac981a9d2" providerId="ADAL" clId="{166D12EF-58EE-6C4C-9A24-99C33C59FE65}" dt="2024-11-14T19:47:13.106" v="442" actId="1076"/>
-          <ac:cxnSpMkLst>
-            <pc:docMk/>
-            <pc:sldMk cId="2311906509" sldId="257"/>
-            <ac:cxnSpMk id="36" creationId="{EBFEFE9D-647C-952B-DE4C-A14A08D88470}"/>
-          </ac:cxnSpMkLst>
-        </pc:cxnChg>
-        <pc:cxnChg chg="mod">
-          <ac:chgData name="Montecino, Diego" userId="a795c42d-832a-4dce-b1d8-09bac981a9d2" providerId="ADAL" clId="{166D12EF-58EE-6C4C-9A24-99C33C59FE65}" dt="2024-11-14T19:47:13.106" v="442" actId="1076"/>
-          <ac:cxnSpMkLst>
-            <pc:docMk/>
-            <pc:sldMk cId="2311906509" sldId="257"/>
-            <ac:cxnSpMk id="37" creationId="{AF5CB81A-1780-E835-96B3-1A4510393D84}"/>
-          </ac:cxnSpMkLst>
-        </pc:cxnChg>
-        <pc:cxnChg chg="mod">
-          <ac:chgData name="Montecino, Diego" userId="a795c42d-832a-4dce-b1d8-09bac981a9d2" providerId="ADAL" clId="{166D12EF-58EE-6C4C-9A24-99C33C59FE65}" dt="2024-11-14T19:47:13.106" v="442" actId="1076"/>
-          <ac:cxnSpMkLst>
-            <pc:docMk/>
-            <pc:sldMk cId="2311906509" sldId="257"/>
-            <ac:cxnSpMk id="39" creationId="{CCD9F2A6-11AF-DCD7-70D8-CFF20117E385}"/>
-          </ac:cxnSpMkLst>
-        </pc:cxnChg>
-        <pc:cxnChg chg="mod">
-          <ac:chgData name="Montecino, Diego" userId="a795c42d-832a-4dce-b1d8-09bac981a9d2" providerId="ADAL" clId="{166D12EF-58EE-6C4C-9A24-99C33C59FE65}" dt="2024-11-14T19:47:13.106" v="442" actId="1076"/>
-          <ac:cxnSpMkLst>
-            <pc:docMk/>
-            <pc:sldMk cId="2311906509" sldId="257"/>
-            <ac:cxnSpMk id="43" creationId="{517E6053-59BA-6A8A-9DBF-CFD512EC9C7B}"/>
-          </ac:cxnSpMkLst>
-        </pc:cxnChg>
-        <pc:cxnChg chg="mod">
-          <ac:chgData name="Montecino, Diego" userId="a795c42d-832a-4dce-b1d8-09bac981a9d2" providerId="ADAL" clId="{166D12EF-58EE-6C4C-9A24-99C33C59FE65}" dt="2024-11-14T19:47:13.106" v="442" actId="1076"/>
-          <ac:cxnSpMkLst>
-            <pc:docMk/>
-            <pc:sldMk cId="2311906509" sldId="257"/>
-            <ac:cxnSpMk id="48" creationId="{0B0B8256-6D2F-4E92-5DAF-1AC7CFDE4D0F}"/>
-          </ac:cxnSpMkLst>
-        </pc:cxnChg>
-        <pc:cxnChg chg="mod">
-          <ac:chgData name="Montecino, Diego" userId="a795c42d-832a-4dce-b1d8-09bac981a9d2" providerId="ADAL" clId="{166D12EF-58EE-6C4C-9A24-99C33C59FE65}" dt="2024-11-14T19:47:13.106" v="442" actId="1076"/>
-          <ac:cxnSpMkLst>
-            <pc:docMk/>
-            <pc:sldMk cId="2311906509" sldId="257"/>
-            <ac:cxnSpMk id="49" creationId="{6FBF965B-E086-6ABC-9A77-B636F6DACD0E}"/>
-          </ac:cxnSpMkLst>
-        </pc:cxnChg>
-        <pc:cxnChg chg="mod">
-          <ac:chgData name="Montecino, Diego" userId="a795c42d-832a-4dce-b1d8-09bac981a9d2" providerId="ADAL" clId="{166D12EF-58EE-6C4C-9A24-99C33C59FE65}" dt="2024-11-14T19:47:13.106" v="442" actId="1076"/>
-          <ac:cxnSpMkLst>
-            <pc:docMk/>
-            <pc:sldMk cId="2311906509" sldId="257"/>
-            <ac:cxnSpMk id="50" creationId="{43FB2E04-43E8-E27E-0273-8832C0E67634}"/>
-          </ac:cxnSpMkLst>
-        </pc:cxnChg>
-        <pc:cxnChg chg="mod">
-          <ac:chgData name="Montecino, Diego" userId="a795c42d-832a-4dce-b1d8-09bac981a9d2" providerId="ADAL" clId="{166D12EF-58EE-6C4C-9A24-99C33C59FE65}" dt="2024-11-14T19:47:13.106" v="442" actId="1076"/>
-          <ac:cxnSpMkLst>
-            <pc:docMk/>
-            <pc:sldMk cId="2311906509" sldId="257"/>
-            <ac:cxnSpMk id="54" creationId="{A4382371-E27D-FAC5-730D-6186A2C05154}"/>
-          </ac:cxnSpMkLst>
-        </pc:cxnChg>
-        <pc:cxnChg chg="mod">
-          <ac:chgData name="Montecino, Diego" userId="a795c42d-832a-4dce-b1d8-09bac981a9d2" providerId="ADAL" clId="{166D12EF-58EE-6C4C-9A24-99C33C59FE65}" dt="2024-11-14T19:48:57.504" v="453" actId="14100"/>
-          <ac:cxnSpMkLst>
-            <pc:docMk/>
-            <pc:sldMk cId="2311906509" sldId="257"/>
-            <ac:cxnSpMk id="56" creationId="{035306CD-EC18-7BD5-155A-D67965AB4F65}"/>
-          </ac:cxnSpMkLst>
-        </pc:cxnChg>
-        <pc:cxnChg chg="mod">
-          <ac:chgData name="Montecino, Diego" userId="a795c42d-832a-4dce-b1d8-09bac981a9d2" providerId="ADAL" clId="{166D12EF-58EE-6C4C-9A24-99C33C59FE65}" dt="2024-11-14T19:48:52.435" v="452" actId="1076"/>
-          <ac:cxnSpMkLst>
-            <pc:docMk/>
-            <pc:sldMk cId="2311906509" sldId="257"/>
-            <ac:cxnSpMk id="57" creationId="{5073A069-8B44-2496-1C6F-297C03A3E008}"/>
-          </ac:cxnSpMkLst>
-        </pc:cxnChg>
-        <pc:cxnChg chg="mod">
-          <ac:chgData name="Montecino, Diego" userId="a795c42d-832a-4dce-b1d8-09bac981a9d2" providerId="ADAL" clId="{166D12EF-58EE-6C4C-9A24-99C33C59FE65}" dt="2024-11-14T19:47:13.106" v="442" actId="1076"/>
-          <ac:cxnSpMkLst>
-            <pc:docMk/>
-            <pc:sldMk cId="2311906509" sldId="257"/>
-            <ac:cxnSpMk id="64" creationId="{8DD10BAB-D15A-EE80-8A68-E14A7F742506}"/>
-          </ac:cxnSpMkLst>
-        </pc:cxnChg>
-        <pc:cxnChg chg="mod">
-          <ac:chgData name="Montecino, Diego" userId="a795c42d-832a-4dce-b1d8-09bac981a9d2" providerId="ADAL" clId="{166D12EF-58EE-6C4C-9A24-99C33C59FE65}" dt="2024-11-14T19:47:13.106" v="442" actId="1076"/>
-          <ac:cxnSpMkLst>
-            <pc:docMk/>
-            <pc:sldMk cId="2311906509" sldId="257"/>
-            <ac:cxnSpMk id="68" creationId="{44F9C9A2-8E1E-B81E-3FCC-D6F4B3401357}"/>
-          </ac:cxnSpMkLst>
-        </pc:cxnChg>
-        <pc:cxnChg chg="mod">
-          <ac:chgData name="Montecino, Diego" userId="a795c42d-832a-4dce-b1d8-09bac981a9d2" providerId="ADAL" clId="{166D12EF-58EE-6C4C-9A24-99C33C59FE65}" dt="2024-11-14T19:47:13.106" v="442" actId="1076"/>
-          <ac:cxnSpMkLst>
-            <pc:docMk/>
-            <pc:sldMk cId="2311906509" sldId="257"/>
-            <ac:cxnSpMk id="72" creationId="{FD0BEB46-AE73-4AD4-5004-FEABB349AE78}"/>
-          </ac:cxnSpMkLst>
-        </pc:cxnChg>
-        <pc:cxnChg chg="del">
-          <ac:chgData name="Montecino, Diego" userId="a795c42d-832a-4dce-b1d8-09bac981a9d2" providerId="ADAL" clId="{166D12EF-58EE-6C4C-9A24-99C33C59FE65}" dt="2024-11-14T18:43:54.963" v="79" actId="478"/>
-          <ac:cxnSpMkLst>
-            <pc:docMk/>
-            <pc:sldMk cId="2311906509" sldId="257"/>
-            <ac:cxnSpMk id="102" creationId="{6EF545D3-707C-56C2-3739-DD664E76ED1F}"/>
-          </ac:cxnSpMkLst>
-        </pc:cxnChg>
-        <pc:cxnChg chg="mod">
-          <ac:chgData name="Montecino, Diego" userId="a795c42d-832a-4dce-b1d8-09bac981a9d2" providerId="ADAL" clId="{166D12EF-58EE-6C4C-9A24-99C33C59FE65}" dt="2024-11-14T18:46:01.972" v="94" actId="14100"/>
-          <ac:cxnSpMkLst>
-            <pc:docMk/>
-            <pc:sldMk cId="2311906509" sldId="257"/>
-            <ac:cxnSpMk id="119" creationId="{509EFB11-BDF7-B9DF-2365-0A1798F96F55}"/>
-          </ac:cxnSpMkLst>
-        </pc:cxnChg>
-        <pc:cxnChg chg="mod">
-          <ac:chgData name="Montecino, Diego" userId="a795c42d-832a-4dce-b1d8-09bac981a9d2" providerId="ADAL" clId="{166D12EF-58EE-6C4C-9A24-99C33C59FE65}" dt="2024-11-14T18:45:17.469" v="90" actId="14100"/>
-          <ac:cxnSpMkLst>
-            <pc:docMk/>
-            <pc:sldMk cId="2311906509" sldId="257"/>
-            <ac:cxnSpMk id="138" creationId="{1E567FAC-ECDA-4CB7-F11D-90DFA617F92F}"/>
-          </ac:cxnSpMkLst>
-        </pc:cxnChg>
-        <pc:cxnChg chg="del">
-          <ac:chgData name="Montecino, Diego" userId="a795c42d-832a-4dce-b1d8-09bac981a9d2" providerId="ADAL" clId="{166D12EF-58EE-6C4C-9A24-99C33C59FE65}" dt="2024-11-14T18:45:14.871" v="89" actId="478"/>
-          <ac:cxnSpMkLst>
-            <pc:docMk/>
-            <pc:sldMk cId="2311906509" sldId="257"/>
-            <ac:cxnSpMk id="143" creationId="{20632C2F-2449-ECAF-FEF1-C7D723FCA590}"/>
-          </ac:cxnSpMkLst>
-        </pc:cxnChg>
-        <pc:cxnChg chg="del">
-          <ac:chgData name="Montecino, Diego" userId="a795c42d-832a-4dce-b1d8-09bac981a9d2" providerId="ADAL" clId="{166D12EF-58EE-6C4C-9A24-99C33C59FE65}" dt="2024-11-14T18:45:09.726" v="87" actId="478"/>
-          <ac:cxnSpMkLst>
-            <pc:docMk/>
-            <pc:sldMk cId="2311906509" sldId="257"/>
-            <ac:cxnSpMk id="145" creationId="{DE12ECB9-4D8C-BD6B-8F72-28E7544C4542}"/>
-          </ac:cxnSpMkLst>
-        </pc:cxnChg>
       </pc:sldChg>
       <pc:sldChg chg="addSp delSp modSp add mod ord">
-        <pc:chgData name="Montecino, Diego" userId="a795c42d-832a-4dce-b1d8-09bac981a9d2" providerId="ADAL" clId="{166D12EF-58EE-6C4C-9A24-99C33C59FE65}" dt="2024-11-15T20:54:53.310" v="1137" actId="5736"/>
+        <pc:chgData name="Montecino, Diego" userId="a795c42d-832a-4dce-b1d8-09bac981a9d2" providerId="ADAL" clId="{166D12EF-58EE-6C4C-9A24-99C33C59FE65}" dt="2024-11-19T05:09:50.972" v="1370" actId="5736"/>
         <pc:sldMkLst>
           <pc:docMk/>
           <pc:sldMk cId="1576011338" sldId="258"/>
         </pc:sldMkLst>
-        <pc:spChg chg="add del mod">
-          <ac:chgData name="Montecino, Diego" userId="a795c42d-832a-4dce-b1d8-09bac981a9d2" providerId="ADAL" clId="{166D12EF-58EE-6C4C-9A24-99C33C59FE65}" dt="2024-11-14T20:14:55.326" v="670" actId="478"/>
-          <ac:spMkLst>
-            <pc:docMk/>
-            <pc:sldMk cId="1576011338" sldId="258"/>
-            <ac:spMk id="2" creationId="{8A0A11C8-E49C-3ADE-66CD-3A9BA2386021}"/>
-          </ac:spMkLst>
-        </pc:spChg>
-        <pc:spChg chg="add del mod">
-          <ac:chgData name="Montecino, Diego" userId="a795c42d-832a-4dce-b1d8-09bac981a9d2" providerId="ADAL" clId="{166D12EF-58EE-6C4C-9A24-99C33C59FE65}" dt="2024-11-14T19:38:40.949" v="340" actId="478"/>
-          <ac:spMkLst>
-            <pc:docMk/>
-            <pc:sldMk cId="1576011338" sldId="258"/>
-            <ac:spMk id="3" creationId="{6CB45774-CAED-319C-0F04-07B0A0074544}"/>
-          </ac:spMkLst>
-        </pc:spChg>
         <pc:spChg chg="add mod">
-          <ac:chgData name="Montecino, Diego" userId="a795c42d-832a-4dce-b1d8-09bac981a9d2" providerId="ADAL" clId="{166D12EF-58EE-6C4C-9A24-99C33C59FE65}" dt="2024-11-15T20:54:53.310" v="1137" actId="5736"/>
+          <ac:chgData name="Montecino, Diego" userId="a795c42d-832a-4dce-b1d8-09bac981a9d2" providerId="ADAL" clId="{166D12EF-58EE-6C4C-9A24-99C33C59FE65}" dt="2024-11-19T05:09:50.972" v="1370" actId="5736"/>
           <ac:spMkLst>
             <pc:docMk/>
             <pc:sldMk cId="1576011338" sldId="258"/>
             <ac:spMk id="3" creationId="{9612884C-B4AB-F4DE-CA48-3B343DE066C5}"/>
           </ac:spMkLst>
         </pc:spChg>
-        <pc:spChg chg="add del mod">
-          <ac:chgData name="Montecino, Diego" userId="a795c42d-832a-4dce-b1d8-09bac981a9d2" providerId="ADAL" clId="{166D12EF-58EE-6C4C-9A24-99C33C59FE65}" dt="2024-11-14T19:40:22.925" v="356" actId="478"/>
-          <ac:spMkLst>
-            <pc:docMk/>
-            <pc:sldMk cId="1576011338" sldId="258"/>
-            <ac:spMk id="4" creationId="{91E79637-FBBF-882F-AD26-334B26839634}"/>
-          </ac:spMkLst>
-        </pc:spChg>
         <pc:spChg chg="add mod">
-          <ac:chgData name="Montecino, Diego" userId="a795c42d-832a-4dce-b1d8-09bac981a9d2" providerId="ADAL" clId="{166D12EF-58EE-6C4C-9A24-99C33C59FE65}" dt="2024-11-15T20:54:53.310" v="1137" actId="5736"/>
+          <ac:chgData name="Montecino, Diego" userId="a795c42d-832a-4dce-b1d8-09bac981a9d2" providerId="ADAL" clId="{166D12EF-58EE-6C4C-9A24-99C33C59FE65}" dt="2024-11-19T05:09:50.972" v="1370" actId="5736"/>
           <ac:spMkLst>
             <pc:docMk/>
             <pc:sldMk cId="1576011338" sldId="258"/>
             <ac:spMk id="5" creationId="{5A1A59BB-7620-BC94-EB14-45E20DB612E7}"/>
           </ac:spMkLst>
         </pc:spChg>
-        <pc:spChg chg="add del mod">
-          <ac:chgData name="Montecino, Diego" userId="a795c42d-832a-4dce-b1d8-09bac981a9d2" providerId="ADAL" clId="{166D12EF-58EE-6C4C-9A24-99C33C59FE65}" dt="2024-11-14T19:40:25.400" v="357" actId="478"/>
-          <ac:spMkLst>
-            <pc:docMk/>
-            <pc:sldMk cId="1576011338" sldId="258"/>
-            <ac:spMk id="5" creationId="{91444922-2604-4FA1-11D5-986EA9957ED4}"/>
-          </ac:spMkLst>
-        </pc:spChg>
-        <pc:spChg chg="add del mod">
-          <ac:chgData name="Montecino, Diego" userId="a795c42d-832a-4dce-b1d8-09bac981a9d2" providerId="ADAL" clId="{166D12EF-58EE-6C4C-9A24-99C33C59FE65}" dt="2024-11-14T19:38:39.064" v="338" actId="478"/>
-          <ac:spMkLst>
-            <pc:docMk/>
-            <pc:sldMk cId="1576011338" sldId="258"/>
-            <ac:spMk id="6" creationId="{51CF5174-BFC1-98D7-FBBF-925218E40F4D}"/>
-          </ac:spMkLst>
-        </pc:spChg>
         <pc:spChg chg="add mod">
-          <ac:chgData name="Montecino, Diego" userId="a795c42d-832a-4dce-b1d8-09bac981a9d2" providerId="ADAL" clId="{166D12EF-58EE-6C4C-9A24-99C33C59FE65}" dt="2024-11-15T20:54:53.310" v="1137" actId="5736"/>
+          <ac:chgData name="Montecino, Diego" userId="a795c42d-832a-4dce-b1d8-09bac981a9d2" providerId="ADAL" clId="{166D12EF-58EE-6C4C-9A24-99C33C59FE65}" dt="2024-11-19T05:09:50.972" v="1370" actId="5736"/>
           <ac:spMkLst>
             <pc:docMk/>
             <pc:sldMk cId="1576011338" sldId="258"/>
             <ac:spMk id="6" creationId="{CA537F05-2F0D-925E-45B9-49BE2C8BE533}"/>
           </ac:spMkLst>
         </pc:spChg>
-        <pc:spChg chg="add del mod">
-          <ac:chgData name="Montecino, Diego" userId="a795c42d-832a-4dce-b1d8-09bac981a9d2" providerId="ADAL" clId="{166D12EF-58EE-6C4C-9A24-99C33C59FE65}" dt="2024-11-14T19:38:40.183" v="339" actId="478"/>
+        <pc:spChg chg="add mod">
+          <ac:chgData name="Montecino, Diego" userId="a795c42d-832a-4dce-b1d8-09bac981a9d2" providerId="ADAL" clId="{166D12EF-58EE-6C4C-9A24-99C33C59FE65}" dt="2024-11-19T05:09:50.972" v="1370" actId="5736"/>
           <ac:spMkLst>
             <pc:docMk/>
             <pc:sldMk cId="1576011338" sldId="258"/>
-            <ac:spMk id="7" creationId="{9CE1DFBF-BAD9-4980-35AA-622513BAB643}"/>
-          </ac:spMkLst>
-        </pc:spChg>
-        <pc:spChg chg="add del mod">
-          <ac:chgData name="Montecino, Diego" userId="a795c42d-832a-4dce-b1d8-09bac981a9d2" providerId="ADAL" clId="{166D12EF-58EE-6C4C-9A24-99C33C59FE65}" dt="2024-11-14T19:38:42.138" v="341" actId="478"/>
-          <ac:spMkLst>
-            <pc:docMk/>
-            <pc:sldMk cId="1576011338" sldId="258"/>
-            <ac:spMk id="8" creationId="{51EE2F3A-BC13-C2DE-6E68-66D9C47F20B9}"/>
-          </ac:spMkLst>
-        </pc:spChg>
-        <pc:spChg chg="add del mod">
-          <ac:chgData name="Montecino, Diego" userId="a795c42d-832a-4dce-b1d8-09bac981a9d2" providerId="ADAL" clId="{166D12EF-58EE-6C4C-9A24-99C33C59FE65}" dt="2024-11-14T19:38:43.659" v="342" actId="478"/>
-          <ac:spMkLst>
-            <pc:docMk/>
-            <pc:sldMk cId="1576011338" sldId="258"/>
-            <ac:spMk id="10" creationId="{C46FFE3C-D90A-8580-6EA7-70AA653DA9CE}"/>
-          </ac:spMkLst>
-        </pc:spChg>
-        <pc:spChg chg="add del mod">
-          <ac:chgData name="Montecino, Diego" userId="a795c42d-832a-4dce-b1d8-09bac981a9d2" providerId="ADAL" clId="{166D12EF-58EE-6C4C-9A24-99C33C59FE65}" dt="2024-11-14T19:38:37.129" v="335" actId="478"/>
-          <ac:spMkLst>
-            <pc:docMk/>
-            <pc:sldMk cId="1576011338" sldId="258"/>
-            <ac:spMk id="12" creationId="{BCE8CEAF-2164-E5C0-6DB0-652661475555}"/>
+            <ac:spMk id="8" creationId="{DBAEB50B-BC34-47CB-8B12-71A5601896A7}"/>
           </ac:spMkLst>
         </pc:spChg>
         <pc:spChg chg="add mod">
@@ -655,16 +215,8 @@
             <ac:spMk id="18" creationId="{5683AD47-7CBA-82FF-F90F-451409838518}"/>
           </ac:spMkLst>
         </pc:spChg>
-        <pc:spChg chg="add del mod">
-          <ac:chgData name="Montecino, Diego" userId="a795c42d-832a-4dce-b1d8-09bac981a9d2" providerId="ADAL" clId="{166D12EF-58EE-6C4C-9A24-99C33C59FE65}" dt="2024-11-14T20:05:43.877" v="612" actId="478"/>
-          <ac:spMkLst>
-            <pc:docMk/>
-            <pc:sldMk cId="1576011338" sldId="258"/>
-            <ac:spMk id="20" creationId="{B9E3A5B6-6367-B927-D598-299EEFCE2262}"/>
-          </ac:spMkLst>
-        </pc:spChg>
         <pc:spChg chg="add mod">
-          <ac:chgData name="Montecino, Diego" userId="a795c42d-832a-4dce-b1d8-09bac981a9d2" providerId="ADAL" clId="{166D12EF-58EE-6C4C-9A24-99C33C59FE65}" dt="2024-11-15T20:54:53.310" v="1137" actId="5736"/>
+          <ac:chgData name="Montecino, Diego" userId="a795c42d-832a-4dce-b1d8-09bac981a9d2" providerId="ADAL" clId="{166D12EF-58EE-6C4C-9A24-99C33C59FE65}" dt="2024-11-19T05:09:50.972" v="1370" actId="5736"/>
           <ac:spMkLst>
             <pc:docMk/>
             <pc:sldMk cId="1576011338" sldId="258"/>
@@ -672,7 +224,7 @@
           </ac:spMkLst>
         </pc:spChg>
         <pc:spChg chg="add del mod">
-          <ac:chgData name="Montecino, Diego" userId="a795c42d-832a-4dce-b1d8-09bac981a9d2" providerId="ADAL" clId="{166D12EF-58EE-6C4C-9A24-99C33C59FE65}" dt="2024-11-15T20:54:53.310" v="1137" actId="5736"/>
+          <ac:chgData name="Montecino, Diego" userId="a795c42d-832a-4dce-b1d8-09bac981a9d2" providerId="ADAL" clId="{166D12EF-58EE-6C4C-9A24-99C33C59FE65}" dt="2024-11-19T05:09:50.972" v="1370" actId="5736"/>
           <ac:spMkLst>
             <pc:docMk/>
             <pc:sldMk cId="1576011338" sldId="258"/>
@@ -680,7 +232,7 @@
           </ac:spMkLst>
         </pc:spChg>
         <pc:spChg chg="add mod">
-          <ac:chgData name="Montecino, Diego" userId="a795c42d-832a-4dce-b1d8-09bac981a9d2" providerId="ADAL" clId="{166D12EF-58EE-6C4C-9A24-99C33C59FE65}" dt="2024-11-15T20:54:53.310" v="1137" actId="5736"/>
+          <ac:chgData name="Montecino, Diego" userId="a795c42d-832a-4dce-b1d8-09bac981a9d2" providerId="ADAL" clId="{166D12EF-58EE-6C4C-9A24-99C33C59FE65}" dt="2024-11-19T05:09:50.972" v="1370" actId="5736"/>
           <ac:spMkLst>
             <pc:docMk/>
             <pc:sldMk cId="1576011338" sldId="258"/>
@@ -688,7 +240,7 @@
           </ac:spMkLst>
         </pc:spChg>
         <pc:spChg chg="add mod">
-          <ac:chgData name="Montecino, Diego" userId="a795c42d-832a-4dce-b1d8-09bac981a9d2" providerId="ADAL" clId="{166D12EF-58EE-6C4C-9A24-99C33C59FE65}" dt="2024-11-15T20:54:53.310" v="1137" actId="5736"/>
+          <ac:chgData name="Montecino, Diego" userId="a795c42d-832a-4dce-b1d8-09bac981a9d2" providerId="ADAL" clId="{166D12EF-58EE-6C4C-9A24-99C33C59FE65}" dt="2024-11-19T05:09:50.972" v="1370" actId="5736"/>
           <ac:spMkLst>
             <pc:docMk/>
             <pc:sldMk cId="1576011338" sldId="258"/>
@@ -696,7 +248,7 @@
           </ac:spMkLst>
         </pc:spChg>
         <pc:spChg chg="add mod">
-          <ac:chgData name="Montecino, Diego" userId="a795c42d-832a-4dce-b1d8-09bac981a9d2" providerId="ADAL" clId="{166D12EF-58EE-6C4C-9A24-99C33C59FE65}" dt="2024-11-15T20:54:53.310" v="1137" actId="5736"/>
+          <ac:chgData name="Montecino, Diego" userId="a795c42d-832a-4dce-b1d8-09bac981a9d2" providerId="ADAL" clId="{166D12EF-58EE-6C4C-9A24-99C33C59FE65}" dt="2024-11-19T05:09:50.972" v="1370" actId="5736"/>
           <ac:spMkLst>
             <pc:docMk/>
             <pc:sldMk cId="1576011338" sldId="258"/>
@@ -704,23 +256,15 @@
           </ac:spMkLst>
         </pc:spChg>
         <pc:spChg chg="add del mod">
-          <ac:chgData name="Montecino, Diego" userId="a795c42d-832a-4dce-b1d8-09bac981a9d2" providerId="ADAL" clId="{166D12EF-58EE-6C4C-9A24-99C33C59FE65}" dt="2024-11-15T20:54:53.310" v="1137" actId="5736"/>
+          <ac:chgData name="Montecino, Diego" userId="a795c42d-832a-4dce-b1d8-09bac981a9d2" providerId="ADAL" clId="{166D12EF-58EE-6C4C-9A24-99C33C59FE65}" dt="2024-11-19T05:09:50.972" v="1370" actId="5736"/>
           <ac:spMkLst>
             <pc:docMk/>
             <pc:sldMk cId="1576011338" sldId="258"/>
             <ac:spMk id="46" creationId="{35F63618-7C56-DEDE-225E-618CC214D3B0}"/>
           </ac:spMkLst>
         </pc:spChg>
-        <pc:spChg chg="add del mod">
-          <ac:chgData name="Montecino, Diego" userId="a795c42d-832a-4dce-b1d8-09bac981a9d2" providerId="ADAL" clId="{166D12EF-58EE-6C4C-9A24-99C33C59FE65}" dt="2024-11-14T20:01:21.933" v="587" actId="478"/>
-          <ac:spMkLst>
-            <pc:docMk/>
-            <pc:sldMk cId="1576011338" sldId="258"/>
-            <ac:spMk id="47" creationId="{19F88549-75D8-A564-BFF8-5D049270E8E8}"/>
-          </ac:spMkLst>
-        </pc:spChg>
         <pc:spChg chg="add mod">
-          <ac:chgData name="Montecino, Diego" userId="a795c42d-832a-4dce-b1d8-09bac981a9d2" providerId="ADAL" clId="{166D12EF-58EE-6C4C-9A24-99C33C59FE65}" dt="2024-11-15T20:54:53.310" v="1137" actId="5736"/>
+          <ac:chgData name="Montecino, Diego" userId="a795c42d-832a-4dce-b1d8-09bac981a9d2" providerId="ADAL" clId="{166D12EF-58EE-6C4C-9A24-99C33C59FE65}" dt="2024-11-19T05:09:50.972" v="1370" actId="5736"/>
           <ac:spMkLst>
             <pc:docMk/>
             <pc:sldMk cId="1576011338" sldId="258"/>
@@ -728,7 +272,7 @@
           </ac:spMkLst>
         </pc:spChg>
         <pc:spChg chg="add del mod">
-          <ac:chgData name="Montecino, Diego" userId="a795c42d-832a-4dce-b1d8-09bac981a9d2" providerId="ADAL" clId="{166D12EF-58EE-6C4C-9A24-99C33C59FE65}" dt="2024-11-15T20:54:53.310" v="1137" actId="5736"/>
+          <ac:chgData name="Montecino, Diego" userId="a795c42d-832a-4dce-b1d8-09bac981a9d2" providerId="ADAL" clId="{166D12EF-58EE-6C4C-9A24-99C33C59FE65}" dt="2024-11-19T05:09:50.972" v="1370" actId="5736"/>
           <ac:spMkLst>
             <pc:docMk/>
             <pc:sldMk cId="1576011338" sldId="258"/>
@@ -736,7 +280,7 @@
           </ac:spMkLst>
         </pc:spChg>
         <pc:spChg chg="add del mod">
-          <ac:chgData name="Montecino, Diego" userId="a795c42d-832a-4dce-b1d8-09bac981a9d2" providerId="ADAL" clId="{166D12EF-58EE-6C4C-9A24-99C33C59FE65}" dt="2024-11-15T20:54:53.310" v="1137" actId="5736"/>
+          <ac:chgData name="Montecino, Diego" userId="a795c42d-832a-4dce-b1d8-09bac981a9d2" providerId="ADAL" clId="{166D12EF-58EE-6C4C-9A24-99C33C59FE65}" dt="2024-11-19T05:09:50.972" v="1370" actId="5736"/>
           <ac:spMkLst>
             <pc:docMk/>
             <pc:sldMk cId="1576011338" sldId="258"/>
@@ -744,7 +288,7 @@
           </ac:spMkLst>
         </pc:spChg>
         <pc:spChg chg="add del mod">
-          <ac:chgData name="Montecino, Diego" userId="a795c42d-832a-4dce-b1d8-09bac981a9d2" providerId="ADAL" clId="{166D12EF-58EE-6C4C-9A24-99C33C59FE65}" dt="2024-11-15T20:54:53.310" v="1137" actId="5736"/>
+          <ac:chgData name="Montecino, Diego" userId="a795c42d-832a-4dce-b1d8-09bac981a9d2" providerId="ADAL" clId="{166D12EF-58EE-6C4C-9A24-99C33C59FE65}" dt="2024-11-19T05:09:50.972" v="1370" actId="5736"/>
           <ac:spMkLst>
             <pc:docMk/>
             <pc:sldMk cId="1576011338" sldId="258"/>
@@ -752,7 +296,7 @@
           </ac:spMkLst>
         </pc:spChg>
         <pc:spChg chg="add del mod">
-          <ac:chgData name="Montecino, Diego" userId="a795c42d-832a-4dce-b1d8-09bac981a9d2" providerId="ADAL" clId="{166D12EF-58EE-6C4C-9A24-99C33C59FE65}" dt="2024-11-15T20:54:53.310" v="1137" actId="5736"/>
+          <ac:chgData name="Montecino, Diego" userId="a795c42d-832a-4dce-b1d8-09bac981a9d2" providerId="ADAL" clId="{166D12EF-58EE-6C4C-9A24-99C33C59FE65}" dt="2024-11-19T05:09:50.972" v="1370" actId="5736"/>
           <ac:spMkLst>
             <pc:docMk/>
             <pc:sldMk cId="1576011338" sldId="258"/>
@@ -760,7 +304,7 @@
           </ac:spMkLst>
         </pc:spChg>
         <pc:spChg chg="add del mod">
-          <ac:chgData name="Montecino, Diego" userId="a795c42d-832a-4dce-b1d8-09bac981a9d2" providerId="ADAL" clId="{166D12EF-58EE-6C4C-9A24-99C33C59FE65}" dt="2024-11-15T20:54:53.310" v="1137" actId="5736"/>
+          <ac:chgData name="Montecino, Diego" userId="a795c42d-832a-4dce-b1d8-09bac981a9d2" providerId="ADAL" clId="{166D12EF-58EE-6C4C-9A24-99C33C59FE65}" dt="2024-11-19T05:09:50.972" v="1370" actId="5736"/>
           <ac:spMkLst>
             <pc:docMk/>
             <pc:sldMk cId="1576011338" sldId="258"/>
@@ -768,7 +312,7 @@
           </ac:spMkLst>
         </pc:spChg>
         <pc:spChg chg="add del mod">
-          <ac:chgData name="Montecino, Diego" userId="a795c42d-832a-4dce-b1d8-09bac981a9d2" providerId="ADAL" clId="{166D12EF-58EE-6C4C-9A24-99C33C59FE65}" dt="2024-11-15T20:54:53.310" v="1137" actId="5736"/>
+          <ac:chgData name="Montecino, Diego" userId="a795c42d-832a-4dce-b1d8-09bac981a9d2" providerId="ADAL" clId="{166D12EF-58EE-6C4C-9A24-99C33C59FE65}" dt="2024-11-19T05:09:50.972" v="1370" actId="5736"/>
           <ac:spMkLst>
             <pc:docMk/>
             <pc:sldMk cId="1576011338" sldId="258"/>
@@ -776,7 +320,7 @@
           </ac:spMkLst>
         </pc:spChg>
         <pc:spChg chg="add del mod">
-          <ac:chgData name="Montecino, Diego" userId="a795c42d-832a-4dce-b1d8-09bac981a9d2" providerId="ADAL" clId="{166D12EF-58EE-6C4C-9A24-99C33C59FE65}" dt="2024-11-15T20:54:53.310" v="1137" actId="5736"/>
+          <ac:chgData name="Montecino, Diego" userId="a795c42d-832a-4dce-b1d8-09bac981a9d2" providerId="ADAL" clId="{166D12EF-58EE-6C4C-9A24-99C33C59FE65}" dt="2024-11-19T05:09:50.972" v="1370" actId="5736"/>
           <ac:spMkLst>
             <pc:docMk/>
             <pc:sldMk cId="1576011338" sldId="258"/>
@@ -784,15 +328,7 @@
           </ac:spMkLst>
         </pc:spChg>
         <pc:spChg chg="add del mod">
-          <ac:chgData name="Montecino, Diego" userId="a795c42d-832a-4dce-b1d8-09bac981a9d2" providerId="ADAL" clId="{166D12EF-58EE-6C4C-9A24-99C33C59FE65}" dt="2024-11-14T20:06:35.685" v="618" actId="478"/>
-          <ac:spMkLst>
-            <pc:docMk/>
-            <pc:sldMk cId="1576011338" sldId="258"/>
-            <ac:spMk id="84" creationId="{CCF85645-F121-F7E0-1184-F36C7D58F573}"/>
-          </ac:spMkLst>
-        </pc:spChg>
-        <pc:spChg chg="add del mod">
-          <ac:chgData name="Montecino, Diego" userId="a795c42d-832a-4dce-b1d8-09bac981a9d2" providerId="ADAL" clId="{166D12EF-58EE-6C4C-9A24-99C33C59FE65}" dt="2024-11-15T20:54:53.310" v="1137" actId="5736"/>
+          <ac:chgData name="Montecino, Diego" userId="a795c42d-832a-4dce-b1d8-09bac981a9d2" providerId="ADAL" clId="{166D12EF-58EE-6C4C-9A24-99C33C59FE65}" dt="2024-11-19T05:09:50.972" v="1370" actId="5736"/>
           <ac:spMkLst>
             <pc:docMk/>
             <pc:sldMk cId="1576011338" sldId="258"/>
@@ -800,7 +336,7 @@
           </ac:spMkLst>
         </pc:spChg>
         <pc:spChg chg="add del mod">
-          <ac:chgData name="Montecino, Diego" userId="a795c42d-832a-4dce-b1d8-09bac981a9d2" providerId="ADAL" clId="{166D12EF-58EE-6C4C-9A24-99C33C59FE65}" dt="2024-11-15T20:54:53.310" v="1137" actId="5736"/>
+          <ac:chgData name="Montecino, Diego" userId="a795c42d-832a-4dce-b1d8-09bac981a9d2" providerId="ADAL" clId="{166D12EF-58EE-6C4C-9A24-99C33C59FE65}" dt="2024-11-19T05:09:50.972" v="1370" actId="5736"/>
           <ac:spMkLst>
             <pc:docMk/>
             <pc:sldMk cId="1576011338" sldId="258"/>
@@ -808,7 +344,7 @@
           </ac:spMkLst>
         </pc:spChg>
         <pc:spChg chg="add del mod">
-          <ac:chgData name="Montecino, Diego" userId="a795c42d-832a-4dce-b1d8-09bac981a9d2" providerId="ADAL" clId="{166D12EF-58EE-6C4C-9A24-99C33C59FE65}" dt="2024-11-15T20:54:53.310" v="1137" actId="5736"/>
+          <ac:chgData name="Montecino, Diego" userId="a795c42d-832a-4dce-b1d8-09bac981a9d2" providerId="ADAL" clId="{166D12EF-58EE-6C4C-9A24-99C33C59FE65}" dt="2024-11-19T05:09:50.972" v="1370" actId="5736"/>
           <ac:spMkLst>
             <pc:docMk/>
             <pc:sldMk cId="1576011338" sldId="258"/>
@@ -816,7 +352,7 @@
           </ac:spMkLst>
         </pc:spChg>
         <pc:spChg chg="add del mod">
-          <ac:chgData name="Montecino, Diego" userId="a795c42d-832a-4dce-b1d8-09bac981a9d2" providerId="ADAL" clId="{166D12EF-58EE-6C4C-9A24-99C33C59FE65}" dt="2024-11-15T20:54:53.310" v="1137" actId="5736"/>
+          <ac:chgData name="Montecino, Diego" userId="a795c42d-832a-4dce-b1d8-09bac981a9d2" providerId="ADAL" clId="{166D12EF-58EE-6C4C-9A24-99C33C59FE65}" dt="2024-11-19T05:09:50.972" v="1370" actId="5736"/>
           <ac:spMkLst>
             <pc:docMk/>
             <pc:sldMk cId="1576011338" sldId="258"/>
@@ -824,7 +360,7 @@
           </ac:spMkLst>
         </pc:spChg>
         <pc:spChg chg="add del mod">
-          <ac:chgData name="Montecino, Diego" userId="a795c42d-832a-4dce-b1d8-09bac981a9d2" providerId="ADAL" clId="{166D12EF-58EE-6C4C-9A24-99C33C59FE65}" dt="2024-11-15T20:54:53.310" v="1137" actId="5736"/>
+          <ac:chgData name="Montecino, Diego" userId="a795c42d-832a-4dce-b1d8-09bac981a9d2" providerId="ADAL" clId="{166D12EF-58EE-6C4C-9A24-99C33C59FE65}" dt="2024-11-19T05:09:50.972" v="1370" actId="5736"/>
           <ac:spMkLst>
             <pc:docMk/>
             <pc:sldMk cId="1576011338" sldId="258"/>
@@ -832,7 +368,7 @@
           </ac:spMkLst>
         </pc:spChg>
         <pc:spChg chg="add del mod">
-          <ac:chgData name="Montecino, Diego" userId="a795c42d-832a-4dce-b1d8-09bac981a9d2" providerId="ADAL" clId="{166D12EF-58EE-6C4C-9A24-99C33C59FE65}" dt="2024-11-15T20:54:53.310" v="1137" actId="5736"/>
+          <ac:chgData name="Montecino, Diego" userId="a795c42d-832a-4dce-b1d8-09bac981a9d2" providerId="ADAL" clId="{166D12EF-58EE-6C4C-9A24-99C33C59FE65}" dt="2024-11-19T05:09:50.972" v="1370" actId="5736"/>
           <ac:spMkLst>
             <pc:docMk/>
             <pc:sldMk cId="1576011338" sldId="258"/>
@@ -840,7 +376,7 @@
           </ac:spMkLst>
         </pc:spChg>
         <pc:spChg chg="add del mod">
-          <ac:chgData name="Montecino, Diego" userId="a795c42d-832a-4dce-b1d8-09bac981a9d2" providerId="ADAL" clId="{166D12EF-58EE-6C4C-9A24-99C33C59FE65}" dt="2024-11-15T20:54:53.310" v="1137" actId="5736"/>
+          <ac:chgData name="Montecino, Diego" userId="a795c42d-832a-4dce-b1d8-09bac981a9d2" providerId="ADAL" clId="{166D12EF-58EE-6C4C-9A24-99C33C59FE65}" dt="2024-11-19T05:09:50.972" v="1370" actId="5736"/>
           <ac:spMkLst>
             <pc:docMk/>
             <pc:sldMk cId="1576011338" sldId="258"/>
@@ -848,7 +384,7 @@
           </ac:spMkLst>
         </pc:spChg>
         <pc:spChg chg="add del mod">
-          <ac:chgData name="Montecino, Diego" userId="a795c42d-832a-4dce-b1d8-09bac981a9d2" providerId="ADAL" clId="{166D12EF-58EE-6C4C-9A24-99C33C59FE65}" dt="2024-11-15T20:54:53.310" v="1137" actId="5736"/>
+          <ac:chgData name="Montecino, Diego" userId="a795c42d-832a-4dce-b1d8-09bac981a9d2" providerId="ADAL" clId="{166D12EF-58EE-6C4C-9A24-99C33C59FE65}" dt="2024-11-19T05:09:50.972" v="1370" actId="5736"/>
           <ac:spMkLst>
             <pc:docMk/>
             <pc:sldMk cId="1576011338" sldId="258"/>
@@ -856,7 +392,7 @@
           </ac:spMkLst>
         </pc:spChg>
         <pc:spChg chg="add del mod">
-          <ac:chgData name="Montecino, Diego" userId="a795c42d-832a-4dce-b1d8-09bac981a9d2" providerId="ADAL" clId="{166D12EF-58EE-6C4C-9A24-99C33C59FE65}" dt="2024-11-15T20:54:53.310" v="1137" actId="5736"/>
+          <ac:chgData name="Montecino, Diego" userId="a795c42d-832a-4dce-b1d8-09bac981a9d2" providerId="ADAL" clId="{166D12EF-58EE-6C4C-9A24-99C33C59FE65}" dt="2024-11-19T05:09:50.972" v="1370" actId="5736"/>
           <ac:spMkLst>
             <pc:docMk/>
             <pc:sldMk cId="1576011338" sldId="258"/>
@@ -864,7 +400,7 @@
           </ac:spMkLst>
         </pc:spChg>
         <pc:spChg chg="add del mod">
-          <ac:chgData name="Montecino, Diego" userId="a795c42d-832a-4dce-b1d8-09bac981a9d2" providerId="ADAL" clId="{166D12EF-58EE-6C4C-9A24-99C33C59FE65}" dt="2024-11-15T20:54:53.310" v="1137" actId="5736"/>
+          <ac:chgData name="Montecino, Diego" userId="a795c42d-832a-4dce-b1d8-09bac981a9d2" providerId="ADAL" clId="{166D12EF-58EE-6C4C-9A24-99C33C59FE65}" dt="2024-11-19T05:09:50.972" v="1370" actId="5736"/>
           <ac:spMkLst>
             <pc:docMk/>
             <pc:sldMk cId="1576011338" sldId="258"/>
@@ -872,23 +408,15 @@
           </ac:spMkLst>
         </pc:spChg>
         <pc:spChg chg="add del mod">
-          <ac:chgData name="Montecino, Diego" userId="a795c42d-832a-4dce-b1d8-09bac981a9d2" providerId="ADAL" clId="{166D12EF-58EE-6C4C-9A24-99C33C59FE65}" dt="2024-11-15T20:54:53.310" v="1137" actId="5736"/>
+          <ac:chgData name="Montecino, Diego" userId="a795c42d-832a-4dce-b1d8-09bac981a9d2" providerId="ADAL" clId="{166D12EF-58EE-6C4C-9A24-99C33C59FE65}" dt="2024-11-19T05:09:50.972" v="1370" actId="5736"/>
           <ac:spMkLst>
             <pc:docMk/>
             <pc:sldMk cId="1576011338" sldId="258"/>
             <ac:spMk id="114" creationId="{D828A2AA-2D08-B7D5-1FB3-3C7B924175AA}"/>
           </ac:spMkLst>
         </pc:spChg>
-        <pc:spChg chg="del">
-          <ac:chgData name="Montecino, Diego" userId="a795c42d-832a-4dce-b1d8-09bac981a9d2" providerId="ADAL" clId="{166D12EF-58EE-6C4C-9A24-99C33C59FE65}" dt="2024-11-14T19:53:23.175" v="491" actId="478"/>
-          <ac:spMkLst>
-            <pc:docMk/>
-            <pc:sldMk cId="1576011338" sldId="258"/>
-            <ac:spMk id="122" creationId="{8F73378B-7512-68F7-AB58-4516459CEE64}"/>
-          </ac:spMkLst>
-        </pc:spChg>
         <pc:grpChg chg="add del mod">
-          <ac:chgData name="Montecino, Diego" userId="a795c42d-832a-4dce-b1d8-09bac981a9d2" providerId="ADAL" clId="{166D12EF-58EE-6C4C-9A24-99C33C59FE65}" dt="2024-11-15T20:54:53.310" v="1137" actId="5736"/>
+          <ac:chgData name="Montecino, Diego" userId="a795c42d-832a-4dce-b1d8-09bac981a9d2" providerId="ADAL" clId="{166D12EF-58EE-6C4C-9A24-99C33C59FE65}" dt="2024-11-19T05:09:50.972" v="1370" actId="5736"/>
           <ac:grpSpMkLst>
             <pc:docMk/>
             <pc:sldMk cId="1576011338" sldId="258"/>
@@ -896,7 +424,7 @@
           </ac:grpSpMkLst>
         </pc:grpChg>
         <pc:grpChg chg="add del mod">
-          <ac:chgData name="Montecino, Diego" userId="a795c42d-832a-4dce-b1d8-09bac981a9d2" providerId="ADAL" clId="{166D12EF-58EE-6C4C-9A24-99C33C59FE65}" dt="2024-11-15T20:54:53.310" v="1137" actId="5736"/>
+          <ac:chgData name="Montecino, Diego" userId="a795c42d-832a-4dce-b1d8-09bac981a9d2" providerId="ADAL" clId="{166D12EF-58EE-6C4C-9A24-99C33C59FE65}" dt="2024-11-19T05:09:50.972" v="1370" actId="5736"/>
           <ac:grpSpMkLst>
             <pc:docMk/>
             <pc:sldMk cId="1576011338" sldId="258"/>
@@ -904,7 +432,7 @@
           </ac:grpSpMkLst>
         </pc:grpChg>
         <pc:grpChg chg="add del mod">
-          <ac:chgData name="Montecino, Diego" userId="a795c42d-832a-4dce-b1d8-09bac981a9d2" providerId="ADAL" clId="{166D12EF-58EE-6C4C-9A24-99C33C59FE65}" dt="2024-11-15T20:54:53.310" v="1137" actId="5736"/>
+          <ac:chgData name="Montecino, Diego" userId="a795c42d-832a-4dce-b1d8-09bac981a9d2" providerId="ADAL" clId="{166D12EF-58EE-6C4C-9A24-99C33C59FE65}" dt="2024-11-19T05:09:50.972" v="1370" actId="5736"/>
           <ac:grpSpMkLst>
             <pc:docMk/>
             <pc:sldMk cId="1576011338" sldId="258"/>
@@ -912,7 +440,7 @@
           </ac:grpSpMkLst>
         </pc:grpChg>
         <pc:grpChg chg="add del mod">
-          <ac:chgData name="Montecino, Diego" userId="a795c42d-832a-4dce-b1d8-09bac981a9d2" providerId="ADAL" clId="{166D12EF-58EE-6C4C-9A24-99C33C59FE65}" dt="2024-11-15T20:54:53.310" v="1137" actId="5736"/>
+          <ac:chgData name="Montecino, Diego" userId="a795c42d-832a-4dce-b1d8-09bac981a9d2" providerId="ADAL" clId="{166D12EF-58EE-6C4C-9A24-99C33C59FE65}" dt="2024-11-19T05:09:50.972" v="1370" actId="5736"/>
           <ac:grpSpMkLst>
             <pc:docMk/>
             <pc:sldMk cId="1576011338" sldId="258"/>
@@ -920,7 +448,7 @@
           </ac:grpSpMkLst>
         </pc:grpChg>
         <pc:graphicFrameChg chg="add del mod">
-          <ac:chgData name="Montecino, Diego" userId="a795c42d-832a-4dce-b1d8-09bac981a9d2" providerId="ADAL" clId="{166D12EF-58EE-6C4C-9A24-99C33C59FE65}" dt="2024-11-15T20:54:53.310" v="1137" actId="5736"/>
+          <ac:chgData name="Montecino, Diego" userId="a795c42d-832a-4dce-b1d8-09bac981a9d2" providerId="ADAL" clId="{166D12EF-58EE-6C4C-9A24-99C33C59FE65}" dt="2024-11-19T05:09:50.972" v="1370" actId="5736"/>
           <ac:graphicFrameMkLst>
             <pc:docMk/>
             <pc:sldMk cId="1576011338" sldId="258"/>
@@ -928,7 +456,7 @@
           </ac:graphicFrameMkLst>
         </pc:graphicFrameChg>
         <pc:cxnChg chg="add mod">
-          <ac:chgData name="Montecino, Diego" userId="a795c42d-832a-4dce-b1d8-09bac981a9d2" providerId="ADAL" clId="{166D12EF-58EE-6C4C-9A24-99C33C59FE65}" dt="2024-11-15T20:54:53.310" v="1137" actId="5736"/>
+          <ac:chgData name="Montecino, Diego" userId="a795c42d-832a-4dce-b1d8-09bac981a9d2" providerId="ADAL" clId="{166D12EF-58EE-6C4C-9A24-99C33C59FE65}" dt="2024-11-19T05:09:50.972" v="1370" actId="5736"/>
           <ac:cxnSpMkLst>
             <pc:docMk/>
             <pc:sldMk cId="1576011338" sldId="258"/>
@@ -936,7 +464,7 @@
           </ac:cxnSpMkLst>
         </pc:cxnChg>
         <pc:cxnChg chg="add mod">
-          <ac:chgData name="Montecino, Diego" userId="a795c42d-832a-4dce-b1d8-09bac981a9d2" providerId="ADAL" clId="{166D12EF-58EE-6C4C-9A24-99C33C59FE65}" dt="2024-11-15T20:54:53.310" v="1137" actId="5736"/>
+          <ac:chgData name="Montecino, Diego" userId="a795c42d-832a-4dce-b1d8-09bac981a9d2" providerId="ADAL" clId="{166D12EF-58EE-6C4C-9A24-99C33C59FE65}" dt="2024-11-19T05:09:50.972" v="1370" actId="5736"/>
           <ac:cxnSpMkLst>
             <pc:docMk/>
             <pc:sldMk cId="1576011338" sldId="258"/>
@@ -944,23 +472,23 @@
           </ac:cxnSpMkLst>
         </pc:cxnChg>
         <pc:cxnChg chg="add mod">
-          <ac:chgData name="Montecino, Diego" userId="a795c42d-832a-4dce-b1d8-09bac981a9d2" providerId="ADAL" clId="{166D12EF-58EE-6C4C-9A24-99C33C59FE65}" dt="2024-11-15T20:54:53.310" v="1137" actId="5736"/>
+          <ac:chgData name="Montecino, Diego" userId="a795c42d-832a-4dce-b1d8-09bac981a9d2" providerId="ADAL" clId="{166D12EF-58EE-6C4C-9A24-99C33C59FE65}" dt="2024-11-19T05:09:50.972" v="1370" actId="5736"/>
           <ac:cxnSpMkLst>
             <pc:docMk/>
             <pc:sldMk cId="1576011338" sldId="258"/>
             <ac:cxnSpMk id="7" creationId="{EF4FF1E6-56EA-2B46-9FE4-18C77DBAC332}"/>
           </ac:cxnSpMkLst>
         </pc:cxnChg>
-        <pc:cxnChg chg="add del mod">
-          <ac:chgData name="Montecino, Diego" userId="a795c42d-832a-4dce-b1d8-09bac981a9d2" providerId="ADAL" clId="{166D12EF-58EE-6C4C-9A24-99C33C59FE65}" dt="2024-11-14T21:53:09.067" v="704" actId="478"/>
+        <pc:cxnChg chg="add mod">
+          <ac:chgData name="Montecino, Diego" userId="a795c42d-832a-4dce-b1d8-09bac981a9d2" providerId="ADAL" clId="{166D12EF-58EE-6C4C-9A24-99C33C59FE65}" dt="2024-11-19T05:09:50.972" v="1370" actId="5736"/>
           <ac:cxnSpMkLst>
             <pc:docMk/>
             <pc:sldMk cId="1576011338" sldId="258"/>
-            <ac:cxnSpMk id="8" creationId="{ACB760FA-34DA-9B0B-DA2A-4310DAF31EDB}"/>
+            <ac:cxnSpMk id="10" creationId="{7699AB75-FD25-2F4D-B818-68F65D0D5106}"/>
           </ac:cxnSpMkLst>
         </pc:cxnChg>
         <pc:cxnChg chg="add del mod">
-          <ac:chgData name="Montecino, Diego" userId="a795c42d-832a-4dce-b1d8-09bac981a9d2" providerId="ADAL" clId="{166D12EF-58EE-6C4C-9A24-99C33C59FE65}" dt="2024-11-15T20:54:53.310" v="1137" actId="5736"/>
+          <ac:chgData name="Montecino, Diego" userId="a795c42d-832a-4dce-b1d8-09bac981a9d2" providerId="ADAL" clId="{166D12EF-58EE-6C4C-9A24-99C33C59FE65}" dt="2024-11-19T05:09:50.972" v="1370" actId="5736"/>
           <ac:cxnSpMkLst>
             <pc:docMk/>
             <pc:sldMk cId="1576011338" sldId="258"/>
@@ -968,23 +496,31 @@
           </ac:cxnSpMkLst>
         </pc:cxnChg>
         <pc:cxnChg chg="add mod">
-          <ac:chgData name="Montecino, Diego" userId="a795c42d-832a-4dce-b1d8-09bac981a9d2" providerId="ADAL" clId="{166D12EF-58EE-6C4C-9A24-99C33C59FE65}" dt="2024-11-15T20:54:53.310" v="1137" actId="5736"/>
+          <ac:chgData name="Montecino, Diego" userId="a795c42d-832a-4dce-b1d8-09bac981a9d2" providerId="ADAL" clId="{166D12EF-58EE-6C4C-9A24-99C33C59FE65}" dt="2024-11-19T05:09:50.972" v="1370" actId="5736"/>
           <ac:cxnSpMkLst>
             <pc:docMk/>
             <pc:sldMk cId="1576011338" sldId="258"/>
             <ac:cxnSpMk id="12" creationId="{02760E24-28D6-C17F-740B-43C967CBF92A}"/>
           </ac:cxnSpMkLst>
         </pc:cxnChg>
-        <pc:cxnChg chg="add del mod">
-          <ac:chgData name="Montecino, Diego" userId="a795c42d-832a-4dce-b1d8-09bac981a9d2" providerId="ADAL" clId="{166D12EF-58EE-6C4C-9A24-99C33C59FE65}" dt="2024-11-14T20:01:19.216" v="586" actId="478"/>
+        <pc:cxnChg chg="add mod">
+          <ac:chgData name="Montecino, Diego" userId="a795c42d-832a-4dce-b1d8-09bac981a9d2" providerId="ADAL" clId="{166D12EF-58EE-6C4C-9A24-99C33C59FE65}" dt="2024-11-19T05:09:50.972" v="1370" actId="5736"/>
           <ac:cxnSpMkLst>
             <pc:docMk/>
             <pc:sldMk cId="1576011338" sldId="258"/>
-            <ac:cxnSpMk id="21" creationId="{05803AB9-E1EB-2D6D-BAB1-2E81E62047F5}"/>
+            <ac:cxnSpMk id="19" creationId="{44823C4A-E0A3-9AC1-9709-D69287624D56}"/>
+          </ac:cxnSpMkLst>
+        </pc:cxnChg>
+        <pc:cxnChg chg="add mod">
+          <ac:chgData name="Montecino, Diego" userId="a795c42d-832a-4dce-b1d8-09bac981a9d2" providerId="ADAL" clId="{166D12EF-58EE-6C4C-9A24-99C33C59FE65}" dt="2024-11-19T05:09:50.972" v="1370" actId="5736"/>
+          <ac:cxnSpMkLst>
+            <pc:docMk/>
+            <pc:sldMk cId="1576011338" sldId="258"/>
+            <ac:cxnSpMk id="20" creationId="{7AB98A43-3B68-84AB-89D4-02D713D68B8A}"/>
           </ac:cxnSpMkLst>
         </pc:cxnChg>
         <pc:cxnChg chg="add del mod">
-          <ac:chgData name="Montecino, Diego" userId="a795c42d-832a-4dce-b1d8-09bac981a9d2" providerId="ADAL" clId="{166D12EF-58EE-6C4C-9A24-99C33C59FE65}" dt="2024-11-15T20:54:53.310" v="1137" actId="5736"/>
+          <ac:chgData name="Montecino, Diego" userId="a795c42d-832a-4dce-b1d8-09bac981a9d2" providerId="ADAL" clId="{166D12EF-58EE-6C4C-9A24-99C33C59FE65}" dt="2024-11-19T05:09:50.972" v="1370" actId="5736"/>
           <ac:cxnSpMkLst>
             <pc:docMk/>
             <pc:sldMk cId="1576011338" sldId="258"/>
@@ -992,7 +528,7 @@
           </ac:cxnSpMkLst>
         </pc:cxnChg>
         <pc:cxnChg chg="add del mod">
-          <ac:chgData name="Montecino, Diego" userId="a795c42d-832a-4dce-b1d8-09bac981a9d2" providerId="ADAL" clId="{166D12EF-58EE-6C4C-9A24-99C33C59FE65}" dt="2024-11-15T20:54:53.310" v="1137" actId="5736"/>
+          <ac:chgData name="Montecino, Diego" userId="a795c42d-832a-4dce-b1d8-09bac981a9d2" providerId="ADAL" clId="{166D12EF-58EE-6C4C-9A24-99C33C59FE65}" dt="2024-11-19T05:09:50.972" v="1370" actId="5736"/>
           <ac:cxnSpMkLst>
             <pc:docMk/>
             <pc:sldMk cId="1576011338" sldId="258"/>
@@ -1000,23 +536,15 @@
           </ac:cxnSpMkLst>
         </pc:cxnChg>
         <pc:cxnChg chg="add del mod">
-          <ac:chgData name="Montecino, Diego" userId="a795c42d-832a-4dce-b1d8-09bac981a9d2" providerId="ADAL" clId="{166D12EF-58EE-6C4C-9A24-99C33C59FE65}" dt="2024-11-15T20:54:53.310" v="1137" actId="5736"/>
+          <ac:chgData name="Montecino, Diego" userId="a795c42d-832a-4dce-b1d8-09bac981a9d2" providerId="ADAL" clId="{166D12EF-58EE-6C4C-9A24-99C33C59FE65}" dt="2024-11-19T05:09:50.972" v="1370" actId="5736"/>
           <ac:cxnSpMkLst>
             <pc:docMk/>
             <pc:sldMk cId="1576011338" sldId="258"/>
             <ac:cxnSpMk id="26" creationId="{90A57CBA-CDE9-E93F-DE2A-6CEDEB1A5DA5}"/>
           </ac:cxnSpMkLst>
         </pc:cxnChg>
-        <pc:cxnChg chg="add del mod">
-          <ac:chgData name="Montecino, Diego" userId="a795c42d-832a-4dce-b1d8-09bac981a9d2" providerId="ADAL" clId="{166D12EF-58EE-6C4C-9A24-99C33C59FE65}" dt="2024-11-14T20:02:31.232" v="598" actId="478"/>
-          <ac:cxnSpMkLst>
-            <pc:docMk/>
-            <pc:sldMk cId="1576011338" sldId="258"/>
-            <ac:cxnSpMk id="27" creationId="{59FE17B7-2CF1-9609-CF19-E59B24444928}"/>
-          </ac:cxnSpMkLst>
-        </pc:cxnChg>
         <pc:cxnChg chg="add mod">
-          <ac:chgData name="Montecino, Diego" userId="a795c42d-832a-4dce-b1d8-09bac981a9d2" providerId="ADAL" clId="{166D12EF-58EE-6C4C-9A24-99C33C59FE65}" dt="2024-11-15T20:54:53.310" v="1137" actId="5736"/>
+          <ac:chgData name="Montecino, Diego" userId="a795c42d-832a-4dce-b1d8-09bac981a9d2" providerId="ADAL" clId="{166D12EF-58EE-6C4C-9A24-99C33C59FE65}" dt="2024-11-19T05:09:50.972" v="1370" actId="5736"/>
           <ac:cxnSpMkLst>
             <pc:docMk/>
             <pc:sldMk cId="1576011338" sldId="258"/>
@@ -1024,7 +552,7 @@
           </ac:cxnSpMkLst>
         </pc:cxnChg>
         <pc:cxnChg chg="add mod">
-          <ac:chgData name="Montecino, Diego" userId="a795c42d-832a-4dce-b1d8-09bac981a9d2" providerId="ADAL" clId="{166D12EF-58EE-6C4C-9A24-99C33C59FE65}" dt="2024-11-15T20:54:53.310" v="1137" actId="5736"/>
+          <ac:chgData name="Montecino, Diego" userId="a795c42d-832a-4dce-b1d8-09bac981a9d2" providerId="ADAL" clId="{166D12EF-58EE-6C4C-9A24-99C33C59FE65}" dt="2024-11-19T05:09:50.972" v="1370" actId="5736"/>
           <ac:cxnSpMkLst>
             <pc:docMk/>
             <pc:sldMk cId="1576011338" sldId="258"/>
@@ -1032,7 +560,7 @@
           </ac:cxnSpMkLst>
         </pc:cxnChg>
         <pc:cxnChg chg="add mod">
-          <ac:chgData name="Montecino, Diego" userId="a795c42d-832a-4dce-b1d8-09bac981a9d2" providerId="ADAL" clId="{166D12EF-58EE-6C4C-9A24-99C33C59FE65}" dt="2024-11-15T20:54:53.310" v="1137" actId="5736"/>
+          <ac:chgData name="Montecino, Diego" userId="a795c42d-832a-4dce-b1d8-09bac981a9d2" providerId="ADAL" clId="{166D12EF-58EE-6C4C-9A24-99C33C59FE65}" dt="2024-11-19T05:09:50.972" v="1370" actId="5736"/>
           <ac:cxnSpMkLst>
             <pc:docMk/>
             <pc:sldMk cId="1576011338" sldId="258"/>
@@ -1040,7 +568,7 @@
           </ac:cxnSpMkLst>
         </pc:cxnChg>
         <pc:cxnChg chg="add del mod">
-          <ac:chgData name="Montecino, Diego" userId="a795c42d-832a-4dce-b1d8-09bac981a9d2" providerId="ADAL" clId="{166D12EF-58EE-6C4C-9A24-99C33C59FE65}" dt="2024-11-15T20:54:53.310" v="1137" actId="5736"/>
+          <ac:chgData name="Montecino, Diego" userId="a795c42d-832a-4dce-b1d8-09bac981a9d2" providerId="ADAL" clId="{166D12EF-58EE-6C4C-9A24-99C33C59FE65}" dt="2024-11-19T05:09:50.972" v="1370" actId="5736"/>
           <ac:cxnSpMkLst>
             <pc:docMk/>
             <pc:sldMk cId="1576011338" sldId="258"/>
@@ -1048,7 +576,7 @@
           </ac:cxnSpMkLst>
         </pc:cxnChg>
         <pc:cxnChg chg="add del mod">
-          <ac:chgData name="Montecino, Diego" userId="a795c42d-832a-4dce-b1d8-09bac981a9d2" providerId="ADAL" clId="{166D12EF-58EE-6C4C-9A24-99C33C59FE65}" dt="2024-11-15T20:54:53.310" v="1137" actId="5736"/>
+          <ac:chgData name="Montecino, Diego" userId="a795c42d-832a-4dce-b1d8-09bac981a9d2" providerId="ADAL" clId="{166D12EF-58EE-6C4C-9A24-99C33C59FE65}" dt="2024-11-19T05:09:50.972" v="1370" actId="5736"/>
           <ac:cxnSpMkLst>
             <pc:docMk/>
             <pc:sldMk cId="1576011338" sldId="258"/>
@@ -1056,7 +584,7 @@
           </ac:cxnSpMkLst>
         </pc:cxnChg>
         <pc:cxnChg chg="add del mod">
-          <ac:chgData name="Montecino, Diego" userId="a795c42d-832a-4dce-b1d8-09bac981a9d2" providerId="ADAL" clId="{166D12EF-58EE-6C4C-9A24-99C33C59FE65}" dt="2024-11-15T20:54:53.310" v="1137" actId="5736"/>
+          <ac:chgData name="Montecino, Diego" userId="a795c42d-832a-4dce-b1d8-09bac981a9d2" providerId="ADAL" clId="{166D12EF-58EE-6C4C-9A24-99C33C59FE65}" dt="2024-11-19T05:09:50.972" v="1370" actId="5736"/>
           <ac:cxnSpMkLst>
             <pc:docMk/>
             <pc:sldMk cId="1576011338" sldId="258"/>
@@ -1064,7 +592,7 @@
           </ac:cxnSpMkLst>
         </pc:cxnChg>
         <pc:cxnChg chg="add mod">
-          <ac:chgData name="Montecino, Diego" userId="a795c42d-832a-4dce-b1d8-09bac981a9d2" providerId="ADAL" clId="{166D12EF-58EE-6C4C-9A24-99C33C59FE65}" dt="2024-11-15T20:54:53.310" v="1137" actId="5736"/>
+          <ac:chgData name="Montecino, Diego" userId="a795c42d-832a-4dce-b1d8-09bac981a9d2" providerId="ADAL" clId="{166D12EF-58EE-6C4C-9A24-99C33C59FE65}" dt="2024-11-19T05:09:50.972" v="1370" actId="5736"/>
           <ac:cxnSpMkLst>
             <pc:docMk/>
             <pc:sldMk cId="1576011338" sldId="258"/>
@@ -1072,7 +600,7 @@
           </ac:cxnSpMkLst>
         </pc:cxnChg>
         <pc:cxnChg chg="add del mod">
-          <ac:chgData name="Montecino, Diego" userId="a795c42d-832a-4dce-b1d8-09bac981a9d2" providerId="ADAL" clId="{166D12EF-58EE-6C4C-9A24-99C33C59FE65}" dt="2024-11-15T20:54:53.310" v="1137" actId="5736"/>
+          <ac:chgData name="Montecino, Diego" userId="a795c42d-832a-4dce-b1d8-09bac981a9d2" providerId="ADAL" clId="{166D12EF-58EE-6C4C-9A24-99C33C59FE65}" dt="2024-11-19T05:09:50.972" v="1370" actId="5736"/>
           <ac:cxnSpMkLst>
             <pc:docMk/>
             <pc:sldMk cId="1576011338" sldId="258"/>
@@ -1080,7 +608,7 @@
           </ac:cxnSpMkLst>
         </pc:cxnChg>
         <pc:cxnChg chg="add del mod">
-          <ac:chgData name="Montecino, Diego" userId="a795c42d-832a-4dce-b1d8-09bac981a9d2" providerId="ADAL" clId="{166D12EF-58EE-6C4C-9A24-99C33C59FE65}" dt="2024-11-15T20:54:53.310" v="1137" actId="5736"/>
+          <ac:chgData name="Montecino, Diego" userId="a795c42d-832a-4dce-b1d8-09bac981a9d2" providerId="ADAL" clId="{166D12EF-58EE-6C4C-9A24-99C33C59FE65}" dt="2024-11-19T05:09:50.972" v="1370" actId="5736"/>
           <ac:cxnSpMkLst>
             <pc:docMk/>
             <pc:sldMk cId="1576011338" sldId="258"/>
@@ -1088,7 +616,7 @@
           </ac:cxnSpMkLst>
         </pc:cxnChg>
         <pc:cxnChg chg="add del mod">
-          <ac:chgData name="Montecino, Diego" userId="a795c42d-832a-4dce-b1d8-09bac981a9d2" providerId="ADAL" clId="{166D12EF-58EE-6C4C-9A24-99C33C59FE65}" dt="2024-11-15T20:54:53.310" v="1137" actId="5736"/>
+          <ac:chgData name="Montecino, Diego" userId="a795c42d-832a-4dce-b1d8-09bac981a9d2" providerId="ADAL" clId="{166D12EF-58EE-6C4C-9A24-99C33C59FE65}" dt="2024-11-19T05:09:50.972" v="1370" actId="5736"/>
           <ac:cxnSpMkLst>
             <pc:docMk/>
             <pc:sldMk cId="1576011338" sldId="258"/>
@@ -1096,15 +624,7 @@
           </ac:cxnSpMkLst>
         </pc:cxnChg>
         <pc:cxnChg chg="add del mod">
-          <ac:chgData name="Montecino, Diego" userId="a795c42d-832a-4dce-b1d8-09bac981a9d2" providerId="ADAL" clId="{166D12EF-58EE-6C4C-9A24-99C33C59FE65}" dt="2024-11-14T20:06:37.351" v="619" actId="478"/>
-          <ac:cxnSpMkLst>
-            <pc:docMk/>
-            <pc:sldMk cId="1576011338" sldId="258"/>
-            <ac:cxnSpMk id="42" creationId="{69845C47-D8A8-AE16-6238-F88C6D8FA51C}"/>
-          </ac:cxnSpMkLst>
-        </pc:cxnChg>
-        <pc:cxnChg chg="add del mod">
-          <ac:chgData name="Montecino, Diego" userId="a795c42d-832a-4dce-b1d8-09bac981a9d2" providerId="ADAL" clId="{166D12EF-58EE-6C4C-9A24-99C33C59FE65}" dt="2024-11-15T20:54:53.310" v="1137" actId="5736"/>
+          <ac:chgData name="Montecino, Diego" userId="a795c42d-832a-4dce-b1d8-09bac981a9d2" providerId="ADAL" clId="{166D12EF-58EE-6C4C-9A24-99C33C59FE65}" dt="2024-11-19T05:09:50.972" v="1370" actId="5736"/>
           <ac:cxnSpMkLst>
             <pc:docMk/>
             <pc:sldMk cId="1576011338" sldId="258"/>
@@ -1112,7 +632,7 @@
           </ac:cxnSpMkLst>
         </pc:cxnChg>
         <pc:cxnChg chg="add del mod">
-          <ac:chgData name="Montecino, Diego" userId="a795c42d-832a-4dce-b1d8-09bac981a9d2" providerId="ADAL" clId="{166D12EF-58EE-6C4C-9A24-99C33C59FE65}" dt="2024-11-15T20:54:53.310" v="1137" actId="5736"/>
+          <ac:chgData name="Montecino, Diego" userId="a795c42d-832a-4dce-b1d8-09bac981a9d2" providerId="ADAL" clId="{166D12EF-58EE-6C4C-9A24-99C33C59FE65}" dt="2024-11-19T05:09:50.972" v="1370" actId="5736"/>
           <ac:cxnSpMkLst>
             <pc:docMk/>
             <pc:sldMk cId="1576011338" sldId="258"/>
@@ -1120,7 +640,7 @@
           </ac:cxnSpMkLst>
         </pc:cxnChg>
         <pc:cxnChg chg="add del mod">
-          <ac:chgData name="Montecino, Diego" userId="a795c42d-832a-4dce-b1d8-09bac981a9d2" providerId="ADAL" clId="{166D12EF-58EE-6C4C-9A24-99C33C59FE65}" dt="2024-11-15T20:54:53.310" v="1137" actId="5736"/>
+          <ac:chgData name="Montecino, Diego" userId="a795c42d-832a-4dce-b1d8-09bac981a9d2" providerId="ADAL" clId="{166D12EF-58EE-6C4C-9A24-99C33C59FE65}" dt="2024-11-19T05:09:50.972" v="1370" actId="5736"/>
           <ac:cxnSpMkLst>
             <pc:docMk/>
             <pc:sldMk cId="1576011338" sldId="258"/>
@@ -1128,7 +648,7 @@
           </ac:cxnSpMkLst>
         </pc:cxnChg>
         <pc:cxnChg chg="add del mod">
-          <ac:chgData name="Montecino, Diego" userId="a795c42d-832a-4dce-b1d8-09bac981a9d2" providerId="ADAL" clId="{166D12EF-58EE-6C4C-9A24-99C33C59FE65}" dt="2024-11-15T20:54:53.310" v="1137" actId="5736"/>
+          <ac:chgData name="Montecino, Diego" userId="a795c42d-832a-4dce-b1d8-09bac981a9d2" providerId="ADAL" clId="{166D12EF-58EE-6C4C-9A24-99C33C59FE65}" dt="2024-11-19T05:09:50.972" v="1370" actId="5736"/>
           <ac:cxnSpMkLst>
             <pc:docMk/>
             <pc:sldMk cId="1576011338" sldId="258"/>
@@ -1136,47 +656,15 @@
           </ac:cxnSpMkLst>
         </pc:cxnChg>
         <pc:cxnChg chg="add del mod">
-          <ac:chgData name="Montecino, Diego" userId="a795c42d-832a-4dce-b1d8-09bac981a9d2" providerId="ADAL" clId="{166D12EF-58EE-6C4C-9A24-99C33C59FE65}" dt="2024-11-14T20:05:45.058" v="613" actId="478"/>
-          <ac:cxnSpMkLst>
-            <pc:docMk/>
-            <pc:sldMk cId="1576011338" sldId="258"/>
-            <ac:cxnSpMk id="51" creationId="{0C8808D6-6090-B434-6130-E23E84881020}"/>
-          </ac:cxnSpMkLst>
-        </pc:cxnChg>
-        <pc:cxnChg chg="add del mod">
-          <ac:chgData name="Montecino, Diego" userId="a795c42d-832a-4dce-b1d8-09bac981a9d2" providerId="ADAL" clId="{166D12EF-58EE-6C4C-9A24-99C33C59FE65}" dt="2024-11-14T20:00:14.468" v="570" actId="478"/>
-          <ac:cxnSpMkLst>
-            <pc:docMk/>
-            <pc:sldMk cId="1576011338" sldId="258"/>
-            <ac:cxnSpMk id="52" creationId="{E0637431-2C78-D698-D6C5-C075413307D4}"/>
-          </ac:cxnSpMkLst>
-        </pc:cxnChg>
-        <pc:cxnChg chg="add mod">
-          <ac:chgData name="Montecino, Diego" userId="a795c42d-832a-4dce-b1d8-09bac981a9d2" providerId="ADAL" clId="{166D12EF-58EE-6C4C-9A24-99C33C59FE65}" dt="2024-11-15T18:20:51.665" v="914"/>
-          <ac:cxnSpMkLst>
-            <pc:docMk/>
-            <pc:sldMk cId="1576011338" sldId="258"/>
-            <ac:cxnSpMk id="53" creationId="{60B85182-A763-1EB1-ACE2-5CB18D6C6D4E}"/>
-          </ac:cxnSpMkLst>
-        </pc:cxnChg>
-        <pc:cxnChg chg="add del mod">
-          <ac:chgData name="Montecino, Diego" userId="a795c42d-832a-4dce-b1d8-09bac981a9d2" providerId="ADAL" clId="{166D12EF-58EE-6C4C-9A24-99C33C59FE65}" dt="2024-11-15T20:54:53.310" v="1137" actId="5736"/>
+          <ac:chgData name="Montecino, Diego" userId="a795c42d-832a-4dce-b1d8-09bac981a9d2" providerId="ADAL" clId="{166D12EF-58EE-6C4C-9A24-99C33C59FE65}" dt="2024-11-19T05:09:50.972" v="1370" actId="5736"/>
           <ac:cxnSpMkLst>
             <pc:docMk/>
             <pc:sldMk cId="1576011338" sldId="258"/>
             <ac:cxnSpMk id="54" creationId="{1436B52B-AFE3-8116-E788-BDF874E6294A}"/>
           </ac:cxnSpMkLst>
         </pc:cxnChg>
-        <pc:cxnChg chg="add mod">
-          <ac:chgData name="Montecino, Diego" userId="a795c42d-832a-4dce-b1d8-09bac981a9d2" providerId="ADAL" clId="{166D12EF-58EE-6C4C-9A24-99C33C59FE65}" dt="2024-11-15T20:51:48.009" v="1120" actId="1076"/>
-          <ac:cxnSpMkLst>
-            <pc:docMk/>
-            <pc:sldMk cId="1576011338" sldId="258"/>
-            <ac:cxnSpMk id="55" creationId="{495A05C6-AD02-A7E7-99A0-15CEDCE1DB93}"/>
-          </ac:cxnSpMkLst>
-        </pc:cxnChg>
         <pc:cxnChg chg="add del mod">
-          <ac:chgData name="Montecino, Diego" userId="a795c42d-832a-4dce-b1d8-09bac981a9d2" providerId="ADAL" clId="{166D12EF-58EE-6C4C-9A24-99C33C59FE65}" dt="2024-11-15T20:54:53.310" v="1137" actId="5736"/>
+          <ac:chgData name="Montecino, Diego" userId="a795c42d-832a-4dce-b1d8-09bac981a9d2" providerId="ADAL" clId="{166D12EF-58EE-6C4C-9A24-99C33C59FE65}" dt="2024-11-19T05:09:50.972" v="1370" actId="5736"/>
           <ac:cxnSpMkLst>
             <pc:docMk/>
             <pc:sldMk cId="1576011338" sldId="258"/>
@@ -1184,7 +672,7 @@
           </ac:cxnSpMkLst>
         </pc:cxnChg>
         <pc:cxnChg chg="add del mod">
-          <ac:chgData name="Montecino, Diego" userId="a795c42d-832a-4dce-b1d8-09bac981a9d2" providerId="ADAL" clId="{166D12EF-58EE-6C4C-9A24-99C33C59FE65}" dt="2024-11-15T20:54:53.310" v="1137" actId="5736"/>
+          <ac:chgData name="Montecino, Diego" userId="a795c42d-832a-4dce-b1d8-09bac981a9d2" providerId="ADAL" clId="{166D12EF-58EE-6C4C-9A24-99C33C59FE65}" dt="2024-11-19T05:09:50.972" v="1370" actId="5736"/>
           <ac:cxnSpMkLst>
             <pc:docMk/>
             <pc:sldMk cId="1576011338" sldId="258"/>
@@ -1192,7 +680,7 @@
           </ac:cxnSpMkLst>
         </pc:cxnChg>
         <pc:cxnChg chg="add del mod">
-          <ac:chgData name="Montecino, Diego" userId="a795c42d-832a-4dce-b1d8-09bac981a9d2" providerId="ADAL" clId="{166D12EF-58EE-6C4C-9A24-99C33C59FE65}" dt="2024-11-15T20:54:53.310" v="1137" actId="5736"/>
+          <ac:chgData name="Montecino, Diego" userId="a795c42d-832a-4dce-b1d8-09bac981a9d2" providerId="ADAL" clId="{166D12EF-58EE-6C4C-9A24-99C33C59FE65}" dt="2024-11-19T05:09:50.972" v="1370" actId="5736"/>
           <ac:cxnSpMkLst>
             <pc:docMk/>
             <pc:sldMk cId="1576011338" sldId="258"/>
@@ -1200,7 +688,7 @@
           </ac:cxnSpMkLst>
         </pc:cxnChg>
         <pc:cxnChg chg="add del mod">
-          <ac:chgData name="Montecino, Diego" userId="a795c42d-832a-4dce-b1d8-09bac981a9d2" providerId="ADAL" clId="{166D12EF-58EE-6C4C-9A24-99C33C59FE65}" dt="2024-11-15T20:54:53.310" v="1137" actId="5736"/>
+          <ac:chgData name="Montecino, Diego" userId="a795c42d-832a-4dce-b1d8-09bac981a9d2" providerId="ADAL" clId="{166D12EF-58EE-6C4C-9A24-99C33C59FE65}" dt="2024-11-19T05:09:50.972" v="1370" actId="5736"/>
           <ac:cxnSpMkLst>
             <pc:docMk/>
             <pc:sldMk cId="1576011338" sldId="258"/>
@@ -1208,7 +696,7 @@
           </ac:cxnSpMkLst>
         </pc:cxnChg>
         <pc:cxnChg chg="add mod">
-          <ac:chgData name="Montecino, Diego" userId="a795c42d-832a-4dce-b1d8-09bac981a9d2" providerId="ADAL" clId="{166D12EF-58EE-6C4C-9A24-99C33C59FE65}" dt="2024-11-15T20:54:53.310" v="1137" actId="5736"/>
+          <ac:chgData name="Montecino, Diego" userId="a795c42d-832a-4dce-b1d8-09bac981a9d2" providerId="ADAL" clId="{166D12EF-58EE-6C4C-9A24-99C33C59FE65}" dt="2024-11-19T05:09:50.972" v="1370" actId="5736"/>
           <ac:cxnSpMkLst>
             <pc:docMk/>
             <pc:sldMk cId="1576011338" sldId="258"/>
@@ -1216,7 +704,7 @@
           </ac:cxnSpMkLst>
         </pc:cxnChg>
         <pc:cxnChg chg="add del mod">
-          <ac:chgData name="Montecino, Diego" userId="a795c42d-832a-4dce-b1d8-09bac981a9d2" providerId="ADAL" clId="{166D12EF-58EE-6C4C-9A24-99C33C59FE65}" dt="2024-11-15T20:54:53.310" v="1137" actId="5736"/>
+          <ac:chgData name="Montecino, Diego" userId="a795c42d-832a-4dce-b1d8-09bac981a9d2" providerId="ADAL" clId="{166D12EF-58EE-6C4C-9A24-99C33C59FE65}" dt="2024-11-19T05:09:50.972" v="1370" actId="5736"/>
           <ac:cxnSpMkLst>
             <pc:docMk/>
             <pc:sldMk cId="1576011338" sldId="258"/>
@@ -1224,7 +712,7 @@
           </ac:cxnSpMkLst>
         </pc:cxnChg>
         <pc:cxnChg chg="add del mod">
-          <ac:chgData name="Montecino, Diego" userId="a795c42d-832a-4dce-b1d8-09bac981a9d2" providerId="ADAL" clId="{166D12EF-58EE-6C4C-9A24-99C33C59FE65}" dt="2024-11-15T20:54:53.310" v="1137" actId="5736"/>
+          <ac:chgData name="Montecino, Diego" userId="a795c42d-832a-4dce-b1d8-09bac981a9d2" providerId="ADAL" clId="{166D12EF-58EE-6C4C-9A24-99C33C59FE65}" dt="2024-11-19T05:09:50.972" v="1370" actId="5736"/>
           <ac:cxnSpMkLst>
             <pc:docMk/>
             <pc:sldMk cId="1576011338" sldId="258"/>
@@ -1232,7 +720,7 @@
           </ac:cxnSpMkLst>
         </pc:cxnChg>
         <pc:cxnChg chg="add del mod">
-          <ac:chgData name="Montecino, Diego" userId="a795c42d-832a-4dce-b1d8-09bac981a9d2" providerId="ADAL" clId="{166D12EF-58EE-6C4C-9A24-99C33C59FE65}" dt="2024-11-15T20:54:53.310" v="1137" actId="5736"/>
+          <ac:chgData name="Montecino, Diego" userId="a795c42d-832a-4dce-b1d8-09bac981a9d2" providerId="ADAL" clId="{166D12EF-58EE-6C4C-9A24-99C33C59FE65}" dt="2024-11-19T05:09:50.972" v="1370" actId="5736"/>
           <ac:cxnSpMkLst>
             <pc:docMk/>
             <pc:sldMk cId="1576011338" sldId="258"/>
@@ -1240,7 +728,7 @@
           </ac:cxnSpMkLst>
         </pc:cxnChg>
         <pc:cxnChg chg="add del mod">
-          <ac:chgData name="Montecino, Diego" userId="a795c42d-832a-4dce-b1d8-09bac981a9d2" providerId="ADAL" clId="{166D12EF-58EE-6C4C-9A24-99C33C59FE65}" dt="2024-11-15T20:54:53.310" v="1137" actId="5736"/>
+          <ac:chgData name="Montecino, Diego" userId="a795c42d-832a-4dce-b1d8-09bac981a9d2" providerId="ADAL" clId="{166D12EF-58EE-6C4C-9A24-99C33C59FE65}" dt="2024-11-19T05:09:50.972" v="1370" actId="5736"/>
           <ac:cxnSpMkLst>
             <pc:docMk/>
             <pc:sldMk cId="1576011338" sldId="258"/>
@@ -1248,7 +736,7 @@
           </ac:cxnSpMkLst>
         </pc:cxnChg>
         <pc:cxnChg chg="add del mod">
-          <ac:chgData name="Montecino, Diego" userId="a795c42d-832a-4dce-b1d8-09bac981a9d2" providerId="ADAL" clId="{166D12EF-58EE-6C4C-9A24-99C33C59FE65}" dt="2024-11-15T20:54:53.310" v="1137" actId="5736"/>
+          <ac:chgData name="Montecino, Diego" userId="a795c42d-832a-4dce-b1d8-09bac981a9d2" providerId="ADAL" clId="{166D12EF-58EE-6C4C-9A24-99C33C59FE65}" dt="2024-11-19T05:09:50.972" v="1370" actId="5736"/>
           <ac:cxnSpMkLst>
             <pc:docMk/>
             <pc:sldMk cId="1576011338" sldId="258"/>
@@ -1256,7 +744,7 @@
           </ac:cxnSpMkLst>
         </pc:cxnChg>
         <pc:cxnChg chg="add del mod">
-          <ac:chgData name="Montecino, Diego" userId="a795c42d-832a-4dce-b1d8-09bac981a9d2" providerId="ADAL" clId="{166D12EF-58EE-6C4C-9A24-99C33C59FE65}" dt="2024-11-15T20:54:53.310" v="1137" actId="5736"/>
+          <ac:chgData name="Montecino, Diego" userId="a795c42d-832a-4dce-b1d8-09bac981a9d2" providerId="ADAL" clId="{166D12EF-58EE-6C4C-9A24-99C33C59FE65}" dt="2024-11-19T05:09:50.972" v="1370" actId="5736"/>
           <ac:cxnSpMkLst>
             <pc:docMk/>
             <pc:sldMk cId="1576011338" sldId="258"/>
@@ -1264,7 +752,7 @@
           </ac:cxnSpMkLst>
         </pc:cxnChg>
         <pc:cxnChg chg="add del mod">
-          <ac:chgData name="Montecino, Diego" userId="a795c42d-832a-4dce-b1d8-09bac981a9d2" providerId="ADAL" clId="{166D12EF-58EE-6C4C-9A24-99C33C59FE65}" dt="2024-11-15T20:54:53.310" v="1137" actId="5736"/>
+          <ac:chgData name="Montecino, Diego" userId="a795c42d-832a-4dce-b1d8-09bac981a9d2" providerId="ADAL" clId="{166D12EF-58EE-6C4C-9A24-99C33C59FE65}" dt="2024-11-19T05:09:50.972" v="1370" actId="5736"/>
           <ac:cxnSpMkLst>
             <pc:docMk/>
             <pc:sldMk cId="1576011338" sldId="258"/>
@@ -1272,7 +760,7 @@
           </ac:cxnSpMkLst>
         </pc:cxnChg>
         <pc:cxnChg chg="add del mod">
-          <ac:chgData name="Montecino, Diego" userId="a795c42d-832a-4dce-b1d8-09bac981a9d2" providerId="ADAL" clId="{166D12EF-58EE-6C4C-9A24-99C33C59FE65}" dt="2024-11-15T20:54:53.310" v="1137" actId="5736"/>
+          <ac:chgData name="Montecino, Diego" userId="a795c42d-832a-4dce-b1d8-09bac981a9d2" providerId="ADAL" clId="{166D12EF-58EE-6C4C-9A24-99C33C59FE65}" dt="2024-11-19T05:09:50.972" v="1370" actId="5736"/>
           <ac:cxnSpMkLst>
             <pc:docMk/>
             <pc:sldMk cId="1576011338" sldId="258"/>
@@ -1280,35 +768,11 @@
           </ac:cxnSpMkLst>
         </pc:cxnChg>
         <pc:cxnChg chg="add del mod">
-          <ac:chgData name="Montecino, Diego" userId="a795c42d-832a-4dce-b1d8-09bac981a9d2" providerId="ADAL" clId="{166D12EF-58EE-6C4C-9A24-99C33C59FE65}" dt="2024-11-15T20:54:53.310" v="1137" actId="5736"/>
+          <ac:chgData name="Montecino, Diego" userId="a795c42d-832a-4dce-b1d8-09bac981a9d2" providerId="ADAL" clId="{166D12EF-58EE-6C4C-9A24-99C33C59FE65}" dt="2024-11-19T05:09:50.972" v="1370" actId="5736"/>
           <ac:cxnSpMkLst>
             <pc:docMk/>
             <pc:sldMk cId="1576011338" sldId="258"/>
             <ac:cxnSpMk id="110" creationId="{3278B44B-1CAA-68EF-2FCA-C2AE387E401E}"/>
-          </ac:cxnSpMkLst>
-        </pc:cxnChg>
-        <pc:cxnChg chg="del mod">
-          <ac:chgData name="Montecino, Diego" userId="a795c42d-832a-4dce-b1d8-09bac981a9d2" providerId="ADAL" clId="{166D12EF-58EE-6C4C-9A24-99C33C59FE65}" dt="2024-11-14T20:02:33.308" v="599" actId="478"/>
-          <ac:cxnSpMkLst>
-            <pc:docMk/>
-            <pc:sldMk cId="1576011338" sldId="258"/>
-            <ac:cxnSpMk id="119" creationId="{9A1093FA-325A-665E-B633-80ACC2CFA178}"/>
-          </ac:cxnSpMkLst>
-        </pc:cxnChg>
-        <pc:cxnChg chg="del mod">
-          <ac:chgData name="Montecino, Diego" userId="a795c42d-832a-4dce-b1d8-09bac981a9d2" providerId="ADAL" clId="{166D12EF-58EE-6C4C-9A24-99C33C59FE65}" dt="2024-11-14T20:05:22.061" v="610" actId="478"/>
-          <ac:cxnSpMkLst>
-            <pc:docMk/>
-            <pc:sldMk cId="1576011338" sldId="258"/>
-            <ac:cxnSpMk id="138" creationId="{C87C6F0D-F5AA-B283-307B-46C85ACF16A3}"/>
-          </ac:cxnSpMkLst>
-        </pc:cxnChg>
-        <pc:cxnChg chg="del mod">
-          <ac:chgData name="Montecino, Diego" userId="a795c42d-832a-4dce-b1d8-09bac981a9d2" providerId="ADAL" clId="{166D12EF-58EE-6C4C-9A24-99C33C59FE65}" dt="2024-11-14T20:05:41.337" v="611" actId="478"/>
-          <ac:cxnSpMkLst>
-            <pc:docMk/>
-            <pc:sldMk cId="1576011338" sldId="258"/>
-            <ac:cxnSpMk id="143" creationId="{DB072FFD-90A6-EE60-CC8C-AF3B61B403BA}"/>
           </ac:cxnSpMkLst>
         </pc:cxnChg>
       </pc:sldChg>
@@ -1318,31 +782,15 @@
           <pc:docMk/>
           <pc:sldMk cId="697080574" sldId="259"/>
         </pc:sldMkLst>
-        <pc:spChg chg="mod">
-          <ac:chgData name="Montecino, Diego" userId="a795c42d-832a-4dce-b1d8-09bac981a9d2" providerId="ADAL" clId="{166D12EF-58EE-6C4C-9A24-99C33C59FE65}" dt="2024-11-14T19:24:47.134" v="319" actId="20577"/>
-          <ac:spMkLst>
-            <pc:docMk/>
-            <pc:sldMk cId="697080574" sldId="259"/>
-            <ac:spMk id="2" creationId="{2AB5976D-7191-2B2A-0674-6C0E18F4985E}"/>
-          </ac:spMkLst>
-        </pc:spChg>
       </pc:sldChg>
       <pc:sldChg chg="addSp delSp modSp add mod">
-        <pc:chgData name="Montecino, Diego" userId="a795c42d-832a-4dce-b1d8-09bac981a9d2" providerId="ADAL" clId="{166D12EF-58EE-6C4C-9A24-99C33C59FE65}" dt="2024-11-15T20:54:24.153" v="1135" actId="5736"/>
+        <pc:chgData name="Montecino, Diego" userId="a795c42d-832a-4dce-b1d8-09bac981a9d2" providerId="ADAL" clId="{166D12EF-58EE-6C4C-9A24-99C33C59FE65}" dt="2024-11-19T05:10:02.445" v="1371" actId="5736"/>
         <pc:sldMkLst>
           <pc:docMk/>
           <pc:sldMk cId="2695032720" sldId="259"/>
         </pc:sldMkLst>
-        <pc:spChg chg="del">
-          <ac:chgData name="Montecino, Diego" userId="a795c42d-832a-4dce-b1d8-09bac981a9d2" providerId="ADAL" clId="{166D12EF-58EE-6C4C-9A24-99C33C59FE65}" dt="2024-11-14T20:15:44.683" v="680" actId="478"/>
-          <ac:spMkLst>
-            <pc:docMk/>
-            <pc:sldMk cId="2695032720" sldId="259"/>
-            <ac:spMk id="2" creationId="{BCFD1F0E-B5A3-A3E0-78F1-6D657389B84A}"/>
-          </ac:spMkLst>
-        </pc:spChg>
         <pc:spChg chg="add mod">
-          <ac:chgData name="Montecino, Diego" userId="a795c42d-832a-4dce-b1d8-09bac981a9d2" providerId="ADAL" clId="{166D12EF-58EE-6C4C-9A24-99C33C59FE65}" dt="2024-11-15T20:54:24.153" v="1135" actId="5736"/>
+          <ac:chgData name="Montecino, Diego" userId="a795c42d-832a-4dce-b1d8-09bac981a9d2" providerId="ADAL" clId="{166D12EF-58EE-6C4C-9A24-99C33C59FE65}" dt="2024-11-19T05:10:02.445" v="1371" actId="5736"/>
           <ac:spMkLst>
             <pc:docMk/>
             <pc:sldMk cId="2695032720" sldId="259"/>
@@ -1350,7 +798,7 @@
           </ac:spMkLst>
         </pc:spChg>
         <pc:spChg chg="add mod">
-          <ac:chgData name="Montecino, Diego" userId="a795c42d-832a-4dce-b1d8-09bac981a9d2" providerId="ADAL" clId="{166D12EF-58EE-6C4C-9A24-99C33C59FE65}" dt="2024-11-15T20:54:24.153" v="1135" actId="5736"/>
+          <ac:chgData name="Montecino, Diego" userId="a795c42d-832a-4dce-b1d8-09bac981a9d2" providerId="ADAL" clId="{166D12EF-58EE-6C4C-9A24-99C33C59FE65}" dt="2024-11-19T05:10:02.445" v="1371" actId="5736"/>
           <ac:spMkLst>
             <pc:docMk/>
             <pc:sldMk cId="2695032720" sldId="259"/>
@@ -1358,7 +806,7 @@
           </ac:spMkLst>
         </pc:spChg>
         <pc:spChg chg="add mod">
-          <ac:chgData name="Montecino, Diego" userId="a795c42d-832a-4dce-b1d8-09bac981a9d2" providerId="ADAL" clId="{166D12EF-58EE-6C4C-9A24-99C33C59FE65}" dt="2024-11-15T20:54:24.153" v="1135" actId="5736"/>
+          <ac:chgData name="Montecino, Diego" userId="a795c42d-832a-4dce-b1d8-09bac981a9d2" providerId="ADAL" clId="{166D12EF-58EE-6C4C-9A24-99C33C59FE65}" dt="2024-11-19T05:10:02.445" v="1371" actId="5736"/>
           <ac:spMkLst>
             <pc:docMk/>
             <pc:sldMk cId="2695032720" sldId="259"/>
@@ -1366,7 +814,7 @@
           </ac:spMkLst>
         </pc:spChg>
         <pc:spChg chg="add mod">
-          <ac:chgData name="Montecino, Diego" userId="a795c42d-832a-4dce-b1d8-09bac981a9d2" providerId="ADAL" clId="{166D12EF-58EE-6C4C-9A24-99C33C59FE65}" dt="2024-11-15T20:54:24.153" v="1135" actId="5736"/>
+          <ac:chgData name="Montecino, Diego" userId="a795c42d-832a-4dce-b1d8-09bac981a9d2" providerId="ADAL" clId="{166D12EF-58EE-6C4C-9A24-99C33C59FE65}" dt="2024-11-19T05:10:02.445" v="1371" actId="5736"/>
           <ac:spMkLst>
             <pc:docMk/>
             <pc:sldMk cId="2695032720" sldId="259"/>
@@ -1374,7 +822,7 @@
           </ac:spMkLst>
         </pc:spChg>
         <pc:spChg chg="add mod">
-          <ac:chgData name="Montecino, Diego" userId="a795c42d-832a-4dce-b1d8-09bac981a9d2" providerId="ADAL" clId="{166D12EF-58EE-6C4C-9A24-99C33C59FE65}" dt="2024-11-15T20:54:24.153" v="1135" actId="5736"/>
+          <ac:chgData name="Montecino, Diego" userId="a795c42d-832a-4dce-b1d8-09bac981a9d2" providerId="ADAL" clId="{166D12EF-58EE-6C4C-9A24-99C33C59FE65}" dt="2024-11-19T05:10:02.445" v="1371" actId="5736"/>
           <ac:spMkLst>
             <pc:docMk/>
             <pc:sldMk cId="2695032720" sldId="259"/>
@@ -1382,7 +830,7 @@
           </ac:spMkLst>
         </pc:spChg>
         <pc:spChg chg="add mod">
-          <ac:chgData name="Montecino, Diego" userId="a795c42d-832a-4dce-b1d8-09bac981a9d2" providerId="ADAL" clId="{166D12EF-58EE-6C4C-9A24-99C33C59FE65}" dt="2024-11-15T20:54:24.153" v="1135" actId="5736"/>
+          <ac:chgData name="Montecino, Diego" userId="a795c42d-832a-4dce-b1d8-09bac981a9d2" providerId="ADAL" clId="{166D12EF-58EE-6C4C-9A24-99C33C59FE65}" dt="2024-11-19T05:10:02.445" v="1371" actId="5736"/>
           <ac:spMkLst>
             <pc:docMk/>
             <pc:sldMk cId="2695032720" sldId="259"/>
@@ -1390,7 +838,7 @@
           </ac:spMkLst>
         </pc:spChg>
         <pc:spChg chg="add mod">
-          <ac:chgData name="Montecino, Diego" userId="a795c42d-832a-4dce-b1d8-09bac981a9d2" providerId="ADAL" clId="{166D12EF-58EE-6C4C-9A24-99C33C59FE65}" dt="2024-11-15T20:54:24.153" v="1135" actId="5736"/>
+          <ac:chgData name="Montecino, Diego" userId="a795c42d-832a-4dce-b1d8-09bac981a9d2" providerId="ADAL" clId="{166D12EF-58EE-6C4C-9A24-99C33C59FE65}" dt="2024-11-19T05:10:02.445" v="1371" actId="5736"/>
           <ac:spMkLst>
             <pc:docMk/>
             <pc:sldMk cId="2695032720" sldId="259"/>
@@ -1398,15 +846,39 @@
           </ac:spMkLst>
         </pc:spChg>
         <pc:spChg chg="add mod">
-          <ac:chgData name="Montecino, Diego" userId="a795c42d-832a-4dce-b1d8-09bac981a9d2" providerId="ADAL" clId="{166D12EF-58EE-6C4C-9A24-99C33C59FE65}" dt="2024-11-15T20:54:24.153" v="1135" actId="5736"/>
+          <ac:chgData name="Montecino, Diego" userId="a795c42d-832a-4dce-b1d8-09bac981a9d2" providerId="ADAL" clId="{166D12EF-58EE-6C4C-9A24-99C33C59FE65}" dt="2024-11-19T05:10:02.445" v="1371" actId="5736"/>
           <ac:spMkLst>
             <pc:docMk/>
             <pc:sldMk cId="2695032720" sldId="259"/>
             <ac:spMk id="20" creationId="{9E965EC0-C1AB-F7CE-1E41-334C7DC29BB5}"/>
           </ac:spMkLst>
         </pc:spChg>
+        <pc:spChg chg="add del mod">
+          <ac:chgData name="Montecino, Diego" userId="a795c42d-832a-4dce-b1d8-09bac981a9d2" providerId="ADAL" clId="{166D12EF-58EE-6C4C-9A24-99C33C59FE65}" dt="2024-11-19T05:01:02.222" v="1292" actId="478"/>
+          <ac:spMkLst>
+            <pc:docMk/>
+            <pc:sldMk cId="2695032720" sldId="259"/>
+            <ac:spMk id="21" creationId="{E002A552-81F9-A1B5-E2A9-D8D34C1A01C8}"/>
+          </ac:spMkLst>
+        </pc:spChg>
+        <pc:spChg chg="add mod">
+          <ac:chgData name="Montecino, Diego" userId="a795c42d-832a-4dce-b1d8-09bac981a9d2" providerId="ADAL" clId="{166D12EF-58EE-6C4C-9A24-99C33C59FE65}" dt="2024-11-19T05:10:02.445" v="1371" actId="5736"/>
+          <ac:spMkLst>
+            <pc:docMk/>
+            <pc:sldMk cId="2695032720" sldId="259"/>
+            <ac:spMk id="23" creationId="{48307ECF-CA34-9DA6-8DE3-03F506A1796D}"/>
+          </ac:spMkLst>
+        </pc:spChg>
+        <pc:spChg chg="add del mod">
+          <ac:chgData name="Montecino, Diego" userId="a795c42d-832a-4dce-b1d8-09bac981a9d2" providerId="ADAL" clId="{166D12EF-58EE-6C4C-9A24-99C33C59FE65}" dt="2024-11-19T05:03:57.326" v="1332" actId="478"/>
+          <ac:spMkLst>
+            <pc:docMk/>
+            <pc:sldMk cId="2695032720" sldId="259"/>
+            <ac:spMk id="25" creationId="{DBDA5FCA-D30F-53CE-958B-7BC7E75CB475}"/>
+          </ac:spMkLst>
+        </pc:spChg>
         <pc:spChg chg="mod">
-          <ac:chgData name="Montecino, Diego" userId="a795c42d-832a-4dce-b1d8-09bac981a9d2" providerId="ADAL" clId="{166D12EF-58EE-6C4C-9A24-99C33C59FE65}" dt="2024-11-15T20:54:24.153" v="1135" actId="5736"/>
+          <ac:chgData name="Montecino, Diego" userId="a795c42d-832a-4dce-b1d8-09bac981a9d2" providerId="ADAL" clId="{166D12EF-58EE-6C4C-9A24-99C33C59FE65}" dt="2024-11-19T05:10:02.445" v="1371" actId="5736"/>
           <ac:spMkLst>
             <pc:docMk/>
             <pc:sldMk cId="2695032720" sldId="259"/>
@@ -1414,7 +886,7 @@
           </ac:spMkLst>
         </pc:spChg>
         <pc:spChg chg="mod">
-          <ac:chgData name="Montecino, Diego" userId="a795c42d-832a-4dce-b1d8-09bac981a9d2" providerId="ADAL" clId="{166D12EF-58EE-6C4C-9A24-99C33C59FE65}" dt="2024-11-15T20:54:24.153" v="1135" actId="5736"/>
+          <ac:chgData name="Montecino, Diego" userId="a795c42d-832a-4dce-b1d8-09bac981a9d2" providerId="ADAL" clId="{166D12EF-58EE-6C4C-9A24-99C33C59FE65}" dt="2024-11-19T05:10:02.445" v="1371" actId="5736"/>
           <ac:spMkLst>
             <pc:docMk/>
             <pc:sldMk cId="2695032720" sldId="259"/>
@@ -1422,7 +894,7 @@
           </ac:spMkLst>
         </pc:spChg>
         <pc:spChg chg="mod">
-          <ac:chgData name="Montecino, Diego" userId="a795c42d-832a-4dce-b1d8-09bac981a9d2" providerId="ADAL" clId="{166D12EF-58EE-6C4C-9A24-99C33C59FE65}" dt="2024-11-15T20:54:24.153" v="1135" actId="5736"/>
+          <ac:chgData name="Montecino, Diego" userId="a795c42d-832a-4dce-b1d8-09bac981a9d2" providerId="ADAL" clId="{166D12EF-58EE-6C4C-9A24-99C33C59FE65}" dt="2024-11-19T05:10:02.445" v="1371" actId="5736"/>
           <ac:spMkLst>
             <pc:docMk/>
             <pc:sldMk cId="2695032720" sldId="259"/>
@@ -1430,7 +902,7 @@
           </ac:spMkLst>
         </pc:spChg>
         <pc:spChg chg="mod">
-          <ac:chgData name="Montecino, Diego" userId="a795c42d-832a-4dce-b1d8-09bac981a9d2" providerId="ADAL" clId="{166D12EF-58EE-6C4C-9A24-99C33C59FE65}" dt="2024-11-15T20:54:24.153" v="1135" actId="5736"/>
+          <ac:chgData name="Montecino, Diego" userId="a795c42d-832a-4dce-b1d8-09bac981a9d2" providerId="ADAL" clId="{166D12EF-58EE-6C4C-9A24-99C33C59FE65}" dt="2024-11-19T05:10:02.445" v="1371" actId="5736"/>
           <ac:spMkLst>
             <pc:docMk/>
             <pc:sldMk cId="2695032720" sldId="259"/>
@@ -1438,7 +910,7 @@
           </ac:spMkLst>
         </pc:spChg>
         <pc:spChg chg="mod">
-          <ac:chgData name="Montecino, Diego" userId="a795c42d-832a-4dce-b1d8-09bac981a9d2" providerId="ADAL" clId="{166D12EF-58EE-6C4C-9A24-99C33C59FE65}" dt="2024-11-15T20:54:24.153" v="1135" actId="5736"/>
+          <ac:chgData name="Montecino, Diego" userId="a795c42d-832a-4dce-b1d8-09bac981a9d2" providerId="ADAL" clId="{166D12EF-58EE-6C4C-9A24-99C33C59FE65}" dt="2024-11-19T05:10:02.445" v="1371" actId="5736"/>
           <ac:spMkLst>
             <pc:docMk/>
             <pc:sldMk cId="2695032720" sldId="259"/>
@@ -1446,7 +918,7 @@
           </ac:spMkLst>
         </pc:spChg>
         <pc:spChg chg="mod">
-          <ac:chgData name="Montecino, Diego" userId="a795c42d-832a-4dce-b1d8-09bac981a9d2" providerId="ADAL" clId="{166D12EF-58EE-6C4C-9A24-99C33C59FE65}" dt="2024-11-15T20:54:24.153" v="1135" actId="5736"/>
+          <ac:chgData name="Montecino, Diego" userId="a795c42d-832a-4dce-b1d8-09bac981a9d2" providerId="ADAL" clId="{166D12EF-58EE-6C4C-9A24-99C33C59FE65}" dt="2024-11-19T05:10:02.445" v="1371" actId="5736"/>
           <ac:spMkLst>
             <pc:docMk/>
             <pc:sldMk cId="2695032720" sldId="259"/>
@@ -1454,7 +926,7 @@
           </ac:spMkLst>
         </pc:spChg>
         <pc:spChg chg="mod">
-          <ac:chgData name="Montecino, Diego" userId="a795c42d-832a-4dce-b1d8-09bac981a9d2" providerId="ADAL" clId="{166D12EF-58EE-6C4C-9A24-99C33C59FE65}" dt="2024-11-15T20:54:24.153" v="1135" actId="5736"/>
+          <ac:chgData name="Montecino, Diego" userId="a795c42d-832a-4dce-b1d8-09bac981a9d2" providerId="ADAL" clId="{166D12EF-58EE-6C4C-9A24-99C33C59FE65}" dt="2024-11-19T05:10:02.445" v="1371" actId="5736"/>
           <ac:spMkLst>
             <pc:docMk/>
             <pc:sldMk cId="2695032720" sldId="259"/>
@@ -1462,7 +934,7 @@
           </ac:spMkLst>
         </pc:spChg>
         <pc:spChg chg="mod">
-          <ac:chgData name="Montecino, Diego" userId="a795c42d-832a-4dce-b1d8-09bac981a9d2" providerId="ADAL" clId="{166D12EF-58EE-6C4C-9A24-99C33C59FE65}" dt="2024-11-15T20:54:24.153" v="1135" actId="5736"/>
+          <ac:chgData name="Montecino, Diego" userId="a795c42d-832a-4dce-b1d8-09bac981a9d2" providerId="ADAL" clId="{166D12EF-58EE-6C4C-9A24-99C33C59FE65}" dt="2024-11-19T05:10:02.445" v="1371" actId="5736"/>
           <ac:spMkLst>
             <pc:docMk/>
             <pc:sldMk cId="2695032720" sldId="259"/>
@@ -1470,7 +942,7 @@
           </ac:spMkLst>
         </pc:spChg>
         <pc:spChg chg="mod">
-          <ac:chgData name="Montecino, Diego" userId="a795c42d-832a-4dce-b1d8-09bac981a9d2" providerId="ADAL" clId="{166D12EF-58EE-6C4C-9A24-99C33C59FE65}" dt="2024-11-15T20:54:24.153" v="1135" actId="5736"/>
+          <ac:chgData name="Montecino, Diego" userId="a795c42d-832a-4dce-b1d8-09bac981a9d2" providerId="ADAL" clId="{166D12EF-58EE-6C4C-9A24-99C33C59FE65}" dt="2024-11-19T05:10:02.445" v="1371" actId="5736"/>
           <ac:spMkLst>
             <pc:docMk/>
             <pc:sldMk cId="2695032720" sldId="259"/>
@@ -1478,7 +950,7 @@
           </ac:spMkLst>
         </pc:spChg>
         <pc:spChg chg="mod">
-          <ac:chgData name="Montecino, Diego" userId="a795c42d-832a-4dce-b1d8-09bac981a9d2" providerId="ADAL" clId="{166D12EF-58EE-6C4C-9A24-99C33C59FE65}" dt="2024-11-15T20:54:24.153" v="1135" actId="5736"/>
+          <ac:chgData name="Montecino, Diego" userId="a795c42d-832a-4dce-b1d8-09bac981a9d2" providerId="ADAL" clId="{166D12EF-58EE-6C4C-9A24-99C33C59FE65}" dt="2024-11-19T05:10:02.445" v="1371" actId="5736"/>
           <ac:spMkLst>
             <pc:docMk/>
             <pc:sldMk cId="2695032720" sldId="259"/>
@@ -1486,7 +958,7 @@
           </ac:spMkLst>
         </pc:spChg>
         <pc:spChg chg="mod">
-          <ac:chgData name="Montecino, Diego" userId="a795c42d-832a-4dce-b1d8-09bac981a9d2" providerId="ADAL" clId="{166D12EF-58EE-6C4C-9A24-99C33C59FE65}" dt="2024-11-15T20:54:24.153" v="1135" actId="5736"/>
+          <ac:chgData name="Montecino, Diego" userId="a795c42d-832a-4dce-b1d8-09bac981a9d2" providerId="ADAL" clId="{166D12EF-58EE-6C4C-9A24-99C33C59FE65}" dt="2024-11-19T05:10:02.445" v="1371" actId="5736"/>
           <ac:spMkLst>
             <pc:docMk/>
             <pc:sldMk cId="2695032720" sldId="259"/>
@@ -1494,7 +966,7 @@
           </ac:spMkLst>
         </pc:spChg>
         <pc:spChg chg="mod">
-          <ac:chgData name="Montecino, Diego" userId="a795c42d-832a-4dce-b1d8-09bac981a9d2" providerId="ADAL" clId="{166D12EF-58EE-6C4C-9A24-99C33C59FE65}" dt="2024-11-15T20:54:24.153" v="1135" actId="5736"/>
+          <ac:chgData name="Montecino, Diego" userId="a795c42d-832a-4dce-b1d8-09bac981a9d2" providerId="ADAL" clId="{166D12EF-58EE-6C4C-9A24-99C33C59FE65}" dt="2024-11-19T05:10:02.445" v="1371" actId="5736"/>
           <ac:spMkLst>
             <pc:docMk/>
             <pc:sldMk cId="2695032720" sldId="259"/>
@@ -1502,7 +974,7 @@
           </ac:spMkLst>
         </pc:spChg>
         <pc:spChg chg="mod">
-          <ac:chgData name="Montecino, Diego" userId="a795c42d-832a-4dce-b1d8-09bac981a9d2" providerId="ADAL" clId="{166D12EF-58EE-6C4C-9A24-99C33C59FE65}" dt="2024-11-15T20:54:24.153" v="1135" actId="5736"/>
+          <ac:chgData name="Montecino, Diego" userId="a795c42d-832a-4dce-b1d8-09bac981a9d2" providerId="ADAL" clId="{166D12EF-58EE-6C4C-9A24-99C33C59FE65}" dt="2024-11-19T05:10:02.445" v="1371" actId="5736"/>
           <ac:spMkLst>
             <pc:docMk/>
             <pc:sldMk cId="2695032720" sldId="259"/>
@@ -1510,7 +982,7 @@
           </ac:spMkLst>
         </pc:spChg>
         <pc:spChg chg="mod">
-          <ac:chgData name="Montecino, Diego" userId="a795c42d-832a-4dce-b1d8-09bac981a9d2" providerId="ADAL" clId="{166D12EF-58EE-6C4C-9A24-99C33C59FE65}" dt="2024-11-15T20:54:24.153" v="1135" actId="5736"/>
+          <ac:chgData name="Montecino, Diego" userId="a795c42d-832a-4dce-b1d8-09bac981a9d2" providerId="ADAL" clId="{166D12EF-58EE-6C4C-9A24-99C33C59FE65}" dt="2024-11-19T05:10:02.445" v="1371" actId="5736"/>
           <ac:spMkLst>
             <pc:docMk/>
             <pc:sldMk cId="2695032720" sldId="259"/>
@@ -1518,7 +990,7 @@
           </ac:spMkLst>
         </pc:spChg>
         <pc:spChg chg="mod">
-          <ac:chgData name="Montecino, Diego" userId="a795c42d-832a-4dce-b1d8-09bac981a9d2" providerId="ADAL" clId="{166D12EF-58EE-6C4C-9A24-99C33C59FE65}" dt="2024-11-15T20:54:24.153" v="1135" actId="5736"/>
+          <ac:chgData name="Montecino, Diego" userId="a795c42d-832a-4dce-b1d8-09bac981a9d2" providerId="ADAL" clId="{166D12EF-58EE-6C4C-9A24-99C33C59FE65}" dt="2024-11-19T05:10:02.445" v="1371" actId="5736"/>
           <ac:spMkLst>
             <pc:docMk/>
             <pc:sldMk cId="2695032720" sldId="259"/>
@@ -1526,7 +998,7 @@
           </ac:spMkLst>
         </pc:spChg>
         <pc:spChg chg="mod">
-          <ac:chgData name="Montecino, Diego" userId="a795c42d-832a-4dce-b1d8-09bac981a9d2" providerId="ADAL" clId="{166D12EF-58EE-6C4C-9A24-99C33C59FE65}" dt="2024-11-15T20:54:24.153" v="1135" actId="5736"/>
+          <ac:chgData name="Montecino, Diego" userId="a795c42d-832a-4dce-b1d8-09bac981a9d2" providerId="ADAL" clId="{166D12EF-58EE-6C4C-9A24-99C33C59FE65}" dt="2024-11-19T05:10:02.445" v="1371" actId="5736"/>
           <ac:spMkLst>
             <pc:docMk/>
             <pc:sldMk cId="2695032720" sldId="259"/>
@@ -1534,7 +1006,7 @@
           </ac:spMkLst>
         </pc:spChg>
         <pc:spChg chg="mod">
-          <ac:chgData name="Montecino, Diego" userId="a795c42d-832a-4dce-b1d8-09bac981a9d2" providerId="ADAL" clId="{166D12EF-58EE-6C4C-9A24-99C33C59FE65}" dt="2024-11-15T20:54:24.153" v="1135" actId="5736"/>
+          <ac:chgData name="Montecino, Diego" userId="a795c42d-832a-4dce-b1d8-09bac981a9d2" providerId="ADAL" clId="{166D12EF-58EE-6C4C-9A24-99C33C59FE65}" dt="2024-11-19T05:10:02.445" v="1371" actId="5736"/>
           <ac:spMkLst>
             <pc:docMk/>
             <pc:sldMk cId="2695032720" sldId="259"/>
@@ -1542,7 +1014,7 @@
           </ac:spMkLst>
         </pc:spChg>
         <pc:grpChg chg="mod">
-          <ac:chgData name="Montecino, Diego" userId="a795c42d-832a-4dce-b1d8-09bac981a9d2" providerId="ADAL" clId="{166D12EF-58EE-6C4C-9A24-99C33C59FE65}" dt="2024-11-15T20:54:24.153" v="1135" actId="5736"/>
+          <ac:chgData name="Montecino, Diego" userId="a795c42d-832a-4dce-b1d8-09bac981a9d2" providerId="ADAL" clId="{166D12EF-58EE-6C4C-9A24-99C33C59FE65}" dt="2024-11-19T05:10:02.445" v="1371" actId="5736"/>
           <ac:grpSpMkLst>
             <pc:docMk/>
             <pc:sldMk cId="2695032720" sldId="259"/>
@@ -1550,7 +1022,7 @@
           </ac:grpSpMkLst>
         </pc:grpChg>
         <pc:grpChg chg="mod">
-          <ac:chgData name="Montecino, Diego" userId="a795c42d-832a-4dce-b1d8-09bac981a9d2" providerId="ADAL" clId="{166D12EF-58EE-6C4C-9A24-99C33C59FE65}" dt="2024-11-15T20:54:24.153" v="1135" actId="5736"/>
+          <ac:chgData name="Montecino, Diego" userId="a795c42d-832a-4dce-b1d8-09bac981a9d2" providerId="ADAL" clId="{166D12EF-58EE-6C4C-9A24-99C33C59FE65}" dt="2024-11-19T05:10:02.445" v="1371" actId="5736"/>
           <ac:grpSpMkLst>
             <pc:docMk/>
             <pc:sldMk cId="2695032720" sldId="259"/>
@@ -1558,7 +1030,7 @@
           </ac:grpSpMkLst>
         </pc:grpChg>
         <pc:graphicFrameChg chg="mod">
-          <ac:chgData name="Montecino, Diego" userId="a795c42d-832a-4dce-b1d8-09bac981a9d2" providerId="ADAL" clId="{166D12EF-58EE-6C4C-9A24-99C33C59FE65}" dt="2024-11-15T20:54:24.153" v="1135" actId="5736"/>
+          <ac:chgData name="Montecino, Diego" userId="a795c42d-832a-4dce-b1d8-09bac981a9d2" providerId="ADAL" clId="{166D12EF-58EE-6C4C-9A24-99C33C59FE65}" dt="2024-11-19T05:10:02.445" v="1371" actId="5736"/>
           <ac:graphicFrameMkLst>
             <pc:docMk/>
             <pc:sldMk cId="2695032720" sldId="259"/>
@@ -1566,7 +1038,7 @@
           </ac:graphicFrameMkLst>
         </pc:graphicFrameChg>
         <pc:cxnChg chg="add mod">
-          <ac:chgData name="Montecino, Diego" userId="a795c42d-832a-4dce-b1d8-09bac981a9d2" providerId="ADAL" clId="{166D12EF-58EE-6C4C-9A24-99C33C59FE65}" dt="2024-11-15T20:54:24.153" v="1135" actId="5736"/>
+          <ac:chgData name="Montecino, Diego" userId="a795c42d-832a-4dce-b1d8-09bac981a9d2" providerId="ADAL" clId="{166D12EF-58EE-6C4C-9A24-99C33C59FE65}" dt="2024-11-19T05:10:02.445" v="1371" actId="5736"/>
           <ac:cxnSpMkLst>
             <pc:docMk/>
             <pc:sldMk cId="2695032720" sldId="259"/>
@@ -1574,7 +1046,7 @@
           </ac:cxnSpMkLst>
         </pc:cxnChg>
         <pc:cxnChg chg="add mod">
-          <ac:chgData name="Montecino, Diego" userId="a795c42d-832a-4dce-b1d8-09bac981a9d2" providerId="ADAL" clId="{166D12EF-58EE-6C4C-9A24-99C33C59FE65}" dt="2024-11-15T20:54:24.153" v="1135" actId="5736"/>
+          <ac:chgData name="Montecino, Diego" userId="a795c42d-832a-4dce-b1d8-09bac981a9d2" providerId="ADAL" clId="{166D12EF-58EE-6C4C-9A24-99C33C59FE65}" dt="2024-11-19T05:10:02.445" v="1371" actId="5736"/>
           <ac:cxnSpMkLst>
             <pc:docMk/>
             <pc:sldMk cId="2695032720" sldId="259"/>
@@ -1582,7 +1054,7 @@
           </ac:cxnSpMkLst>
         </pc:cxnChg>
         <pc:cxnChg chg="add mod">
-          <ac:chgData name="Montecino, Diego" userId="a795c42d-832a-4dce-b1d8-09bac981a9d2" providerId="ADAL" clId="{166D12EF-58EE-6C4C-9A24-99C33C59FE65}" dt="2024-11-15T20:54:24.153" v="1135" actId="5736"/>
+          <ac:chgData name="Montecino, Diego" userId="a795c42d-832a-4dce-b1d8-09bac981a9d2" providerId="ADAL" clId="{166D12EF-58EE-6C4C-9A24-99C33C59FE65}" dt="2024-11-19T05:10:02.445" v="1371" actId="5736"/>
           <ac:cxnSpMkLst>
             <pc:docMk/>
             <pc:sldMk cId="2695032720" sldId="259"/>
@@ -1590,7 +1062,7 @@
           </ac:cxnSpMkLst>
         </pc:cxnChg>
         <pc:cxnChg chg="add mod">
-          <ac:chgData name="Montecino, Diego" userId="a795c42d-832a-4dce-b1d8-09bac981a9d2" providerId="ADAL" clId="{166D12EF-58EE-6C4C-9A24-99C33C59FE65}" dt="2024-11-15T20:54:24.153" v="1135" actId="5736"/>
+          <ac:chgData name="Montecino, Diego" userId="a795c42d-832a-4dce-b1d8-09bac981a9d2" providerId="ADAL" clId="{166D12EF-58EE-6C4C-9A24-99C33C59FE65}" dt="2024-11-19T05:10:02.445" v="1371" actId="5736"/>
           <ac:cxnSpMkLst>
             <pc:docMk/>
             <pc:sldMk cId="2695032720" sldId="259"/>
@@ -1598,7 +1070,7 @@
           </ac:cxnSpMkLst>
         </pc:cxnChg>
         <pc:cxnChg chg="mod">
-          <ac:chgData name="Montecino, Diego" userId="a795c42d-832a-4dce-b1d8-09bac981a9d2" providerId="ADAL" clId="{166D12EF-58EE-6C4C-9A24-99C33C59FE65}" dt="2024-11-15T20:54:24.153" v="1135" actId="5736"/>
+          <ac:chgData name="Montecino, Diego" userId="a795c42d-832a-4dce-b1d8-09bac981a9d2" providerId="ADAL" clId="{166D12EF-58EE-6C4C-9A24-99C33C59FE65}" dt="2024-11-19T05:10:02.445" v="1371" actId="5736"/>
           <ac:cxnSpMkLst>
             <pc:docMk/>
             <pc:sldMk cId="2695032720" sldId="259"/>
@@ -1606,7 +1078,7 @@
           </ac:cxnSpMkLst>
         </pc:cxnChg>
         <pc:cxnChg chg="add mod">
-          <ac:chgData name="Montecino, Diego" userId="a795c42d-832a-4dce-b1d8-09bac981a9d2" providerId="ADAL" clId="{166D12EF-58EE-6C4C-9A24-99C33C59FE65}" dt="2024-11-15T20:54:24.153" v="1135" actId="5736"/>
+          <ac:chgData name="Montecino, Diego" userId="a795c42d-832a-4dce-b1d8-09bac981a9d2" providerId="ADAL" clId="{166D12EF-58EE-6C4C-9A24-99C33C59FE65}" dt="2024-11-19T05:10:02.445" v="1371" actId="5736"/>
           <ac:cxnSpMkLst>
             <pc:docMk/>
             <pc:sldMk cId="2695032720" sldId="259"/>
@@ -1614,7 +1086,7 @@
           </ac:cxnSpMkLst>
         </pc:cxnChg>
         <pc:cxnChg chg="add mod">
-          <ac:chgData name="Montecino, Diego" userId="a795c42d-832a-4dce-b1d8-09bac981a9d2" providerId="ADAL" clId="{166D12EF-58EE-6C4C-9A24-99C33C59FE65}" dt="2024-11-15T20:54:24.153" v="1135" actId="5736"/>
+          <ac:chgData name="Montecino, Diego" userId="a795c42d-832a-4dce-b1d8-09bac981a9d2" providerId="ADAL" clId="{166D12EF-58EE-6C4C-9A24-99C33C59FE65}" dt="2024-11-19T05:10:02.445" v="1371" actId="5736"/>
           <ac:cxnSpMkLst>
             <pc:docMk/>
             <pc:sldMk cId="2695032720" sldId="259"/>
@@ -1622,7 +1094,7 @@
           </ac:cxnSpMkLst>
         </pc:cxnChg>
         <pc:cxnChg chg="add mod">
-          <ac:chgData name="Montecino, Diego" userId="a795c42d-832a-4dce-b1d8-09bac981a9d2" providerId="ADAL" clId="{166D12EF-58EE-6C4C-9A24-99C33C59FE65}" dt="2024-11-15T20:54:24.153" v="1135" actId="5736"/>
+          <ac:chgData name="Montecino, Diego" userId="a795c42d-832a-4dce-b1d8-09bac981a9d2" providerId="ADAL" clId="{166D12EF-58EE-6C4C-9A24-99C33C59FE65}" dt="2024-11-19T05:10:02.445" v="1371" actId="5736"/>
           <ac:cxnSpMkLst>
             <pc:docMk/>
             <pc:sldMk cId="2695032720" sldId="259"/>
@@ -1630,7 +1102,7 @@
           </ac:cxnSpMkLst>
         </pc:cxnChg>
         <pc:cxnChg chg="add mod">
-          <ac:chgData name="Montecino, Diego" userId="a795c42d-832a-4dce-b1d8-09bac981a9d2" providerId="ADAL" clId="{166D12EF-58EE-6C4C-9A24-99C33C59FE65}" dt="2024-11-15T20:54:24.153" v="1135" actId="5736"/>
+          <ac:chgData name="Montecino, Diego" userId="a795c42d-832a-4dce-b1d8-09bac981a9d2" providerId="ADAL" clId="{166D12EF-58EE-6C4C-9A24-99C33C59FE65}" dt="2024-11-19T05:10:02.445" v="1371" actId="5736"/>
           <ac:cxnSpMkLst>
             <pc:docMk/>
             <pc:sldMk cId="2695032720" sldId="259"/>
@@ -1638,7 +1110,7 @@
           </ac:cxnSpMkLst>
         </pc:cxnChg>
         <pc:cxnChg chg="add mod">
-          <ac:chgData name="Montecino, Diego" userId="a795c42d-832a-4dce-b1d8-09bac981a9d2" providerId="ADAL" clId="{166D12EF-58EE-6C4C-9A24-99C33C59FE65}" dt="2024-11-15T20:54:24.153" v="1135" actId="5736"/>
+          <ac:chgData name="Montecino, Diego" userId="a795c42d-832a-4dce-b1d8-09bac981a9d2" providerId="ADAL" clId="{166D12EF-58EE-6C4C-9A24-99C33C59FE65}" dt="2024-11-19T05:10:02.445" v="1371" actId="5736"/>
           <ac:cxnSpMkLst>
             <pc:docMk/>
             <pc:sldMk cId="2695032720" sldId="259"/>
@@ -1646,7 +1118,7 @@
           </ac:cxnSpMkLst>
         </pc:cxnChg>
         <pc:cxnChg chg="mod">
-          <ac:chgData name="Montecino, Diego" userId="a795c42d-832a-4dce-b1d8-09bac981a9d2" providerId="ADAL" clId="{166D12EF-58EE-6C4C-9A24-99C33C59FE65}" dt="2024-11-15T20:54:24.153" v="1135" actId="5736"/>
+          <ac:chgData name="Montecino, Diego" userId="a795c42d-832a-4dce-b1d8-09bac981a9d2" providerId="ADAL" clId="{166D12EF-58EE-6C4C-9A24-99C33C59FE65}" dt="2024-11-19T05:10:02.445" v="1371" actId="5736"/>
           <ac:cxnSpMkLst>
             <pc:docMk/>
             <pc:sldMk cId="2695032720" sldId="259"/>
@@ -1654,7 +1126,7 @@
           </ac:cxnSpMkLst>
         </pc:cxnChg>
         <pc:cxnChg chg="mod">
-          <ac:chgData name="Montecino, Diego" userId="a795c42d-832a-4dce-b1d8-09bac981a9d2" providerId="ADAL" clId="{166D12EF-58EE-6C4C-9A24-99C33C59FE65}" dt="2024-11-15T20:54:24.153" v="1135" actId="5736"/>
+          <ac:chgData name="Montecino, Diego" userId="a795c42d-832a-4dce-b1d8-09bac981a9d2" providerId="ADAL" clId="{166D12EF-58EE-6C4C-9A24-99C33C59FE65}" dt="2024-11-19T05:10:02.445" v="1371" actId="5736"/>
           <ac:cxnSpMkLst>
             <pc:docMk/>
             <pc:sldMk cId="2695032720" sldId="259"/>
@@ -1662,15 +1134,31 @@
           </ac:cxnSpMkLst>
         </pc:cxnChg>
         <pc:cxnChg chg="mod">
-          <ac:chgData name="Montecino, Diego" userId="a795c42d-832a-4dce-b1d8-09bac981a9d2" providerId="ADAL" clId="{166D12EF-58EE-6C4C-9A24-99C33C59FE65}" dt="2024-11-15T20:54:24.153" v="1135" actId="5736"/>
+          <ac:chgData name="Montecino, Diego" userId="a795c42d-832a-4dce-b1d8-09bac981a9d2" providerId="ADAL" clId="{166D12EF-58EE-6C4C-9A24-99C33C59FE65}" dt="2024-11-19T05:10:02.445" v="1371" actId="5736"/>
           <ac:cxnSpMkLst>
             <pc:docMk/>
             <pc:sldMk cId="2695032720" sldId="259"/>
             <ac:cxnSpMk id="26" creationId="{191F3718-19D7-EF01-9BC4-A09EE3CAC628}"/>
           </ac:cxnSpMkLst>
         </pc:cxnChg>
+        <pc:cxnChg chg="add mod">
+          <ac:chgData name="Montecino, Diego" userId="a795c42d-832a-4dce-b1d8-09bac981a9d2" providerId="ADAL" clId="{166D12EF-58EE-6C4C-9A24-99C33C59FE65}" dt="2024-11-19T05:10:02.445" v="1371" actId="5736"/>
+          <ac:cxnSpMkLst>
+            <pc:docMk/>
+            <pc:sldMk cId="2695032720" sldId="259"/>
+            <ac:cxnSpMk id="28" creationId="{7625EF7D-CC81-4A04-C141-4C93239EC066}"/>
+          </ac:cxnSpMkLst>
+        </pc:cxnChg>
+        <pc:cxnChg chg="add mod">
+          <ac:chgData name="Montecino, Diego" userId="a795c42d-832a-4dce-b1d8-09bac981a9d2" providerId="ADAL" clId="{166D12EF-58EE-6C4C-9A24-99C33C59FE65}" dt="2024-11-19T05:10:02.445" v="1371" actId="5736"/>
+          <ac:cxnSpMkLst>
+            <pc:docMk/>
+            <pc:sldMk cId="2695032720" sldId="259"/>
+            <ac:cxnSpMk id="30" creationId="{458B7A58-B529-E3B4-DDF8-930E051ECEB9}"/>
+          </ac:cxnSpMkLst>
+        </pc:cxnChg>
         <pc:cxnChg chg="mod">
-          <ac:chgData name="Montecino, Diego" userId="a795c42d-832a-4dce-b1d8-09bac981a9d2" providerId="ADAL" clId="{166D12EF-58EE-6C4C-9A24-99C33C59FE65}" dt="2024-11-15T20:54:24.153" v="1135" actId="5736"/>
+          <ac:chgData name="Montecino, Diego" userId="a795c42d-832a-4dce-b1d8-09bac981a9d2" providerId="ADAL" clId="{166D12EF-58EE-6C4C-9A24-99C33C59FE65}" dt="2024-11-19T05:10:02.445" v="1371" actId="5736"/>
           <ac:cxnSpMkLst>
             <pc:docMk/>
             <pc:sldMk cId="2695032720" sldId="259"/>
@@ -1678,7 +1166,7 @@
           </ac:cxnSpMkLst>
         </pc:cxnChg>
         <pc:cxnChg chg="mod">
-          <ac:chgData name="Montecino, Diego" userId="a795c42d-832a-4dce-b1d8-09bac981a9d2" providerId="ADAL" clId="{166D12EF-58EE-6C4C-9A24-99C33C59FE65}" dt="2024-11-15T20:54:24.153" v="1135" actId="5736"/>
+          <ac:chgData name="Montecino, Diego" userId="a795c42d-832a-4dce-b1d8-09bac981a9d2" providerId="ADAL" clId="{166D12EF-58EE-6C4C-9A24-99C33C59FE65}" dt="2024-11-19T05:10:02.445" v="1371" actId="5736"/>
           <ac:cxnSpMkLst>
             <pc:docMk/>
             <pc:sldMk cId="2695032720" sldId="259"/>
@@ -1686,7 +1174,7 @@
           </ac:cxnSpMkLst>
         </pc:cxnChg>
         <pc:cxnChg chg="mod">
-          <ac:chgData name="Montecino, Diego" userId="a795c42d-832a-4dce-b1d8-09bac981a9d2" providerId="ADAL" clId="{166D12EF-58EE-6C4C-9A24-99C33C59FE65}" dt="2024-11-15T20:54:24.153" v="1135" actId="5736"/>
+          <ac:chgData name="Montecino, Diego" userId="a795c42d-832a-4dce-b1d8-09bac981a9d2" providerId="ADAL" clId="{166D12EF-58EE-6C4C-9A24-99C33C59FE65}" dt="2024-11-19T05:10:02.445" v="1371" actId="5736"/>
           <ac:cxnSpMkLst>
             <pc:docMk/>
             <pc:sldMk cId="2695032720" sldId="259"/>
@@ -1694,7 +1182,7 @@
           </ac:cxnSpMkLst>
         </pc:cxnChg>
         <pc:cxnChg chg="mod">
-          <ac:chgData name="Montecino, Diego" userId="a795c42d-832a-4dce-b1d8-09bac981a9d2" providerId="ADAL" clId="{166D12EF-58EE-6C4C-9A24-99C33C59FE65}" dt="2024-11-15T20:54:24.153" v="1135" actId="5736"/>
+          <ac:chgData name="Montecino, Diego" userId="a795c42d-832a-4dce-b1d8-09bac981a9d2" providerId="ADAL" clId="{166D12EF-58EE-6C4C-9A24-99C33C59FE65}" dt="2024-11-19T05:10:02.445" v="1371" actId="5736"/>
           <ac:cxnSpMkLst>
             <pc:docMk/>
             <pc:sldMk cId="2695032720" sldId="259"/>
@@ -1702,15 +1190,23 @@
           </ac:cxnSpMkLst>
         </pc:cxnChg>
         <pc:cxnChg chg="mod">
-          <ac:chgData name="Montecino, Diego" userId="a795c42d-832a-4dce-b1d8-09bac981a9d2" providerId="ADAL" clId="{166D12EF-58EE-6C4C-9A24-99C33C59FE65}" dt="2024-11-15T20:54:24.153" v="1135" actId="5736"/>
+          <ac:chgData name="Montecino, Diego" userId="a795c42d-832a-4dce-b1d8-09bac981a9d2" providerId="ADAL" clId="{166D12EF-58EE-6C4C-9A24-99C33C59FE65}" dt="2024-11-19T05:10:02.445" v="1371" actId="5736"/>
           <ac:cxnSpMkLst>
             <pc:docMk/>
             <pc:sldMk cId="2695032720" sldId="259"/>
             <ac:cxnSpMk id="43" creationId="{F1DE0393-0F5F-0776-839C-B54B3FDD1BE0}"/>
           </ac:cxnSpMkLst>
         </pc:cxnChg>
+        <pc:cxnChg chg="add mod">
+          <ac:chgData name="Montecino, Diego" userId="a795c42d-832a-4dce-b1d8-09bac981a9d2" providerId="ADAL" clId="{166D12EF-58EE-6C4C-9A24-99C33C59FE65}" dt="2024-11-19T05:10:02.445" v="1371" actId="5736"/>
+          <ac:cxnSpMkLst>
+            <pc:docMk/>
+            <pc:sldMk cId="2695032720" sldId="259"/>
+            <ac:cxnSpMk id="44" creationId="{3485FCA9-D7F9-8342-21B1-A1EE69FD446B}"/>
+          </ac:cxnSpMkLst>
+        </pc:cxnChg>
         <pc:cxnChg chg="mod">
-          <ac:chgData name="Montecino, Diego" userId="a795c42d-832a-4dce-b1d8-09bac981a9d2" providerId="ADAL" clId="{166D12EF-58EE-6C4C-9A24-99C33C59FE65}" dt="2024-11-15T20:54:24.153" v="1135" actId="5736"/>
+          <ac:chgData name="Montecino, Diego" userId="a795c42d-832a-4dce-b1d8-09bac981a9d2" providerId="ADAL" clId="{166D12EF-58EE-6C4C-9A24-99C33C59FE65}" dt="2024-11-19T05:10:02.445" v="1371" actId="5736"/>
           <ac:cxnSpMkLst>
             <pc:docMk/>
             <pc:sldMk cId="2695032720" sldId="259"/>
@@ -1718,7 +1214,7 @@
           </ac:cxnSpMkLst>
         </pc:cxnChg>
         <pc:cxnChg chg="mod">
-          <ac:chgData name="Montecino, Diego" userId="a795c42d-832a-4dce-b1d8-09bac981a9d2" providerId="ADAL" clId="{166D12EF-58EE-6C4C-9A24-99C33C59FE65}" dt="2024-11-15T20:54:24.153" v="1135" actId="5736"/>
+          <ac:chgData name="Montecino, Diego" userId="a795c42d-832a-4dce-b1d8-09bac981a9d2" providerId="ADAL" clId="{166D12EF-58EE-6C4C-9A24-99C33C59FE65}" dt="2024-11-19T05:10:02.445" v="1371" actId="5736"/>
           <ac:cxnSpMkLst>
             <pc:docMk/>
             <pc:sldMk cId="2695032720" sldId="259"/>
@@ -1726,7 +1222,7 @@
           </ac:cxnSpMkLst>
         </pc:cxnChg>
         <pc:cxnChg chg="mod">
-          <ac:chgData name="Montecino, Diego" userId="a795c42d-832a-4dce-b1d8-09bac981a9d2" providerId="ADAL" clId="{166D12EF-58EE-6C4C-9A24-99C33C59FE65}" dt="2024-11-15T20:54:24.153" v="1135" actId="5736"/>
+          <ac:chgData name="Montecino, Diego" userId="a795c42d-832a-4dce-b1d8-09bac981a9d2" providerId="ADAL" clId="{166D12EF-58EE-6C4C-9A24-99C33C59FE65}" dt="2024-11-19T05:10:02.445" v="1371" actId="5736"/>
           <ac:cxnSpMkLst>
             <pc:docMk/>
             <pc:sldMk cId="2695032720" sldId="259"/>
@@ -1734,7 +1230,7 @@
           </ac:cxnSpMkLst>
         </pc:cxnChg>
         <pc:cxnChg chg="mod">
-          <ac:chgData name="Montecino, Diego" userId="a795c42d-832a-4dce-b1d8-09bac981a9d2" providerId="ADAL" clId="{166D12EF-58EE-6C4C-9A24-99C33C59FE65}" dt="2024-11-15T20:54:24.153" v="1135" actId="5736"/>
+          <ac:chgData name="Montecino, Diego" userId="a795c42d-832a-4dce-b1d8-09bac981a9d2" providerId="ADAL" clId="{166D12EF-58EE-6C4C-9A24-99C33C59FE65}" dt="2024-11-19T05:10:02.445" v="1371" actId="5736"/>
           <ac:cxnSpMkLst>
             <pc:docMk/>
             <pc:sldMk cId="2695032720" sldId="259"/>
@@ -1742,7 +1238,7 @@
           </ac:cxnSpMkLst>
         </pc:cxnChg>
         <pc:cxnChg chg="mod">
-          <ac:chgData name="Montecino, Diego" userId="a795c42d-832a-4dce-b1d8-09bac981a9d2" providerId="ADAL" clId="{166D12EF-58EE-6C4C-9A24-99C33C59FE65}" dt="2024-11-15T20:54:24.153" v="1135" actId="5736"/>
+          <ac:chgData name="Montecino, Diego" userId="a795c42d-832a-4dce-b1d8-09bac981a9d2" providerId="ADAL" clId="{166D12EF-58EE-6C4C-9A24-99C33C59FE65}" dt="2024-11-19T05:10:02.445" v="1371" actId="5736"/>
           <ac:cxnSpMkLst>
             <pc:docMk/>
             <pc:sldMk cId="2695032720" sldId="259"/>
@@ -1750,7 +1246,7 @@
           </ac:cxnSpMkLst>
         </pc:cxnChg>
         <pc:cxnChg chg="mod">
-          <ac:chgData name="Montecino, Diego" userId="a795c42d-832a-4dce-b1d8-09bac981a9d2" providerId="ADAL" clId="{166D12EF-58EE-6C4C-9A24-99C33C59FE65}" dt="2024-11-15T20:54:24.153" v="1135" actId="5736"/>
+          <ac:chgData name="Montecino, Diego" userId="a795c42d-832a-4dce-b1d8-09bac981a9d2" providerId="ADAL" clId="{166D12EF-58EE-6C4C-9A24-99C33C59FE65}" dt="2024-11-19T05:10:02.445" v="1371" actId="5736"/>
           <ac:cxnSpMkLst>
             <pc:docMk/>
             <pc:sldMk cId="2695032720" sldId="259"/>
@@ -1758,7 +1254,7 @@
           </ac:cxnSpMkLst>
         </pc:cxnChg>
         <pc:cxnChg chg="mod">
-          <ac:chgData name="Montecino, Diego" userId="a795c42d-832a-4dce-b1d8-09bac981a9d2" providerId="ADAL" clId="{166D12EF-58EE-6C4C-9A24-99C33C59FE65}" dt="2024-11-15T20:54:24.153" v="1135" actId="5736"/>
+          <ac:chgData name="Montecino, Diego" userId="a795c42d-832a-4dce-b1d8-09bac981a9d2" providerId="ADAL" clId="{166D12EF-58EE-6C4C-9A24-99C33C59FE65}" dt="2024-11-19T05:10:02.445" v="1371" actId="5736"/>
           <ac:cxnSpMkLst>
             <pc:docMk/>
             <pc:sldMk cId="2695032720" sldId="259"/>
@@ -1766,7 +1262,7 @@
           </ac:cxnSpMkLst>
         </pc:cxnChg>
         <pc:cxnChg chg="mod">
-          <ac:chgData name="Montecino, Diego" userId="a795c42d-832a-4dce-b1d8-09bac981a9d2" providerId="ADAL" clId="{166D12EF-58EE-6C4C-9A24-99C33C59FE65}" dt="2024-11-15T20:54:24.153" v="1135" actId="5736"/>
+          <ac:chgData name="Montecino, Diego" userId="a795c42d-832a-4dce-b1d8-09bac981a9d2" providerId="ADAL" clId="{166D12EF-58EE-6C4C-9A24-99C33C59FE65}" dt="2024-11-19T05:10:02.445" v="1371" actId="5736"/>
           <ac:cxnSpMkLst>
             <pc:docMk/>
             <pc:sldMk cId="2695032720" sldId="259"/>
@@ -1774,7 +1270,7 @@
           </ac:cxnSpMkLst>
         </pc:cxnChg>
         <pc:cxnChg chg="mod">
-          <ac:chgData name="Montecino, Diego" userId="a795c42d-832a-4dce-b1d8-09bac981a9d2" providerId="ADAL" clId="{166D12EF-58EE-6C4C-9A24-99C33C59FE65}" dt="2024-11-15T20:54:24.153" v="1135" actId="5736"/>
+          <ac:chgData name="Montecino, Diego" userId="a795c42d-832a-4dce-b1d8-09bac981a9d2" providerId="ADAL" clId="{166D12EF-58EE-6C4C-9A24-99C33C59FE65}" dt="2024-11-19T05:10:02.445" v="1371" actId="5736"/>
           <ac:cxnSpMkLst>
             <pc:docMk/>
             <pc:sldMk cId="2695032720" sldId="259"/>
@@ -1782,7 +1278,7 @@
           </ac:cxnSpMkLst>
         </pc:cxnChg>
         <pc:cxnChg chg="mod">
-          <ac:chgData name="Montecino, Diego" userId="a795c42d-832a-4dce-b1d8-09bac981a9d2" providerId="ADAL" clId="{166D12EF-58EE-6C4C-9A24-99C33C59FE65}" dt="2024-11-15T20:54:24.153" v="1135" actId="5736"/>
+          <ac:chgData name="Montecino, Diego" userId="a795c42d-832a-4dce-b1d8-09bac981a9d2" providerId="ADAL" clId="{166D12EF-58EE-6C4C-9A24-99C33C59FE65}" dt="2024-11-19T05:10:02.445" v="1371" actId="5736"/>
           <ac:cxnSpMkLst>
             <pc:docMk/>
             <pc:sldMk cId="2695032720" sldId="259"/>
@@ -1790,7 +1286,7 @@
           </ac:cxnSpMkLst>
         </pc:cxnChg>
         <pc:cxnChg chg="mod">
-          <ac:chgData name="Montecino, Diego" userId="a795c42d-832a-4dce-b1d8-09bac981a9d2" providerId="ADAL" clId="{166D12EF-58EE-6C4C-9A24-99C33C59FE65}" dt="2024-11-15T20:54:24.153" v="1135" actId="5736"/>
+          <ac:chgData name="Montecino, Diego" userId="a795c42d-832a-4dce-b1d8-09bac981a9d2" providerId="ADAL" clId="{166D12EF-58EE-6C4C-9A24-99C33C59FE65}" dt="2024-11-19T05:10:02.445" v="1371" actId="5736"/>
           <ac:cxnSpMkLst>
             <pc:docMk/>
             <pc:sldMk cId="2695032720" sldId="259"/>
@@ -1798,7 +1294,7 @@
           </ac:cxnSpMkLst>
         </pc:cxnChg>
         <pc:cxnChg chg="mod">
-          <ac:chgData name="Montecino, Diego" userId="a795c42d-832a-4dce-b1d8-09bac981a9d2" providerId="ADAL" clId="{166D12EF-58EE-6C4C-9A24-99C33C59FE65}" dt="2024-11-15T20:54:24.153" v="1135" actId="5736"/>
+          <ac:chgData name="Montecino, Diego" userId="a795c42d-832a-4dce-b1d8-09bac981a9d2" providerId="ADAL" clId="{166D12EF-58EE-6C4C-9A24-99C33C59FE65}" dt="2024-11-19T05:10:02.445" v="1371" actId="5736"/>
           <ac:cxnSpMkLst>
             <pc:docMk/>
             <pc:sldMk cId="2695032720" sldId="259"/>
@@ -1806,7 +1302,7 @@
           </ac:cxnSpMkLst>
         </pc:cxnChg>
         <pc:cxnChg chg="mod">
-          <ac:chgData name="Montecino, Diego" userId="a795c42d-832a-4dce-b1d8-09bac981a9d2" providerId="ADAL" clId="{166D12EF-58EE-6C4C-9A24-99C33C59FE65}" dt="2024-11-15T20:54:24.153" v="1135" actId="5736"/>
+          <ac:chgData name="Montecino, Diego" userId="a795c42d-832a-4dce-b1d8-09bac981a9d2" providerId="ADAL" clId="{166D12EF-58EE-6C4C-9A24-99C33C59FE65}" dt="2024-11-19T05:10:02.445" v="1371" actId="5736"/>
           <ac:cxnSpMkLst>
             <pc:docMk/>
             <pc:sldMk cId="2695032720" sldId="259"/>
@@ -1815,29 +1311,29 @@
         </pc:cxnChg>
       </pc:sldChg>
       <pc:sldChg chg="addSp delSp modSp add mod">
-        <pc:chgData name="Montecino, Diego" userId="a795c42d-832a-4dce-b1d8-09bac981a9d2" providerId="ADAL" clId="{166D12EF-58EE-6C4C-9A24-99C33C59FE65}" dt="2024-11-15T20:54:37.034" v="1136" actId="5736"/>
+        <pc:chgData name="Montecino, Diego" userId="a795c42d-832a-4dce-b1d8-09bac981a9d2" providerId="ADAL" clId="{166D12EF-58EE-6C4C-9A24-99C33C59FE65}" dt="2024-11-19T05:10:15.303" v="1372" actId="5736"/>
         <pc:sldMkLst>
           <pc:docMk/>
           <pc:sldMk cId="201650809" sldId="260"/>
         </pc:sldMkLst>
         <pc:spChg chg="add mod">
-          <ac:chgData name="Montecino, Diego" userId="a795c42d-832a-4dce-b1d8-09bac981a9d2" providerId="ADAL" clId="{166D12EF-58EE-6C4C-9A24-99C33C59FE65}" dt="2024-11-15T20:54:37.034" v="1136" actId="5736"/>
+          <ac:chgData name="Montecino, Diego" userId="a795c42d-832a-4dce-b1d8-09bac981a9d2" providerId="ADAL" clId="{166D12EF-58EE-6C4C-9A24-99C33C59FE65}" dt="2024-11-19T05:10:15.303" v="1372" actId="5736"/>
           <ac:spMkLst>
             <pc:docMk/>
             <pc:sldMk cId="201650809" sldId="260"/>
             <ac:spMk id="2" creationId="{B827BA23-72F4-8AD4-30C2-14094285CE21}"/>
           </ac:spMkLst>
         </pc:spChg>
-        <pc:spChg chg="add mod">
-          <ac:chgData name="Montecino, Diego" userId="a795c42d-832a-4dce-b1d8-09bac981a9d2" providerId="ADAL" clId="{166D12EF-58EE-6C4C-9A24-99C33C59FE65}" dt="2024-11-15T20:54:37.034" v="1136" actId="5736"/>
+        <pc:spChg chg="add del mod">
+          <ac:chgData name="Montecino, Diego" userId="a795c42d-832a-4dce-b1d8-09bac981a9d2" providerId="ADAL" clId="{166D12EF-58EE-6C4C-9A24-99C33C59FE65}" dt="2024-11-19T04:58:49.581" v="1284" actId="478"/>
           <ac:spMkLst>
             <pc:docMk/>
             <pc:sldMk cId="201650809" sldId="260"/>
             <ac:spMk id="3" creationId="{29C5446C-EF0B-9C5B-B223-CA8EEBB8F61F}"/>
           </ac:spMkLst>
         </pc:spChg>
-        <pc:spChg chg="mod">
-          <ac:chgData name="Montecino, Diego" userId="a795c42d-832a-4dce-b1d8-09bac981a9d2" providerId="ADAL" clId="{166D12EF-58EE-6C4C-9A24-99C33C59FE65}" dt="2024-11-15T20:54:37.034" v="1136" actId="5736"/>
+        <pc:spChg chg="del mod">
+          <ac:chgData name="Montecino, Diego" userId="a795c42d-832a-4dce-b1d8-09bac981a9d2" providerId="ADAL" clId="{166D12EF-58EE-6C4C-9A24-99C33C59FE65}" dt="2024-11-19T04:59:59.515" v="1289" actId="478"/>
           <ac:spMkLst>
             <pc:docMk/>
             <pc:sldMk cId="201650809" sldId="260"/>
@@ -1845,7 +1341,7 @@
           </ac:spMkLst>
         </pc:spChg>
         <pc:spChg chg="add mod">
-          <ac:chgData name="Montecino, Diego" userId="a795c42d-832a-4dce-b1d8-09bac981a9d2" providerId="ADAL" clId="{166D12EF-58EE-6C4C-9A24-99C33C59FE65}" dt="2024-11-15T20:54:37.034" v="1136" actId="5736"/>
+          <ac:chgData name="Montecino, Diego" userId="a795c42d-832a-4dce-b1d8-09bac981a9d2" providerId="ADAL" clId="{166D12EF-58EE-6C4C-9A24-99C33C59FE65}" dt="2024-11-19T05:10:15.303" v="1372" actId="5736"/>
           <ac:spMkLst>
             <pc:docMk/>
             <pc:sldMk cId="201650809" sldId="260"/>
@@ -1853,15 +1349,15 @@
           </ac:spMkLst>
         </pc:spChg>
         <pc:spChg chg="add mod">
-          <ac:chgData name="Montecino, Diego" userId="a795c42d-832a-4dce-b1d8-09bac981a9d2" providerId="ADAL" clId="{166D12EF-58EE-6C4C-9A24-99C33C59FE65}" dt="2024-11-15T20:54:37.034" v="1136" actId="5736"/>
+          <ac:chgData name="Montecino, Diego" userId="a795c42d-832a-4dce-b1d8-09bac981a9d2" providerId="ADAL" clId="{166D12EF-58EE-6C4C-9A24-99C33C59FE65}" dt="2024-11-19T05:10:15.303" v="1372" actId="5736"/>
           <ac:spMkLst>
             <pc:docMk/>
             <pc:sldMk cId="201650809" sldId="260"/>
             <ac:spMk id="12" creationId="{88B3C907-6E68-23D4-0951-BD38B9971EBD}"/>
           </ac:spMkLst>
         </pc:spChg>
-        <pc:spChg chg="add mod">
-          <ac:chgData name="Montecino, Diego" userId="a795c42d-832a-4dce-b1d8-09bac981a9d2" providerId="ADAL" clId="{166D12EF-58EE-6C4C-9A24-99C33C59FE65}" dt="2024-11-15T20:54:37.034" v="1136" actId="5736"/>
+        <pc:spChg chg="add del mod">
+          <ac:chgData name="Montecino, Diego" userId="a795c42d-832a-4dce-b1d8-09bac981a9d2" providerId="ADAL" clId="{166D12EF-58EE-6C4C-9A24-99C33C59FE65}" dt="2024-11-19T04:58:52.341" v="1287" actId="478"/>
           <ac:spMkLst>
             <pc:docMk/>
             <pc:sldMk cId="201650809" sldId="260"/>
@@ -1869,7 +1365,15 @@
           </ac:spMkLst>
         </pc:spChg>
         <pc:spChg chg="add mod">
-          <ac:chgData name="Montecino, Diego" userId="a795c42d-832a-4dce-b1d8-09bac981a9d2" providerId="ADAL" clId="{166D12EF-58EE-6C4C-9A24-99C33C59FE65}" dt="2024-11-15T20:54:37.034" v="1136" actId="5736"/>
+          <ac:chgData name="Montecino, Diego" userId="a795c42d-832a-4dce-b1d8-09bac981a9d2" providerId="ADAL" clId="{166D12EF-58EE-6C4C-9A24-99C33C59FE65}" dt="2024-11-19T05:10:15.303" v="1372" actId="5736"/>
+          <ac:spMkLst>
+            <pc:docMk/>
+            <pc:sldMk cId="201650809" sldId="260"/>
+            <ac:spMk id="16" creationId="{333E30F1-4F1C-2DB1-E546-4F7C4228E5AA}"/>
+          </ac:spMkLst>
+        </pc:spChg>
+        <pc:spChg chg="add mod">
+          <ac:chgData name="Montecino, Diego" userId="a795c42d-832a-4dce-b1d8-09bac981a9d2" providerId="ADAL" clId="{166D12EF-58EE-6C4C-9A24-99C33C59FE65}" dt="2024-11-19T05:10:15.303" v="1372" actId="5736"/>
           <ac:spMkLst>
             <pc:docMk/>
             <pc:sldMk cId="201650809" sldId="260"/>
@@ -1877,7 +1381,7 @@
           </ac:spMkLst>
         </pc:spChg>
         <pc:spChg chg="add mod">
-          <ac:chgData name="Montecino, Diego" userId="a795c42d-832a-4dce-b1d8-09bac981a9d2" providerId="ADAL" clId="{166D12EF-58EE-6C4C-9A24-99C33C59FE65}" dt="2024-11-15T20:54:37.034" v="1136" actId="5736"/>
+          <ac:chgData name="Montecino, Diego" userId="a795c42d-832a-4dce-b1d8-09bac981a9d2" providerId="ADAL" clId="{166D12EF-58EE-6C4C-9A24-99C33C59FE65}" dt="2024-11-19T05:10:15.303" v="1372" actId="5736"/>
           <ac:spMkLst>
             <pc:docMk/>
             <pc:sldMk cId="201650809" sldId="260"/>
@@ -1885,7 +1389,7 @@
           </ac:spMkLst>
         </pc:spChg>
         <pc:spChg chg="mod">
-          <ac:chgData name="Montecino, Diego" userId="a795c42d-832a-4dce-b1d8-09bac981a9d2" providerId="ADAL" clId="{166D12EF-58EE-6C4C-9A24-99C33C59FE65}" dt="2024-11-15T20:54:37.034" v="1136" actId="5736"/>
+          <ac:chgData name="Montecino, Diego" userId="a795c42d-832a-4dce-b1d8-09bac981a9d2" providerId="ADAL" clId="{166D12EF-58EE-6C4C-9A24-99C33C59FE65}" dt="2024-11-19T05:10:15.303" v="1372" actId="5736"/>
           <ac:spMkLst>
             <pc:docMk/>
             <pc:sldMk cId="201650809" sldId="260"/>
@@ -1893,7 +1397,7 @@
           </ac:spMkLst>
         </pc:spChg>
         <pc:spChg chg="mod">
-          <ac:chgData name="Montecino, Diego" userId="a795c42d-832a-4dce-b1d8-09bac981a9d2" providerId="ADAL" clId="{166D12EF-58EE-6C4C-9A24-99C33C59FE65}" dt="2024-11-15T20:54:37.034" v="1136" actId="5736"/>
+          <ac:chgData name="Montecino, Diego" userId="a795c42d-832a-4dce-b1d8-09bac981a9d2" providerId="ADAL" clId="{166D12EF-58EE-6C4C-9A24-99C33C59FE65}" dt="2024-11-19T05:10:15.303" v="1372" actId="5736"/>
           <ac:spMkLst>
             <pc:docMk/>
             <pc:sldMk cId="201650809" sldId="260"/>
@@ -1901,7 +1405,7 @@
           </ac:spMkLst>
         </pc:spChg>
         <pc:spChg chg="mod">
-          <ac:chgData name="Montecino, Diego" userId="a795c42d-832a-4dce-b1d8-09bac981a9d2" providerId="ADAL" clId="{166D12EF-58EE-6C4C-9A24-99C33C59FE65}" dt="2024-11-15T20:54:37.034" v="1136" actId="5736"/>
+          <ac:chgData name="Montecino, Diego" userId="a795c42d-832a-4dce-b1d8-09bac981a9d2" providerId="ADAL" clId="{166D12EF-58EE-6C4C-9A24-99C33C59FE65}" dt="2024-11-19T05:10:15.303" v="1372" actId="5736"/>
           <ac:spMkLst>
             <pc:docMk/>
             <pc:sldMk cId="201650809" sldId="260"/>
@@ -1909,7 +1413,7 @@
           </ac:spMkLst>
         </pc:spChg>
         <pc:spChg chg="mod">
-          <ac:chgData name="Montecino, Diego" userId="a795c42d-832a-4dce-b1d8-09bac981a9d2" providerId="ADAL" clId="{166D12EF-58EE-6C4C-9A24-99C33C59FE65}" dt="2024-11-15T20:54:37.034" v="1136" actId="5736"/>
+          <ac:chgData name="Montecino, Diego" userId="a795c42d-832a-4dce-b1d8-09bac981a9d2" providerId="ADAL" clId="{166D12EF-58EE-6C4C-9A24-99C33C59FE65}" dt="2024-11-19T05:10:15.303" v="1372" actId="5736"/>
           <ac:spMkLst>
             <pc:docMk/>
             <pc:sldMk cId="201650809" sldId="260"/>
@@ -1917,7 +1421,7 @@
           </ac:spMkLst>
         </pc:spChg>
         <pc:spChg chg="mod">
-          <ac:chgData name="Montecino, Diego" userId="a795c42d-832a-4dce-b1d8-09bac981a9d2" providerId="ADAL" clId="{166D12EF-58EE-6C4C-9A24-99C33C59FE65}" dt="2024-11-15T20:54:37.034" v="1136" actId="5736"/>
+          <ac:chgData name="Montecino, Diego" userId="a795c42d-832a-4dce-b1d8-09bac981a9d2" providerId="ADAL" clId="{166D12EF-58EE-6C4C-9A24-99C33C59FE65}" dt="2024-11-19T05:10:15.303" v="1372" actId="5736"/>
           <ac:spMkLst>
             <pc:docMk/>
             <pc:sldMk cId="201650809" sldId="260"/>
@@ -1925,7 +1429,7 @@
           </ac:spMkLst>
         </pc:spChg>
         <pc:spChg chg="mod">
-          <ac:chgData name="Montecino, Diego" userId="a795c42d-832a-4dce-b1d8-09bac981a9d2" providerId="ADAL" clId="{166D12EF-58EE-6C4C-9A24-99C33C59FE65}" dt="2024-11-15T20:54:37.034" v="1136" actId="5736"/>
+          <ac:chgData name="Montecino, Diego" userId="a795c42d-832a-4dce-b1d8-09bac981a9d2" providerId="ADAL" clId="{166D12EF-58EE-6C4C-9A24-99C33C59FE65}" dt="2024-11-19T05:10:15.303" v="1372" actId="5736"/>
           <ac:spMkLst>
             <pc:docMk/>
             <pc:sldMk cId="201650809" sldId="260"/>
@@ -1933,7 +1437,7 @@
           </ac:spMkLst>
         </pc:spChg>
         <pc:spChg chg="mod">
-          <ac:chgData name="Montecino, Diego" userId="a795c42d-832a-4dce-b1d8-09bac981a9d2" providerId="ADAL" clId="{166D12EF-58EE-6C4C-9A24-99C33C59FE65}" dt="2024-11-15T20:54:37.034" v="1136" actId="5736"/>
+          <ac:chgData name="Montecino, Diego" userId="a795c42d-832a-4dce-b1d8-09bac981a9d2" providerId="ADAL" clId="{166D12EF-58EE-6C4C-9A24-99C33C59FE65}" dt="2024-11-19T05:10:15.303" v="1372" actId="5736"/>
           <ac:spMkLst>
             <pc:docMk/>
             <pc:sldMk cId="201650809" sldId="260"/>
@@ -1941,7 +1445,7 @@
           </ac:spMkLst>
         </pc:spChg>
         <pc:spChg chg="mod">
-          <ac:chgData name="Montecino, Diego" userId="a795c42d-832a-4dce-b1d8-09bac981a9d2" providerId="ADAL" clId="{166D12EF-58EE-6C4C-9A24-99C33C59FE65}" dt="2024-11-15T20:54:37.034" v="1136" actId="5736"/>
+          <ac:chgData name="Montecino, Diego" userId="a795c42d-832a-4dce-b1d8-09bac981a9d2" providerId="ADAL" clId="{166D12EF-58EE-6C4C-9A24-99C33C59FE65}" dt="2024-11-19T05:10:15.303" v="1372" actId="5736"/>
           <ac:spMkLst>
             <pc:docMk/>
             <pc:sldMk cId="201650809" sldId="260"/>
@@ -1949,7 +1453,7 @@
           </ac:spMkLst>
         </pc:spChg>
         <pc:spChg chg="mod">
-          <ac:chgData name="Montecino, Diego" userId="a795c42d-832a-4dce-b1d8-09bac981a9d2" providerId="ADAL" clId="{166D12EF-58EE-6C4C-9A24-99C33C59FE65}" dt="2024-11-15T20:54:37.034" v="1136" actId="5736"/>
+          <ac:chgData name="Montecino, Diego" userId="a795c42d-832a-4dce-b1d8-09bac981a9d2" providerId="ADAL" clId="{166D12EF-58EE-6C4C-9A24-99C33C59FE65}" dt="2024-11-19T05:10:15.303" v="1372" actId="5736"/>
           <ac:spMkLst>
             <pc:docMk/>
             <pc:sldMk cId="201650809" sldId="260"/>
@@ -1957,7 +1461,7 @@
           </ac:spMkLst>
         </pc:spChg>
         <pc:spChg chg="mod">
-          <ac:chgData name="Montecino, Diego" userId="a795c42d-832a-4dce-b1d8-09bac981a9d2" providerId="ADAL" clId="{166D12EF-58EE-6C4C-9A24-99C33C59FE65}" dt="2024-11-15T20:54:37.034" v="1136" actId="5736"/>
+          <ac:chgData name="Montecino, Diego" userId="a795c42d-832a-4dce-b1d8-09bac981a9d2" providerId="ADAL" clId="{166D12EF-58EE-6C4C-9A24-99C33C59FE65}" dt="2024-11-19T05:10:15.303" v="1372" actId="5736"/>
           <ac:spMkLst>
             <pc:docMk/>
             <pc:sldMk cId="201650809" sldId="260"/>
@@ -1965,7 +1469,7 @@
           </ac:spMkLst>
         </pc:spChg>
         <pc:spChg chg="mod">
-          <ac:chgData name="Montecino, Diego" userId="a795c42d-832a-4dce-b1d8-09bac981a9d2" providerId="ADAL" clId="{166D12EF-58EE-6C4C-9A24-99C33C59FE65}" dt="2024-11-15T20:54:37.034" v="1136" actId="5736"/>
+          <ac:chgData name="Montecino, Diego" userId="a795c42d-832a-4dce-b1d8-09bac981a9d2" providerId="ADAL" clId="{166D12EF-58EE-6C4C-9A24-99C33C59FE65}" dt="2024-11-19T05:10:15.303" v="1372" actId="5736"/>
           <ac:spMkLst>
             <pc:docMk/>
             <pc:sldMk cId="201650809" sldId="260"/>
@@ -1973,7 +1477,7 @@
           </ac:spMkLst>
         </pc:spChg>
         <pc:spChg chg="mod">
-          <ac:chgData name="Montecino, Diego" userId="a795c42d-832a-4dce-b1d8-09bac981a9d2" providerId="ADAL" clId="{166D12EF-58EE-6C4C-9A24-99C33C59FE65}" dt="2024-11-15T20:54:37.034" v="1136" actId="5736"/>
+          <ac:chgData name="Montecino, Diego" userId="a795c42d-832a-4dce-b1d8-09bac981a9d2" providerId="ADAL" clId="{166D12EF-58EE-6C4C-9A24-99C33C59FE65}" dt="2024-11-19T05:10:15.303" v="1372" actId="5736"/>
           <ac:spMkLst>
             <pc:docMk/>
             <pc:sldMk cId="201650809" sldId="260"/>
@@ -1981,7 +1485,7 @@
           </ac:spMkLst>
         </pc:spChg>
         <pc:spChg chg="mod">
-          <ac:chgData name="Montecino, Diego" userId="a795c42d-832a-4dce-b1d8-09bac981a9d2" providerId="ADAL" clId="{166D12EF-58EE-6C4C-9A24-99C33C59FE65}" dt="2024-11-15T20:54:37.034" v="1136" actId="5736"/>
+          <ac:chgData name="Montecino, Diego" userId="a795c42d-832a-4dce-b1d8-09bac981a9d2" providerId="ADAL" clId="{166D12EF-58EE-6C4C-9A24-99C33C59FE65}" dt="2024-11-19T05:10:15.303" v="1372" actId="5736"/>
           <ac:spMkLst>
             <pc:docMk/>
             <pc:sldMk cId="201650809" sldId="260"/>
@@ -1989,7 +1493,7 @@
           </ac:spMkLst>
         </pc:spChg>
         <pc:spChg chg="mod">
-          <ac:chgData name="Montecino, Diego" userId="a795c42d-832a-4dce-b1d8-09bac981a9d2" providerId="ADAL" clId="{166D12EF-58EE-6C4C-9A24-99C33C59FE65}" dt="2024-11-15T20:54:37.034" v="1136" actId="5736"/>
+          <ac:chgData name="Montecino, Diego" userId="a795c42d-832a-4dce-b1d8-09bac981a9d2" providerId="ADAL" clId="{166D12EF-58EE-6C4C-9A24-99C33C59FE65}" dt="2024-11-19T05:10:15.303" v="1372" actId="5736"/>
           <ac:spMkLst>
             <pc:docMk/>
             <pc:sldMk cId="201650809" sldId="260"/>
@@ -1997,7 +1501,7 @@
           </ac:spMkLst>
         </pc:spChg>
         <pc:spChg chg="mod">
-          <ac:chgData name="Montecino, Diego" userId="a795c42d-832a-4dce-b1d8-09bac981a9d2" providerId="ADAL" clId="{166D12EF-58EE-6C4C-9A24-99C33C59FE65}" dt="2024-11-15T20:54:37.034" v="1136" actId="5736"/>
+          <ac:chgData name="Montecino, Diego" userId="a795c42d-832a-4dce-b1d8-09bac981a9d2" providerId="ADAL" clId="{166D12EF-58EE-6C4C-9A24-99C33C59FE65}" dt="2024-11-19T05:10:15.303" v="1372" actId="5736"/>
           <ac:spMkLst>
             <pc:docMk/>
             <pc:sldMk cId="201650809" sldId="260"/>
@@ -2005,7 +1509,7 @@
           </ac:spMkLst>
         </pc:spChg>
         <pc:spChg chg="mod">
-          <ac:chgData name="Montecino, Diego" userId="a795c42d-832a-4dce-b1d8-09bac981a9d2" providerId="ADAL" clId="{166D12EF-58EE-6C4C-9A24-99C33C59FE65}" dt="2024-11-15T20:54:37.034" v="1136" actId="5736"/>
+          <ac:chgData name="Montecino, Diego" userId="a795c42d-832a-4dce-b1d8-09bac981a9d2" providerId="ADAL" clId="{166D12EF-58EE-6C4C-9A24-99C33C59FE65}" dt="2024-11-19T05:10:15.303" v="1372" actId="5736"/>
           <ac:spMkLst>
             <pc:docMk/>
             <pc:sldMk cId="201650809" sldId="260"/>
@@ -2013,7 +1517,7 @@
           </ac:spMkLst>
         </pc:spChg>
         <pc:spChg chg="mod">
-          <ac:chgData name="Montecino, Diego" userId="a795c42d-832a-4dce-b1d8-09bac981a9d2" providerId="ADAL" clId="{166D12EF-58EE-6C4C-9A24-99C33C59FE65}" dt="2024-11-15T20:54:37.034" v="1136" actId="5736"/>
+          <ac:chgData name="Montecino, Diego" userId="a795c42d-832a-4dce-b1d8-09bac981a9d2" providerId="ADAL" clId="{166D12EF-58EE-6C4C-9A24-99C33C59FE65}" dt="2024-11-19T05:10:15.303" v="1372" actId="5736"/>
           <ac:spMkLst>
             <pc:docMk/>
             <pc:sldMk cId="201650809" sldId="260"/>
@@ -2021,7 +1525,7 @@
           </ac:spMkLst>
         </pc:spChg>
         <pc:grpChg chg="mod">
-          <ac:chgData name="Montecino, Diego" userId="a795c42d-832a-4dce-b1d8-09bac981a9d2" providerId="ADAL" clId="{166D12EF-58EE-6C4C-9A24-99C33C59FE65}" dt="2024-11-15T20:54:37.034" v="1136" actId="5736"/>
+          <ac:chgData name="Montecino, Diego" userId="a795c42d-832a-4dce-b1d8-09bac981a9d2" providerId="ADAL" clId="{166D12EF-58EE-6C4C-9A24-99C33C59FE65}" dt="2024-11-19T05:10:15.303" v="1372" actId="5736"/>
           <ac:grpSpMkLst>
             <pc:docMk/>
             <pc:sldMk cId="201650809" sldId="260"/>
@@ -2029,39 +1533,23 @@
           </ac:grpSpMkLst>
         </pc:grpChg>
         <pc:grpChg chg="mod">
-          <ac:chgData name="Montecino, Diego" userId="a795c42d-832a-4dce-b1d8-09bac981a9d2" providerId="ADAL" clId="{166D12EF-58EE-6C4C-9A24-99C33C59FE65}" dt="2024-11-15T20:54:37.034" v="1136" actId="5736"/>
+          <ac:chgData name="Montecino, Diego" userId="a795c42d-832a-4dce-b1d8-09bac981a9d2" providerId="ADAL" clId="{166D12EF-58EE-6C4C-9A24-99C33C59FE65}" dt="2024-11-19T05:10:15.303" v="1372" actId="5736"/>
           <ac:grpSpMkLst>
             <pc:docMk/>
             <pc:sldMk cId="201650809" sldId="260"/>
             <ac:grpSpMk id="115" creationId="{E534C61A-E57B-B5E3-5DB9-AC1F58DFBFD0}"/>
           </ac:grpSpMkLst>
         </pc:grpChg>
-        <pc:graphicFrameChg chg="mod">
-          <ac:chgData name="Montecino, Diego" userId="a795c42d-832a-4dce-b1d8-09bac981a9d2" providerId="ADAL" clId="{166D12EF-58EE-6C4C-9A24-99C33C59FE65}" dt="2024-11-15T20:54:37.034" v="1136" actId="5736"/>
+        <pc:graphicFrameChg chg="add del mod">
+          <ac:chgData name="Montecino, Diego" userId="a795c42d-832a-4dce-b1d8-09bac981a9d2" providerId="ADAL" clId="{166D12EF-58EE-6C4C-9A24-99C33C59FE65}" dt="2024-11-19T05:10:15.303" v="1372" actId="5736"/>
           <ac:graphicFrameMkLst>
             <pc:docMk/>
             <pc:sldMk cId="201650809" sldId="260"/>
             <ac:graphicFrameMk id="9" creationId="{B19E07EE-F62A-0CC1-DC89-5A6CAA43D3AD}"/>
           </ac:graphicFrameMkLst>
         </pc:graphicFrameChg>
-        <pc:cxnChg chg="del">
-          <ac:chgData name="Montecino, Diego" userId="a795c42d-832a-4dce-b1d8-09bac981a9d2" providerId="ADAL" clId="{166D12EF-58EE-6C4C-9A24-99C33C59FE65}" dt="2024-11-14T21:58:31.038" v="725" actId="478"/>
-          <ac:cxnSpMkLst>
-            <pc:docMk/>
-            <pc:sldMk cId="201650809" sldId="260"/>
-            <ac:cxnSpMk id="2" creationId="{0690BBD4-AD83-E019-0DCE-B1D8BE3D66B2}"/>
-          </ac:cxnSpMkLst>
-        </pc:cxnChg>
-        <pc:cxnChg chg="del">
-          <ac:chgData name="Montecino, Diego" userId="a795c42d-832a-4dce-b1d8-09bac981a9d2" providerId="ADAL" clId="{166D12EF-58EE-6C4C-9A24-99C33C59FE65}" dt="2024-11-14T21:58:32.878" v="726" actId="478"/>
-          <ac:cxnSpMkLst>
-            <pc:docMk/>
-            <pc:sldMk cId="201650809" sldId="260"/>
-            <ac:cxnSpMk id="3" creationId="{81441422-C9E3-000E-1339-231D957C4D55}"/>
-          </ac:cxnSpMkLst>
-        </pc:cxnChg>
         <pc:cxnChg chg="add mod">
-          <ac:chgData name="Montecino, Diego" userId="a795c42d-832a-4dce-b1d8-09bac981a9d2" providerId="ADAL" clId="{166D12EF-58EE-6C4C-9A24-99C33C59FE65}" dt="2024-11-15T20:54:37.034" v="1136" actId="5736"/>
+          <ac:chgData name="Montecino, Diego" userId="a795c42d-832a-4dce-b1d8-09bac981a9d2" providerId="ADAL" clId="{166D12EF-58EE-6C4C-9A24-99C33C59FE65}" dt="2024-11-19T05:10:15.303" v="1372" actId="5736"/>
           <ac:cxnSpMkLst>
             <pc:docMk/>
             <pc:sldMk cId="201650809" sldId="260"/>
@@ -2069,23 +1557,23 @@
           </ac:cxnSpMkLst>
         </pc:cxnChg>
         <pc:cxnChg chg="add mod">
-          <ac:chgData name="Montecino, Diego" userId="a795c42d-832a-4dce-b1d8-09bac981a9d2" providerId="ADAL" clId="{166D12EF-58EE-6C4C-9A24-99C33C59FE65}" dt="2024-11-15T20:54:37.034" v="1136" actId="5736"/>
+          <ac:chgData name="Montecino, Diego" userId="a795c42d-832a-4dce-b1d8-09bac981a9d2" providerId="ADAL" clId="{166D12EF-58EE-6C4C-9A24-99C33C59FE65}" dt="2024-11-19T05:10:15.303" v="1372" actId="5736"/>
           <ac:cxnSpMkLst>
             <pc:docMk/>
             <pc:sldMk cId="201650809" sldId="260"/>
             <ac:cxnSpMk id="6" creationId="{96EE47FC-212A-CD5A-38AF-8412DA3B7EE6}"/>
           </ac:cxnSpMkLst>
         </pc:cxnChg>
-        <pc:cxnChg chg="add mod">
-          <ac:chgData name="Montecino, Diego" userId="a795c42d-832a-4dce-b1d8-09bac981a9d2" providerId="ADAL" clId="{166D12EF-58EE-6C4C-9A24-99C33C59FE65}" dt="2024-11-15T20:54:37.034" v="1136" actId="5736"/>
+        <pc:cxnChg chg="add del mod">
+          <ac:chgData name="Montecino, Diego" userId="a795c42d-832a-4dce-b1d8-09bac981a9d2" providerId="ADAL" clId="{166D12EF-58EE-6C4C-9A24-99C33C59FE65}" dt="2024-11-19T04:58:50.678" v="1285" actId="478"/>
           <ac:cxnSpMkLst>
             <pc:docMk/>
             <pc:sldMk cId="201650809" sldId="260"/>
             <ac:cxnSpMk id="7" creationId="{F4FBD4CF-3C0F-3048-5657-3875AC026732}"/>
           </ac:cxnSpMkLst>
         </pc:cxnChg>
-        <pc:cxnChg chg="add mod">
-          <ac:chgData name="Montecino, Diego" userId="a795c42d-832a-4dce-b1d8-09bac981a9d2" providerId="ADAL" clId="{166D12EF-58EE-6C4C-9A24-99C33C59FE65}" dt="2024-11-15T20:54:37.034" v="1136" actId="5736"/>
+        <pc:cxnChg chg="add del mod">
+          <ac:chgData name="Montecino, Diego" userId="a795c42d-832a-4dce-b1d8-09bac981a9d2" providerId="ADAL" clId="{166D12EF-58EE-6C4C-9A24-99C33C59FE65}" dt="2024-11-19T04:58:53.077" v="1288" actId="478"/>
           <ac:cxnSpMkLst>
             <pc:docMk/>
             <pc:sldMk cId="201650809" sldId="260"/>
@@ -2093,7 +1581,7 @@
           </ac:cxnSpMkLst>
         </pc:cxnChg>
         <pc:cxnChg chg="mod">
-          <ac:chgData name="Montecino, Diego" userId="a795c42d-832a-4dce-b1d8-09bac981a9d2" providerId="ADAL" clId="{166D12EF-58EE-6C4C-9A24-99C33C59FE65}" dt="2024-11-15T20:54:37.034" v="1136" actId="5736"/>
+          <ac:chgData name="Montecino, Diego" userId="a795c42d-832a-4dce-b1d8-09bac981a9d2" providerId="ADAL" clId="{166D12EF-58EE-6C4C-9A24-99C33C59FE65}" dt="2024-11-19T05:10:15.303" v="1372" actId="5736"/>
           <ac:cxnSpMkLst>
             <pc:docMk/>
             <pc:sldMk cId="201650809" sldId="260"/>
@@ -2101,7 +1589,7 @@
           </ac:cxnSpMkLst>
         </pc:cxnChg>
         <pc:cxnChg chg="add mod">
-          <ac:chgData name="Montecino, Diego" userId="a795c42d-832a-4dce-b1d8-09bac981a9d2" providerId="ADAL" clId="{166D12EF-58EE-6C4C-9A24-99C33C59FE65}" dt="2024-11-15T20:54:37.034" v="1136" actId="5736"/>
+          <ac:chgData name="Montecino, Diego" userId="a795c42d-832a-4dce-b1d8-09bac981a9d2" providerId="ADAL" clId="{166D12EF-58EE-6C4C-9A24-99C33C59FE65}" dt="2024-11-19T05:10:15.303" v="1372" actId="5736"/>
           <ac:cxnSpMkLst>
             <pc:docMk/>
             <pc:sldMk cId="201650809" sldId="260"/>
@@ -2109,7 +1597,7 @@
           </ac:cxnSpMkLst>
         </pc:cxnChg>
         <pc:cxnChg chg="add mod">
-          <ac:chgData name="Montecino, Diego" userId="a795c42d-832a-4dce-b1d8-09bac981a9d2" providerId="ADAL" clId="{166D12EF-58EE-6C4C-9A24-99C33C59FE65}" dt="2024-11-15T20:54:37.034" v="1136" actId="5736"/>
+          <ac:chgData name="Montecino, Diego" userId="a795c42d-832a-4dce-b1d8-09bac981a9d2" providerId="ADAL" clId="{166D12EF-58EE-6C4C-9A24-99C33C59FE65}" dt="2024-11-19T05:10:15.303" v="1372" actId="5736"/>
           <ac:cxnSpMkLst>
             <pc:docMk/>
             <pc:sldMk cId="201650809" sldId="260"/>
@@ -2117,31 +1605,47 @@
           </ac:cxnSpMkLst>
         </pc:cxnChg>
         <pc:cxnChg chg="add mod">
-          <ac:chgData name="Montecino, Diego" userId="a795c42d-832a-4dce-b1d8-09bac981a9d2" providerId="ADAL" clId="{166D12EF-58EE-6C4C-9A24-99C33C59FE65}" dt="2024-11-15T18:20:44.352" v="913"/>
-          <ac:cxnSpMkLst>
-            <pc:docMk/>
-            <pc:sldMk cId="201650809" sldId="260"/>
-            <ac:cxnSpMk id="16" creationId="{89A58B1F-6C37-B3D5-A603-689B1051381B}"/>
-          </ac:cxnSpMkLst>
-        </pc:cxnChg>
-        <pc:cxnChg chg="add mod">
-          <ac:chgData name="Montecino, Diego" userId="a795c42d-832a-4dce-b1d8-09bac981a9d2" providerId="ADAL" clId="{166D12EF-58EE-6C4C-9A24-99C33C59FE65}" dt="2024-11-15T20:54:37.034" v="1136" actId="5736"/>
+          <ac:chgData name="Montecino, Diego" userId="a795c42d-832a-4dce-b1d8-09bac981a9d2" providerId="ADAL" clId="{166D12EF-58EE-6C4C-9A24-99C33C59FE65}" dt="2024-11-19T05:10:15.303" v="1372" actId="5736"/>
           <ac:cxnSpMkLst>
             <pc:docMk/>
             <pc:sldMk cId="201650809" sldId="260"/>
             <ac:cxnSpMk id="18" creationId="{9BB3121E-15B7-ACAA-620E-C516C58F4A14}"/>
           </ac:cxnSpMkLst>
         </pc:cxnChg>
+        <pc:cxnChg chg="add mod">
+          <ac:chgData name="Montecino, Diego" userId="a795c42d-832a-4dce-b1d8-09bac981a9d2" providerId="ADAL" clId="{166D12EF-58EE-6C4C-9A24-99C33C59FE65}" dt="2024-11-19T05:10:15.303" v="1372" actId="5736"/>
+          <ac:cxnSpMkLst>
+            <pc:docMk/>
+            <pc:sldMk cId="201650809" sldId="260"/>
+            <ac:cxnSpMk id="20" creationId="{4901BBEC-FBBA-F5D0-494C-FDA633E5B4C1}"/>
+          </ac:cxnSpMkLst>
+        </pc:cxnChg>
+        <pc:cxnChg chg="add mod">
+          <ac:chgData name="Montecino, Diego" userId="a795c42d-832a-4dce-b1d8-09bac981a9d2" providerId="ADAL" clId="{166D12EF-58EE-6C4C-9A24-99C33C59FE65}" dt="2024-11-19T05:10:15.303" v="1372" actId="5736"/>
+          <ac:cxnSpMkLst>
+            <pc:docMk/>
+            <pc:sldMk cId="201650809" sldId="260"/>
+            <ac:cxnSpMk id="21" creationId="{CAD195AA-44E9-616C-C384-3807D9DD7213}"/>
+          </ac:cxnSpMkLst>
+        </pc:cxnChg>
         <pc:cxnChg chg="mod">
-          <ac:chgData name="Montecino, Diego" userId="a795c42d-832a-4dce-b1d8-09bac981a9d2" providerId="ADAL" clId="{166D12EF-58EE-6C4C-9A24-99C33C59FE65}" dt="2024-11-15T20:54:37.034" v="1136" actId="5736"/>
+          <ac:chgData name="Montecino, Diego" userId="a795c42d-832a-4dce-b1d8-09bac981a9d2" providerId="ADAL" clId="{166D12EF-58EE-6C4C-9A24-99C33C59FE65}" dt="2024-11-19T05:10:15.303" v="1372" actId="5736"/>
           <ac:cxnSpMkLst>
             <pc:docMk/>
             <pc:sldMk cId="201650809" sldId="260"/>
             <ac:cxnSpMk id="22" creationId="{6EA4B931-354D-FCE5-EF87-A4DC37DF064F}"/>
           </ac:cxnSpMkLst>
         </pc:cxnChg>
+        <pc:cxnChg chg="add mod">
+          <ac:chgData name="Montecino, Diego" userId="a795c42d-832a-4dce-b1d8-09bac981a9d2" providerId="ADAL" clId="{166D12EF-58EE-6C4C-9A24-99C33C59FE65}" dt="2024-11-19T05:10:15.303" v="1372" actId="5736"/>
+          <ac:cxnSpMkLst>
+            <pc:docMk/>
+            <pc:sldMk cId="201650809" sldId="260"/>
+            <ac:cxnSpMk id="23" creationId="{F00762AA-A625-E760-524E-A99A026EE23F}"/>
+          </ac:cxnSpMkLst>
+        </pc:cxnChg>
         <pc:cxnChg chg="mod">
-          <ac:chgData name="Montecino, Diego" userId="a795c42d-832a-4dce-b1d8-09bac981a9d2" providerId="ADAL" clId="{166D12EF-58EE-6C4C-9A24-99C33C59FE65}" dt="2024-11-15T20:54:37.034" v="1136" actId="5736"/>
+          <ac:chgData name="Montecino, Diego" userId="a795c42d-832a-4dce-b1d8-09bac981a9d2" providerId="ADAL" clId="{166D12EF-58EE-6C4C-9A24-99C33C59FE65}" dt="2024-11-19T05:10:15.303" v="1372" actId="5736"/>
           <ac:cxnSpMkLst>
             <pc:docMk/>
             <pc:sldMk cId="201650809" sldId="260"/>
@@ -2149,7 +1653,7 @@
           </ac:cxnSpMkLst>
         </pc:cxnChg>
         <pc:cxnChg chg="mod">
-          <ac:chgData name="Montecino, Diego" userId="a795c42d-832a-4dce-b1d8-09bac981a9d2" providerId="ADAL" clId="{166D12EF-58EE-6C4C-9A24-99C33C59FE65}" dt="2024-11-15T20:54:37.034" v="1136" actId="5736"/>
+          <ac:chgData name="Montecino, Diego" userId="a795c42d-832a-4dce-b1d8-09bac981a9d2" providerId="ADAL" clId="{166D12EF-58EE-6C4C-9A24-99C33C59FE65}" dt="2024-11-19T05:10:15.303" v="1372" actId="5736"/>
           <ac:cxnSpMkLst>
             <pc:docMk/>
             <pc:sldMk cId="201650809" sldId="260"/>
@@ -2157,7 +1661,7 @@
           </ac:cxnSpMkLst>
         </pc:cxnChg>
         <pc:cxnChg chg="mod">
-          <ac:chgData name="Montecino, Diego" userId="a795c42d-832a-4dce-b1d8-09bac981a9d2" providerId="ADAL" clId="{166D12EF-58EE-6C4C-9A24-99C33C59FE65}" dt="2024-11-15T20:54:37.034" v="1136" actId="5736"/>
+          <ac:chgData name="Montecino, Diego" userId="a795c42d-832a-4dce-b1d8-09bac981a9d2" providerId="ADAL" clId="{166D12EF-58EE-6C4C-9A24-99C33C59FE65}" dt="2024-11-19T05:10:15.303" v="1372" actId="5736"/>
           <ac:cxnSpMkLst>
             <pc:docMk/>
             <pc:sldMk cId="201650809" sldId="260"/>
@@ -2165,7 +1669,7 @@
           </ac:cxnSpMkLst>
         </pc:cxnChg>
         <pc:cxnChg chg="mod">
-          <ac:chgData name="Montecino, Diego" userId="a795c42d-832a-4dce-b1d8-09bac981a9d2" providerId="ADAL" clId="{166D12EF-58EE-6C4C-9A24-99C33C59FE65}" dt="2024-11-15T20:54:37.034" v="1136" actId="5736"/>
+          <ac:chgData name="Montecino, Diego" userId="a795c42d-832a-4dce-b1d8-09bac981a9d2" providerId="ADAL" clId="{166D12EF-58EE-6C4C-9A24-99C33C59FE65}" dt="2024-11-19T05:10:15.303" v="1372" actId="5736"/>
           <ac:cxnSpMkLst>
             <pc:docMk/>
             <pc:sldMk cId="201650809" sldId="260"/>
@@ -2173,7 +1677,7 @@
           </ac:cxnSpMkLst>
         </pc:cxnChg>
         <pc:cxnChg chg="mod">
-          <ac:chgData name="Montecino, Diego" userId="a795c42d-832a-4dce-b1d8-09bac981a9d2" providerId="ADAL" clId="{166D12EF-58EE-6C4C-9A24-99C33C59FE65}" dt="2024-11-15T20:54:37.034" v="1136" actId="5736"/>
+          <ac:chgData name="Montecino, Diego" userId="a795c42d-832a-4dce-b1d8-09bac981a9d2" providerId="ADAL" clId="{166D12EF-58EE-6C4C-9A24-99C33C59FE65}" dt="2024-11-19T05:10:15.303" v="1372" actId="5736"/>
           <ac:cxnSpMkLst>
             <pc:docMk/>
             <pc:sldMk cId="201650809" sldId="260"/>
@@ -2181,7 +1685,7 @@
           </ac:cxnSpMkLst>
         </pc:cxnChg>
         <pc:cxnChg chg="mod">
-          <ac:chgData name="Montecino, Diego" userId="a795c42d-832a-4dce-b1d8-09bac981a9d2" providerId="ADAL" clId="{166D12EF-58EE-6C4C-9A24-99C33C59FE65}" dt="2024-11-15T20:54:37.034" v="1136" actId="5736"/>
+          <ac:chgData name="Montecino, Diego" userId="a795c42d-832a-4dce-b1d8-09bac981a9d2" providerId="ADAL" clId="{166D12EF-58EE-6C4C-9A24-99C33C59FE65}" dt="2024-11-19T05:10:15.303" v="1372" actId="5736"/>
           <ac:cxnSpMkLst>
             <pc:docMk/>
             <pc:sldMk cId="201650809" sldId="260"/>
@@ -2189,7 +1693,7 @@
           </ac:cxnSpMkLst>
         </pc:cxnChg>
         <pc:cxnChg chg="mod">
-          <ac:chgData name="Montecino, Diego" userId="a795c42d-832a-4dce-b1d8-09bac981a9d2" providerId="ADAL" clId="{166D12EF-58EE-6C4C-9A24-99C33C59FE65}" dt="2024-11-15T20:54:37.034" v="1136" actId="5736"/>
+          <ac:chgData name="Montecino, Diego" userId="a795c42d-832a-4dce-b1d8-09bac981a9d2" providerId="ADAL" clId="{166D12EF-58EE-6C4C-9A24-99C33C59FE65}" dt="2024-11-19T05:10:15.303" v="1372" actId="5736"/>
           <ac:cxnSpMkLst>
             <pc:docMk/>
             <pc:sldMk cId="201650809" sldId="260"/>
@@ -2197,7 +1701,7 @@
           </ac:cxnSpMkLst>
         </pc:cxnChg>
         <pc:cxnChg chg="mod">
-          <ac:chgData name="Montecino, Diego" userId="a795c42d-832a-4dce-b1d8-09bac981a9d2" providerId="ADAL" clId="{166D12EF-58EE-6C4C-9A24-99C33C59FE65}" dt="2024-11-15T20:54:37.034" v="1136" actId="5736"/>
+          <ac:chgData name="Montecino, Diego" userId="a795c42d-832a-4dce-b1d8-09bac981a9d2" providerId="ADAL" clId="{166D12EF-58EE-6C4C-9A24-99C33C59FE65}" dt="2024-11-19T05:10:15.303" v="1372" actId="5736"/>
           <ac:cxnSpMkLst>
             <pc:docMk/>
             <pc:sldMk cId="201650809" sldId="260"/>
@@ -2205,7 +1709,7 @@
           </ac:cxnSpMkLst>
         </pc:cxnChg>
         <pc:cxnChg chg="mod">
-          <ac:chgData name="Montecino, Diego" userId="a795c42d-832a-4dce-b1d8-09bac981a9d2" providerId="ADAL" clId="{166D12EF-58EE-6C4C-9A24-99C33C59FE65}" dt="2024-11-15T20:54:37.034" v="1136" actId="5736"/>
+          <ac:chgData name="Montecino, Diego" userId="a795c42d-832a-4dce-b1d8-09bac981a9d2" providerId="ADAL" clId="{166D12EF-58EE-6C4C-9A24-99C33C59FE65}" dt="2024-11-19T05:10:15.303" v="1372" actId="5736"/>
           <ac:cxnSpMkLst>
             <pc:docMk/>
             <pc:sldMk cId="201650809" sldId="260"/>
@@ -2213,7 +1717,7 @@
           </ac:cxnSpMkLst>
         </pc:cxnChg>
         <pc:cxnChg chg="mod">
-          <ac:chgData name="Montecino, Diego" userId="a795c42d-832a-4dce-b1d8-09bac981a9d2" providerId="ADAL" clId="{166D12EF-58EE-6C4C-9A24-99C33C59FE65}" dt="2024-11-15T20:54:37.034" v="1136" actId="5736"/>
+          <ac:chgData name="Montecino, Diego" userId="a795c42d-832a-4dce-b1d8-09bac981a9d2" providerId="ADAL" clId="{166D12EF-58EE-6C4C-9A24-99C33C59FE65}" dt="2024-11-19T05:10:15.303" v="1372" actId="5736"/>
           <ac:cxnSpMkLst>
             <pc:docMk/>
             <pc:sldMk cId="201650809" sldId="260"/>
@@ -2221,7 +1725,7 @@
           </ac:cxnSpMkLst>
         </pc:cxnChg>
         <pc:cxnChg chg="mod">
-          <ac:chgData name="Montecino, Diego" userId="a795c42d-832a-4dce-b1d8-09bac981a9d2" providerId="ADAL" clId="{166D12EF-58EE-6C4C-9A24-99C33C59FE65}" dt="2024-11-15T20:54:37.034" v="1136" actId="5736"/>
+          <ac:chgData name="Montecino, Diego" userId="a795c42d-832a-4dce-b1d8-09bac981a9d2" providerId="ADAL" clId="{166D12EF-58EE-6C4C-9A24-99C33C59FE65}" dt="2024-11-19T05:10:15.303" v="1372" actId="5736"/>
           <ac:cxnSpMkLst>
             <pc:docMk/>
             <pc:sldMk cId="201650809" sldId="260"/>
@@ -2229,7 +1733,7 @@
           </ac:cxnSpMkLst>
         </pc:cxnChg>
         <pc:cxnChg chg="mod">
-          <ac:chgData name="Montecino, Diego" userId="a795c42d-832a-4dce-b1d8-09bac981a9d2" providerId="ADAL" clId="{166D12EF-58EE-6C4C-9A24-99C33C59FE65}" dt="2024-11-15T20:54:37.034" v="1136" actId="5736"/>
+          <ac:chgData name="Montecino, Diego" userId="a795c42d-832a-4dce-b1d8-09bac981a9d2" providerId="ADAL" clId="{166D12EF-58EE-6C4C-9A24-99C33C59FE65}" dt="2024-11-19T05:10:15.303" v="1372" actId="5736"/>
           <ac:cxnSpMkLst>
             <pc:docMk/>
             <pc:sldMk cId="201650809" sldId="260"/>
@@ -2237,7 +1741,7 @@
           </ac:cxnSpMkLst>
         </pc:cxnChg>
         <pc:cxnChg chg="mod">
-          <ac:chgData name="Montecino, Diego" userId="a795c42d-832a-4dce-b1d8-09bac981a9d2" providerId="ADAL" clId="{166D12EF-58EE-6C4C-9A24-99C33C59FE65}" dt="2024-11-15T20:54:37.034" v="1136" actId="5736"/>
+          <ac:chgData name="Montecino, Diego" userId="a795c42d-832a-4dce-b1d8-09bac981a9d2" providerId="ADAL" clId="{166D12EF-58EE-6C4C-9A24-99C33C59FE65}" dt="2024-11-19T05:10:15.303" v="1372" actId="5736"/>
           <ac:cxnSpMkLst>
             <pc:docMk/>
             <pc:sldMk cId="201650809" sldId="260"/>
@@ -2245,7 +1749,7 @@
           </ac:cxnSpMkLst>
         </pc:cxnChg>
         <pc:cxnChg chg="mod">
-          <ac:chgData name="Montecino, Diego" userId="a795c42d-832a-4dce-b1d8-09bac981a9d2" providerId="ADAL" clId="{166D12EF-58EE-6C4C-9A24-99C33C59FE65}" dt="2024-11-15T20:54:37.034" v="1136" actId="5736"/>
+          <ac:chgData name="Montecino, Diego" userId="a795c42d-832a-4dce-b1d8-09bac981a9d2" providerId="ADAL" clId="{166D12EF-58EE-6C4C-9A24-99C33C59FE65}" dt="2024-11-19T05:10:15.303" v="1372" actId="5736"/>
           <ac:cxnSpMkLst>
             <pc:docMk/>
             <pc:sldMk cId="201650809" sldId="260"/>
@@ -2253,7 +1757,7 @@
           </ac:cxnSpMkLst>
         </pc:cxnChg>
         <pc:cxnChg chg="mod">
-          <ac:chgData name="Montecino, Diego" userId="a795c42d-832a-4dce-b1d8-09bac981a9d2" providerId="ADAL" clId="{166D12EF-58EE-6C4C-9A24-99C33C59FE65}" dt="2024-11-15T20:54:37.034" v="1136" actId="5736"/>
+          <ac:chgData name="Montecino, Diego" userId="a795c42d-832a-4dce-b1d8-09bac981a9d2" providerId="ADAL" clId="{166D12EF-58EE-6C4C-9A24-99C33C59FE65}" dt="2024-11-19T05:10:15.303" v="1372" actId="5736"/>
           <ac:cxnSpMkLst>
             <pc:docMk/>
             <pc:sldMk cId="201650809" sldId="260"/>
@@ -2261,7 +1765,7 @@
           </ac:cxnSpMkLst>
         </pc:cxnChg>
         <pc:cxnChg chg="mod">
-          <ac:chgData name="Montecino, Diego" userId="a795c42d-832a-4dce-b1d8-09bac981a9d2" providerId="ADAL" clId="{166D12EF-58EE-6C4C-9A24-99C33C59FE65}" dt="2024-11-15T20:54:37.034" v="1136" actId="5736"/>
+          <ac:chgData name="Montecino, Diego" userId="a795c42d-832a-4dce-b1d8-09bac981a9d2" providerId="ADAL" clId="{166D12EF-58EE-6C4C-9A24-99C33C59FE65}" dt="2024-11-19T05:10:15.303" v="1372" actId="5736"/>
           <ac:cxnSpMkLst>
             <pc:docMk/>
             <pc:sldMk cId="201650809" sldId="260"/>
@@ -2269,7 +1773,7 @@
           </ac:cxnSpMkLst>
         </pc:cxnChg>
         <pc:cxnChg chg="mod">
-          <ac:chgData name="Montecino, Diego" userId="a795c42d-832a-4dce-b1d8-09bac981a9d2" providerId="ADAL" clId="{166D12EF-58EE-6C4C-9A24-99C33C59FE65}" dt="2024-11-15T20:54:37.034" v="1136" actId="5736"/>
+          <ac:chgData name="Montecino, Diego" userId="a795c42d-832a-4dce-b1d8-09bac981a9d2" providerId="ADAL" clId="{166D12EF-58EE-6C4C-9A24-99C33C59FE65}" dt="2024-11-19T05:10:15.303" v="1372" actId="5736"/>
           <ac:cxnSpMkLst>
             <pc:docMk/>
             <pc:sldMk cId="201650809" sldId="260"/>
@@ -2277,7 +1781,7 @@
           </ac:cxnSpMkLst>
         </pc:cxnChg>
         <pc:cxnChg chg="mod">
-          <ac:chgData name="Montecino, Diego" userId="a795c42d-832a-4dce-b1d8-09bac981a9d2" providerId="ADAL" clId="{166D12EF-58EE-6C4C-9A24-99C33C59FE65}" dt="2024-11-15T20:54:37.034" v="1136" actId="5736"/>
+          <ac:chgData name="Montecino, Diego" userId="a795c42d-832a-4dce-b1d8-09bac981a9d2" providerId="ADAL" clId="{166D12EF-58EE-6C4C-9A24-99C33C59FE65}" dt="2024-11-19T05:10:15.303" v="1372" actId="5736"/>
           <ac:cxnSpMkLst>
             <pc:docMk/>
             <pc:sldMk cId="201650809" sldId="260"/>
@@ -2285,7 +1789,7 @@
           </ac:cxnSpMkLst>
         </pc:cxnChg>
         <pc:cxnChg chg="mod">
-          <ac:chgData name="Montecino, Diego" userId="a795c42d-832a-4dce-b1d8-09bac981a9d2" providerId="ADAL" clId="{166D12EF-58EE-6C4C-9A24-99C33C59FE65}" dt="2024-11-15T20:54:37.034" v="1136" actId="5736"/>
+          <ac:chgData name="Montecino, Diego" userId="a795c42d-832a-4dce-b1d8-09bac981a9d2" providerId="ADAL" clId="{166D12EF-58EE-6C4C-9A24-99C33C59FE65}" dt="2024-11-19T05:10:15.303" v="1372" actId="5736"/>
           <ac:cxnSpMkLst>
             <pc:docMk/>
             <pc:sldMk cId="201650809" sldId="260"/>
@@ -2293,7 +1797,7 @@
           </ac:cxnSpMkLst>
         </pc:cxnChg>
         <pc:cxnChg chg="mod">
-          <ac:chgData name="Montecino, Diego" userId="a795c42d-832a-4dce-b1d8-09bac981a9d2" providerId="ADAL" clId="{166D12EF-58EE-6C4C-9A24-99C33C59FE65}" dt="2024-11-15T20:54:37.034" v="1136" actId="5736"/>
+          <ac:chgData name="Montecino, Diego" userId="a795c42d-832a-4dce-b1d8-09bac981a9d2" providerId="ADAL" clId="{166D12EF-58EE-6C4C-9A24-99C33C59FE65}" dt="2024-11-19T05:10:15.303" v="1372" actId="5736"/>
           <ac:cxnSpMkLst>
             <pc:docMk/>
             <pc:sldMk cId="201650809" sldId="260"/>
@@ -4609,20 +4113,6 @@
             <a:t>Surveillance Activity</a:t>
           </a:r>
         </a:p>
-        <a:p>
-          <a:r>
-            <a:rPr lang="en-US" dirty="0"/>
-            <a:t>(</a:t>
-          </a:r>
-          <a:r>
-            <a:rPr lang="en-US" dirty="0" err="1"/>
-            <a:t>Surv</a:t>
-          </a:r>
-          <a:r>
-            <a:rPr lang="en-US" dirty="0"/>
-            <a:t> Objective)</a:t>
-          </a:r>
-        </a:p>
       </dgm:t>
     </dgm:pt>
     <dgm:pt modelId="{C2C2F35E-B900-B140-ADA5-2AE024810890}" type="parTrans" cxnId="{423B5ABB-8898-4F45-96A4-9316FCFD5722}">
@@ -4657,20 +4147,6 @@
           <a:r>
             <a:rPr lang="en-US" dirty="0"/>
             <a:t>Field Visit</a:t>
-          </a:r>
-        </a:p>
-        <a:p>
-          <a:r>
-            <a:rPr lang="en-US" dirty="0"/>
-            <a:t>(Field </a:t>
-          </a:r>
-          <a:r>
-            <a:rPr lang="en-US" dirty="0" err="1"/>
-            <a:t>Activitiy</a:t>
-          </a:r>
-          <a:r>
-            <a:rPr lang="en-US" dirty="0"/>
-            <a:t>)</a:t>
           </a:r>
         </a:p>
       </dgm:t>
@@ -4745,12 +4221,6 @@
             <a:t>Event</a:t>
           </a:r>
         </a:p>
-        <a:p>
-          <a:r>
-            <a:rPr lang="en-US" dirty="0"/>
-            <a:t>(Incident)</a:t>
-          </a:r>
-        </a:p>
       </dgm:t>
     </dgm:pt>
     <dgm:pt modelId="{5BF83042-230C-9F42-954A-D5D7655BE0F6}" type="parTrans" cxnId="{AE21C78D-E0BB-9940-BBDF-85D9626FB5EE}">
@@ -4929,12 +4399,6 @@
           <a:r>
             <a:rPr lang="en-US" dirty="0"/>
             <a:t>Collection</a:t>
-          </a:r>
-        </a:p>
-        <a:p>
-          <a:r>
-            <a:rPr lang="en-US" dirty="0"/>
-            <a:t>(Effort)</a:t>
           </a:r>
         </a:p>
       </dgm:t>
@@ -5505,15 +4969,7 @@
         <a:p>
           <a:r>
             <a:rPr lang="en-US" dirty="0"/>
-            <a:t>Surveillance Activity (</a:t>
-          </a:r>
-          <a:r>
-            <a:rPr lang="en-US" dirty="0" err="1"/>
-            <a:t>Surv</a:t>
-          </a:r>
-          <a:r>
-            <a:rPr lang="en-US" dirty="0"/>
-            <a:t> Objective)</a:t>
+            <a:t>Surveillance Activity</a:t>
           </a:r>
         </a:p>
       </dgm:t>
@@ -5550,12 +5006,6 @@
           <a:r>
             <a:rPr lang="en-US" dirty="0"/>
             <a:t>Field Visit</a:t>
-          </a:r>
-        </a:p>
-        <a:p>
-          <a:r>
-            <a:rPr lang="en-US" dirty="0"/>
-            <a:t>(Field Activity)</a:t>
           </a:r>
         </a:p>
       </dgm:t>
@@ -5630,12 +5080,6 @@
             <a:t>Event</a:t>
           </a:r>
         </a:p>
-        <a:p>
-          <a:r>
-            <a:rPr lang="en-US" dirty="0"/>
-            <a:t>(Incident)</a:t>
-          </a:r>
-        </a:p>
       </dgm:t>
     </dgm:pt>
     <dgm:pt modelId="{5BF83042-230C-9F42-954A-D5D7655BE0F6}" type="parTrans" cxnId="{AE21C78D-E0BB-9940-BBDF-85D9626FB5EE}">
@@ -5744,12 +5188,6 @@
             <a:t>Group Source</a:t>
           </a:r>
         </a:p>
-        <a:p>
-          <a:r>
-            <a:rPr lang="en-US" dirty="0"/>
-            <a:t>(Observation)</a:t>
-          </a:r>
-        </a:p>
       </dgm:t>
     </dgm:pt>
     <dgm:pt modelId="{F3E8BF26-CDEB-304A-871E-6259D6C92342}" type="parTrans" cxnId="{DD14A9B5-B548-7B4B-98DD-6E405995063F}">
@@ -5820,12 +5258,6 @@
           <a:r>
             <a:rPr lang="en-US" dirty="0"/>
             <a:t>Collection</a:t>
-          </a:r>
-        </a:p>
-        <a:p>
-          <a:r>
-            <a:rPr lang="en-US" dirty="0"/>
-            <a:t>(Effort)</a:t>
           </a:r>
         </a:p>
       </dgm:t>
@@ -6399,20 +5831,6 @@
             <a:t>Surveillance Activity </a:t>
           </a:r>
         </a:p>
-        <a:p>
-          <a:r>
-            <a:rPr lang="en-US" dirty="0"/>
-            <a:t>(</a:t>
-          </a:r>
-          <a:r>
-            <a:rPr lang="en-US" dirty="0" err="1"/>
-            <a:t>Surv</a:t>
-          </a:r>
-          <a:r>
-            <a:rPr lang="en-US" dirty="0"/>
-            <a:t> Objective)</a:t>
-          </a:r>
-        </a:p>
       </dgm:t>
     </dgm:pt>
     <dgm:pt modelId="{C2C2F35E-B900-B140-ADA5-2AE024810890}" type="parTrans" cxnId="{423B5ABB-8898-4F45-96A4-9316FCFD5722}">
@@ -6447,12 +5865,6 @@
           <a:r>
             <a:rPr lang="en-US" dirty="0"/>
             <a:t>Field Visit</a:t>
-          </a:r>
-        </a:p>
-        <a:p>
-          <a:r>
-            <a:rPr lang="en-US" dirty="0"/>
-            <a:t>(Field Activity)</a:t>
           </a:r>
         </a:p>
       </dgm:t>
@@ -6527,12 +5939,6 @@
             <a:t>Event</a:t>
           </a:r>
         </a:p>
-        <a:p>
-          <a:r>
-            <a:rPr lang="en-US" dirty="0"/>
-            <a:t>(Incident)</a:t>
-          </a:r>
-        </a:p>
       </dgm:t>
     </dgm:pt>
     <dgm:pt modelId="{5BF83042-230C-9F42-954A-D5D7655BE0F6}" type="parTrans" cxnId="{AE21C78D-E0BB-9940-BBDF-85D9626FB5EE}">
@@ -6711,12 +6117,6 @@
           <a:r>
             <a:rPr lang="en-US" dirty="0"/>
             <a:t>Collection</a:t>
-          </a:r>
-        </a:p>
-        <a:p>
-          <a:r>
-            <a:rPr lang="en-US" dirty="0"/>
-            <a:t>(Effort)</a:t>
           </a:r>
         </a:p>
       </dgm:t>
@@ -7737,12 +7137,12 @@
         </a:fontRef>
       </dsp:style>
       <dsp:txBody>
-        <a:bodyPr spcFirstLastPara="0" vert="horz" wrap="square" lIns="6350" tIns="6350" rIns="6350" bIns="6350" numCol="1" spcCol="1270" anchor="ctr" anchorCtr="0">
+        <a:bodyPr spcFirstLastPara="0" vert="horz" wrap="square" lIns="9525" tIns="9525" rIns="9525" bIns="9525" numCol="1" spcCol="1270" anchor="ctr" anchorCtr="0">
           <a:noAutofit/>
         </a:bodyPr>
         <a:lstStyle/>
         <a:p>
-          <a:pPr marL="0" lvl="0" indent="0" algn="ctr" defTabSz="444500">
+          <a:pPr marL="0" lvl="0" indent="0" algn="ctr" defTabSz="666750">
             <a:lnSpc>
               <a:spcPct val="90000"/>
             </a:lnSpc>
@@ -7755,7 +7155,7 @@
             <a:buNone/>
           </a:pPr>
           <a:r>
-            <a:rPr lang="en-US" sz="1000" kern="1200" dirty="0"/>
+            <a:rPr lang="en-US" sz="1500" kern="1200" dirty="0"/>
             <a:t>Project</a:t>
           </a:r>
         </a:p>
@@ -7815,12 +7215,12 @@
         </a:fontRef>
       </dsp:style>
       <dsp:txBody>
-        <a:bodyPr spcFirstLastPara="0" vert="horz" wrap="square" lIns="6350" tIns="6350" rIns="6350" bIns="6350" numCol="1" spcCol="1270" anchor="ctr" anchorCtr="0">
+        <a:bodyPr spcFirstLastPara="0" vert="horz" wrap="square" lIns="9525" tIns="9525" rIns="9525" bIns="9525" numCol="1" spcCol="1270" anchor="ctr" anchorCtr="0">
           <a:noAutofit/>
         </a:bodyPr>
         <a:lstStyle/>
         <a:p>
-          <a:pPr marL="0" lvl="0" indent="0" algn="ctr" defTabSz="444500">
+          <a:pPr marL="0" lvl="0" indent="0" algn="ctr" defTabSz="666750">
             <a:lnSpc>
               <a:spcPct val="90000"/>
             </a:lnSpc>
@@ -7833,34 +7233,8 @@
             <a:buNone/>
           </a:pPr>
           <a:r>
-            <a:rPr lang="en-US" sz="1000" kern="1200" dirty="0"/>
+            <a:rPr lang="en-US" sz="1500" kern="1200" dirty="0"/>
             <a:t>Surveillance Activity</a:t>
-          </a:r>
-        </a:p>
-        <a:p>
-          <a:pPr marL="0" lvl="0" indent="0" algn="ctr" defTabSz="444500">
-            <a:lnSpc>
-              <a:spcPct val="90000"/>
-            </a:lnSpc>
-            <a:spcBef>
-              <a:spcPct val="0"/>
-            </a:spcBef>
-            <a:spcAft>
-              <a:spcPct val="35000"/>
-            </a:spcAft>
-            <a:buNone/>
-          </a:pPr>
-          <a:r>
-            <a:rPr lang="en-US" sz="1000" kern="1200" dirty="0"/>
-            <a:t>(</a:t>
-          </a:r>
-          <a:r>
-            <a:rPr lang="en-US" sz="1000" kern="1200" dirty="0" err="1"/>
-            <a:t>Surv</a:t>
-          </a:r>
-          <a:r>
-            <a:rPr lang="en-US" sz="1000" kern="1200" dirty="0"/>
-            <a:t> Objective)</a:t>
           </a:r>
         </a:p>
       </dsp:txBody>
@@ -7919,12 +7293,12 @@
         </a:fontRef>
       </dsp:style>
       <dsp:txBody>
-        <a:bodyPr spcFirstLastPara="0" vert="horz" wrap="square" lIns="6350" tIns="6350" rIns="6350" bIns="6350" numCol="1" spcCol="1270" anchor="ctr" anchorCtr="0">
+        <a:bodyPr spcFirstLastPara="0" vert="horz" wrap="square" lIns="9525" tIns="9525" rIns="9525" bIns="9525" numCol="1" spcCol="1270" anchor="ctr" anchorCtr="0">
           <a:noAutofit/>
         </a:bodyPr>
         <a:lstStyle/>
         <a:p>
-          <a:pPr marL="0" lvl="0" indent="0" algn="ctr" defTabSz="444500">
+          <a:pPr marL="0" lvl="0" indent="0" algn="ctr" defTabSz="666750">
             <a:lnSpc>
               <a:spcPct val="90000"/>
             </a:lnSpc>
@@ -7937,34 +7311,8 @@
             <a:buNone/>
           </a:pPr>
           <a:r>
-            <a:rPr lang="en-US" sz="1000" kern="1200" dirty="0"/>
+            <a:rPr lang="en-US" sz="1500" kern="1200" dirty="0"/>
             <a:t>Field Visit</a:t>
-          </a:r>
-        </a:p>
-        <a:p>
-          <a:pPr marL="0" lvl="0" indent="0" algn="ctr" defTabSz="444500">
-            <a:lnSpc>
-              <a:spcPct val="90000"/>
-            </a:lnSpc>
-            <a:spcBef>
-              <a:spcPct val="0"/>
-            </a:spcBef>
-            <a:spcAft>
-              <a:spcPct val="35000"/>
-            </a:spcAft>
-            <a:buNone/>
-          </a:pPr>
-          <a:r>
-            <a:rPr lang="en-US" sz="1000" kern="1200" dirty="0"/>
-            <a:t>(Field </a:t>
-          </a:r>
-          <a:r>
-            <a:rPr lang="en-US" sz="1000" kern="1200" dirty="0" err="1"/>
-            <a:t>Activitiy</a:t>
-          </a:r>
-          <a:r>
-            <a:rPr lang="en-US" sz="1000" kern="1200" dirty="0"/>
-            <a:t>)</a:t>
           </a:r>
         </a:p>
       </dsp:txBody>
@@ -8023,12 +7371,12 @@
         </a:fontRef>
       </dsp:style>
       <dsp:txBody>
-        <a:bodyPr spcFirstLastPara="0" vert="horz" wrap="square" lIns="6350" tIns="6350" rIns="6350" bIns="6350" numCol="1" spcCol="1270" anchor="ctr" anchorCtr="0">
+        <a:bodyPr spcFirstLastPara="0" vert="horz" wrap="square" lIns="9525" tIns="9525" rIns="9525" bIns="9525" numCol="1" spcCol="1270" anchor="ctr" anchorCtr="0">
           <a:noAutofit/>
         </a:bodyPr>
         <a:lstStyle/>
         <a:p>
-          <a:pPr marL="0" lvl="0" indent="0" algn="ctr" defTabSz="444500">
+          <a:pPr marL="0" lvl="0" indent="0" algn="ctr" defTabSz="666750">
             <a:lnSpc>
               <a:spcPct val="90000"/>
             </a:lnSpc>
@@ -8041,7 +7389,7 @@
             <a:buNone/>
           </a:pPr>
           <a:r>
-            <a:rPr lang="en-US" sz="1000" kern="1200" dirty="0"/>
+            <a:rPr lang="en-US" sz="1500" kern="1200" dirty="0"/>
             <a:t>Location</a:t>
           </a:r>
         </a:p>
@@ -8101,12 +7449,12 @@
         </a:fontRef>
       </dsp:style>
       <dsp:txBody>
-        <a:bodyPr spcFirstLastPara="0" vert="horz" wrap="square" lIns="6350" tIns="6350" rIns="6350" bIns="6350" numCol="1" spcCol="1270" anchor="ctr" anchorCtr="0">
+        <a:bodyPr spcFirstLastPara="0" vert="horz" wrap="square" lIns="9525" tIns="9525" rIns="9525" bIns="9525" numCol="1" spcCol="1270" anchor="ctr" anchorCtr="0">
           <a:noAutofit/>
         </a:bodyPr>
         <a:lstStyle/>
         <a:p>
-          <a:pPr marL="0" lvl="0" indent="0" algn="ctr" defTabSz="444500">
+          <a:pPr marL="0" lvl="0" indent="0" algn="ctr" defTabSz="666750">
             <a:lnSpc>
               <a:spcPct val="90000"/>
             </a:lnSpc>
@@ -8119,26 +7467,8 @@
             <a:buNone/>
           </a:pPr>
           <a:r>
-            <a:rPr lang="en-US" sz="1000" kern="1200" dirty="0"/>
+            <a:rPr lang="en-US" sz="1500" kern="1200" dirty="0"/>
             <a:t>Event</a:t>
-          </a:r>
-        </a:p>
-        <a:p>
-          <a:pPr marL="0" lvl="0" indent="0" algn="ctr" defTabSz="444500">
-            <a:lnSpc>
-              <a:spcPct val="90000"/>
-            </a:lnSpc>
-            <a:spcBef>
-              <a:spcPct val="0"/>
-            </a:spcBef>
-            <a:spcAft>
-              <a:spcPct val="35000"/>
-            </a:spcAft>
-            <a:buNone/>
-          </a:pPr>
-          <a:r>
-            <a:rPr lang="en-US" sz="1000" kern="1200" dirty="0"/>
-            <a:t>(Incident)</a:t>
           </a:r>
         </a:p>
       </dsp:txBody>
@@ -8197,12 +7527,12 @@
         </a:fontRef>
       </dsp:style>
       <dsp:txBody>
-        <a:bodyPr spcFirstLastPara="0" vert="horz" wrap="square" lIns="6350" tIns="6350" rIns="6350" bIns="6350" numCol="1" spcCol="1270" anchor="ctr" anchorCtr="0">
+        <a:bodyPr spcFirstLastPara="0" vert="horz" wrap="square" lIns="9525" tIns="9525" rIns="9525" bIns="9525" numCol="1" spcCol="1270" anchor="ctr" anchorCtr="0">
           <a:noAutofit/>
         </a:bodyPr>
         <a:lstStyle/>
         <a:p>
-          <a:pPr marL="0" lvl="0" indent="0" algn="ctr" defTabSz="444500">
+          <a:pPr marL="0" lvl="0" indent="0" algn="ctr" defTabSz="666750">
             <a:lnSpc>
               <a:spcPct val="90000"/>
             </a:lnSpc>
@@ -8215,26 +7545,8 @@
             <a:buNone/>
           </a:pPr>
           <a:r>
-            <a:rPr lang="en-US" sz="1000" kern="1200" dirty="0"/>
+            <a:rPr lang="en-US" sz="1500" kern="1200" dirty="0"/>
             <a:t>Collection</a:t>
-          </a:r>
-        </a:p>
-        <a:p>
-          <a:pPr marL="0" lvl="0" indent="0" algn="ctr" defTabSz="444500">
-            <a:lnSpc>
-              <a:spcPct val="90000"/>
-            </a:lnSpc>
-            <a:spcBef>
-              <a:spcPct val="0"/>
-            </a:spcBef>
-            <a:spcAft>
-              <a:spcPct val="35000"/>
-            </a:spcAft>
-            <a:buNone/>
-          </a:pPr>
-          <a:r>
-            <a:rPr lang="en-US" sz="1000" kern="1200" dirty="0"/>
-            <a:t>(Effort)</a:t>
           </a:r>
         </a:p>
       </dsp:txBody>
@@ -8293,12 +7605,12 @@
         </a:fontRef>
       </dsp:style>
       <dsp:txBody>
-        <a:bodyPr spcFirstLastPara="0" vert="horz" wrap="square" lIns="6350" tIns="6350" rIns="6350" bIns="6350" numCol="1" spcCol="1270" anchor="ctr" anchorCtr="0">
+        <a:bodyPr spcFirstLastPara="0" vert="horz" wrap="square" lIns="9525" tIns="9525" rIns="9525" bIns="9525" numCol="1" spcCol="1270" anchor="ctr" anchorCtr="0">
           <a:noAutofit/>
         </a:bodyPr>
         <a:lstStyle/>
         <a:p>
-          <a:pPr marL="0" lvl="0" indent="0" algn="ctr" defTabSz="444500">
+          <a:pPr marL="0" lvl="0" indent="0" algn="ctr" defTabSz="666750">
             <a:lnSpc>
               <a:spcPct val="90000"/>
             </a:lnSpc>
@@ -8311,7 +7623,7 @@
             <a:buNone/>
           </a:pPr>
           <a:r>
-            <a:rPr lang="en-US" sz="1000" kern="1200" dirty="0"/>
+            <a:rPr lang="en-US" sz="1500" kern="1200" dirty="0"/>
             <a:t>Source Record</a:t>
           </a:r>
         </a:p>
@@ -8371,12 +7683,12 @@
         </a:fontRef>
       </dsp:style>
       <dsp:txBody>
-        <a:bodyPr spcFirstLastPara="0" vert="horz" wrap="square" lIns="6350" tIns="6350" rIns="6350" bIns="6350" numCol="1" spcCol="1270" anchor="ctr" anchorCtr="0">
+        <a:bodyPr spcFirstLastPara="0" vert="horz" wrap="square" lIns="9525" tIns="9525" rIns="9525" bIns="9525" numCol="1" spcCol="1270" anchor="ctr" anchorCtr="0">
           <a:noAutofit/>
         </a:bodyPr>
         <a:lstStyle/>
         <a:p>
-          <a:pPr marL="0" lvl="0" indent="0" algn="ctr" defTabSz="444500">
+          <a:pPr marL="0" lvl="0" indent="0" algn="ctr" defTabSz="666750">
             <a:lnSpc>
               <a:spcPct val="90000"/>
             </a:lnSpc>
@@ -8389,7 +7701,7 @@
             <a:buNone/>
           </a:pPr>
           <a:r>
-            <a:rPr lang="en-US" sz="1000" kern="1200" dirty="0"/>
+            <a:rPr lang="en-US" sz="1500" kern="1200" dirty="0"/>
             <a:t>Specimen</a:t>
           </a:r>
         </a:p>
@@ -8449,12 +7761,12 @@
         </a:fontRef>
       </dsp:style>
       <dsp:txBody>
-        <a:bodyPr spcFirstLastPara="0" vert="horz" wrap="square" lIns="6350" tIns="6350" rIns="6350" bIns="6350" numCol="1" spcCol="1270" anchor="ctr" anchorCtr="0">
+        <a:bodyPr spcFirstLastPara="0" vert="horz" wrap="square" lIns="9525" tIns="9525" rIns="9525" bIns="9525" numCol="1" spcCol="1270" anchor="ctr" anchorCtr="0">
           <a:noAutofit/>
         </a:bodyPr>
         <a:lstStyle/>
         <a:p>
-          <a:pPr marL="0" lvl="0" indent="0" algn="ctr" defTabSz="444500">
+          <a:pPr marL="0" lvl="0" indent="0" algn="ctr" defTabSz="666750">
             <a:lnSpc>
               <a:spcPct val="90000"/>
             </a:lnSpc>
@@ -8467,7 +7779,7 @@
             <a:buNone/>
           </a:pPr>
           <a:r>
-            <a:rPr lang="en-US" sz="1000" kern="1200" dirty="0"/>
+            <a:rPr lang="en-US" sz="1500" kern="1200" dirty="0"/>
             <a:t>Diagnostic</a:t>
           </a:r>
         </a:p>
@@ -8527,12 +7839,12 @@
         </a:fontRef>
       </dsp:style>
       <dsp:txBody>
-        <a:bodyPr spcFirstLastPara="0" vert="horz" wrap="square" lIns="6350" tIns="6350" rIns="6350" bIns="6350" numCol="1" spcCol="1270" anchor="ctr" anchorCtr="0">
+        <a:bodyPr spcFirstLastPara="0" vert="horz" wrap="square" lIns="9525" tIns="9525" rIns="9525" bIns="9525" numCol="1" spcCol="1270" anchor="ctr" anchorCtr="0">
           <a:noAutofit/>
         </a:bodyPr>
         <a:lstStyle/>
         <a:p>
-          <a:pPr marL="0" lvl="0" indent="0" algn="ctr" defTabSz="444500">
+          <a:pPr marL="0" lvl="0" indent="0" algn="ctr" defTabSz="666750">
             <a:lnSpc>
               <a:spcPct val="90000"/>
             </a:lnSpc>
@@ -8545,7 +7857,7 @@
             <a:buNone/>
           </a:pPr>
           <a:r>
-            <a:rPr lang="en-US" sz="1000" kern="1200" dirty="0"/>
+            <a:rPr lang="en-US" sz="1500" kern="1200" dirty="0"/>
             <a:t>Animal Source</a:t>
           </a:r>
         </a:p>
@@ -9068,12 +8380,12 @@
         </a:fontRef>
       </dsp:style>
       <dsp:txBody>
-        <a:bodyPr spcFirstLastPara="0" vert="horz" wrap="square" lIns="7620" tIns="7620" rIns="7620" bIns="7620" numCol="1" spcCol="1270" anchor="ctr" anchorCtr="0">
+        <a:bodyPr spcFirstLastPara="0" vert="horz" wrap="square" lIns="9525" tIns="9525" rIns="9525" bIns="9525" numCol="1" spcCol="1270" anchor="ctr" anchorCtr="0">
           <a:noAutofit/>
         </a:bodyPr>
         <a:lstStyle/>
         <a:p>
-          <a:pPr marL="0" lvl="0" indent="0" algn="ctr" defTabSz="533400">
+          <a:pPr marL="0" lvl="0" indent="0" algn="ctr" defTabSz="666750">
             <a:lnSpc>
               <a:spcPct val="90000"/>
             </a:lnSpc>
@@ -9086,7 +8398,7 @@
             <a:buNone/>
           </a:pPr>
           <a:r>
-            <a:rPr lang="en-US" sz="1200" kern="1200" dirty="0"/>
+            <a:rPr lang="en-US" sz="1500" kern="1200" dirty="0"/>
             <a:t>Project</a:t>
           </a:r>
         </a:p>
@@ -9146,12 +8458,12 @@
         </a:fontRef>
       </dsp:style>
       <dsp:txBody>
-        <a:bodyPr spcFirstLastPara="0" vert="horz" wrap="square" lIns="7620" tIns="7620" rIns="7620" bIns="7620" numCol="1" spcCol="1270" anchor="ctr" anchorCtr="0">
+        <a:bodyPr spcFirstLastPara="0" vert="horz" wrap="square" lIns="9525" tIns="9525" rIns="9525" bIns="9525" numCol="1" spcCol="1270" anchor="ctr" anchorCtr="0">
           <a:noAutofit/>
         </a:bodyPr>
         <a:lstStyle/>
         <a:p>
-          <a:pPr marL="0" lvl="0" indent="0" algn="ctr" defTabSz="533400">
+          <a:pPr marL="0" lvl="0" indent="0" algn="ctr" defTabSz="666750">
             <a:lnSpc>
               <a:spcPct val="90000"/>
             </a:lnSpc>
@@ -9164,16 +8476,8 @@
             <a:buNone/>
           </a:pPr>
           <a:r>
-            <a:rPr lang="en-US" sz="1200" kern="1200" dirty="0"/>
-            <a:t>Surveillance Activity (</a:t>
-          </a:r>
-          <a:r>
-            <a:rPr lang="en-US" sz="1200" kern="1200" dirty="0" err="1"/>
-            <a:t>Surv</a:t>
-          </a:r>
-          <a:r>
-            <a:rPr lang="en-US" sz="1200" kern="1200" dirty="0"/>
-            <a:t> Objective)</a:t>
+            <a:rPr lang="en-US" sz="1500" kern="1200" dirty="0"/>
+            <a:t>Surveillance Activity</a:t>
           </a:r>
         </a:p>
       </dsp:txBody>
@@ -9232,12 +8536,12 @@
         </a:fontRef>
       </dsp:style>
       <dsp:txBody>
-        <a:bodyPr spcFirstLastPara="0" vert="horz" wrap="square" lIns="7620" tIns="7620" rIns="7620" bIns="7620" numCol="1" spcCol="1270" anchor="ctr" anchorCtr="0">
+        <a:bodyPr spcFirstLastPara="0" vert="horz" wrap="square" lIns="9525" tIns="9525" rIns="9525" bIns="9525" numCol="1" spcCol="1270" anchor="ctr" anchorCtr="0">
           <a:noAutofit/>
         </a:bodyPr>
         <a:lstStyle/>
         <a:p>
-          <a:pPr marL="0" lvl="0" indent="0" algn="ctr" defTabSz="533400">
+          <a:pPr marL="0" lvl="0" indent="0" algn="ctr" defTabSz="666750">
             <a:lnSpc>
               <a:spcPct val="90000"/>
             </a:lnSpc>
@@ -9250,26 +8554,8 @@
             <a:buNone/>
           </a:pPr>
           <a:r>
-            <a:rPr lang="en-US" sz="1200" kern="1200" dirty="0"/>
+            <a:rPr lang="en-US" sz="1500" kern="1200" dirty="0"/>
             <a:t>Field Visit</a:t>
-          </a:r>
-        </a:p>
-        <a:p>
-          <a:pPr marL="0" lvl="0" indent="0" algn="ctr" defTabSz="533400">
-            <a:lnSpc>
-              <a:spcPct val="90000"/>
-            </a:lnSpc>
-            <a:spcBef>
-              <a:spcPct val="0"/>
-            </a:spcBef>
-            <a:spcAft>
-              <a:spcPct val="35000"/>
-            </a:spcAft>
-            <a:buNone/>
-          </a:pPr>
-          <a:r>
-            <a:rPr lang="en-US" sz="1200" kern="1200" dirty="0"/>
-            <a:t>(Field Activity)</a:t>
           </a:r>
         </a:p>
       </dsp:txBody>
@@ -9328,12 +8614,12 @@
         </a:fontRef>
       </dsp:style>
       <dsp:txBody>
-        <a:bodyPr spcFirstLastPara="0" vert="horz" wrap="square" lIns="7620" tIns="7620" rIns="7620" bIns="7620" numCol="1" spcCol="1270" anchor="ctr" anchorCtr="0">
+        <a:bodyPr spcFirstLastPara="0" vert="horz" wrap="square" lIns="9525" tIns="9525" rIns="9525" bIns="9525" numCol="1" spcCol="1270" anchor="ctr" anchorCtr="0">
           <a:noAutofit/>
         </a:bodyPr>
         <a:lstStyle/>
         <a:p>
-          <a:pPr marL="0" lvl="0" indent="0" algn="ctr" defTabSz="533400">
+          <a:pPr marL="0" lvl="0" indent="0" algn="ctr" defTabSz="666750">
             <a:lnSpc>
               <a:spcPct val="90000"/>
             </a:lnSpc>
@@ -9346,7 +8632,7 @@
             <a:buNone/>
           </a:pPr>
           <a:r>
-            <a:rPr lang="en-US" sz="1200" kern="1200" dirty="0"/>
+            <a:rPr lang="en-US" sz="1500" kern="1200" dirty="0"/>
             <a:t>Location</a:t>
           </a:r>
         </a:p>
@@ -9406,12 +8692,12 @@
         </a:fontRef>
       </dsp:style>
       <dsp:txBody>
-        <a:bodyPr spcFirstLastPara="0" vert="horz" wrap="square" lIns="7620" tIns="7620" rIns="7620" bIns="7620" numCol="1" spcCol="1270" anchor="ctr" anchorCtr="0">
+        <a:bodyPr spcFirstLastPara="0" vert="horz" wrap="square" lIns="9525" tIns="9525" rIns="9525" bIns="9525" numCol="1" spcCol="1270" anchor="ctr" anchorCtr="0">
           <a:noAutofit/>
         </a:bodyPr>
         <a:lstStyle/>
         <a:p>
-          <a:pPr marL="0" lvl="0" indent="0" algn="ctr" defTabSz="533400">
+          <a:pPr marL="0" lvl="0" indent="0" algn="ctr" defTabSz="666750">
             <a:lnSpc>
               <a:spcPct val="90000"/>
             </a:lnSpc>
@@ -9424,26 +8710,8 @@
             <a:buNone/>
           </a:pPr>
           <a:r>
-            <a:rPr lang="en-US" sz="1200" kern="1200" dirty="0"/>
+            <a:rPr lang="en-US" sz="1500" kern="1200" dirty="0"/>
             <a:t>Event</a:t>
-          </a:r>
-        </a:p>
-        <a:p>
-          <a:pPr marL="0" lvl="0" indent="0" algn="ctr" defTabSz="533400">
-            <a:lnSpc>
-              <a:spcPct val="90000"/>
-            </a:lnSpc>
-            <a:spcBef>
-              <a:spcPct val="0"/>
-            </a:spcBef>
-            <a:spcAft>
-              <a:spcPct val="35000"/>
-            </a:spcAft>
-            <a:buNone/>
-          </a:pPr>
-          <a:r>
-            <a:rPr lang="en-US" sz="1200" kern="1200" dirty="0"/>
-            <a:t>(Incident)</a:t>
           </a:r>
         </a:p>
       </dsp:txBody>
@@ -9502,12 +8770,12 @@
         </a:fontRef>
       </dsp:style>
       <dsp:txBody>
-        <a:bodyPr spcFirstLastPara="0" vert="horz" wrap="square" lIns="7620" tIns="7620" rIns="7620" bIns="7620" numCol="1" spcCol="1270" anchor="ctr" anchorCtr="0">
+        <a:bodyPr spcFirstLastPara="0" vert="horz" wrap="square" lIns="9525" tIns="9525" rIns="9525" bIns="9525" numCol="1" spcCol="1270" anchor="ctr" anchorCtr="0">
           <a:noAutofit/>
         </a:bodyPr>
         <a:lstStyle/>
         <a:p>
-          <a:pPr marL="0" lvl="0" indent="0" algn="ctr" defTabSz="533400">
+          <a:pPr marL="0" lvl="0" indent="0" algn="ctr" defTabSz="666750">
             <a:lnSpc>
               <a:spcPct val="90000"/>
             </a:lnSpc>
@@ -9520,26 +8788,8 @@
             <a:buNone/>
           </a:pPr>
           <a:r>
-            <a:rPr lang="en-US" sz="1200" kern="1200" dirty="0"/>
+            <a:rPr lang="en-US" sz="1500" kern="1200" dirty="0"/>
             <a:t>Collection</a:t>
-          </a:r>
-        </a:p>
-        <a:p>
-          <a:pPr marL="0" lvl="0" indent="0" algn="ctr" defTabSz="533400">
-            <a:lnSpc>
-              <a:spcPct val="90000"/>
-            </a:lnSpc>
-            <a:spcBef>
-              <a:spcPct val="0"/>
-            </a:spcBef>
-            <a:spcAft>
-              <a:spcPct val="35000"/>
-            </a:spcAft>
-            <a:buNone/>
-          </a:pPr>
-          <a:r>
-            <a:rPr lang="en-US" sz="1200" kern="1200" dirty="0"/>
-            <a:t>(Effort)</a:t>
           </a:r>
         </a:p>
       </dsp:txBody>
@@ -9598,12 +8848,12 @@
         </a:fontRef>
       </dsp:style>
       <dsp:txBody>
-        <a:bodyPr spcFirstLastPara="0" vert="horz" wrap="square" lIns="7620" tIns="7620" rIns="7620" bIns="7620" numCol="1" spcCol="1270" anchor="ctr" anchorCtr="0">
+        <a:bodyPr spcFirstLastPara="0" vert="horz" wrap="square" lIns="9525" tIns="9525" rIns="9525" bIns="9525" numCol="1" spcCol="1270" anchor="ctr" anchorCtr="0">
           <a:noAutofit/>
         </a:bodyPr>
         <a:lstStyle/>
         <a:p>
-          <a:pPr marL="0" lvl="0" indent="0" algn="ctr" defTabSz="533400">
+          <a:pPr marL="0" lvl="0" indent="0" algn="ctr" defTabSz="666750">
             <a:lnSpc>
               <a:spcPct val="90000"/>
             </a:lnSpc>
@@ -9616,7 +8866,7 @@
             <a:buNone/>
           </a:pPr>
           <a:r>
-            <a:rPr lang="en-US" sz="1200" kern="1200" dirty="0"/>
+            <a:rPr lang="en-US" sz="1500" kern="1200" dirty="0"/>
             <a:t>Source Record</a:t>
           </a:r>
         </a:p>
@@ -9676,12 +8926,12 @@
         </a:fontRef>
       </dsp:style>
       <dsp:txBody>
-        <a:bodyPr spcFirstLastPara="0" vert="horz" wrap="square" lIns="7620" tIns="7620" rIns="7620" bIns="7620" numCol="1" spcCol="1270" anchor="ctr" anchorCtr="0">
+        <a:bodyPr spcFirstLastPara="0" vert="horz" wrap="square" lIns="9525" tIns="9525" rIns="9525" bIns="9525" numCol="1" spcCol="1270" anchor="ctr" anchorCtr="0">
           <a:noAutofit/>
         </a:bodyPr>
         <a:lstStyle/>
         <a:p>
-          <a:pPr marL="0" lvl="0" indent="0" algn="ctr" defTabSz="533400">
+          <a:pPr marL="0" lvl="0" indent="0" algn="ctr" defTabSz="666750">
             <a:lnSpc>
               <a:spcPct val="90000"/>
             </a:lnSpc>
@@ -9694,7 +8944,7 @@
             <a:buNone/>
           </a:pPr>
           <a:r>
-            <a:rPr lang="en-US" sz="1200" kern="1200" dirty="0"/>
+            <a:rPr lang="en-US" sz="1500" kern="1200" dirty="0"/>
             <a:t>Specimen</a:t>
           </a:r>
         </a:p>
@@ -9754,12 +9004,12 @@
         </a:fontRef>
       </dsp:style>
       <dsp:txBody>
-        <a:bodyPr spcFirstLastPara="0" vert="horz" wrap="square" lIns="7620" tIns="7620" rIns="7620" bIns="7620" numCol="1" spcCol="1270" anchor="ctr" anchorCtr="0">
+        <a:bodyPr spcFirstLastPara="0" vert="horz" wrap="square" lIns="9525" tIns="9525" rIns="9525" bIns="9525" numCol="1" spcCol="1270" anchor="ctr" anchorCtr="0">
           <a:noAutofit/>
         </a:bodyPr>
         <a:lstStyle/>
         <a:p>
-          <a:pPr marL="0" lvl="0" indent="0" algn="ctr" defTabSz="533400">
+          <a:pPr marL="0" lvl="0" indent="0" algn="ctr" defTabSz="666750">
             <a:lnSpc>
               <a:spcPct val="90000"/>
             </a:lnSpc>
@@ -9772,7 +9022,7 @@
             <a:buNone/>
           </a:pPr>
           <a:r>
-            <a:rPr lang="en-US" sz="1200" kern="1200" dirty="0"/>
+            <a:rPr lang="en-US" sz="1500" kern="1200" dirty="0"/>
             <a:t>Diagnostic</a:t>
           </a:r>
         </a:p>
@@ -9832,12 +9082,12 @@
         </a:fontRef>
       </dsp:style>
       <dsp:txBody>
-        <a:bodyPr spcFirstLastPara="0" vert="horz" wrap="square" lIns="7620" tIns="7620" rIns="7620" bIns="7620" numCol="1" spcCol="1270" anchor="ctr" anchorCtr="0">
+        <a:bodyPr spcFirstLastPara="0" vert="horz" wrap="square" lIns="9525" tIns="9525" rIns="9525" bIns="9525" numCol="1" spcCol="1270" anchor="ctr" anchorCtr="0">
           <a:noAutofit/>
         </a:bodyPr>
         <a:lstStyle/>
         <a:p>
-          <a:pPr marL="0" lvl="0" indent="0" algn="ctr" defTabSz="533400">
+          <a:pPr marL="0" lvl="0" indent="0" algn="ctr" defTabSz="666750">
             <a:lnSpc>
               <a:spcPct val="90000"/>
             </a:lnSpc>
@@ -9850,26 +9100,8 @@
             <a:buNone/>
           </a:pPr>
           <a:r>
-            <a:rPr lang="en-US" sz="1200" kern="1200" dirty="0"/>
+            <a:rPr lang="en-US" sz="1500" kern="1200" dirty="0"/>
             <a:t>Group Source</a:t>
-          </a:r>
-        </a:p>
-        <a:p>
-          <a:pPr marL="0" lvl="0" indent="0" algn="ctr" defTabSz="533400">
-            <a:lnSpc>
-              <a:spcPct val="90000"/>
-            </a:lnSpc>
-            <a:spcBef>
-              <a:spcPct val="0"/>
-            </a:spcBef>
-            <a:spcAft>
-              <a:spcPct val="35000"/>
-            </a:spcAft>
-            <a:buNone/>
-          </a:pPr>
-          <a:r>
-            <a:rPr lang="en-US" sz="1200" kern="1200" dirty="0"/>
-            <a:t>(Observation)</a:t>
           </a:r>
         </a:p>
       </dsp:txBody>
@@ -10391,12 +9623,12 @@
         </a:fontRef>
       </dsp:style>
       <dsp:txBody>
-        <a:bodyPr spcFirstLastPara="0" vert="horz" wrap="square" lIns="6350" tIns="6350" rIns="6350" bIns="6350" numCol="1" spcCol="1270" anchor="ctr" anchorCtr="0">
+        <a:bodyPr spcFirstLastPara="0" vert="horz" wrap="square" lIns="9525" tIns="9525" rIns="9525" bIns="9525" numCol="1" spcCol="1270" anchor="ctr" anchorCtr="0">
           <a:noAutofit/>
         </a:bodyPr>
         <a:lstStyle/>
         <a:p>
-          <a:pPr marL="0" lvl="0" indent="0" algn="ctr" defTabSz="444500">
+          <a:pPr marL="0" lvl="0" indent="0" algn="ctr" defTabSz="666750">
             <a:lnSpc>
               <a:spcPct val="90000"/>
             </a:lnSpc>
@@ -10409,7 +9641,7 @@
             <a:buNone/>
           </a:pPr>
           <a:r>
-            <a:rPr lang="en-US" sz="1000" kern="1200" dirty="0"/>
+            <a:rPr lang="en-US" sz="1500" kern="1200" dirty="0"/>
             <a:t>Project</a:t>
           </a:r>
         </a:p>
@@ -10469,12 +9701,12 @@
         </a:fontRef>
       </dsp:style>
       <dsp:txBody>
-        <a:bodyPr spcFirstLastPara="0" vert="horz" wrap="square" lIns="6350" tIns="6350" rIns="6350" bIns="6350" numCol="1" spcCol="1270" anchor="ctr" anchorCtr="0">
+        <a:bodyPr spcFirstLastPara="0" vert="horz" wrap="square" lIns="9525" tIns="9525" rIns="9525" bIns="9525" numCol="1" spcCol="1270" anchor="ctr" anchorCtr="0">
           <a:noAutofit/>
         </a:bodyPr>
         <a:lstStyle/>
         <a:p>
-          <a:pPr marL="0" lvl="0" indent="0" algn="ctr" defTabSz="444500">
+          <a:pPr marL="0" lvl="0" indent="0" algn="ctr" defTabSz="666750">
             <a:lnSpc>
               <a:spcPct val="90000"/>
             </a:lnSpc>
@@ -10487,34 +9719,8 @@
             <a:buNone/>
           </a:pPr>
           <a:r>
-            <a:rPr lang="en-US" sz="1000" kern="1200" dirty="0"/>
+            <a:rPr lang="en-US" sz="1500" kern="1200" dirty="0"/>
             <a:t>Surveillance Activity </a:t>
-          </a:r>
-        </a:p>
-        <a:p>
-          <a:pPr marL="0" lvl="0" indent="0" algn="ctr" defTabSz="444500">
-            <a:lnSpc>
-              <a:spcPct val="90000"/>
-            </a:lnSpc>
-            <a:spcBef>
-              <a:spcPct val="0"/>
-            </a:spcBef>
-            <a:spcAft>
-              <a:spcPct val="35000"/>
-            </a:spcAft>
-            <a:buNone/>
-          </a:pPr>
-          <a:r>
-            <a:rPr lang="en-US" sz="1000" kern="1200" dirty="0"/>
-            <a:t>(</a:t>
-          </a:r>
-          <a:r>
-            <a:rPr lang="en-US" sz="1000" kern="1200" dirty="0" err="1"/>
-            <a:t>Surv</a:t>
-          </a:r>
-          <a:r>
-            <a:rPr lang="en-US" sz="1000" kern="1200" dirty="0"/>
-            <a:t> Objective)</a:t>
           </a:r>
         </a:p>
       </dsp:txBody>
@@ -10573,12 +9779,12 @@
         </a:fontRef>
       </dsp:style>
       <dsp:txBody>
-        <a:bodyPr spcFirstLastPara="0" vert="horz" wrap="square" lIns="6350" tIns="6350" rIns="6350" bIns="6350" numCol="1" spcCol="1270" anchor="ctr" anchorCtr="0">
+        <a:bodyPr spcFirstLastPara="0" vert="horz" wrap="square" lIns="9525" tIns="9525" rIns="9525" bIns="9525" numCol="1" spcCol="1270" anchor="ctr" anchorCtr="0">
           <a:noAutofit/>
         </a:bodyPr>
         <a:lstStyle/>
         <a:p>
-          <a:pPr marL="0" lvl="0" indent="0" algn="ctr" defTabSz="444500">
+          <a:pPr marL="0" lvl="0" indent="0" algn="ctr" defTabSz="666750">
             <a:lnSpc>
               <a:spcPct val="90000"/>
             </a:lnSpc>
@@ -10591,26 +9797,8 @@
             <a:buNone/>
           </a:pPr>
           <a:r>
-            <a:rPr lang="en-US" sz="1000" kern="1200" dirty="0"/>
+            <a:rPr lang="en-US" sz="1500" kern="1200" dirty="0"/>
             <a:t>Field Visit</a:t>
-          </a:r>
-        </a:p>
-        <a:p>
-          <a:pPr marL="0" lvl="0" indent="0" algn="ctr" defTabSz="444500">
-            <a:lnSpc>
-              <a:spcPct val="90000"/>
-            </a:lnSpc>
-            <a:spcBef>
-              <a:spcPct val="0"/>
-            </a:spcBef>
-            <a:spcAft>
-              <a:spcPct val="35000"/>
-            </a:spcAft>
-            <a:buNone/>
-          </a:pPr>
-          <a:r>
-            <a:rPr lang="en-US" sz="1000" kern="1200" dirty="0"/>
-            <a:t>(Field Activity)</a:t>
           </a:r>
         </a:p>
       </dsp:txBody>
@@ -10669,12 +9857,12 @@
         </a:fontRef>
       </dsp:style>
       <dsp:txBody>
-        <a:bodyPr spcFirstLastPara="0" vert="horz" wrap="square" lIns="6350" tIns="6350" rIns="6350" bIns="6350" numCol="1" spcCol="1270" anchor="ctr" anchorCtr="0">
+        <a:bodyPr spcFirstLastPara="0" vert="horz" wrap="square" lIns="9525" tIns="9525" rIns="9525" bIns="9525" numCol="1" spcCol="1270" anchor="ctr" anchorCtr="0">
           <a:noAutofit/>
         </a:bodyPr>
         <a:lstStyle/>
         <a:p>
-          <a:pPr marL="0" lvl="0" indent="0" algn="ctr" defTabSz="444500">
+          <a:pPr marL="0" lvl="0" indent="0" algn="ctr" defTabSz="666750">
             <a:lnSpc>
               <a:spcPct val="90000"/>
             </a:lnSpc>
@@ -10687,7 +9875,7 @@
             <a:buNone/>
           </a:pPr>
           <a:r>
-            <a:rPr lang="en-US" sz="1000" kern="1200" dirty="0"/>
+            <a:rPr lang="en-US" sz="1500" kern="1200" dirty="0"/>
             <a:t>Location</a:t>
           </a:r>
         </a:p>
@@ -10747,12 +9935,12 @@
         </a:fontRef>
       </dsp:style>
       <dsp:txBody>
-        <a:bodyPr spcFirstLastPara="0" vert="horz" wrap="square" lIns="6350" tIns="6350" rIns="6350" bIns="6350" numCol="1" spcCol="1270" anchor="ctr" anchorCtr="0">
+        <a:bodyPr spcFirstLastPara="0" vert="horz" wrap="square" lIns="9525" tIns="9525" rIns="9525" bIns="9525" numCol="1" spcCol="1270" anchor="ctr" anchorCtr="0">
           <a:noAutofit/>
         </a:bodyPr>
         <a:lstStyle/>
         <a:p>
-          <a:pPr marL="0" lvl="0" indent="0" algn="ctr" defTabSz="444500">
+          <a:pPr marL="0" lvl="0" indent="0" algn="ctr" defTabSz="666750">
             <a:lnSpc>
               <a:spcPct val="90000"/>
             </a:lnSpc>
@@ -10765,26 +9953,8 @@
             <a:buNone/>
           </a:pPr>
           <a:r>
-            <a:rPr lang="en-US" sz="1000" kern="1200" dirty="0"/>
+            <a:rPr lang="en-US" sz="1500" kern="1200" dirty="0"/>
             <a:t>Event</a:t>
-          </a:r>
-        </a:p>
-        <a:p>
-          <a:pPr marL="0" lvl="0" indent="0" algn="ctr" defTabSz="444500">
-            <a:lnSpc>
-              <a:spcPct val="90000"/>
-            </a:lnSpc>
-            <a:spcBef>
-              <a:spcPct val="0"/>
-            </a:spcBef>
-            <a:spcAft>
-              <a:spcPct val="35000"/>
-            </a:spcAft>
-            <a:buNone/>
-          </a:pPr>
-          <a:r>
-            <a:rPr lang="en-US" sz="1000" kern="1200" dirty="0"/>
-            <a:t>(Incident)</a:t>
           </a:r>
         </a:p>
       </dsp:txBody>
@@ -10843,12 +10013,12 @@
         </a:fontRef>
       </dsp:style>
       <dsp:txBody>
-        <a:bodyPr spcFirstLastPara="0" vert="horz" wrap="square" lIns="6350" tIns="6350" rIns="6350" bIns="6350" numCol="1" spcCol="1270" anchor="ctr" anchorCtr="0">
+        <a:bodyPr spcFirstLastPara="0" vert="horz" wrap="square" lIns="9525" tIns="9525" rIns="9525" bIns="9525" numCol="1" spcCol="1270" anchor="ctr" anchorCtr="0">
           <a:noAutofit/>
         </a:bodyPr>
         <a:lstStyle/>
         <a:p>
-          <a:pPr marL="0" lvl="0" indent="0" algn="ctr" defTabSz="444500">
+          <a:pPr marL="0" lvl="0" indent="0" algn="ctr" defTabSz="666750">
             <a:lnSpc>
               <a:spcPct val="90000"/>
             </a:lnSpc>
@@ -10861,26 +10031,8 @@
             <a:buNone/>
           </a:pPr>
           <a:r>
-            <a:rPr lang="en-US" sz="1000" kern="1200" dirty="0"/>
+            <a:rPr lang="en-US" sz="1500" kern="1200" dirty="0"/>
             <a:t>Collection</a:t>
-          </a:r>
-        </a:p>
-        <a:p>
-          <a:pPr marL="0" lvl="0" indent="0" algn="ctr" defTabSz="444500">
-            <a:lnSpc>
-              <a:spcPct val="90000"/>
-            </a:lnSpc>
-            <a:spcBef>
-              <a:spcPct val="0"/>
-            </a:spcBef>
-            <a:spcAft>
-              <a:spcPct val="35000"/>
-            </a:spcAft>
-            <a:buNone/>
-          </a:pPr>
-          <a:r>
-            <a:rPr lang="en-US" sz="1000" kern="1200" dirty="0"/>
-            <a:t>(Effort)</a:t>
           </a:r>
         </a:p>
       </dsp:txBody>
@@ -10939,12 +10091,12 @@
         </a:fontRef>
       </dsp:style>
       <dsp:txBody>
-        <a:bodyPr spcFirstLastPara="0" vert="horz" wrap="square" lIns="6350" tIns="6350" rIns="6350" bIns="6350" numCol="1" spcCol="1270" anchor="ctr" anchorCtr="0">
+        <a:bodyPr spcFirstLastPara="0" vert="horz" wrap="square" lIns="9525" tIns="9525" rIns="9525" bIns="9525" numCol="1" spcCol="1270" anchor="ctr" anchorCtr="0">
           <a:noAutofit/>
         </a:bodyPr>
         <a:lstStyle/>
         <a:p>
-          <a:pPr marL="0" lvl="0" indent="0" algn="ctr" defTabSz="444500">
+          <a:pPr marL="0" lvl="0" indent="0" algn="ctr" defTabSz="666750">
             <a:lnSpc>
               <a:spcPct val="90000"/>
             </a:lnSpc>
@@ -10957,7 +10109,7 @@
             <a:buNone/>
           </a:pPr>
           <a:r>
-            <a:rPr lang="en-US" sz="1000" kern="1200" dirty="0"/>
+            <a:rPr lang="en-US" sz="1500" kern="1200" dirty="0"/>
             <a:t>Source Record</a:t>
           </a:r>
         </a:p>
@@ -11017,12 +10169,12 @@
         </a:fontRef>
       </dsp:style>
       <dsp:txBody>
-        <a:bodyPr spcFirstLastPara="0" vert="horz" wrap="square" lIns="6350" tIns="6350" rIns="6350" bIns="6350" numCol="1" spcCol="1270" anchor="ctr" anchorCtr="0">
+        <a:bodyPr spcFirstLastPara="0" vert="horz" wrap="square" lIns="9525" tIns="9525" rIns="9525" bIns="9525" numCol="1" spcCol="1270" anchor="ctr" anchorCtr="0">
           <a:noAutofit/>
         </a:bodyPr>
         <a:lstStyle/>
         <a:p>
-          <a:pPr marL="0" lvl="0" indent="0" algn="ctr" defTabSz="444500">
+          <a:pPr marL="0" lvl="0" indent="0" algn="ctr" defTabSz="666750">
             <a:lnSpc>
               <a:spcPct val="90000"/>
             </a:lnSpc>
@@ -11035,7 +10187,7 @@
             <a:buNone/>
           </a:pPr>
           <a:r>
-            <a:rPr lang="en-US" sz="1000" kern="1200" dirty="0"/>
+            <a:rPr lang="en-US" sz="1500" kern="1200" dirty="0"/>
             <a:t>Specimen</a:t>
           </a:r>
         </a:p>
@@ -11095,12 +10247,12 @@
         </a:fontRef>
       </dsp:style>
       <dsp:txBody>
-        <a:bodyPr spcFirstLastPara="0" vert="horz" wrap="square" lIns="6350" tIns="6350" rIns="6350" bIns="6350" numCol="1" spcCol="1270" anchor="ctr" anchorCtr="0">
+        <a:bodyPr spcFirstLastPara="0" vert="horz" wrap="square" lIns="9525" tIns="9525" rIns="9525" bIns="9525" numCol="1" spcCol="1270" anchor="ctr" anchorCtr="0">
           <a:noAutofit/>
         </a:bodyPr>
         <a:lstStyle/>
         <a:p>
-          <a:pPr marL="0" lvl="0" indent="0" algn="ctr" defTabSz="444500">
+          <a:pPr marL="0" lvl="0" indent="0" algn="ctr" defTabSz="666750">
             <a:lnSpc>
               <a:spcPct val="90000"/>
             </a:lnSpc>
@@ -11113,7 +10265,7 @@
             <a:buNone/>
           </a:pPr>
           <a:r>
-            <a:rPr lang="en-US" sz="1000" kern="1200" dirty="0"/>
+            <a:rPr lang="en-US" sz="1500" kern="1200" dirty="0"/>
             <a:t>Diagnostic</a:t>
           </a:r>
         </a:p>
@@ -11173,12 +10325,12 @@
         </a:fontRef>
       </dsp:style>
       <dsp:txBody>
-        <a:bodyPr spcFirstLastPara="0" vert="horz" wrap="square" lIns="6350" tIns="6350" rIns="6350" bIns="6350" numCol="1" spcCol="1270" anchor="ctr" anchorCtr="0">
+        <a:bodyPr spcFirstLastPara="0" vert="horz" wrap="square" lIns="9525" tIns="9525" rIns="9525" bIns="9525" numCol="1" spcCol="1270" anchor="ctr" anchorCtr="0">
           <a:noAutofit/>
         </a:bodyPr>
         <a:lstStyle/>
         <a:p>
-          <a:pPr marL="0" lvl="0" indent="0" algn="ctr" defTabSz="444500">
+          <a:pPr marL="0" lvl="0" indent="0" algn="ctr" defTabSz="666750">
             <a:lnSpc>
               <a:spcPct val="90000"/>
             </a:lnSpc>
@@ -11191,7 +10343,7 @@
             <a:buNone/>
           </a:pPr>
           <a:r>
-            <a:rPr lang="en-US" sz="1000" kern="1200" dirty="0"/>
+            <a:rPr lang="en-US" sz="1500" kern="1200" dirty="0"/>
             <a:t>Source</a:t>
           </a:r>
         </a:p>
@@ -17892,7 +17044,7 @@
           <a:p>
             <a:fld id="{7C440E38-86B9-AF4A-8D14-0E3B01B3360B}" type="datetimeFigureOut">
               <a:rPr lang="en-US" smtClean="0"/>
-              <a:t>11/14/24</a:t>
+              <a:t>11/18/24</a:t>
             </a:fld>
             <a:endParaRPr lang="en-US"/>
           </a:p>
@@ -18090,7 +17242,7 @@
           <a:p>
             <a:fld id="{7C440E38-86B9-AF4A-8D14-0E3B01B3360B}" type="datetimeFigureOut">
               <a:rPr lang="en-US" smtClean="0"/>
-              <a:t>11/14/24</a:t>
+              <a:t>11/18/24</a:t>
             </a:fld>
             <a:endParaRPr lang="en-US"/>
           </a:p>
@@ -18298,7 +17450,7 @@
           <a:p>
             <a:fld id="{7C440E38-86B9-AF4A-8D14-0E3B01B3360B}" type="datetimeFigureOut">
               <a:rPr lang="en-US" smtClean="0"/>
-              <a:t>11/14/24</a:t>
+              <a:t>11/18/24</a:t>
             </a:fld>
             <a:endParaRPr lang="en-US"/>
           </a:p>
@@ -18496,7 +17648,7 @@
           <a:p>
             <a:fld id="{7C440E38-86B9-AF4A-8D14-0E3B01B3360B}" type="datetimeFigureOut">
               <a:rPr lang="en-US" smtClean="0"/>
-              <a:t>11/14/24</a:t>
+              <a:t>11/18/24</a:t>
             </a:fld>
             <a:endParaRPr lang="en-US"/>
           </a:p>
@@ -18771,7 +17923,7 @@
           <a:p>
             <a:fld id="{7C440E38-86B9-AF4A-8D14-0E3B01B3360B}" type="datetimeFigureOut">
               <a:rPr lang="en-US" smtClean="0"/>
-              <a:t>11/14/24</a:t>
+              <a:t>11/18/24</a:t>
             </a:fld>
             <a:endParaRPr lang="en-US"/>
           </a:p>
@@ -19036,7 +18188,7 @@
           <a:p>
             <a:fld id="{7C440E38-86B9-AF4A-8D14-0E3B01B3360B}" type="datetimeFigureOut">
               <a:rPr lang="en-US" smtClean="0"/>
-              <a:t>11/14/24</a:t>
+              <a:t>11/18/24</a:t>
             </a:fld>
             <a:endParaRPr lang="en-US"/>
           </a:p>
@@ -19448,7 +18600,7 @@
           <a:p>
             <a:fld id="{7C440E38-86B9-AF4A-8D14-0E3B01B3360B}" type="datetimeFigureOut">
               <a:rPr lang="en-US" smtClean="0"/>
-              <a:t>11/14/24</a:t>
+              <a:t>11/18/24</a:t>
             </a:fld>
             <a:endParaRPr lang="en-US"/>
           </a:p>
@@ -19589,7 +18741,7 @@
           <a:p>
             <a:fld id="{7C440E38-86B9-AF4A-8D14-0E3B01B3360B}" type="datetimeFigureOut">
               <a:rPr lang="en-US" smtClean="0"/>
-              <a:t>11/14/24</a:t>
+              <a:t>11/18/24</a:t>
             </a:fld>
             <a:endParaRPr lang="en-US"/>
           </a:p>
@@ -19702,7 +18854,7 @@
           <a:p>
             <a:fld id="{7C440E38-86B9-AF4A-8D14-0E3B01B3360B}" type="datetimeFigureOut">
               <a:rPr lang="en-US" smtClean="0"/>
-              <a:t>11/14/24</a:t>
+              <a:t>11/18/24</a:t>
             </a:fld>
             <a:endParaRPr lang="en-US"/>
           </a:p>
@@ -20013,7 +19165,7 @@
           <a:p>
             <a:fld id="{7C440E38-86B9-AF4A-8D14-0E3B01B3360B}" type="datetimeFigureOut">
               <a:rPr lang="en-US" smtClean="0"/>
-              <a:t>11/14/24</a:t>
+              <a:t>11/18/24</a:t>
             </a:fld>
             <a:endParaRPr lang="en-US"/>
           </a:p>
@@ -20301,7 +19453,7 @@
           <a:p>
             <a:fld id="{7C440E38-86B9-AF4A-8D14-0E3B01B3360B}" type="datetimeFigureOut">
               <a:rPr lang="en-US" smtClean="0"/>
-              <a:t>11/14/24</a:t>
+              <a:t>11/18/24</a:t>
             </a:fld>
             <a:endParaRPr lang="en-US"/>
           </a:p>
@@ -20542,7 +19694,7 @@
           <a:p>
             <a:fld id="{7C440E38-86B9-AF4A-8D14-0E3B01B3360B}" type="datetimeFigureOut">
               <a:rPr lang="en-US" smtClean="0"/>
-              <a:t>11/14/24</a:t>
+              <a:t>11/18/24</a:t>
             </a:fld>
             <a:endParaRPr lang="en-US"/>
           </a:p>
@@ -20965,34 +20117,6 @@
           <a:chExt cx="0" cy="0"/>
         </a:xfrm>
       </p:grpSpPr>
-      <p:graphicFrame>
-        <p:nvGraphicFramePr>
-          <p:cNvPr id="9" name="Diagram 8">
-            <a:extLst>
-              <a:ext uri="{FF2B5EF4-FFF2-40B4-BE49-F238E27FC236}">
-                <a16:creationId xmlns:a16="http://schemas.microsoft.com/office/drawing/2014/main" id="{2F18DD03-8D72-10E9-0FC9-89D6DEF372D4}"/>
-              </a:ext>
-            </a:extLst>
-          </p:cNvPr>
-          <p:cNvGraphicFramePr/>
-          <p:nvPr>
-            <p:extLst>
-              <p:ext uri="{D42A27DB-BD31-4B8C-83A1-F6EECF244321}">
-                <p14:modId xmlns:p14="http://schemas.microsoft.com/office/powerpoint/2010/main" val="3848927397"/>
-              </p:ext>
-            </p:extLst>
-          </p:nvPr>
-        </p:nvGraphicFramePr>
-        <p:xfrm>
-          <a:off x="-169055" y="160255"/>
-          <a:ext cx="9839644" cy="6537490"/>
-        </p:xfrm>
-        <a:graphic>
-          <a:graphicData uri="http://schemas.openxmlformats.org/drawingml/2006/diagram">
-            <dgm:relIds xmlns:dgm="http://schemas.openxmlformats.org/drawingml/2006/diagram" xmlns:r="http://schemas.openxmlformats.org/officeDocument/2006/relationships" r:dm="rId2" r:lo="rId3" r:qs="rId4" r:cs="rId5"/>
-          </a:graphicData>
-        </a:graphic>
-      </p:graphicFrame>
       <p:cxnSp>
         <p:nvCxnSpPr>
           <p:cNvPr id="30" name="Straight Connector 29">
@@ -23442,8 +22566,8 @@
         </p:nvSpPr>
         <p:spPr>
           <a:xfrm>
-            <a:off x="2711992" y="1997543"/>
-            <a:ext cx="731520" cy="407927"/>
+            <a:off x="2668659" y="1997543"/>
+            <a:ext cx="774853" cy="407927"/>
           </a:xfrm>
           <a:prstGeom prst="rect">
             <a:avLst/>
@@ -23482,7 +22606,7 @@
             <a:pPr algn="ctr"/>
             <a:r>
               <a:rPr lang="en-US" sz="1050" dirty="0"/>
-              <a:t>Location grouping</a:t>
+              <a:t>Location clustering</a:t>
             </a:r>
           </a:p>
         </p:txBody>
@@ -23501,8 +22625,8 @@
         </p:nvSpPr>
         <p:spPr>
           <a:xfrm>
-            <a:off x="2711992" y="2811213"/>
-            <a:ext cx="731520" cy="407927"/>
+            <a:off x="2668659" y="2811213"/>
+            <a:ext cx="774853" cy="407927"/>
           </a:xfrm>
           <a:prstGeom prst="rect">
             <a:avLst/>
@@ -23541,7 +22665,7 @@
             <a:pPr algn="ctr"/>
             <a:r>
               <a:rPr lang="en-US" sz="1050" dirty="0"/>
-              <a:t>Event grouping</a:t>
+              <a:t>Event clustering</a:t>
             </a:r>
           </a:p>
         </p:txBody>
@@ -23600,7 +22724,7 @@
             <a:pPr algn="ctr"/>
             <a:r>
               <a:rPr lang="en-US" sz="1050" dirty="0"/>
-              <a:t>Source Record grouping</a:t>
+              <a:t>Source Record clustering</a:t>
             </a:r>
           </a:p>
         </p:txBody>
@@ -24014,6 +23138,207 @@
           </a:p>
         </p:txBody>
       </p:sp>
+      <p:sp>
+        <p:nvSpPr>
+          <p:cNvPr id="8" name="Rectangle 7">
+            <a:extLst>
+              <a:ext uri="{FF2B5EF4-FFF2-40B4-BE49-F238E27FC236}">
+                <a16:creationId xmlns:a16="http://schemas.microsoft.com/office/drawing/2014/main" id="{DBAEB50B-BC34-47CB-8B12-71A5601896A7}"/>
+              </a:ext>
+            </a:extLst>
+          </p:cNvPr>
+          <p:cNvSpPr/>
+          <p:nvPr/>
+        </p:nvSpPr>
+        <p:spPr>
+          <a:xfrm>
+            <a:off x="6613944" y="5424198"/>
+            <a:ext cx="861996" cy="462982"/>
+          </a:xfrm>
+          <a:prstGeom prst="rect">
+            <a:avLst/>
+          </a:prstGeom>
+          <a:solidFill>
+            <a:schemeClr val="accent6"/>
+          </a:solidFill>
+          <a:ln>
+            <a:solidFill>
+              <a:schemeClr val="accent6">
+                <a:lumMod val="75000"/>
+              </a:schemeClr>
+            </a:solidFill>
+          </a:ln>
+        </p:spPr>
+        <p:style>
+          <a:lnRef idx="2">
+            <a:schemeClr val="accent1">
+              <a:shade val="15000"/>
+            </a:schemeClr>
+          </a:lnRef>
+          <a:fillRef idx="1">
+            <a:schemeClr val="accent1"/>
+          </a:fillRef>
+          <a:effectRef idx="0">
+            <a:schemeClr val="accent1"/>
+          </a:effectRef>
+          <a:fontRef idx="minor">
+            <a:schemeClr val="lt1"/>
+          </a:fontRef>
+        </p:style>
+        <p:txBody>
+          <a:bodyPr rtlCol="0" anchor="ctr"/>
+          <a:lstStyle/>
+          <a:p>
+            <a:pPr algn="ctr"/>
+            <a:r>
+              <a:rPr lang="en-US" sz="1050" dirty="0"/>
+              <a:t>Diagnosis</a:t>
+            </a:r>
+          </a:p>
+        </p:txBody>
+      </p:sp>
+      <p:cxnSp>
+        <p:nvCxnSpPr>
+          <p:cNvPr id="10" name="Elbow Connector 9">
+            <a:extLst>
+              <a:ext uri="{FF2B5EF4-FFF2-40B4-BE49-F238E27FC236}">
+                <a16:creationId xmlns:a16="http://schemas.microsoft.com/office/drawing/2014/main" id="{7699AB75-FD25-2F4D-B818-68F65D0D5106}"/>
+              </a:ext>
+            </a:extLst>
+          </p:cNvPr>
+          <p:cNvCxnSpPr/>
+          <p:nvPr/>
+        </p:nvCxnSpPr>
+        <p:spPr>
+          <a:xfrm>
+            <a:off x="4629729" y="5003865"/>
+            <a:ext cx="1984215" cy="564339"/>
+          </a:xfrm>
+          <a:prstGeom prst="bentConnector3">
+            <a:avLst/>
+          </a:prstGeom>
+          <a:ln/>
+        </p:spPr>
+        <p:style>
+          <a:lnRef idx="1">
+            <a:schemeClr val="accent6"/>
+          </a:lnRef>
+          <a:fillRef idx="0">
+            <a:schemeClr val="accent6"/>
+          </a:fillRef>
+          <a:effectRef idx="0">
+            <a:schemeClr val="accent6"/>
+          </a:effectRef>
+          <a:fontRef idx="minor">
+            <a:schemeClr val="tx1"/>
+          </a:fontRef>
+        </p:style>
+      </p:cxnSp>
+      <p:cxnSp>
+        <p:nvCxnSpPr>
+          <p:cNvPr id="19" name="Straight Connector 18">
+            <a:extLst>
+              <a:ext uri="{FF2B5EF4-FFF2-40B4-BE49-F238E27FC236}">
+                <a16:creationId xmlns:a16="http://schemas.microsoft.com/office/drawing/2014/main" id="{44823C4A-E0A3-9AC1-9709-D69287624D56}"/>
+              </a:ext>
+            </a:extLst>
+          </p:cNvPr>
+          <p:cNvCxnSpPr/>
+          <p:nvPr/>
+        </p:nvCxnSpPr>
+        <p:spPr>
+          <a:xfrm>
+            <a:off x="4629729" y="5776755"/>
+            <a:ext cx="1984215" cy="0"/>
+          </a:xfrm>
+          <a:prstGeom prst="line">
+            <a:avLst/>
+          </a:prstGeom>
+        </p:spPr>
+        <p:style>
+          <a:lnRef idx="1">
+            <a:schemeClr val="accent6"/>
+          </a:lnRef>
+          <a:fillRef idx="0">
+            <a:schemeClr val="accent6"/>
+          </a:fillRef>
+          <a:effectRef idx="0">
+            <a:schemeClr val="accent6"/>
+          </a:effectRef>
+          <a:fontRef idx="minor">
+            <a:schemeClr val="tx1"/>
+          </a:fontRef>
+        </p:style>
+      </p:cxnSp>
+      <p:cxnSp>
+        <p:nvCxnSpPr>
+          <p:cNvPr id="20" name="Elbow Connector 19">
+            <a:extLst>
+              <a:ext uri="{FF2B5EF4-FFF2-40B4-BE49-F238E27FC236}">
+                <a16:creationId xmlns:a16="http://schemas.microsoft.com/office/drawing/2014/main" id="{7AB98A43-3B68-84AB-89D4-02D713D68B8A}"/>
+              </a:ext>
+            </a:extLst>
+          </p:cNvPr>
+          <p:cNvCxnSpPr>
+            <a:cxnSpLocks/>
+          </p:cNvCxnSpPr>
+          <p:nvPr/>
+        </p:nvCxnSpPr>
+        <p:spPr>
+          <a:xfrm flipV="1">
+            <a:off x="4835748" y="5858283"/>
+            <a:ext cx="1778196" cy="333712"/>
+          </a:xfrm>
+          <a:prstGeom prst="bentConnector3">
+            <a:avLst>
+              <a:gd name="adj1" fmla="val 167"/>
+            </a:avLst>
+          </a:prstGeom>
+          <a:ln/>
+        </p:spPr>
+        <p:style>
+          <a:lnRef idx="1">
+            <a:schemeClr val="accent6"/>
+          </a:lnRef>
+          <a:fillRef idx="0">
+            <a:schemeClr val="accent6"/>
+          </a:fillRef>
+          <a:effectRef idx="0">
+            <a:schemeClr val="accent6"/>
+          </a:effectRef>
+          <a:fontRef idx="minor">
+            <a:schemeClr val="tx1"/>
+          </a:fontRef>
+        </p:style>
+      </p:cxnSp>
+      <p:graphicFrame>
+        <p:nvGraphicFramePr>
+          <p:cNvPr id="9" name="Diagram 8">
+            <a:extLst>
+              <a:ext uri="{FF2B5EF4-FFF2-40B4-BE49-F238E27FC236}">
+                <a16:creationId xmlns:a16="http://schemas.microsoft.com/office/drawing/2014/main" id="{2F18DD03-8D72-10E9-0FC9-89D6DEF372D4}"/>
+              </a:ext>
+            </a:extLst>
+          </p:cNvPr>
+          <p:cNvGraphicFramePr/>
+          <p:nvPr>
+            <p:extLst>
+              <p:ext uri="{D42A27DB-BD31-4B8C-83A1-F6EECF244321}">
+                <p14:modId xmlns:p14="http://schemas.microsoft.com/office/powerpoint/2010/main" val="2542569237"/>
+              </p:ext>
+            </p:extLst>
+          </p:nvPr>
+        </p:nvGraphicFramePr>
+        <p:xfrm>
+          <a:off x="-169055" y="160255"/>
+          <a:ext cx="9839644" cy="6537490"/>
+        </p:xfrm>
+        <a:graphic>
+          <a:graphicData uri="http://schemas.openxmlformats.org/drawingml/2006/diagram">
+            <dgm:relIds xmlns:dgm="http://schemas.openxmlformats.org/drawingml/2006/diagram" xmlns:r="http://schemas.openxmlformats.org/officeDocument/2006/relationships" r:dm="rId2" r:lo="rId3" r:qs="rId4" r:cs="rId5"/>
+          </a:graphicData>
+        </a:graphic>
+      </p:graphicFrame>
     </p:spTree>
     <p:extLst>
       <p:ext uri="{BB962C8B-B14F-4D97-AF65-F5344CB8AC3E}">
@@ -25773,8 +25098,8 @@
         </p:nvCxnSpPr>
         <p:spPr>
           <a:xfrm flipV="1">
-            <a:off x="4512279" y="5244308"/>
-            <a:ext cx="0" cy="1128028"/>
+            <a:off x="4465746" y="5267878"/>
+            <a:ext cx="0" cy="1089918"/>
           </a:xfrm>
           <a:prstGeom prst="line">
             <a:avLst/>
@@ -25815,7 +25140,7 @@
         <p:spPr>
           <a:xfrm>
             <a:off x="4338746" y="5255462"/>
-            <a:ext cx="183554" cy="0"/>
+            <a:ext cx="139305" cy="0"/>
           </a:xfrm>
           <a:prstGeom prst="line">
             <a:avLst/>
@@ -25853,7 +25178,7 @@
         </p:nvSpPr>
         <p:spPr>
           <a:xfrm>
-            <a:off x="4478051" y="5952602"/>
+            <a:off x="4129598" y="6169977"/>
             <a:ext cx="579407" cy="215444"/>
           </a:xfrm>
           <a:prstGeom prst="rect">
@@ -25888,8 +25213,8 @@
         </p:nvSpPr>
         <p:spPr>
           <a:xfrm>
-            <a:off x="2436841" y="2212123"/>
-            <a:ext cx="731520" cy="407927"/>
+            <a:off x="2402493" y="2212123"/>
+            <a:ext cx="765868" cy="407927"/>
           </a:xfrm>
           <a:prstGeom prst="rect">
             <a:avLst/>
@@ -25928,7 +25253,7 @@
             <a:pPr algn="ctr"/>
             <a:r>
               <a:rPr lang="en-US" sz="1050" dirty="0"/>
-              <a:t>Location grouping</a:t>
+              <a:t>Location clustering</a:t>
             </a:r>
           </a:p>
         </p:txBody>
@@ -25947,8 +25272,8 @@
         </p:nvSpPr>
         <p:spPr>
           <a:xfrm>
-            <a:off x="2436841" y="3025793"/>
-            <a:ext cx="731520" cy="407927"/>
+            <a:off x="2402493" y="3025793"/>
+            <a:ext cx="765868" cy="407927"/>
           </a:xfrm>
           <a:prstGeom prst="rect">
             <a:avLst/>
@@ -25987,7 +25312,7 @@
             <a:pPr algn="ctr"/>
             <a:r>
               <a:rPr lang="en-US" sz="1050" dirty="0"/>
-              <a:t>Event grouping</a:t>
+              <a:t>Event clustering</a:t>
             </a:r>
           </a:p>
         </p:txBody>
@@ -26046,7 +25371,7 @@
             <a:pPr algn="ctr"/>
             <a:r>
               <a:rPr lang="en-US" sz="1050" dirty="0"/>
-              <a:t>Source Record grouping</a:t>
+              <a:t>Source Record clustering</a:t>
             </a:r>
           </a:p>
         </p:txBody>
@@ -26384,34 +25709,6 @@
           </a:fontRef>
         </p:style>
       </p:cxnSp>
-      <p:graphicFrame>
-        <p:nvGraphicFramePr>
-          <p:cNvPr id="9" name="Diagram 8">
-            <a:extLst>
-              <a:ext uri="{FF2B5EF4-FFF2-40B4-BE49-F238E27FC236}">
-                <a16:creationId xmlns:a16="http://schemas.microsoft.com/office/drawing/2014/main" id="{2F8669E9-8FBE-9E28-868C-CAEF81C49D54}"/>
-              </a:ext>
-            </a:extLst>
-          </p:cNvPr>
-          <p:cNvGraphicFramePr/>
-          <p:nvPr>
-            <p:extLst>
-              <p:ext uri="{D42A27DB-BD31-4B8C-83A1-F6EECF244321}">
-                <p14:modId xmlns:p14="http://schemas.microsoft.com/office/powerpoint/2010/main" val="1068895895"/>
-              </p:ext>
-            </p:extLst>
-          </p:nvPr>
-        </p:nvGraphicFramePr>
-        <p:xfrm>
-          <a:off x="-441771" y="332139"/>
-          <a:ext cx="9839644" cy="6537490"/>
-        </p:xfrm>
-        <a:graphic>
-          <a:graphicData uri="http://schemas.openxmlformats.org/drawingml/2006/diagram">
-            <dgm:relIds xmlns:dgm="http://schemas.openxmlformats.org/drawingml/2006/diagram" xmlns:r="http://schemas.openxmlformats.org/officeDocument/2006/relationships" r:dm="rId2" r:lo="rId3" r:qs="rId4" r:cs="rId5"/>
-          </a:graphicData>
-        </a:graphic>
-      </p:graphicFrame>
       <p:cxnSp>
         <p:nvCxnSpPr>
           <p:cNvPr id="19" name="Straight Connector 18">
@@ -26467,7 +25764,7 @@
         </p:nvSpPr>
         <p:spPr>
           <a:xfrm>
-            <a:off x="4101249" y="6086795"/>
+            <a:off x="3744962" y="6097658"/>
             <a:ext cx="579407" cy="215444"/>
           </a:xfrm>
           <a:prstGeom prst="rect">
@@ -26488,6 +25785,207 @@
           </a:p>
         </p:txBody>
       </p:sp>
+      <p:sp>
+        <p:nvSpPr>
+          <p:cNvPr id="23" name="Rectangle 22">
+            <a:extLst>
+              <a:ext uri="{FF2B5EF4-FFF2-40B4-BE49-F238E27FC236}">
+                <a16:creationId xmlns:a16="http://schemas.microsoft.com/office/drawing/2014/main" id="{48307ECF-CA34-9DA6-8DE3-03F506A1796D}"/>
+              </a:ext>
+            </a:extLst>
+          </p:cNvPr>
+          <p:cNvSpPr/>
+          <p:nvPr/>
+        </p:nvSpPr>
+        <p:spPr>
+          <a:xfrm>
+            <a:off x="6335266" y="5583026"/>
+            <a:ext cx="861996" cy="462982"/>
+          </a:xfrm>
+          <a:prstGeom prst="rect">
+            <a:avLst/>
+          </a:prstGeom>
+          <a:solidFill>
+            <a:schemeClr val="accent6"/>
+          </a:solidFill>
+          <a:ln>
+            <a:solidFill>
+              <a:schemeClr val="accent6">
+                <a:lumMod val="75000"/>
+              </a:schemeClr>
+            </a:solidFill>
+          </a:ln>
+        </p:spPr>
+        <p:style>
+          <a:lnRef idx="2">
+            <a:schemeClr val="accent1">
+              <a:shade val="15000"/>
+            </a:schemeClr>
+          </a:lnRef>
+          <a:fillRef idx="1">
+            <a:schemeClr val="accent1"/>
+          </a:fillRef>
+          <a:effectRef idx="0">
+            <a:schemeClr val="accent1"/>
+          </a:effectRef>
+          <a:fontRef idx="minor">
+            <a:schemeClr val="lt1"/>
+          </a:fontRef>
+        </p:style>
+        <p:txBody>
+          <a:bodyPr rtlCol="0" anchor="ctr"/>
+          <a:lstStyle/>
+          <a:p>
+            <a:pPr algn="ctr"/>
+            <a:r>
+              <a:rPr lang="en-US" sz="1050" dirty="0"/>
+              <a:t>Diagnosis</a:t>
+            </a:r>
+          </a:p>
+        </p:txBody>
+      </p:sp>
+      <p:cxnSp>
+        <p:nvCxnSpPr>
+          <p:cNvPr id="28" name="Elbow Connector 27">
+            <a:extLst>
+              <a:ext uri="{FF2B5EF4-FFF2-40B4-BE49-F238E27FC236}">
+                <a16:creationId xmlns:a16="http://schemas.microsoft.com/office/drawing/2014/main" id="{7625EF7D-CC81-4A04-C141-4C93239EC066}"/>
+              </a:ext>
+            </a:extLst>
+          </p:cNvPr>
+          <p:cNvCxnSpPr/>
+          <p:nvPr/>
+        </p:nvCxnSpPr>
+        <p:spPr>
+          <a:xfrm>
+            <a:off x="4351051" y="5162693"/>
+            <a:ext cx="1984215" cy="564339"/>
+          </a:xfrm>
+          <a:prstGeom prst="bentConnector3">
+            <a:avLst/>
+          </a:prstGeom>
+          <a:ln/>
+        </p:spPr>
+        <p:style>
+          <a:lnRef idx="1">
+            <a:schemeClr val="accent6"/>
+          </a:lnRef>
+          <a:fillRef idx="0">
+            <a:schemeClr val="accent6"/>
+          </a:fillRef>
+          <a:effectRef idx="0">
+            <a:schemeClr val="accent6"/>
+          </a:effectRef>
+          <a:fontRef idx="minor">
+            <a:schemeClr val="tx1"/>
+          </a:fontRef>
+        </p:style>
+      </p:cxnSp>
+      <p:cxnSp>
+        <p:nvCxnSpPr>
+          <p:cNvPr id="30" name="Straight Connector 29">
+            <a:extLst>
+              <a:ext uri="{FF2B5EF4-FFF2-40B4-BE49-F238E27FC236}">
+                <a16:creationId xmlns:a16="http://schemas.microsoft.com/office/drawing/2014/main" id="{458B7A58-B529-E3B4-DDF8-930E051ECEB9}"/>
+              </a:ext>
+            </a:extLst>
+          </p:cNvPr>
+          <p:cNvCxnSpPr/>
+          <p:nvPr/>
+        </p:nvCxnSpPr>
+        <p:spPr>
+          <a:xfrm>
+            <a:off x="4351051" y="5935583"/>
+            <a:ext cx="1984215" cy="0"/>
+          </a:xfrm>
+          <a:prstGeom prst="line">
+            <a:avLst/>
+          </a:prstGeom>
+        </p:spPr>
+        <p:style>
+          <a:lnRef idx="1">
+            <a:schemeClr val="accent6"/>
+          </a:lnRef>
+          <a:fillRef idx="0">
+            <a:schemeClr val="accent6"/>
+          </a:fillRef>
+          <a:effectRef idx="0">
+            <a:schemeClr val="accent6"/>
+          </a:effectRef>
+          <a:fontRef idx="minor">
+            <a:schemeClr val="tx1"/>
+          </a:fontRef>
+        </p:style>
+      </p:cxnSp>
+      <p:cxnSp>
+        <p:nvCxnSpPr>
+          <p:cNvPr id="44" name="Elbow Connector 43">
+            <a:extLst>
+              <a:ext uri="{FF2B5EF4-FFF2-40B4-BE49-F238E27FC236}">
+                <a16:creationId xmlns:a16="http://schemas.microsoft.com/office/drawing/2014/main" id="{3485FCA9-D7F9-8342-21B1-A1EE69FD446B}"/>
+              </a:ext>
+            </a:extLst>
+          </p:cNvPr>
+          <p:cNvCxnSpPr>
+            <a:cxnSpLocks/>
+          </p:cNvCxnSpPr>
+          <p:nvPr/>
+        </p:nvCxnSpPr>
+        <p:spPr>
+          <a:xfrm flipV="1">
+            <a:off x="4557070" y="6017111"/>
+            <a:ext cx="1778196" cy="333712"/>
+          </a:xfrm>
+          <a:prstGeom prst="bentConnector3">
+            <a:avLst>
+              <a:gd name="adj1" fmla="val 167"/>
+            </a:avLst>
+          </a:prstGeom>
+          <a:ln/>
+        </p:spPr>
+        <p:style>
+          <a:lnRef idx="1">
+            <a:schemeClr val="accent6"/>
+          </a:lnRef>
+          <a:fillRef idx="0">
+            <a:schemeClr val="accent6"/>
+          </a:fillRef>
+          <a:effectRef idx="0">
+            <a:schemeClr val="accent6"/>
+          </a:effectRef>
+          <a:fontRef idx="minor">
+            <a:schemeClr val="tx1"/>
+          </a:fontRef>
+        </p:style>
+      </p:cxnSp>
+      <p:graphicFrame>
+        <p:nvGraphicFramePr>
+          <p:cNvPr id="9" name="Diagram 8">
+            <a:extLst>
+              <a:ext uri="{FF2B5EF4-FFF2-40B4-BE49-F238E27FC236}">
+                <a16:creationId xmlns:a16="http://schemas.microsoft.com/office/drawing/2014/main" id="{2F8669E9-8FBE-9E28-868C-CAEF81C49D54}"/>
+              </a:ext>
+            </a:extLst>
+          </p:cNvPr>
+          <p:cNvGraphicFramePr/>
+          <p:nvPr>
+            <p:extLst>
+              <p:ext uri="{D42A27DB-BD31-4B8C-83A1-F6EECF244321}">
+                <p14:modId xmlns:p14="http://schemas.microsoft.com/office/powerpoint/2010/main" val="672150757"/>
+              </p:ext>
+            </p:extLst>
+          </p:nvPr>
+        </p:nvGraphicFramePr>
+        <p:xfrm>
+          <a:off x="-441771" y="332139"/>
+          <a:ext cx="9839644" cy="6537490"/>
+        </p:xfrm>
+        <a:graphic>
+          <a:graphicData uri="http://schemas.openxmlformats.org/drawingml/2006/diagram">
+            <dgm:relIds xmlns:dgm="http://schemas.openxmlformats.org/drawingml/2006/diagram" xmlns:r="http://schemas.openxmlformats.org/officeDocument/2006/relationships" r:dm="rId2" r:lo="rId3" r:qs="rId4" r:cs="rId5"/>
+          </a:graphicData>
+        </a:graphic>
+      </p:graphicFrame>
     </p:spTree>
     <p:extLst>
       <p:ext uri="{BB962C8B-B14F-4D97-AF65-F5344CB8AC3E}">
@@ -28231,41 +27729,6 @@
           </a:fontRef>
         </p:style>
       </p:cxnSp>
-      <p:sp>
-        <p:nvSpPr>
-          <p:cNvPr id="5" name="TextBox 4">
-            <a:extLst>
-              <a:ext uri="{FF2B5EF4-FFF2-40B4-BE49-F238E27FC236}">
-                <a16:creationId xmlns:a16="http://schemas.microsoft.com/office/drawing/2014/main" id="{8003CB0B-8A6C-739E-77F2-909A98558EE5}"/>
-              </a:ext>
-            </a:extLst>
-          </p:cNvPr>
-          <p:cNvSpPr txBox="1"/>
-          <p:nvPr/>
-        </p:nvSpPr>
-        <p:spPr>
-          <a:xfrm>
-            <a:off x="4478051" y="5952602"/>
-            <a:ext cx="579407" cy="215444"/>
-          </a:xfrm>
-          <a:prstGeom prst="rect">
-            <a:avLst/>
-          </a:prstGeom>
-          <a:noFill/>
-        </p:spPr>
-        <p:txBody>
-          <a:bodyPr wrap="square" rtlCol="0">
-            <a:spAutoFit/>
-          </a:bodyPr>
-          <a:lstStyle/>
-          <a:p>
-            <a:r>
-              <a:rPr lang="en-US" sz="800" dirty="0"/>
-              <a:t>1:M</a:t>
-            </a:r>
-          </a:p>
-        </p:txBody>
-      </p:sp>
       <p:cxnSp>
         <p:nvCxnSpPr>
           <p:cNvPr id="4" name="Straight Connector 3">
@@ -28322,82 +27785,6 @@
           <a:xfrm flipV="1">
             <a:off x="2853234" y="2586640"/>
             <a:ext cx="0" cy="208005"/>
-          </a:xfrm>
-          <a:prstGeom prst="line">
-            <a:avLst/>
-          </a:prstGeom>
-        </p:spPr>
-        <p:style>
-          <a:lnRef idx="2">
-            <a:schemeClr val="accent1"/>
-          </a:lnRef>
-          <a:fillRef idx="0">
-            <a:schemeClr val="accent1"/>
-          </a:fillRef>
-          <a:effectRef idx="1">
-            <a:schemeClr val="accent1"/>
-          </a:effectRef>
-          <a:fontRef idx="minor">
-            <a:schemeClr val="tx1"/>
-          </a:fontRef>
-        </p:style>
-      </p:cxnSp>
-      <p:cxnSp>
-        <p:nvCxnSpPr>
-          <p:cNvPr id="7" name="Straight Connector 6">
-            <a:extLst>
-              <a:ext uri="{FF2B5EF4-FFF2-40B4-BE49-F238E27FC236}">
-                <a16:creationId xmlns:a16="http://schemas.microsoft.com/office/drawing/2014/main" id="{F4FBD4CF-3C0F-3048-5657-3875AC026732}"/>
-              </a:ext>
-            </a:extLst>
-          </p:cNvPr>
-          <p:cNvCxnSpPr>
-            <a:cxnSpLocks/>
-          </p:cNvCxnSpPr>
-          <p:nvPr/>
-        </p:nvCxnSpPr>
-        <p:spPr>
-          <a:xfrm flipH="1">
-            <a:off x="4375003" y="4972513"/>
-            <a:ext cx="649570" cy="0"/>
-          </a:xfrm>
-          <a:prstGeom prst="line">
-            <a:avLst/>
-          </a:prstGeom>
-        </p:spPr>
-        <p:style>
-          <a:lnRef idx="2">
-            <a:schemeClr val="accent1"/>
-          </a:lnRef>
-          <a:fillRef idx="0">
-            <a:schemeClr val="accent1"/>
-          </a:fillRef>
-          <a:effectRef idx="1">
-            <a:schemeClr val="accent1"/>
-          </a:effectRef>
-          <a:fontRef idx="minor">
-            <a:schemeClr val="tx1"/>
-          </a:fontRef>
-        </p:style>
-      </p:cxnSp>
-      <p:cxnSp>
-        <p:nvCxnSpPr>
-          <p:cNvPr id="8" name="Straight Connector 7">
-            <a:extLst>
-              <a:ext uri="{FF2B5EF4-FFF2-40B4-BE49-F238E27FC236}">
-                <a16:creationId xmlns:a16="http://schemas.microsoft.com/office/drawing/2014/main" id="{445C460B-C793-A3A4-FC16-D75202FE27AE}"/>
-              </a:ext>
-            </a:extLst>
-          </p:cNvPr>
-          <p:cNvCxnSpPr>
-            <a:cxnSpLocks/>
-          </p:cNvCxnSpPr>
-          <p:nvPr/>
-        </p:nvCxnSpPr>
-        <p:spPr>
-          <a:xfrm flipV="1">
-            <a:off x="5024573" y="4884745"/>
-            <a:ext cx="0" cy="87768"/>
           </a:xfrm>
           <a:prstGeom prst="line">
             <a:avLst/>
@@ -28488,41 +27875,6 @@
           </a:p>
         </p:txBody>
       </p:sp>
-      <p:sp>
-        <p:nvSpPr>
-          <p:cNvPr id="13" name="TextBox 12">
-            <a:extLst>
-              <a:ext uri="{FF2B5EF4-FFF2-40B4-BE49-F238E27FC236}">
-                <a16:creationId xmlns:a16="http://schemas.microsoft.com/office/drawing/2014/main" id="{A2B85768-1A2B-7D7C-3FF2-F0B5925158DD}"/>
-              </a:ext>
-            </a:extLst>
-          </p:cNvPr>
-          <p:cNvSpPr txBox="1"/>
-          <p:nvPr/>
-        </p:nvSpPr>
-        <p:spPr>
-          <a:xfrm>
-            <a:off x="4375002" y="4820720"/>
-            <a:ext cx="416857" cy="215444"/>
-          </a:xfrm>
-          <a:prstGeom prst="rect">
-            <a:avLst/>
-          </a:prstGeom>
-          <a:noFill/>
-        </p:spPr>
-        <p:txBody>
-          <a:bodyPr wrap="square" rtlCol="0">
-            <a:spAutoFit/>
-          </a:bodyPr>
-          <a:lstStyle/>
-          <a:p>
-            <a:r>
-              <a:rPr lang="en-US" sz="800" dirty="0"/>
-              <a:t>M:M</a:t>
-            </a:r>
-          </a:p>
-        </p:txBody>
-      </p:sp>
       <p:cxnSp>
         <p:nvCxnSpPr>
           <p:cNvPr id="14" name="Straight Connector 13">
@@ -28613,8 +27965,8 @@
         </p:nvSpPr>
         <p:spPr>
           <a:xfrm>
-            <a:off x="2487474" y="2983874"/>
-            <a:ext cx="731520" cy="407927"/>
+            <a:off x="2454442" y="2983874"/>
+            <a:ext cx="764552" cy="407927"/>
           </a:xfrm>
           <a:prstGeom prst="rect">
             <a:avLst/>
@@ -28653,7 +28005,7 @@
             <a:pPr algn="ctr"/>
             <a:r>
               <a:rPr lang="en-US" sz="1050" dirty="0"/>
-              <a:t>Event grouping</a:t>
+              <a:t>Event clustering</a:t>
             </a:r>
           </a:p>
         </p:txBody>
@@ -28672,8 +28024,8 @@
         </p:nvSpPr>
         <p:spPr>
           <a:xfrm>
-            <a:off x="2487474" y="2177743"/>
-            <a:ext cx="731520" cy="407927"/>
+            <a:off x="2456338" y="2177743"/>
+            <a:ext cx="762656" cy="407927"/>
           </a:xfrm>
           <a:prstGeom prst="rect">
             <a:avLst/>
@@ -28712,66 +28064,7 @@
             <a:pPr algn="ctr"/>
             <a:r>
               <a:rPr lang="en-US" sz="1050" dirty="0"/>
-              <a:t>Location grouping</a:t>
-            </a:r>
-          </a:p>
-        </p:txBody>
-      </p:sp>
-      <p:sp>
-        <p:nvSpPr>
-          <p:cNvPr id="3" name="Rectangle 2">
-            <a:extLst>
-              <a:ext uri="{FF2B5EF4-FFF2-40B4-BE49-F238E27FC236}">
-                <a16:creationId xmlns:a16="http://schemas.microsoft.com/office/drawing/2014/main" id="{29C5446C-EF0B-9C5B-B223-CA8EEBB8F61F}"/>
-              </a:ext>
-            </a:extLst>
-          </p:cNvPr>
-          <p:cNvSpPr/>
-          <p:nvPr/>
-        </p:nvSpPr>
-        <p:spPr>
-          <a:xfrm>
-            <a:off x="4593575" y="4411201"/>
-            <a:ext cx="861996" cy="462982"/>
-          </a:xfrm>
-          <a:prstGeom prst="rect">
-            <a:avLst/>
-          </a:prstGeom>
-          <a:solidFill>
-            <a:schemeClr val="accent2"/>
-          </a:solidFill>
-          <a:ln>
-            <a:solidFill>
-              <a:schemeClr val="accent2">
-                <a:lumMod val="75000"/>
-              </a:schemeClr>
-            </a:solidFill>
-          </a:ln>
-        </p:spPr>
-        <p:style>
-          <a:lnRef idx="2">
-            <a:schemeClr val="accent1">
-              <a:shade val="15000"/>
-            </a:schemeClr>
-          </a:lnRef>
-          <a:fillRef idx="1">
-            <a:schemeClr val="accent1"/>
-          </a:fillRef>
-          <a:effectRef idx="0">
-            <a:schemeClr val="accent1"/>
-          </a:effectRef>
-          <a:fontRef idx="minor">
-            <a:schemeClr val="lt1"/>
-          </a:fontRef>
-        </p:style>
-        <p:txBody>
-          <a:bodyPr rtlCol="0" anchor="ctr"/>
-          <a:lstStyle/>
-          <a:p>
-            <a:pPr algn="ctr"/>
-            <a:r>
-              <a:rPr lang="en-US" sz="1050" dirty="0"/>
-              <a:t>Source Record grouping</a:t>
+              <a:t>Location clustering</a:t>
             </a:r>
           </a:p>
         </p:txBody>
@@ -28831,7 +28124,7 @@
         </p:nvSpPr>
         <p:spPr>
           <a:xfrm>
-            <a:off x="4047272" y="6118777"/>
+            <a:off x="3946466" y="6101592"/>
             <a:ext cx="579407" cy="215444"/>
           </a:xfrm>
           <a:prstGeom prst="rect">
@@ -28852,6 +28145,179 @@
           </a:p>
         </p:txBody>
       </p:sp>
+      <p:sp>
+        <p:nvSpPr>
+          <p:cNvPr id="16" name="Rectangle 15">
+            <a:extLst>
+              <a:ext uri="{FF2B5EF4-FFF2-40B4-BE49-F238E27FC236}">
+                <a16:creationId xmlns:a16="http://schemas.microsoft.com/office/drawing/2014/main" id="{333E30F1-4F1C-2DB1-E546-4F7C4228E5AA}"/>
+              </a:ext>
+            </a:extLst>
+          </p:cNvPr>
+          <p:cNvSpPr/>
+          <p:nvPr/>
+        </p:nvSpPr>
+        <p:spPr>
+          <a:xfrm>
+            <a:off x="6335266" y="5583026"/>
+            <a:ext cx="861996" cy="462982"/>
+          </a:xfrm>
+          <a:prstGeom prst="rect">
+            <a:avLst/>
+          </a:prstGeom>
+          <a:solidFill>
+            <a:schemeClr val="accent6"/>
+          </a:solidFill>
+          <a:ln>
+            <a:solidFill>
+              <a:schemeClr val="accent6">
+                <a:lumMod val="75000"/>
+              </a:schemeClr>
+            </a:solidFill>
+          </a:ln>
+        </p:spPr>
+        <p:style>
+          <a:lnRef idx="2">
+            <a:schemeClr val="accent1">
+              <a:shade val="15000"/>
+            </a:schemeClr>
+          </a:lnRef>
+          <a:fillRef idx="1">
+            <a:schemeClr val="accent1"/>
+          </a:fillRef>
+          <a:effectRef idx="0">
+            <a:schemeClr val="accent1"/>
+          </a:effectRef>
+          <a:fontRef idx="minor">
+            <a:schemeClr val="lt1"/>
+          </a:fontRef>
+        </p:style>
+        <p:txBody>
+          <a:bodyPr rtlCol="0" anchor="ctr"/>
+          <a:lstStyle/>
+          <a:p>
+            <a:pPr algn="ctr"/>
+            <a:r>
+              <a:rPr lang="en-US" sz="1050" dirty="0"/>
+              <a:t>Diagnosis</a:t>
+            </a:r>
+          </a:p>
+        </p:txBody>
+      </p:sp>
+      <p:cxnSp>
+        <p:nvCxnSpPr>
+          <p:cNvPr id="20" name="Elbow Connector 19">
+            <a:extLst>
+              <a:ext uri="{FF2B5EF4-FFF2-40B4-BE49-F238E27FC236}">
+                <a16:creationId xmlns:a16="http://schemas.microsoft.com/office/drawing/2014/main" id="{4901BBEC-FBBA-F5D0-494C-FDA633E5B4C1}"/>
+              </a:ext>
+            </a:extLst>
+          </p:cNvPr>
+          <p:cNvCxnSpPr/>
+          <p:nvPr/>
+        </p:nvCxnSpPr>
+        <p:spPr>
+          <a:xfrm>
+            <a:off x="4351051" y="5162693"/>
+            <a:ext cx="1984215" cy="564339"/>
+          </a:xfrm>
+          <a:prstGeom prst="bentConnector3">
+            <a:avLst/>
+          </a:prstGeom>
+          <a:ln/>
+        </p:spPr>
+        <p:style>
+          <a:lnRef idx="1">
+            <a:schemeClr val="accent6"/>
+          </a:lnRef>
+          <a:fillRef idx="0">
+            <a:schemeClr val="accent6"/>
+          </a:fillRef>
+          <a:effectRef idx="0">
+            <a:schemeClr val="accent6"/>
+          </a:effectRef>
+          <a:fontRef idx="minor">
+            <a:schemeClr val="tx1"/>
+          </a:fontRef>
+        </p:style>
+      </p:cxnSp>
+      <p:cxnSp>
+        <p:nvCxnSpPr>
+          <p:cNvPr id="21" name="Straight Connector 20">
+            <a:extLst>
+              <a:ext uri="{FF2B5EF4-FFF2-40B4-BE49-F238E27FC236}">
+                <a16:creationId xmlns:a16="http://schemas.microsoft.com/office/drawing/2014/main" id="{CAD195AA-44E9-616C-C384-3807D9DD7213}"/>
+              </a:ext>
+            </a:extLst>
+          </p:cNvPr>
+          <p:cNvCxnSpPr/>
+          <p:nvPr/>
+        </p:nvCxnSpPr>
+        <p:spPr>
+          <a:xfrm>
+            <a:off x="4351051" y="5935583"/>
+            <a:ext cx="1984215" cy="0"/>
+          </a:xfrm>
+          <a:prstGeom prst="line">
+            <a:avLst/>
+          </a:prstGeom>
+        </p:spPr>
+        <p:style>
+          <a:lnRef idx="1">
+            <a:schemeClr val="accent6"/>
+          </a:lnRef>
+          <a:fillRef idx="0">
+            <a:schemeClr val="accent6"/>
+          </a:fillRef>
+          <a:effectRef idx="0">
+            <a:schemeClr val="accent6"/>
+          </a:effectRef>
+          <a:fontRef idx="minor">
+            <a:schemeClr val="tx1"/>
+          </a:fontRef>
+        </p:style>
+      </p:cxnSp>
+      <p:cxnSp>
+        <p:nvCxnSpPr>
+          <p:cNvPr id="23" name="Elbow Connector 22">
+            <a:extLst>
+              <a:ext uri="{FF2B5EF4-FFF2-40B4-BE49-F238E27FC236}">
+                <a16:creationId xmlns:a16="http://schemas.microsoft.com/office/drawing/2014/main" id="{F00762AA-A625-E760-524E-A99A026EE23F}"/>
+              </a:ext>
+            </a:extLst>
+          </p:cNvPr>
+          <p:cNvCxnSpPr>
+            <a:cxnSpLocks/>
+          </p:cNvCxnSpPr>
+          <p:nvPr/>
+        </p:nvCxnSpPr>
+        <p:spPr>
+          <a:xfrm flipV="1">
+            <a:off x="4557070" y="6017111"/>
+            <a:ext cx="1778196" cy="333712"/>
+          </a:xfrm>
+          <a:prstGeom prst="bentConnector3">
+            <a:avLst>
+              <a:gd name="adj1" fmla="val 167"/>
+            </a:avLst>
+          </a:prstGeom>
+          <a:ln/>
+        </p:spPr>
+        <p:style>
+          <a:lnRef idx="1">
+            <a:schemeClr val="accent6"/>
+          </a:lnRef>
+          <a:fillRef idx="0">
+            <a:schemeClr val="accent6"/>
+          </a:fillRef>
+          <a:effectRef idx="0">
+            <a:schemeClr val="accent6"/>
+          </a:effectRef>
+          <a:fontRef idx="minor">
+            <a:schemeClr val="tx1"/>
+          </a:fontRef>
+        </p:style>
+      </p:cxnSp>
       <p:graphicFrame>
         <p:nvGraphicFramePr>
           <p:cNvPr id="9" name="Diagram 8">
@@ -28865,7 +28331,7 @@
           <p:nvPr>
             <p:extLst>
               <p:ext uri="{D42A27DB-BD31-4B8C-83A1-F6EECF244321}">
-                <p14:modId xmlns:p14="http://schemas.microsoft.com/office/powerpoint/2010/main" val="991486074"/>
+                <p14:modId xmlns:p14="http://schemas.microsoft.com/office/powerpoint/2010/main" val="2585359816"/>
               </p:ext>
             </p:extLst>
           </p:nvPr>
